--- a/Chapter 1 Basic Concepts/Chapter 1.pptx
+++ b/Chapter 1 Basic Concepts/Chapter 1.pptx
@@ -6791,20 +6791,33 @@
           <a:lstStyle/>
           <a:p>
             <a:r>
+              <a:rPr lang="en-US" altLang="zh-TW" dirty="0"/>
+              <a:t>Calculating </a:t>
+            </a:r>
+            <a:r>
+              <a:rPr lang="en-US" altLang="zh-TW"/>
+              <a:t>time </a:t>
+            </a:r>
+            <a:r>
+              <a:rPr lang="en-US" altLang="zh-TW" smtClean="0"/>
+              <a:t>complexity</a:t>
+            </a:r>
+            <a:endParaRPr lang="en-US" altLang="zh-TW" dirty="0" smtClean="0">
+              <a:hlinkClick r:id="rId2" action="ppaction://hlinksldjump"/>
+            </a:endParaRPr>
+          </a:p>
+          <a:p>
+            <a:pPr lvl="1"/>
+            <a:r>
               <a:rPr lang="en-US" altLang="zh-TW" dirty="0" smtClean="0">
                 <a:hlinkClick r:id="rId2" action="ppaction://hlinksldjump"/>
               </a:rPr>
-              <a:t>Program </a:t>
-            </a:r>
-            <a:r>
-              <a:rPr lang="en-US" altLang="zh-TW" dirty="0">
-                <a:hlinkClick r:id="rId2" action="ppaction://hlinksldjump"/>
-              </a:rPr>
-              <a:t>1.13: Program 1.11 with count statements   26</a:t>
-            </a:r>
-            <a:endParaRPr lang="en-US" altLang="zh-TW" dirty="0"/>
-          </a:p>
-          <a:p>
+              <a:t>Program 1.13: Program 1.11 with count statements   26</a:t>
+            </a:r>
+            <a:endParaRPr lang="en-US" altLang="zh-TW" dirty="0" smtClean="0"/>
+          </a:p>
+          <a:p>
+            <a:pPr lvl="1"/>
             <a:r>
               <a:rPr lang="en-US" altLang="zh-TW" dirty="0" smtClean="0">
                 <a:hlinkClick r:id="rId3" action="ppaction://hlinksldjump"/>
@@ -6820,6 +6833,7 @@
             <a:endParaRPr lang="en-US" altLang="zh-TW" dirty="0"/>
           </a:p>
           <a:p>
+            <a:pPr lvl="1"/>
             <a:r>
               <a:rPr lang="en-US" altLang="zh-TW" dirty="0" smtClean="0">
                 <a:hlinkClick r:id="rId4" action="ppaction://hlinksldjump"/>
@@ -6830,12 +6844,15 @@
               <a:rPr lang="en-US" altLang="zh-TW" dirty="0">
                 <a:hlinkClick r:id="rId4" action="ppaction://hlinksldjump"/>
               </a:rPr>
-              <a:t>1.17: Matrix addition with count statements   29</a:t>
+              <a:t>1.17: Matrix addition with count statements   </a:t>
+            </a:r>
+            <a:r>
+              <a:rPr lang="en-US" altLang="zh-TW" dirty="0" smtClean="0">
+                <a:hlinkClick r:id="rId4" action="ppaction://hlinksldjump"/>
+              </a:rPr>
+              <a:t>29</a:t>
             </a:r>
             <a:endParaRPr lang="en-US" altLang="zh-TW" dirty="0"/>
-          </a:p>
-          <a:p>
-            <a:endParaRPr lang="zh-TW" altLang="en-US" dirty="0"/>
           </a:p>
         </p:txBody>
       </p:sp>

--- a/Chapter 1 Basic Concepts/Chapter 1.pptx
+++ b/Chapter 1 Basic Concepts/Chapter 1.pptx
@@ -198,7 +198,7 @@
           </a:lstStyle>
           <a:p>
             <a:r>
-              <a:rPr lang="zh-TW" altLang="en-US" smtClean="0"/>
+              <a:rPr lang="zh-TW" altLang="en-US"/>
               <a:t>按一下以編輯母片標題樣式</a:t>
             </a:r>
             <a:endParaRPr lang="en-US" dirty="0"/>
@@ -266,7 +266,7 @@
           </a:lstStyle>
           <a:p>
             <a:r>
-              <a:rPr lang="zh-TW" altLang="en-US" smtClean="0"/>
+              <a:rPr lang="zh-TW" altLang="en-US"/>
               <a:t>按一下以編輯母片副標題樣式</a:t>
             </a:r>
             <a:endParaRPr lang="en-US" dirty="0"/>
@@ -290,7 +290,7 @@
           <a:p>
             <a:fld id="{D06915D0-C156-4E50-BB29-93FD4A7023AE}" type="datetimeFigureOut">
               <a:rPr lang="zh-TW" altLang="en-US" smtClean="0"/>
-              <a:t>2019/3/16</a:t>
+              <a:t>2019/3/26</a:t>
             </a:fld>
             <a:endParaRPr lang="zh-TW" altLang="en-US"/>
           </a:p>
@@ -348,13 +348,6 @@
   <p:clrMapOvr>
     <a:masterClrMapping/>
   </p:clrMapOvr>
-  <p:timing>
-    <p:tnLst>
-      <p:par>
-        <p:cTn id="1" dur="indefinite" restart="never" nodeType="tmRoot"/>
-      </p:par>
-    </p:tnLst>
-  </p:timing>
 </p:sldLayout>
 </file>
 
@@ -391,7 +384,7 @@
           <a:lstStyle/>
           <a:p>
             <a:r>
-              <a:rPr lang="zh-TW" altLang="en-US" smtClean="0"/>
+              <a:rPr lang="zh-TW" altLang="en-US"/>
               <a:t>按一下以編輯母片標題樣式</a:t>
             </a:r>
             <a:endParaRPr lang="en-US" dirty="0"/>
@@ -415,35 +408,35 @@
           <a:p>
             <a:pPr lvl="0"/>
             <a:r>
-              <a:rPr lang="zh-TW" altLang="en-US" smtClean="0"/>
+              <a:rPr lang="zh-TW" altLang="en-US"/>
               <a:t>編輯母片文字樣式</a:t>
             </a:r>
           </a:p>
           <a:p>
             <a:pPr lvl="1"/>
             <a:r>
-              <a:rPr lang="zh-TW" altLang="en-US" smtClean="0"/>
+              <a:rPr lang="zh-TW" altLang="en-US"/>
               <a:t>第二層</a:t>
             </a:r>
           </a:p>
           <a:p>
             <a:pPr lvl="2"/>
             <a:r>
-              <a:rPr lang="zh-TW" altLang="en-US" smtClean="0"/>
+              <a:rPr lang="zh-TW" altLang="en-US"/>
               <a:t>第三層</a:t>
             </a:r>
           </a:p>
           <a:p>
             <a:pPr lvl="3"/>
             <a:r>
-              <a:rPr lang="zh-TW" altLang="en-US" smtClean="0"/>
+              <a:rPr lang="zh-TW" altLang="en-US"/>
               <a:t>第四層</a:t>
             </a:r>
           </a:p>
           <a:p>
             <a:pPr lvl="4"/>
             <a:r>
-              <a:rPr lang="zh-TW" altLang="en-US" smtClean="0"/>
+              <a:rPr lang="zh-TW" altLang="en-US"/>
               <a:t>第五層</a:t>
             </a:r>
             <a:endParaRPr lang="en-US" dirty="0"/>
@@ -467,7 +460,7 @@
           <a:p>
             <a:fld id="{D06915D0-C156-4E50-BB29-93FD4A7023AE}" type="datetimeFigureOut">
               <a:rPr lang="zh-TW" altLang="en-US" smtClean="0"/>
-              <a:t>2019/3/16</a:t>
+              <a:t>2019/3/26</a:t>
             </a:fld>
             <a:endParaRPr lang="zh-TW" altLang="en-US"/>
           </a:p>
@@ -566,7 +559,7 @@
           <a:lstStyle/>
           <a:p>
             <a:r>
-              <a:rPr lang="zh-TW" altLang="en-US" smtClean="0"/>
+              <a:rPr lang="zh-TW" altLang="en-US"/>
               <a:t>按一下以編輯母片標題樣式</a:t>
             </a:r>
             <a:endParaRPr lang="en-US" dirty="0"/>
@@ -595,35 +588,35 @@
           <a:p>
             <a:pPr lvl="0"/>
             <a:r>
-              <a:rPr lang="zh-TW" altLang="en-US" smtClean="0"/>
+              <a:rPr lang="zh-TW" altLang="en-US"/>
               <a:t>編輯母片文字樣式</a:t>
             </a:r>
           </a:p>
           <a:p>
             <a:pPr lvl="1"/>
             <a:r>
-              <a:rPr lang="zh-TW" altLang="en-US" smtClean="0"/>
+              <a:rPr lang="zh-TW" altLang="en-US"/>
               <a:t>第二層</a:t>
             </a:r>
           </a:p>
           <a:p>
             <a:pPr lvl="2"/>
             <a:r>
-              <a:rPr lang="zh-TW" altLang="en-US" smtClean="0"/>
+              <a:rPr lang="zh-TW" altLang="en-US"/>
               <a:t>第三層</a:t>
             </a:r>
           </a:p>
           <a:p>
             <a:pPr lvl="3"/>
             <a:r>
-              <a:rPr lang="zh-TW" altLang="en-US" smtClean="0"/>
+              <a:rPr lang="zh-TW" altLang="en-US"/>
               <a:t>第四層</a:t>
             </a:r>
           </a:p>
           <a:p>
             <a:pPr lvl="4"/>
             <a:r>
-              <a:rPr lang="zh-TW" altLang="en-US" smtClean="0"/>
+              <a:rPr lang="zh-TW" altLang="en-US"/>
               <a:t>第五層</a:t>
             </a:r>
             <a:endParaRPr lang="en-US" dirty="0"/>
@@ -647,7 +640,7 @@
           <a:p>
             <a:fld id="{D06915D0-C156-4E50-BB29-93FD4A7023AE}" type="datetimeFigureOut">
               <a:rPr lang="zh-TW" altLang="en-US" smtClean="0"/>
-              <a:t>2019/3/16</a:t>
+              <a:t>2019/3/26</a:t>
             </a:fld>
             <a:endParaRPr lang="zh-TW" altLang="en-US"/>
           </a:p>
@@ -748,7 +741,7 @@
           </a:lstStyle>
           <a:p>
             <a:r>
-              <a:rPr lang="zh-TW" altLang="en-US" smtClean="0"/>
+              <a:rPr lang="zh-TW" altLang="en-US"/>
               <a:t>按一下以編輯母片標題樣式</a:t>
             </a:r>
             <a:endParaRPr lang="en-US" dirty="0"/>
@@ -808,35 +801,35 @@
           <a:p>
             <a:pPr lvl="0"/>
             <a:r>
-              <a:rPr lang="zh-TW" altLang="en-US" dirty="0" smtClean="0"/>
+              <a:rPr lang="zh-TW" altLang="en-US" dirty="0"/>
               <a:t>編輯母片文字樣式</a:t>
             </a:r>
           </a:p>
           <a:p>
             <a:pPr lvl="1"/>
             <a:r>
-              <a:rPr lang="zh-TW" altLang="en-US" dirty="0" smtClean="0"/>
+              <a:rPr lang="zh-TW" altLang="en-US" dirty="0"/>
               <a:t>第二層</a:t>
             </a:r>
           </a:p>
           <a:p>
             <a:pPr lvl="2"/>
             <a:r>
-              <a:rPr lang="zh-TW" altLang="en-US" dirty="0" smtClean="0"/>
+              <a:rPr lang="zh-TW" altLang="en-US" dirty="0"/>
               <a:t>第三層</a:t>
             </a:r>
           </a:p>
           <a:p>
             <a:pPr lvl="3"/>
             <a:r>
-              <a:rPr lang="zh-TW" altLang="en-US" dirty="0" smtClean="0"/>
+              <a:rPr lang="zh-TW" altLang="en-US" dirty="0"/>
               <a:t>第四層</a:t>
             </a:r>
           </a:p>
           <a:p>
             <a:pPr lvl="4"/>
             <a:r>
-              <a:rPr lang="zh-TW" altLang="en-US" dirty="0" smtClean="0"/>
+              <a:rPr lang="zh-TW" altLang="en-US" dirty="0"/>
               <a:t>第五層</a:t>
             </a:r>
             <a:endParaRPr lang="en-US" dirty="0"/>
@@ -860,7 +853,7 @@
           <a:p>
             <a:fld id="{D06915D0-C156-4E50-BB29-93FD4A7023AE}" type="datetimeFigureOut">
               <a:rPr lang="zh-TW" altLang="en-US" smtClean="0"/>
-              <a:t>2019/3/16</a:t>
+              <a:t>2019/3/26</a:t>
             </a:fld>
             <a:endParaRPr lang="zh-TW" altLang="en-US"/>
           </a:p>
@@ -918,13 +911,6 @@
   <p:clrMapOvr>
     <a:masterClrMapping/>
   </p:clrMapOvr>
-  <p:timing>
-    <p:tnLst>
-      <p:par>
-        <p:cTn id="1" dur="indefinite" restart="never" nodeType="tmRoot"/>
-      </p:par>
-    </p:tnLst>
-  </p:timing>
 </p:sldLayout>
 </file>
 
@@ -970,7 +956,7 @@
           </a:lstStyle>
           <a:p>
             <a:r>
-              <a:rPr lang="zh-TW" altLang="en-US" smtClean="0"/>
+              <a:rPr lang="zh-TW" altLang="en-US"/>
               <a:t>按一下以編輯母片標題樣式</a:t>
             </a:r>
             <a:endParaRPr lang="en-US" dirty="0"/>
@@ -1088,7 +1074,7 @@
           <a:p>
             <a:pPr lvl="0"/>
             <a:r>
-              <a:rPr lang="zh-TW" altLang="en-US" smtClean="0"/>
+              <a:rPr lang="zh-TW" altLang="en-US"/>
               <a:t>編輯母片文字樣式</a:t>
             </a:r>
           </a:p>
@@ -1111,7 +1097,7 @@
           <a:p>
             <a:fld id="{D06915D0-C156-4E50-BB29-93FD4A7023AE}" type="datetimeFigureOut">
               <a:rPr lang="zh-TW" altLang="en-US" smtClean="0"/>
-              <a:t>2019/3/16</a:t>
+              <a:t>2019/3/26</a:t>
             </a:fld>
             <a:endParaRPr lang="zh-TW" altLang="en-US"/>
           </a:p>
@@ -1169,13 +1155,6 @@
   <p:clrMapOvr>
     <a:masterClrMapping/>
   </p:clrMapOvr>
-  <p:timing>
-    <p:tnLst>
-      <p:par>
-        <p:cTn id="1" dur="indefinite" restart="never" nodeType="tmRoot"/>
-      </p:par>
-    </p:tnLst>
-  </p:timing>
 </p:sldLayout>
 </file>
 
@@ -1212,7 +1191,7 @@
           <a:lstStyle/>
           <a:p>
             <a:r>
-              <a:rPr lang="zh-TW" altLang="en-US" smtClean="0"/>
+              <a:rPr lang="zh-TW" altLang="en-US"/>
               <a:t>按一下以編輯母片標題樣式</a:t>
             </a:r>
             <a:endParaRPr lang="en-US" dirty="0"/>
@@ -1241,35 +1220,35 @@
           <a:p>
             <a:pPr lvl="0"/>
             <a:r>
-              <a:rPr lang="zh-TW" altLang="en-US" smtClean="0"/>
+              <a:rPr lang="zh-TW" altLang="en-US"/>
               <a:t>編輯母片文字樣式</a:t>
             </a:r>
           </a:p>
           <a:p>
             <a:pPr lvl="1"/>
             <a:r>
-              <a:rPr lang="zh-TW" altLang="en-US" smtClean="0"/>
+              <a:rPr lang="zh-TW" altLang="en-US"/>
               <a:t>第二層</a:t>
             </a:r>
           </a:p>
           <a:p>
             <a:pPr lvl="2"/>
             <a:r>
-              <a:rPr lang="zh-TW" altLang="en-US" smtClean="0"/>
+              <a:rPr lang="zh-TW" altLang="en-US"/>
               <a:t>第三層</a:t>
             </a:r>
           </a:p>
           <a:p>
             <a:pPr lvl="3"/>
             <a:r>
-              <a:rPr lang="zh-TW" altLang="en-US" smtClean="0"/>
+              <a:rPr lang="zh-TW" altLang="en-US"/>
               <a:t>第四層</a:t>
             </a:r>
           </a:p>
           <a:p>
             <a:pPr lvl="4"/>
             <a:r>
-              <a:rPr lang="zh-TW" altLang="en-US" smtClean="0"/>
+              <a:rPr lang="zh-TW" altLang="en-US"/>
               <a:t>第五層</a:t>
             </a:r>
             <a:endParaRPr lang="en-US" dirty="0"/>
@@ -1298,35 +1277,35 @@
           <a:p>
             <a:pPr lvl="0"/>
             <a:r>
-              <a:rPr lang="zh-TW" altLang="en-US" smtClean="0"/>
+              <a:rPr lang="zh-TW" altLang="en-US"/>
               <a:t>編輯母片文字樣式</a:t>
             </a:r>
           </a:p>
           <a:p>
             <a:pPr lvl="1"/>
             <a:r>
-              <a:rPr lang="zh-TW" altLang="en-US" smtClean="0"/>
+              <a:rPr lang="zh-TW" altLang="en-US"/>
               <a:t>第二層</a:t>
             </a:r>
           </a:p>
           <a:p>
             <a:pPr lvl="2"/>
             <a:r>
-              <a:rPr lang="zh-TW" altLang="en-US" smtClean="0"/>
+              <a:rPr lang="zh-TW" altLang="en-US"/>
               <a:t>第三層</a:t>
             </a:r>
           </a:p>
           <a:p>
             <a:pPr lvl="3"/>
             <a:r>
-              <a:rPr lang="zh-TW" altLang="en-US" smtClean="0"/>
+              <a:rPr lang="zh-TW" altLang="en-US"/>
               <a:t>第四層</a:t>
             </a:r>
           </a:p>
           <a:p>
             <a:pPr lvl="4"/>
             <a:r>
-              <a:rPr lang="zh-TW" altLang="en-US" smtClean="0"/>
+              <a:rPr lang="zh-TW" altLang="en-US"/>
               <a:t>第五層</a:t>
             </a:r>
             <a:endParaRPr lang="en-US" dirty="0"/>
@@ -1350,7 +1329,7 @@
           <a:p>
             <a:fld id="{D06915D0-C156-4E50-BB29-93FD4A7023AE}" type="datetimeFigureOut">
               <a:rPr lang="zh-TW" altLang="en-US" smtClean="0"/>
-              <a:t>2019/3/16</a:t>
+              <a:t>2019/3/26</a:t>
             </a:fld>
             <a:endParaRPr lang="zh-TW" altLang="en-US"/>
           </a:p>
@@ -1449,7 +1428,7 @@
           <a:lstStyle/>
           <a:p>
             <a:r>
-              <a:rPr lang="zh-TW" altLang="en-US" smtClean="0"/>
+              <a:rPr lang="zh-TW" altLang="en-US"/>
               <a:t>按一下以編輯母片標題樣式</a:t>
             </a:r>
             <a:endParaRPr lang="en-US" dirty="0"/>
@@ -1515,7 +1494,7 @@
           <a:p>
             <a:pPr lvl="0"/>
             <a:r>
-              <a:rPr lang="zh-TW" altLang="en-US" smtClean="0"/>
+              <a:rPr lang="zh-TW" altLang="en-US"/>
               <a:t>編輯母片文字樣式</a:t>
             </a:r>
           </a:p>
@@ -1543,35 +1522,35 @@
           <a:p>
             <a:pPr lvl="0"/>
             <a:r>
-              <a:rPr lang="zh-TW" altLang="en-US" smtClean="0"/>
+              <a:rPr lang="zh-TW" altLang="en-US"/>
               <a:t>編輯母片文字樣式</a:t>
             </a:r>
           </a:p>
           <a:p>
             <a:pPr lvl="1"/>
             <a:r>
-              <a:rPr lang="zh-TW" altLang="en-US" smtClean="0"/>
+              <a:rPr lang="zh-TW" altLang="en-US"/>
               <a:t>第二層</a:t>
             </a:r>
           </a:p>
           <a:p>
             <a:pPr lvl="2"/>
             <a:r>
-              <a:rPr lang="zh-TW" altLang="en-US" smtClean="0"/>
+              <a:rPr lang="zh-TW" altLang="en-US"/>
               <a:t>第三層</a:t>
             </a:r>
           </a:p>
           <a:p>
             <a:pPr lvl="3"/>
             <a:r>
-              <a:rPr lang="zh-TW" altLang="en-US" smtClean="0"/>
+              <a:rPr lang="zh-TW" altLang="en-US"/>
               <a:t>第四層</a:t>
             </a:r>
           </a:p>
           <a:p>
             <a:pPr lvl="4"/>
             <a:r>
-              <a:rPr lang="zh-TW" altLang="en-US" smtClean="0"/>
+              <a:rPr lang="zh-TW" altLang="en-US"/>
               <a:t>第五層</a:t>
             </a:r>
             <a:endParaRPr lang="en-US" dirty="0"/>
@@ -1637,7 +1616,7 @@
           <a:p>
             <a:pPr lvl="0"/>
             <a:r>
-              <a:rPr lang="zh-TW" altLang="en-US" smtClean="0"/>
+              <a:rPr lang="zh-TW" altLang="en-US"/>
               <a:t>編輯母片文字樣式</a:t>
             </a:r>
           </a:p>
@@ -1665,35 +1644,35 @@
           <a:p>
             <a:pPr lvl="0"/>
             <a:r>
-              <a:rPr lang="zh-TW" altLang="en-US" smtClean="0"/>
+              <a:rPr lang="zh-TW" altLang="en-US"/>
               <a:t>編輯母片文字樣式</a:t>
             </a:r>
           </a:p>
           <a:p>
             <a:pPr lvl="1"/>
             <a:r>
-              <a:rPr lang="zh-TW" altLang="en-US" smtClean="0"/>
+              <a:rPr lang="zh-TW" altLang="en-US"/>
               <a:t>第二層</a:t>
             </a:r>
           </a:p>
           <a:p>
             <a:pPr lvl="2"/>
             <a:r>
-              <a:rPr lang="zh-TW" altLang="en-US" smtClean="0"/>
+              <a:rPr lang="zh-TW" altLang="en-US"/>
               <a:t>第三層</a:t>
             </a:r>
           </a:p>
           <a:p>
             <a:pPr lvl="3"/>
             <a:r>
-              <a:rPr lang="zh-TW" altLang="en-US" smtClean="0"/>
+              <a:rPr lang="zh-TW" altLang="en-US"/>
               <a:t>第四層</a:t>
             </a:r>
           </a:p>
           <a:p>
             <a:pPr lvl="4"/>
             <a:r>
-              <a:rPr lang="zh-TW" altLang="en-US" smtClean="0"/>
+              <a:rPr lang="zh-TW" altLang="en-US"/>
               <a:t>第五層</a:t>
             </a:r>
             <a:endParaRPr lang="en-US" dirty="0"/>
@@ -1717,7 +1696,7 @@
           <a:p>
             <a:fld id="{D06915D0-C156-4E50-BB29-93FD4A7023AE}" type="datetimeFigureOut">
               <a:rPr lang="zh-TW" altLang="en-US" smtClean="0"/>
-              <a:t>2019/3/16</a:t>
+              <a:t>2019/3/26</a:t>
             </a:fld>
             <a:endParaRPr lang="zh-TW" altLang="en-US"/>
           </a:p>
@@ -1811,7 +1790,7 @@
           <a:lstStyle/>
           <a:p>
             <a:r>
-              <a:rPr lang="zh-TW" altLang="en-US" smtClean="0"/>
+              <a:rPr lang="zh-TW" altLang="en-US"/>
               <a:t>按一下以編輯母片標題樣式</a:t>
             </a:r>
             <a:endParaRPr lang="en-US" dirty="0"/>
@@ -1835,7 +1814,7 @@
           <a:p>
             <a:fld id="{D06915D0-C156-4E50-BB29-93FD4A7023AE}" type="datetimeFigureOut">
               <a:rPr lang="zh-TW" altLang="en-US" smtClean="0"/>
-              <a:t>2019/3/16</a:t>
+              <a:t>2019/3/26</a:t>
             </a:fld>
             <a:endParaRPr lang="zh-TW" altLang="en-US"/>
           </a:p>
@@ -1930,7 +1909,7 @@
           <a:p>
             <a:fld id="{D06915D0-C156-4E50-BB29-93FD4A7023AE}" type="datetimeFigureOut">
               <a:rPr lang="zh-TW" altLang="en-US" smtClean="0"/>
-              <a:t>2019/3/16</a:t>
+              <a:t>2019/3/26</a:t>
             </a:fld>
             <a:endParaRPr lang="zh-TW" altLang="en-US"/>
           </a:p>
@@ -1988,13 +1967,6 @@
   <p:clrMapOvr>
     <a:masterClrMapping/>
   </p:clrMapOvr>
-  <p:timing>
-    <p:tnLst>
-      <p:par>
-        <p:cTn id="1" dur="indefinite" restart="never" nodeType="tmRoot"/>
-      </p:par>
-    </p:tnLst>
-  </p:timing>
 </p:sldLayout>
 </file>
 
@@ -2040,7 +2012,7 @@
           </a:lstStyle>
           <a:p>
             <a:r>
-              <a:rPr lang="zh-TW" altLang="en-US" smtClean="0"/>
+              <a:rPr lang="zh-TW" altLang="en-US"/>
               <a:t>按一下以編輯母片標題樣式</a:t>
             </a:r>
             <a:endParaRPr lang="en-US" dirty="0"/>
@@ -2097,35 +2069,35 @@
           <a:p>
             <a:pPr lvl="0"/>
             <a:r>
-              <a:rPr lang="zh-TW" altLang="en-US" smtClean="0"/>
+              <a:rPr lang="zh-TW" altLang="en-US"/>
               <a:t>編輯母片文字樣式</a:t>
             </a:r>
           </a:p>
           <a:p>
             <a:pPr lvl="1"/>
             <a:r>
-              <a:rPr lang="zh-TW" altLang="en-US" smtClean="0"/>
+              <a:rPr lang="zh-TW" altLang="en-US"/>
               <a:t>第二層</a:t>
             </a:r>
           </a:p>
           <a:p>
             <a:pPr lvl="2"/>
             <a:r>
-              <a:rPr lang="zh-TW" altLang="en-US" smtClean="0"/>
+              <a:rPr lang="zh-TW" altLang="en-US"/>
               <a:t>第三層</a:t>
             </a:r>
           </a:p>
           <a:p>
             <a:pPr lvl="3"/>
             <a:r>
-              <a:rPr lang="zh-TW" altLang="en-US" smtClean="0"/>
+              <a:rPr lang="zh-TW" altLang="en-US"/>
               <a:t>第四層</a:t>
             </a:r>
           </a:p>
           <a:p>
             <a:pPr lvl="4"/>
             <a:r>
-              <a:rPr lang="zh-TW" altLang="en-US" smtClean="0"/>
+              <a:rPr lang="zh-TW" altLang="en-US"/>
               <a:t>第五層</a:t>
             </a:r>
             <a:endParaRPr lang="en-US" dirty="0"/>
@@ -2191,7 +2163,7 @@
           <a:p>
             <a:pPr lvl="0"/>
             <a:r>
-              <a:rPr lang="zh-TW" altLang="en-US" smtClean="0"/>
+              <a:rPr lang="zh-TW" altLang="en-US"/>
               <a:t>編輯母片文字樣式</a:t>
             </a:r>
           </a:p>
@@ -2214,7 +2186,7 @@
           <a:p>
             <a:fld id="{D06915D0-C156-4E50-BB29-93FD4A7023AE}" type="datetimeFigureOut">
               <a:rPr lang="zh-TW" altLang="en-US" smtClean="0"/>
-              <a:t>2019/3/16</a:t>
+              <a:t>2019/3/26</a:t>
             </a:fld>
             <a:endParaRPr lang="zh-TW" altLang="en-US"/>
           </a:p>
@@ -2317,7 +2289,7 @@
           </a:lstStyle>
           <a:p>
             <a:r>
-              <a:rPr lang="zh-TW" altLang="en-US" smtClean="0"/>
+              <a:rPr lang="zh-TW" altLang="en-US"/>
               <a:t>按一下以編輯母片標題樣式</a:t>
             </a:r>
             <a:endParaRPr lang="en-US" dirty="0"/>
@@ -2382,7 +2354,7 @@
           </a:lstStyle>
           <a:p>
             <a:r>
-              <a:rPr lang="zh-TW" altLang="en-US" smtClean="0"/>
+              <a:rPr lang="zh-TW" altLang="en-US"/>
               <a:t>按一下圖示以新增圖片</a:t>
             </a:r>
             <a:endParaRPr lang="en-US" dirty="0"/>
@@ -2448,7 +2420,7 @@
           <a:p>
             <a:pPr lvl="0"/>
             <a:r>
-              <a:rPr lang="zh-TW" altLang="en-US" smtClean="0"/>
+              <a:rPr lang="zh-TW" altLang="en-US"/>
               <a:t>編輯母片文字樣式</a:t>
             </a:r>
           </a:p>
@@ -2471,7 +2443,7 @@
           <a:p>
             <a:fld id="{D06915D0-C156-4E50-BB29-93FD4A7023AE}" type="datetimeFigureOut">
               <a:rPr lang="zh-TW" altLang="en-US" smtClean="0"/>
-              <a:t>2019/3/16</a:t>
+              <a:t>2019/3/26</a:t>
             </a:fld>
             <a:endParaRPr lang="zh-TW" altLang="en-US"/>
           </a:p>
@@ -2580,7 +2552,7 @@
           <a:lstStyle/>
           <a:p>
             <a:r>
-              <a:rPr lang="zh-TW" altLang="en-US" smtClean="0"/>
+              <a:rPr lang="zh-TW" altLang="en-US"/>
               <a:t>按一下以編輯母片標題樣式</a:t>
             </a:r>
             <a:endParaRPr lang="en-US" dirty="0"/>
@@ -2614,35 +2586,35 @@
           <a:p>
             <a:pPr lvl="0"/>
             <a:r>
-              <a:rPr lang="zh-TW" altLang="en-US" smtClean="0"/>
+              <a:rPr lang="zh-TW" altLang="en-US"/>
               <a:t>編輯母片文字樣式</a:t>
             </a:r>
           </a:p>
           <a:p>
             <a:pPr lvl="1"/>
             <a:r>
-              <a:rPr lang="zh-TW" altLang="en-US" smtClean="0"/>
+              <a:rPr lang="zh-TW" altLang="en-US"/>
               <a:t>第二層</a:t>
             </a:r>
           </a:p>
           <a:p>
             <a:pPr lvl="2"/>
             <a:r>
-              <a:rPr lang="zh-TW" altLang="en-US" smtClean="0"/>
+              <a:rPr lang="zh-TW" altLang="en-US"/>
               <a:t>第三層</a:t>
             </a:r>
           </a:p>
           <a:p>
             <a:pPr lvl="3"/>
             <a:r>
-              <a:rPr lang="zh-TW" altLang="en-US" smtClean="0"/>
+              <a:rPr lang="zh-TW" altLang="en-US"/>
               <a:t>第四層</a:t>
             </a:r>
           </a:p>
           <a:p>
             <a:pPr lvl="4"/>
             <a:r>
-              <a:rPr lang="zh-TW" altLang="en-US" smtClean="0"/>
+              <a:rPr lang="zh-TW" altLang="en-US"/>
               <a:t>第五層</a:t>
             </a:r>
             <a:endParaRPr lang="en-US" dirty="0"/>
@@ -2684,7 +2656,7 @@
           <a:p>
             <a:fld id="{D06915D0-C156-4E50-BB29-93FD4A7023AE}" type="datetimeFigureOut">
               <a:rPr lang="zh-TW" altLang="en-US" smtClean="0"/>
-              <a:t>2019/3/16</a:t>
+              <a:t>2019/3/26</a:t>
             </a:fld>
             <a:endParaRPr lang="zh-TW" altLang="en-US"/>
           </a:p>
@@ -2789,13 +2761,6 @@
     <p:sldLayoutId id="2147483670" r:id="rId10"/>
     <p:sldLayoutId id="2147483671" r:id="rId11"/>
   </p:sldLayoutIdLst>
-  <p:timing>
-    <p:tnLst>
-      <p:par>
-        <p:cTn id="1" dur="indefinite" restart="never" nodeType="tmRoot"/>
-      </p:par>
-    </p:tnLst>
-  </p:timing>
   <p:txStyles>
     <p:titleStyle>
       <a:lvl1pPr algn="l" defTabSz="914400" rtl="0" eaLnBrk="1" latinLnBrk="0" hangingPunct="1">
@@ -3150,13 +3115,6 @@
   <p:clrMapOvr>
     <a:masterClrMapping/>
   </p:clrMapOvr>
-  <p:timing>
-    <p:tnLst>
-      <p:par>
-        <p:cTn id="1" dur="indefinite" restart="never" nodeType="tmRoot"/>
-      </p:par>
-    </p:tnLst>
-  </p:timing>
 </p:sld>
 </file>
 
@@ -3252,27 +3210,23 @@
             </a:r>
             <a:r>
               <a:rPr lang="en-US" altLang="zh-TW" dirty="0"/>
-              <a:t> = 0</a:t>
-            </a:r>
-            <a:r>
-              <a:rPr lang="en-US" altLang="zh-TW" dirty="0" smtClean="0"/>
-              <a:t>;   </a:t>
-            </a:r>
-          </a:p>
-          <a:p>
-            <a:pPr marL="0" indent="0">
-              <a:buNone/>
-            </a:pPr>
-            <a:r>
-              <a:rPr lang="en-US" altLang="zh-TW" dirty="0" smtClean="0"/>
+              <a:t> = 0;   </a:t>
+            </a:r>
+          </a:p>
+          <a:p>
+            <a:pPr marL="0" indent="0">
+              <a:buNone/>
+            </a:pPr>
+            <a:r>
+              <a:rPr lang="en-US" altLang="zh-TW" dirty="0"/>
               <a:t>    </a:t>
             </a:r>
             <a:r>
-              <a:rPr lang="en-US" altLang="zh-TW" dirty="0" err="1" smtClean="0"/>
+              <a:rPr lang="en-US" altLang="zh-TW" dirty="0" err="1"/>
               <a:t>int</a:t>
             </a:r>
             <a:r>
-              <a:rPr lang="en-US" altLang="zh-TW" dirty="0" smtClean="0"/>
+              <a:rPr lang="en-US" altLang="zh-TW" dirty="0"/>
               <a:t> </a:t>
             </a:r>
             <a:r>
@@ -3314,20 +3268,16 @@
               <a:buNone/>
             </a:pPr>
             <a:r>
-              <a:rPr lang="en-US" altLang="zh-TW" dirty="0" smtClean="0"/>
+              <a:rPr lang="en-US" altLang="zh-TW" dirty="0"/>
               <a:t>        </a:t>
             </a:r>
             <a:r>
-              <a:rPr lang="en-US" altLang="zh-TW" dirty="0" err="1" smtClean="0"/>
+              <a:rPr lang="en-US" altLang="zh-TW" dirty="0" err="1"/>
               <a:t>tempsum</a:t>
             </a:r>
             <a:r>
-              <a:rPr lang="en-US" altLang="zh-TW" dirty="0" smtClean="0"/>
-              <a:t> </a:t>
-            </a:r>
-            <a:r>
-              <a:rPr lang="en-US" altLang="zh-TW" dirty="0"/>
-              <a:t>+= list[</a:t>
+              <a:rPr lang="en-US" altLang="zh-TW" dirty="0"/>
+              <a:t> += list[</a:t>
             </a:r>
             <a:r>
               <a:rPr lang="en-US" altLang="zh-TW" dirty="0" err="1"/>
@@ -3343,17 +3293,16 @@
               <a:buNone/>
             </a:pPr>
             <a:r>
-              <a:rPr lang="en-US" altLang="zh-TW" dirty="0" smtClean="0"/>
+              <a:rPr lang="en-US" altLang="zh-TW" dirty="0"/>
               <a:t>    }</a:t>
             </a:r>
-            <a:endParaRPr lang="en-US" altLang="zh-TW" dirty="0"/>
-          </a:p>
-          <a:p>
-            <a:pPr marL="0" indent="0">
-              <a:buNone/>
-            </a:pPr>
-            <a:r>
-              <a:rPr lang="en-US" altLang="zh-TW" dirty="0" smtClean="0"/>
+          </a:p>
+          <a:p>
+            <a:pPr marL="0" indent="0">
+              <a:buNone/>
+            </a:pPr>
+            <a:r>
+              <a:rPr lang="en-US" altLang="zh-TW" dirty="0"/>
               <a:t>    return </a:t>
             </a:r>
             <a:r>
@@ -3406,15 +3355,15 @@
           </a:p>
           <a:p>
             <a:r>
-              <a:rPr lang="en-US" altLang="zh-TW" dirty="0" smtClean="0"/>
+              <a:rPr lang="en-US" altLang="zh-TW" dirty="0"/>
               <a:t>n</a:t>
             </a:r>
             <a:r>
-              <a:rPr lang="zh-TW" altLang="en-US" dirty="0" smtClean="0"/>
+              <a:rPr lang="zh-TW" altLang="en-US" dirty="0"/>
               <a:t> </a:t>
             </a:r>
             <a:r>
-              <a:rPr lang="en-US" altLang="zh-TW" dirty="0" smtClean="0"/>
+              <a:rPr lang="en-US" altLang="zh-TW" dirty="0"/>
               <a:t>= 3,     count = 0</a:t>
             </a:r>
             <a:endParaRPr lang="zh-TW" altLang="en-US" dirty="0"/>
@@ -3497,15 +3446,7 @@
                   <a:srgbClr val="FF0000"/>
                 </a:solidFill>
               </a:rPr>
-              <a:t>c</a:t>
-            </a:r>
-            <a:r>
-              <a:rPr lang="en-US" altLang="zh-TW" dirty="0" smtClean="0">
-                <a:solidFill>
-                  <a:srgbClr val="FF0000"/>
-                </a:solidFill>
-              </a:rPr>
-              <a:t>ount = 7</a:t>
+              <a:t>count = 7</a:t>
             </a:r>
             <a:endParaRPr lang="zh-TW" altLang="en-US" dirty="0">
               <a:solidFill>
@@ -3525,13 +3466,6 @@
   <p:clrMapOvr>
     <a:masterClrMapping/>
   </p:clrMapOvr>
-  <p:timing>
-    <p:tnLst>
-      <p:par>
-        <p:cTn id="1" dur="indefinite" restart="never" nodeType="tmRoot"/>
-      </p:par>
-    </p:tnLst>
-  </p:timing>
 </p:sld>
 </file>
 
@@ -3627,27 +3561,23 @@
             </a:r>
             <a:r>
               <a:rPr lang="en-US" altLang="zh-TW" dirty="0"/>
-              <a:t> = 0</a:t>
-            </a:r>
-            <a:r>
-              <a:rPr lang="en-US" altLang="zh-TW" dirty="0" smtClean="0"/>
-              <a:t>;   </a:t>
-            </a:r>
-          </a:p>
-          <a:p>
-            <a:pPr marL="0" indent="0">
-              <a:buNone/>
-            </a:pPr>
-            <a:r>
-              <a:rPr lang="en-US" altLang="zh-TW" dirty="0" smtClean="0"/>
+              <a:t> = 0;   </a:t>
+            </a:r>
+          </a:p>
+          <a:p>
+            <a:pPr marL="0" indent="0">
+              <a:buNone/>
+            </a:pPr>
+            <a:r>
+              <a:rPr lang="en-US" altLang="zh-TW" dirty="0"/>
               <a:t>    </a:t>
             </a:r>
             <a:r>
-              <a:rPr lang="en-US" altLang="zh-TW" dirty="0" err="1" smtClean="0"/>
+              <a:rPr lang="en-US" altLang="zh-TW" dirty="0" err="1"/>
               <a:t>int</a:t>
             </a:r>
             <a:r>
-              <a:rPr lang="en-US" altLang="zh-TW" dirty="0" smtClean="0"/>
+              <a:rPr lang="en-US" altLang="zh-TW" dirty="0"/>
               <a:t> </a:t>
             </a:r>
             <a:r>
@@ -3689,20 +3619,16 @@
               <a:buNone/>
             </a:pPr>
             <a:r>
-              <a:rPr lang="en-US" altLang="zh-TW" dirty="0" smtClean="0"/>
+              <a:rPr lang="en-US" altLang="zh-TW" dirty="0"/>
               <a:t>        </a:t>
             </a:r>
             <a:r>
-              <a:rPr lang="en-US" altLang="zh-TW" dirty="0" err="1" smtClean="0"/>
+              <a:rPr lang="en-US" altLang="zh-TW" dirty="0" err="1"/>
               <a:t>tempsum</a:t>
             </a:r>
             <a:r>
-              <a:rPr lang="en-US" altLang="zh-TW" dirty="0" smtClean="0"/>
-              <a:t> </a:t>
-            </a:r>
-            <a:r>
-              <a:rPr lang="en-US" altLang="zh-TW" dirty="0"/>
-              <a:t>+= list[</a:t>
+              <a:rPr lang="en-US" altLang="zh-TW" dirty="0"/>
+              <a:t> += list[</a:t>
             </a:r>
             <a:r>
               <a:rPr lang="en-US" altLang="zh-TW" dirty="0" err="1"/>
@@ -3718,17 +3644,16 @@
               <a:buNone/>
             </a:pPr>
             <a:r>
-              <a:rPr lang="en-US" altLang="zh-TW" dirty="0" smtClean="0"/>
+              <a:rPr lang="en-US" altLang="zh-TW" dirty="0"/>
               <a:t>    }</a:t>
             </a:r>
-            <a:endParaRPr lang="en-US" altLang="zh-TW" dirty="0"/>
-          </a:p>
-          <a:p>
-            <a:pPr marL="0" indent="0">
-              <a:buNone/>
-            </a:pPr>
-            <a:r>
-              <a:rPr lang="en-US" altLang="zh-TW" dirty="0" smtClean="0"/>
+          </a:p>
+          <a:p>
+            <a:pPr marL="0" indent="0">
+              <a:buNone/>
+            </a:pPr>
+            <a:r>
+              <a:rPr lang="en-US" altLang="zh-TW" dirty="0"/>
               <a:t>    return </a:t>
             </a:r>
             <a:r>
@@ -3781,15 +3706,15 @@
           </a:p>
           <a:p>
             <a:r>
-              <a:rPr lang="en-US" altLang="zh-TW" dirty="0" smtClean="0"/>
+              <a:rPr lang="en-US" altLang="zh-TW" dirty="0"/>
               <a:t>n</a:t>
             </a:r>
             <a:r>
-              <a:rPr lang="zh-TW" altLang="en-US" dirty="0" smtClean="0"/>
+              <a:rPr lang="zh-TW" altLang="en-US" dirty="0"/>
               <a:t> </a:t>
             </a:r>
             <a:r>
-              <a:rPr lang="en-US" altLang="zh-TW" dirty="0" smtClean="0"/>
+              <a:rPr lang="en-US" altLang="zh-TW" dirty="0"/>
               <a:t>= 3,     count = 0</a:t>
             </a:r>
             <a:endParaRPr lang="zh-TW" altLang="en-US" dirty="0"/>
@@ -3867,7 +3792,7 @@
           <a:lstStyle/>
           <a:p>
             <a:r>
-              <a:rPr lang="en-US" altLang="zh-TW" dirty="0" err="1" smtClean="0">
+              <a:rPr lang="en-US" altLang="zh-TW" dirty="0" err="1">
                 <a:solidFill>
                   <a:srgbClr val="FF0000"/>
                 </a:solidFill>
@@ -3875,7 +3800,7 @@
               <a:t>i</a:t>
             </a:r>
             <a:r>
-              <a:rPr lang="en-US" altLang="zh-TW" dirty="0" smtClean="0">
+              <a:rPr lang="en-US" altLang="zh-TW" dirty="0">
                 <a:solidFill>
                   <a:srgbClr val="FF0000"/>
                 </a:solidFill>
@@ -3900,13 +3825,6 @@
   <p:clrMapOvr>
     <a:masterClrMapping/>
   </p:clrMapOvr>
-  <p:timing>
-    <p:tnLst>
-      <p:par>
-        <p:cTn id="1" dur="indefinite" restart="never" nodeType="tmRoot"/>
-      </p:par>
-    </p:tnLst>
-  </p:timing>
 </p:sld>
 </file>
 
@@ -4002,27 +3920,23 @@
             </a:r>
             <a:r>
               <a:rPr lang="en-US" altLang="zh-TW" dirty="0"/>
-              <a:t> = 0</a:t>
-            </a:r>
-            <a:r>
-              <a:rPr lang="en-US" altLang="zh-TW" dirty="0" smtClean="0"/>
-              <a:t>;   </a:t>
-            </a:r>
-          </a:p>
-          <a:p>
-            <a:pPr marL="0" indent="0">
-              <a:buNone/>
-            </a:pPr>
-            <a:r>
-              <a:rPr lang="en-US" altLang="zh-TW" dirty="0" smtClean="0"/>
+              <a:t> = 0;   </a:t>
+            </a:r>
+          </a:p>
+          <a:p>
+            <a:pPr marL="0" indent="0">
+              <a:buNone/>
+            </a:pPr>
+            <a:r>
+              <a:rPr lang="en-US" altLang="zh-TW" dirty="0"/>
               <a:t>    </a:t>
             </a:r>
             <a:r>
-              <a:rPr lang="en-US" altLang="zh-TW" dirty="0" err="1" smtClean="0"/>
+              <a:rPr lang="en-US" altLang="zh-TW" dirty="0" err="1"/>
               <a:t>int</a:t>
             </a:r>
             <a:r>
-              <a:rPr lang="en-US" altLang="zh-TW" dirty="0" smtClean="0"/>
+              <a:rPr lang="en-US" altLang="zh-TW" dirty="0"/>
               <a:t> </a:t>
             </a:r>
             <a:r>
@@ -4064,20 +3978,16 @@
               <a:buNone/>
             </a:pPr>
             <a:r>
-              <a:rPr lang="en-US" altLang="zh-TW" dirty="0" smtClean="0"/>
+              <a:rPr lang="en-US" altLang="zh-TW" dirty="0"/>
               <a:t>        </a:t>
             </a:r>
             <a:r>
-              <a:rPr lang="en-US" altLang="zh-TW" dirty="0" err="1" smtClean="0"/>
+              <a:rPr lang="en-US" altLang="zh-TW" dirty="0" err="1"/>
               <a:t>tempsum</a:t>
             </a:r>
             <a:r>
-              <a:rPr lang="en-US" altLang="zh-TW" dirty="0" smtClean="0"/>
-              <a:t> </a:t>
-            </a:r>
-            <a:r>
-              <a:rPr lang="en-US" altLang="zh-TW" dirty="0"/>
-              <a:t>+= list[</a:t>
+              <a:rPr lang="en-US" altLang="zh-TW" dirty="0"/>
+              <a:t> += list[</a:t>
             </a:r>
             <a:r>
               <a:rPr lang="en-US" altLang="zh-TW" dirty="0" err="1"/>
@@ -4093,17 +4003,16 @@
               <a:buNone/>
             </a:pPr>
             <a:r>
-              <a:rPr lang="en-US" altLang="zh-TW" dirty="0" smtClean="0"/>
+              <a:rPr lang="en-US" altLang="zh-TW" dirty="0"/>
               <a:t>    }</a:t>
             </a:r>
-            <a:endParaRPr lang="en-US" altLang="zh-TW" dirty="0"/>
-          </a:p>
-          <a:p>
-            <a:pPr marL="0" indent="0">
-              <a:buNone/>
-            </a:pPr>
-            <a:r>
-              <a:rPr lang="en-US" altLang="zh-TW" dirty="0" smtClean="0"/>
+          </a:p>
+          <a:p>
+            <a:pPr marL="0" indent="0">
+              <a:buNone/>
+            </a:pPr>
+            <a:r>
+              <a:rPr lang="en-US" altLang="zh-TW" dirty="0"/>
               <a:t>    return </a:t>
             </a:r>
             <a:r>
@@ -4156,15 +4065,15 @@
           </a:p>
           <a:p>
             <a:r>
-              <a:rPr lang="en-US" altLang="zh-TW" dirty="0" smtClean="0"/>
+              <a:rPr lang="en-US" altLang="zh-TW" dirty="0"/>
               <a:t>n</a:t>
             </a:r>
             <a:r>
-              <a:rPr lang="zh-TW" altLang="en-US" dirty="0" smtClean="0"/>
+              <a:rPr lang="zh-TW" altLang="en-US" dirty="0"/>
               <a:t> </a:t>
             </a:r>
             <a:r>
-              <a:rPr lang="en-US" altLang="zh-TW" dirty="0" smtClean="0"/>
+              <a:rPr lang="en-US" altLang="zh-TW" dirty="0"/>
               <a:t>= 3,     count = 0</a:t>
             </a:r>
             <a:endParaRPr lang="zh-TW" altLang="en-US" dirty="0"/>
@@ -4247,15 +4156,7 @@
                   <a:srgbClr val="FF0000"/>
                 </a:solidFill>
               </a:rPr>
-              <a:t>c</a:t>
-            </a:r>
-            <a:r>
-              <a:rPr lang="en-US" altLang="zh-TW" dirty="0" smtClean="0">
-                <a:solidFill>
-                  <a:srgbClr val="FF0000"/>
-                </a:solidFill>
-              </a:rPr>
-              <a:t>ount = 9</a:t>
+              <a:t>count = 9</a:t>
             </a:r>
             <a:endParaRPr lang="zh-TW" altLang="en-US" dirty="0">
               <a:solidFill>
@@ -4275,13 +4176,6 @@
   <p:clrMapOvr>
     <a:masterClrMapping/>
   </p:clrMapOvr>
-  <p:timing>
-    <p:tnLst>
-      <p:par>
-        <p:cTn id="1" dur="indefinite" restart="never" nodeType="tmRoot"/>
-      </p:par>
-    </p:tnLst>
-  </p:timing>
 </p:sld>
 </file>
 
@@ -4377,27 +4271,23 @@
             </a:r>
             <a:r>
               <a:rPr lang="en-US" altLang="zh-TW" dirty="0"/>
-              <a:t> = 0</a:t>
-            </a:r>
-            <a:r>
-              <a:rPr lang="en-US" altLang="zh-TW" dirty="0" smtClean="0"/>
-              <a:t>;   </a:t>
-            </a:r>
-          </a:p>
-          <a:p>
-            <a:pPr marL="0" indent="0">
-              <a:buNone/>
-            </a:pPr>
-            <a:r>
-              <a:rPr lang="en-US" altLang="zh-TW" dirty="0" smtClean="0"/>
+              <a:t> = 0;   </a:t>
+            </a:r>
+          </a:p>
+          <a:p>
+            <a:pPr marL="0" indent="0">
+              <a:buNone/>
+            </a:pPr>
+            <a:r>
+              <a:rPr lang="en-US" altLang="zh-TW" dirty="0"/>
               <a:t>    </a:t>
             </a:r>
             <a:r>
-              <a:rPr lang="en-US" altLang="zh-TW" dirty="0" err="1" smtClean="0"/>
+              <a:rPr lang="en-US" altLang="zh-TW" dirty="0" err="1"/>
               <a:t>int</a:t>
             </a:r>
             <a:r>
-              <a:rPr lang="en-US" altLang="zh-TW" dirty="0" smtClean="0"/>
+              <a:rPr lang="en-US" altLang="zh-TW" dirty="0"/>
               <a:t> </a:t>
             </a:r>
             <a:r>
@@ -4439,20 +4329,16 @@
               <a:buNone/>
             </a:pPr>
             <a:r>
-              <a:rPr lang="en-US" altLang="zh-TW" dirty="0" smtClean="0"/>
+              <a:rPr lang="en-US" altLang="zh-TW" dirty="0"/>
               <a:t>        </a:t>
             </a:r>
             <a:r>
-              <a:rPr lang="en-US" altLang="zh-TW" dirty="0" err="1" smtClean="0"/>
+              <a:rPr lang="en-US" altLang="zh-TW" dirty="0" err="1"/>
               <a:t>tempsum</a:t>
             </a:r>
             <a:r>
-              <a:rPr lang="en-US" altLang="zh-TW" dirty="0" smtClean="0"/>
-              <a:t> </a:t>
-            </a:r>
-            <a:r>
-              <a:rPr lang="en-US" altLang="zh-TW" dirty="0"/>
-              <a:t>+= list[</a:t>
+              <a:rPr lang="en-US" altLang="zh-TW" dirty="0"/>
+              <a:t> += list[</a:t>
             </a:r>
             <a:r>
               <a:rPr lang="en-US" altLang="zh-TW" dirty="0" err="1"/>
@@ -4468,17 +4354,16 @@
               <a:buNone/>
             </a:pPr>
             <a:r>
-              <a:rPr lang="en-US" altLang="zh-TW" dirty="0" smtClean="0"/>
+              <a:rPr lang="en-US" altLang="zh-TW" dirty="0"/>
               <a:t>    }</a:t>
             </a:r>
-            <a:endParaRPr lang="en-US" altLang="zh-TW" dirty="0"/>
-          </a:p>
-          <a:p>
-            <a:pPr marL="0" indent="0">
-              <a:buNone/>
-            </a:pPr>
-            <a:r>
-              <a:rPr lang="en-US" altLang="zh-TW" dirty="0" smtClean="0"/>
+          </a:p>
+          <a:p>
+            <a:pPr marL="0" indent="0">
+              <a:buNone/>
+            </a:pPr>
+            <a:r>
+              <a:rPr lang="en-US" altLang="zh-TW" dirty="0"/>
               <a:t>    return </a:t>
             </a:r>
             <a:r>
@@ -4531,15 +4416,15 @@
           </a:p>
           <a:p>
             <a:r>
-              <a:rPr lang="en-US" altLang="zh-TW" dirty="0" smtClean="0"/>
+              <a:rPr lang="en-US" altLang="zh-TW" dirty="0"/>
               <a:t>n</a:t>
             </a:r>
             <a:r>
-              <a:rPr lang="zh-TW" altLang="en-US" dirty="0" smtClean="0"/>
+              <a:rPr lang="zh-TW" altLang="en-US" dirty="0"/>
               <a:t> </a:t>
             </a:r>
             <a:r>
-              <a:rPr lang="en-US" altLang="zh-TW" dirty="0" smtClean="0"/>
+              <a:rPr lang="en-US" altLang="zh-TW" dirty="0"/>
               <a:t>= 3,     count = 0</a:t>
             </a:r>
             <a:endParaRPr lang="zh-TW" altLang="en-US" dirty="0"/>
@@ -4569,14 +4454,13 @@
           <a:lstStyle/>
           <a:p>
             <a:r>
-              <a:rPr lang="en-US" altLang="zh-TW" dirty="0" smtClean="0"/>
+              <a:rPr lang="en-US" altLang="zh-TW" dirty="0"/>
               <a:t>1</a:t>
             </a:r>
             <a:r>
-              <a:rPr lang="zh-TW" altLang="en-US" dirty="0" smtClean="0"/>
+              <a:rPr lang="zh-TW" altLang="en-US" dirty="0"/>
               <a:t>次</a:t>
             </a:r>
-            <a:endParaRPr lang="zh-TW" altLang="en-US" dirty="0"/>
           </a:p>
         </p:txBody>
       </p:sp>
@@ -4603,14 +4487,13 @@
           <a:lstStyle/>
           <a:p>
             <a:r>
-              <a:rPr lang="en-US" altLang="zh-TW" dirty="0" smtClean="0"/>
+              <a:rPr lang="en-US" altLang="zh-TW" dirty="0"/>
               <a:t>n+1</a:t>
             </a:r>
             <a:r>
-              <a:rPr lang="zh-TW" altLang="en-US" dirty="0" smtClean="0"/>
+              <a:rPr lang="zh-TW" altLang="en-US" dirty="0"/>
               <a:t>次</a:t>
             </a:r>
-            <a:endParaRPr lang="zh-TW" altLang="en-US" dirty="0"/>
           </a:p>
         </p:txBody>
       </p:sp>
@@ -4637,14 +4520,13 @@
           <a:lstStyle/>
           <a:p>
             <a:r>
-              <a:rPr lang="en-US" altLang="zh-TW" dirty="0" smtClean="0"/>
+              <a:rPr lang="en-US" altLang="zh-TW" dirty="0"/>
               <a:t>n</a:t>
             </a:r>
             <a:r>
-              <a:rPr lang="zh-TW" altLang="en-US" dirty="0" smtClean="0"/>
+              <a:rPr lang="zh-TW" altLang="en-US" dirty="0"/>
               <a:t>次</a:t>
             </a:r>
-            <a:endParaRPr lang="zh-TW" altLang="en-US" dirty="0"/>
           </a:p>
         </p:txBody>
       </p:sp>
@@ -4671,14 +4553,13 @@
           <a:lstStyle/>
           <a:p>
             <a:r>
-              <a:rPr lang="en-US" altLang="zh-TW" dirty="0" smtClean="0"/>
+              <a:rPr lang="en-US" altLang="zh-TW" dirty="0"/>
               <a:t>1</a:t>
             </a:r>
             <a:r>
-              <a:rPr lang="zh-TW" altLang="en-US" dirty="0" smtClean="0"/>
+              <a:rPr lang="zh-TW" altLang="en-US" dirty="0"/>
               <a:t>次</a:t>
             </a:r>
-            <a:endParaRPr lang="zh-TW" altLang="en-US" dirty="0"/>
           </a:p>
         </p:txBody>
       </p:sp>
@@ -4735,7 +4616,7 @@
           <a:lstStyle/>
           <a:p>
             <a:r>
-              <a:rPr lang="en-US" altLang="zh-TW" dirty="0" smtClean="0"/>
+              <a:rPr lang="en-US" altLang="zh-TW" dirty="0"/>
               <a:t>+</a:t>
             </a:r>
             <a:endParaRPr lang="zh-TW" altLang="en-US" dirty="0"/>
@@ -4765,14 +4646,13 @@
           <a:lstStyle/>
           <a:p>
             <a:r>
-              <a:rPr lang="en-US" altLang="zh-TW" dirty="0" smtClean="0"/>
+              <a:rPr lang="en-US" altLang="zh-TW" dirty="0"/>
               <a:t>2n+3</a:t>
             </a:r>
             <a:r>
-              <a:rPr lang="zh-TW" altLang="en-US" dirty="0" smtClean="0"/>
+              <a:rPr lang="zh-TW" altLang="en-US" dirty="0"/>
               <a:t>次</a:t>
             </a:r>
-            <a:endParaRPr lang="zh-TW" altLang="en-US" dirty="0"/>
           </a:p>
         </p:txBody>
       </p:sp>
@@ -4801,22 +4681,16 @@
           <a:lstStyle/>
           <a:p>
             <a:r>
-              <a:rPr lang="zh-TW" altLang="en-US" smtClean="0">
+              <a:rPr lang="zh-TW" altLang="en-US">
                 <a:ea typeface="標楷體" panose="03000509000000000000" pitchFamily="65" charset="-120"/>
               </a:rPr>
               <a:t>回</a:t>
             </a:r>
             <a:r>
-              <a:rPr lang="en-US" altLang="zh-TW" dirty="0" smtClean="0">
-                <a:ea typeface="標楷體" panose="03000509000000000000" pitchFamily="65" charset="-120"/>
-              </a:rPr>
-              <a:t>outlin</a:t>
-            </a:r>
-            <a:r>
               <a:rPr lang="en-US" altLang="zh-TW" dirty="0">
                 <a:ea typeface="標楷體" panose="03000509000000000000" pitchFamily="65" charset="-120"/>
               </a:rPr>
-              <a:t>e</a:t>
+              <a:t>outline</a:t>
             </a:r>
             <a:endParaRPr lang="zh-TW" altLang="en-US" dirty="0">
               <a:ea typeface="標楷體" panose="03000509000000000000" pitchFamily="65" charset="-120"/>
@@ -4834,13 +4708,6 @@
   <p:clrMapOvr>
     <a:masterClrMapping/>
   </p:clrMapOvr>
-  <p:timing>
-    <p:tnLst>
-      <p:par>
-        <p:cTn id="1" dur="indefinite" restart="never" nodeType="tmRoot"/>
-      </p:par>
-    </p:tnLst>
-  </p:timing>
 </p:sld>
 </file>
 
@@ -4878,11 +4745,7 @@
           <a:p>
             <a:r>
               <a:rPr lang="en-US" altLang="zh-TW" dirty="0"/>
-              <a:t>Program </a:t>
-            </a:r>
-            <a:r>
-              <a:rPr lang="en-US" altLang="zh-TW" dirty="0" smtClean="0"/>
-              <a:t>1.15</a:t>
+              <a:t>Program 1.15</a:t>
             </a:r>
             <a:endParaRPr lang="zh-TW" altLang="en-US" dirty="0"/>
           </a:p>
@@ -4943,14 +4806,10 @@
             </a:pPr>
             <a:r>
               <a:rPr lang="en-US" altLang="zh-TW" sz="2400" dirty="0"/>
-              <a:t>    count</a:t>
-            </a:r>
-            <a:r>
-              <a:rPr lang="en-US" altLang="zh-TW" sz="2400" dirty="0" smtClean="0"/>
-              <a:t>++;                              </a:t>
-            </a:r>
-            <a:r>
-              <a:rPr lang="en-US" altLang="zh-TW" sz="2000" dirty="0" smtClean="0">
+              <a:t>    count++;                              </a:t>
+            </a:r>
+            <a:r>
+              <a:rPr lang="en-US" altLang="zh-TW" sz="2000" dirty="0">
                 <a:solidFill>
                   <a:srgbClr val="FF0000"/>
                 </a:solidFill>
@@ -4974,14 +4833,10 @@
             </a:pPr>
             <a:r>
               <a:rPr lang="en-US" altLang="zh-TW" sz="2400" dirty="0"/>
-              <a:t>        count</a:t>
-            </a:r>
-            <a:r>
-              <a:rPr lang="en-US" altLang="zh-TW" sz="2400" dirty="0" smtClean="0"/>
-              <a:t>++; </a:t>
-            </a:r>
-            <a:r>
-              <a:rPr lang="en-US" altLang="zh-TW" sz="2000" dirty="0" smtClean="0">
+              <a:t>        count++; </a:t>
+            </a:r>
+            <a:r>
+              <a:rPr lang="en-US" altLang="zh-TW" sz="2000" dirty="0">
                 <a:solidFill>
                   <a:srgbClr val="FF0000"/>
                 </a:solidFill>
@@ -5038,19 +4893,7 @@
             </a:pPr>
             <a:r>
               <a:rPr lang="en-US" altLang="zh-TW" sz="2400" dirty="0"/>
-              <a:t>    count</a:t>
-            </a:r>
-            <a:r>
-              <a:rPr lang="en-US" altLang="zh-TW" sz="2400" dirty="0" smtClean="0"/>
-              <a:t>++;                     </a:t>
-            </a:r>
-            <a:r>
-              <a:rPr lang="en-US" altLang="zh-TW" sz="2000" dirty="0" smtClean="0">
-                <a:solidFill>
-                  <a:srgbClr val="FF0000"/>
-                </a:solidFill>
-              </a:rPr>
-              <a:t>//”return </a:t>
+              <a:t>    count++;                     </a:t>
             </a:r>
             <a:r>
               <a:rPr lang="en-US" altLang="zh-TW" sz="2000" dirty="0">
@@ -5058,15 +4901,7 @@
                   <a:srgbClr val="FF0000"/>
                 </a:solidFill>
               </a:rPr>
-              <a:t>list[0</a:t>
-            </a:r>
-            <a:r>
-              <a:rPr lang="en-US" altLang="zh-TW" sz="2000" dirty="0" smtClean="0">
-                <a:solidFill>
-                  <a:srgbClr val="FF0000"/>
-                </a:solidFill>
-              </a:rPr>
-              <a:t>];”</a:t>
+              <a:t>//”return list[0];”</a:t>
             </a:r>
             <a:endParaRPr lang="en-US" altLang="zh-TW" sz="2000" dirty="0"/>
           </a:p>
@@ -5116,22 +4951,16 @@
           <a:lstStyle/>
           <a:p>
             <a:r>
-              <a:rPr lang="zh-TW" altLang="en-US" smtClean="0">
+              <a:rPr lang="zh-TW" altLang="en-US">
                 <a:ea typeface="標楷體" panose="03000509000000000000" pitchFamily="65" charset="-120"/>
               </a:rPr>
               <a:t>回</a:t>
             </a:r>
             <a:r>
-              <a:rPr lang="en-US" altLang="zh-TW" dirty="0" smtClean="0">
-                <a:ea typeface="標楷體" panose="03000509000000000000" pitchFamily="65" charset="-120"/>
-              </a:rPr>
-              <a:t>outlin</a:t>
-            </a:r>
-            <a:r>
               <a:rPr lang="en-US" altLang="zh-TW" dirty="0">
                 <a:ea typeface="標楷體" panose="03000509000000000000" pitchFamily="65" charset="-120"/>
               </a:rPr>
-              <a:t>e</a:t>
+              <a:t>outline</a:t>
             </a:r>
             <a:endParaRPr lang="zh-TW" altLang="en-US" dirty="0">
               <a:ea typeface="標楷體" panose="03000509000000000000" pitchFamily="65" charset="-120"/>
@@ -5149,13 +4978,6 @@
   <p:clrMapOvr>
     <a:masterClrMapping/>
   </p:clrMapOvr>
-  <p:timing>
-    <p:tnLst>
-      <p:par>
-        <p:cTn id="1" dur="indefinite" restart="never" nodeType="tmRoot"/>
-      </p:par>
-    </p:tnLst>
-  </p:timing>
 </p:sld>
 </file>
 
@@ -5193,11 +5015,7 @@
           <a:p>
             <a:r>
               <a:rPr lang="en-US" altLang="zh-TW" dirty="0"/>
-              <a:t>Program </a:t>
-            </a:r>
-            <a:r>
-              <a:rPr lang="en-US" altLang="zh-TW" dirty="0" smtClean="0"/>
-              <a:t>1.15</a:t>
+              <a:t>Program 1.15</a:t>
             </a:r>
             <a:endParaRPr lang="zh-TW" altLang="en-US" dirty="0"/>
           </a:p>
@@ -5249,20 +5067,16 @@
             </a:r>
             <a:r>
               <a:rPr lang="en-US" altLang="zh-TW" sz="2400" dirty="0"/>
-              <a:t> n</a:t>
-            </a:r>
-            <a:r>
-              <a:rPr lang="en-US" altLang="zh-TW" sz="2400" dirty="0" smtClean="0"/>
-              <a:t>){</a:t>
-            </a:r>
-            <a:endParaRPr lang="en-US" altLang="zh-TW" sz="2000" dirty="0" smtClean="0"/>
-          </a:p>
-          <a:p>
-            <a:pPr marL="0" indent="0">
-              <a:buNone/>
-            </a:pPr>
-            <a:r>
-              <a:rPr lang="en-US" altLang="zh-TW" sz="2400" dirty="0" smtClean="0"/>
+              <a:t> n){</a:t>
+            </a:r>
+            <a:endParaRPr lang="en-US" altLang="zh-TW" sz="2000" dirty="0"/>
+          </a:p>
+          <a:p>
+            <a:pPr marL="0" indent="0">
+              <a:buNone/>
+            </a:pPr>
+            <a:r>
+              <a:rPr lang="en-US" altLang="zh-TW" sz="2400" dirty="0"/>
               <a:t>    if(n){</a:t>
             </a:r>
           </a:p>
@@ -5271,15 +5085,15 @@
               <a:buNone/>
             </a:pPr>
             <a:r>
-              <a:rPr lang="en-US" altLang="zh-TW" sz="2400" dirty="0" smtClean="0"/>
+              <a:rPr lang="en-US" altLang="zh-TW" sz="2400" dirty="0"/>
               <a:t>        return </a:t>
             </a:r>
             <a:r>
-              <a:rPr lang="en-US" altLang="zh-TW" sz="2400" dirty="0" err="1" smtClean="0"/>
+              <a:rPr lang="en-US" altLang="zh-TW" sz="2400" dirty="0" err="1"/>
               <a:t>rsum</a:t>
             </a:r>
             <a:r>
-              <a:rPr lang="en-US" altLang="zh-TW" sz="2400" dirty="0" smtClean="0"/>
+              <a:rPr lang="en-US" altLang="zh-TW" sz="2400" dirty="0"/>
               <a:t>(list, n-1) + list[n-1];</a:t>
             </a:r>
           </a:p>
@@ -5288,25 +5102,17 @@
               <a:buNone/>
             </a:pPr>
             <a:r>
-              <a:rPr lang="en-US" altLang="zh-TW" sz="2400" dirty="0" smtClean="0"/>
-              <a:t>    </a:t>
-            </a:r>
-            <a:r>
               <a:rPr lang="en-US" altLang="zh-TW" sz="2400" dirty="0"/>
-              <a:t>}</a:t>
-            </a:r>
-          </a:p>
-          <a:p>
-            <a:pPr marL="0" indent="0">
-              <a:buNone/>
-            </a:pPr>
-            <a:r>
-              <a:rPr lang="en-US" altLang="zh-TW" sz="2400" dirty="0" smtClean="0"/>
-              <a:t>    return </a:t>
-            </a:r>
+              <a:t>    }</a:t>
+            </a:r>
+          </a:p>
+          <a:p>
+            <a:pPr marL="0" indent="0">
+              <a:buNone/>
+            </a:pPr>
             <a:r>
               <a:rPr lang="en-US" altLang="zh-TW" sz="2400" dirty="0"/>
-              <a:t>list[0];</a:t>
+              <a:t>    return list[0];</a:t>
             </a:r>
           </a:p>
           <a:p>
@@ -5397,15 +5203,7 @@
                   <a:srgbClr val="FF0000"/>
                 </a:solidFill>
               </a:rPr>
-              <a:t>n</a:t>
-            </a:r>
-            <a:r>
-              <a:rPr lang="en-US" altLang="zh-TW" dirty="0" smtClean="0">
-                <a:solidFill>
-                  <a:srgbClr val="FF0000"/>
-                </a:solidFill>
-              </a:rPr>
-              <a:t>=3, count = 1</a:t>
+              <a:t>n=3, count = 1</a:t>
             </a:r>
             <a:endParaRPr lang="zh-TW" altLang="en-US" dirty="0">
               <a:solidFill>
@@ -5444,15 +5242,15 @@
           </a:p>
           <a:p>
             <a:r>
-              <a:rPr lang="en-US" altLang="zh-TW" dirty="0" smtClean="0"/>
+              <a:rPr lang="en-US" altLang="zh-TW" dirty="0"/>
               <a:t>n</a:t>
             </a:r>
             <a:r>
-              <a:rPr lang="zh-TW" altLang="en-US" dirty="0" smtClean="0"/>
+              <a:rPr lang="zh-TW" altLang="en-US" dirty="0"/>
               <a:t> </a:t>
             </a:r>
             <a:r>
-              <a:rPr lang="en-US" altLang="zh-TW" dirty="0" smtClean="0"/>
+              <a:rPr lang="en-US" altLang="zh-TW" dirty="0"/>
               <a:t>= 3,     count = 0</a:t>
             </a:r>
             <a:endParaRPr lang="zh-TW" altLang="en-US" dirty="0"/>
@@ -5469,13 +5267,6 @@
   <p:clrMapOvr>
     <a:masterClrMapping/>
   </p:clrMapOvr>
-  <p:timing>
-    <p:tnLst>
-      <p:par>
-        <p:cTn id="1" dur="indefinite" restart="never" nodeType="tmRoot"/>
-      </p:par>
-    </p:tnLst>
-  </p:timing>
 </p:sld>
 </file>
 
@@ -5513,11 +5304,7 @@
           <a:p>
             <a:r>
               <a:rPr lang="en-US" altLang="zh-TW" dirty="0"/>
-              <a:t>Program </a:t>
-            </a:r>
-            <a:r>
-              <a:rPr lang="en-US" altLang="zh-TW" dirty="0" smtClean="0"/>
-              <a:t>1.15</a:t>
+              <a:t>Program 1.15</a:t>
             </a:r>
             <a:endParaRPr lang="zh-TW" altLang="en-US" dirty="0"/>
           </a:p>
@@ -5569,20 +5356,16 @@
             </a:r>
             <a:r>
               <a:rPr lang="en-US" altLang="zh-TW" sz="2400" dirty="0"/>
-              <a:t> n</a:t>
-            </a:r>
-            <a:r>
-              <a:rPr lang="en-US" altLang="zh-TW" sz="2400" dirty="0" smtClean="0"/>
-              <a:t>){</a:t>
-            </a:r>
-            <a:endParaRPr lang="en-US" altLang="zh-TW" sz="2000" dirty="0" smtClean="0"/>
-          </a:p>
-          <a:p>
-            <a:pPr marL="0" indent="0">
-              <a:buNone/>
-            </a:pPr>
-            <a:r>
-              <a:rPr lang="en-US" altLang="zh-TW" sz="2400" dirty="0" smtClean="0"/>
+              <a:t> n){</a:t>
+            </a:r>
+            <a:endParaRPr lang="en-US" altLang="zh-TW" sz="2000" dirty="0"/>
+          </a:p>
+          <a:p>
+            <a:pPr marL="0" indent="0">
+              <a:buNone/>
+            </a:pPr>
+            <a:r>
+              <a:rPr lang="en-US" altLang="zh-TW" sz="2400" dirty="0"/>
               <a:t>    if(n){</a:t>
             </a:r>
           </a:p>
@@ -5591,15 +5374,15 @@
               <a:buNone/>
             </a:pPr>
             <a:r>
-              <a:rPr lang="en-US" altLang="zh-TW" sz="2400" dirty="0" smtClean="0"/>
+              <a:rPr lang="en-US" altLang="zh-TW" sz="2400" dirty="0"/>
               <a:t>        return </a:t>
             </a:r>
             <a:r>
-              <a:rPr lang="en-US" altLang="zh-TW" sz="2400" dirty="0" err="1" smtClean="0"/>
+              <a:rPr lang="en-US" altLang="zh-TW" sz="2400" dirty="0" err="1"/>
               <a:t>rsum</a:t>
             </a:r>
             <a:r>
-              <a:rPr lang="en-US" altLang="zh-TW" sz="2400" dirty="0" smtClean="0"/>
+              <a:rPr lang="en-US" altLang="zh-TW" sz="2400" dirty="0"/>
               <a:t>(list, n-1) + list[n-1];</a:t>
             </a:r>
           </a:p>
@@ -5608,25 +5391,17 @@
               <a:buNone/>
             </a:pPr>
             <a:r>
-              <a:rPr lang="en-US" altLang="zh-TW" sz="2400" dirty="0" smtClean="0"/>
-              <a:t>    </a:t>
-            </a:r>
-            <a:r>
               <a:rPr lang="en-US" altLang="zh-TW" sz="2400" dirty="0"/>
-              <a:t>}</a:t>
-            </a:r>
-          </a:p>
-          <a:p>
-            <a:pPr marL="0" indent="0">
-              <a:buNone/>
-            </a:pPr>
-            <a:r>
-              <a:rPr lang="en-US" altLang="zh-TW" sz="2400" dirty="0" smtClean="0"/>
-              <a:t>    return </a:t>
-            </a:r>
+              <a:t>    }</a:t>
+            </a:r>
+          </a:p>
+          <a:p>
+            <a:pPr marL="0" indent="0">
+              <a:buNone/>
+            </a:pPr>
             <a:r>
               <a:rPr lang="en-US" altLang="zh-TW" sz="2400" dirty="0"/>
-              <a:t>list[0];</a:t>
+              <a:t>    return list[0];</a:t>
             </a:r>
           </a:p>
           <a:p>
@@ -5717,15 +5492,7 @@
                   <a:srgbClr val="FF0000"/>
                 </a:solidFill>
               </a:rPr>
-              <a:t>n</a:t>
-            </a:r>
-            <a:r>
-              <a:rPr lang="en-US" altLang="zh-TW" dirty="0" smtClean="0">
-                <a:solidFill>
-                  <a:srgbClr val="FF0000"/>
-                </a:solidFill>
-              </a:rPr>
-              <a:t>=3, count = 2</a:t>
+              <a:t>n=3, count = 2</a:t>
             </a:r>
             <a:endParaRPr lang="zh-TW" altLang="en-US" dirty="0">
               <a:solidFill>
@@ -5764,15 +5531,15 @@
           </a:p>
           <a:p>
             <a:r>
-              <a:rPr lang="en-US" altLang="zh-TW" dirty="0" smtClean="0"/>
+              <a:rPr lang="en-US" altLang="zh-TW" dirty="0"/>
               <a:t>n</a:t>
             </a:r>
             <a:r>
-              <a:rPr lang="zh-TW" altLang="en-US" dirty="0" smtClean="0"/>
+              <a:rPr lang="zh-TW" altLang="en-US" dirty="0"/>
               <a:t> </a:t>
             </a:r>
             <a:r>
-              <a:rPr lang="en-US" altLang="zh-TW" dirty="0" smtClean="0"/>
+              <a:rPr lang="en-US" altLang="zh-TW" dirty="0"/>
               <a:t>= 3,     count = 0</a:t>
             </a:r>
             <a:endParaRPr lang="zh-TW" altLang="en-US" dirty="0"/>
@@ -5789,13 +5556,6 @@
   <p:clrMapOvr>
     <a:masterClrMapping/>
   </p:clrMapOvr>
-  <p:timing>
-    <p:tnLst>
-      <p:par>
-        <p:cTn id="1" dur="indefinite" restart="never" nodeType="tmRoot"/>
-      </p:par>
-    </p:tnLst>
-  </p:timing>
 </p:sld>
 </file>
 
@@ -5833,11 +5593,7 @@
           <a:p>
             <a:r>
               <a:rPr lang="en-US" altLang="zh-TW" dirty="0"/>
-              <a:t>Program </a:t>
-            </a:r>
-            <a:r>
-              <a:rPr lang="en-US" altLang="zh-TW" dirty="0" smtClean="0"/>
-              <a:t>1.15</a:t>
+              <a:t>Program 1.15</a:t>
             </a:r>
             <a:endParaRPr lang="zh-TW" altLang="en-US" dirty="0"/>
           </a:p>
@@ -5889,20 +5645,16 @@
             </a:r>
             <a:r>
               <a:rPr lang="en-US" altLang="zh-TW" sz="2400" dirty="0"/>
-              <a:t> n</a:t>
-            </a:r>
-            <a:r>
-              <a:rPr lang="en-US" altLang="zh-TW" sz="2400" dirty="0" smtClean="0"/>
-              <a:t>){</a:t>
-            </a:r>
-            <a:endParaRPr lang="en-US" altLang="zh-TW" sz="2000" dirty="0" smtClean="0"/>
-          </a:p>
-          <a:p>
-            <a:pPr marL="0" indent="0">
-              <a:buNone/>
-            </a:pPr>
-            <a:r>
-              <a:rPr lang="en-US" altLang="zh-TW" sz="2400" dirty="0" smtClean="0"/>
+              <a:t> n){</a:t>
+            </a:r>
+            <a:endParaRPr lang="en-US" altLang="zh-TW" sz="2000" dirty="0"/>
+          </a:p>
+          <a:p>
+            <a:pPr marL="0" indent="0">
+              <a:buNone/>
+            </a:pPr>
+            <a:r>
+              <a:rPr lang="en-US" altLang="zh-TW" sz="2400" dirty="0"/>
               <a:t>    if(n){</a:t>
             </a:r>
           </a:p>
@@ -5911,15 +5663,15 @@
               <a:buNone/>
             </a:pPr>
             <a:r>
-              <a:rPr lang="en-US" altLang="zh-TW" sz="2400" dirty="0" smtClean="0"/>
+              <a:rPr lang="en-US" altLang="zh-TW" sz="2400" dirty="0"/>
               <a:t>        return </a:t>
             </a:r>
             <a:r>
-              <a:rPr lang="en-US" altLang="zh-TW" sz="2400" dirty="0" err="1" smtClean="0"/>
+              <a:rPr lang="en-US" altLang="zh-TW" sz="2400" dirty="0" err="1"/>
               <a:t>rsum</a:t>
             </a:r>
             <a:r>
-              <a:rPr lang="en-US" altLang="zh-TW" sz="2400" dirty="0" smtClean="0"/>
+              <a:rPr lang="en-US" altLang="zh-TW" sz="2400" dirty="0"/>
               <a:t>(list, n-1) + list[n-1];</a:t>
             </a:r>
           </a:p>
@@ -5928,25 +5680,17 @@
               <a:buNone/>
             </a:pPr>
             <a:r>
-              <a:rPr lang="en-US" altLang="zh-TW" sz="2400" dirty="0" smtClean="0"/>
-              <a:t>    </a:t>
-            </a:r>
-            <a:r>
               <a:rPr lang="en-US" altLang="zh-TW" sz="2400" dirty="0"/>
-              <a:t>}</a:t>
-            </a:r>
-          </a:p>
-          <a:p>
-            <a:pPr marL="0" indent="0">
-              <a:buNone/>
-            </a:pPr>
-            <a:r>
-              <a:rPr lang="en-US" altLang="zh-TW" sz="2400" dirty="0" smtClean="0"/>
-              <a:t>    return </a:t>
-            </a:r>
+              <a:t>    }</a:t>
+            </a:r>
+          </a:p>
+          <a:p>
+            <a:pPr marL="0" indent="0">
+              <a:buNone/>
+            </a:pPr>
             <a:r>
               <a:rPr lang="en-US" altLang="zh-TW" sz="2400" dirty="0"/>
-              <a:t>list[0];</a:t>
+              <a:t>    return list[0];</a:t>
             </a:r>
           </a:p>
           <a:p>
@@ -6032,7 +5776,7 @@
           <a:lstStyle/>
           <a:p>
             <a:r>
-              <a:rPr lang="en-US" altLang="zh-TW" dirty="0" smtClean="0">
+              <a:rPr lang="en-US" altLang="zh-TW" dirty="0">
                 <a:solidFill>
                   <a:srgbClr val="FF0000"/>
                 </a:solidFill>
@@ -6076,15 +5820,15 @@
           </a:p>
           <a:p>
             <a:r>
-              <a:rPr lang="en-US" altLang="zh-TW" dirty="0" smtClean="0"/>
+              <a:rPr lang="en-US" altLang="zh-TW" dirty="0"/>
               <a:t>n</a:t>
             </a:r>
             <a:r>
-              <a:rPr lang="zh-TW" altLang="en-US" dirty="0" smtClean="0"/>
+              <a:rPr lang="zh-TW" altLang="en-US" dirty="0"/>
               <a:t> </a:t>
             </a:r>
             <a:r>
-              <a:rPr lang="en-US" altLang="zh-TW" dirty="0" smtClean="0"/>
+              <a:rPr lang="en-US" altLang="zh-TW" dirty="0"/>
               <a:t>= 3,     count = 0</a:t>
             </a:r>
             <a:endParaRPr lang="zh-TW" altLang="en-US" dirty="0"/>
@@ -6101,13 +5845,6 @@
   <p:clrMapOvr>
     <a:masterClrMapping/>
   </p:clrMapOvr>
-  <p:timing>
-    <p:tnLst>
-      <p:par>
-        <p:cTn id="1" dur="indefinite" restart="never" nodeType="tmRoot"/>
-      </p:par>
-    </p:tnLst>
-  </p:timing>
 </p:sld>
 </file>
 
@@ -6145,11 +5882,7 @@
           <a:p>
             <a:r>
               <a:rPr lang="en-US" altLang="zh-TW" dirty="0"/>
-              <a:t>Program </a:t>
-            </a:r>
-            <a:r>
-              <a:rPr lang="en-US" altLang="zh-TW" dirty="0" smtClean="0"/>
-              <a:t>1.15</a:t>
+              <a:t>Program 1.15</a:t>
             </a:r>
             <a:endParaRPr lang="zh-TW" altLang="en-US" dirty="0"/>
           </a:p>
@@ -6201,20 +5934,16 @@
             </a:r>
             <a:r>
               <a:rPr lang="en-US" altLang="zh-TW" sz="2400" dirty="0"/>
-              <a:t> n</a:t>
-            </a:r>
-            <a:r>
-              <a:rPr lang="en-US" altLang="zh-TW" sz="2400" dirty="0" smtClean="0"/>
-              <a:t>){</a:t>
-            </a:r>
-            <a:endParaRPr lang="en-US" altLang="zh-TW" sz="2000" dirty="0" smtClean="0"/>
-          </a:p>
-          <a:p>
-            <a:pPr marL="0" indent="0">
-              <a:buNone/>
-            </a:pPr>
-            <a:r>
-              <a:rPr lang="en-US" altLang="zh-TW" sz="2400" dirty="0" smtClean="0"/>
+              <a:t> n){</a:t>
+            </a:r>
+            <a:endParaRPr lang="en-US" altLang="zh-TW" sz="2000" dirty="0"/>
+          </a:p>
+          <a:p>
+            <a:pPr marL="0" indent="0">
+              <a:buNone/>
+            </a:pPr>
+            <a:r>
+              <a:rPr lang="en-US" altLang="zh-TW" sz="2400" dirty="0"/>
               <a:t>    if(n){</a:t>
             </a:r>
           </a:p>
@@ -6223,15 +5952,15 @@
               <a:buNone/>
             </a:pPr>
             <a:r>
-              <a:rPr lang="en-US" altLang="zh-TW" sz="2400" dirty="0" smtClean="0"/>
+              <a:rPr lang="en-US" altLang="zh-TW" sz="2400" dirty="0"/>
               <a:t>        return </a:t>
             </a:r>
             <a:r>
-              <a:rPr lang="en-US" altLang="zh-TW" sz="2400" dirty="0" err="1" smtClean="0"/>
+              <a:rPr lang="en-US" altLang="zh-TW" sz="2400" dirty="0" err="1"/>
               <a:t>rsum</a:t>
             </a:r>
             <a:r>
-              <a:rPr lang="en-US" altLang="zh-TW" sz="2400" dirty="0" smtClean="0"/>
+              <a:rPr lang="en-US" altLang="zh-TW" sz="2400" dirty="0"/>
               <a:t>(list, n-1) + list[n-1];</a:t>
             </a:r>
           </a:p>
@@ -6240,25 +5969,17 @@
               <a:buNone/>
             </a:pPr>
             <a:r>
-              <a:rPr lang="en-US" altLang="zh-TW" sz="2400" dirty="0" smtClean="0"/>
-              <a:t>    </a:t>
-            </a:r>
-            <a:r>
               <a:rPr lang="en-US" altLang="zh-TW" sz="2400" dirty="0"/>
-              <a:t>}</a:t>
-            </a:r>
-          </a:p>
-          <a:p>
-            <a:pPr marL="0" indent="0">
-              <a:buNone/>
-            </a:pPr>
-            <a:r>
-              <a:rPr lang="en-US" altLang="zh-TW" sz="2400" dirty="0" smtClean="0"/>
-              <a:t>    return </a:t>
-            </a:r>
+              <a:t>    }</a:t>
+            </a:r>
+          </a:p>
+          <a:p>
+            <a:pPr marL="0" indent="0">
+              <a:buNone/>
+            </a:pPr>
             <a:r>
               <a:rPr lang="en-US" altLang="zh-TW" sz="2400" dirty="0"/>
-              <a:t>list[0];</a:t>
+              <a:t>    return list[0];</a:t>
             </a:r>
           </a:p>
           <a:p>
@@ -6344,7 +6065,7 @@
           <a:lstStyle/>
           <a:p>
             <a:r>
-              <a:rPr lang="en-US" altLang="zh-TW" dirty="0" smtClean="0">
+              <a:rPr lang="en-US" altLang="zh-TW" dirty="0">
                 <a:solidFill>
                   <a:srgbClr val="FF0000"/>
                 </a:solidFill>
@@ -6388,15 +6109,15 @@
           </a:p>
           <a:p>
             <a:r>
-              <a:rPr lang="en-US" altLang="zh-TW" dirty="0" smtClean="0"/>
+              <a:rPr lang="en-US" altLang="zh-TW" dirty="0"/>
               <a:t>n</a:t>
             </a:r>
             <a:r>
-              <a:rPr lang="zh-TW" altLang="en-US" dirty="0" smtClean="0"/>
+              <a:rPr lang="zh-TW" altLang="en-US" dirty="0"/>
               <a:t> </a:t>
             </a:r>
             <a:r>
-              <a:rPr lang="en-US" altLang="zh-TW" dirty="0" smtClean="0"/>
+              <a:rPr lang="en-US" altLang="zh-TW" dirty="0"/>
               <a:t>= 3,     count = 0</a:t>
             </a:r>
             <a:endParaRPr lang="zh-TW" altLang="en-US" dirty="0"/>
@@ -6413,13 +6134,6 @@
   <p:clrMapOvr>
     <a:masterClrMapping/>
   </p:clrMapOvr>
-  <p:timing>
-    <p:tnLst>
-      <p:par>
-        <p:cTn id="1" dur="indefinite" restart="never" nodeType="tmRoot"/>
-      </p:par>
-    </p:tnLst>
-  </p:timing>
 </p:sld>
 </file>
 
@@ -6457,11 +6171,7 @@
           <a:p>
             <a:r>
               <a:rPr lang="en-US" altLang="zh-TW" dirty="0"/>
-              <a:t>Program </a:t>
-            </a:r>
-            <a:r>
-              <a:rPr lang="en-US" altLang="zh-TW" dirty="0" smtClean="0"/>
-              <a:t>1.15</a:t>
+              <a:t>Program 1.15</a:t>
             </a:r>
             <a:endParaRPr lang="zh-TW" altLang="en-US" dirty="0"/>
           </a:p>
@@ -6513,20 +6223,16 @@
             </a:r>
             <a:r>
               <a:rPr lang="en-US" altLang="zh-TW" sz="2400" dirty="0"/>
-              <a:t> n</a:t>
-            </a:r>
-            <a:r>
-              <a:rPr lang="en-US" altLang="zh-TW" sz="2400" dirty="0" smtClean="0"/>
-              <a:t>){</a:t>
-            </a:r>
-            <a:endParaRPr lang="en-US" altLang="zh-TW" sz="2000" dirty="0" smtClean="0"/>
-          </a:p>
-          <a:p>
-            <a:pPr marL="0" indent="0">
-              <a:buNone/>
-            </a:pPr>
-            <a:r>
-              <a:rPr lang="en-US" altLang="zh-TW" sz="2400" dirty="0" smtClean="0"/>
+              <a:t> n){</a:t>
+            </a:r>
+            <a:endParaRPr lang="en-US" altLang="zh-TW" sz="2000" dirty="0"/>
+          </a:p>
+          <a:p>
+            <a:pPr marL="0" indent="0">
+              <a:buNone/>
+            </a:pPr>
+            <a:r>
+              <a:rPr lang="en-US" altLang="zh-TW" sz="2400" dirty="0"/>
               <a:t>    if(n){</a:t>
             </a:r>
           </a:p>
@@ -6535,15 +6241,15 @@
               <a:buNone/>
             </a:pPr>
             <a:r>
-              <a:rPr lang="en-US" altLang="zh-TW" sz="2400" dirty="0" smtClean="0"/>
+              <a:rPr lang="en-US" altLang="zh-TW" sz="2400" dirty="0"/>
               <a:t>        return </a:t>
             </a:r>
             <a:r>
-              <a:rPr lang="en-US" altLang="zh-TW" sz="2400" dirty="0" err="1" smtClean="0"/>
+              <a:rPr lang="en-US" altLang="zh-TW" sz="2400" dirty="0" err="1"/>
               <a:t>rsum</a:t>
             </a:r>
             <a:r>
-              <a:rPr lang="en-US" altLang="zh-TW" sz="2400" dirty="0" smtClean="0"/>
+              <a:rPr lang="en-US" altLang="zh-TW" sz="2400" dirty="0"/>
               <a:t>(list, n-1) + list[n-1];</a:t>
             </a:r>
           </a:p>
@@ -6552,25 +6258,17 @@
               <a:buNone/>
             </a:pPr>
             <a:r>
-              <a:rPr lang="en-US" altLang="zh-TW" sz="2400" dirty="0" smtClean="0"/>
-              <a:t>    </a:t>
-            </a:r>
-            <a:r>
               <a:rPr lang="en-US" altLang="zh-TW" sz="2400" dirty="0"/>
-              <a:t>}</a:t>
-            </a:r>
-          </a:p>
-          <a:p>
-            <a:pPr marL="0" indent="0">
-              <a:buNone/>
-            </a:pPr>
-            <a:r>
-              <a:rPr lang="en-US" altLang="zh-TW" sz="2400" dirty="0" smtClean="0"/>
-              <a:t>    return </a:t>
-            </a:r>
+              <a:t>    }</a:t>
+            </a:r>
+          </a:p>
+          <a:p>
+            <a:pPr marL="0" indent="0">
+              <a:buNone/>
+            </a:pPr>
             <a:r>
               <a:rPr lang="en-US" altLang="zh-TW" sz="2400" dirty="0"/>
-              <a:t>list[0];</a:t>
+              <a:t>    return list[0];</a:t>
             </a:r>
           </a:p>
           <a:p>
@@ -6656,7 +6354,7 @@
           <a:lstStyle/>
           <a:p>
             <a:r>
-              <a:rPr lang="en-US" altLang="zh-TW" dirty="0" smtClean="0">
+              <a:rPr lang="en-US" altLang="zh-TW" dirty="0">
                 <a:solidFill>
                   <a:srgbClr val="FF0000"/>
                 </a:solidFill>
@@ -6700,15 +6398,15 @@
           </a:p>
           <a:p>
             <a:r>
-              <a:rPr lang="en-US" altLang="zh-TW" dirty="0" smtClean="0"/>
+              <a:rPr lang="en-US" altLang="zh-TW" dirty="0"/>
               <a:t>n</a:t>
             </a:r>
             <a:r>
-              <a:rPr lang="zh-TW" altLang="en-US" dirty="0" smtClean="0"/>
+              <a:rPr lang="zh-TW" altLang="en-US" dirty="0"/>
               <a:t> </a:t>
             </a:r>
             <a:r>
-              <a:rPr lang="en-US" altLang="zh-TW" dirty="0" smtClean="0"/>
+              <a:rPr lang="en-US" altLang="zh-TW" dirty="0"/>
               <a:t>= 3,     count = 0</a:t>
             </a:r>
             <a:endParaRPr lang="zh-TW" altLang="en-US" dirty="0"/>
@@ -6725,13 +6423,6 @@
   <p:clrMapOvr>
     <a:masterClrMapping/>
   </p:clrMapOvr>
-  <p:timing>
-    <p:tnLst>
-      <p:par>
-        <p:cTn id="1" dur="indefinite" restart="never" nodeType="tmRoot"/>
-      </p:par>
-    </p:tnLst>
-  </p:timing>
 </p:sld>
 </file>
 
@@ -6768,7 +6459,7 @@
           <a:lstStyle/>
           <a:p>
             <a:r>
-              <a:rPr lang="en-US" altLang="zh-TW" dirty="0" smtClean="0"/>
+              <a:rPr lang="en-US" altLang="zh-TW" dirty="0"/>
               <a:t>Outline</a:t>
             </a:r>
             <a:endParaRPr lang="zh-TW" altLang="en-US" dirty="0"/>
@@ -6791,68 +6482,62 @@
           <a:lstStyle/>
           <a:p>
             <a:r>
-              <a:rPr lang="en-US" altLang="zh-TW" dirty="0"/>
-              <a:t>Calculating </a:t>
-            </a:r>
-            <a:r>
-              <a:rPr lang="en-US" altLang="zh-TW"/>
-              <a:t>time </a:t>
-            </a:r>
-            <a:r>
-              <a:rPr lang="en-US" altLang="zh-TW" smtClean="0"/>
-              <a:t>complexity</a:t>
-            </a:r>
-            <a:endParaRPr lang="en-US" altLang="zh-TW" dirty="0" smtClean="0">
+              <a:rPr lang="en-US" altLang="zh-TW" dirty="0">
+                <a:latin typeface="Times New Roman" panose="02020603050405020304" pitchFamily="18" charset="0"/>
+                <a:cs typeface="Times New Roman" panose="02020603050405020304" pitchFamily="18" charset="0"/>
+              </a:rPr>
+              <a:t>Calculating time complexity</a:t>
+            </a:r>
+            <a:endParaRPr lang="en-US" altLang="zh-TW" dirty="0">
+              <a:latin typeface="Times New Roman" panose="02020603050405020304" pitchFamily="18" charset="0"/>
+              <a:cs typeface="Times New Roman" panose="02020603050405020304" pitchFamily="18" charset="0"/>
               <a:hlinkClick r:id="rId2" action="ppaction://hlinksldjump"/>
             </a:endParaRPr>
           </a:p>
           <a:p>
             <a:pPr lvl="1"/>
             <a:r>
-              <a:rPr lang="en-US" altLang="zh-TW" dirty="0" smtClean="0">
+              <a:rPr lang="en-US" altLang="zh-TW" dirty="0">
+                <a:latin typeface="Times New Roman" panose="02020603050405020304" pitchFamily="18" charset="0"/>
+                <a:cs typeface="Times New Roman" panose="02020603050405020304" pitchFamily="18" charset="0"/>
                 <a:hlinkClick r:id="rId2" action="ppaction://hlinksldjump"/>
               </a:rPr>
               <a:t>Program 1.13: Program 1.11 with count statements   26</a:t>
             </a:r>
-            <a:endParaRPr lang="en-US" altLang="zh-TW" dirty="0" smtClean="0"/>
+            <a:endParaRPr lang="en-US" altLang="zh-TW" dirty="0">
+              <a:latin typeface="Times New Roman" panose="02020603050405020304" pitchFamily="18" charset="0"/>
+              <a:cs typeface="Times New Roman" panose="02020603050405020304" pitchFamily="18" charset="0"/>
+            </a:endParaRPr>
           </a:p>
           <a:p>
             <a:pPr lvl="1"/>
             <a:r>
-              <a:rPr lang="en-US" altLang="zh-TW" dirty="0" smtClean="0">
+              <a:rPr lang="en-US" altLang="zh-TW" dirty="0">
+                <a:latin typeface="Times New Roman" panose="02020603050405020304" pitchFamily="18" charset="0"/>
+                <a:cs typeface="Times New Roman" panose="02020603050405020304" pitchFamily="18" charset="0"/>
                 <a:hlinkClick r:id="rId3" action="ppaction://hlinksldjump"/>
               </a:rPr>
-              <a:t>Program </a:t>
-            </a:r>
+              <a:t>Program 1.15: Program 1.12 with count statements added   27</a:t>
+            </a:r>
+            <a:endParaRPr lang="en-US" altLang="zh-TW" dirty="0">
+              <a:latin typeface="Times New Roman" panose="02020603050405020304" pitchFamily="18" charset="0"/>
+              <a:cs typeface="Times New Roman" panose="02020603050405020304" pitchFamily="18" charset="0"/>
+            </a:endParaRPr>
+          </a:p>
+          <a:p>
+            <a:pPr lvl="1"/>
             <a:r>
               <a:rPr lang="en-US" altLang="zh-TW" dirty="0">
-                <a:hlinkClick r:id="rId3" action="ppaction://hlinksldjump"/>
-              </a:rPr>
-              <a:t>1.15: Program 1.12 with count statements added   27</a:t>
-            </a:r>
-            <a:endParaRPr lang="en-US" altLang="zh-TW" dirty="0"/>
-          </a:p>
-          <a:p>
-            <a:pPr lvl="1"/>
-            <a:r>
-              <a:rPr lang="en-US" altLang="zh-TW" dirty="0" smtClean="0">
+                <a:latin typeface="Times New Roman" panose="02020603050405020304" pitchFamily="18" charset="0"/>
+                <a:cs typeface="Times New Roman" panose="02020603050405020304" pitchFamily="18" charset="0"/>
                 <a:hlinkClick r:id="rId4" action="ppaction://hlinksldjump"/>
               </a:rPr>
-              <a:t>Program </a:t>
-            </a:r>
-            <a:r>
-              <a:rPr lang="en-US" altLang="zh-TW" dirty="0">
-                <a:hlinkClick r:id="rId4" action="ppaction://hlinksldjump"/>
-              </a:rPr>
-              <a:t>1.17: Matrix addition with count statements   </a:t>
-            </a:r>
-            <a:r>
-              <a:rPr lang="en-US" altLang="zh-TW" dirty="0" smtClean="0">
-                <a:hlinkClick r:id="rId4" action="ppaction://hlinksldjump"/>
-              </a:rPr>
-              <a:t>29</a:t>
-            </a:r>
-            <a:endParaRPr lang="en-US" altLang="zh-TW" dirty="0"/>
+              <a:t>Program 1.17: Matrix addition with count statements   29</a:t>
+            </a:r>
+            <a:endParaRPr lang="en-US" altLang="zh-TW" dirty="0">
+              <a:latin typeface="Times New Roman" panose="02020603050405020304" pitchFamily="18" charset="0"/>
+              <a:cs typeface="Times New Roman" panose="02020603050405020304" pitchFamily="18" charset="0"/>
+            </a:endParaRPr>
           </a:p>
         </p:txBody>
       </p:sp>
@@ -6866,13 +6551,6 @@
   <p:clrMapOvr>
     <a:masterClrMapping/>
   </p:clrMapOvr>
-  <p:timing>
-    <p:tnLst>
-      <p:par>
-        <p:cTn id="1" dur="indefinite" restart="never" nodeType="tmRoot"/>
-      </p:par>
-    </p:tnLst>
-  </p:timing>
 </p:sld>
 </file>
 
@@ -6910,11 +6588,7 @@
           <a:p>
             <a:r>
               <a:rPr lang="en-US" altLang="zh-TW" dirty="0"/>
-              <a:t>Program </a:t>
-            </a:r>
-            <a:r>
-              <a:rPr lang="en-US" altLang="zh-TW" dirty="0" smtClean="0"/>
-              <a:t>1.15</a:t>
+              <a:t>Program 1.15</a:t>
             </a:r>
             <a:endParaRPr lang="zh-TW" altLang="en-US" dirty="0"/>
           </a:p>
@@ -6966,20 +6640,16 @@
             </a:r>
             <a:r>
               <a:rPr lang="en-US" altLang="zh-TW" sz="2400" dirty="0"/>
-              <a:t> n</a:t>
-            </a:r>
-            <a:r>
-              <a:rPr lang="en-US" altLang="zh-TW" sz="2400" dirty="0" smtClean="0"/>
-              <a:t>){</a:t>
-            </a:r>
-            <a:endParaRPr lang="en-US" altLang="zh-TW" sz="2000" dirty="0" smtClean="0"/>
-          </a:p>
-          <a:p>
-            <a:pPr marL="0" indent="0">
-              <a:buNone/>
-            </a:pPr>
-            <a:r>
-              <a:rPr lang="en-US" altLang="zh-TW" sz="2400" dirty="0" smtClean="0"/>
+              <a:t> n){</a:t>
+            </a:r>
+            <a:endParaRPr lang="en-US" altLang="zh-TW" sz="2000" dirty="0"/>
+          </a:p>
+          <a:p>
+            <a:pPr marL="0" indent="0">
+              <a:buNone/>
+            </a:pPr>
+            <a:r>
+              <a:rPr lang="en-US" altLang="zh-TW" sz="2400" dirty="0"/>
               <a:t>    if(n){</a:t>
             </a:r>
           </a:p>
@@ -6988,15 +6658,15 @@
               <a:buNone/>
             </a:pPr>
             <a:r>
-              <a:rPr lang="en-US" altLang="zh-TW" sz="2400" dirty="0" smtClean="0"/>
+              <a:rPr lang="en-US" altLang="zh-TW" sz="2400" dirty="0"/>
               <a:t>        return </a:t>
             </a:r>
             <a:r>
-              <a:rPr lang="en-US" altLang="zh-TW" sz="2400" dirty="0" err="1" smtClean="0"/>
+              <a:rPr lang="en-US" altLang="zh-TW" sz="2400" dirty="0" err="1"/>
               <a:t>rsum</a:t>
             </a:r>
             <a:r>
-              <a:rPr lang="en-US" altLang="zh-TW" sz="2400" dirty="0" smtClean="0"/>
+              <a:rPr lang="en-US" altLang="zh-TW" sz="2400" dirty="0"/>
               <a:t>(list, n-1) + list[n-1];</a:t>
             </a:r>
           </a:p>
@@ -7005,25 +6675,17 @@
               <a:buNone/>
             </a:pPr>
             <a:r>
-              <a:rPr lang="en-US" altLang="zh-TW" sz="2400" dirty="0" smtClean="0"/>
-              <a:t>    </a:t>
-            </a:r>
-            <a:r>
               <a:rPr lang="en-US" altLang="zh-TW" sz="2400" dirty="0"/>
-              <a:t>}</a:t>
-            </a:r>
-          </a:p>
-          <a:p>
-            <a:pPr marL="0" indent="0">
-              <a:buNone/>
-            </a:pPr>
-            <a:r>
-              <a:rPr lang="en-US" altLang="zh-TW" sz="2400" dirty="0" smtClean="0"/>
-              <a:t>    return </a:t>
-            </a:r>
+              <a:t>    }</a:t>
+            </a:r>
+          </a:p>
+          <a:p>
+            <a:pPr marL="0" indent="0">
+              <a:buNone/>
+            </a:pPr>
             <a:r>
               <a:rPr lang="en-US" altLang="zh-TW" sz="2400" dirty="0"/>
-              <a:t>list[0];</a:t>
+              <a:t>    return list[0];</a:t>
             </a:r>
           </a:p>
           <a:p>
@@ -7109,7 +6771,7 @@
           <a:lstStyle/>
           <a:p>
             <a:r>
-              <a:rPr lang="en-US" altLang="zh-TW" dirty="0" smtClean="0">
+              <a:rPr lang="en-US" altLang="zh-TW" dirty="0">
                 <a:solidFill>
                   <a:srgbClr val="FF0000"/>
                 </a:solidFill>
@@ -7153,15 +6815,15 @@
           </a:p>
           <a:p>
             <a:r>
-              <a:rPr lang="en-US" altLang="zh-TW" dirty="0" smtClean="0"/>
+              <a:rPr lang="en-US" altLang="zh-TW" dirty="0"/>
               <a:t>n</a:t>
             </a:r>
             <a:r>
-              <a:rPr lang="zh-TW" altLang="en-US" dirty="0" smtClean="0"/>
+              <a:rPr lang="zh-TW" altLang="en-US" dirty="0"/>
               <a:t> </a:t>
             </a:r>
             <a:r>
-              <a:rPr lang="en-US" altLang="zh-TW" dirty="0" smtClean="0"/>
+              <a:rPr lang="en-US" altLang="zh-TW" dirty="0"/>
               <a:t>= 3,     count = 0</a:t>
             </a:r>
             <a:endParaRPr lang="zh-TW" altLang="en-US" dirty="0"/>
@@ -7178,13 +6840,6 @@
   <p:clrMapOvr>
     <a:masterClrMapping/>
   </p:clrMapOvr>
-  <p:timing>
-    <p:tnLst>
-      <p:par>
-        <p:cTn id="1" dur="indefinite" restart="never" nodeType="tmRoot"/>
-      </p:par>
-    </p:tnLst>
-  </p:timing>
 </p:sld>
 </file>
 
@@ -7222,11 +6877,7 @@
           <a:p>
             <a:r>
               <a:rPr lang="en-US" altLang="zh-TW" dirty="0"/>
-              <a:t>Program </a:t>
-            </a:r>
-            <a:r>
-              <a:rPr lang="en-US" altLang="zh-TW" dirty="0" smtClean="0"/>
-              <a:t>1.15</a:t>
+              <a:t>Program 1.15</a:t>
             </a:r>
             <a:endParaRPr lang="zh-TW" altLang="en-US" dirty="0"/>
           </a:p>
@@ -7278,20 +6929,16 @@
             </a:r>
             <a:r>
               <a:rPr lang="en-US" altLang="zh-TW" sz="2400" dirty="0"/>
-              <a:t> n</a:t>
-            </a:r>
-            <a:r>
-              <a:rPr lang="en-US" altLang="zh-TW" sz="2400" dirty="0" smtClean="0"/>
-              <a:t>){</a:t>
-            </a:r>
-            <a:endParaRPr lang="en-US" altLang="zh-TW" sz="2000" dirty="0" smtClean="0"/>
-          </a:p>
-          <a:p>
-            <a:pPr marL="0" indent="0">
-              <a:buNone/>
-            </a:pPr>
-            <a:r>
-              <a:rPr lang="en-US" altLang="zh-TW" sz="2400" dirty="0" smtClean="0"/>
+              <a:t> n){</a:t>
+            </a:r>
+            <a:endParaRPr lang="en-US" altLang="zh-TW" sz="2000" dirty="0"/>
+          </a:p>
+          <a:p>
+            <a:pPr marL="0" indent="0">
+              <a:buNone/>
+            </a:pPr>
+            <a:r>
+              <a:rPr lang="en-US" altLang="zh-TW" sz="2400" dirty="0"/>
               <a:t>    if(n){</a:t>
             </a:r>
           </a:p>
@@ -7300,15 +6947,15 @@
               <a:buNone/>
             </a:pPr>
             <a:r>
-              <a:rPr lang="en-US" altLang="zh-TW" sz="2400" dirty="0" smtClean="0"/>
+              <a:rPr lang="en-US" altLang="zh-TW" sz="2400" dirty="0"/>
               <a:t>        return </a:t>
             </a:r>
             <a:r>
-              <a:rPr lang="en-US" altLang="zh-TW" sz="2400" dirty="0" err="1" smtClean="0"/>
+              <a:rPr lang="en-US" altLang="zh-TW" sz="2400" dirty="0" err="1"/>
               <a:t>rsum</a:t>
             </a:r>
             <a:r>
-              <a:rPr lang="en-US" altLang="zh-TW" sz="2400" dirty="0" smtClean="0"/>
+              <a:rPr lang="en-US" altLang="zh-TW" sz="2400" dirty="0"/>
               <a:t>(list, n-1) + list[n-1];</a:t>
             </a:r>
           </a:p>
@@ -7317,25 +6964,17 @@
               <a:buNone/>
             </a:pPr>
             <a:r>
-              <a:rPr lang="en-US" altLang="zh-TW" sz="2400" dirty="0" smtClean="0"/>
-              <a:t>    </a:t>
-            </a:r>
-            <a:r>
               <a:rPr lang="en-US" altLang="zh-TW" sz="2400" dirty="0"/>
-              <a:t>}</a:t>
-            </a:r>
-          </a:p>
-          <a:p>
-            <a:pPr marL="0" indent="0">
-              <a:buNone/>
-            </a:pPr>
-            <a:r>
-              <a:rPr lang="en-US" altLang="zh-TW" sz="2400" dirty="0" smtClean="0"/>
-              <a:t>    return </a:t>
-            </a:r>
+              <a:t>    }</a:t>
+            </a:r>
+          </a:p>
+          <a:p>
+            <a:pPr marL="0" indent="0">
+              <a:buNone/>
+            </a:pPr>
             <a:r>
               <a:rPr lang="en-US" altLang="zh-TW" sz="2400" dirty="0"/>
-              <a:t>list[0];</a:t>
+              <a:t>    return list[0];</a:t>
             </a:r>
           </a:p>
           <a:p>
@@ -7421,7 +7060,7 @@
           <a:lstStyle/>
           <a:p>
             <a:r>
-              <a:rPr lang="en-US" altLang="zh-TW" dirty="0" smtClean="0">
+              <a:rPr lang="en-US" altLang="zh-TW" dirty="0">
                 <a:solidFill>
                   <a:srgbClr val="FF0000"/>
                 </a:solidFill>
@@ -7465,15 +7104,15 @@
           </a:p>
           <a:p>
             <a:r>
-              <a:rPr lang="en-US" altLang="zh-TW" dirty="0" smtClean="0"/>
+              <a:rPr lang="en-US" altLang="zh-TW" dirty="0"/>
               <a:t>n</a:t>
             </a:r>
             <a:r>
-              <a:rPr lang="zh-TW" altLang="en-US" dirty="0" smtClean="0"/>
+              <a:rPr lang="zh-TW" altLang="en-US" dirty="0"/>
               <a:t> </a:t>
             </a:r>
             <a:r>
-              <a:rPr lang="en-US" altLang="zh-TW" dirty="0" smtClean="0"/>
+              <a:rPr lang="en-US" altLang="zh-TW" dirty="0"/>
               <a:t>= 3,     count = 0</a:t>
             </a:r>
             <a:endParaRPr lang="zh-TW" altLang="en-US" dirty="0"/>
@@ -7490,13 +7129,6 @@
   <p:clrMapOvr>
     <a:masterClrMapping/>
   </p:clrMapOvr>
-  <p:timing>
-    <p:tnLst>
-      <p:par>
-        <p:cTn id="1" dur="indefinite" restart="never" nodeType="tmRoot"/>
-      </p:par>
-    </p:tnLst>
-  </p:timing>
 </p:sld>
 </file>
 
@@ -7534,11 +7166,7 @@
           <a:p>
             <a:r>
               <a:rPr lang="en-US" altLang="zh-TW" dirty="0"/>
-              <a:t>Program </a:t>
-            </a:r>
-            <a:r>
-              <a:rPr lang="en-US" altLang="zh-TW" dirty="0" smtClean="0"/>
-              <a:t>1.15</a:t>
+              <a:t>Program 1.15</a:t>
             </a:r>
             <a:endParaRPr lang="zh-TW" altLang="en-US" dirty="0"/>
           </a:p>
@@ -7590,20 +7218,16 @@
             </a:r>
             <a:r>
               <a:rPr lang="en-US" altLang="zh-TW" sz="2400" dirty="0"/>
-              <a:t> n</a:t>
-            </a:r>
-            <a:r>
-              <a:rPr lang="en-US" altLang="zh-TW" sz="2400" dirty="0" smtClean="0"/>
-              <a:t>){</a:t>
-            </a:r>
-            <a:endParaRPr lang="en-US" altLang="zh-TW" sz="2000" dirty="0" smtClean="0"/>
-          </a:p>
-          <a:p>
-            <a:pPr marL="0" indent="0">
-              <a:buNone/>
-            </a:pPr>
-            <a:r>
-              <a:rPr lang="en-US" altLang="zh-TW" sz="2400" dirty="0" smtClean="0"/>
+              <a:t> n){</a:t>
+            </a:r>
+            <a:endParaRPr lang="en-US" altLang="zh-TW" sz="2000" dirty="0"/>
+          </a:p>
+          <a:p>
+            <a:pPr marL="0" indent="0">
+              <a:buNone/>
+            </a:pPr>
+            <a:r>
+              <a:rPr lang="en-US" altLang="zh-TW" sz="2400" dirty="0"/>
               <a:t>    if(n){</a:t>
             </a:r>
           </a:p>
@@ -7612,15 +7236,15 @@
               <a:buNone/>
             </a:pPr>
             <a:r>
-              <a:rPr lang="en-US" altLang="zh-TW" sz="2400" dirty="0" smtClean="0"/>
+              <a:rPr lang="en-US" altLang="zh-TW" sz="2400" dirty="0"/>
               <a:t>        return </a:t>
             </a:r>
             <a:r>
-              <a:rPr lang="en-US" altLang="zh-TW" sz="2400" dirty="0" err="1" smtClean="0"/>
+              <a:rPr lang="en-US" altLang="zh-TW" sz="2400" dirty="0" err="1"/>
               <a:t>rsum</a:t>
             </a:r>
             <a:r>
-              <a:rPr lang="en-US" altLang="zh-TW" sz="2400" dirty="0" smtClean="0"/>
+              <a:rPr lang="en-US" altLang="zh-TW" sz="2400" dirty="0"/>
               <a:t>(list, n-1) + list[n-1];</a:t>
             </a:r>
           </a:p>
@@ -7629,25 +7253,17 @@
               <a:buNone/>
             </a:pPr>
             <a:r>
-              <a:rPr lang="en-US" altLang="zh-TW" sz="2400" dirty="0" smtClean="0"/>
-              <a:t>    </a:t>
-            </a:r>
-            <a:r>
               <a:rPr lang="en-US" altLang="zh-TW" sz="2400" dirty="0"/>
-              <a:t>}</a:t>
-            </a:r>
-          </a:p>
-          <a:p>
-            <a:pPr marL="0" indent="0">
-              <a:buNone/>
-            </a:pPr>
-            <a:r>
-              <a:rPr lang="en-US" altLang="zh-TW" sz="2400" dirty="0" smtClean="0"/>
-              <a:t>    return </a:t>
-            </a:r>
+              <a:t>    }</a:t>
+            </a:r>
+          </a:p>
+          <a:p>
+            <a:pPr marL="0" indent="0">
+              <a:buNone/>
+            </a:pPr>
             <a:r>
               <a:rPr lang="en-US" altLang="zh-TW" sz="2400" dirty="0"/>
-              <a:t>list[0];</a:t>
+              <a:t>    return list[0];</a:t>
             </a:r>
           </a:p>
           <a:p>
@@ -7691,15 +7307,15 @@
           </a:p>
           <a:p>
             <a:r>
-              <a:rPr lang="en-US" altLang="zh-TW" dirty="0" smtClean="0"/>
+              <a:rPr lang="en-US" altLang="zh-TW" dirty="0"/>
               <a:t>n</a:t>
             </a:r>
             <a:r>
-              <a:rPr lang="zh-TW" altLang="en-US" dirty="0" smtClean="0"/>
+              <a:rPr lang="zh-TW" altLang="en-US" dirty="0"/>
               <a:t> </a:t>
             </a:r>
             <a:r>
-              <a:rPr lang="en-US" altLang="zh-TW" dirty="0" smtClean="0"/>
+              <a:rPr lang="en-US" altLang="zh-TW" dirty="0"/>
               <a:t>= 3,     count = 0</a:t>
             </a:r>
             <a:endParaRPr lang="zh-TW" altLang="en-US" dirty="0"/>
@@ -7777,7 +7393,7 @@
           <a:lstStyle/>
           <a:p>
             <a:r>
-              <a:rPr lang="en-US" altLang="zh-TW" dirty="0" smtClean="0">
+              <a:rPr lang="en-US" altLang="zh-TW" dirty="0">
                 <a:solidFill>
                   <a:srgbClr val="FF0000"/>
                 </a:solidFill>
@@ -7802,13 +7418,6 @@
   <p:clrMapOvr>
     <a:masterClrMapping/>
   </p:clrMapOvr>
-  <p:timing>
-    <p:tnLst>
-      <p:par>
-        <p:cTn id="1" dur="indefinite" restart="never" nodeType="tmRoot"/>
-      </p:par>
-    </p:tnLst>
-  </p:timing>
 </p:sld>
 </file>
 
@@ -7846,11 +7455,7 @@
           <a:p>
             <a:r>
               <a:rPr lang="en-US" altLang="zh-TW" dirty="0"/>
-              <a:t>Program </a:t>
-            </a:r>
-            <a:r>
-              <a:rPr lang="en-US" altLang="zh-TW" dirty="0" smtClean="0"/>
-              <a:t>1.15</a:t>
+              <a:t>Program 1.15</a:t>
             </a:r>
             <a:endParaRPr lang="zh-TW" altLang="en-US" dirty="0"/>
           </a:p>
@@ -7902,20 +7507,16 @@
             </a:r>
             <a:r>
               <a:rPr lang="en-US" altLang="zh-TW" sz="2400" dirty="0"/>
-              <a:t> n</a:t>
-            </a:r>
-            <a:r>
-              <a:rPr lang="en-US" altLang="zh-TW" sz="2400" dirty="0" smtClean="0"/>
-              <a:t>){</a:t>
-            </a:r>
-            <a:endParaRPr lang="en-US" altLang="zh-TW" sz="2000" dirty="0" smtClean="0"/>
-          </a:p>
-          <a:p>
-            <a:pPr marL="0" indent="0">
-              <a:buNone/>
-            </a:pPr>
-            <a:r>
-              <a:rPr lang="en-US" altLang="zh-TW" sz="2400" dirty="0" smtClean="0"/>
+              <a:t> n){</a:t>
+            </a:r>
+            <a:endParaRPr lang="en-US" altLang="zh-TW" sz="2000" dirty="0"/>
+          </a:p>
+          <a:p>
+            <a:pPr marL="0" indent="0">
+              <a:buNone/>
+            </a:pPr>
+            <a:r>
+              <a:rPr lang="en-US" altLang="zh-TW" sz="2400" dirty="0"/>
               <a:t>    if(n){</a:t>
             </a:r>
           </a:p>
@@ -7924,15 +7525,15 @@
               <a:buNone/>
             </a:pPr>
             <a:r>
-              <a:rPr lang="en-US" altLang="zh-TW" sz="2400" dirty="0" smtClean="0"/>
+              <a:rPr lang="en-US" altLang="zh-TW" sz="2400" dirty="0"/>
               <a:t>        return </a:t>
             </a:r>
             <a:r>
-              <a:rPr lang="en-US" altLang="zh-TW" sz="2400" dirty="0" err="1" smtClean="0"/>
+              <a:rPr lang="en-US" altLang="zh-TW" sz="2400" dirty="0" err="1"/>
               <a:t>rsum</a:t>
             </a:r>
             <a:r>
-              <a:rPr lang="en-US" altLang="zh-TW" sz="2400" dirty="0" smtClean="0"/>
+              <a:rPr lang="en-US" altLang="zh-TW" sz="2400" dirty="0"/>
               <a:t>(list, n-1) + list[n-1];</a:t>
             </a:r>
           </a:p>
@@ -7941,25 +7542,17 @@
               <a:buNone/>
             </a:pPr>
             <a:r>
-              <a:rPr lang="en-US" altLang="zh-TW" sz="2400" dirty="0" smtClean="0"/>
-              <a:t>    </a:t>
-            </a:r>
-            <a:r>
               <a:rPr lang="en-US" altLang="zh-TW" sz="2400" dirty="0"/>
-              <a:t>}</a:t>
-            </a:r>
-          </a:p>
-          <a:p>
-            <a:pPr marL="0" indent="0">
-              <a:buNone/>
-            </a:pPr>
-            <a:r>
-              <a:rPr lang="en-US" altLang="zh-TW" sz="2400" dirty="0" smtClean="0"/>
-              <a:t>    return </a:t>
-            </a:r>
+              <a:t>    }</a:t>
+            </a:r>
+          </a:p>
+          <a:p>
+            <a:pPr marL="0" indent="0">
+              <a:buNone/>
+            </a:pPr>
             <a:r>
               <a:rPr lang="en-US" altLang="zh-TW" sz="2400" dirty="0"/>
-              <a:t>list[0];</a:t>
+              <a:t>    return list[0];</a:t>
             </a:r>
           </a:p>
           <a:p>
@@ -8003,15 +7596,15 @@
           </a:p>
           <a:p>
             <a:r>
-              <a:rPr lang="en-US" altLang="zh-TW" dirty="0" smtClean="0"/>
+              <a:rPr lang="en-US" altLang="zh-TW" dirty="0"/>
               <a:t>n</a:t>
             </a:r>
             <a:r>
-              <a:rPr lang="zh-TW" altLang="en-US" dirty="0" smtClean="0"/>
+              <a:rPr lang="zh-TW" altLang="en-US" dirty="0"/>
               <a:t> </a:t>
             </a:r>
             <a:r>
-              <a:rPr lang="en-US" altLang="zh-TW" dirty="0" smtClean="0"/>
+              <a:rPr lang="en-US" altLang="zh-TW" dirty="0"/>
               <a:t>= 3,     count = 0</a:t>
             </a:r>
             <a:endParaRPr lang="zh-TW" altLang="en-US" dirty="0"/>
@@ -8041,14 +7634,13 @@
           <a:lstStyle/>
           <a:p>
             <a:r>
-              <a:rPr lang="en-US" altLang="zh-TW" dirty="0" smtClean="0"/>
+              <a:rPr lang="en-US" altLang="zh-TW" dirty="0"/>
               <a:t>n+1</a:t>
             </a:r>
             <a:r>
-              <a:rPr lang="zh-TW" altLang="en-US" dirty="0" smtClean="0"/>
+              <a:rPr lang="zh-TW" altLang="en-US" dirty="0"/>
               <a:t>次</a:t>
             </a:r>
-            <a:endParaRPr lang="zh-TW" altLang="en-US" dirty="0"/>
           </a:p>
         </p:txBody>
       </p:sp>
@@ -8075,14 +7667,13 @@
           <a:lstStyle/>
           <a:p>
             <a:r>
-              <a:rPr lang="en-US" altLang="zh-TW" dirty="0" smtClean="0"/>
+              <a:rPr lang="en-US" altLang="zh-TW" dirty="0"/>
               <a:t>n</a:t>
             </a:r>
             <a:r>
-              <a:rPr lang="zh-TW" altLang="en-US" dirty="0" smtClean="0"/>
+              <a:rPr lang="zh-TW" altLang="en-US" dirty="0"/>
               <a:t>次</a:t>
             </a:r>
-            <a:endParaRPr lang="zh-TW" altLang="en-US" dirty="0"/>
           </a:p>
         </p:txBody>
       </p:sp>
@@ -8109,14 +7700,13 @@
           <a:lstStyle/>
           <a:p>
             <a:r>
-              <a:rPr lang="en-US" altLang="zh-TW" dirty="0" smtClean="0"/>
+              <a:rPr lang="en-US" altLang="zh-TW" dirty="0"/>
               <a:t>1</a:t>
             </a:r>
             <a:r>
-              <a:rPr lang="zh-TW" altLang="en-US" dirty="0" smtClean="0"/>
+              <a:rPr lang="zh-TW" altLang="en-US" dirty="0"/>
               <a:t>次</a:t>
             </a:r>
-            <a:endParaRPr lang="zh-TW" altLang="en-US" dirty="0"/>
           </a:p>
         </p:txBody>
       </p:sp>
@@ -8173,7 +7763,7 @@
           <a:lstStyle/>
           <a:p>
             <a:r>
-              <a:rPr lang="en-US" altLang="zh-TW" dirty="0" smtClean="0"/>
+              <a:rPr lang="en-US" altLang="zh-TW" dirty="0"/>
               <a:t>+</a:t>
             </a:r>
             <a:endParaRPr lang="zh-TW" altLang="en-US" dirty="0"/>
@@ -8203,14 +7793,13 @@
           <a:lstStyle/>
           <a:p>
             <a:r>
-              <a:rPr lang="en-US" altLang="zh-TW" dirty="0" smtClean="0"/>
+              <a:rPr lang="en-US" altLang="zh-TW" dirty="0"/>
               <a:t>2n+2</a:t>
             </a:r>
             <a:r>
-              <a:rPr lang="zh-TW" altLang="en-US" dirty="0" smtClean="0"/>
+              <a:rPr lang="zh-TW" altLang="en-US" dirty="0"/>
               <a:t>次</a:t>
             </a:r>
-            <a:endParaRPr lang="zh-TW" altLang="en-US" dirty="0"/>
           </a:p>
         </p:txBody>
       </p:sp>
@@ -8239,22 +7828,16 @@
           <a:lstStyle/>
           <a:p>
             <a:r>
-              <a:rPr lang="zh-TW" altLang="en-US" smtClean="0">
+              <a:rPr lang="zh-TW" altLang="en-US">
                 <a:ea typeface="標楷體" panose="03000509000000000000" pitchFamily="65" charset="-120"/>
               </a:rPr>
               <a:t>回</a:t>
             </a:r>
             <a:r>
-              <a:rPr lang="en-US" altLang="zh-TW" dirty="0" smtClean="0">
-                <a:ea typeface="標楷體" panose="03000509000000000000" pitchFamily="65" charset="-120"/>
-              </a:rPr>
-              <a:t>outlin</a:t>
-            </a:r>
-            <a:r>
               <a:rPr lang="en-US" altLang="zh-TW" dirty="0">
                 <a:ea typeface="標楷體" panose="03000509000000000000" pitchFamily="65" charset="-120"/>
               </a:rPr>
-              <a:t>e</a:t>
+              <a:t>outline</a:t>
             </a:r>
             <a:endParaRPr lang="zh-TW" altLang="en-US" dirty="0">
               <a:ea typeface="標楷體" panose="03000509000000000000" pitchFamily="65" charset="-120"/>
@@ -8272,13 +7855,6 @@
   <p:clrMapOvr>
     <a:masterClrMapping/>
   </p:clrMapOvr>
-  <p:timing>
-    <p:tnLst>
-      <p:par>
-        <p:cTn id="1" dur="indefinite" restart="never" nodeType="tmRoot"/>
-      </p:par>
-    </p:tnLst>
-  </p:timing>
 </p:sld>
 </file>
 
@@ -8316,11 +7892,7 @@
           <a:p>
             <a:r>
               <a:rPr lang="en-US" altLang="zh-TW" dirty="0"/>
-              <a:t>Program </a:t>
-            </a:r>
-            <a:r>
-              <a:rPr lang="en-US" altLang="zh-TW" dirty="0" smtClean="0"/>
-              <a:t>1.17</a:t>
+              <a:t>Program 1.17</a:t>
             </a:r>
             <a:endParaRPr lang="zh-TW" altLang="en-US" dirty="0"/>
           </a:p>
@@ -8359,11 +7931,7 @@
             </a:r>
             <a:r>
               <a:rPr lang="en-US" altLang="zh-TW" sz="2200" dirty="0"/>
-              <a:t> a[][MAX_SIZE], b[][MAX_SIZE</a:t>
-            </a:r>
-            <a:r>
-              <a:rPr lang="en-US" altLang="zh-TW" sz="2200" dirty="0" smtClean="0"/>
-              <a:t>],</a:t>
+              <a:t> a[][MAX_SIZE], b[][MAX_SIZE],</a:t>
             </a:r>
           </a:p>
           <a:p>
@@ -8374,12 +7942,8 @@
               <a:buNone/>
             </a:pPr>
             <a:r>
-              <a:rPr lang="en-US" altLang="zh-TW" sz="2200" dirty="0" smtClean="0"/>
-              <a:t>              c</a:t>
-            </a:r>
-            <a:r>
-              <a:rPr lang="en-US" altLang="zh-TW" sz="2200" dirty="0"/>
-              <a:t>[][MAX_SIZE], </a:t>
+              <a:rPr lang="en-US" altLang="zh-TW" sz="2200" dirty="0"/>
+              <a:t>              c[][MAX_SIZE], </a:t>
             </a:r>
             <a:r>
               <a:rPr lang="en-US" altLang="zh-TW" sz="2200" dirty="0" err="1"/>
@@ -8463,11 +8027,7 @@
             </a:pPr>
             <a:r>
               <a:rPr lang="en-US" altLang="zh-TW" sz="2200" dirty="0"/>
-              <a:t>        count</a:t>
-            </a:r>
-            <a:r>
-              <a:rPr lang="en-US" altLang="zh-TW" sz="2200" dirty="0" smtClean="0"/>
-              <a:t>++;</a:t>
+              <a:t>        count++;</a:t>
             </a:r>
             <a:r>
               <a:rPr lang="en-US" altLang="zh-TW" sz="2200" dirty="0">
@@ -8475,23 +8035,7 @@
                   <a:srgbClr val="FF0000"/>
                 </a:solidFill>
               </a:rPr>
-              <a:t> </a:t>
-            </a:r>
-            <a:r>
-              <a:rPr lang="en-US" altLang="zh-TW" sz="2200" dirty="0" smtClean="0">
-                <a:solidFill>
-                  <a:srgbClr val="FF0000"/>
-                </a:solidFill>
-              </a:rPr>
-              <a:t>           </a:t>
-            </a:r>
-            <a:r>
-              <a:rPr lang="en-US" altLang="zh-TW" sz="2000" dirty="0" smtClean="0">
-                <a:solidFill>
-                  <a:srgbClr val="FF0000"/>
-                </a:solidFill>
-              </a:rPr>
-              <a:t>//” </a:t>
+              <a:t>            </a:t>
             </a:r>
             <a:r>
               <a:rPr lang="en-US" altLang="zh-TW" sz="2000" dirty="0">
@@ -8499,7 +8043,7 @@
                   <a:srgbClr val="FF0000"/>
                 </a:solidFill>
               </a:rPr>
-              <a:t>for(</a:t>
+              <a:t>//” for(</a:t>
             </a:r>
             <a:r>
               <a:rPr lang="en-US" altLang="zh-TW" sz="2000" dirty="0" err="1">
@@ -8526,7 +8070,7 @@
               <a:t>i</a:t>
             </a:r>
             <a:r>
-              <a:rPr lang="en-US" altLang="zh-TW" sz="2000" dirty="0" smtClean="0">
+              <a:rPr lang="en-US" altLang="zh-TW" sz="2000" dirty="0">
                 <a:solidFill>
                   <a:srgbClr val="FF0000"/>
                 </a:solidFill>
@@ -8564,19 +8108,7 @@
             </a:pPr>
             <a:r>
               <a:rPr lang="en-US" altLang="zh-TW" sz="2200" dirty="0"/>
-              <a:t>            count</a:t>
-            </a:r>
-            <a:r>
-              <a:rPr lang="en-US" altLang="zh-TW" sz="2200" dirty="0" smtClean="0"/>
-              <a:t>++;        </a:t>
-            </a:r>
-            <a:r>
-              <a:rPr lang="en-US" altLang="zh-TW" sz="2000" dirty="0" smtClean="0">
-                <a:solidFill>
-                  <a:srgbClr val="FF0000"/>
-                </a:solidFill>
-              </a:rPr>
-              <a:t>//” for(j </a:t>
+              <a:t>            count++;        </a:t>
             </a:r>
             <a:r>
               <a:rPr lang="en-US" altLang="zh-TW" sz="2000" dirty="0">
@@ -8584,15 +8116,15 @@
                   <a:srgbClr val="FF0000"/>
                 </a:solidFill>
               </a:rPr>
-              <a:t>= </a:t>
-            </a:r>
-            <a:r>
-              <a:rPr lang="en-US" altLang="zh-TW" sz="2000" dirty="0" smtClean="0">
+              <a:t>//” for(j = 0;j &lt; cols; </a:t>
+            </a:r>
+            <a:r>
+              <a:rPr lang="en-US" altLang="zh-TW" sz="2000" dirty="0" err="1">
                 <a:solidFill>
                   <a:srgbClr val="FF0000"/>
                 </a:solidFill>
               </a:rPr>
-              <a:t>0;j </a:t>
+              <a:t>j++</a:t>
             </a:r>
             <a:r>
               <a:rPr lang="en-US" altLang="zh-TW" sz="2000" dirty="0">
@@ -8600,10 +8132,87 @@
                   <a:srgbClr val="FF0000"/>
                 </a:solidFill>
               </a:rPr>
-              <a:t>&lt; cols; </a:t>
-            </a:r>
-            <a:r>
-              <a:rPr lang="en-US" altLang="zh-TW" sz="2000" dirty="0" err="1" smtClean="0">
+              <a:t>)”</a:t>
+            </a:r>
+            <a:endParaRPr lang="en-US" altLang="zh-TW" sz="2000" dirty="0"/>
+          </a:p>
+          <a:p>
+            <a:pPr marL="0" indent="0">
+              <a:lnSpc>
+                <a:spcPct val="70000"/>
+              </a:lnSpc>
+              <a:buNone/>
+            </a:pPr>
+            <a:r>
+              <a:rPr lang="en-US" altLang="zh-TW" sz="2200" dirty="0"/>
+              <a:t>            c[</a:t>
+            </a:r>
+            <a:r>
+              <a:rPr lang="en-US" altLang="zh-TW" sz="2200" dirty="0" err="1"/>
+              <a:t>i</a:t>
+            </a:r>
+            <a:r>
+              <a:rPr lang="en-US" altLang="zh-TW" sz="2200" dirty="0"/>
+              <a:t>][j] = a[</a:t>
+            </a:r>
+            <a:r>
+              <a:rPr lang="en-US" altLang="zh-TW" sz="2200" dirty="0" err="1"/>
+              <a:t>i</a:t>
+            </a:r>
+            <a:r>
+              <a:rPr lang="en-US" altLang="zh-TW" sz="2200" dirty="0"/>
+              <a:t>][j] + b[</a:t>
+            </a:r>
+            <a:r>
+              <a:rPr lang="en-US" altLang="zh-TW" sz="2200" dirty="0" err="1"/>
+              <a:t>i</a:t>
+            </a:r>
+            <a:r>
+              <a:rPr lang="en-US" altLang="zh-TW" sz="2200" dirty="0"/>
+              <a:t>][j];</a:t>
+            </a:r>
+          </a:p>
+          <a:p>
+            <a:pPr marL="0" indent="0">
+              <a:lnSpc>
+                <a:spcPct val="70000"/>
+              </a:lnSpc>
+              <a:buNone/>
+            </a:pPr>
+            <a:r>
+              <a:rPr lang="en-US" altLang="zh-TW" sz="2200" dirty="0"/>
+              <a:t>            count</a:t>
+            </a:r>
+            <a:r>
+              <a:rPr lang="en-US" altLang="zh-TW" sz="2000" dirty="0"/>
+              <a:t>++;   </a:t>
+            </a:r>
+            <a:r>
+              <a:rPr lang="en-US" altLang="zh-TW" sz="1400" dirty="0">
+                <a:solidFill>
+                  <a:srgbClr val="FF0000"/>
+                </a:solidFill>
+              </a:rPr>
+              <a:t>//”</a:t>
+            </a:r>
+            <a:r>
+              <a:rPr lang="pl-PL" altLang="zh-TW" sz="1400" dirty="0">
+                <a:solidFill>
+                  <a:srgbClr val="FF0000"/>
+                </a:solidFill>
+              </a:rPr>
+              <a:t>c[i][j] = a[i][j] + b[i][j]</a:t>
+            </a:r>
+            <a:r>
+              <a:rPr lang="en-US" altLang="zh-TW" sz="1400" dirty="0">
+                <a:solidFill>
+                  <a:srgbClr val="FF0000"/>
+                </a:solidFill>
+              </a:rPr>
+              <a:t> = 0;j &lt; cols; </a:t>
+            </a:r>
+            <a:r>
+              <a:rPr lang="en-US" altLang="zh-TW" sz="1400" dirty="0" err="1">
                 <a:solidFill>
                   <a:srgbClr val="FF0000"/>
                 </a:solidFill>
@@ -8611,14 +8220,14 @@
               <a:t>j++</a:t>
             </a:r>
             <a:r>
-              <a:rPr lang="en-US" altLang="zh-TW" sz="2000" dirty="0" smtClean="0">
+              <a:rPr lang="en-US" altLang="zh-TW" sz="1400" dirty="0">
                 <a:solidFill>
                   <a:srgbClr val="FF0000"/>
                 </a:solidFill>
               </a:rPr>
               <a:t>)”</a:t>
             </a:r>
-            <a:endParaRPr lang="en-US" altLang="zh-TW" sz="2000" dirty="0"/>
+            <a:endParaRPr lang="en-US" altLang="zh-TW" sz="1400" dirty="0"/>
           </a:p>
           <a:p>
             <a:pPr marL="0" indent="0">
@@ -8629,31 +8238,7 @@
             </a:pPr>
             <a:r>
               <a:rPr lang="en-US" altLang="zh-TW" sz="2200" dirty="0"/>
-              <a:t>            c[</a:t>
-            </a:r>
-            <a:r>
-              <a:rPr lang="en-US" altLang="zh-TW" sz="2200" dirty="0" err="1"/>
-              <a:t>i</a:t>
-            </a:r>
-            <a:r>
-              <a:rPr lang="en-US" altLang="zh-TW" sz="2200" dirty="0"/>
-              <a:t>][j] = a[</a:t>
-            </a:r>
-            <a:r>
-              <a:rPr lang="en-US" altLang="zh-TW" sz="2200" dirty="0" err="1"/>
-              <a:t>i</a:t>
-            </a:r>
-            <a:r>
-              <a:rPr lang="en-US" altLang="zh-TW" sz="2200" dirty="0"/>
-              <a:t>][j] + b[</a:t>
-            </a:r>
-            <a:r>
-              <a:rPr lang="en-US" altLang="zh-TW" sz="2200" dirty="0" err="1"/>
-              <a:t>i</a:t>
-            </a:r>
-            <a:r>
-              <a:rPr lang="en-US" altLang="zh-TW" sz="2200" dirty="0"/>
-              <a:t>][j];</a:t>
+              <a:t>            }</a:t>
             </a:r>
           </a:p>
           <a:p>
@@ -8665,112 +8250,7 @@
             </a:pPr>
             <a:r>
               <a:rPr lang="en-US" altLang="zh-TW" sz="2200" dirty="0"/>
-              <a:t>            count</a:t>
-            </a:r>
-            <a:r>
-              <a:rPr lang="en-US" altLang="zh-TW" sz="2000" dirty="0" smtClean="0"/>
-              <a:t>++;   </a:t>
-            </a:r>
-            <a:r>
-              <a:rPr lang="en-US" altLang="zh-TW" sz="1400" dirty="0" smtClean="0">
-                <a:solidFill>
-                  <a:srgbClr val="FF0000"/>
-                </a:solidFill>
-              </a:rPr>
-              <a:t>//”</a:t>
-            </a:r>
-            <a:r>
-              <a:rPr lang="pl-PL" altLang="zh-TW" sz="1400" dirty="0" smtClean="0">
-                <a:solidFill>
-                  <a:srgbClr val="FF0000"/>
-                </a:solidFill>
-              </a:rPr>
-              <a:t>c[i</a:t>
-            </a:r>
-            <a:r>
-              <a:rPr lang="pl-PL" altLang="zh-TW" sz="1400" dirty="0">
-                <a:solidFill>
-                  <a:srgbClr val="FF0000"/>
-                </a:solidFill>
-              </a:rPr>
-              <a:t>][j] = a[i][j] + b[i][j]</a:t>
-            </a:r>
-            <a:r>
-              <a:rPr lang="en-US" altLang="zh-TW" sz="1400" dirty="0" smtClean="0">
-                <a:solidFill>
-                  <a:srgbClr val="FF0000"/>
-                </a:solidFill>
-              </a:rPr>
-              <a:t> </a:t>
-            </a:r>
-            <a:r>
-              <a:rPr lang="en-US" altLang="zh-TW" sz="1400" dirty="0">
-                <a:solidFill>
-                  <a:srgbClr val="FF0000"/>
-                </a:solidFill>
-              </a:rPr>
-              <a:t>= 0;j &lt; cols; </a:t>
-            </a:r>
-            <a:r>
-              <a:rPr lang="en-US" altLang="zh-TW" sz="1400" dirty="0" err="1">
-                <a:solidFill>
-                  <a:srgbClr val="FF0000"/>
-                </a:solidFill>
-              </a:rPr>
-              <a:t>j</a:t>
-            </a:r>
-            <a:r>
-              <a:rPr lang="en-US" altLang="zh-TW" sz="1400" dirty="0" err="1" smtClean="0">
-                <a:solidFill>
-                  <a:srgbClr val="FF0000"/>
-                </a:solidFill>
-              </a:rPr>
-              <a:t>++</a:t>
-            </a:r>
-            <a:r>
-              <a:rPr lang="en-US" altLang="zh-TW" sz="1400" dirty="0" smtClean="0">
-                <a:solidFill>
-                  <a:srgbClr val="FF0000"/>
-                </a:solidFill>
-              </a:rPr>
-              <a:t>)”</a:t>
-            </a:r>
-            <a:endParaRPr lang="en-US" altLang="zh-TW" sz="1400" dirty="0"/>
-          </a:p>
-          <a:p>
-            <a:pPr marL="0" indent="0">
-              <a:lnSpc>
-                <a:spcPct val="70000"/>
-              </a:lnSpc>
-              <a:buNone/>
-            </a:pPr>
-            <a:r>
-              <a:rPr lang="en-US" altLang="zh-TW" sz="2200" dirty="0"/>
-              <a:t>            }</a:t>
-            </a:r>
-          </a:p>
-          <a:p>
-            <a:pPr marL="0" indent="0">
-              <a:lnSpc>
-                <a:spcPct val="70000"/>
-              </a:lnSpc>
-              <a:buNone/>
-            </a:pPr>
-            <a:r>
-              <a:rPr lang="en-US" altLang="zh-TW" sz="2200" dirty="0"/>
-              <a:t>        count</a:t>
-            </a:r>
-            <a:r>
-              <a:rPr lang="en-US" altLang="zh-TW" sz="2200" dirty="0" smtClean="0"/>
-              <a:t>++;            </a:t>
-            </a:r>
-            <a:r>
-              <a:rPr lang="en-US" altLang="zh-TW" sz="2000" dirty="0" smtClean="0">
-                <a:solidFill>
-                  <a:srgbClr val="FF0000"/>
-                </a:solidFill>
-              </a:rPr>
-              <a:t>//"</a:t>
+              <a:t>        count++;            </a:t>
             </a:r>
             <a:r>
               <a:rPr lang="en-US" altLang="zh-TW" sz="2000" dirty="0">
@@ -8778,15 +8258,7 @@
                   <a:srgbClr val="FF0000"/>
                 </a:solidFill>
               </a:rPr>
-              <a:t>last time of j for </a:t>
-            </a:r>
-            <a:r>
-              <a:rPr lang="en-US" altLang="zh-TW" sz="2000" dirty="0" smtClean="0">
-                <a:solidFill>
-                  <a:srgbClr val="FF0000"/>
-                </a:solidFill>
-              </a:rPr>
-              <a:t>loop”</a:t>
+              <a:t>//"last time of j for loop”</a:t>
             </a:r>
           </a:p>
           <a:p>
@@ -8797,12 +8269,8 @@
               <a:buNone/>
             </a:pPr>
             <a:r>
-              <a:rPr lang="en-US" altLang="zh-TW" sz="2200" dirty="0" smtClean="0"/>
-              <a:t>    </a:t>
-            </a:r>
-            <a:r>
-              <a:rPr lang="en-US" altLang="zh-TW" sz="2200" dirty="0"/>
-              <a:t>}</a:t>
+              <a:rPr lang="en-US" altLang="zh-TW" sz="2200" dirty="0"/>
+              <a:t>    }</a:t>
             </a:r>
           </a:p>
           <a:p>
@@ -8814,11 +8282,7 @@
             </a:pPr>
             <a:r>
               <a:rPr lang="en-US" altLang="zh-TW" sz="2200" dirty="0"/>
-              <a:t>    count</a:t>
-            </a:r>
-            <a:r>
-              <a:rPr lang="en-US" altLang="zh-TW" sz="2200" dirty="0" smtClean="0"/>
-              <a:t>++;</a:t>
+              <a:t>    count++;</a:t>
             </a:r>
             <a:r>
               <a:rPr lang="en-US" altLang="zh-TW" sz="2400" dirty="0">
@@ -8826,23 +8290,7 @@
                   <a:srgbClr val="FF0000"/>
                 </a:solidFill>
               </a:rPr>
-              <a:t> </a:t>
-            </a:r>
-            <a:r>
-              <a:rPr lang="en-US" altLang="zh-TW" sz="2400" dirty="0" smtClean="0">
-                <a:solidFill>
-                  <a:srgbClr val="FF0000"/>
-                </a:solidFill>
-              </a:rPr>
-              <a:t>              </a:t>
-            </a:r>
-            <a:r>
-              <a:rPr lang="en-US" altLang="zh-TW" sz="2000" dirty="0" smtClean="0">
-                <a:solidFill>
-                  <a:srgbClr val="FF0000"/>
-                </a:solidFill>
-              </a:rPr>
-              <a:t>//"</a:t>
+              <a:t>               </a:t>
             </a:r>
             <a:r>
               <a:rPr lang="en-US" altLang="zh-TW" sz="2000" dirty="0">
@@ -8850,10 +8298,10 @@
                   <a:srgbClr val="FF0000"/>
                 </a:solidFill>
               </a:rPr>
-              <a:t>last time of </a:t>
-            </a:r>
-            <a:r>
-              <a:rPr lang="en-US" altLang="zh-TW" sz="2000" dirty="0" err="1" smtClean="0">
+              <a:t>//"last time of </a:t>
+            </a:r>
+            <a:r>
+              <a:rPr lang="en-US" altLang="zh-TW" sz="2000" dirty="0" err="1">
                 <a:solidFill>
                   <a:srgbClr val="FF0000"/>
                 </a:solidFill>
@@ -8861,28 +8309,12 @@
               <a:t>i</a:t>
             </a:r>
             <a:r>
-              <a:rPr lang="en-US" altLang="zh-TW" sz="2000" dirty="0" smtClean="0">
-                <a:solidFill>
-                  <a:srgbClr val="FF0000"/>
-                </a:solidFill>
-              </a:rPr>
-              <a:t> </a:t>
-            </a:r>
-            <a:r>
               <a:rPr lang="en-US" altLang="zh-TW" sz="2000" dirty="0">
                 <a:solidFill>
                   <a:srgbClr val="FF0000"/>
                 </a:solidFill>
               </a:rPr>
-              <a:t>for loop</a:t>
-            </a:r>
-            <a:r>
-              <a:rPr lang="en-US" altLang="zh-TW" sz="2000" dirty="0" smtClean="0">
-                <a:solidFill>
-                  <a:srgbClr val="FF0000"/>
-                </a:solidFill>
-              </a:rPr>
-              <a:t>”</a:t>
+              <a:t> for loop”</a:t>
             </a:r>
             <a:endParaRPr lang="en-US" altLang="zh-TW" sz="2000" dirty="0"/>
           </a:p>
@@ -8926,22 +8358,16 @@
           <a:lstStyle/>
           <a:p>
             <a:r>
-              <a:rPr lang="zh-TW" altLang="en-US" smtClean="0">
+              <a:rPr lang="zh-TW" altLang="en-US">
                 <a:ea typeface="標楷體" panose="03000509000000000000" pitchFamily="65" charset="-120"/>
               </a:rPr>
               <a:t>回</a:t>
             </a:r>
             <a:r>
-              <a:rPr lang="en-US" altLang="zh-TW" dirty="0" smtClean="0">
-                <a:ea typeface="標楷體" panose="03000509000000000000" pitchFamily="65" charset="-120"/>
-              </a:rPr>
-              <a:t>outlin</a:t>
-            </a:r>
-            <a:r>
               <a:rPr lang="en-US" altLang="zh-TW" dirty="0">
                 <a:ea typeface="標楷體" panose="03000509000000000000" pitchFamily="65" charset="-120"/>
               </a:rPr>
-              <a:t>e</a:t>
+              <a:t>outline</a:t>
             </a:r>
             <a:endParaRPr lang="zh-TW" altLang="en-US" dirty="0">
               <a:ea typeface="標楷體" panose="03000509000000000000" pitchFamily="65" charset="-120"/>
@@ -8959,13 +8385,6 @@
   <p:clrMapOvr>
     <a:masterClrMapping/>
   </p:clrMapOvr>
-  <p:timing>
-    <p:tnLst>
-      <p:par>
-        <p:cTn id="1" dur="indefinite" restart="never" nodeType="tmRoot"/>
-      </p:par>
-    </p:tnLst>
-  </p:timing>
 </p:sld>
 </file>
 
@@ -9003,11 +8422,7 @@
           <a:p>
             <a:r>
               <a:rPr lang="en-US" altLang="zh-TW" dirty="0"/>
-              <a:t>Program </a:t>
-            </a:r>
-            <a:r>
-              <a:rPr lang="en-US" altLang="zh-TW" dirty="0" smtClean="0"/>
-              <a:t>1.17</a:t>
+              <a:t>Program 1.17</a:t>
             </a:r>
             <a:endParaRPr lang="zh-TW" altLang="en-US" dirty="0"/>
           </a:p>
@@ -9046,11 +8461,7 @@
             </a:r>
             <a:r>
               <a:rPr lang="en-US" altLang="zh-TW" sz="2200" dirty="0"/>
-              <a:t> a[][MAX_SIZE], b[][MAX_SIZE</a:t>
-            </a:r>
-            <a:r>
-              <a:rPr lang="en-US" altLang="zh-TW" sz="2200" dirty="0" smtClean="0"/>
-              <a:t>],</a:t>
+              <a:t> a[][MAX_SIZE], b[][MAX_SIZE],</a:t>
             </a:r>
           </a:p>
           <a:p>
@@ -9061,12 +8472,8 @@
               <a:buNone/>
             </a:pPr>
             <a:r>
-              <a:rPr lang="en-US" altLang="zh-TW" sz="2200" dirty="0" smtClean="0"/>
-              <a:t>              c</a:t>
-            </a:r>
-            <a:r>
-              <a:rPr lang="en-US" altLang="zh-TW" sz="2200" dirty="0"/>
-              <a:t>[][MAX_SIZE], </a:t>
+              <a:rPr lang="en-US" altLang="zh-TW" sz="2200" dirty="0"/>
+              <a:t>              c[][MAX_SIZE], </a:t>
             </a:r>
             <a:r>
               <a:rPr lang="en-US" altLang="zh-TW" sz="2200" dirty="0" err="1"/>
@@ -9137,25 +8544,9 @@
               <a:t>i</a:t>
             </a:r>
             <a:r>
-              <a:rPr lang="en-US" altLang="zh-TW" sz="2200" dirty="0" smtClean="0"/>
+              <a:rPr lang="en-US" altLang="zh-TW" sz="2200" dirty="0"/>
               <a:t>++){</a:t>
             </a:r>
-            <a:r>
-              <a:rPr lang="en-US" altLang="zh-TW" sz="2200" dirty="0" smtClean="0">
-                <a:solidFill>
-                  <a:srgbClr val="FF0000"/>
-                </a:solidFill>
-              </a:rPr>
-              <a:t> </a:t>
-            </a:r>
-          </a:p>
-          <a:p>
-            <a:pPr marL="0" indent="0">
-              <a:lnSpc>
-                <a:spcPct val="70000"/>
-              </a:lnSpc>
-              <a:buNone/>
-            </a:pPr>
             <a:r>
               <a:rPr lang="en-US" altLang="zh-TW" sz="2200" dirty="0">
                 <a:solidFill>
@@ -9164,35 +8555,35 @@
               </a:rPr>
               <a:t> </a:t>
             </a:r>
-            <a:r>
-              <a:rPr lang="en-US" altLang="zh-TW" sz="2200" dirty="0" smtClean="0">
+          </a:p>
+          <a:p>
+            <a:pPr marL="0" indent="0">
+              <a:lnSpc>
+                <a:spcPct val="70000"/>
+              </a:lnSpc>
+              <a:buNone/>
+            </a:pPr>
+            <a:r>
+              <a:rPr lang="en-US" altLang="zh-TW" sz="2200" dirty="0">
                 <a:solidFill>
                   <a:srgbClr val="FF0000"/>
                 </a:solidFill>
               </a:rPr>
-              <a:t>       </a:t>
-            </a:r>
-            <a:r>
-              <a:rPr lang="en-US" altLang="zh-TW" sz="2200" dirty="0" smtClean="0"/>
-              <a:t>for(j </a:t>
-            </a:r>
-            <a:r>
-              <a:rPr lang="en-US" altLang="zh-TW" sz="2200" dirty="0"/>
-              <a:t>= 0;j &lt; cols; </a:t>
-            </a:r>
-            <a:r>
-              <a:rPr lang="en-US" altLang="zh-TW" sz="2200" dirty="0" err="1"/>
-              <a:t>j</a:t>
-            </a:r>
-            <a:r>
-              <a:rPr lang="en-US" altLang="zh-TW" sz="2200" dirty="0" err="1" smtClean="0"/>
-              <a:t>++</a:t>
-            </a:r>
-            <a:r>
-              <a:rPr lang="en-US" altLang="zh-TW" sz="2200" dirty="0" smtClean="0"/>
+              <a:t>        </a:t>
+            </a:r>
+            <a:r>
+              <a:rPr lang="en-US" altLang="zh-TW" sz="2200" dirty="0"/>
+              <a:t>for(j = 0;j &lt; cols; </a:t>
+            </a:r>
+            <a:r>
+              <a:rPr lang="en-US" altLang="zh-TW" sz="2200" dirty="0" err="1"/>
+              <a:t>j++</a:t>
+            </a:r>
+            <a:r>
+              <a:rPr lang="en-US" altLang="zh-TW" sz="2200" dirty="0"/>
               <a:t>){ </a:t>
             </a:r>
-            <a:endParaRPr lang="en-US" altLang="zh-TW" sz="2000" dirty="0" smtClean="0"/>
+            <a:endParaRPr lang="en-US" altLang="zh-TW" sz="2000" dirty="0"/>
           </a:p>
           <a:p>
             <a:pPr marL="0" indent="0">
@@ -9202,38 +8593,38 @@
               <a:buNone/>
             </a:pPr>
             <a:r>
-              <a:rPr lang="en-US" altLang="zh-TW" sz="2200" dirty="0" smtClean="0"/>
+              <a:rPr lang="en-US" altLang="zh-TW" sz="2200" dirty="0"/>
               <a:t>            c[</a:t>
             </a:r>
             <a:r>
-              <a:rPr lang="en-US" altLang="zh-TW" sz="2200" dirty="0" err="1" smtClean="0"/>
+              <a:rPr lang="en-US" altLang="zh-TW" sz="2200" dirty="0" err="1"/>
               <a:t>i</a:t>
             </a:r>
             <a:r>
-              <a:rPr lang="en-US" altLang="zh-TW" sz="2200" dirty="0" smtClean="0"/>
+              <a:rPr lang="en-US" altLang="zh-TW" sz="2200" dirty="0"/>
               <a:t>][j] = a[</a:t>
             </a:r>
             <a:r>
-              <a:rPr lang="en-US" altLang="zh-TW" sz="2200" dirty="0" err="1" smtClean="0"/>
+              <a:rPr lang="en-US" altLang="zh-TW" sz="2200" dirty="0" err="1"/>
               <a:t>i</a:t>
             </a:r>
             <a:r>
-              <a:rPr lang="en-US" altLang="zh-TW" sz="2200" dirty="0" smtClean="0"/>
+              <a:rPr lang="en-US" altLang="zh-TW" sz="2200" dirty="0"/>
               <a:t>][j] + b[</a:t>
             </a:r>
             <a:r>
-              <a:rPr lang="en-US" altLang="zh-TW" sz="2200" dirty="0" err="1" smtClean="0"/>
+              <a:rPr lang="en-US" altLang="zh-TW" sz="2200" dirty="0" err="1"/>
               <a:t>i</a:t>
             </a:r>
             <a:r>
-              <a:rPr lang="en-US" altLang="zh-TW" sz="2200" dirty="0" smtClean="0"/>
+              <a:rPr lang="en-US" altLang="zh-TW" sz="2200" dirty="0"/>
               <a:t>][j];</a:t>
             </a:r>
             <a:r>
-              <a:rPr lang="en-US" altLang="zh-TW" sz="2000" dirty="0" smtClean="0"/>
+              <a:rPr lang="en-US" altLang="zh-TW" sz="2000" dirty="0"/>
               <a:t> </a:t>
             </a:r>
-            <a:endParaRPr lang="en-US" altLang="zh-TW" sz="1400" dirty="0" smtClean="0"/>
+            <a:endParaRPr lang="en-US" altLang="zh-TW" sz="1400" dirty="0"/>
           </a:p>
           <a:p>
             <a:pPr marL="0" indent="0">
@@ -9243,10 +8634,10 @@
               <a:buNone/>
             </a:pPr>
             <a:r>
-              <a:rPr lang="en-US" altLang="zh-TW" sz="2200" dirty="0" smtClean="0"/>
+              <a:rPr lang="en-US" altLang="zh-TW" sz="2200" dirty="0"/>
               <a:t>        }</a:t>
             </a:r>
-            <a:endParaRPr lang="en-US" altLang="zh-TW" sz="2000" dirty="0" smtClean="0">
+            <a:endParaRPr lang="en-US" altLang="zh-TW" sz="2000" dirty="0">
               <a:solidFill>
                 <a:srgbClr val="FF0000"/>
               </a:solidFill>
@@ -9260,7 +8651,7 @@
               <a:buNone/>
             </a:pPr>
             <a:r>
-              <a:rPr lang="en-US" altLang="zh-TW" sz="2200" dirty="0" smtClean="0"/>
+              <a:rPr lang="en-US" altLang="zh-TW" sz="2200" dirty="0"/>
               <a:t>    }</a:t>
             </a:r>
           </a:p>
@@ -9272,7 +8663,7 @@
               <a:buNone/>
             </a:pPr>
             <a:r>
-              <a:rPr lang="en-US" altLang="zh-TW" sz="2200" dirty="0" smtClean="0"/>
+              <a:rPr lang="en-US" altLang="zh-TW" sz="2200" dirty="0"/>
               <a:t>}</a:t>
             </a:r>
             <a:endParaRPr lang="zh-TW" altLang="en-US" sz="2200" dirty="0"/>
@@ -9308,16 +8699,8 @@
           </a:p>
           <a:p>
             <a:r>
-              <a:rPr lang="en-US" altLang="zh-TW" dirty="0" smtClean="0"/>
-              <a:t>rows=2</a:t>
-            </a:r>
-            <a:r>
-              <a:rPr lang="en-US" altLang="zh-TW" dirty="0"/>
-              <a:t>, </a:t>
-            </a:r>
-            <a:r>
-              <a:rPr lang="en-US" altLang="zh-TW" dirty="0" smtClean="0"/>
-              <a:t>cols=3, count = 0</a:t>
+              <a:rPr lang="en-US" altLang="zh-TW" dirty="0"/>
+              <a:t>rows=2, cols=3, count = 0</a:t>
             </a:r>
             <a:endParaRPr lang="zh-TW" altLang="en-US" dirty="0"/>
           </a:p>
@@ -9394,7 +8777,7 @@
           <a:lstStyle/>
           <a:p>
             <a:r>
-              <a:rPr lang="en-US" altLang="zh-TW" dirty="0" err="1" smtClean="0">
+              <a:rPr lang="en-US" altLang="zh-TW" dirty="0" err="1">
                 <a:solidFill>
                   <a:srgbClr val="FF0000"/>
                 </a:solidFill>
@@ -9402,7 +8785,7 @@
               <a:t>i</a:t>
             </a:r>
             <a:r>
-              <a:rPr lang="en-US" altLang="zh-TW" dirty="0" smtClean="0">
+              <a:rPr lang="en-US" altLang="zh-TW" dirty="0">
                 <a:solidFill>
                   <a:srgbClr val="FF0000"/>
                 </a:solidFill>
@@ -9427,13 +8810,6 @@
   <p:clrMapOvr>
     <a:masterClrMapping/>
   </p:clrMapOvr>
-  <p:timing>
-    <p:tnLst>
-      <p:par>
-        <p:cTn id="1" dur="indefinite" restart="never" nodeType="tmRoot"/>
-      </p:par>
-    </p:tnLst>
-  </p:timing>
 </p:sld>
 </file>
 
@@ -9471,11 +8847,7 @@
           <a:p>
             <a:r>
               <a:rPr lang="en-US" altLang="zh-TW" dirty="0"/>
-              <a:t>Program </a:t>
-            </a:r>
-            <a:r>
-              <a:rPr lang="en-US" altLang="zh-TW" dirty="0" smtClean="0"/>
-              <a:t>1.17</a:t>
+              <a:t>Program 1.17</a:t>
             </a:r>
             <a:endParaRPr lang="zh-TW" altLang="en-US" dirty="0"/>
           </a:p>
@@ -9514,11 +8886,7 @@
             </a:r>
             <a:r>
               <a:rPr lang="en-US" altLang="zh-TW" sz="2200" dirty="0"/>
-              <a:t> a[][MAX_SIZE], b[][MAX_SIZE</a:t>
-            </a:r>
-            <a:r>
-              <a:rPr lang="en-US" altLang="zh-TW" sz="2200" dirty="0" smtClean="0"/>
-              <a:t>],</a:t>
+              <a:t> a[][MAX_SIZE], b[][MAX_SIZE],</a:t>
             </a:r>
           </a:p>
           <a:p>
@@ -9529,12 +8897,8 @@
               <a:buNone/>
             </a:pPr>
             <a:r>
-              <a:rPr lang="en-US" altLang="zh-TW" sz="2200" dirty="0" smtClean="0"/>
-              <a:t>              c</a:t>
-            </a:r>
-            <a:r>
-              <a:rPr lang="en-US" altLang="zh-TW" sz="2200" dirty="0"/>
-              <a:t>[][MAX_SIZE], </a:t>
+              <a:rPr lang="en-US" altLang="zh-TW" sz="2200" dirty="0"/>
+              <a:t>              c[][MAX_SIZE], </a:t>
             </a:r>
             <a:r>
               <a:rPr lang="en-US" altLang="zh-TW" sz="2200" dirty="0" err="1"/>
@@ -9605,25 +8969,9 @@
               <a:t>i</a:t>
             </a:r>
             <a:r>
-              <a:rPr lang="en-US" altLang="zh-TW" sz="2200" dirty="0" smtClean="0"/>
+              <a:rPr lang="en-US" altLang="zh-TW" sz="2200" dirty="0"/>
               <a:t>++){</a:t>
             </a:r>
-            <a:r>
-              <a:rPr lang="en-US" altLang="zh-TW" sz="2200" dirty="0" smtClean="0">
-                <a:solidFill>
-                  <a:srgbClr val="FF0000"/>
-                </a:solidFill>
-              </a:rPr>
-              <a:t> </a:t>
-            </a:r>
-          </a:p>
-          <a:p>
-            <a:pPr marL="0" indent="0">
-              <a:lnSpc>
-                <a:spcPct val="70000"/>
-              </a:lnSpc>
-              <a:buNone/>
-            </a:pPr>
             <a:r>
               <a:rPr lang="en-US" altLang="zh-TW" sz="2200" dirty="0">
                 <a:solidFill>
@@ -9632,35 +8980,35 @@
               </a:rPr>
               <a:t> </a:t>
             </a:r>
-            <a:r>
-              <a:rPr lang="en-US" altLang="zh-TW" sz="2200" dirty="0" smtClean="0">
+          </a:p>
+          <a:p>
+            <a:pPr marL="0" indent="0">
+              <a:lnSpc>
+                <a:spcPct val="70000"/>
+              </a:lnSpc>
+              <a:buNone/>
+            </a:pPr>
+            <a:r>
+              <a:rPr lang="en-US" altLang="zh-TW" sz="2200" dirty="0">
                 <a:solidFill>
                   <a:srgbClr val="FF0000"/>
                 </a:solidFill>
               </a:rPr>
-              <a:t>       </a:t>
-            </a:r>
-            <a:r>
-              <a:rPr lang="en-US" altLang="zh-TW" sz="2200" dirty="0" smtClean="0"/>
-              <a:t>for(j </a:t>
-            </a:r>
-            <a:r>
-              <a:rPr lang="en-US" altLang="zh-TW" sz="2200" dirty="0"/>
-              <a:t>= 0;j &lt; cols; </a:t>
-            </a:r>
-            <a:r>
-              <a:rPr lang="en-US" altLang="zh-TW" sz="2200" dirty="0" err="1"/>
-              <a:t>j</a:t>
-            </a:r>
-            <a:r>
-              <a:rPr lang="en-US" altLang="zh-TW" sz="2200" dirty="0" err="1" smtClean="0"/>
-              <a:t>++</a:t>
-            </a:r>
-            <a:r>
-              <a:rPr lang="en-US" altLang="zh-TW" sz="2200" dirty="0" smtClean="0"/>
+              <a:t>        </a:t>
+            </a:r>
+            <a:r>
+              <a:rPr lang="en-US" altLang="zh-TW" sz="2200" dirty="0"/>
+              <a:t>for(j = 0;j &lt; cols; </a:t>
+            </a:r>
+            <a:r>
+              <a:rPr lang="en-US" altLang="zh-TW" sz="2200" dirty="0" err="1"/>
+              <a:t>j++</a:t>
+            </a:r>
+            <a:r>
+              <a:rPr lang="en-US" altLang="zh-TW" sz="2200" dirty="0"/>
               <a:t>){ </a:t>
             </a:r>
-            <a:endParaRPr lang="en-US" altLang="zh-TW" sz="2000" dirty="0" smtClean="0"/>
+            <a:endParaRPr lang="en-US" altLang="zh-TW" sz="2000" dirty="0"/>
           </a:p>
           <a:p>
             <a:pPr marL="0" indent="0">
@@ -9670,38 +9018,38 @@
               <a:buNone/>
             </a:pPr>
             <a:r>
-              <a:rPr lang="en-US" altLang="zh-TW" sz="2200" dirty="0" smtClean="0"/>
+              <a:rPr lang="en-US" altLang="zh-TW" sz="2200" dirty="0"/>
               <a:t>            c[</a:t>
             </a:r>
             <a:r>
-              <a:rPr lang="en-US" altLang="zh-TW" sz="2200" dirty="0" err="1" smtClean="0"/>
+              <a:rPr lang="en-US" altLang="zh-TW" sz="2200" dirty="0" err="1"/>
               <a:t>i</a:t>
             </a:r>
             <a:r>
-              <a:rPr lang="en-US" altLang="zh-TW" sz="2200" dirty="0" smtClean="0"/>
+              <a:rPr lang="en-US" altLang="zh-TW" sz="2200" dirty="0"/>
               <a:t>][j] = a[</a:t>
             </a:r>
             <a:r>
-              <a:rPr lang="en-US" altLang="zh-TW" sz="2200" dirty="0" err="1" smtClean="0"/>
+              <a:rPr lang="en-US" altLang="zh-TW" sz="2200" dirty="0" err="1"/>
               <a:t>i</a:t>
             </a:r>
             <a:r>
-              <a:rPr lang="en-US" altLang="zh-TW" sz="2200" dirty="0" smtClean="0"/>
+              <a:rPr lang="en-US" altLang="zh-TW" sz="2200" dirty="0"/>
               <a:t>][j] + b[</a:t>
             </a:r>
             <a:r>
-              <a:rPr lang="en-US" altLang="zh-TW" sz="2200" dirty="0" err="1" smtClean="0"/>
+              <a:rPr lang="en-US" altLang="zh-TW" sz="2200" dirty="0" err="1"/>
               <a:t>i</a:t>
             </a:r>
             <a:r>
-              <a:rPr lang="en-US" altLang="zh-TW" sz="2200" dirty="0" smtClean="0"/>
+              <a:rPr lang="en-US" altLang="zh-TW" sz="2200" dirty="0"/>
               <a:t>][j];</a:t>
             </a:r>
             <a:r>
-              <a:rPr lang="en-US" altLang="zh-TW" sz="2000" dirty="0" smtClean="0"/>
+              <a:rPr lang="en-US" altLang="zh-TW" sz="2000" dirty="0"/>
               <a:t> </a:t>
             </a:r>
-            <a:endParaRPr lang="en-US" altLang="zh-TW" sz="1400" dirty="0" smtClean="0"/>
+            <a:endParaRPr lang="en-US" altLang="zh-TW" sz="1400" dirty="0"/>
           </a:p>
           <a:p>
             <a:pPr marL="0" indent="0">
@@ -9711,10 +9059,10 @@
               <a:buNone/>
             </a:pPr>
             <a:r>
-              <a:rPr lang="en-US" altLang="zh-TW" sz="2200" dirty="0" smtClean="0"/>
+              <a:rPr lang="en-US" altLang="zh-TW" sz="2200" dirty="0"/>
               <a:t>        }</a:t>
             </a:r>
-            <a:endParaRPr lang="en-US" altLang="zh-TW" sz="2000" dirty="0" smtClean="0">
+            <a:endParaRPr lang="en-US" altLang="zh-TW" sz="2000" dirty="0">
               <a:solidFill>
                 <a:srgbClr val="FF0000"/>
               </a:solidFill>
@@ -9728,7 +9076,7 @@
               <a:buNone/>
             </a:pPr>
             <a:r>
-              <a:rPr lang="en-US" altLang="zh-TW" sz="2200" dirty="0" smtClean="0"/>
+              <a:rPr lang="en-US" altLang="zh-TW" sz="2200" dirty="0"/>
               <a:t>    }</a:t>
             </a:r>
           </a:p>
@@ -9740,7 +9088,7 @@
               <a:buNone/>
             </a:pPr>
             <a:r>
-              <a:rPr lang="en-US" altLang="zh-TW" sz="2200" dirty="0" smtClean="0"/>
+              <a:rPr lang="en-US" altLang="zh-TW" sz="2200" dirty="0"/>
               <a:t>}</a:t>
             </a:r>
             <a:endParaRPr lang="zh-TW" altLang="en-US" sz="2200" dirty="0"/>
@@ -9776,16 +9124,8 @@
           </a:p>
           <a:p>
             <a:r>
-              <a:rPr lang="en-US" altLang="zh-TW" dirty="0" smtClean="0"/>
-              <a:t>rows=2</a:t>
-            </a:r>
-            <a:r>
-              <a:rPr lang="en-US" altLang="zh-TW" dirty="0"/>
-              <a:t>, </a:t>
-            </a:r>
-            <a:r>
-              <a:rPr lang="en-US" altLang="zh-TW" dirty="0" smtClean="0"/>
-              <a:t>cols=3, count = 0</a:t>
+              <a:rPr lang="en-US" altLang="zh-TW" dirty="0"/>
+              <a:t>rows=2, cols=3, count = 0</a:t>
             </a:r>
             <a:endParaRPr lang="zh-TW" altLang="en-US" dirty="0"/>
           </a:p>
@@ -9862,7 +9202,7 @@
           <a:lstStyle/>
           <a:p>
             <a:r>
-              <a:rPr lang="en-US" altLang="zh-TW" dirty="0" smtClean="0">
+              <a:rPr lang="en-US" altLang="zh-TW" dirty="0">
                 <a:solidFill>
                   <a:srgbClr val="FF0000"/>
                 </a:solidFill>
@@ -9887,13 +9227,6 @@
   <p:clrMapOvr>
     <a:masterClrMapping/>
   </p:clrMapOvr>
-  <p:timing>
-    <p:tnLst>
-      <p:par>
-        <p:cTn id="1" dur="indefinite" restart="never" nodeType="tmRoot"/>
-      </p:par>
-    </p:tnLst>
-  </p:timing>
 </p:sld>
 </file>
 
@@ -9931,11 +9264,7 @@
           <a:p>
             <a:r>
               <a:rPr lang="en-US" altLang="zh-TW" dirty="0"/>
-              <a:t>Program </a:t>
-            </a:r>
-            <a:r>
-              <a:rPr lang="en-US" altLang="zh-TW" dirty="0" smtClean="0"/>
-              <a:t>1.17</a:t>
+              <a:t>Program 1.17</a:t>
             </a:r>
             <a:endParaRPr lang="zh-TW" altLang="en-US" dirty="0"/>
           </a:p>
@@ -9974,11 +9303,7 @@
             </a:r>
             <a:r>
               <a:rPr lang="en-US" altLang="zh-TW" sz="2200" dirty="0"/>
-              <a:t> a[][MAX_SIZE], b[][MAX_SIZE</a:t>
-            </a:r>
-            <a:r>
-              <a:rPr lang="en-US" altLang="zh-TW" sz="2200" dirty="0" smtClean="0"/>
-              <a:t>],</a:t>
+              <a:t> a[][MAX_SIZE], b[][MAX_SIZE],</a:t>
             </a:r>
           </a:p>
           <a:p>
@@ -9989,12 +9314,8 @@
               <a:buNone/>
             </a:pPr>
             <a:r>
-              <a:rPr lang="en-US" altLang="zh-TW" sz="2200" dirty="0" smtClean="0"/>
-              <a:t>              c</a:t>
-            </a:r>
-            <a:r>
-              <a:rPr lang="en-US" altLang="zh-TW" sz="2200" dirty="0"/>
-              <a:t>[][MAX_SIZE], </a:t>
+              <a:rPr lang="en-US" altLang="zh-TW" sz="2200" dirty="0"/>
+              <a:t>              c[][MAX_SIZE], </a:t>
             </a:r>
             <a:r>
               <a:rPr lang="en-US" altLang="zh-TW" sz="2200" dirty="0" err="1"/>
@@ -10065,25 +9386,9 @@
               <a:t>i</a:t>
             </a:r>
             <a:r>
-              <a:rPr lang="en-US" altLang="zh-TW" sz="2200" dirty="0" smtClean="0"/>
+              <a:rPr lang="en-US" altLang="zh-TW" sz="2200" dirty="0"/>
               <a:t>++){</a:t>
             </a:r>
-            <a:r>
-              <a:rPr lang="en-US" altLang="zh-TW" sz="2200" dirty="0" smtClean="0">
-                <a:solidFill>
-                  <a:srgbClr val="FF0000"/>
-                </a:solidFill>
-              </a:rPr>
-              <a:t> </a:t>
-            </a:r>
-          </a:p>
-          <a:p>
-            <a:pPr marL="0" indent="0">
-              <a:lnSpc>
-                <a:spcPct val="70000"/>
-              </a:lnSpc>
-              <a:buNone/>
-            </a:pPr>
             <a:r>
               <a:rPr lang="en-US" altLang="zh-TW" sz="2200" dirty="0">
                 <a:solidFill>
@@ -10092,35 +9397,35 @@
               </a:rPr>
               <a:t> </a:t>
             </a:r>
-            <a:r>
-              <a:rPr lang="en-US" altLang="zh-TW" sz="2200" dirty="0" smtClean="0">
+          </a:p>
+          <a:p>
+            <a:pPr marL="0" indent="0">
+              <a:lnSpc>
+                <a:spcPct val="70000"/>
+              </a:lnSpc>
+              <a:buNone/>
+            </a:pPr>
+            <a:r>
+              <a:rPr lang="en-US" altLang="zh-TW" sz="2200" dirty="0">
                 <a:solidFill>
                   <a:srgbClr val="FF0000"/>
                 </a:solidFill>
               </a:rPr>
-              <a:t>       </a:t>
-            </a:r>
-            <a:r>
-              <a:rPr lang="en-US" altLang="zh-TW" sz="2200" dirty="0" smtClean="0"/>
-              <a:t>for(j </a:t>
-            </a:r>
-            <a:r>
-              <a:rPr lang="en-US" altLang="zh-TW" sz="2200" dirty="0"/>
-              <a:t>= 0;j &lt; cols; </a:t>
-            </a:r>
-            <a:r>
-              <a:rPr lang="en-US" altLang="zh-TW" sz="2200" dirty="0" err="1"/>
-              <a:t>j</a:t>
-            </a:r>
-            <a:r>
-              <a:rPr lang="en-US" altLang="zh-TW" sz="2200" dirty="0" err="1" smtClean="0"/>
-              <a:t>++</a:t>
-            </a:r>
-            <a:r>
-              <a:rPr lang="en-US" altLang="zh-TW" sz="2200" dirty="0" smtClean="0"/>
+              <a:t>        </a:t>
+            </a:r>
+            <a:r>
+              <a:rPr lang="en-US" altLang="zh-TW" sz="2200" dirty="0"/>
+              <a:t>for(j = 0;j &lt; cols; </a:t>
+            </a:r>
+            <a:r>
+              <a:rPr lang="en-US" altLang="zh-TW" sz="2200" dirty="0" err="1"/>
+              <a:t>j++</a:t>
+            </a:r>
+            <a:r>
+              <a:rPr lang="en-US" altLang="zh-TW" sz="2200" dirty="0"/>
               <a:t>){ </a:t>
             </a:r>
-            <a:endParaRPr lang="en-US" altLang="zh-TW" sz="2000" dirty="0" smtClean="0"/>
+            <a:endParaRPr lang="en-US" altLang="zh-TW" sz="2000" dirty="0"/>
           </a:p>
           <a:p>
             <a:pPr marL="0" indent="0">
@@ -10130,38 +9435,38 @@
               <a:buNone/>
             </a:pPr>
             <a:r>
-              <a:rPr lang="en-US" altLang="zh-TW" sz="2200" dirty="0" smtClean="0"/>
+              <a:rPr lang="en-US" altLang="zh-TW" sz="2200" dirty="0"/>
               <a:t>            c[</a:t>
             </a:r>
             <a:r>
-              <a:rPr lang="en-US" altLang="zh-TW" sz="2200" dirty="0" err="1" smtClean="0"/>
+              <a:rPr lang="en-US" altLang="zh-TW" sz="2200" dirty="0" err="1"/>
               <a:t>i</a:t>
             </a:r>
             <a:r>
-              <a:rPr lang="en-US" altLang="zh-TW" sz="2200" dirty="0" smtClean="0"/>
+              <a:rPr lang="en-US" altLang="zh-TW" sz="2200" dirty="0"/>
               <a:t>][j] = a[</a:t>
             </a:r>
             <a:r>
-              <a:rPr lang="en-US" altLang="zh-TW" sz="2200" dirty="0" err="1" smtClean="0"/>
+              <a:rPr lang="en-US" altLang="zh-TW" sz="2200" dirty="0" err="1"/>
               <a:t>i</a:t>
             </a:r>
             <a:r>
-              <a:rPr lang="en-US" altLang="zh-TW" sz="2200" dirty="0" smtClean="0"/>
+              <a:rPr lang="en-US" altLang="zh-TW" sz="2200" dirty="0"/>
               <a:t>][j] + b[</a:t>
             </a:r>
             <a:r>
-              <a:rPr lang="en-US" altLang="zh-TW" sz="2200" dirty="0" err="1" smtClean="0"/>
+              <a:rPr lang="en-US" altLang="zh-TW" sz="2200" dirty="0" err="1"/>
               <a:t>i</a:t>
             </a:r>
             <a:r>
-              <a:rPr lang="en-US" altLang="zh-TW" sz="2200" dirty="0" smtClean="0"/>
+              <a:rPr lang="en-US" altLang="zh-TW" sz="2200" dirty="0"/>
               <a:t>][j];</a:t>
             </a:r>
             <a:r>
-              <a:rPr lang="en-US" altLang="zh-TW" sz="2000" dirty="0" smtClean="0"/>
+              <a:rPr lang="en-US" altLang="zh-TW" sz="2000" dirty="0"/>
               <a:t> </a:t>
             </a:r>
-            <a:endParaRPr lang="en-US" altLang="zh-TW" sz="1400" dirty="0" smtClean="0"/>
+            <a:endParaRPr lang="en-US" altLang="zh-TW" sz="1400" dirty="0"/>
           </a:p>
           <a:p>
             <a:pPr marL="0" indent="0">
@@ -10171,10 +9476,10 @@
               <a:buNone/>
             </a:pPr>
             <a:r>
-              <a:rPr lang="en-US" altLang="zh-TW" sz="2200" dirty="0" smtClean="0"/>
+              <a:rPr lang="en-US" altLang="zh-TW" sz="2200" dirty="0"/>
               <a:t>        }</a:t>
             </a:r>
-            <a:endParaRPr lang="en-US" altLang="zh-TW" sz="2000" dirty="0" smtClean="0">
+            <a:endParaRPr lang="en-US" altLang="zh-TW" sz="2000" dirty="0">
               <a:solidFill>
                 <a:srgbClr val="FF0000"/>
               </a:solidFill>
@@ -10188,7 +9493,7 @@
               <a:buNone/>
             </a:pPr>
             <a:r>
-              <a:rPr lang="en-US" altLang="zh-TW" sz="2200" dirty="0" smtClean="0"/>
+              <a:rPr lang="en-US" altLang="zh-TW" sz="2200" dirty="0"/>
               <a:t>    }</a:t>
             </a:r>
           </a:p>
@@ -10200,7 +9505,7 @@
               <a:buNone/>
             </a:pPr>
             <a:r>
-              <a:rPr lang="en-US" altLang="zh-TW" sz="2200" dirty="0" smtClean="0"/>
+              <a:rPr lang="en-US" altLang="zh-TW" sz="2200" dirty="0"/>
               <a:t>}</a:t>
             </a:r>
             <a:endParaRPr lang="zh-TW" altLang="en-US" sz="2200" dirty="0"/>
@@ -10236,16 +9541,8 @@
           </a:p>
           <a:p>
             <a:r>
-              <a:rPr lang="en-US" altLang="zh-TW" dirty="0" smtClean="0"/>
-              <a:t>rows=2</a:t>
-            </a:r>
-            <a:r>
-              <a:rPr lang="en-US" altLang="zh-TW" dirty="0"/>
-              <a:t>, </a:t>
-            </a:r>
-            <a:r>
-              <a:rPr lang="en-US" altLang="zh-TW" dirty="0" smtClean="0"/>
-              <a:t>cols=3, count = 0</a:t>
+              <a:rPr lang="en-US" altLang="zh-TW" dirty="0"/>
+              <a:t>rows=2, cols=3, count = 0</a:t>
             </a:r>
             <a:endParaRPr lang="zh-TW" altLang="en-US" dirty="0"/>
           </a:p>
@@ -10322,7 +9619,7 @@
           <a:lstStyle/>
           <a:p>
             <a:r>
-              <a:rPr lang="en-US" altLang="zh-TW" dirty="0" smtClean="0">
+              <a:rPr lang="en-US" altLang="zh-TW" dirty="0">
                 <a:solidFill>
                   <a:srgbClr val="FF0000"/>
                 </a:solidFill>
@@ -10347,13 +9644,6 @@
   <p:clrMapOvr>
     <a:masterClrMapping/>
   </p:clrMapOvr>
-  <p:timing>
-    <p:tnLst>
-      <p:par>
-        <p:cTn id="1" dur="indefinite" restart="never" nodeType="tmRoot"/>
-      </p:par>
-    </p:tnLst>
-  </p:timing>
 </p:sld>
 </file>
 
@@ -10391,11 +9681,7 @@
           <a:p>
             <a:r>
               <a:rPr lang="en-US" altLang="zh-TW" dirty="0"/>
-              <a:t>Program </a:t>
-            </a:r>
-            <a:r>
-              <a:rPr lang="en-US" altLang="zh-TW" dirty="0" smtClean="0"/>
-              <a:t>1.17</a:t>
+              <a:t>Program 1.17</a:t>
             </a:r>
             <a:endParaRPr lang="zh-TW" altLang="en-US" dirty="0"/>
           </a:p>
@@ -10434,11 +9720,7 @@
             </a:r>
             <a:r>
               <a:rPr lang="en-US" altLang="zh-TW" sz="2200" dirty="0"/>
-              <a:t> a[][MAX_SIZE], b[][MAX_SIZE</a:t>
-            </a:r>
-            <a:r>
-              <a:rPr lang="en-US" altLang="zh-TW" sz="2200" dirty="0" smtClean="0"/>
-              <a:t>],</a:t>
+              <a:t> a[][MAX_SIZE], b[][MAX_SIZE],</a:t>
             </a:r>
           </a:p>
           <a:p>
@@ -10449,12 +9731,8 @@
               <a:buNone/>
             </a:pPr>
             <a:r>
-              <a:rPr lang="en-US" altLang="zh-TW" sz="2200" dirty="0" smtClean="0"/>
-              <a:t>              c</a:t>
-            </a:r>
-            <a:r>
-              <a:rPr lang="en-US" altLang="zh-TW" sz="2200" dirty="0"/>
-              <a:t>[][MAX_SIZE], </a:t>
+              <a:rPr lang="en-US" altLang="zh-TW" sz="2200" dirty="0"/>
+              <a:t>              c[][MAX_SIZE], </a:t>
             </a:r>
             <a:r>
               <a:rPr lang="en-US" altLang="zh-TW" sz="2200" dirty="0" err="1"/>
@@ -10525,25 +9803,9 @@
               <a:t>i</a:t>
             </a:r>
             <a:r>
-              <a:rPr lang="en-US" altLang="zh-TW" sz="2200" dirty="0" smtClean="0"/>
+              <a:rPr lang="en-US" altLang="zh-TW" sz="2200" dirty="0"/>
               <a:t>++){</a:t>
             </a:r>
-            <a:r>
-              <a:rPr lang="en-US" altLang="zh-TW" sz="2200" dirty="0" smtClean="0">
-                <a:solidFill>
-                  <a:srgbClr val="FF0000"/>
-                </a:solidFill>
-              </a:rPr>
-              <a:t> </a:t>
-            </a:r>
-          </a:p>
-          <a:p>
-            <a:pPr marL="0" indent="0">
-              <a:lnSpc>
-                <a:spcPct val="70000"/>
-              </a:lnSpc>
-              <a:buNone/>
-            </a:pPr>
             <a:r>
               <a:rPr lang="en-US" altLang="zh-TW" sz="2200" dirty="0">
                 <a:solidFill>
@@ -10552,35 +9814,35 @@
               </a:rPr>
               <a:t> </a:t>
             </a:r>
-            <a:r>
-              <a:rPr lang="en-US" altLang="zh-TW" sz="2200" dirty="0" smtClean="0">
+          </a:p>
+          <a:p>
+            <a:pPr marL="0" indent="0">
+              <a:lnSpc>
+                <a:spcPct val="70000"/>
+              </a:lnSpc>
+              <a:buNone/>
+            </a:pPr>
+            <a:r>
+              <a:rPr lang="en-US" altLang="zh-TW" sz="2200" dirty="0">
                 <a:solidFill>
                   <a:srgbClr val="FF0000"/>
                 </a:solidFill>
               </a:rPr>
-              <a:t>       </a:t>
-            </a:r>
-            <a:r>
-              <a:rPr lang="en-US" altLang="zh-TW" sz="2200" dirty="0" smtClean="0"/>
-              <a:t>for(j </a:t>
-            </a:r>
-            <a:r>
-              <a:rPr lang="en-US" altLang="zh-TW" sz="2200" dirty="0"/>
-              <a:t>= 0;j &lt; cols; </a:t>
-            </a:r>
-            <a:r>
-              <a:rPr lang="en-US" altLang="zh-TW" sz="2200" dirty="0" err="1"/>
-              <a:t>j</a:t>
-            </a:r>
-            <a:r>
-              <a:rPr lang="en-US" altLang="zh-TW" sz="2200" dirty="0" err="1" smtClean="0"/>
-              <a:t>++</a:t>
-            </a:r>
-            <a:r>
-              <a:rPr lang="en-US" altLang="zh-TW" sz="2200" dirty="0" smtClean="0"/>
+              <a:t>        </a:t>
+            </a:r>
+            <a:r>
+              <a:rPr lang="en-US" altLang="zh-TW" sz="2200" dirty="0"/>
+              <a:t>for(j = 0;j &lt; cols; </a:t>
+            </a:r>
+            <a:r>
+              <a:rPr lang="en-US" altLang="zh-TW" sz="2200" dirty="0" err="1"/>
+              <a:t>j++</a:t>
+            </a:r>
+            <a:r>
+              <a:rPr lang="en-US" altLang="zh-TW" sz="2200" dirty="0"/>
               <a:t>){ </a:t>
             </a:r>
-            <a:endParaRPr lang="en-US" altLang="zh-TW" sz="2000" dirty="0" smtClean="0"/>
+            <a:endParaRPr lang="en-US" altLang="zh-TW" sz="2000" dirty="0"/>
           </a:p>
           <a:p>
             <a:pPr marL="0" indent="0">
@@ -10590,38 +9852,38 @@
               <a:buNone/>
             </a:pPr>
             <a:r>
-              <a:rPr lang="en-US" altLang="zh-TW" sz="2200" dirty="0" smtClean="0"/>
+              <a:rPr lang="en-US" altLang="zh-TW" sz="2200" dirty="0"/>
               <a:t>            c[</a:t>
             </a:r>
             <a:r>
-              <a:rPr lang="en-US" altLang="zh-TW" sz="2200" dirty="0" err="1" smtClean="0"/>
+              <a:rPr lang="en-US" altLang="zh-TW" sz="2200" dirty="0" err="1"/>
               <a:t>i</a:t>
             </a:r>
             <a:r>
-              <a:rPr lang="en-US" altLang="zh-TW" sz="2200" dirty="0" smtClean="0"/>
+              <a:rPr lang="en-US" altLang="zh-TW" sz="2200" dirty="0"/>
               <a:t>][j] = a[</a:t>
             </a:r>
             <a:r>
-              <a:rPr lang="en-US" altLang="zh-TW" sz="2200" dirty="0" err="1" smtClean="0"/>
+              <a:rPr lang="en-US" altLang="zh-TW" sz="2200" dirty="0" err="1"/>
               <a:t>i</a:t>
             </a:r>
             <a:r>
-              <a:rPr lang="en-US" altLang="zh-TW" sz="2200" dirty="0" smtClean="0"/>
+              <a:rPr lang="en-US" altLang="zh-TW" sz="2200" dirty="0"/>
               <a:t>][j] + b[</a:t>
             </a:r>
             <a:r>
-              <a:rPr lang="en-US" altLang="zh-TW" sz="2200" dirty="0" err="1" smtClean="0"/>
+              <a:rPr lang="en-US" altLang="zh-TW" sz="2200" dirty="0" err="1"/>
               <a:t>i</a:t>
             </a:r>
             <a:r>
-              <a:rPr lang="en-US" altLang="zh-TW" sz="2200" dirty="0" smtClean="0"/>
+              <a:rPr lang="en-US" altLang="zh-TW" sz="2200" dirty="0"/>
               <a:t>][j];</a:t>
             </a:r>
             <a:r>
-              <a:rPr lang="en-US" altLang="zh-TW" sz="2000" dirty="0" smtClean="0"/>
+              <a:rPr lang="en-US" altLang="zh-TW" sz="2000" dirty="0"/>
               <a:t> </a:t>
             </a:r>
-            <a:endParaRPr lang="en-US" altLang="zh-TW" sz="1400" dirty="0" smtClean="0"/>
+            <a:endParaRPr lang="en-US" altLang="zh-TW" sz="1400" dirty="0"/>
           </a:p>
           <a:p>
             <a:pPr marL="0" indent="0">
@@ -10631,10 +9893,10 @@
               <a:buNone/>
             </a:pPr>
             <a:r>
-              <a:rPr lang="en-US" altLang="zh-TW" sz="2200" dirty="0" smtClean="0"/>
+              <a:rPr lang="en-US" altLang="zh-TW" sz="2200" dirty="0"/>
               <a:t>        }</a:t>
             </a:r>
-            <a:endParaRPr lang="en-US" altLang="zh-TW" sz="2000" dirty="0" smtClean="0">
+            <a:endParaRPr lang="en-US" altLang="zh-TW" sz="2000" dirty="0">
               <a:solidFill>
                 <a:srgbClr val="FF0000"/>
               </a:solidFill>
@@ -10648,7 +9910,7 @@
               <a:buNone/>
             </a:pPr>
             <a:r>
-              <a:rPr lang="en-US" altLang="zh-TW" sz="2200" dirty="0" smtClean="0"/>
+              <a:rPr lang="en-US" altLang="zh-TW" sz="2200" dirty="0"/>
               <a:t>    }</a:t>
             </a:r>
           </a:p>
@@ -10660,7 +9922,7 @@
               <a:buNone/>
             </a:pPr>
             <a:r>
-              <a:rPr lang="en-US" altLang="zh-TW" sz="2200" dirty="0" smtClean="0"/>
+              <a:rPr lang="en-US" altLang="zh-TW" sz="2200" dirty="0"/>
               <a:t>}</a:t>
             </a:r>
             <a:endParaRPr lang="zh-TW" altLang="en-US" sz="2200" dirty="0"/>
@@ -10696,16 +9958,8 @@
           </a:p>
           <a:p>
             <a:r>
-              <a:rPr lang="en-US" altLang="zh-TW" dirty="0" smtClean="0"/>
-              <a:t>rows=2</a:t>
-            </a:r>
-            <a:r>
-              <a:rPr lang="en-US" altLang="zh-TW" dirty="0"/>
-              <a:t>, </a:t>
-            </a:r>
-            <a:r>
-              <a:rPr lang="en-US" altLang="zh-TW" dirty="0" smtClean="0"/>
-              <a:t>cols=3, count = 0</a:t>
+              <a:rPr lang="en-US" altLang="zh-TW" dirty="0"/>
+              <a:t>rows=2, cols=3, count = 0</a:t>
             </a:r>
             <a:endParaRPr lang="zh-TW" altLang="en-US" dirty="0"/>
           </a:p>
@@ -10782,7 +10036,7 @@
           <a:lstStyle/>
           <a:p>
             <a:r>
-              <a:rPr lang="en-US" altLang="zh-TW" dirty="0" smtClean="0">
+              <a:rPr lang="en-US" altLang="zh-TW" dirty="0">
                 <a:solidFill>
                   <a:srgbClr val="FF0000"/>
                 </a:solidFill>
@@ -10807,13 +10061,6 @@
   <p:clrMapOvr>
     <a:masterClrMapping/>
   </p:clrMapOvr>
-  <p:timing>
-    <p:tnLst>
-      <p:par>
-        <p:cTn id="1" dur="indefinite" restart="never" nodeType="tmRoot"/>
-      </p:par>
-    </p:tnLst>
-  </p:timing>
 </p:sld>
 </file>
 
@@ -10851,11 +10098,7 @@
           <a:p>
             <a:r>
               <a:rPr lang="en-US" altLang="zh-TW" dirty="0"/>
-              <a:t>Program </a:t>
-            </a:r>
-            <a:r>
-              <a:rPr lang="en-US" altLang="zh-TW" dirty="0" smtClean="0"/>
-              <a:t>1.17</a:t>
+              <a:t>Program 1.17</a:t>
             </a:r>
             <a:endParaRPr lang="zh-TW" altLang="en-US" dirty="0"/>
           </a:p>
@@ -10894,11 +10137,7 @@
             </a:r>
             <a:r>
               <a:rPr lang="en-US" altLang="zh-TW" sz="2200" dirty="0"/>
-              <a:t> a[][MAX_SIZE], b[][MAX_SIZE</a:t>
-            </a:r>
-            <a:r>
-              <a:rPr lang="en-US" altLang="zh-TW" sz="2200" dirty="0" smtClean="0"/>
-              <a:t>],</a:t>
+              <a:t> a[][MAX_SIZE], b[][MAX_SIZE],</a:t>
             </a:r>
           </a:p>
           <a:p>
@@ -10909,12 +10148,8 @@
               <a:buNone/>
             </a:pPr>
             <a:r>
-              <a:rPr lang="en-US" altLang="zh-TW" sz="2200" dirty="0" smtClean="0"/>
-              <a:t>              c</a:t>
-            </a:r>
-            <a:r>
-              <a:rPr lang="en-US" altLang="zh-TW" sz="2200" dirty="0"/>
-              <a:t>[][MAX_SIZE], </a:t>
+              <a:rPr lang="en-US" altLang="zh-TW" sz="2200" dirty="0"/>
+              <a:t>              c[][MAX_SIZE], </a:t>
             </a:r>
             <a:r>
               <a:rPr lang="en-US" altLang="zh-TW" sz="2200" dirty="0" err="1"/>
@@ -10985,25 +10220,9 @@
               <a:t>i</a:t>
             </a:r>
             <a:r>
-              <a:rPr lang="en-US" altLang="zh-TW" sz="2200" dirty="0" smtClean="0"/>
+              <a:rPr lang="en-US" altLang="zh-TW" sz="2200" dirty="0"/>
               <a:t>++){</a:t>
             </a:r>
-            <a:r>
-              <a:rPr lang="en-US" altLang="zh-TW" sz="2200" dirty="0" smtClean="0">
-                <a:solidFill>
-                  <a:srgbClr val="FF0000"/>
-                </a:solidFill>
-              </a:rPr>
-              <a:t> </a:t>
-            </a:r>
-          </a:p>
-          <a:p>
-            <a:pPr marL="0" indent="0">
-              <a:lnSpc>
-                <a:spcPct val="70000"/>
-              </a:lnSpc>
-              <a:buNone/>
-            </a:pPr>
             <a:r>
               <a:rPr lang="en-US" altLang="zh-TW" sz="2200" dirty="0">
                 <a:solidFill>
@@ -11012,35 +10231,35 @@
               </a:rPr>
               <a:t> </a:t>
             </a:r>
-            <a:r>
-              <a:rPr lang="en-US" altLang="zh-TW" sz="2200" dirty="0" smtClean="0">
+          </a:p>
+          <a:p>
+            <a:pPr marL="0" indent="0">
+              <a:lnSpc>
+                <a:spcPct val="70000"/>
+              </a:lnSpc>
+              <a:buNone/>
+            </a:pPr>
+            <a:r>
+              <a:rPr lang="en-US" altLang="zh-TW" sz="2200" dirty="0">
                 <a:solidFill>
                   <a:srgbClr val="FF0000"/>
                 </a:solidFill>
               </a:rPr>
-              <a:t>       </a:t>
-            </a:r>
-            <a:r>
-              <a:rPr lang="en-US" altLang="zh-TW" sz="2200" dirty="0" smtClean="0"/>
-              <a:t>for(j </a:t>
-            </a:r>
-            <a:r>
-              <a:rPr lang="en-US" altLang="zh-TW" sz="2200" dirty="0"/>
-              <a:t>= 0;j &lt; cols; </a:t>
-            </a:r>
-            <a:r>
-              <a:rPr lang="en-US" altLang="zh-TW" sz="2200" dirty="0" err="1"/>
-              <a:t>j</a:t>
-            </a:r>
-            <a:r>
-              <a:rPr lang="en-US" altLang="zh-TW" sz="2200" dirty="0" err="1" smtClean="0"/>
-              <a:t>++</a:t>
-            </a:r>
-            <a:r>
-              <a:rPr lang="en-US" altLang="zh-TW" sz="2200" dirty="0" smtClean="0"/>
+              <a:t>        </a:t>
+            </a:r>
+            <a:r>
+              <a:rPr lang="en-US" altLang="zh-TW" sz="2200" dirty="0"/>
+              <a:t>for(j = 0;j &lt; cols; </a:t>
+            </a:r>
+            <a:r>
+              <a:rPr lang="en-US" altLang="zh-TW" sz="2200" dirty="0" err="1"/>
+              <a:t>j++</a:t>
+            </a:r>
+            <a:r>
+              <a:rPr lang="en-US" altLang="zh-TW" sz="2200" dirty="0"/>
               <a:t>){ </a:t>
             </a:r>
-            <a:endParaRPr lang="en-US" altLang="zh-TW" sz="2000" dirty="0" smtClean="0"/>
+            <a:endParaRPr lang="en-US" altLang="zh-TW" sz="2000" dirty="0"/>
           </a:p>
           <a:p>
             <a:pPr marL="0" indent="0">
@@ -11050,38 +10269,38 @@
               <a:buNone/>
             </a:pPr>
             <a:r>
-              <a:rPr lang="en-US" altLang="zh-TW" sz="2200" dirty="0" smtClean="0"/>
+              <a:rPr lang="en-US" altLang="zh-TW" sz="2200" dirty="0"/>
               <a:t>            c[</a:t>
             </a:r>
             <a:r>
-              <a:rPr lang="en-US" altLang="zh-TW" sz="2200" dirty="0" err="1" smtClean="0"/>
+              <a:rPr lang="en-US" altLang="zh-TW" sz="2200" dirty="0" err="1"/>
               <a:t>i</a:t>
             </a:r>
             <a:r>
-              <a:rPr lang="en-US" altLang="zh-TW" sz="2200" dirty="0" smtClean="0"/>
+              <a:rPr lang="en-US" altLang="zh-TW" sz="2200" dirty="0"/>
               <a:t>][j] = a[</a:t>
             </a:r>
             <a:r>
-              <a:rPr lang="en-US" altLang="zh-TW" sz="2200" dirty="0" err="1" smtClean="0"/>
+              <a:rPr lang="en-US" altLang="zh-TW" sz="2200" dirty="0" err="1"/>
               <a:t>i</a:t>
             </a:r>
             <a:r>
-              <a:rPr lang="en-US" altLang="zh-TW" sz="2200" dirty="0" smtClean="0"/>
+              <a:rPr lang="en-US" altLang="zh-TW" sz="2200" dirty="0"/>
               <a:t>][j] + b[</a:t>
             </a:r>
             <a:r>
-              <a:rPr lang="en-US" altLang="zh-TW" sz="2200" dirty="0" err="1" smtClean="0"/>
+              <a:rPr lang="en-US" altLang="zh-TW" sz="2200" dirty="0" err="1"/>
               <a:t>i</a:t>
             </a:r>
             <a:r>
-              <a:rPr lang="en-US" altLang="zh-TW" sz="2200" dirty="0" smtClean="0"/>
+              <a:rPr lang="en-US" altLang="zh-TW" sz="2200" dirty="0"/>
               <a:t>][j];</a:t>
             </a:r>
             <a:r>
-              <a:rPr lang="en-US" altLang="zh-TW" sz="2000" dirty="0" smtClean="0"/>
+              <a:rPr lang="en-US" altLang="zh-TW" sz="2000" dirty="0"/>
               <a:t> </a:t>
             </a:r>
-            <a:endParaRPr lang="en-US" altLang="zh-TW" sz="1400" dirty="0" smtClean="0"/>
+            <a:endParaRPr lang="en-US" altLang="zh-TW" sz="1400" dirty="0"/>
           </a:p>
           <a:p>
             <a:pPr marL="0" indent="0">
@@ -11091,10 +10310,10 @@
               <a:buNone/>
             </a:pPr>
             <a:r>
-              <a:rPr lang="en-US" altLang="zh-TW" sz="2200" dirty="0" smtClean="0"/>
+              <a:rPr lang="en-US" altLang="zh-TW" sz="2200" dirty="0"/>
               <a:t>        }</a:t>
             </a:r>
-            <a:endParaRPr lang="en-US" altLang="zh-TW" sz="2000" dirty="0" smtClean="0">
+            <a:endParaRPr lang="en-US" altLang="zh-TW" sz="2000" dirty="0">
               <a:solidFill>
                 <a:srgbClr val="FF0000"/>
               </a:solidFill>
@@ -11108,7 +10327,7 @@
               <a:buNone/>
             </a:pPr>
             <a:r>
-              <a:rPr lang="en-US" altLang="zh-TW" sz="2200" dirty="0" smtClean="0"/>
+              <a:rPr lang="en-US" altLang="zh-TW" sz="2200" dirty="0"/>
               <a:t>    }</a:t>
             </a:r>
           </a:p>
@@ -11120,7 +10339,7 @@
               <a:buNone/>
             </a:pPr>
             <a:r>
-              <a:rPr lang="en-US" altLang="zh-TW" sz="2200" dirty="0" smtClean="0"/>
+              <a:rPr lang="en-US" altLang="zh-TW" sz="2200" dirty="0"/>
               <a:t>}</a:t>
             </a:r>
             <a:endParaRPr lang="zh-TW" altLang="en-US" sz="2200" dirty="0"/>
@@ -11156,16 +10375,8 @@
           </a:p>
           <a:p>
             <a:r>
-              <a:rPr lang="en-US" altLang="zh-TW" dirty="0" smtClean="0"/>
-              <a:t>rows=2</a:t>
-            </a:r>
-            <a:r>
-              <a:rPr lang="en-US" altLang="zh-TW" dirty="0"/>
-              <a:t>, </a:t>
-            </a:r>
-            <a:r>
-              <a:rPr lang="en-US" altLang="zh-TW" dirty="0" smtClean="0"/>
-              <a:t>cols=3, count = 0</a:t>
+              <a:rPr lang="en-US" altLang="zh-TW" dirty="0"/>
+              <a:t>rows=2, cols=3, count = 0</a:t>
             </a:r>
             <a:endParaRPr lang="zh-TW" altLang="en-US" dirty="0"/>
           </a:p>
@@ -11242,7 +10453,7 @@
           <a:lstStyle/>
           <a:p>
             <a:r>
-              <a:rPr lang="en-US" altLang="zh-TW" dirty="0" smtClean="0">
+              <a:rPr lang="en-US" altLang="zh-TW" dirty="0">
                 <a:solidFill>
                   <a:srgbClr val="FF0000"/>
                 </a:solidFill>
@@ -11267,13 +10478,6 @@
   <p:clrMapOvr>
     <a:masterClrMapping/>
   </p:clrMapOvr>
-  <p:timing>
-    <p:tnLst>
-      <p:par>
-        <p:cTn id="1" dur="indefinite" restart="never" nodeType="tmRoot"/>
-      </p:par>
-    </p:tnLst>
-  </p:timing>
 </p:sld>
 </file>
 
@@ -11375,11 +10579,7 @@
             </a:r>
             <a:r>
               <a:rPr lang="en-US" altLang="zh-TW" sz="2400" dirty="0"/>
-              <a:t> = 0</a:t>
-            </a:r>
-            <a:r>
-              <a:rPr lang="en-US" altLang="zh-TW" sz="2400" dirty="0" smtClean="0"/>
-              <a:t>;   </a:t>
+              <a:t> = 0;   </a:t>
             </a:r>
           </a:p>
           <a:p>
@@ -11390,19 +10590,11 @@
               <a:buNone/>
             </a:pPr>
             <a:r>
-              <a:rPr lang="en-US" altLang="zh-TW" sz="2400" dirty="0" smtClean="0"/>
-              <a:t>    count</a:t>
-            </a:r>
-            <a:r>
               <a:rPr lang="en-US" altLang="zh-TW" sz="2400" dirty="0"/>
-              <a:t>++; </a:t>
-            </a:r>
-            <a:r>
-              <a:rPr lang="en-US" altLang="zh-TW" sz="2400" dirty="0" smtClean="0"/>
-              <a:t>                </a:t>
-            </a:r>
-            <a:r>
-              <a:rPr lang="en-US" altLang="zh-TW" sz="2000" dirty="0" smtClean="0">
+              <a:t>    count++;                 </a:t>
+            </a:r>
+            <a:r>
+              <a:rPr lang="en-US" altLang="zh-TW" sz="2000" dirty="0">
                 <a:solidFill>
                   <a:srgbClr val="FF0000"/>
                 </a:solidFill>
@@ -11423,15 +10615,7 @@
                   <a:srgbClr val="FF0000"/>
                 </a:solidFill>
               </a:rPr>
-              <a:t> = 0</a:t>
-            </a:r>
-            <a:r>
-              <a:rPr lang="en-US" altLang="zh-TW" sz="2000" dirty="0" smtClean="0">
-                <a:solidFill>
-                  <a:srgbClr val="FF0000"/>
-                </a:solidFill>
-              </a:rPr>
-              <a:t>;”</a:t>
+              <a:t> = 0;”</a:t>
             </a:r>
           </a:p>
           <a:p>
@@ -11442,15 +10626,15 @@
               <a:buNone/>
             </a:pPr>
             <a:r>
-              <a:rPr lang="en-US" altLang="zh-TW" sz="2400" dirty="0" smtClean="0"/>
+              <a:rPr lang="en-US" altLang="zh-TW" sz="2400" dirty="0"/>
               <a:t>    </a:t>
             </a:r>
             <a:r>
-              <a:rPr lang="en-US" altLang="zh-TW" sz="2400" dirty="0" err="1" smtClean="0"/>
+              <a:rPr lang="en-US" altLang="zh-TW" sz="2400" dirty="0" err="1"/>
               <a:t>int</a:t>
             </a:r>
             <a:r>
-              <a:rPr lang="en-US" altLang="zh-TW" sz="2400" dirty="0" smtClean="0"/>
+              <a:rPr lang="en-US" altLang="zh-TW" sz="2400" dirty="0"/>
               <a:t> </a:t>
             </a:r>
             <a:r>
@@ -11499,14 +10683,10 @@
             </a:pPr>
             <a:r>
               <a:rPr lang="en-US" altLang="zh-TW" sz="2400" dirty="0"/>
-              <a:t>        count</a:t>
-            </a:r>
-            <a:r>
-              <a:rPr lang="en-US" altLang="zh-TW" sz="2400" dirty="0" smtClean="0"/>
-              <a:t>++;             </a:t>
-            </a:r>
-            <a:r>
-              <a:rPr lang="en-US" altLang="zh-TW" sz="2000" dirty="0" smtClean="0">
+              <a:t>        count++;             </a:t>
+            </a:r>
+            <a:r>
+              <a:rPr lang="en-US" altLang="zh-TW" sz="2000" dirty="0">
                 <a:solidFill>
                   <a:srgbClr val="FF0000"/>
                 </a:solidFill>
@@ -11514,7 +10694,7 @@
               <a:t>//”for(</a:t>
             </a:r>
             <a:r>
-              <a:rPr lang="en-US" altLang="zh-TW" sz="2000" dirty="0" err="1" smtClean="0">
+              <a:rPr lang="en-US" altLang="zh-TW" sz="2000" dirty="0" err="1">
                 <a:solidFill>
                   <a:srgbClr val="FF0000"/>
                 </a:solidFill>
@@ -11522,20 +10702,12 @@
               <a:t>i</a:t>
             </a:r>
             <a:r>
-              <a:rPr lang="en-US" altLang="zh-TW" sz="2000" dirty="0" smtClean="0">
-                <a:solidFill>
-                  <a:srgbClr val="FF0000"/>
-                </a:solidFill>
-              </a:rPr>
-              <a:t> </a:t>
-            </a:r>
-            <a:r>
               <a:rPr lang="en-US" altLang="zh-TW" sz="2000" dirty="0">
                 <a:solidFill>
                   <a:srgbClr val="FF0000"/>
                 </a:solidFill>
               </a:rPr>
-              <a:t>= 0;i &lt; </a:t>
+              <a:t> = 0;i &lt; </a:t>
             </a:r>
             <a:r>
               <a:rPr lang="en-US" altLang="zh-TW" sz="2000" dirty="0" err="1">
@@ -11546,18 +10718,13 @@
               <a:t>n;i</a:t>
             </a:r>
             <a:r>
-              <a:rPr lang="en-US" altLang="zh-TW" sz="2000" dirty="0" smtClean="0">
+              <a:rPr lang="en-US" altLang="zh-TW" sz="2000" dirty="0">
                 <a:solidFill>
                   <a:srgbClr val="FF0000"/>
                 </a:solidFill>
               </a:rPr>
               <a:t>++)”</a:t>
             </a:r>
-            <a:endParaRPr lang="en-US" altLang="zh-TW" sz="2000" dirty="0">
-              <a:solidFill>
-                <a:srgbClr val="FF0000"/>
-              </a:solidFill>
-            </a:endParaRPr>
           </a:p>
           <a:p>
             <a:pPr marL="0" indent="0">
@@ -11596,11 +10763,7 @@
             </a:pPr>
             <a:r>
               <a:rPr lang="en-US" altLang="zh-TW" sz="2400" dirty="0"/>
-              <a:t>        count</a:t>
-            </a:r>
-            <a:r>
-              <a:rPr lang="en-US" altLang="zh-TW" sz="2400" dirty="0" smtClean="0"/>
-              <a:t>++;</a:t>
+              <a:t>        count++;</a:t>
             </a:r>
             <a:r>
               <a:rPr lang="en-US" altLang="zh-TW" sz="2400" dirty="0">
@@ -11608,18 +10771,10 @@
                   <a:srgbClr val="FF0000"/>
                 </a:solidFill>
               </a:rPr>
-              <a:t> </a:t>
-            </a:r>
-            <a:r>
-              <a:rPr lang="en-US" altLang="zh-TW" sz="2400" dirty="0" smtClean="0">
-                <a:solidFill>
-                  <a:srgbClr val="FF0000"/>
-                </a:solidFill>
-              </a:rPr>
-              <a:t>            </a:t>
-            </a:r>
-            <a:r>
-              <a:rPr lang="en-US" altLang="zh-TW" sz="2000" dirty="0" smtClean="0">
+              <a:t>             </a:t>
+            </a:r>
+            <a:r>
+              <a:rPr lang="en-US" altLang="zh-TW" sz="2000" dirty="0">
                 <a:solidFill>
                   <a:srgbClr val="FF0000"/>
                 </a:solidFill>
@@ -11627,7 +10782,7 @@
               <a:t>//”</a:t>
             </a:r>
             <a:r>
-              <a:rPr lang="en-US" altLang="zh-TW" sz="2000" dirty="0" err="1" smtClean="0">
+              <a:rPr lang="en-US" altLang="zh-TW" sz="2000" dirty="0" err="1">
                 <a:solidFill>
                   <a:srgbClr val="FF0000"/>
                 </a:solidFill>
@@ -11635,20 +10790,12 @@
               <a:t>tempsum</a:t>
             </a:r>
             <a:r>
-              <a:rPr lang="en-US" altLang="zh-TW" sz="2000" dirty="0" smtClean="0">
-                <a:solidFill>
-                  <a:srgbClr val="FF0000"/>
-                </a:solidFill>
-              </a:rPr>
-              <a:t> </a:t>
-            </a:r>
-            <a:r>
               <a:rPr lang="en-US" altLang="zh-TW" sz="2000" dirty="0">
                 <a:solidFill>
                   <a:srgbClr val="FF0000"/>
                 </a:solidFill>
               </a:rPr>
-              <a:t>+= list[</a:t>
+              <a:t> += list[</a:t>
             </a:r>
             <a:r>
               <a:rPr lang="en-US" altLang="zh-TW" sz="2000" dirty="0" err="1">
@@ -11659,18 +10806,13 @@
               <a:t>i</a:t>
             </a:r>
             <a:r>
-              <a:rPr lang="en-US" altLang="zh-TW" sz="2000" dirty="0" smtClean="0">
+              <a:rPr lang="en-US" altLang="zh-TW" sz="2000" dirty="0">
                 <a:solidFill>
                   <a:srgbClr val="FF0000"/>
                 </a:solidFill>
               </a:rPr>
               <a:t>];”</a:t>
             </a:r>
-            <a:endParaRPr lang="en-US" altLang="zh-TW" sz="2000" dirty="0">
-              <a:solidFill>
-                <a:srgbClr val="FF0000"/>
-              </a:solidFill>
-            </a:endParaRPr>
           </a:p>
           <a:p>
             <a:pPr marL="0" indent="0">
@@ -11692,20 +10834,8 @@
               <a:buNone/>
             </a:pPr>
             <a:r>
-              <a:rPr lang="en-US" altLang="zh-TW" sz="2400" dirty="0" smtClean="0"/>
-              <a:t>    count</a:t>
-            </a:r>
-            <a:r>
               <a:rPr lang="en-US" altLang="zh-TW" sz="2400" dirty="0"/>
-              <a:t>++;                 </a:t>
-            </a:r>
-            <a:r>
-              <a:rPr lang="en-US" altLang="zh-TW" sz="2000" dirty="0" smtClean="0">
-                <a:solidFill>
-                  <a:srgbClr val="FF0000"/>
-                </a:solidFill>
-              </a:rPr>
-              <a:t>//”last </a:t>
+              <a:t>    count++;                 </a:t>
             </a:r>
             <a:r>
               <a:rPr lang="en-US" altLang="zh-TW" sz="2000" dirty="0">
@@ -11713,17 +10843,9 @@
                   <a:srgbClr val="FF0000"/>
                 </a:solidFill>
               </a:rPr>
-              <a:t>execution of </a:t>
-            </a:r>
-            <a:r>
-              <a:rPr lang="en-US" altLang="zh-TW" sz="2000" dirty="0" smtClean="0">
-                <a:solidFill>
-                  <a:srgbClr val="FF0000"/>
-                </a:solidFill>
-              </a:rPr>
-              <a:t>for”</a:t>
-            </a:r>
-            <a:endParaRPr lang="en-US" altLang="zh-TW" sz="2400" dirty="0" smtClean="0">
+              <a:t>//”last execution of for”</a:t>
+            </a:r>
+            <a:endParaRPr lang="en-US" altLang="zh-TW" sz="2400" dirty="0">
               <a:solidFill>
                 <a:srgbClr val="FF0000"/>
               </a:solidFill>
@@ -11737,19 +10859,11 @@
               <a:buNone/>
             </a:pPr>
             <a:r>
-              <a:rPr lang="en-US" altLang="zh-TW" sz="2400" dirty="0" smtClean="0"/>
-              <a:t>    </a:t>
-            </a:r>
-            <a:r>
               <a:rPr lang="en-US" altLang="zh-TW" sz="2400" dirty="0"/>
-              <a:t>count</a:t>
-            </a:r>
-            <a:r>
-              <a:rPr lang="en-US" altLang="zh-TW" sz="2400" dirty="0" smtClean="0"/>
-              <a:t>++;                 </a:t>
-            </a:r>
-            <a:r>
-              <a:rPr lang="en-US" altLang="zh-TW" sz="2000" dirty="0" smtClean="0">
+              <a:t>    count++;                 </a:t>
+            </a:r>
+            <a:r>
+              <a:rPr lang="en-US" altLang="zh-TW" sz="2000" dirty="0">
                 <a:solidFill>
                   <a:srgbClr val="FF0000"/>
                 </a:solidFill>
@@ -11757,7 +10871,7 @@
               <a:t>//”return </a:t>
             </a:r>
             <a:r>
-              <a:rPr lang="en-US" altLang="zh-TW" sz="2000" dirty="0" err="1" smtClean="0">
+              <a:rPr lang="en-US" altLang="zh-TW" sz="2000" dirty="0" err="1">
                 <a:solidFill>
                   <a:srgbClr val="FF0000"/>
                 </a:solidFill>
@@ -11765,7 +10879,7 @@
               <a:t>tempsum</a:t>
             </a:r>
             <a:r>
-              <a:rPr lang="en-US" altLang="zh-TW" sz="2000" dirty="0" smtClean="0">
+              <a:rPr lang="en-US" altLang="zh-TW" sz="2000" dirty="0">
                 <a:solidFill>
                   <a:srgbClr val="FF0000"/>
                 </a:solidFill>
@@ -11834,22 +10948,16 @@
           <a:lstStyle/>
           <a:p>
             <a:r>
-              <a:rPr lang="zh-TW" altLang="en-US" smtClean="0">
+              <a:rPr lang="zh-TW" altLang="en-US">
                 <a:ea typeface="標楷體" panose="03000509000000000000" pitchFamily="65" charset="-120"/>
               </a:rPr>
               <a:t>回</a:t>
             </a:r>
             <a:r>
-              <a:rPr lang="en-US" altLang="zh-TW" dirty="0" smtClean="0">
-                <a:ea typeface="標楷體" panose="03000509000000000000" pitchFamily="65" charset="-120"/>
-              </a:rPr>
-              <a:t>outlin</a:t>
-            </a:r>
-            <a:r>
               <a:rPr lang="en-US" altLang="zh-TW" dirty="0">
                 <a:ea typeface="標楷體" panose="03000509000000000000" pitchFamily="65" charset="-120"/>
               </a:rPr>
-              <a:t>e</a:t>
+              <a:t>outline</a:t>
             </a:r>
             <a:endParaRPr lang="zh-TW" altLang="en-US" dirty="0">
               <a:ea typeface="標楷體" panose="03000509000000000000" pitchFamily="65" charset="-120"/>
@@ -11867,13 +10975,6 @@
   <p:clrMapOvr>
     <a:masterClrMapping/>
   </p:clrMapOvr>
-  <p:timing>
-    <p:tnLst>
-      <p:par>
-        <p:cTn id="1" dur="indefinite" restart="never" nodeType="tmRoot"/>
-      </p:par>
-    </p:tnLst>
-  </p:timing>
 </p:sld>
 </file>
 
@@ -11911,11 +11012,7 @@
           <a:p>
             <a:r>
               <a:rPr lang="en-US" altLang="zh-TW" dirty="0"/>
-              <a:t>Program </a:t>
-            </a:r>
-            <a:r>
-              <a:rPr lang="en-US" altLang="zh-TW" dirty="0" smtClean="0"/>
-              <a:t>1.17</a:t>
+              <a:t>Program 1.17</a:t>
             </a:r>
             <a:endParaRPr lang="zh-TW" altLang="en-US" dirty="0"/>
           </a:p>
@@ -11954,11 +11051,7 @@
             </a:r>
             <a:r>
               <a:rPr lang="en-US" altLang="zh-TW" sz="2200" dirty="0"/>
-              <a:t> a[][MAX_SIZE], b[][MAX_SIZE</a:t>
-            </a:r>
-            <a:r>
-              <a:rPr lang="en-US" altLang="zh-TW" sz="2200" dirty="0" smtClean="0"/>
-              <a:t>],</a:t>
+              <a:t> a[][MAX_SIZE], b[][MAX_SIZE],</a:t>
             </a:r>
           </a:p>
           <a:p>
@@ -11969,12 +11062,8 @@
               <a:buNone/>
             </a:pPr>
             <a:r>
-              <a:rPr lang="en-US" altLang="zh-TW" sz="2200" dirty="0" smtClean="0"/>
-              <a:t>              c</a:t>
-            </a:r>
-            <a:r>
-              <a:rPr lang="en-US" altLang="zh-TW" sz="2200" dirty="0"/>
-              <a:t>[][MAX_SIZE], </a:t>
+              <a:rPr lang="en-US" altLang="zh-TW" sz="2200" dirty="0"/>
+              <a:t>              c[][MAX_SIZE], </a:t>
             </a:r>
             <a:r>
               <a:rPr lang="en-US" altLang="zh-TW" sz="2200" dirty="0" err="1"/>
@@ -12045,25 +11134,9 @@
               <a:t>i</a:t>
             </a:r>
             <a:r>
-              <a:rPr lang="en-US" altLang="zh-TW" sz="2200" dirty="0" smtClean="0"/>
+              <a:rPr lang="en-US" altLang="zh-TW" sz="2200" dirty="0"/>
               <a:t>++){</a:t>
             </a:r>
-            <a:r>
-              <a:rPr lang="en-US" altLang="zh-TW" sz="2200" dirty="0" smtClean="0">
-                <a:solidFill>
-                  <a:srgbClr val="FF0000"/>
-                </a:solidFill>
-              </a:rPr>
-              <a:t> </a:t>
-            </a:r>
-          </a:p>
-          <a:p>
-            <a:pPr marL="0" indent="0">
-              <a:lnSpc>
-                <a:spcPct val="70000"/>
-              </a:lnSpc>
-              <a:buNone/>
-            </a:pPr>
             <a:r>
               <a:rPr lang="en-US" altLang="zh-TW" sz="2200" dirty="0">
                 <a:solidFill>
@@ -12072,35 +11145,35 @@
               </a:rPr>
               <a:t> </a:t>
             </a:r>
-            <a:r>
-              <a:rPr lang="en-US" altLang="zh-TW" sz="2200" dirty="0" smtClean="0">
+          </a:p>
+          <a:p>
+            <a:pPr marL="0" indent="0">
+              <a:lnSpc>
+                <a:spcPct val="70000"/>
+              </a:lnSpc>
+              <a:buNone/>
+            </a:pPr>
+            <a:r>
+              <a:rPr lang="en-US" altLang="zh-TW" sz="2200" dirty="0">
                 <a:solidFill>
                   <a:srgbClr val="FF0000"/>
                 </a:solidFill>
               </a:rPr>
-              <a:t>       </a:t>
-            </a:r>
-            <a:r>
-              <a:rPr lang="en-US" altLang="zh-TW" sz="2200" dirty="0" smtClean="0"/>
-              <a:t>for(j </a:t>
-            </a:r>
-            <a:r>
-              <a:rPr lang="en-US" altLang="zh-TW" sz="2200" dirty="0"/>
-              <a:t>= 0;j &lt; cols; </a:t>
-            </a:r>
-            <a:r>
-              <a:rPr lang="en-US" altLang="zh-TW" sz="2200" dirty="0" err="1"/>
-              <a:t>j</a:t>
-            </a:r>
-            <a:r>
-              <a:rPr lang="en-US" altLang="zh-TW" sz="2200" dirty="0" err="1" smtClean="0"/>
-              <a:t>++</a:t>
-            </a:r>
-            <a:r>
-              <a:rPr lang="en-US" altLang="zh-TW" sz="2200" dirty="0" smtClean="0"/>
+              <a:t>        </a:t>
+            </a:r>
+            <a:r>
+              <a:rPr lang="en-US" altLang="zh-TW" sz="2200" dirty="0"/>
+              <a:t>for(j = 0;j &lt; cols; </a:t>
+            </a:r>
+            <a:r>
+              <a:rPr lang="en-US" altLang="zh-TW" sz="2200" dirty="0" err="1"/>
+              <a:t>j++</a:t>
+            </a:r>
+            <a:r>
+              <a:rPr lang="en-US" altLang="zh-TW" sz="2200" dirty="0"/>
               <a:t>){ </a:t>
             </a:r>
-            <a:endParaRPr lang="en-US" altLang="zh-TW" sz="2000" dirty="0" smtClean="0"/>
+            <a:endParaRPr lang="en-US" altLang="zh-TW" sz="2000" dirty="0"/>
           </a:p>
           <a:p>
             <a:pPr marL="0" indent="0">
@@ -12110,38 +11183,38 @@
               <a:buNone/>
             </a:pPr>
             <a:r>
-              <a:rPr lang="en-US" altLang="zh-TW" sz="2200" dirty="0" smtClean="0"/>
+              <a:rPr lang="en-US" altLang="zh-TW" sz="2200" dirty="0"/>
               <a:t>            c[</a:t>
             </a:r>
             <a:r>
-              <a:rPr lang="en-US" altLang="zh-TW" sz="2200" dirty="0" err="1" smtClean="0"/>
+              <a:rPr lang="en-US" altLang="zh-TW" sz="2200" dirty="0" err="1"/>
               <a:t>i</a:t>
             </a:r>
             <a:r>
-              <a:rPr lang="en-US" altLang="zh-TW" sz="2200" dirty="0" smtClean="0"/>
+              <a:rPr lang="en-US" altLang="zh-TW" sz="2200" dirty="0"/>
               <a:t>][j] = a[</a:t>
             </a:r>
             <a:r>
-              <a:rPr lang="en-US" altLang="zh-TW" sz="2200" dirty="0" err="1" smtClean="0"/>
+              <a:rPr lang="en-US" altLang="zh-TW" sz="2200" dirty="0" err="1"/>
               <a:t>i</a:t>
             </a:r>
             <a:r>
-              <a:rPr lang="en-US" altLang="zh-TW" sz="2200" dirty="0" smtClean="0"/>
+              <a:rPr lang="en-US" altLang="zh-TW" sz="2200" dirty="0"/>
               <a:t>][j] + b[</a:t>
             </a:r>
             <a:r>
-              <a:rPr lang="en-US" altLang="zh-TW" sz="2200" dirty="0" err="1" smtClean="0"/>
+              <a:rPr lang="en-US" altLang="zh-TW" sz="2200" dirty="0" err="1"/>
               <a:t>i</a:t>
             </a:r>
             <a:r>
-              <a:rPr lang="en-US" altLang="zh-TW" sz="2200" dirty="0" smtClean="0"/>
+              <a:rPr lang="en-US" altLang="zh-TW" sz="2200" dirty="0"/>
               <a:t>][j];</a:t>
             </a:r>
             <a:r>
-              <a:rPr lang="en-US" altLang="zh-TW" sz="2000" dirty="0" smtClean="0"/>
+              <a:rPr lang="en-US" altLang="zh-TW" sz="2000" dirty="0"/>
               <a:t> </a:t>
             </a:r>
-            <a:endParaRPr lang="en-US" altLang="zh-TW" sz="1400" dirty="0" smtClean="0"/>
+            <a:endParaRPr lang="en-US" altLang="zh-TW" sz="1400" dirty="0"/>
           </a:p>
           <a:p>
             <a:pPr marL="0" indent="0">
@@ -12151,10 +11224,10 @@
               <a:buNone/>
             </a:pPr>
             <a:r>
-              <a:rPr lang="en-US" altLang="zh-TW" sz="2200" dirty="0" smtClean="0"/>
+              <a:rPr lang="en-US" altLang="zh-TW" sz="2200" dirty="0"/>
               <a:t>        }</a:t>
             </a:r>
-            <a:endParaRPr lang="en-US" altLang="zh-TW" sz="2000" dirty="0" smtClean="0">
+            <a:endParaRPr lang="en-US" altLang="zh-TW" sz="2000" dirty="0">
               <a:solidFill>
                 <a:srgbClr val="FF0000"/>
               </a:solidFill>
@@ -12168,7 +11241,7 @@
               <a:buNone/>
             </a:pPr>
             <a:r>
-              <a:rPr lang="en-US" altLang="zh-TW" sz="2200" dirty="0" smtClean="0"/>
+              <a:rPr lang="en-US" altLang="zh-TW" sz="2200" dirty="0"/>
               <a:t>    }</a:t>
             </a:r>
           </a:p>
@@ -12180,7 +11253,7 @@
               <a:buNone/>
             </a:pPr>
             <a:r>
-              <a:rPr lang="en-US" altLang="zh-TW" sz="2200" dirty="0" smtClean="0"/>
+              <a:rPr lang="en-US" altLang="zh-TW" sz="2200" dirty="0"/>
               <a:t>}</a:t>
             </a:r>
             <a:endParaRPr lang="zh-TW" altLang="en-US" sz="2200" dirty="0"/>
@@ -12216,16 +11289,8 @@
           </a:p>
           <a:p>
             <a:r>
-              <a:rPr lang="en-US" altLang="zh-TW" dirty="0" smtClean="0"/>
-              <a:t>rows=2</a:t>
-            </a:r>
-            <a:r>
-              <a:rPr lang="en-US" altLang="zh-TW" dirty="0"/>
-              <a:t>, </a:t>
-            </a:r>
-            <a:r>
-              <a:rPr lang="en-US" altLang="zh-TW" dirty="0" smtClean="0"/>
-              <a:t>cols=3, count = 0</a:t>
+              <a:rPr lang="en-US" altLang="zh-TW" dirty="0"/>
+              <a:t>rows=2, cols=3, count = 0</a:t>
             </a:r>
             <a:endParaRPr lang="zh-TW" altLang="en-US" dirty="0"/>
           </a:p>
@@ -12302,7 +11367,7 @@
           <a:lstStyle/>
           <a:p>
             <a:r>
-              <a:rPr lang="en-US" altLang="zh-TW" dirty="0" smtClean="0">
+              <a:rPr lang="en-US" altLang="zh-TW" dirty="0">
                 <a:solidFill>
                   <a:srgbClr val="FF0000"/>
                 </a:solidFill>
@@ -12327,13 +11392,6 @@
   <p:clrMapOvr>
     <a:masterClrMapping/>
   </p:clrMapOvr>
-  <p:timing>
-    <p:tnLst>
-      <p:par>
-        <p:cTn id="1" dur="indefinite" restart="never" nodeType="tmRoot"/>
-      </p:par>
-    </p:tnLst>
-  </p:timing>
 </p:sld>
 </file>
 
@@ -12371,11 +11429,7 @@
           <a:p>
             <a:r>
               <a:rPr lang="en-US" altLang="zh-TW" dirty="0"/>
-              <a:t>Program </a:t>
-            </a:r>
-            <a:r>
-              <a:rPr lang="en-US" altLang="zh-TW" dirty="0" smtClean="0"/>
-              <a:t>1.17</a:t>
+              <a:t>Program 1.17</a:t>
             </a:r>
             <a:endParaRPr lang="zh-TW" altLang="en-US" dirty="0"/>
           </a:p>
@@ -12414,11 +11468,7 @@
             </a:r>
             <a:r>
               <a:rPr lang="en-US" altLang="zh-TW" sz="2200" dirty="0"/>
-              <a:t> a[][MAX_SIZE], b[][MAX_SIZE</a:t>
-            </a:r>
-            <a:r>
-              <a:rPr lang="en-US" altLang="zh-TW" sz="2200" dirty="0" smtClean="0"/>
-              <a:t>],</a:t>
+              <a:t> a[][MAX_SIZE], b[][MAX_SIZE],</a:t>
             </a:r>
           </a:p>
           <a:p>
@@ -12429,12 +11479,8 @@
               <a:buNone/>
             </a:pPr>
             <a:r>
-              <a:rPr lang="en-US" altLang="zh-TW" sz="2200" dirty="0" smtClean="0"/>
-              <a:t>              c</a:t>
-            </a:r>
-            <a:r>
-              <a:rPr lang="en-US" altLang="zh-TW" sz="2200" dirty="0"/>
-              <a:t>[][MAX_SIZE], </a:t>
+              <a:rPr lang="en-US" altLang="zh-TW" sz="2200" dirty="0"/>
+              <a:t>              c[][MAX_SIZE], </a:t>
             </a:r>
             <a:r>
               <a:rPr lang="en-US" altLang="zh-TW" sz="2200" dirty="0" err="1"/>
@@ -12505,25 +11551,9 @@
               <a:t>i</a:t>
             </a:r>
             <a:r>
-              <a:rPr lang="en-US" altLang="zh-TW" sz="2200" dirty="0" smtClean="0"/>
+              <a:rPr lang="en-US" altLang="zh-TW" sz="2200" dirty="0"/>
               <a:t>++){</a:t>
             </a:r>
-            <a:r>
-              <a:rPr lang="en-US" altLang="zh-TW" sz="2200" dirty="0" smtClean="0">
-                <a:solidFill>
-                  <a:srgbClr val="FF0000"/>
-                </a:solidFill>
-              </a:rPr>
-              <a:t> </a:t>
-            </a:r>
-          </a:p>
-          <a:p>
-            <a:pPr marL="0" indent="0">
-              <a:lnSpc>
-                <a:spcPct val="70000"/>
-              </a:lnSpc>
-              <a:buNone/>
-            </a:pPr>
             <a:r>
               <a:rPr lang="en-US" altLang="zh-TW" sz="2200" dirty="0">
                 <a:solidFill>
@@ -12532,35 +11562,35 @@
               </a:rPr>
               <a:t> </a:t>
             </a:r>
-            <a:r>
-              <a:rPr lang="en-US" altLang="zh-TW" sz="2200" dirty="0" smtClean="0">
+          </a:p>
+          <a:p>
+            <a:pPr marL="0" indent="0">
+              <a:lnSpc>
+                <a:spcPct val="70000"/>
+              </a:lnSpc>
+              <a:buNone/>
+            </a:pPr>
+            <a:r>
+              <a:rPr lang="en-US" altLang="zh-TW" sz="2200" dirty="0">
                 <a:solidFill>
                   <a:srgbClr val="FF0000"/>
                 </a:solidFill>
               </a:rPr>
-              <a:t>       </a:t>
-            </a:r>
-            <a:r>
-              <a:rPr lang="en-US" altLang="zh-TW" sz="2200" dirty="0" smtClean="0"/>
-              <a:t>for(j </a:t>
-            </a:r>
-            <a:r>
-              <a:rPr lang="en-US" altLang="zh-TW" sz="2200" dirty="0"/>
-              <a:t>= 0;j &lt; cols; </a:t>
-            </a:r>
-            <a:r>
-              <a:rPr lang="en-US" altLang="zh-TW" sz="2200" dirty="0" err="1"/>
-              <a:t>j</a:t>
-            </a:r>
-            <a:r>
-              <a:rPr lang="en-US" altLang="zh-TW" sz="2200" dirty="0" err="1" smtClean="0"/>
-              <a:t>++</a:t>
-            </a:r>
-            <a:r>
-              <a:rPr lang="en-US" altLang="zh-TW" sz="2200" dirty="0" smtClean="0"/>
+              <a:t>        </a:t>
+            </a:r>
+            <a:r>
+              <a:rPr lang="en-US" altLang="zh-TW" sz="2200" dirty="0"/>
+              <a:t>for(j = 0;j &lt; cols; </a:t>
+            </a:r>
+            <a:r>
+              <a:rPr lang="en-US" altLang="zh-TW" sz="2200" dirty="0" err="1"/>
+              <a:t>j++</a:t>
+            </a:r>
+            <a:r>
+              <a:rPr lang="en-US" altLang="zh-TW" sz="2200" dirty="0"/>
               <a:t>){ </a:t>
             </a:r>
-            <a:endParaRPr lang="en-US" altLang="zh-TW" sz="2000" dirty="0" smtClean="0"/>
+            <a:endParaRPr lang="en-US" altLang="zh-TW" sz="2000" dirty="0"/>
           </a:p>
           <a:p>
             <a:pPr marL="0" indent="0">
@@ -12570,38 +11600,38 @@
               <a:buNone/>
             </a:pPr>
             <a:r>
-              <a:rPr lang="en-US" altLang="zh-TW" sz="2200" dirty="0" smtClean="0"/>
+              <a:rPr lang="en-US" altLang="zh-TW" sz="2200" dirty="0"/>
               <a:t>            c[</a:t>
             </a:r>
             <a:r>
-              <a:rPr lang="en-US" altLang="zh-TW" sz="2200" dirty="0" err="1" smtClean="0"/>
+              <a:rPr lang="en-US" altLang="zh-TW" sz="2200" dirty="0" err="1"/>
               <a:t>i</a:t>
             </a:r>
             <a:r>
-              <a:rPr lang="en-US" altLang="zh-TW" sz="2200" dirty="0" smtClean="0"/>
+              <a:rPr lang="en-US" altLang="zh-TW" sz="2200" dirty="0"/>
               <a:t>][j] = a[</a:t>
             </a:r>
             <a:r>
-              <a:rPr lang="en-US" altLang="zh-TW" sz="2200" dirty="0" err="1" smtClean="0"/>
+              <a:rPr lang="en-US" altLang="zh-TW" sz="2200" dirty="0" err="1"/>
               <a:t>i</a:t>
             </a:r>
             <a:r>
-              <a:rPr lang="en-US" altLang="zh-TW" sz="2200" dirty="0" smtClean="0"/>
+              <a:rPr lang="en-US" altLang="zh-TW" sz="2200" dirty="0"/>
               <a:t>][j] + b[</a:t>
             </a:r>
             <a:r>
-              <a:rPr lang="en-US" altLang="zh-TW" sz="2200" dirty="0" err="1" smtClean="0"/>
+              <a:rPr lang="en-US" altLang="zh-TW" sz="2200" dirty="0" err="1"/>
               <a:t>i</a:t>
             </a:r>
             <a:r>
-              <a:rPr lang="en-US" altLang="zh-TW" sz="2200" dirty="0" smtClean="0"/>
+              <a:rPr lang="en-US" altLang="zh-TW" sz="2200" dirty="0"/>
               <a:t>][j];</a:t>
             </a:r>
             <a:r>
-              <a:rPr lang="en-US" altLang="zh-TW" sz="2000" dirty="0" smtClean="0"/>
+              <a:rPr lang="en-US" altLang="zh-TW" sz="2000" dirty="0"/>
               <a:t> </a:t>
             </a:r>
-            <a:endParaRPr lang="en-US" altLang="zh-TW" sz="1400" dirty="0" smtClean="0"/>
+            <a:endParaRPr lang="en-US" altLang="zh-TW" sz="1400" dirty="0"/>
           </a:p>
           <a:p>
             <a:pPr marL="0" indent="0">
@@ -12611,10 +11641,10 @@
               <a:buNone/>
             </a:pPr>
             <a:r>
-              <a:rPr lang="en-US" altLang="zh-TW" sz="2200" dirty="0" smtClean="0"/>
+              <a:rPr lang="en-US" altLang="zh-TW" sz="2200" dirty="0"/>
               <a:t>        }</a:t>
             </a:r>
-            <a:endParaRPr lang="en-US" altLang="zh-TW" sz="2000" dirty="0" smtClean="0">
+            <a:endParaRPr lang="en-US" altLang="zh-TW" sz="2000" dirty="0">
               <a:solidFill>
                 <a:srgbClr val="FF0000"/>
               </a:solidFill>
@@ -12628,7 +11658,7 @@
               <a:buNone/>
             </a:pPr>
             <a:r>
-              <a:rPr lang="en-US" altLang="zh-TW" sz="2200" dirty="0" smtClean="0"/>
+              <a:rPr lang="en-US" altLang="zh-TW" sz="2200" dirty="0"/>
               <a:t>    }</a:t>
             </a:r>
           </a:p>
@@ -12640,7 +11670,7 @@
               <a:buNone/>
             </a:pPr>
             <a:r>
-              <a:rPr lang="en-US" altLang="zh-TW" sz="2200" dirty="0" smtClean="0"/>
+              <a:rPr lang="en-US" altLang="zh-TW" sz="2200" dirty="0"/>
               <a:t>}</a:t>
             </a:r>
             <a:endParaRPr lang="zh-TW" altLang="en-US" sz="2200" dirty="0"/>
@@ -12676,16 +11706,8 @@
           </a:p>
           <a:p>
             <a:r>
-              <a:rPr lang="en-US" altLang="zh-TW" dirty="0" smtClean="0"/>
-              <a:t>rows=2</a:t>
-            </a:r>
-            <a:r>
-              <a:rPr lang="en-US" altLang="zh-TW" dirty="0"/>
-              <a:t>, </a:t>
-            </a:r>
-            <a:r>
-              <a:rPr lang="en-US" altLang="zh-TW" dirty="0" smtClean="0"/>
-              <a:t>cols=3, count = 0</a:t>
+              <a:rPr lang="en-US" altLang="zh-TW" dirty="0"/>
+              <a:t>rows=2, cols=3, count = 0</a:t>
             </a:r>
             <a:endParaRPr lang="zh-TW" altLang="en-US" dirty="0"/>
           </a:p>
@@ -12762,7 +11784,7 @@
           <a:lstStyle/>
           <a:p>
             <a:r>
-              <a:rPr lang="en-US" altLang="zh-TW" dirty="0" smtClean="0">
+              <a:rPr lang="en-US" altLang="zh-TW" dirty="0">
                 <a:solidFill>
                   <a:srgbClr val="FF0000"/>
                 </a:solidFill>
@@ -12787,13 +11809,6 @@
   <p:clrMapOvr>
     <a:masterClrMapping/>
   </p:clrMapOvr>
-  <p:timing>
-    <p:tnLst>
-      <p:par>
-        <p:cTn id="1" dur="indefinite" restart="never" nodeType="tmRoot"/>
-      </p:par>
-    </p:tnLst>
-  </p:timing>
 </p:sld>
 </file>
 
@@ -12831,11 +11846,7 @@
           <a:p>
             <a:r>
               <a:rPr lang="en-US" altLang="zh-TW" dirty="0"/>
-              <a:t>Program </a:t>
-            </a:r>
-            <a:r>
-              <a:rPr lang="en-US" altLang="zh-TW" dirty="0" smtClean="0"/>
-              <a:t>1.17</a:t>
+              <a:t>Program 1.17</a:t>
             </a:r>
             <a:endParaRPr lang="zh-TW" altLang="en-US" dirty="0"/>
           </a:p>
@@ -12874,11 +11885,7 @@
             </a:r>
             <a:r>
               <a:rPr lang="en-US" altLang="zh-TW" sz="2200" dirty="0"/>
-              <a:t> a[][MAX_SIZE], b[][MAX_SIZE</a:t>
-            </a:r>
-            <a:r>
-              <a:rPr lang="en-US" altLang="zh-TW" sz="2200" dirty="0" smtClean="0"/>
-              <a:t>],</a:t>
+              <a:t> a[][MAX_SIZE], b[][MAX_SIZE],</a:t>
             </a:r>
           </a:p>
           <a:p>
@@ -12889,12 +11896,8 @@
               <a:buNone/>
             </a:pPr>
             <a:r>
-              <a:rPr lang="en-US" altLang="zh-TW" sz="2200" dirty="0" smtClean="0"/>
-              <a:t>              c</a:t>
-            </a:r>
-            <a:r>
-              <a:rPr lang="en-US" altLang="zh-TW" sz="2200" dirty="0"/>
-              <a:t>[][MAX_SIZE], </a:t>
+              <a:rPr lang="en-US" altLang="zh-TW" sz="2200" dirty="0"/>
+              <a:t>              c[][MAX_SIZE], </a:t>
             </a:r>
             <a:r>
               <a:rPr lang="en-US" altLang="zh-TW" sz="2200" dirty="0" err="1"/>
@@ -12965,25 +11968,9 @@
               <a:t>i</a:t>
             </a:r>
             <a:r>
-              <a:rPr lang="en-US" altLang="zh-TW" sz="2200" dirty="0" smtClean="0"/>
+              <a:rPr lang="en-US" altLang="zh-TW" sz="2200" dirty="0"/>
               <a:t>++){</a:t>
             </a:r>
-            <a:r>
-              <a:rPr lang="en-US" altLang="zh-TW" sz="2200" dirty="0" smtClean="0">
-                <a:solidFill>
-                  <a:srgbClr val="FF0000"/>
-                </a:solidFill>
-              </a:rPr>
-              <a:t> </a:t>
-            </a:r>
-          </a:p>
-          <a:p>
-            <a:pPr marL="0" indent="0">
-              <a:lnSpc>
-                <a:spcPct val="70000"/>
-              </a:lnSpc>
-              <a:buNone/>
-            </a:pPr>
             <a:r>
               <a:rPr lang="en-US" altLang="zh-TW" sz="2200" dirty="0">
                 <a:solidFill>
@@ -12992,35 +11979,35 @@
               </a:rPr>
               <a:t> </a:t>
             </a:r>
-            <a:r>
-              <a:rPr lang="en-US" altLang="zh-TW" sz="2200" dirty="0" smtClean="0">
+          </a:p>
+          <a:p>
+            <a:pPr marL="0" indent="0">
+              <a:lnSpc>
+                <a:spcPct val="70000"/>
+              </a:lnSpc>
+              <a:buNone/>
+            </a:pPr>
+            <a:r>
+              <a:rPr lang="en-US" altLang="zh-TW" sz="2200" dirty="0">
                 <a:solidFill>
                   <a:srgbClr val="FF0000"/>
                 </a:solidFill>
               </a:rPr>
-              <a:t>       </a:t>
-            </a:r>
-            <a:r>
-              <a:rPr lang="en-US" altLang="zh-TW" sz="2200" dirty="0" smtClean="0"/>
-              <a:t>for(j </a:t>
-            </a:r>
-            <a:r>
-              <a:rPr lang="en-US" altLang="zh-TW" sz="2200" dirty="0"/>
-              <a:t>= 0;j &lt; cols; </a:t>
-            </a:r>
-            <a:r>
-              <a:rPr lang="en-US" altLang="zh-TW" sz="2200" dirty="0" err="1"/>
-              <a:t>j</a:t>
-            </a:r>
-            <a:r>
-              <a:rPr lang="en-US" altLang="zh-TW" sz="2200" dirty="0" err="1" smtClean="0"/>
-              <a:t>++</a:t>
-            </a:r>
-            <a:r>
-              <a:rPr lang="en-US" altLang="zh-TW" sz="2200" dirty="0" smtClean="0"/>
+              <a:t>        </a:t>
+            </a:r>
+            <a:r>
+              <a:rPr lang="en-US" altLang="zh-TW" sz="2200" dirty="0"/>
+              <a:t>for(j = 0;j &lt; cols; </a:t>
+            </a:r>
+            <a:r>
+              <a:rPr lang="en-US" altLang="zh-TW" sz="2200" dirty="0" err="1"/>
+              <a:t>j++</a:t>
+            </a:r>
+            <a:r>
+              <a:rPr lang="en-US" altLang="zh-TW" sz="2200" dirty="0"/>
               <a:t>){ </a:t>
             </a:r>
-            <a:endParaRPr lang="en-US" altLang="zh-TW" sz="2000" dirty="0" smtClean="0"/>
+            <a:endParaRPr lang="en-US" altLang="zh-TW" sz="2000" dirty="0"/>
           </a:p>
           <a:p>
             <a:pPr marL="0" indent="0">
@@ -13030,38 +12017,38 @@
               <a:buNone/>
             </a:pPr>
             <a:r>
-              <a:rPr lang="en-US" altLang="zh-TW" sz="2200" dirty="0" smtClean="0"/>
+              <a:rPr lang="en-US" altLang="zh-TW" sz="2200" dirty="0"/>
               <a:t>            c[</a:t>
             </a:r>
             <a:r>
-              <a:rPr lang="en-US" altLang="zh-TW" sz="2200" dirty="0" err="1" smtClean="0"/>
+              <a:rPr lang="en-US" altLang="zh-TW" sz="2200" dirty="0" err="1"/>
               <a:t>i</a:t>
             </a:r>
             <a:r>
-              <a:rPr lang="en-US" altLang="zh-TW" sz="2200" dirty="0" smtClean="0"/>
+              <a:rPr lang="en-US" altLang="zh-TW" sz="2200" dirty="0"/>
               <a:t>][j] = a[</a:t>
             </a:r>
             <a:r>
-              <a:rPr lang="en-US" altLang="zh-TW" sz="2200" dirty="0" err="1" smtClean="0"/>
+              <a:rPr lang="en-US" altLang="zh-TW" sz="2200" dirty="0" err="1"/>
               <a:t>i</a:t>
             </a:r>
             <a:r>
-              <a:rPr lang="en-US" altLang="zh-TW" sz="2200" dirty="0" smtClean="0"/>
+              <a:rPr lang="en-US" altLang="zh-TW" sz="2200" dirty="0"/>
               <a:t>][j] + b[</a:t>
             </a:r>
             <a:r>
-              <a:rPr lang="en-US" altLang="zh-TW" sz="2200" dirty="0" err="1" smtClean="0"/>
+              <a:rPr lang="en-US" altLang="zh-TW" sz="2200" dirty="0" err="1"/>
               <a:t>i</a:t>
             </a:r>
             <a:r>
-              <a:rPr lang="en-US" altLang="zh-TW" sz="2200" dirty="0" smtClean="0"/>
+              <a:rPr lang="en-US" altLang="zh-TW" sz="2200" dirty="0"/>
               <a:t>][j];</a:t>
             </a:r>
             <a:r>
-              <a:rPr lang="en-US" altLang="zh-TW" sz="2000" dirty="0" smtClean="0"/>
+              <a:rPr lang="en-US" altLang="zh-TW" sz="2000" dirty="0"/>
               <a:t> </a:t>
             </a:r>
-            <a:endParaRPr lang="en-US" altLang="zh-TW" sz="1400" dirty="0" smtClean="0"/>
+            <a:endParaRPr lang="en-US" altLang="zh-TW" sz="1400" dirty="0"/>
           </a:p>
           <a:p>
             <a:pPr marL="0" indent="0">
@@ -13071,10 +12058,10 @@
               <a:buNone/>
             </a:pPr>
             <a:r>
-              <a:rPr lang="en-US" altLang="zh-TW" sz="2200" dirty="0" smtClean="0"/>
+              <a:rPr lang="en-US" altLang="zh-TW" sz="2200" dirty="0"/>
               <a:t>        }</a:t>
             </a:r>
-            <a:endParaRPr lang="en-US" altLang="zh-TW" sz="2000" dirty="0" smtClean="0">
+            <a:endParaRPr lang="en-US" altLang="zh-TW" sz="2000" dirty="0">
               <a:solidFill>
                 <a:srgbClr val="FF0000"/>
               </a:solidFill>
@@ -13088,7 +12075,7 @@
               <a:buNone/>
             </a:pPr>
             <a:r>
-              <a:rPr lang="en-US" altLang="zh-TW" sz="2200" dirty="0" smtClean="0"/>
+              <a:rPr lang="en-US" altLang="zh-TW" sz="2200" dirty="0"/>
               <a:t>    }</a:t>
             </a:r>
           </a:p>
@@ -13100,7 +12087,7 @@
               <a:buNone/>
             </a:pPr>
             <a:r>
-              <a:rPr lang="en-US" altLang="zh-TW" sz="2200" dirty="0" smtClean="0"/>
+              <a:rPr lang="en-US" altLang="zh-TW" sz="2200" dirty="0"/>
               <a:t>}</a:t>
             </a:r>
             <a:endParaRPr lang="zh-TW" altLang="en-US" sz="2200" dirty="0"/>
@@ -13136,16 +12123,8 @@
           </a:p>
           <a:p>
             <a:r>
-              <a:rPr lang="en-US" altLang="zh-TW" dirty="0" smtClean="0"/>
-              <a:t>rows=2</a:t>
-            </a:r>
-            <a:r>
-              <a:rPr lang="en-US" altLang="zh-TW" dirty="0"/>
-              <a:t>, </a:t>
-            </a:r>
-            <a:r>
-              <a:rPr lang="en-US" altLang="zh-TW" dirty="0" smtClean="0"/>
-              <a:t>cols=3, count = 0</a:t>
+              <a:rPr lang="en-US" altLang="zh-TW" dirty="0"/>
+              <a:t>rows=2, cols=3, count = 0</a:t>
             </a:r>
             <a:endParaRPr lang="zh-TW" altLang="en-US" dirty="0"/>
           </a:p>
@@ -13222,7 +12201,7 @@
           <a:lstStyle/>
           <a:p>
             <a:r>
-              <a:rPr lang="en-US" altLang="zh-TW" dirty="0" smtClean="0">
+              <a:rPr lang="en-US" altLang="zh-TW" dirty="0">
                 <a:solidFill>
                   <a:srgbClr val="FF0000"/>
                 </a:solidFill>
@@ -13247,13 +12226,6 @@
   <p:clrMapOvr>
     <a:masterClrMapping/>
   </p:clrMapOvr>
-  <p:timing>
-    <p:tnLst>
-      <p:par>
-        <p:cTn id="1" dur="indefinite" restart="never" nodeType="tmRoot"/>
-      </p:par>
-    </p:tnLst>
-  </p:timing>
 </p:sld>
 </file>
 
@@ -13291,11 +12263,7 @@
           <a:p>
             <a:r>
               <a:rPr lang="en-US" altLang="zh-TW" dirty="0"/>
-              <a:t>Program </a:t>
-            </a:r>
-            <a:r>
-              <a:rPr lang="en-US" altLang="zh-TW" dirty="0" smtClean="0"/>
-              <a:t>1.17</a:t>
+              <a:t>Program 1.17</a:t>
             </a:r>
             <a:endParaRPr lang="zh-TW" altLang="en-US" dirty="0"/>
           </a:p>
@@ -13334,11 +12302,7 @@
             </a:r>
             <a:r>
               <a:rPr lang="en-US" altLang="zh-TW" sz="2200" dirty="0"/>
-              <a:t> a[][MAX_SIZE], b[][MAX_SIZE</a:t>
-            </a:r>
-            <a:r>
-              <a:rPr lang="en-US" altLang="zh-TW" sz="2200" dirty="0" smtClean="0"/>
-              <a:t>],</a:t>
+              <a:t> a[][MAX_SIZE], b[][MAX_SIZE],</a:t>
             </a:r>
           </a:p>
           <a:p>
@@ -13349,12 +12313,8 @@
               <a:buNone/>
             </a:pPr>
             <a:r>
-              <a:rPr lang="en-US" altLang="zh-TW" sz="2200" dirty="0" smtClean="0"/>
-              <a:t>              c</a:t>
-            </a:r>
-            <a:r>
-              <a:rPr lang="en-US" altLang="zh-TW" sz="2200" dirty="0"/>
-              <a:t>[][MAX_SIZE], </a:t>
+              <a:rPr lang="en-US" altLang="zh-TW" sz="2200" dirty="0"/>
+              <a:t>              c[][MAX_SIZE], </a:t>
             </a:r>
             <a:r>
               <a:rPr lang="en-US" altLang="zh-TW" sz="2200" dirty="0" err="1"/>
@@ -13425,25 +12385,9 @@
               <a:t>i</a:t>
             </a:r>
             <a:r>
-              <a:rPr lang="en-US" altLang="zh-TW" sz="2200" dirty="0" smtClean="0"/>
+              <a:rPr lang="en-US" altLang="zh-TW" sz="2200" dirty="0"/>
               <a:t>++){</a:t>
             </a:r>
-            <a:r>
-              <a:rPr lang="en-US" altLang="zh-TW" sz="2200" dirty="0" smtClean="0">
-                <a:solidFill>
-                  <a:srgbClr val="FF0000"/>
-                </a:solidFill>
-              </a:rPr>
-              <a:t> </a:t>
-            </a:r>
-          </a:p>
-          <a:p>
-            <a:pPr marL="0" indent="0">
-              <a:lnSpc>
-                <a:spcPct val="70000"/>
-              </a:lnSpc>
-              <a:buNone/>
-            </a:pPr>
             <a:r>
               <a:rPr lang="en-US" altLang="zh-TW" sz="2200" dirty="0">
                 <a:solidFill>
@@ -13452,35 +12396,35 @@
               </a:rPr>
               <a:t> </a:t>
             </a:r>
-            <a:r>
-              <a:rPr lang="en-US" altLang="zh-TW" sz="2200" dirty="0" smtClean="0">
+          </a:p>
+          <a:p>
+            <a:pPr marL="0" indent="0">
+              <a:lnSpc>
+                <a:spcPct val="70000"/>
+              </a:lnSpc>
+              <a:buNone/>
+            </a:pPr>
+            <a:r>
+              <a:rPr lang="en-US" altLang="zh-TW" sz="2200" dirty="0">
                 <a:solidFill>
                   <a:srgbClr val="FF0000"/>
                 </a:solidFill>
               </a:rPr>
-              <a:t>       </a:t>
-            </a:r>
-            <a:r>
-              <a:rPr lang="en-US" altLang="zh-TW" sz="2200" dirty="0" smtClean="0"/>
-              <a:t>for(j </a:t>
-            </a:r>
-            <a:r>
-              <a:rPr lang="en-US" altLang="zh-TW" sz="2200" dirty="0"/>
-              <a:t>= 0;j &lt; cols; </a:t>
-            </a:r>
-            <a:r>
-              <a:rPr lang="en-US" altLang="zh-TW" sz="2200" dirty="0" err="1"/>
-              <a:t>j</a:t>
-            </a:r>
-            <a:r>
-              <a:rPr lang="en-US" altLang="zh-TW" sz="2200" dirty="0" err="1" smtClean="0"/>
-              <a:t>++</a:t>
-            </a:r>
-            <a:r>
-              <a:rPr lang="en-US" altLang="zh-TW" sz="2200" dirty="0" smtClean="0"/>
+              <a:t>        </a:t>
+            </a:r>
+            <a:r>
+              <a:rPr lang="en-US" altLang="zh-TW" sz="2200" dirty="0"/>
+              <a:t>for(j = 0;j &lt; cols; </a:t>
+            </a:r>
+            <a:r>
+              <a:rPr lang="en-US" altLang="zh-TW" sz="2200" dirty="0" err="1"/>
+              <a:t>j++</a:t>
+            </a:r>
+            <a:r>
+              <a:rPr lang="en-US" altLang="zh-TW" sz="2200" dirty="0"/>
               <a:t>){ </a:t>
             </a:r>
-            <a:endParaRPr lang="en-US" altLang="zh-TW" sz="2000" dirty="0" smtClean="0"/>
+            <a:endParaRPr lang="en-US" altLang="zh-TW" sz="2000" dirty="0"/>
           </a:p>
           <a:p>
             <a:pPr marL="0" indent="0">
@@ -13490,38 +12434,38 @@
               <a:buNone/>
             </a:pPr>
             <a:r>
-              <a:rPr lang="en-US" altLang="zh-TW" sz="2200" dirty="0" smtClean="0"/>
+              <a:rPr lang="en-US" altLang="zh-TW" sz="2200" dirty="0"/>
               <a:t>            c[</a:t>
             </a:r>
             <a:r>
-              <a:rPr lang="en-US" altLang="zh-TW" sz="2200" dirty="0" err="1" smtClean="0"/>
+              <a:rPr lang="en-US" altLang="zh-TW" sz="2200" dirty="0" err="1"/>
               <a:t>i</a:t>
             </a:r>
             <a:r>
-              <a:rPr lang="en-US" altLang="zh-TW" sz="2200" dirty="0" smtClean="0"/>
+              <a:rPr lang="en-US" altLang="zh-TW" sz="2200" dirty="0"/>
               <a:t>][j] = a[</a:t>
             </a:r>
             <a:r>
-              <a:rPr lang="en-US" altLang="zh-TW" sz="2200" dirty="0" err="1" smtClean="0"/>
+              <a:rPr lang="en-US" altLang="zh-TW" sz="2200" dirty="0" err="1"/>
               <a:t>i</a:t>
             </a:r>
             <a:r>
-              <a:rPr lang="en-US" altLang="zh-TW" sz="2200" dirty="0" smtClean="0"/>
+              <a:rPr lang="en-US" altLang="zh-TW" sz="2200" dirty="0"/>
               <a:t>][j] + b[</a:t>
             </a:r>
             <a:r>
-              <a:rPr lang="en-US" altLang="zh-TW" sz="2200" dirty="0" err="1" smtClean="0"/>
+              <a:rPr lang="en-US" altLang="zh-TW" sz="2200" dirty="0" err="1"/>
               <a:t>i</a:t>
             </a:r>
             <a:r>
-              <a:rPr lang="en-US" altLang="zh-TW" sz="2200" dirty="0" smtClean="0"/>
+              <a:rPr lang="en-US" altLang="zh-TW" sz="2200" dirty="0"/>
               <a:t>][j];</a:t>
             </a:r>
             <a:r>
-              <a:rPr lang="en-US" altLang="zh-TW" sz="2000" dirty="0" smtClean="0"/>
+              <a:rPr lang="en-US" altLang="zh-TW" sz="2000" dirty="0"/>
               <a:t> </a:t>
             </a:r>
-            <a:endParaRPr lang="en-US" altLang="zh-TW" sz="1400" dirty="0" smtClean="0"/>
+            <a:endParaRPr lang="en-US" altLang="zh-TW" sz="1400" dirty="0"/>
           </a:p>
           <a:p>
             <a:pPr marL="0" indent="0">
@@ -13531,10 +12475,10 @@
               <a:buNone/>
             </a:pPr>
             <a:r>
-              <a:rPr lang="en-US" altLang="zh-TW" sz="2200" dirty="0" smtClean="0"/>
+              <a:rPr lang="en-US" altLang="zh-TW" sz="2200" dirty="0"/>
               <a:t>        }</a:t>
             </a:r>
-            <a:endParaRPr lang="en-US" altLang="zh-TW" sz="2000" dirty="0" smtClean="0">
+            <a:endParaRPr lang="en-US" altLang="zh-TW" sz="2000" dirty="0">
               <a:solidFill>
                 <a:srgbClr val="FF0000"/>
               </a:solidFill>
@@ -13548,7 +12492,7 @@
               <a:buNone/>
             </a:pPr>
             <a:r>
-              <a:rPr lang="en-US" altLang="zh-TW" sz="2200" dirty="0" smtClean="0"/>
+              <a:rPr lang="en-US" altLang="zh-TW" sz="2200" dirty="0"/>
               <a:t>    }</a:t>
             </a:r>
           </a:p>
@@ -13560,7 +12504,7 @@
               <a:buNone/>
             </a:pPr>
             <a:r>
-              <a:rPr lang="en-US" altLang="zh-TW" sz="2200" dirty="0" smtClean="0"/>
+              <a:rPr lang="en-US" altLang="zh-TW" sz="2200" dirty="0"/>
               <a:t>}</a:t>
             </a:r>
             <a:endParaRPr lang="zh-TW" altLang="en-US" sz="2200" dirty="0"/>
@@ -13596,16 +12540,8 @@
           </a:p>
           <a:p>
             <a:r>
-              <a:rPr lang="en-US" altLang="zh-TW" dirty="0" smtClean="0"/>
-              <a:t>rows=2</a:t>
-            </a:r>
-            <a:r>
-              <a:rPr lang="en-US" altLang="zh-TW" dirty="0"/>
-              <a:t>, </a:t>
-            </a:r>
-            <a:r>
-              <a:rPr lang="en-US" altLang="zh-TW" dirty="0" smtClean="0"/>
-              <a:t>cols=3, count = 0</a:t>
+              <a:rPr lang="en-US" altLang="zh-TW" dirty="0"/>
+              <a:t>rows=2, cols=3, count = 0</a:t>
             </a:r>
             <a:endParaRPr lang="zh-TW" altLang="en-US" dirty="0"/>
           </a:p>
@@ -13682,7 +12618,7 @@
           <a:lstStyle/>
           <a:p>
             <a:r>
-              <a:rPr lang="en-US" altLang="zh-TW" dirty="0" err="1" smtClean="0">
+              <a:rPr lang="en-US" altLang="zh-TW" dirty="0" err="1">
                 <a:solidFill>
                   <a:srgbClr val="FF0000"/>
                 </a:solidFill>
@@ -13690,7 +12626,7 @@
               <a:t>i</a:t>
             </a:r>
             <a:r>
-              <a:rPr lang="en-US" altLang="zh-TW" dirty="0" smtClean="0">
+              <a:rPr lang="en-US" altLang="zh-TW" dirty="0">
                 <a:solidFill>
                   <a:srgbClr val="FF0000"/>
                 </a:solidFill>
@@ -13715,13 +12651,6 @@
   <p:clrMapOvr>
     <a:masterClrMapping/>
   </p:clrMapOvr>
-  <p:timing>
-    <p:tnLst>
-      <p:par>
-        <p:cTn id="1" dur="indefinite" restart="never" nodeType="tmRoot"/>
-      </p:par>
-    </p:tnLst>
-  </p:timing>
 </p:sld>
 </file>
 
@@ -13759,11 +12688,7 @@
           <a:p>
             <a:r>
               <a:rPr lang="en-US" altLang="zh-TW" dirty="0"/>
-              <a:t>Program </a:t>
-            </a:r>
-            <a:r>
-              <a:rPr lang="en-US" altLang="zh-TW" dirty="0" smtClean="0"/>
-              <a:t>1.17</a:t>
+              <a:t>Program 1.17</a:t>
             </a:r>
             <a:endParaRPr lang="zh-TW" altLang="en-US" dirty="0"/>
           </a:p>
@@ -13802,11 +12727,7 @@
             </a:r>
             <a:r>
               <a:rPr lang="en-US" altLang="zh-TW" sz="2200" dirty="0"/>
-              <a:t> a[][MAX_SIZE], b[][MAX_SIZE</a:t>
-            </a:r>
-            <a:r>
-              <a:rPr lang="en-US" altLang="zh-TW" sz="2200" dirty="0" smtClean="0"/>
-              <a:t>],</a:t>
+              <a:t> a[][MAX_SIZE], b[][MAX_SIZE],</a:t>
             </a:r>
           </a:p>
           <a:p>
@@ -13817,12 +12738,8 @@
               <a:buNone/>
             </a:pPr>
             <a:r>
-              <a:rPr lang="en-US" altLang="zh-TW" sz="2200" dirty="0" smtClean="0"/>
-              <a:t>              c</a:t>
-            </a:r>
-            <a:r>
-              <a:rPr lang="en-US" altLang="zh-TW" sz="2200" dirty="0"/>
-              <a:t>[][MAX_SIZE], </a:t>
+              <a:rPr lang="en-US" altLang="zh-TW" sz="2200" dirty="0"/>
+              <a:t>              c[][MAX_SIZE], </a:t>
             </a:r>
             <a:r>
               <a:rPr lang="en-US" altLang="zh-TW" sz="2200" dirty="0" err="1"/>
@@ -13893,25 +12810,9 @@
               <a:t>i</a:t>
             </a:r>
             <a:r>
-              <a:rPr lang="en-US" altLang="zh-TW" sz="2200" dirty="0" smtClean="0"/>
+              <a:rPr lang="en-US" altLang="zh-TW" sz="2200" dirty="0"/>
               <a:t>++){</a:t>
             </a:r>
-            <a:r>
-              <a:rPr lang="en-US" altLang="zh-TW" sz="2200" dirty="0" smtClean="0">
-                <a:solidFill>
-                  <a:srgbClr val="FF0000"/>
-                </a:solidFill>
-              </a:rPr>
-              <a:t> </a:t>
-            </a:r>
-          </a:p>
-          <a:p>
-            <a:pPr marL="0" indent="0">
-              <a:lnSpc>
-                <a:spcPct val="70000"/>
-              </a:lnSpc>
-              <a:buNone/>
-            </a:pPr>
             <a:r>
               <a:rPr lang="en-US" altLang="zh-TW" sz="2200" dirty="0">
                 <a:solidFill>
@@ -13920,35 +12821,35 @@
               </a:rPr>
               <a:t> </a:t>
             </a:r>
-            <a:r>
-              <a:rPr lang="en-US" altLang="zh-TW" sz="2200" dirty="0" smtClean="0">
+          </a:p>
+          <a:p>
+            <a:pPr marL="0" indent="0">
+              <a:lnSpc>
+                <a:spcPct val="70000"/>
+              </a:lnSpc>
+              <a:buNone/>
+            </a:pPr>
+            <a:r>
+              <a:rPr lang="en-US" altLang="zh-TW" sz="2200" dirty="0">
                 <a:solidFill>
                   <a:srgbClr val="FF0000"/>
                 </a:solidFill>
               </a:rPr>
-              <a:t>       </a:t>
-            </a:r>
-            <a:r>
-              <a:rPr lang="en-US" altLang="zh-TW" sz="2200" dirty="0" smtClean="0"/>
-              <a:t>for(j </a:t>
-            </a:r>
-            <a:r>
-              <a:rPr lang="en-US" altLang="zh-TW" sz="2200" dirty="0"/>
-              <a:t>= 0;j &lt; cols; </a:t>
-            </a:r>
-            <a:r>
-              <a:rPr lang="en-US" altLang="zh-TW" sz="2200" dirty="0" err="1"/>
-              <a:t>j</a:t>
-            </a:r>
-            <a:r>
-              <a:rPr lang="en-US" altLang="zh-TW" sz="2200" dirty="0" err="1" smtClean="0"/>
-              <a:t>++</a:t>
-            </a:r>
-            <a:r>
-              <a:rPr lang="en-US" altLang="zh-TW" sz="2200" dirty="0" smtClean="0"/>
+              <a:t>        </a:t>
+            </a:r>
+            <a:r>
+              <a:rPr lang="en-US" altLang="zh-TW" sz="2200" dirty="0"/>
+              <a:t>for(j = 0;j &lt; cols; </a:t>
+            </a:r>
+            <a:r>
+              <a:rPr lang="en-US" altLang="zh-TW" sz="2200" dirty="0" err="1"/>
+              <a:t>j++</a:t>
+            </a:r>
+            <a:r>
+              <a:rPr lang="en-US" altLang="zh-TW" sz="2200" dirty="0"/>
               <a:t>){ </a:t>
             </a:r>
-            <a:endParaRPr lang="en-US" altLang="zh-TW" sz="2000" dirty="0" smtClean="0"/>
+            <a:endParaRPr lang="en-US" altLang="zh-TW" sz="2000" dirty="0"/>
           </a:p>
           <a:p>
             <a:pPr marL="0" indent="0">
@@ -13958,38 +12859,38 @@
               <a:buNone/>
             </a:pPr>
             <a:r>
-              <a:rPr lang="en-US" altLang="zh-TW" sz="2200" dirty="0" smtClean="0"/>
+              <a:rPr lang="en-US" altLang="zh-TW" sz="2200" dirty="0"/>
               <a:t>            c[</a:t>
             </a:r>
             <a:r>
-              <a:rPr lang="en-US" altLang="zh-TW" sz="2200" dirty="0" err="1" smtClean="0"/>
+              <a:rPr lang="en-US" altLang="zh-TW" sz="2200" dirty="0" err="1"/>
               <a:t>i</a:t>
             </a:r>
             <a:r>
-              <a:rPr lang="en-US" altLang="zh-TW" sz="2200" dirty="0" smtClean="0"/>
+              <a:rPr lang="en-US" altLang="zh-TW" sz="2200" dirty="0"/>
               <a:t>][j] = a[</a:t>
             </a:r>
             <a:r>
-              <a:rPr lang="en-US" altLang="zh-TW" sz="2200" dirty="0" err="1" smtClean="0"/>
+              <a:rPr lang="en-US" altLang="zh-TW" sz="2200" dirty="0" err="1"/>
               <a:t>i</a:t>
             </a:r>
             <a:r>
-              <a:rPr lang="en-US" altLang="zh-TW" sz="2200" dirty="0" smtClean="0"/>
+              <a:rPr lang="en-US" altLang="zh-TW" sz="2200" dirty="0"/>
               <a:t>][j] + b[</a:t>
             </a:r>
             <a:r>
-              <a:rPr lang="en-US" altLang="zh-TW" sz="2200" dirty="0" err="1" smtClean="0"/>
+              <a:rPr lang="en-US" altLang="zh-TW" sz="2200" dirty="0" err="1"/>
               <a:t>i</a:t>
             </a:r>
             <a:r>
-              <a:rPr lang="en-US" altLang="zh-TW" sz="2200" dirty="0" smtClean="0"/>
+              <a:rPr lang="en-US" altLang="zh-TW" sz="2200" dirty="0"/>
               <a:t>][j];</a:t>
             </a:r>
             <a:r>
-              <a:rPr lang="en-US" altLang="zh-TW" sz="2000" dirty="0" smtClean="0"/>
+              <a:rPr lang="en-US" altLang="zh-TW" sz="2000" dirty="0"/>
               <a:t> </a:t>
             </a:r>
-            <a:endParaRPr lang="en-US" altLang="zh-TW" sz="1400" dirty="0" smtClean="0"/>
+            <a:endParaRPr lang="en-US" altLang="zh-TW" sz="1400" dirty="0"/>
           </a:p>
           <a:p>
             <a:pPr marL="0" indent="0">
@@ -13999,10 +12900,10 @@
               <a:buNone/>
             </a:pPr>
             <a:r>
-              <a:rPr lang="en-US" altLang="zh-TW" sz="2200" dirty="0" smtClean="0"/>
+              <a:rPr lang="en-US" altLang="zh-TW" sz="2200" dirty="0"/>
               <a:t>        }</a:t>
             </a:r>
-            <a:endParaRPr lang="en-US" altLang="zh-TW" sz="2000" dirty="0" smtClean="0">
+            <a:endParaRPr lang="en-US" altLang="zh-TW" sz="2000" dirty="0">
               <a:solidFill>
                 <a:srgbClr val="FF0000"/>
               </a:solidFill>
@@ -14016,7 +12917,7 @@
               <a:buNone/>
             </a:pPr>
             <a:r>
-              <a:rPr lang="en-US" altLang="zh-TW" sz="2200" dirty="0" smtClean="0"/>
+              <a:rPr lang="en-US" altLang="zh-TW" sz="2200" dirty="0"/>
               <a:t>    }</a:t>
             </a:r>
           </a:p>
@@ -14028,7 +12929,7 @@
               <a:buNone/>
             </a:pPr>
             <a:r>
-              <a:rPr lang="en-US" altLang="zh-TW" sz="2200" dirty="0" smtClean="0"/>
+              <a:rPr lang="en-US" altLang="zh-TW" sz="2200" dirty="0"/>
               <a:t>}</a:t>
             </a:r>
             <a:endParaRPr lang="zh-TW" altLang="en-US" sz="2200" dirty="0"/>
@@ -14064,16 +12965,8 @@
           </a:p>
           <a:p>
             <a:r>
-              <a:rPr lang="en-US" altLang="zh-TW" dirty="0" smtClean="0"/>
-              <a:t>rows=2</a:t>
-            </a:r>
-            <a:r>
-              <a:rPr lang="en-US" altLang="zh-TW" dirty="0"/>
-              <a:t>, </a:t>
-            </a:r>
-            <a:r>
-              <a:rPr lang="en-US" altLang="zh-TW" dirty="0" smtClean="0"/>
-              <a:t>cols=3, count = 0</a:t>
+              <a:rPr lang="en-US" altLang="zh-TW" dirty="0"/>
+              <a:t>rows=2, cols=3, count = 0</a:t>
             </a:r>
             <a:endParaRPr lang="zh-TW" altLang="en-US" dirty="0"/>
           </a:p>
@@ -14150,7 +13043,7 @@
           <a:lstStyle/>
           <a:p>
             <a:r>
-              <a:rPr lang="en-US" altLang="zh-TW" dirty="0" smtClean="0">
+              <a:rPr lang="en-US" altLang="zh-TW" dirty="0">
                 <a:solidFill>
                   <a:srgbClr val="FF0000"/>
                 </a:solidFill>
@@ -14175,13 +13068,6 @@
   <p:clrMapOvr>
     <a:masterClrMapping/>
   </p:clrMapOvr>
-  <p:timing>
-    <p:tnLst>
-      <p:par>
-        <p:cTn id="1" dur="indefinite" restart="never" nodeType="tmRoot"/>
-      </p:par>
-    </p:tnLst>
-  </p:timing>
 </p:sld>
 </file>
 
@@ -14219,11 +13105,7 @@
           <a:p>
             <a:r>
               <a:rPr lang="en-US" altLang="zh-TW" dirty="0"/>
-              <a:t>Program </a:t>
-            </a:r>
-            <a:r>
-              <a:rPr lang="en-US" altLang="zh-TW" dirty="0" smtClean="0"/>
-              <a:t>1.17</a:t>
+              <a:t>Program 1.17</a:t>
             </a:r>
             <a:endParaRPr lang="zh-TW" altLang="en-US" dirty="0"/>
           </a:p>
@@ -14262,11 +13144,7 @@
             </a:r>
             <a:r>
               <a:rPr lang="en-US" altLang="zh-TW" sz="2200" dirty="0"/>
-              <a:t> a[][MAX_SIZE], b[][MAX_SIZE</a:t>
-            </a:r>
-            <a:r>
-              <a:rPr lang="en-US" altLang="zh-TW" sz="2200" dirty="0" smtClean="0"/>
-              <a:t>],</a:t>
+              <a:t> a[][MAX_SIZE], b[][MAX_SIZE],</a:t>
             </a:r>
           </a:p>
           <a:p>
@@ -14277,12 +13155,8 @@
               <a:buNone/>
             </a:pPr>
             <a:r>
-              <a:rPr lang="en-US" altLang="zh-TW" sz="2200" dirty="0" smtClean="0"/>
-              <a:t>              c</a:t>
-            </a:r>
-            <a:r>
-              <a:rPr lang="en-US" altLang="zh-TW" sz="2200" dirty="0"/>
-              <a:t>[][MAX_SIZE], </a:t>
+              <a:rPr lang="en-US" altLang="zh-TW" sz="2200" dirty="0"/>
+              <a:t>              c[][MAX_SIZE], </a:t>
             </a:r>
             <a:r>
               <a:rPr lang="en-US" altLang="zh-TW" sz="2200" dirty="0" err="1"/>
@@ -14353,25 +13227,9 @@
               <a:t>i</a:t>
             </a:r>
             <a:r>
-              <a:rPr lang="en-US" altLang="zh-TW" sz="2200" dirty="0" smtClean="0"/>
+              <a:rPr lang="en-US" altLang="zh-TW" sz="2200" dirty="0"/>
               <a:t>++){</a:t>
             </a:r>
-            <a:r>
-              <a:rPr lang="en-US" altLang="zh-TW" sz="2200" dirty="0" smtClean="0">
-                <a:solidFill>
-                  <a:srgbClr val="FF0000"/>
-                </a:solidFill>
-              </a:rPr>
-              <a:t> </a:t>
-            </a:r>
-          </a:p>
-          <a:p>
-            <a:pPr marL="0" indent="0">
-              <a:lnSpc>
-                <a:spcPct val="70000"/>
-              </a:lnSpc>
-              <a:buNone/>
-            </a:pPr>
             <a:r>
               <a:rPr lang="en-US" altLang="zh-TW" sz="2200" dirty="0">
                 <a:solidFill>
@@ -14380,35 +13238,35 @@
               </a:rPr>
               <a:t> </a:t>
             </a:r>
-            <a:r>
-              <a:rPr lang="en-US" altLang="zh-TW" sz="2200" dirty="0" smtClean="0">
+          </a:p>
+          <a:p>
+            <a:pPr marL="0" indent="0">
+              <a:lnSpc>
+                <a:spcPct val="70000"/>
+              </a:lnSpc>
+              <a:buNone/>
+            </a:pPr>
+            <a:r>
+              <a:rPr lang="en-US" altLang="zh-TW" sz="2200" dirty="0">
                 <a:solidFill>
                   <a:srgbClr val="FF0000"/>
                 </a:solidFill>
               </a:rPr>
-              <a:t>       </a:t>
-            </a:r>
-            <a:r>
-              <a:rPr lang="en-US" altLang="zh-TW" sz="2200" dirty="0" smtClean="0"/>
-              <a:t>for(j </a:t>
-            </a:r>
-            <a:r>
-              <a:rPr lang="en-US" altLang="zh-TW" sz="2200" dirty="0"/>
-              <a:t>= 0;j &lt; cols; </a:t>
-            </a:r>
-            <a:r>
-              <a:rPr lang="en-US" altLang="zh-TW" sz="2200" dirty="0" err="1"/>
-              <a:t>j</a:t>
-            </a:r>
-            <a:r>
-              <a:rPr lang="en-US" altLang="zh-TW" sz="2200" dirty="0" err="1" smtClean="0"/>
-              <a:t>++</a:t>
-            </a:r>
-            <a:r>
-              <a:rPr lang="en-US" altLang="zh-TW" sz="2200" dirty="0" smtClean="0"/>
+              <a:t>        </a:t>
+            </a:r>
+            <a:r>
+              <a:rPr lang="en-US" altLang="zh-TW" sz="2200" dirty="0"/>
+              <a:t>for(j = 0;j &lt; cols; </a:t>
+            </a:r>
+            <a:r>
+              <a:rPr lang="en-US" altLang="zh-TW" sz="2200" dirty="0" err="1"/>
+              <a:t>j++</a:t>
+            </a:r>
+            <a:r>
+              <a:rPr lang="en-US" altLang="zh-TW" sz="2200" dirty="0"/>
               <a:t>){ </a:t>
             </a:r>
-            <a:endParaRPr lang="en-US" altLang="zh-TW" sz="2000" dirty="0" smtClean="0"/>
+            <a:endParaRPr lang="en-US" altLang="zh-TW" sz="2000" dirty="0"/>
           </a:p>
           <a:p>
             <a:pPr marL="0" indent="0">
@@ -14418,38 +13276,38 @@
               <a:buNone/>
             </a:pPr>
             <a:r>
-              <a:rPr lang="en-US" altLang="zh-TW" sz="2200" dirty="0" smtClean="0"/>
+              <a:rPr lang="en-US" altLang="zh-TW" sz="2200" dirty="0"/>
               <a:t>            c[</a:t>
             </a:r>
             <a:r>
-              <a:rPr lang="en-US" altLang="zh-TW" sz="2200" dirty="0" err="1" smtClean="0"/>
+              <a:rPr lang="en-US" altLang="zh-TW" sz="2200" dirty="0" err="1"/>
               <a:t>i</a:t>
             </a:r>
             <a:r>
-              <a:rPr lang="en-US" altLang="zh-TW" sz="2200" dirty="0" smtClean="0"/>
+              <a:rPr lang="en-US" altLang="zh-TW" sz="2200" dirty="0"/>
               <a:t>][j] = a[</a:t>
             </a:r>
             <a:r>
-              <a:rPr lang="en-US" altLang="zh-TW" sz="2200" dirty="0" err="1" smtClean="0"/>
+              <a:rPr lang="en-US" altLang="zh-TW" sz="2200" dirty="0" err="1"/>
               <a:t>i</a:t>
             </a:r>
             <a:r>
-              <a:rPr lang="en-US" altLang="zh-TW" sz="2200" dirty="0" smtClean="0"/>
+              <a:rPr lang="en-US" altLang="zh-TW" sz="2200" dirty="0"/>
               <a:t>][j] + b[</a:t>
             </a:r>
             <a:r>
-              <a:rPr lang="en-US" altLang="zh-TW" sz="2200" dirty="0" err="1" smtClean="0"/>
+              <a:rPr lang="en-US" altLang="zh-TW" sz="2200" dirty="0" err="1"/>
               <a:t>i</a:t>
             </a:r>
             <a:r>
-              <a:rPr lang="en-US" altLang="zh-TW" sz="2200" dirty="0" smtClean="0"/>
+              <a:rPr lang="en-US" altLang="zh-TW" sz="2200" dirty="0"/>
               <a:t>][j];</a:t>
             </a:r>
             <a:r>
-              <a:rPr lang="en-US" altLang="zh-TW" sz="2000" dirty="0" smtClean="0"/>
+              <a:rPr lang="en-US" altLang="zh-TW" sz="2000" dirty="0"/>
               <a:t> </a:t>
             </a:r>
-            <a:endParaRPr lang="en-US" altLang="zh-TW" sz="1400" dirty="0" smtClean="0"/>
+            <a:endParaRPr lang="en-US" altLang="zh-TW" sz="1400" dirty="0"/>
           </a:p>
           <a:p>
             <a:pPr marL="0" indent="0">
@@ -14459,10 +13317,10 @@
               <a:buNone/>
             </a:pPr>
             <a:r>
-              <a:rPr lang="en-US" altLang="zh-TW" sz="2200" dirty="0" smtClean="0"/>
+              <a:rPr lang="en-US" altLang="zh-TW" sz="2200" dirty="0"/>
               <a:t>        }</a:t>
             </a:r>
-            <a:endParaRPr lang="en-US" altLang="zh-TW" sz="2000" dirty="0" smtClean="0">
+            <a:endParaRPr lang="en-US" altLang="zh-TW" sz="2000" dirty="0">
               <a:solidFill>
                 <a:srgbClr val="FF0000"/>
               </a:solidFill>
@@ -14476,7 +13334,7 @@
               <a:buNone/>
             </a:pPr>
             <a:r>
-              <a:rPr lang="en-US" altLang="zh-TW" sz="2200" dirty="0" smtClean="0"/>
+              <a:rPr lang="en-US" altLang="zh-TW" sz="2200" dirty="0"/>
               <a:t>    }</a:t>
             </a:r>
           </a:p>
@@ -14488,7 +13346,7 @@
               <a:buNone/>
             </a:pPr>
             <a:r>
-              <a:rPr lang="en-US" altLang="zh-TW" sz="2200" dirty="0" smtClean="0"/>
+              <a:rPr lang="en-US" altLang="zh-TW" sz="2200" dirty="0"/>
               <a:t>}</a:t>
             </a:r>
             <a:endParaRPr lang="zh-TW" altLang="en-US" sz="2200" dirty="0"/>
@@ -14524,16 +13382,8 @@
           </a:p>
           <a:p>
             <a:r>
-              <a:rPr lang="en-US" altLang="zh-TW" dirty="0" smtClean="0"/>
-              <a:t>rows=2</a:t>
-            </a:r>
-            <a:r>
-              <a:rPr lang="en-US" altLang="zh-TW" dirty="0"/>
-              <a:t>, </a:t>
-            </a:r>
-            <a:r>
-              <a:rPr lang="en-US" altLang="zh-TW" dirty="0" smtClean="0"/>
-              <a:t>cols=3, count = 0</a:t>
+              <a:rPr lang="en-US" altLang="zh-TW" dirty="0"/>
+              <a:t>rows=2, cols=3, count = 0</a:t>
             </a:r>
             <a:endParaRPr lang="zh-TW" altLang="en-US" dirty="0"/>
           </a:p>
@@ -14610,7 +13460,7 @@
           <a:lstStyle/>
           <a:p>
             <a:r>
-              <a:rPr lang="en-US" altLang="zh-TW" dirty="0" smtClean="0">
+              <a:rPr lang="en-US" altLang="zh-TW" dirty="0">
                 <a:solidFill>
                   <a:srgbClr val="FF0000"/>
                 </a:solidFill>
@@ -14635,13 +13485,6 @@
   <p:clrMapOvr>
     <a:masterClrMapping/>
   </p:clrMapOvr>
-  <p:timing>
-    <p:tnLst>
-      <p:par>
-        <p:cTn id="1" dur="indefinite" restart="never" nodeType="tmRoot"/>
-      </p:par>
-    </p:tnLst>
-  </p:timing>
 </p:sld>
 </file>
 
@@ -14679,11 +13522,7 @@
           <a:p>
             <a:r>
               <a:rPr lang="en-US" altLang="zh-TW" dirty="0"/>
-              <a:t>Program </a:t>
-            </a:r>
-            <a:r>
-              <a:rPr lang="en-US" altLang="zh-TW" dirty="0" smtClean="0"/>
-              <a:t>1.17</a:t>
+              <a:t>Program 1.17</a:t>
             </a:r>
             <a:endParaRPr lang="zh-TW" altLang="en-US" dirty="0"/>
           </a:p>
@@ -14722,11 +13561,7 @@
             </a:r>
             <a:r>
               <a:rPr lang="en-US" altLang="zh-TW" sz="2200" dirty="0"/>
-              <a:t> a[][MAX_SIZE], b[][MAX_SIZE</a:t>
-            </a:r>
-            <a:r>
-              <a:rPr lang="en-US" altLang="zh-TW" sz="2200" dirty="0" smtClean="0"/>
-              <a:t>],</a:t>
+              <a:t> a[][MAX_SIZE], b[][MAX_SIZE],</a:t>
             </a:r>
           </a:p>
           <a:p>
@@ -14737,12 +13572,8 @@
               <a:buNone/>
             </a:pPr>
             <a:r>
-              <a:rPr lang="en-US" altLang="zh-TW" sz="2200" dirty="0" smtClean="0"/>
-              <a:t>              c</a:t>
-            </a:r>
-            <a:r>
-              <a:rPr lang="en-US" altLang="zh-TW" sz="2200" dirty="0"/>
-              <a:t>[][MAX_SIZE], </a:t>
+              <a:rPr lang="en-US" altLang="zh-TW" sz="2200" dirty="0"/>
+              <a:t>              c[][MAX_SIZE], </a:t>
             </a:r>
             <a:r>
               <a:rPr lang="en-US" altLang="zh-TW" sz="2200" dirty="0" err="1"/>
@@ -14813,25 +13644,9 @@
               <a:t>i</a:t>
             </a:r>
             <a:r>
-              <a:rPr lang="en-US" altLang="zh-TW" sz="2200" dirty="0" smtClean="0"/>
+              <a:rPr lang="en-US" altLang="zh-TW" sz="2200" dirty="0"/>
               <a:t>++){</a:t>
             </a:r>
-            <a:r>
-              <a:rPr lang="en-US" altLang="zh-TW" sz="2200" dirty="0" smtClean="0">
-                <a:solidFill>
-                  <a:srgbClr val="FF0000"/>
-                </a:solidFill>
-              </a:rPr>
-              <a:t> </a:t>
-            </a:r>
-          </a:p>
-          <a:p>
-            <a:pPr marL="0" indent="0">
-              <a:lnSpc>
-                <a:spcPct val="70000"/>
-              </a:lnSpc>
-              <a:buNone/>
-            </a:pPr>
             <a:r>
               <a:rPr lang="en-US" altLang="zh-TW" sz="2200" dirty="0">
                 <a:solidFill>
@@ -14840,35 +13655,35 @@
               </a:rPr>
               <a:t> </a:t>
             </a:r>
-            <a:r>
-              <a:rPr lang="en-US" altLang="zh-TW" sz="2200" dirty="0" smtClean="0">
+          </a:p>
+          <a:p>
+            <a:pPr marL="0" indent="0">
+              <a:lnSpc>
+                <a:spcPct val="70000"/>
+              </a:lnSpc>
+              <a:buNone/>
+            </a:pPr>
+            <a:r>
+              <a:rPr lang="en-US" altLang="zh-TW" sz="2200" dirty="0">
                 <a:solidFill>
                   <a:srgbClr val="FF0000"/>
                 </a:solidFill>
               </a:rPr>
-              <a:t>       </a:t>
-            </a:r>
-            <a:r>
-              <a:rPr lang="en-US" altLang="zh-TW" sz="2200" dirty="0" smtClean="0"/>
-              <a:t>for(j </a:t>
-            </a:r>
-            <a:r>
-              <a:rPr lang="en-US" altLang="zh-TW" sz="2200" dirty="0"/>
-              <a:t>= 0;j &lt; cols; </a:t>
-            </a:r>
-            <a:r>
-              <a:rPr lang="en-US" altLang="zh-TW" sz="2200" dirty="0" err="1"/>
-              <a:t>j</a:t>
-            </a:r>
-            <a:r>
-              <a:rPr lang="en-US" altLang="zh-TW" sz="2200" dirty="0" err="1" smtClean="0"/>
-              <a:t>++</a:t>
-            </a:r>
-            <a:r>
-              <a:rPr lang="en-US" altLang="zh-TW" sz="2200" dirty="0" smtClean="0"/>
+              <a:t>        </a:t>
+            </a:r>
+            <a:r>
+              <a:rPr lang="en-US" altLang="zh-TW" sz="2200" dirty="0"/>
+              <a:t>for(j = 0;j &lt; cols; </a:t>
+            </a:r>
+            <a:r>
+              <a:rPr lang="en-US" altLang="zh-TW" sz="2200" dirty="0" err="1"/>
+              <a:t>j++</a:t>
+            </a:r>
+            <a:r>
+              <a:rPr lang="en-US" altLang="zh-TW" sz="2200" dirty="0"/>
               <a:t>){ </a:t>
             </a:r>
-            <a:endParaRPr lang="en-US" altLang="zh-TW" sz="2000" dirty="0" smtClean="0"/>
+            <a:endParaRPr lang="en-US" altLang="zh-TW" sz="2000" dirty="0"/>
           </a:p>
           <a:p>
             <a:pPr marL="0" indent="0">
@@ -14878,38 +13693,38 @@
               <a:buNone/>
             </a:pPr>
             <a:r>
-              <a:rPr lang="en-US" altLang="zh-TW" sz="2200" dirty="0" smtClean="0"/>
+              <a:rPr lang="en-US" altLang="zh-TW" sz="2200" dirty="0"/>
               <a:t>            c[</a:t>
             </a:r>
             <a:r>
-              <a:rPr lang="en-US" altLang="zh-TW" sz="2200" dirty="0" err="1" smtClean="0"/>
+              <a:rPr lang="en-US" altLang="zh-TW" sz="2200" dirty="0" err="1"/>
               <a:t>i</a:t>
             </a:r>
             <a:r>
-              <a:rPr lang="en-US" altLang="zh-TW" sz="2200" dirty="0" smtClean="0"/>
+              <a:rPr lang="en-US" altLang="zh-TW" sz="2200" dirty="0"/>
               <a:t>][j] = a[</a:t>
             </a:r>
             <a:r>
-              <a:rPr lang="en-US" altLang="zh-TW" sz="2200" dirty="0" err="1" smtClean="0"/>
+              <a:rPr lang="en-US" altLang="zh-TW" sz="2200" dirty="0" err="1"/>
               <a:t>i</a:t>
             </a:r>
             <a:r>
-              <a:rPr lang="en-US" altLang="zh-TW" sz="2200" dirty="0" smtClean="0"/>
+              <a:rPr lang="en-US" altLang="zh-TW" sz="2200" dirty="0"/>
               <a:t>][j] + b[</a:t>
             </a:r>
             <a:r>
-              <a:rPr lang="en-US" altLang="zh-TW" sz="2200" dirty="0" err="1" smtClean="0"/>
+              <a:rPr lang="en-US" altLang="zh-TW" sz="2200" dirty="0" err="1"/>
               <a:t>i</a:t>
             </a:r>
             <a:r>
-              <a:rPr lang="en-US" altLang="zh-TW" sz="2200" dirty="0" smtClean="0"/>
+              <a:rPr lang="en-US" altLang="zh-TW" sz="2200" dirty="0"/>
               <a:t>][j];</a:t>
             </a:r>
             <a:r>
-              <a:rPr lang="en-US" altLang="zh-TW" sz="2000" dirty="0" smtClean="0"/>
+              <a:rPr lang="en-US" altLang="zh-TW" sz="2000" dirty="0"/>
               <a:t> </a:t>
             </a:r>
-            <a:endParaRPr lang="en-US" altLang="zh-TW" sz="1400" dirty="0" smtClean="0"/>
+            <a:endParaRPr lang="en-US" altLang="zh-TW" sz="1400" dirty="0"/>
           </a:p>
           <a:p>
             <a:pPr marL="0" indent="0">
@@ -14919,10 +13734,10 @@
               <a:buNone/>
             </a:pPr>
             <a:r>
-              <a:rPr lang="en-US" altLang="zh-TW" sz="2200" dirty="0" smtClean="0"/>
+              <a:rPr lang="en-US" altLang="zh-TW" sz="2200" dirty="0"/>
               <a:t>        }</a:t>
             </a:r>
-            <a:endParaRPr lang="en-US" altLang="zh-TW" sz="2000" dirty="0" smtClean="0">
+            <a:endParaRPr lang="en-US" altLang="zh-TW" sz="2000" dirty="0">
               <a:solidFill>
                 <a:srgbClr val="FF0000"/>
               </a:solidFill>
@@ -14936,7 +13751,7 @@
               <a:buNone/>
             </a:pPr>
             <a:r>
-              <a:rPr lang="en-US" altLang="zh-TW" sz="2200" dirty="0" smtClean="0"/>
+              <a:rPr lang="en-US" altLang="zh-TW" sz="2200" dirty="0"/>
               <a:t>    }</a:t>
             </a:r>
           </a:p>
@@ -14948,7 +13763,7 @@
               <a:buNone/>
             </a:pPr>
             <a:r>
-              <a:rPr lang="en-US" altLang="zh-TW" sz="2200" dirty="0" smtClean="0"/>
+              <a:rPr lang="en-US" altLang="zh-TW" sz="2200" dirty="0"/>
               <a:t>}</a:t>
             </a:r>
             <a:endParaRPr lang="zh-TW" altLang="en-US" sz="2200" dirty="0"/>
@@ -14984,16 +13799,8 @@
           </a:p>
           <a:p>
             <a:r>
-              <a:rPr lang="en-US" altLang="zh-TW" dirty="0" smtClean="0"/>
-              <a:t>rows=2</a:t>
-            </a:r>
-            <a:r>
-              <a:rPr lang="en-US" altLang="zh-TW" dirty="0"/>
-              <a:t>, </a:t>
-            </a:r>
-            <a:r>
-              <a:rPr lang="en-US" altLang="zh-TW" dirty="0" smtClean="0"/>
-              <a:t>cols=3, count = 0</a:t>
+              <a:rPr lang="en-US" altLang="zh-TW" dirty="0"/>
+              <a:t>rows=2, cols=3, count = 0</a:t>
             </a:r>
             <a:endParaRPr lang="zh-TW" altLang="en-US" dirty="0"/>
           </a:p>
@@ -15070,7 +13877,7 @@
           <a:lstStyle/>
           <a:p>
             <a:r>
-              <a:rPr lang="en-US" altLang="zh-TW" dirty="0" smtClean="0">
+              <a:rPr lang="en-US" altLang="zh-TW" dirty="0">
                 <a:solidFill>
                   <a:srgbClr val="FF0000"/>
                 </a:solidFill>
@@ -15095,13 +13902,6 @@
   <p:clrMapOvr>
     <a:masterClrMapping/>
   </p:clrMapOvr>
-  <p:timing>
-    <p:tnLst>
-      <p:par>
-        <p:cTn id="1" dur="indefinite" restart="never" nodeType="tmRoot"/>
-      </p:par>
-    </p:tnLst>
-  </p:timing>
 </p:sld>
 </file>
 
@@ -15139,11 +13939,7 @@
           <a:p>
             <a:r>
               <a:rPr lang="en-US" altLang="zh-TW" dirty="0"/>
-              <a:t>Program </a:t>
-            </a:r>
-            <a:r>
-              <a:rPr lang="en-US" altLang="zh-TW" dirty="0" smtClean="0"/>
-              <a:t>1.17</a:t>
+              <a:t>Program 1.17</a:t>
             </a:r>
             <a:endParaRPr lang="zh-TW" altLang="en-US" dirty="0"/>
           </a:p>
@@ -15182,11 +13978,7 @@
             </a:r>
             <a:r>
               <a:rPr lang="en-US" altLang="zh-TW" sz="2200" dirty="0"/>
-              <a:t> a[][MAX_SIZE], b[][MAX_SIZE</a:t>
-            </a:r>
-            <a:r>
-              <a:rPr lang="en-US" altLang="zh-TW" sz="2200" dirty="0" smtClean="0"/>
-              <a:t>],</a:t>
+              <a:t> a[][MAX_SIZE], b[][MAX_SIZE],</a:t>
             </a:r>
           </a:p>
           <a:p>
@@ -15197,12 +13989,8 @@
               <a:buNone/>
             </a:pPr>
             <a:r>
-              <a:rPr lang="en-US" altLang="zh-TW" sz="2200" dirty="0" smtClean="0"/>
-              <a:t>              c</a:t>
-            </a:r>
-            <a:r>
-              <a:rPr lang="en-US" altLang="zh-TW" sz="2200" dirty="0"/>
-              <a:t>[][MAX_SIZE], </a:t>
+              <a:rPr lang="en-US" altLang="zh-TW" sz="2200" dirty="0"/>
+              <a:t>              c[][MAX_SIZE], </a:t>
             </a:r>
             <a:r>
               <a:rPr lang="en-US" altLang="zh-TW" sz="2200" dirty="0" err="1"/>
@@ -15273,25 +14061,9 @@
               <a:t>i</a:t>
             </a:r>
             <a:r>
-              <a:rPr lang="en-US" altLang="zh-TW" sz="2200" dirty="0" smtClean="0"/>
+              <a:rPr lang="en-US" altLang="zh-TW" sz="2200" dirty="0"/>
               <a:t>++){</a:t>
             </a:r>
-            <a:r>
-              <a:rPr lang="en-US" altLang="zh-TW" sz="2200" dirty="0" smtClean="0">
-                <a:solidFill>
-                  <a:srgbClr val="FF0000"/>
-                </a:solidFill>
-              </a:rPr>
-              <a:t> </a:t>
-            </a:r>
-          </a:p>
-          <a:p>
-            <a:pPr marL="0" indent="0">
-              <a:lnSpc>
-                <a:spcPct val="70000"/>
-              </a:lnSpc>
-              <a:buNone/>
-            </a:pPr>
             <a:r>
               <a:rPr lang="en-US" altLang="zh-TW" sz="2200" dirty="0">
                 <a:solidFill>
@@ -15300,35 +14072,35 @@
               </a:rPr>
               <a:t> </a:t>
             </a:r>
-            <a:r>
-              <a:rPr lang="en-US" altLang="zh-TW" sz="2200" dirty="0" smtClean="0">
+          </a:p>
+          <a:p>
+            <a:pPr marL="0" indent="0">
+              <a:lnSpc>
+                <a:spcPct val="70000"/>
+              </a:lnSpc>
+              <a:buNone/>
+            </a:pPr>
+            <a:r>
+              <a:rPr lang="en-US" altLang="zh-TW" sz="2200" dirty="0">
                 <a:solidFill>
                   <a:srgbClr val="FF0000"/>
                 </a:solidFill>
               </a:rPr>
-              <a:t>       </a:t>
-            </a:r>
-            <a:r>
-              <a:rPr lang="en-US" altLang="zh-TW" sz="2200" dirty="0" smtClean="0"/>
-              <a:t>for(j </a:t>
-            </a:r>
-            <a:r>
-              <a:rPr lang="en-US" altLang="zh-TW" sz="2200" dirty="0"/>
-              <a:t>= 0;j &lt; cols; </a:t>
-            </a:r>
-            <a:r>
-              <a:rPr lang="en-US" altLang="zh-TW" sz="2200" dirty="0" err="1"/>
-              <a:t>j</a:t>
-            </a:r>
-            <a:r>
-              <a:rPr lang="en-US" altLang="zh-TW" sz="2200" dirty="0" err="1" smtClean="0"/>
-              <a:t>++</a:t>
-            </a:r>
-            <a:r>
-              <a:rPr lang="en-US" altLang="zh-TW" sz="2200" dirty="0" smtClean="0"/>
+              <a:t>        </a:t>
+            </a:r>
+            <a:r>
+              <a:rPr lang="en-US" altLang="zh-TW" sz="2200" dirty="0"/>
+              <a:t>for(j = 0;j &lt; cols; </a:t>
+            </a:r>
+            <a:r>
+              <a:rPr lang="en-US" altLang="zh-TW" sz="2200" dirty="0" err="1"/>
+              <a:t>j++</a:t>
+            </a:r>
+            <a:r>
+              <a:rPr lang="en-US" altLang="zh-TW" sz="2200" dirty="0"/>
               <a:t>){ </a:t>
             </a:r>
-            <a:endParaRPr lang="en-US" altLang="zh-TW" sz="2000" dirty="0" smtClean="0"/>
+            <a:endParaRPr lang="en-US" altLang="zh-TW" sz="2000" dirty="0"/>
           </a:p>
           <a:p>
             <a:pPr marL="0" indent="0">
@@ -15338,38 +14110,38 @@
               <a:buNone/>
             </a:pPr>
             <a:r>
-              <a:rPr lang="en-US" altLang="zh-TW" sz="2200" dirty="0" smtClean="0"/>
+              <a:rPr lang="en-US" altLang="zh-TW" sz="2200" dirty="0"/>
               <a:t>            c[</a:t>
             </a:r>
             <a:r>
-              <a:rPr lang="en-US" altLang="zh-TW" sz="2200" dirty="0" err="1" smtClean="0"/>
+              <a:rPr lang="en-US" altLang="zh-TW" sz="2200" dirty="0" err="1"/>
               <a:t>i</a:t>
             </a:r>
             <a:r>
-              <a:rPr lang="en-US" altLang="zh-TW" sz="2200" dirty="0" smtClean="0"/>
+              <a:rPr lang="en-US" altLang="zh-TW" sz="2200" dirty="0"/>
               <a:t>][j] = a[</a:t>
             </a:r>
             <a:r>
-              <a:rPr lang="en-US" altLang="zh-TW" sz="2200" dirty="0" err="1" smtClean="0"/>
+              <a:rPr lang="en-US" altLang="zh-TW" sz="2200" dirty="0" err="1"/>
               <a:t>i</a:t>
             </a:r>
             <a:r>
-              <a:rPr lang="en-US" altLang="zh-TW" sz="2200" dirty="0" smtClean="0"/>
+              <a:rPr lang="en-US" altLang="zh-TW" sz="2200" dirty="0"/>
               <a:t>][j] + b[</a:t>
             </a:r>
             <a:r>
-              <a:rPr lang="en-US" altLang="zh-TW" sz="2200" dirty="0" err="1" smtClean="0"/>
+              <a:rPr lang="en-US" altLang="zh-TW" sz="2200" dirty="0" err="1"/>
               <a:t>i</a:t>
             </a:r>
             <a:r>
-              <a:rPr lang="en-US" altLang="zh-TW" sz="2200" dirty="0" smtClean="0"/>
+              <a:rPr lang="en-US" altLang="zh-TW" sz="2200" dirty="0"/>
               <a:t>][j];</a:t>
             </a:r>
             <a:r>
-              <a:rPr lang="en-US" altLang="zh-TW" sz="2000" dirty="0" smtClean="0"/>
+              <a:rPr lang="en-US" altLang="zh-TW" sz="2000" dirty="0"/>
               <a:t> </a:t>
             </a:r>
-            <a:endParaRPr lang="en-US" altLang="zh-TW" sz="1400" dirty="0" smtClean="0"/>
+            <a:endParaRPr lang="en-US" altLang="zh-TW" sz="1400" dirty="0"/>
           </a:p>
           <a:p>
             <a:pPr marL="0" indent="0">
@@ -15379,10 +14151,10 @@
               <a:buNone/>
             </a:pPr>
             <a:r>
-              <a:rPr lang="en-US" altLang="zh-TW" sz="2200" dirty="0" smtClean="0"/>
+              <a:rPr lang="en-US" altLang="zh-TW" sz="2200" dirty="0"/>
               <a:t>        }</a:t>
             </a:r>
-            <a:endParaRPr lang="en-US" altLang="zh-TW" sz="2000" dirty="0" smtClean="0">
+            <a:endParaRPr lang="en-US" altLang="zh-TW" sz="2000" dirty="0">
               <a:solidFill>
                 <a:srgbClr val="FF0000"/>
               </a:solidFill>
@@ -15396,7 +14168,7 @@
               <a:buNone/>
             </a:pPr>
             <a:r>
-              <a:rPr lang="en-US" altLang="zh-TW" sz="2200" dirty="0" smtClean="0"/>
+              <a:rPr lang="en-US" altLang="zh-TW" sz="2200" dirty="0"/>
               <a:t>    }</a:t>
             </a:r>
           </a:p>
@@ -15408,7 +14180,7 @@
               <a:buNone/>
             </a:pPr>
             <a:r>
-              <a:rPr lang="en-US" altLang="zh-TW" sz="2200" dirty="0" smtClean="0"/>
+              <a:rPr lang="en-US" altLang="zh-TW" sz="2200" dirty="0"/>
               <a:t>}</a:t>
             </a:r>
             <a:endParaRPr lang="zh-TW" altLang="en-US" sz="2200" dirty="0"/>
@@ -15444,16 +14216,8 @@
           </a:p>
           <a:p>
             <a:r>
-              <a:rPr lang="en-US" altLang="zh-TW" dirty="0" smtClean="0"/>
-              <a:t>rows=2</a:t>
-            </a:r>
-            <a:r>
-              <a:rPr lang="en-US" altLang="zh-TW" dirty="0"/>
-              <a:t>, </a:t>
-            </a:r>
-            <a:r>
-              <a:rPr lang="en-US" altLang="zh-TW" dirty="0" smtClean="0"/>
-              <a:t>cols=3, count = 0</a:t>
+              <a:rPr lang="en-US" altLang="zh-TW" dirty="0"/>
+              <a:t>rows=2, cols=3, count = 0</a:t>
             </a:r>
             <a:endParaRPr lang="zh-TW" altLang="en-US" dirty="0"/>
           </a:p>
@@ -15530,7 +14294,7 @@
           <a:lstStyle/>
           <a:p>
             <a:r>
-              <a:rPr lang="en-US" altLang="zh-TW" dirty="0" smtClean="0">
+              <a:rPr lang="en-US" altLang="zh-TW" dirty="0">
                 <a:solidFill>
                   <a:srgbClr val="FF0000"/>
                 </a:solidFill>
@@ -15555,13 +14319,6 @@
   <p:clrMapOvr>
     <a:masterClrMapping/>
   </p:clrMapOvr>
-  <p:timing>
-    <p:tnLst>
-      <p:par>
-        <p:cTn id="1" dur="indefinite" restart="never" nodeType="tmRoot"/>
-      </p:par>
-    </p:tnLst>
-  </p:timing>
 </p:sld>
 </file>
 
@@ -15599,11 +14356,7 @@
           <a:p>
             <a:r>
               <a:rPr lang="en-US" altLang="zh-TW" dirty="0"/>
-              <a:t>Program </a:t>
-            </a:r>
-            <a:r>
-              <a:rPr lang="en-US" altLang="zh-TW" dirty="0" smtClean="0"/>
-              <a:t>1.17</a:t>
+              <a:t>Program 1.17</a:t>
             </a:r>
             <a:endParaRPr lang="zh-TW" altLang="en-US" dirty="0"/>
           </a:p>
@@ -15642,11 +14395,7 @@
             </a:r>
             <a:r>
               <a:rPr lang="en-US" altLang="zh-TW" sz="2200" dirty="0"/>
-              <a:t> a[][MAX_SIZE], b[][MAX_SIZE</a:t>
-            </a:r>
-            <a:r>
-              <a:rPr lang="en-US" altLang="zh-TW" sz="2200" dirty="0" smtClean="0"/>
-              <a:t>],</a:t>
+              <a:t> a[][MAX_SIZE], b[][MAX_SIZE],</a:t>
             </a:r>
           </a:p>
           <a:p>
@@ -15657,12 +14406,8 @@
               <a:buNone/>
             </a:pPr>
             <a:r>
-              <a:rPr lang="en-US" altLang="zh-TW" sz="2200" dirty="0" smtClean="0"/>
-              <a:t>              c</a:t>
-            </a:r>
-            <a:r>
-              <a:rPr lang="en-US" altLang="zh-TW" sz="2200" dirty="0"/>
-              <a:t>[][MAX_SIZE], </a:t>
+              <a:rPr lang="en-US" altLang="zh-TW" sz="2200" dirty="0"/>
+              <a:t>              c[][MAX_SIZE], </a:t>
             </a:r>
             <a:r>
               <a:rPr lang="en-US" altLang="zh-TW" sz="2200" dirty="0" err="1"/>
@@ -15733,25 +14478,9 @@
               <a:t>i</a:t>
             </a:r>
             <a:r>
-              <a:rPr lang="en-US" altLang="zh-TW" sz="2200" dirty="0" smtClean="0"/>
+              <a:rPr lang="en-US" altLang="zh-TW" sz="2200" dirty="0"/>
               <a:t>++){</a:t>
             </a:r>
-            <a:r>
-              <a:rPr lang="en-US" altLang="zh-TW" sz="2200" dirty="0" smtClean="0">
-                <a:solidFill>
-                  <a:srgbClr val="FF0000"/>
-                </a:solidFill>
-              </a:rPr>
-              <a:t> </a:t>
-            </a:r>
-          </a:p>
-          <a:p>
-            <a:pPr marL="0" indent="0">
-              <a:lnSpc>
-                <a:spcPct val="70000"/>
-              </a:lnSpc>
-              <a:buNone/>
-            </a:pPr>
             <a:r>
               <a:rPr lang="en-US" altLang="zh-TW" sz="2200" dirty="0">
                 <a:solidFill>
@@ -15760,35 +14489,35 @@
               </a:rPr>
               <a:t> </a:t>
             </a:r>
-            <a:r>
-              <a:rPr lang="en-US" altLang="zh-TW" sz="2200" dirty="0" smtClean="0">
+          </a:p>
+          <a:p>
+            <a:pPr marL="0" indent="0">
+              <a:lnSpc>
+                <a:spcPct val="70000"/>
+              </a:lnSpc>
+              <a:buNone/>
+            </a:pPr>
+            <a:r>
+              <a:rPr lang="en-US" altLang="zh-TW" sz="2200" dirty="0">
                 <a:solidFill>
                   <a:srgbClr val="FF0000"/>
                 </a:solidFill>
               </a:rPr>
-              <a:t>       </a:t>
-            </a:r>
-            <a:r>
-              <a:rPr lang="en-US" altLang="zh-TW" sz="2200" dirty="0" smtClean="0"/>
-              <a:t>for(j </a:t>
-            </a:r>
-            <a:r>
-              <a:rPr lang="en-US" altLang="zh-TW" sz="2200" dirty="0"/>
-              <a:t>= 0;j &lt; cols; </a:t>
-            </a:r>
-            <a:r>
-              <a:rPr lang="en-US" altLang="zh-TW" sz="2200" dirty="0" err="1"/>
-              <a:t>j</a:t>
-            </a:r>
-            <a:r>
-              <a:rPr lang="en-US" altLang="zh-TW" sz="2200" dirty="0" err="1" smtClean="0"/>
-              <a:t>++</a:t>
-            </a:r>
-            <a:r>
-              <a:rPr lang="en-US" altLang="zh-TW" sz="2200" dirty="0" smtClean="0"/>
+              <a:t>        </a:t>
+            </a:r>
+            <a:r>
+              <a:rPr lang="en-US" altLang="zh-TW" sz="2200" dirty="0"/>
+              <a:t>for(j = 0;j &lt; cols; </a:t>
+            </a:r>
+            <a:r>
+              <a:rPr lang="en-US" altLang="zh-TW" sz="2200" dirty="0" err="1"/>
+              <a:t>j++</a:t>
+            </a:r>
+            <a:r>
+              <a:rPr lang="en-US" altLang="zh-TW" sz="2200" dirty="0"/>
               <a:t>){ </a:t>
             </a:r>
-            <a:endParaRPr lang="en-US" altLang="zh-TW" sz="2000" dirty="0" smtClean="0"/>
+            <a:endParaRPr lang="en-US" altLang="zh-TW" sz="2000" dirty="0"/>
           </a:p>
           <a:p>
             <a:pPr marL="0" indent="0">
@@ -15798,38 +14527,38 @@
               <a:buNone/>
             </a:pPr>
             <a:r>
-              <a:rPr lang="en-US" altLang="zh-TW" sz="2200" dirty="0" smtClean="0"/>
+              <a:rPr lang="en-US" altLang="zh-TW" sz="2200" dirty="0"/>
               <a:t>            c[</a:t>
             </a:r>
             <a:r>
-              <a:rPr lang="en-US" altLang="zh-TW" sz="2200" dirty="0" err="1" smtClean="0"/>
+              <a:rPr lang="en-US" altLang="zh-TW" sz="2200" dirty="0" err="1"/>
               <a:t>i</a:t>
             </a:r>
             <a:r>
-              <a:rPr lang="en-US" altLang="zh-TW" sz="2200" dirty="0" smtClean="0"/>
+              <a:rPr lang="en-US" altLang="zh-TW" sz="2200" dirty="0"/>
               <a:t>][j] = a[</a:t>
             </a:r>
             <a:r>
-              <a:rPr lang="en-US" altLang="zh-TW" sz="2200" dirty="0" err="1" smtClean="0"/>
+              <a:rPr lang="en-US" altLang="zh-TW" sz="2200" dirty="0" err="1"/>
               <a:t>i</a:t>
             </a:r>
             <a:r>
-              <a:rPr lang="en-US" altLang="zh-TW" sz="2200" dirty="0" smtClean="0"/>
+              <a:rPr lang="en-US" altLang="zh-TW" sz="2200" dirty="0"/>
               <a:t>][j] + b[</a:t>
             </a:r>
             <a:r>
-              <a:rPr lang="en-US" altLang="zh-TW" sz="2200" dirty="0" err="1" smtClean="0"/>
+              <a:rPr lang="en-US" altLang="zh-TW" sz="2200" dirty="0" err="1"/>
               <a:t>i</a:t>
             </a:r>
             <a:r>
-              <a:rPr lang="en-US" altLang="zh-TW" sz="2200" dirty="0" smtClean="0"/>
+              <a:rPr lang="en-US" altLang="zh-TW" sz="2200" dirty="0"/>
               <a:t>][j];</a:t>
             </a:r>
             <a:r>
-              <a:rPr lang="en-US" altLang="zh-TW" sz="2000" dirty="0" smtClean="0"/>
+              <a:rPr lang="en-US" altLang="zh-TW" sz="2000" dirty="0"/>
               <a:t> </a:t>
             </a:r>
-            <a:endParaRPr lang="en-US" altLang="zh-TW" sz="1400" dirty="0" smtClean="0"/>
+            <a:endParaRPr lang="en-US" altLang="zh-TW" sz="1400" dirty="0"/>
           </a:p>
           <a:p>
             <a:pPr marL="0" indent="0">
@@ -15839,10 +14568,10 @@
               <a:buNone/>
             </a:pPr>
             <a:r>
-              <a:rPr lang="en-US" altLang="zh-TW" sz="2200" dirty="0" smtClean="0"/>
+              <a:rPr lang="en-US" altLang="zh-TW" sz="2200" dirty="0"/>
               <a:t>        }</a:t>
             </a:r>
-            <a:endParaRPr lang="en-US" altLang="zh-TW" sz="2000" dirty="0" smtClean="0">
+            <a:endParaRPr lang="en-US" altLang="zh-TW" sz="2000" dirty="0">
               <a:solidFill>
                 <a:srgbClr val="FF0000"/>
               </a:solidFill>
@@ -15856,7 +14585,7 @@
               <a:buNone/>
             </a:pPr>
             <a:r>
-              <a:rPr lang="en-US" altLang="zh-TW" sz="2200" dirty="0" smtClean="0"/>
+              <a:rPr lang="en-US" altLang="zh-TW" sz="2200" dirty="0"/>
               <a:t>    }</a:t>
             </a:r>
           </a:p>
@@ -15868,7 +14597,7 @@
               <a:buNone/>
             </a:pPr>
             <a:r>
-              <a:rPr lang="en-US" altLang="zh-TW" sz="2200" dirty="0" smtClean="0"/>
+              <a:rPr lang="en-US" altLang="zh-TW" sz="2200" dirty="0"/>
               <a:t>}</a:t>
             </a:r>
             <a:endParaRPr lang="zh-TW" altLang="en-US" sz="2200" dirty="0"/>
@@ -15904,16 +14633,8 @@
           </a:p>
           <a:p>
             <a:r>
-              <a:rPr lang="en-US" altLang="zh-TW" dirty="0" smtClean="0"/>
-              <a:t>rows=2</a:t>
-            </a:r>
-            <a:r>
-              <a:rPr lang="en-US" altLang="zh-TW" dirty="0"/>
-              <a:t>, </a:t>
-            </a:r>
-            <a:r>
-              <a:rPr lang="en-US" altLang="zh-TW" dirty="0" smtClean="0"/>
-              <a:t>cols=3, count = 0</a:t>
+              <a:rPr lang="en-US" altLang="zh-TW" dirty="0"/>
+              <a:t>rows=2, cols=3, count = 0</a:t>
             </a:r>
             <a:endParaRPr lang="zh-TW" altLang="en-US" dirty="0"/>
           </a:p>
@@ -15990,7 +14711,7 @@
           <a:lstStyle/>
           <a:p>
             <a:r>
-              <a:rPr lang="en-US" altLang="zh-TW" dirty="0" smtClean="0">
+              <a:rPr lang="en-US" altLang="zh-TW" dirty="0">
                 <a:solidFill>
                   <a:srgbClr val="FF0000"/>
                 </a:solidFill>
@@ -16015,13 +14736,6 @@
   <p:clrMapOvr>
     <a:masterClrMapping/>
   </p:clrMapOvr>
-  <p:timing>
-    <p:tnLst>
-      <p:par>
-        <p:cTn id="1" dur="indefinite" restart="never" nodeType="tmRoot"/>
-      </p:par>
-    </p:tnLst>
-  </p:timing>
 </p:sld>
 </file>
 
@@ -16059,11 +14773,7 @@
           <a:p>
             <a:r>
               <a:rPr lang="en-US" altLang="zh-TW" dirty="0"/>
-              <a:t>Program </a:t>
-            </a:r>
-            <a:r>
-              <a:rPr lang="en-US" altLang="zh-TW" dirty="0" smtClean="0"/>
-              <a:t>1.17</a:t>
+              <a:t>Program 1.17</a:t>
             </a:r>
             <a:endParaRPr lang="zh-TW" altLang="en-US" dirty="0"/>
           </a:p>
@@ -16102,11 +14812,7 @@
             </a:r>
             <a:r>
               <a:rPr lang="en-US" altLang="zh-TW" sz="2200" dirty="0"/>
-              <a:t> a[][MAX_SIZE], b[][MAX_SIZE</a:t>
-            </a:r>
-            <a:r>
-              <a:rPr lang="en-US" altLang="zh-TW" sz="2200" dirty="0" smtClean="0"/>
-              <a:t>],</a:t>
+              <a:t> a[][MAX_SIZE], b[][MAX_SIZE],</a:t>
             </a:r>
           </a:p>
           <a:p>
@@ -16117,12 +14823,8 @@
               <a:buNone/>
             </a:pPr>
             <a:r>
-              <a:rPr lang="en-US" altLang="zh-TW" sz="2200" dirty="0" smtClean="0"/>
-              <a:t>              c</a:t>
-            </a:r>
-            <a:r>
-              <a:rPr lang="en-US" altLang="zh-TW" sz="2200" dirty="0"/>
-              <a:t>[][MAX_SIZE], </a:t>
+              <a:rPr lang="en-US" altLang="zh-TW" sz="2200" dirty="0"/>
+              <a:t>              c[][MAX_SIZE], </a:t>
             </a:r>
             <a:r>
               <a:rPr lang="en-US" altLang="zh-TW" sz="2200" dirty="0" err="1"/>
@@ -16193,25 +14895,9 @@
               <a:t>i</a:t>
             </a:r>
             <a:r>
-              <a:rPr lang="en-US" altLang="zh-TW" sz="2200" dirty="0" smtClean="0"/>
+              <a:rPr lang="en-US" altLang="zh-TW" sz="2200" dirty="0"/>
               <a:t>++){</a:t>
             </a:r>
-            <a:r>
-              <a:rPr lang="en-US" altLang="zh-TW" sz="2200" dirty="0" smtClean="0">
-                <a:solidFill>
-                  <a:srgbClr val="FF0000"/>
-                </a:solidFill>
-              </a:rPr>
-              <a:t> </a:t>
-            </a:r>
-          </a:p>
-          <a:p>
-            <a:pPr marL="0" indent="0">
-              <a:lnSpc>
-                <a:spcPct val="70000"/>
-              </a:lnSpc>
-              <a:buNone/>
-            </a:pPr>
             <a:r>
               <a:rPr lang="en-US" altLang="zh-TW" sz="2200" dirty="0">
                 <a:solidFill>
@@ -16220,35 +14906,35 @@
               </a:rPr>
               <a:t> </a:t>
             </a:r>
-            <a:r>
-              <a:rPr lang="en-US" altLang="zh-TW" sz="2200" dirty="0" smtClean="0">
+          </a:p>
+          <a:p>
+            <a:pPr marL="0" indent="0">
+              <a:lnSpc>
+                <a:spcPct val="70000"/>
+              </a:lnSpc>
+              <a:buNone/>
+            </a:pPr>
+            <a:r>
+              <a:rPr lang="en-US" altLang="zh-TW" sz="2200" dirty="0">
                 <a:solidFill>
                   <a:srgbClr val="FF0000"/>
                 </a:solidFill>
               </a:rPr>
-              <a:t>       </a:t>
-            </a:r>
-            <a:r>
-              <a:rPr lang="en-US" altLang="zh-TW" sz="2200" dirty="0" smtClean="0"/>
-              <a:t>for(j </a:t>
-            </a:r>
-            <a:r>
-              <a:rPr lang="en-US" altLang="zh-TW" sz="2200" dirty="0"/>
-              <a:t>= 0;j &lt; cols; </a:t>
-            </a:r>
-            <a:r>
-              <a:rPr lang="en-US" altLang="zh-TW" sz="2200" dirty="0" err="1"/>
-              <a:t>j</a:t>
-            </a:r>
-            <a:r>
-              <a:rPr lang="en-US" altLang="zh-TW" sz="2200" dirty="0" err="1" smtClean="0"/>
-              <a:t>++</a:t>
-            </a:r>
-            <a:r>
-              <a:rPr lang="en-US" altLang="zh-TW" sz="2200" dirty="0" smtClean="0"/>
+              <a:t>        </a:t>
+            </a:r>
+            <a:r>
+              <a:rPr lang="en-US" altLang="zh-TW" sz="2200" dirty="0"/>
+              <a:t>for(j = 0;j &lt; cols; </a:t>
+            </a:r>
+            <a:r>
+              <a:rPr lang="en-US" altLang="zh-TW" sz="2200" dirty="0" err="1"/>
+              <a:t>j++</a:t>
+            </a:r>
+            <a:r>
+              <a:rPr lang="en-US" altLang="zh-TW" sz="2200" dirty="0"/>
               <a:t>){ </a:t>
             </a:r>
-            <a:endParaRPr lang="en-US" altLang="zh-TW" sz="2000" dirty="0" smtClean="0"/>
+            <a:endParaRPr lang="en-US" altLang="zh-TW" sz="2000" dirty="0"/>
           </a:p>
           <a:p>
             <a:pPr marL="0" indent="0">
@@ -16258,38 +14944,38 @@
               <a:buNone/>
             </a:pPr>
             <a:r>
-              <a:rPr lang="en-US" altLang="zh-TW" sz="2200" dirty="0" smtClean="0"/>
+              <a:rPr lang="en-US" altLang="zh-TW" sz="2200" dirty="0"/>
               <a:t>            c[</a:t>
             </a:r>
             <a:r>
-              <a:rPr lang="en-US" altLang="zh-TW" sz="2200" dirty="0" err="1" smtClean="0"/>
+              <a:rPr lang="en-US" altLang="zh-TW" sz="2200" dirty="0" err="1"/>
               <a:t>i</a:t>
             </a:r>
             <a:r>
-              <a:rPr lang="en-US" altLang="zh-TW" sz="2200" dirty="0" smtClean="0"/>
+              <a:rPr lang="en-US" altLang="zh-TW" sz="2200" dirty="0"/>
               <a:t>][j] = a[</a:t>
             </a:r>
             <a:r>
-              <a:rPr lang="en-US" altLang="zh-TW" sz="2200" dirty="0" err="1" smtClean="0"/>
+              <a:rPr lang="en-US" altLang="zh-TW" sz="2200" dirty="0" err="1"/>
               <a:t>i</a:t>
             </a:r>
             <a:r>
-              <a:rPr lang="en-US" altLang="zh-TW" sz="2200" dirty="0" smtClean="0"/>
+              <a:rPr lang="en-US" altLang="zh-TW" sz="2200" dirty="0"/>
               <a:t>][j] + b[</a:t>
             </a:r>
             <a:r>
-              <a:rPr lang="en-US" altLang="zh-TW" sz="2200" dirty="0" err="1" smtClean="0"/>
+              <a:rPr lang="en-US" altLang="zh-TW" sz="2200" dirty="0" err="1"/>
               <a:t>i</a:t>
             </a:r>
             <a:r>
-              <a:rPr lang="en-US" altLang="zh-TW" sz="2200" dirty="0" smtClean="0"/>
+              <a:rPr lang="en-US" altLang="zh-TW" sz="2200" dirty="0"/>
               <a:t>][j];</a:t>
             </a:r>
             <a:r>
-              <a:rPr lang="en-US" altLang="zh-TW" sz="2000" dirty="0" smtClean="0"/>
+              <a:rPr lang="en-US" altLang="zh-TW" sz="2000" dirty="0"/>
               <a:t> </a:t>
             </a:r>
-            <a:endParaRPr lang="en-US" altLang="zh-TW" sz="1400" dirty="0" smtClean="0"/>
+            <a:endParaRPr lang="en-US" altLang="zh-TW" sz="1400" dirty="0"/>
           </a:p>
           <a:p>
             <a:pPr marL="0" indent="0">
@@ -16299,10 +14985,10 @@
               <a:buNone/>
             </a:pPr>
             <a:r>
-              <a:rPr lang="en-US" altLang="zh-TW" sz="2200" dirty="0" smtClean="0"/>
+              <a:rPr lang="en-US" altLang="zh-TW" sz="2200" dirty="0"/>
               <a:t>        }</a:t>
             </a:r>
-            <a:endParaRPr lang="en-US" altLang="zh-TW" sz="2000" dirty="0" smtClean="0">
+            <a:endParaRPr lang="en-US" altLang="zh-TW" sz="2000" dirty="0">
               <a:solidFill>
                 <a:srgbClr val="FF0000"/>
               </a:solidFill>
@@ -16316,7 +15002,7 @@
               <a:buNone/>
             </a:pPr>
             <a:r>
-              <a:rPr lang="en-US" altLang="zh-TW" sz="2200" dirty="0" smtClean="0"/>
+              <a:rPr lang="en-US" altLang="zh-TW" sz="2200" dirty="0"/>
               <a:t>    }</a:t>
             </a:r>
           </a:p>
@@ -16328,7 +15014,7 @@
               <a:buNone/>
             </a:pPr>
             <a:r>
-              <a:rPr lang="en-US" altLang="zh-TW" sz="2200" dirty="0" smtClean="0"/>
+              <a:rPr lang="en-US" altLang="zh-TW" sz="2200" dirty="0"/>
               <a:t>}</a:t>
             </a:r>
             <a:endParaRPr lang="zh-TW" altLang="en-US" sz="2200" dirty="0"/>
@@ -16364,16 +15050,8 @@
           </a:p>
           <a:p>
             <a:r>
-              <a:rPr lang="en-US" altLang="zh-TW" dirty="0" smtClean="0"/>
-              <a:t>rows=2</a:t>
-            </a:r>
-            <a:r>
-              <a:rPr lang="en-US" altLang="zh-TW" dirty="0"/>
-              <a:t>, </a:t>
-            </a:r>
-            <a:r>
-              <a:rPr lang="en-US" altLang="zh-TW" dirty="0" smtClean="0"/>
-              <a:t>cols=3, count = 0</a:t>
+              <a:rPr lang="en-US" altLang="zh-TW" dirty="0"/>
+              <a:t>rows=2, cols=3, count = 0</a:t>
             </a:r>
             <a:endParaRPr lang="zh-TW" altLang="en-US" dirty="0"/>
           </a:p>
@@ -16450,7 +15128,7 @@
           <a:lstStyle/>
           <a:p>
             <a:r>
-              <a:rPr lang="en-US" altLang="zh-TW" dirty="0" smtClean="0">
+              <a:rPr lang="en-US" altLang="zh-TW" dirty="0">
                 <a:solidFill>
                   <a:srgbClr val="FF0000"/>
                 </a:solidFill>
@@ -16475,13 +15153,6 @@
   <p:clrMapOvr>
     <a:masterClrMapping/>
   </p:clrMapOvr>
-  <p:timing>
-    <p:tnLst>
-      <p:par>
-        <p:cTn id="1" dur="indefinite" restart="never" nodeType="tmRoot"/>
-      </p:par>
-    </p:tnLst>
-  </p:timing>
 </p:sld>
 </file>
 
@@ -16577,27 +15248,23 @@
             </a:r>
             <a:r>
               <a:rPr lang="en-US" altLang="zh-TW" dirty="0"/>
-              <a:t> = 0</a:t>
-            </a:r>
-            <a:r>
-              <a:rPr lang="en-US" altLang="zh-TW" dirty="0" smtClean="0"/>
-              <a:t>;   </a:t>
-            </a:r>
-          </a:p>
-          <a:p>
-            <a:pPr marL="0" indent="0">
-              <a:buNone/>
-            </a:pPr>
-            <a:r>
-              <a:rPr lang="en-US" altLang="zh-TW" dirty="0" smtClean="0"/>
+              <a:t> = 0;   </a:t>
+            </a:r>
+          </a:p>
+          <a:p>
+            <a:pPr marL="0" indent="0">
+              <a:buNone/>
+            </a:pPr>
+            <a:r>
+              <a:rPr lang="en-US" altLang="zh-TW" dirty="0"/>
               <a:t>    </a:t>
             </a:r>
             <a:r>
-              <a:rPr lang="en-US" altLang="zh-TW" dirty="0" err="1" smtClean="0"/>
+              <a:rPr lang="en-US" altLang="zh-TW" dirty="0" err="1"/>
               <a:t>int</a:t>
             </a:r>
             <a:r>
-              <a:rPr lang="en-US" altLang="zh-TW" dirty="0" smtClean="0"/>
+              <a:rPr lang="en-US" altLang="zh-TW" dirty="0"/>
               <a:t> </a:t>
             </a:r>
             <a:r>
@@ -16639,20 +15306,16 @@
               <a:buNone/>
             </a:pPr>
             <a:r>
-              <a:rPr lang="en-US" altLang="zh-TW" dirty="0" smtClean="0"/>
+              <a:rPr lang="en-US" altLang="zh-TW" dirty="0"/>
               <a:t>        </a:t>
             </a:r>
             <a:r>
-              <a:rPr lang="en-US" altLang="zh-TW" dirty="0" err="1" smtClean="0"/>
+              <a:rPr lang="en-US" altLang="zh-TW" dirty="0" err="1"/>
               <a:t>tempsum</a:t>
             </a:r>
             <a:r>
-              <a:rPr lang="en-US" altLang="zh-TW" dirty="0" smtClean="0"/>
-              <a:t> </a:t>
-            </a:r>
-            <a:r>
-              <a:rPr lang="en-US" altLang="zh-TW" dirty="0"/>
-              <a:t>+= list[</a:t>
+              <a:rPr lang="en-US" altLang="zh-TW" dirty="0"/>
+              <a:t> += list[</a:t>
             </a:r>
             <a:r>
               <a:rPr lang="en-US" altLang="zh-TW" dirty="0" err="1"/>
@@ -16668,17 +15331,16 @@
               <a:buNone/>
             </a:pPr>
             <a:r>
-              <a:rPr lang="en-US" altLang="zh-TW" dirty="0" smtClean="0"/>
+              <a:rPr lang="en-US" altLang="zh-TW" dirty="0"/>
               <a:t>    }</a:t>
             </a:r>
-            <a:endParaRPr lang="en-US" altLang="zh-TW" dirty="0"/>
-          </a:p>
-          <a:p>
-            <a:pPr marL="0" indent="0">
-              <a:buNone/>
-            </a:pPr>
-            <a:r>
-              <a:rPr lang="en-US" altLang="zh-TW" dirty="0" smtClean="0"/>
+          </a:p>
+          <a:p>
+            <a:pPr marL="0" indent="0">
+              <a:buNone/>
+            </a:pPr>
+            <a:r>
+              <a:rPr lang="en-US" altLang="zh-TW" dirty="0"/>
               <a:t>    return </a:t>
             </a:r>
             <a:r>
@@ -16731,15 +15393,15 @@
           </a:p>
           <a:p>
             <a:r>
-              <a:rPr lang="en-US" altLang="zh-TW" dirty="0" smtClean="0"/>
+              <a:rPr lang="en-US" altLang="zh-TW" dirty="0"/>
               <a:t>n</a:t>
             </a:r>
             <a:r>
-              <a:rPr lang="zh-TW" altLang="en-US" dirty="0" smtClean="0"/>
+              <a:rPr lang="zh-TW" altLang="en-US" dirty="0"/>
               <a:t> </a:t>
             </a:r>
             <a:r>
-              <a:rPr lang="en-US" altLang="zh-TW" dirty="0" smtClean="0"/>
+              <a:rPr lang="en-US" altLang="zh-TW" dirty="0"/>
               <a:t>= 3,     count = 0</a:t>
             </a:r>
             <a:endParaRPr lang="zh-TW" altLang="en-US" dirty="0"/>
@@ -16817,7 +15479,7 @@
           <a:lstStyle/>
           <a:p>
             <a:r>
-              <a:rPr lang="en-US" altLang="zh-TW" dirty="0" smtClean="0">
+              <a:rPr lang="en-US" altLang="zh-TW" dirty="0">
                 <a:solidFill>
                   <a:srgbClr val="FF0000"/>
                 </a:solidFill>
@@ -16842,13 +15504,6 @@
   <p:clrMapOvr>
     <a:masterClrMapping/>
   </p:clrMapOvr>
-  <p:timing>
-    <p:tnLst>
-      <p:par>
-        <p:cTn id="1" dur="indefinite" restart="never" nodeType="tmRoot"/>
-      </p:par>
-    </p:tnLst>
-  </p:timing>
 </p:sld>
 </file>
 
@@ -16886,11 +15541,7 @@
           <a:p>
             <a:r>
               <a:rPr lang="en-US" altLang="zh-TW" dirty="0"/>
-              <a:t>Program </a:t>
-            </a:r>
-            <a:r>
-              <a:rPr lang="en-US" altLang="zh-TW" dirty="0" smtClean="0"/>
-              <a:t>1.17</a:t>
+              <a:t>Program 1.17</a:t>
             </a:r>
             <a:endParaRPr lang="zh-TW" altLang="en-US" dirty="0"/>
           </a:p>
@@ -16929,11 +15580,7 @@
             </a:r>
             <a:r>
               <a:rPr lang="en-US" altLang="zh-TW" sz="2200" dirty="0"/>
-              <a:t> a[][MAX_SIZE], b[][MAX_SIZE</a:t>
-            </a:r>
-            <a:r>
-              <a:rPr lang="en-US" altLang="zh-TW" sz="2200" dirty="0" smtClean="0"/>
-              <a:t>],</a:t>
+              <a:t> a[][MAX_SIZE], b[][MAX_SIZE],</a:t>
             </a:r>
           </a:p>
           <a:p>
@@ -16944,12 +15591,8 @@
               <a:buNone/>
             </a:pPr>
             <a:r>
-              <a:rPr lang="en-US" altLang="zh-TW" sz="2200" dirty="0" smtClean="0"/>
-              <a:t>              c</a:t>
-            </a:r>
-            <a:r>
-              <a:rPr lang="en-US" altLang="zh-TW" sz="2200" dirty="0"/>
-              <a:t>[][MAX_SIZE], </a:t>
+              <a:rPr lang="en-US" altLang="zh-TW" sz="2200" dirty="0"/>
+              <a:t>              c[][MAX_SIZE], </a:t>
             </a:r>
             <a:r>
               <a:rPr lang="en-US" altLang="zh-TW" sz="2200" dirty="0" err="1"/>
@@ -17020,25 +15663,9 @@
               <a:t>i</a:t>
             </a:r>
             <a:r>
-              <a:rPr lang="en-US" altLang="zh-TW" sz="2200" dirty="0" smtClean="0"/>
+              <a:rPr lang="en-US" altLang="zh-TW" sz="2200" dirty="0"/>
               <a:t>++){</a:t>
             </a:r>
-            <a:r>
-              <a:rPr lang="en-US" altLang="zh-TW" sz="2200" dirty="0" smtClean="0">
-                <a:solidFill>
-                  <a:srgbClr val="FF0000"/>
-                </a:solidFill>
-              </a:rPr>
-              <a:t> </a:t>
-            </a:r>
-          </a:p>
-          <a:p>
-            <a:pPr marL="0" indent="0">
-              <a:lnSpc>
-                <a:spcPct val="70000"/>
-              </a:lnSpc>
-              <a:buNone/>
-            </a:pPr>
             <a:r>
               <a:rPr lang="en-US" altLang="zh-TW" sz="2200" dirty="0">
                 <a:solidFill>
@@ -17047,35 +15674,35 @@
               </a:rPr>
               <a:t> </a:t>
             </a:r>
-            <a:r>
-              <a:rPr lang="en-US" altLang="zh-TW" sz="2200" dirty="0" smtClean="0">
+          </a:p>
+          <a:p>
+            <a:pPr marL="0" indent="0">
+              <a:lnSpc>
+                <a:spcPct val="70000"/>
+              </a:lnSpc>
+              <a:buNone/>
+            </a:pPr>
+            <a:r>
+              <a:rPr lang="en-US" altLang="zh-TW" sz="2200" dirty="0">
                 <a:solidFill>
                   <a:srgbClr val="FF0000"/>
                 </a:solidFill>
               </a:rPr>
-              <a:t>       </a:t>
-            </a:r>
-            <a:r>
-              <a:rPr lang="en-US" altLang="zh-TW" sz="2200" dirty="0" smtClean="0"/>
-              <a:t>for(j </a:t>
-            </a:r>
-            <a:r>
-              <a:rPr lang="en-US" altLang="zh-TW" sz="2200" dirty="0"/>
-              <a:t>= 0;j &lt; cols; </a:t>
-            </a:r>
-            <a:r>
-              <a:rPr lang="en-US" altLang="zh-TW" sz="2200" dirty="0" err="1"/>
-              <a:t>j</a:t>
-            </a:r>
-            <a:r>
-              <a:rPr lang="en-US" altLang="zh-TW" sz="2200" dirty="0" err="1" smtClean="0"/>
-              <a:t>++</a:t>
-            </a:r>
-            <a:r>
-              <a:rPr lang="en-US" altLang="zh-TW" sz="2200" dirty="0" smtClean="0"/>
+              <a:t>        </a:t>
+            </a:r>
+            <a:r>
+              <a:rPr lang="en-US" altLang="zh-TW" sz="2200" dirty="0"/>
+              <a:t>for(j = 0;j &lt; cols; </a:t>
+            </a:r>
+            <a:r>
+              <a:rPr lang="en-US" altLang="zh-TW" sz="2200" dirty="0" err="1"/>
+              <a:t>j++</a:t>
+            </a:r>
+            <a:r>
+              <a:rPr lang="en-US" altLang="zh-TW" sz="2200" dirty="0"/>
               <a:t>){ </a:t>
             </a:r>
-            <a:endParaRPr lang="en-US" altLang="zh-TW" sz="2000" dirty="0" smtClean="0"/>
+            <a:endParaRPr lang="en-US" altLang="zh-TW" sz="2000" dirty="0"/>
           </a:p>
           <a:p>
             <a:pPr marL="0" indent="0">
@@ -17085,38 +15712,38 @@
               <a:buNone/>
             </a:pPr>
             <a:r>
-              <a:rPr lang="en-US" altLang="zh-TW" sz="2200" dirty="0" smtClean="0"/>
+              <a:rPr lang="en-US" altLang="zh-TW" sz="2200" dirty="0"/>
               <a:t>            c[</a:t>
             </a:r>
             <a:r>
-              <a:rPr lang="en-US" altLang="zh-TW" sz="2200" dirty="0" err="1" smtClean="0"/>
+              <a:rPr lang="en-US" altLang="zh-TW" sz="2200" dirty="0" err="1"/>
               <a:t>i</a:t>
             </a:r>
             <a:r>
-              <a:rPr lang="en-US" altLang="zh-TW" sz="2200" dirty="0" smtClean="0"/>
+              <a:rPr lang="en-US" altLang="zh-TW" sz="2200" dirty="0"/>
               <a:t>][j] = a[</a:t>
             </a:r>
             <a:r>
-              <a:rPr lang="en-US" altLang="zh-TW" sz="2200" dirty="0" err="1" smtClean="0"/>
+              <a:rPr lang="en-US" altLang="zh-TW" sz="2200" dirty="0" err="1"/>
               <a:t>i</a:t>
             </a:r>
             <a:r>
-              <a:rPr lang="en-US" altLang="zh-TW" sz="2200" dirty="0" smtClean="0"/>
+              <a:rPr lang="en-US" altLang="zh-TW" sz="2200" dirty="0"/>
               <a:t>][j] + b[</a:t>
             </a:r>
             <a:r>
-              <a:rPr lang="en-US" altLang="zh-TW" sz="2200" dirty="0" err="1" smtClean="0"/>
+              <a:rPr lang="en-US" altLang="zh-TW" sz="2200" dirty="0" err="1"/>
               <a:t>i</a:t>
             </a:r>
             <a:r>
-              <a:rPr lang="en-US" altLang="zh-TW" sz="2200" dirty="0" smtClean="0"/>
+              <a:rPr lang="en-US" altLang="zh-TW" sz="2200" dirty="0"/>
               <a:t>][j];</a:t>
             </a:r>
             <a:r>
-              <a:rPr lang="en-US" altLang="zh-TW" sz="2000" dirty="0" smtClean="0"/>
+              <a:rPr lang="en-US" altLang="zh-TW" sz="2000" dirty="0"/>
               <a:t> </a:t>
             </a:r>
-            <a:endParaRPr lang="en-US" altLang="zh-TW" sz="1400" dirty="0" smtClean="0"/>
+            <a:endParaRPr lang="en-US" altLang="zh-TW" sz="1400" dirty="0"/>
           </a:p>
           <a:p>
             <a:pPr marL="0" indent="0">
@@ -17126,10 +15753,10 @@
               <a:buNone/>
             </a:pPr>
             <a:r>
-              <a:rPr lang="en-US" altLang="zh-TW" sz="2200" dirty="0" smtClean="0"/>
+              <a:rPr lang="en-US" altLang="zh-TW" sz="2200" dirty="0"/>
               <a:t>        }</a:t>
             </a:r>
-            <a:endParaRPr lang="en-US" altLang="zh-TW" sz="2000" dirty="0" smtClean="0">
+            <a:endParaRPr lang="en-US" altLang="zh-TW" sz="2000" dirty="0">
               <a:solidFill>
                 <a:srgbClr val="FF0000"/>
               </a:solidFill>
@@ -17143,7 +15770,7 @@
               <a:buNone/>
             </a:pPr>
             <a:r>
-              <a:rPr lang="en-US" altLang="zh-TW" sz="2200" dirty="0" smtClean="0"/>
+              <a:rPr lang="en-US" altLang="zh-TW" sz="2200" dirty="0"/>
               <a:t>    }</a:t>
             </a:r>
           </a:p>
@@ -17155,7 +15782,7 @@
               <a:buNone/>
             </a:pPr>
             <a:r>
-              <a:rPr lang="en-US" altLang="zh-TW" sz="2200" dirty="0" smtClean="0"/>
+              <a:rPr lang="en-US" altLang="zh-TW" sz="2200" dirty="0"/>
               <a:t>}</a:t>
             </a:r>
             <a:endParaRPr lang="zh-TW" altLang="en-US" sz="2200" dirty="0"/>
@@ -17191,16 +15818,8 @@
           </a:p>
           <a:p>
             <a:r>
-              <a:rPr lang="en-US" altLang="zh-TW" dirty="0" smtClean="0"/>
-              <a:t>rows=2</a:t>
-            </a:r>
-            <a:r>
-              <a:rPr lang="en-US" altLang="zh-TW" dirty="0"/>
-              <a:t>, </a:t>
-            </a:r>
-            <a:r>
-              <a:rPr lang="en-US" altLang="zh-TW" dirty="0" smtClean="0"/>
-              <a:t>cols=3, count = 0</a:t>
+              <a:rPr lang="en-US" altLang="zh-TW" dirty="0"/>
+              <a:t>rows=2, cols=3, count = 0</a:t>
             </a:r>
             <a:endParaRPr lang="zh-TW" altLang="en-US" dirty="0"/>
           </a:p>
@@ -17277,7 +15896,7 @@
           <a:lstStyle/>
           <a:p>
             <a:r>
-              <a:rPr lang="en-US" altLang="zh-TW" dirty="0" smtClean="0">
+              <a:rPr lang="en-US" altLang="zh-TW" dirty="0">
                 <a:solidFill>
                   <a:srgbClr val="FF0000"/>
                 </a:solidFill>
@@ -17302,13 +15921,6 @@
   <p:clrMapOvr>
     <a:masterClrMapping/>
   </p:clrMapOvr>
-  <p:timing>
-    <p:tnLst>
-      <p:par>
-        <p:cTn id="1" dur="indefinite" restart="never" nodeType="tmRoot"/>
-      </p:par>
-    </p:tnLst>
-  </p:timing>
 </p:sld>
 </file>
 
@@ -17346,11 +15958,7 @@
           <a:p>
             <a:r>
               <a:rPr lang="en-US" altLang="zh-TW" dirty="0"/>
-              <a:t>Program </a:t>
-            </a:r>
-            <a:r>
-              <a:rPr lang="en-US" altLang="zh-TW" dirty="0" smtClean="0"/>
-              <a:t>1.17</a:t>
+              <a:t>Program 1.17</a:t>
             </a:r>
             <a:endParaRPr lang="zh-TW" altLang="en-US" dirty="0"/>
           </a:p>
@@ -17389,11 +15997,7 @@
             </a:r>
             <a:r>
               <a:rPr lang="en-US" altLang="zh-TW" sz="2200" dirty="0"/>
-              <a:t> a[][MAX_SIZE], b[][MAX_SIZE</a:t>
-            </a:r>
-            <a:r>
-              <a:rPr lang="en-US" altLang="zh-TW" sz="2200" dirty="0" smtClean="0"/>
-              <a:t>],</a:t>
+              <a:t> a[][MAX_SIZE], b[][MAX_SIZE],</a:t>
             </a:r>
           </a:p>
           <a:p>
@@ -17404,12 +16008,8 @@
               <a:buNone/>
             </a:pPr>
             <a:r>
-              <a:rPr lang="en-US" altLang="zh-TW" sz="2200" dirty="0" smtClean="0"/>
-              <a:t>              c</a:t>
-            </a:r>
-            <a:r>
-              <a:rPr lang="en-US" altLang="zh-TW" sz="2200" dirty="0"/>
-              <a:t>[][MAX_SIZE], </a:t>
+              <a:rPr lang="en-US" altLang="zh-TW" sz="2200" dirty="0"/>
+              <a:t>              c[][MAX_SIZE], </a:t>
             </a:r>
             <a:r>
               <a:rPr lang="en-US" altLang="zh-TW" sz="2200" dirty="0" err="1"/>
@@ -17480,25 +16080,9 @@
               <a:t>i</a:t>
             </a:r>
             <a:r>
-              <a:rPr lang="en-US" altLang="zh-TW" sz="2200" dirty="0" smtClean="0"/>
+              <a:rPr lang="en-US" altLang="zh-TW" sz="2200" dirty="0"/>
               <a:t>++){</a:t>
             </a:r>
-            <a:r>
-              <a:rPr lang="en-US" altLang="zh-TW" sz="2200" dirty="0" smtClean="0">
-                <a:solidFill>
-                  <a:srgbClr val="FF0000"/>
-                </a:solidFill>
-              </a:rPr>
-              <a:t> </a:t>
-            </a:r>
-          </a:p>
-          <a:p>
-            <a:pPr marL="0" indent="0">
-              <a:lnSpc>
-                <a:spcPct val="70000"/>
-              </a:lnSpc>
-              <a:buNone/>
-            </a:pPr>
             <a:r>
               <a:rPr lang="en-US" altLang="zh-TW" sz="2200" dirty="0">
                 <a:solidFill>
@@ -17507,35 +16091,35 @@
               </a:rPr>
               <a:t> </a:t>
             </a:r>
-            <a:r>
-              <a:rPr lang="en-US" altLang="zh-TW" sz="2200" dirty="0" smtClean="0">
+          </a:p>
+          <a:p>
+            <a:pPr marL="0" indent="0">
+              <a:lnSpc>
+                <a:spcPct val="70000"/>
+              </a:lnSpc>
+              <a:buNone/>
+            </a:pPr>
+            <a:r>
+              <a:rPr lang="en-US" altLang="zh-TW" sz="2200" dirty="0">
                 <a:solidFill>
                   <a:srgbClr val="FF0000"/>
                 </a:solidFill>
               </a:rPr>
-              <a:t>       </a:t>
-            </a:r>
-            <a:r>
-              <a:rPr lang="en-US" altLang="zh-TW" sz="2200" dirty="0" smtClean="0"/>
-              <a:t>for(j </a:t>
-            </a:r>
-            <a:r>
-              <a:rPr lang="en-US" altLang="zh-TW" sz="2200" dirty="0"/>
-              <a:t>= 0;j &lt; cols; </a:t>
-            </a:r>
-            <a:r>
-              <a:rPr lang="en-US" altLang="zh-TW" sz="2200" dirty="0" err="1"/>
-              <a:t>j</a:t>
-            </a:r>
-            <a:r>
-              <a:rPr lang="en-US" altLang="zh-TW" sz="2200" dirty="0" err="1" smtClean="0"/>
-              <a:t>++</a:t>
-            </a:r>
-            <a:r>
-              <a:rPr lang="en-US" altLang="zh-TW" sz="2200" dirty="0" smtClean="0"/>
+              <a:t>        </a:t>
+            </a:r>
+            <a:r>
+              <a:rPr lang="en-US" altLang="zh-TW" sz="2200" dirty="0"/>
+              <a:t>for(j = 0;j &lt; cols; </a:t>
+            </a:r>
+            <a:r>
+              <a:rPr lang="en-US" altLang="zh-TW" sz="2200" dirty="0" err="1"/>
+              <a:t>j++</a:t>
+            </a:r>
+            <a:r>
+              <a:rPr lang="en-US" altLang="zh-TW" sz="2200" dirty="0"/>
               <a:t>){ </a:t>
             </a:r>
-            <a:endParaRPr lang="en-US" altLang="zh-TW" sz="2000" dirty="0" smtClean="0"/>
+            <a:endParaRPr lang="en-US" altLang="zh-TW" sz="2000" dirty="0"/>
           </a:p>
           <a:p>
             <a:pPr marL="0" indent="0">
@@ -17545,38 +16129,38 @@
               <a:buNone/>
             </a:pPr>
             <a:r>
-              <a:rPr lang="en-US" altLang="zh-TW" sz="2200" dirty="0" smtClean="0"/>
+              <a:rPr lang="en-US" altLang="zh-TW" sz="2200" dirty="0"/>
               <a:t>            c[</a:t>
             </a:r>
             <a:r>
-              <a:rPr lang="en-US" altLang="zh-TW" sz="2200" dirty="0" err="1" smtClean="0"/>
+              <a:rPr lang="en-US" altLang="zh-TW" sz="2200" dirty="0" err="1"/>
               <a:t>i</a:t>
             </a:r>
             <a:r>
-              <a:rPr lang="en-US" altLang="zh-TW" sz="2200" dirty="0" smtClean="0"/>
+              <a:rPr lang="en-US" altLang="zh-TW" sz="2200" dirty="0"/>
               <a:t>][j] = a[</a:t>
             </a:r>
             <a:r>
-              <a:rPr lang="en-US" altLang="zh-TW" sz="2200" dirty="0" err="1" smtClean="0"/>
+              <a:rPr lang="en-US" altLang="zh-TW" sz="2200" dirty="0" err="1"/>
               <a:t>i</a:t>
             </a:r>
             <a:r>
-              <a:rPr lang="en-US" altLang="zh-TW" sz="2200" dirty="0" smtClean="0"/>
+              <a:rPr lang="en-US" altLang="zh-TW" sz="2200" dirty="0"/>
               <a:t>][j] + b[</a:t>
             </a:r>
             <a:r>
-              <a:rPr lang="en-US" altLang="zh-TW" sz="2200" dirty="0" err="1" smtClean="0"/>
+              <a:rPr lang="en-US" altLang="zh-TW" sz="2200" dirty="0" err="1"/>
               <a:t>i</a:t>
             </a:r>
             <a:r>
-              <a:rPr lang="en-US" altLang="zh-TW" sz="2200" dirty="0" smtClean="0"/>
+              <a:rPr lang="en-US" altLang="zh-TW" sz="2200" dirty="0"/>
               <a:t>][j];</a:t>
             </a:r>
             <a:r>
-              <a:rPr lang="en-US" altLang="zh-TW" sz="2000" dirty="0" smtClean="0"/>
+              <a:rPr lang="en-US" altLang="zh-TW" sz="2000" dirty="0"/>
               <a:t> </a:t>
             </a:r>
-            <a:endParaRPr lang="en-US" altLang="zh-TW" sz="1400" dirty="0" smtClean="0"/>
+            <a:endParaRPr lang="en-US" altLang="zh-TW" sz="1400" dirty="0"/>
           </a:p>
           <a:p>
             <a:pPr marL="0" indent="0">
@@ -17586,10 +16170,10 @@
               <a:buNone/>
             </a:pPr>
             <a:r>
-              <a:rPr lang="en-US" altLang="zh-TW" sz="2200" dirty="0" smtClean="0"/>
+              <a:rPr lang="en-US" altLang="zh-TW" sz="2200" dirty="0"/>
               <a:t>        }</a:t>
             </a:r>
-            <a:endParaRPr lang="en-US" altLang="zh-TW" sz="2000" dirty="0" smtClean="0">
+            <a:endParaRPr lang="en-US" altLang="zh-TW" sz="2000" dirty="0">
               <a:solidFill>
                 <a:srgbClr val="FF0000"/>
               </a:solidFill>
@@ -17603,7 +16187,7 @@
               <a:buNone/>
             </a:pPr>
             <a:r>
-              <a:rPr lang="en-US" altLang="zh-TW" sz="2200" dirty="0" smtClean="0"/>
+              <a:rPr lang="en-US" altLang="zh-TW" sz="2200" dirty="0"/>
               <a:t>    }</a:t>
             </a:r>
           </a:p>
@@ -17615,7 +16199,7 @@
               <a:buNone/>
             </a:pPr>
             <a:r>
-              <a:rPr lang="en-US" altLang="zh-TW" sz="2200" dirty="0" smtClean="0"/>
+              <a:rPr lang="en-US" altLang="zh-TW" sz="2200" dirty="0"/>
               <a:t>}</a:t>
             </a:r>
             <a:endParaRPr lang="zh-TW" altLang="en-US" sz="2200" dirty="0"/>
@@ -17651,16 +16235,8 @@
           </a:p>
           <a:p>
             <a:r>
-              <a:rPr lang="en-US" altLang="zh-TW" dirty="0" smtClean="0"/>
-              <a:t>rows=2</a:t>
-            </a:r>
-            <a:r>
-              <a:rPr lang="en-US" altLang="zh-TW" dirty="0"/>
-              <a:t>, </a:t>
-            </a:r>
-            <a:r>
-              <a:rPr lang="en-US" altLang="zh-TW" dirty="0" smtClean="0"/>
-              <a:t>cols=3, count = 0</a:t>
+              <a:rPr lang="en-US" altLang="zh-TW" dirty="0"/>
+              <a:t>rows=2, cols=3, count = 0</a:t>
             </a:r>
             <a:endParaRPr lang="zh-TW" altLang="en-US" dirty="0"/>
           </a:p>
@@ -17737,7 +16313,7 @@
           <a:lstStyle/>
           <a:p>
             <a:r>
-              <a:rPr lang="en-US" altLang="zh-TW" dirty="0" err="1" smtClean="0">
+              <a:rPr lang="en-US" altLang="zh-TW" dirty="0" err="1">
                 <a:solidFill>
                   <a:srgbClr val="FF0000"/>
                 </a:solidFill>
@@ -17745,7 +16321,7 @@
               <a:t>i</a:t>
             </a:r>
             <a:r>
-              <a:rPr lang="en-US" altLang="zh-TW" dirty="0" smtClean="0">
+              <a:rPr lang="en-US" altLang="zh-TW" dirty="0">
                 <a:solidFill>
                   <a:srgbClr val="FF0000"/>
                 </a:solidFill>
@@ -17770,13 +16346,6 @@
   <p:clrMapOvr>
     <a:masterClrMapping/>
   </p:clrMapOvr>
-  <p:timing>
-    <p:tnLst>
-      <p:par>
-        <p:cTn id="1" dur="indefinite" restart="never" nodeType="tmRoot"/>
-      </p:par>
-    </p:tnLst>
-  </p:timing>
 </p:sld>
 </file>
 
@@ -17814,11 +16383,7 @@
           <a:p>
             <a:r>
               <a:rPr lang="en-US" altLang="zh-TW" dirty="0"/>
-              <a:t>Program </a:t>
-            </a:r>
-            <a:r>
-              <a:rPr lang="en-US" altLang="zh-TW" dirty="0" smtClean="0"/>
-              <a:t>1.17</a:t>
+              <a:t>Program 1.17</a:t>
             </a:r>
             <a:endParaRPr lang="zh-TW" altLang="en-US" dirty="0"/>
           </a:p>
@@ -17857,11 +16422,7 @@
             </a:r>
             <a:r>
               <a:rPr lang="en-US" altLang="zh-TW" sz="2200" dirty="0"/>
-              <a:t> a[][MAX_SIZE], b[][MAX_SIZE</a:t>
-            </a:r>
-            <a:r>
-              <a:rPr lang="en-US" altLang="zh-TW" sz="2200" dirty="0" smtClean="0"/>
-              <a:t>],</a:t>
+              <a:t> a[][MAX_SIZE], b[][MAX_SIZE],</a:t>
             </a:r>
           </a:p>
           <a:p>
@@ -17872,12 +16433,8 @@
               <a:buNone/>
             </a:pPr>
             <a:r>
-              <a:rPr lang="en-US" altLang="zh-TW" sz="2200" dirty="0" smtClean="0"/>
-              <a:t>              c</a:t>
-            </a:r>
-            <a:r>
-              <a:rPr lang="en-US" altLang="zh-TW" sz="2200" dirty="0"/>
-              <a:t>[][MAX_SIZE], </a:t>
+              <a:rPr lang="en-US" altLang="zh-TW" sz="2200" dirty="0"/>
+              <a:t>              c[][MAX_SIZE], </a:t>
             </a:r>
             <a:r>
               <a:rPr lang="en-US" altLang="zh-TW" sz="2200" dirty="0" err="1"/>
@@ -17948,25 +16505,9 @@
               <a:t>i</a:t>
             </a:r>
             <a:r>
-              <a:rPr lang="en-US" altLang="zh-TW" sz="2200" dirty="0" smtClean="0"/>
+              <a:rPr lang="en-US" altLang="zh-TW" sz="2200" dirty="0"/>
               <a:t>++){</a:t>
             </a:r>
-            <a:r>
-              <a:rPr lang="en-US" altLang="zh-TW" sz="2200" dirty="0" smtClean="0">
-                <a:solidFill>
-                  <a:srgbClr val="FF0000"/>
-                </a:solidFill>
-              </a:rPr>
-              <a:t> </a:t>
-            </a:r>
-          </a:p>
-          <a:p>
-            <a:pPr marL="0" indent="0">
-              <a:lnSpc>
-                <a:spcPct val="100000"/>
-              </a:lnSpc>
-              <a:buNone/>
-            </a:pPr>
             <a:r>
               <a:rPr lang="en-US" altLang="zh-TW" sz="2200" dirty="0">
                 <a:solidFill>
@@ -17975,35 +16516,35 @@
               </a:rPr>
               <a:t> </a:t>
             </a:r>
-            <a:r>
-              <a:rPr lang="en-US" altLang="zh-TW" sz="2200" dirty="0" smtClean="0">
+          </a:p>
+          <a:p>
+            <a:pPr marL="0" indent="0">
+              <a:lnSpc>
+                <a:spcPct val="100000"/>
+              </a:lnSpc>
+              <a:buNone/>
+            </a:pPr>
+            <a:r>
+              <a:rPr lang="en-US" altLang="zh-TW" sz="2200" dirty="0">
                 <a:solidFill>
                   <a:srgbClr val="FF0000"/>
                 </a:solidFill>
               </a:rPr>
-              <a:t>       </a:t>
-            </a:r>
-            <a:r>
-              <a:rPr lang="en-US" altLang="zh-TW" sz="2200" dirty="0" smtClean="0"/>
-              <a:t>for(j </a:t>
-            </a:r>
-            <a:r>
-              <a:rPr lang="en-US" altLang="zh-TW" sz="2200" dirty="0"/>
-              <a:t>= 0;j &lt; cols; </a:t>
-            </a:r>
-            <a:r>
-              <a:rPr lang="en-US" altLang="zh-TW" sz="2200" dirty="0" err="1"/>
-              <a:t>j</a:t>
-            </a:r>
-            <a:r>
-              <a:rPr lang="en-US" altLang="zh-TW" sz="2200" dirty="0" err="1" smtClean="0"/>
-              <a:t>++</a:t>
-            </a:r>
-            <a:r>
-              <a:rPr lang="en-US" altLang="zh-TW" sz="2200" dirty="0" smtClean="0"/>
+              <a:t>        </a:t>
+            </a:r>
+            <a:r>
+              <a:rPr lang="en-US" altLang="zh-TW" sz="2200" dirty="0"/>
+              <a:t>for(j = 0;j &lt; cols; </a:t>
+            </a:r>
+            <a:r>
+              <a:rPr lang="en-US" altLang="zh-TW" sz="2200" dirty="0" err="1"/>
+              <a:t>j++</a:t>
+            </a:r>
+            <a:r>
+              <a:rPr lang="en-US" altLang="zh-TW" sz="2200" dirty="0"/>
               <a:t>){ </a:t>
             </a:r>
-            <a:endParaRPr lang="en-US" altLang="zh-TW" sz="2000" dirty="0" smtClean="0"/>
+            <a:endParaRPr lang="en-US" altLang="zh-TW" sz="2000" dirty="0"/>
           </a:p>
           <a:p>
             <a:pPr marL="0" indent="0">
@@ -18013,38 +16554,38 @@
               <a:buNone/>
             </a:pPr>
             <a:r>
-              <a:rPr lang="en-US" altLang="zh-TW" sz="2200" dirty="0" smtClean="0"/>
+              <a:rPr lang="en-US" altLang="zh-TW" sz="2200" dirty="0"/>
               <a:t>            c[</a:t>
             </a:r>
             <a:r>
-              <a:rPr lang="en-US" altLang="zh-TW" sz="2200" dirty="0" err="1" smtClean="0"/>
+              <a:rPr lang="en-US" altLang="zh-TW" sz="2200" dirty="0" err="1"/>
               <a:t>i</a:t>
             </a:r>
             <a:r>
-              <a:rPr lang="en-US" altLang="zh-TW" sz="2200" dirty="0" smtClean="0"/>
+              <a:rPr lang="en-US" altLang="zh-TW" sz="2200" dirty="0"/>
               <a:t>][j] = a[</a:t>
             </a:r>
             <a:r>
-              <a:rPr lang="en-US" altLang="zh-TW" sz="2200" dirty="0" err="1" smtClean="0"/>
+              <a:rPr lang="en-US" altLang="zh-TW" sz="2200" dirty="0" err="1"/>
               <a:t>i</a:t>
             </a:r>
             <a:r>
-              <a:rPr lang="en-US" altLang="zh-TW" sz="2200" dirty="0" smtClean="0"/>
+              <a:rPr lang="en-US" altLang="zh-TW" sz="2200" dirty="0"/>
               <a:t>][j] + b[</a:t>
             </a:r>
             <a:r>
-              <a:rPr lang="en-US" altLang="zh-TW" sz="2200" dirty="0" err="1" smtClean="0"/>
+              <a:rPr lang="en-US" altLang="zh-TW" sz="2200" dirty="0" err="1"/>
               <a:t>i</a:t>
             </a:r>
             <a:r>
-              <a:rPr lang="en-US" altLang="zh-TW" sz="2200" dirty="0" smtClean="0"/>
+              <a:rPr lang="en-US" altLang="zh-TW" sz="2200" dirty="0"/>
               <a:t>][j];</a:t>
             </a:r>
             <a:r>
-              <a:rPr lang="en-US" altLang="zh-TW" sz="2000" dirty="0" smtClean="0"/>
+              <a:rPr lang="en-US" altLang="zh-TW" sz="2000" dirty="0"/>
               <a:t> </a:t>
             </a:r>
-            <a:endParaRPr lang="en-US" altLang="zh-TW" sz="1400" dirty="0" smtClean="0"/>
+            <a:endParaRPr lang="en-US" altLang="zh-TW" sz="1400" dirty="0"/>
           </a:p>
           <a:p>
             <a:pPr marL="0" indent="0">
@@ -18054,10 +16595,10 @@
               <a:buNone/>
             </a:pPr>
             <a:r>
-              <a:rPr lang="en-US" altLang="zh-TW" sz="2200" dirty="0" smtClean="0"/>
+              <a:rPr lang="en-US" altLang="zh-TW" sz="2200" dirty="0"/>
               <a:t>        }</a:t>
             </a:r>
-            <a:endParaRPr lang="en-US" altLang="zh-TW" sz="2000" dirty="0" smtClean="0">
+            <a:endParaRPr lang="en-US" altLang="zh-TW" sz="2000" dirty="0">
               <a:solidFill>
                 <a:srgbClr val="FF0000"/>
               </a:solidFill>
@@ -18071,7 +16612,7 @@
               <a:buNone/>
             </a:pPr>
             <a:r>
-              <a:rPr lang="en-US" altLang="zh-TW" sz="2200" dirty="0" smtClean="0"/>
+              <a:rPr lang="en-US" altLang="zh-TW" sz="2200" dirty="0"/>
               <a:t>    }</a:t>
             </a:r>
           </a:p>
@@ -18083,7 +16624,7 @@
               <a:buNone/>
             </a:pPr>
             <a:r>
-              <a:rPr lang="en-US" altLang="zh-TW" sz="2200" dirty="0" smtClean="0"/>
+              <a:rPr lang="en-US" altLang="zh-TW" sz="2200" dirty="0"/>
               <a:t>}</a:t>
             </a:r>
             <a:endParaRPr lang="zh-TW" altLang="en-US" sz="2200" dirty="0"/>
@@ -18119,16 +16660,8 @@
           </a:p>
           <a:p>
             <a:r>
-              <a:rPr lang="en-US" altLang="zh-TW" dirty="0" smtClean="0"/>
-              <a:t>rows=2</a:t>
-            </a:r>
-            <a:r>
-              <a:rPr lang="en-US" altLang="zh-TW" dirty="0"/>
-              <a:t>, </a:t>
-            </a:r>
-            <a:r>
-              <a:rPr lang="en-US" altLang="zh-TW" dirty="0" smtClean="0"/>
-              <a:t>cols=3, count = 0</a:t>
+              <a:rPr lang="en-US" altLang="zh-TW" dirty="0"/>
+              <a:t>rows=2, cols=3, count = 0</a:t>
             </a:r>
             <a:endParaRPr lang="zh-TW" altLang="en-US" dirty="0"/>
           </a:p>
@@ -18157,14 +16690,13 @@
           <a:lstStyle/>
           <a:p>
             <a:r>
-              <a:rPr lang="en-US" altLang="zh-TW" dirty="0" smtClean="0"/>
+              <a:rPr lang="en-US" altLang="zh-TW" dirty="0"/>
               <a:t>rows+1 </a:t>
             </a:r>
             <a:r>
-              <a:rPr lang="zh-TW" altLang="en-US" dirty="0" smtClean="0"/>
+              <a:rPr lang="zh-TW" altLang="en-US" dirty="0"/>
               <a:t>次</a:t>
             </a:r>
-            <a:endParaRPr lang="zh-TW" altLang="en-US" dirty="0"/>
           </a:p>
         </p:txBody>
       </p:sp>
@@ -18192,17 +16724,12 @@
           <a:p>
             <a:r>
               <a:rPr lang="en-US" altLang="zh-TW" dirty="0"/>
-              <a:t>r</a:t>
-            </a:r>
-            <a:r>
-              <a:rPr lang="en-US" altLang="zh-TW" dirty="0" smtClean="0"/>
-              <a:t>ows*(cols+1) </a:t>
-            </a:r>
-            <a:r>
-              <a:rPr lang="zh-TW" altLang="en-US" dirty="0" smtClean="0"/>
+              <a:t>rows*(cols+1) </a:t>
+            </a:r>
+            <a:r>
+              <a:rPr lang="zh-TW" altLang="en-US" dirty="0"/>
               <a:t>次</a:t>
             </a:r>
-            <a:endParaRPr lang="zh-TW" altLang="en-US" dirty="0"/>
           </a:p>
         </p:txBody>
       </p:sp>
@@ -18229,14 +16756,13 @@
           <a:lstStyle/>
           <a:p>
             <a:r>
-              <a:rPr lang="en-US" altLang="zh-TW" dirty="0" smtClean="0"/>
+              <a:rPr lang="en-US" altLang="zh-TW" dirty="0"/>
               <a:t>rows*cols </a:t>
             </a:r>
             <a:r>
-              <a:rPr lang="zh-TW" altLang="en-US" dirty="0" smtClean="0"/>
+              <a:rPr lang="zh-TW" altLang="en-US" dirty="0"/>
               <a:t>次</a:t>
             </a:r>
-            <a:endParaRPr lang="zh-TW" altLang="en-US" dirty="0"/>
           </a:p>
         </p:txBody>
       </p:sp>
@@ -18293,7 +16819,7 @@
           <a:lstStyle/>
           <a:p>
             <a:r>
-              <a:rPr lang="en-US" altLang="zh-TW" dirty="0" smtClean="0"/>
+              <a:rPr lang="en-US" altLang="zh-TW" dirty="0"/>
               <a:t>+</a:t>
             </a:r>
             <a:endParaRPr lang="zh-TW" altLang="en-US" dirty="0"/>
@@ -18323,14 +16849,13 @@
           <a:lstStyle/>
           <a:p>
             <a:r>
-              <a:rPr lang="en-US" altLang="zh-TW" dirty="0" smtClean="0"/>
+              <a:rPr lang="en-US" altLang="zh-TW" dirty="0"/>
               <a:t>2rows*cols+2rows+1 </a:t>
             </a:r>
             <a:r>
-              <a:rPr lang="zh-TW" altLang="en-US" dirty="0" smtClean="0"/>
+              <a:rPr lang="zh-TW" altLang="en-US" dirty="0"/>
               <a:t>次</a:t>
             </a:r>
-            <a:endParaRPr lang="zh-TW" altLang="en-US" dirty="0"/>
           </a:p>
         </p:txBody>
       </p:sp>
@@ -18359,22 +16884,16 @@
           <a:lstStyle/>
           <a:p>
             <a:r>
-              <a:rPr lang="zh-TW" altLang="en-US" smtClean="0">
+              <a:rPr lang="zh-TW" altLang="en-US">
                 <a:ea typeface="標楷體" panose="03000509000000000000" pitchFamily="65" charset="-120"/>
               </a:rPr>
               <a:t>回</a:t>
             </a:r>
             <a:r>
-              <a:rPr lang="en-US" altLang="zh-TW" dirty="0" smtClean="0">
-                <a:ea typeface="標楷體" panose="03000509000000000000" pitchFamily="65" charset="-120"/>
-              </a:rPr>
-              <a:t>outlin</a:t>
-            </a:r>
-            <a:r>
               <a:rPr lang="en-US" altLang="zh-TW" dirty="0">
                 <a:ea typeface="標楷體" panose="03000509000000000000" pitchFamily="65" charset="-120"/>
               </a:rPr>
-              <a:t>e</a:t>
+              <a:t>outline</a:t>
             </a:r>
             <a:endParaRPr lang="zh-TW" altLang="en-US" dirty="0">
               <a:ea typeface="標楷體" panose="03000509000000000000" pitchFamily="65" charset="-120"/>
@@ -18392,13 +16911,6 @@
   <p:clrMapOvr>
     <a:masterClrMapping/>
   </p:clrMapOvr>
-  <p:timing>
-    <p:tnLst>
-      <p:par>
-        <p:cTn id="1" dur="indefinite" restart="never" nodeType="tmRoot"/>
-      </p:par>
-    </p:tnLst>
-  </p:timing>
 </p:sld>
 </file>
 
@@ -18494,27 +17006,23 @@
             </a:r>
             <a:r>
               <a:rPr lang="en-US" altLang="zh-TW" dirty="0"/>
-              <a:t> = 0</a:t>
-            </a:r>
-            <a:r>
-              <a:rPr lang="en-US" altLang="zh-TW" dirty="0" smtClean="0"/>
-              <a:t>;   </a:t>
-            </a:r>
-          </a:p>
-          <a:p>
-            <a:pPr marL="0" indent="0">
-              <a:buNone/>
-            </a:pPr>
-            <a:r>
-              <a:rPr lang="en-US" altLang="zh-TW" dirty="0" smtClean="0"/>
+              <a:t> = 0;   </a:t>
+            </a:r>
+          </a:p>
+          <a:p>
+            <a:pPr marL="0" indent="0">
+              <a:buNone/>
+            </a:pPr>
+            <a:r>
+              <a:rPr lang="en-US" altLang="zh-TW" dirty="0"/>
               <a:t>    </a:t>
             </a:r>
             <a:r>
-              <a:rPr lang="en-US" altLang="zh-TW" dirty="0" err="1" smtClean="0"/>
+              <a:rPr lang="en-US" altLang="zh-TW" dirty="0" err="1"/>
               <a:t>int</a:t>
             </a:r>
             <a:r>
-              <a:rPr lang="en-US" altLang="zh-TW" dirty="0" smtClean="0"/>
+              <a:rPr lang="en-US" altLang="zh-TW" dirty="0"/>
               <a:t> </a:t>
             </a:r>
             <a:r>
@@ -18556,20 +17064,16 @@
               <a:buNone/>
             </a:pPr>
             <a:r>
-              <a:rPr lang="en-US" altLang="zh-TW" dirty="0" smtClean="0"/>
+              <a:rPr lang="en-US" altLang="zh-TW" dirty="0"/>
               <a:t>        </a:t>
             </a:r>
             <a:r>
-              <a:rPr lang="en-US" altLang="zh-TW" dirty="0" err="1" smtClean="0"/>
+              <a:rPr lang="en-US" altLang="zh-TW" dirty="0" err="1"/>
               <a:t>tempsum</a:t>
             </a:r>
             <a:r>
-              <a:rPr lang="en-US" altLang="zh-TW" dirty="0" smtClean="0"/>
-              <a:t> </a:t>
-            </a:r>
-            <a:r>
-              <a:rPr lang="en-US" altLang="zh-TW" dirty="0"/>
-              <a:t>+= list[</a:t>
+              <a:rPr lang="en-US" altLang="zh-TW" dirty="0"/>
+              <a:t> += list[</a:t>
             </a:r>
             <a:r>
               <a:rPr lang="en-US" altLang="zh-TW" dirty="0" err="1"/>
@@ -18585,17 +17089,16 @@
               <a:buNone/>
             </a:pPr>
             <a:r>
-              <a:rPr lang="en-US" altLang="zh-TW" dirty="0" smtClean="0"/>
+              <a:rPr lang="en-US" altLang="zh-TW" dirty="0"/>
               <a:t>    }</a:t>
             </a:r>
-            <a:endParaRPr lang="en-US" altLang="zh-TW" dirty="0"/>
-          </a:p>
-          <a:p>
-            <a:pPr marL="0" indent="0">
-              <a:buNone/>
-            </a:pPr>
-            <a:r>
-              <a:rPr lang="en-US" altLang="zh-TW" dirty="0" smtClean="0"/>
+          </a:p>
+          <a:p>
+            <a:pPr marL="0" indent="0">
+              <a:buNone/>
+            </a:pPr>
+            <a:r>
+              <a:rPr lang="en-US" altLang="zh-TW" dirty="0"/>
               <a:t>    return </a:t>
             </a:r>
             <a:r>
@@ -18648,15 +17151,15 @@
           </a:p>
           <a:p>
             <a:r>
-              <a:rPr lang="en-US" altLang="zh-TW" dirty="0" smtClean="0"/>
+              <a:rPr lang="en-US" altLang="zh-TW" dirty="0"/>
               <a:t>n</a:t>
             </a:r>
             <a:r>
-              <a:rPr lang="zh-TW" altLang="en-US" dirty="0" smtClean="0"/>
+              <a:rPr lang="zh-TW" altLang="en-US" dirty="0"/>
               <a:t> </a:t>
             </a:r>
             <a:r>
-              <a:rPr lang="en-US" altLang="zh-TW" dirty="0" smtClean="0"/>
+              <a:rPr lang="en-US" altLang="zh-TW" dirty="0"/>
               <a:t>= 3,     count = 0</a:t>
             </a:r>
             <a:endParaRPr lang="zh-TW" altLang="en-US" dirty="0"/>
@@ -18734,7 +17237,7 @@
           <a:lstStyle/>
           <a:p>
             <a:r>
-              <a:rPr lang="en-US" altLang="zh-TW" dirty="0" err="1" smtClean="0">
+              <a:rPr lang="en-US" altLang="zh-TW" dirty="0" err="1">
                 <a:solidFill>
                   <a:srgbClr val="FF0000"/>
                 </a:solidFill>
@@ -18742,7 +17245,7 @@
               <a:t>i</a:t>
             </a:r>
             <a:r>
-              <a:rPr lang="en-US" altLang="zh-TW" dirty="0" smtClean="0">
+              <a:rPr lang="en-US" altLang="zh-TW" dirty="0">
                 <a:solidFill>
                   <a:srgbClr val="FF0000"/>
                 </a:solidFill>
@@ -18767,13 +17270,6 @@
   <p:clrMapOvr>
     <a:masterClrMapping/>
   </p:clrMapOvr>
-  <p:timing>
-    <p:tnLst>
-      <p:par>
-        <p:cTn id="1" dur="indefinite" restart="never" nodeType="tmRoot"/>
-      </p:par>
-    </p:tnLst>
-  </p:timing>
 </p:sld>
 </file>
 
@@ -18869,27 +17365,23 @@
             </a:r>
             <a:r>
               <a:rPr lang="en-US" altLang="zh-TW" dirty="0"/>
-              <a:t> = 0</a:t>
-            </a:r>
-            <a:r>
-              <a:rPr lang="en-US" altLang="zh-TW" dirty="0" smtClean="0"/>
-              <a:t>;   </a:t>
-            </a:r>
-          </a:p>
-          <a:p>
-            <a:pPr marL="0" indent="0">
-              <a:buNone/>
-            </a:pPr>
-            <a:r>
-              <a:rPr lang="en-US" altLang="zh-TW" dirty="0" smtClean="0"/>
+              <a:t> = 0;   </a:t>
+            </a:r>
+          </a:p>
+          <a:p>
+            <a:pPr marL="0" indent="0">
+              <a:buNone/>
+            </a:pPr>
+            <a:r>
+              <a:rPr lang="en-US" altLang="zh-TW" dirty="0"/>
               <a:t>    </a:t>
             </a:r>
             <a:r>
-              <a:rPr lang="en-US" altLang="zh-TW" dirty="0" err="1" smtClean="0"/>
+              <a:rPr lang="en-US" altLang="zh-TW" dirty="0" err="1"/>
               <a:t>int</a:t>
             </a:r>
             <a:r>
-              <a:rPr lang="en-US" altLang="zh-TW" dirty="0" smtClean="0"/>
+              <a:rPr lang="en-US" altLang="zh-TW" dirty="0"/>
               <a:t> </a:t>
             </a:r>
             <a:r>
@@ -18931,20 +17423,16 @@
               <a:buNone/>
             </a:pPr>
             <a:r>
-              <a:rPr lang="en-US" altLang="zh-TW" dirty="0" smtClean="0"/>
+              <a:rPr lang="en-US" altLang="zh-TW" dirty="0"/>
               <a:t>        </a:t>
             </a:r>
             <a:r>
-              <a:rPr lang="en-US" altLang="zh-TW" dirty="0" err="1" smtClean="0"/>
+              <a:rPr lang="en-US" altLang="zh-TW" dirty="0" err="1"/>
               <a:t>tempsum</a:t>
             </a:r>
             <a:r>
-              <a:rPr lang="en-US" altLang="zh-TW" dirty="0" smtClean="0"/>
-              <a:t> </a:t>
-            </a:r>
-            <a:r>
-              <a:rPr lang="en-US" altLang="zh-TW" dirty="0"/>
-              <a:t>+= list[</a:t>
+              <a:rPr lang="en-US" altLang="zh-TW" dirty="0"/>
+              <a:t> += list[</a:t>
             </a:r>
             <a:r>
               <a:rPr lang="en-US" altLang="zh-TW" dirty="0" err="1"/>
@@ -18960,17 +17448,16 @@
               <a:buNone/>
             </a:pPr>
             <a:r>
-              <a:rPr lang="en-US" altLang="zh-TW" dirty="0" smtClean="0"/>
+              <a:rPr lang="en-US" altLang="zh-TW" dirty="0"/>
               <a:t>    }</a:t>
             </a:r>
-            <a:endParaRPr lang="en-US" altLang="zh-TW" dirty="0"/>
-          </a:p>
-          <a:p>
-            <a:pPr marL="0" indent="0">
-              <a:buNone/>
-            </a:pPr>
-            <a:r>
-              <a:rPr lang="en-US" altLang="zh-TW" dirty="0" smtClean="0"/>
+          </a:p>
+          <a:p>
+            <a:pPr marL="0" indent="0">
+              <a:buNone/>
+            </a:pPr>
+            <a:r>
+              <a:rPr lang="en-US" altLang="zh-TW" dirty="0"/>
               <a:t>    return </a:t>
             </a:r>
             <a:r>
@@ -19023,15 +17510,15 @@
           </a:p>
           <a:p>
             <a:r>
-              <a:rPr lang="en-US" altLang="zh-TW" dirty="0" smtClean="0"/>
+              <a:rPr lang="en-US" altLang="zh-TW" dirty="0"/>
               <a:t>n</a:t>
             </a:r>
             <a:r>
-              <a:rPr lang="zh-TW" altLang="en-US" dirty="0" smtClean="0"/>
+              <a:rPr lang="zh-TW" altLang="en-US" dirty="0"/>
               <a:t> </a:t>
             </a:r>
             <a:r>
-              <a:rPr lang="en-US" altLang="zh-TW" dirty="0" smtClean="0"/>
+              <a:rPr lang="en-US" altLang="zh-TW" dirty="0"/>
               <a:t>= 3,     count = 0</a:t>
             </a:r>
             <a:endParaRPr lang="zh-TW" altLang="en-US" dirty="0"/>
@@ -19114,15 +17601,7 @@
                   <a:srgbClr val="FF0000"/>
                 </a:solidFill>
               </a:rPr>
-              <a:t>c</a:t>
-            </a:r>
-            <a:r>
-              <a:rPr lang="en-US" altLang="zh-TW" dirty="0" smtClean="0">
-                <a:solidFill>
-                  <a:srgbClr val="FF0000"/>
-                </a:solidFill>
-              </a:rPr>
-              <a:t>ount = 3</a:t>
+              <a:t>count = 3</a:t>
             </a:r>
             <a:endParaRPr lang="zh-TW" altLang="en-US" dirty="0">
               <a:solidFill>
@@ -19142,13 +17621,6 @@
   <p:clrMapOvr>
     <a:masterClrMapping/>
   </p:clrMapOvr>
-  <p:timing>
-    <p:tnLst>
-      <p:par>
-        <p:cTn id="1" dur="indefinite" restart="never" nodeType="tmRoot"/>
-      </p:par>
-    </p:tnLst>
-  </p:timing>
 </p:sld>
 </file>
 
@@ -19244,27 +17716,23 @@
             </a:r>
             <a:r>
               <a:rPr lang="en-US" altLang="zh-TW" dirty="0"/>
-              <a:t> = 0</a:t>
-            </a:r>
-            <a:r>
-              <a:rPr lang="en-US" altLang="zh-TW" dirty="0" smtClean="0"/>
-              <a:t>;   </a:t>
-            </a:r>
-          </a:p>
-          <a:p>
-            <a:pPr marL="0" indent="0">
-              <a:buNone/>
-            </a:pPr>
-            <a:r>
-              <a:rPr lang="en-US" altLang="zh-TW" dirty="0" smtClean="0"/>
+              <a:t> = 0;   </a:t>
+            </a:r>
+          </a:p>
+          <a:p>
+            <a:pPr marL="0" indent="0">
+              <a:buNone/>
+            </a:pPr>
+            <a:r>
+              <a:rPr lang="en-US" altLang="zh-TW" dirty="0"/>
               <a:t>    </a:t>
             </a:r>
             <a:r>
-              <a:rPr lang="en-US" altLang="zh-TW" dirty="0" err="1" smtClean="0"/>
+              <a:rPr lang="en-US" altLang="zh-TW" dirty="0" err="1"/>
               <a:t>int</a:t>
             </a:r>
             <a:r>
-              <a:rPr lang="en-US" altLang="zh-TW" dirty="0" smtClean="0"/>
+              <a:rPr lang="en-US" altLang="zh-TW" dirty="0"/>
               <a:t> </a:t>
             </a:r>
             <a:r>
@@ -19306,20 +17774,16 @@
               <a:buNone/>
             </a:pPr>
             <a:r>
-              <a:rPr lang="en-US" altLang="zh-TW" dirty="0" smtClean="0"/>
+              <a:rPr lang="en-US" altLang="zh-TW" dirty="0"/>
               <a:t>        </a:t>
             </a:r>
             <a:r>
-              <a:rPr lang="en-US" altLang="zh-TW" dirty="0" err="1" smtClean="0"/>
+              <a:rPr lang="en-US" altLang="zh-TW" dirty="0" err="1"/>
               <a:t>tempsum</a:t>
             </a:r>
             <a:r>
-              <a:rPr lang="en-US" altLang="zh-TW" dirty="0" smtClean="0"/>
-              <a:t> </a:t>
-            </a:r>
-            <a:r>
-              <a:rPr lang="en-US" altLang="zh-TW" dirty="0"/>
-              <a:t>+= list[</a:t>
+              <a:rPr lang="en-US" altLang="zh-TW" dirty="0"/>
+              <a:t> += list[</a:t>
             </a:r>
             <a:r>
               <a:rPr lang="en-US" altLang="zh-TW" dirty="0" err="1"/>
@@ -19335,17 +17799,16 @@
               <a:buNone/>
             </a:pPr>
             <a:r>
-              <a:rPr lang="en-US" altLang="zh-TW" dirty="0" smtClean="0"/>
+              <a:rPr lang="en-US" altLang="zh-TW" dirty="0"/>
               <a:t>    }</a:t>
             </a:r>
-            <a:endParaRPr lang="en-US" altLang="zh-TW" dirty="0"/>
-          </a:p>
-          <a:p>
-            <a:pPr marL="0" indent="0">
-              <a:buNone/>
-            </a:pPr>
-            <a:r>
-              <a:rPr lang="en-US" altLang="zh-TW" dirty="0" smtClean="0"/>
+          </a:p>
+          <a:p>
+            <a:pPr marL="0" indent="0">
+              <a:buNone/>
+            </a:pPr>
+            <a:r>
+              <a:rPr lang="en-US" altLang="zh-TW" dirty="0"/>
               <a:t>    return </a:t>
             </a:r>
             <a:r>
@@ -19398,15 +17861,15 @@
           </a:p>
           <a:p>
             <a:r>
-              <a:rPr lang="en-US" altLang="zh-TW" dirty="0" smtClean="0"/>
+              <a:rPr lang="en-US" altLang="zh-TW" dirty="0"/>
               <a:t>n</a:t>
             </a:r>
             <a:r>
-              <a:rPr lang="zh-TW" altLang="en-US" dirty="0" smtClean="0"/>
+              <a:rPr lang="zh-TW" altLang="en-US" dirty="0"/>
               <a:t> </a:t>
             </a:r>
             <a:r>
-              <a:rPr lang="en-US" altLang="zh-TW" dirty="0" smtClean="0"/>
+              <a:rPr lang="en-US" altLang="zh-TW" dirty="0"/>
               <a:t>= 3,     count = 0</a:t>
             </a:r>
             <a:endParaRPr lang="zh-TW" altLang="en-US" dirty="0"/>
@@ -19484,7 +17947,7 @@
           <a:lstStyle/>
           <a:p>
             <a:r>
-              <a:rPr lang="en-US" altLang="zh-TW" dirty="0" err="1" smtClean="0">
+              <a:rPr lang="en-US" altLang="zh-TW" dirty="0" err="1">
                 <a:solidFill>
                   <a:srgbClr val="FF0000"/>
                 </a:solidFill>
@@ -19492,7 +17955,7 @@
               <a:t>i</a:t>
             </a:r>
             <a:r>
-              <a:rPr lang="en-US" altLang="zh-TW" dirty="0" smtClean="0">
+              <a:rPr lang="en-US" altLang="zh-TW" dirty="0">
                 <a:solidFill>
                   <a:srgbClr val="FF0000"/>
                 </a:solidFill>
@@ -19517,13 +17980,6 @@
   <p:clrMapOvr>
     <a:masterClrMapping/>
   </p:clrMapOvr>
-  <p:timing>
-    <p:tnLst>
-      <p:par>
-        <p:cTn id="1" dur="indefinite" restart="never" nodeType="tmRoot"/>
-      </p:par>
-    </p:tnLst>
-  </p:timing>
 </p:sld>
 </file>
 
@@ -19619,27 +18075,23 @@
             </a:r>
             <a:r>
               <a:rPr lang="en-US" altLang="zh-TW" dirty="0"/>
-              <a:t> = 0</a:t>
-            </a:r>
-            <a:r>
-              <a:rPr lang="en-US" altLang="zh-TW" dirty="0" smtClean="0"/>
-              <a:t>;   </a:t>
-            </a:r>
-          </a:p>
-          <a:p>
-            <a:pPr marL="0" indent="0">
-              <a:buNone/>
-            </a:pPr>
-            <a:r>
-              <a:rPr lang="en-US" altLang="zh-TW" dirty="0" smtClean="0"/>
+              <a:t> = 0;   </a:t>
+            </a:r>
+          </a:p>
+          <a:p>
+            <a:pPr marL="0" indent="0">
+              <a:buNone/>
+            </a:pPr>
+            <a:r>
+              <a:rPr lang="en-US" altLang="zh-TW" dirty="0"/>
               <a:t>    </a:t>
             </a:r>
             <a:r>
-              <a:rPr lang="en-US" altLang="zh-TW" dirty="0" err="1" smtClean="0"/>
+              <a:rPr lang="en-US" altLang="zh-TW" dirty="0" err="1"/>
               <a:t>int</a:t>
             </a:r>
             <a:r>
-              <a:rPr lang="en-US" altLang="zh-TW" dirty="0" smtClean="0"/>
+              <a:rPr lang="en-US" altLang="zh-TW" dirty="0"/>
               <a:t> </a:t>
             </a:r>
             <a:r>
@@ -19681,20 +18133,16 @@
               <a:buNone/>
             </a:pPr>
             <a:r>
-              <a:rPr lang="en-US" altLang="zh-TW" dirty="0" smtClean="0"/>
+              <a:rPr lang="en-US" altLang="zh-TW" dirty="0"/>
               <a:t>        </a:t>
             </a:r>
             <a:r>
-              <a:rPr lang="en-US" altLang="zh-TW" dirty="0" err="1" smtClean="0"/>
+              <a:rPr lang="en-US" altLang="zh-TW" dirty="0" err="1"/>
               <a:t>tempsum</a:t>
             </a:r>
             <a:r>
-              <a:rPr lang="en-US" altLang="zh-TW" dirty="0" smtClean="0"/>
-              <a:t> </a:t>
-            </a:r>
-            <a:r>
-              <a:rPr lang="en-US" altLang="zh-TW" dirty="0"/>
-              <a:t>+= list[</a:t>
+              <a:rPr lang="en-US" altLang="zh-TW" dirty="0"/>
+              <a:t> += list[</a:t>
             </a:r>
             <a:r>
               <a:rPr lang="en-US" altLang="zh-TW" dirty="0" err="1"/>
@@ -19710,17 +18158,16 @@
               <a:buNone/>
             </a:pPr>
             <a:r>
-              <a:rPr lang="en-US" altLang="zh-TW" dirty="0" smtClean="0"/>
+              <a:rPr lang="en-US" altLang="zh-TW" dirty="0"/>
               <a:t>    }</a:t>
             </a:r>
-            <a:endParaRPr lang="en-US" altLang="zh-TW" dirty="0"/>
-          </a:p>
-          <a:p>
-            <a:pPr marL="0" indent="0">
-              <a:buNone/>
-            </a:pPr>
-            <a:r>
-              <a:rPr lang="en-US" altLang="zh-TW" dirty="0" smtClean="0"/>
+          </a:p>
+          <a:p>
+            <a:pPr marL="0" indent="0">
+              <a:buNone/>
+            </a:pPr>
+            <a:r>
+              <a:rPr lang="en-US" altLang="zh-TW" dirty="0"/>
               <a:t>    return </a:t>
             </a:r>
             <a:r>
@@ -19773,15 +18220,15 @@
           </a:p>
           <a:p>
             <a:r>
-              <a:rPr lang="en-US" altLang="zh-TW" dirty="0" smtClean="0"/>
+              <a:rPr lang="en-US" altLang="zh-TW" dirty="0"/>
               <a:t>n</a:t>
             </a:r>
             <a:r>
-              <a:rPr lang="zh-TW" altLang="en-US" dirty="0" smtClean="0"/>
+              <a:rPr lang="zh-TW" altLang="en-US" dirty="0"/>
               <a:t> </a:t>
             </a:r>
             <a:r>
-              <a:rPr lang="en-US" altLang="zh-TW" dirty="0" smtClean="0"/>
+              <a:rPr lang="en-US" altLang="zh-TW" dirty="0"/>
               <a:t>= 3,     count = 0</a:t>
             </a:r>
             <a:endParaRPr lang="zh-TW" altLang="en-US" dirty="0"/>
@@ -19864,15 +18311,7 @@
                   <a:srgbClr val="FF0000"/>
                 </a:solidFill>
               </a:rPr>
-              <a:t>c</a:t>
-            </a:r>
-            <a:r>
-              <a:rPr lang="en-US" altLang="zh-TW" dirty="0" smtClean="0">
-                <a:solidFill>
-                  <a:srgbClr val="FF0000"/>
-                </a:solidFill>
-              </a:rPr>
-              <a:t>ount = 5</a:t>
+              <a:t>count = 5</a:t>
             </a:r>
             <a:endParaRPr lang="zh-TW" altLang="en-US" dirty="0">
               <a:solidFill>
@@ -19892,13 +18331,6 @@
   <p:clrMapOvr>
     <a:masterClrMapping/>
   </p:clrMapOvr>
-  <p:timing>
-    <p:tnLst>
-      <p:par>
-        <p:cTn id="1" dur="indefinite" restart="never" nodeType="tmRoot"/>
-      </p:par>
-    </p:tnLst>
-  </p:timing>
 </p:sld>
 </file>
 
@@ -19994,27 +18426,23 @@
             </a:r>
             <a:r>
               <a:rPr lang="en-US" altLang="zh-TW" dirty="0"/>
-              <a:t> = 0</a:t>
-            </a:r>
-            <a:r>
-              <a:rPr lang="en-US" altLang="zh-TW" dirty="0" smtClean="0"/>
-              <a:t>;   </a:t>
-            </a:r>
-          </a:p>
-          <a:p>
-            <a:pPr marL="0" indent="0">
-              <a:buNone/>
-            </a:pPr>
-            <a:r>
-              <a:rPr lang="en-US" altLang="zh-TW" dirty="0" smtClean="0"/>
+              <a:t> = 0;   </a:t>
+            </a:r>
+          </a:p>
+          <a:p>
+            <a:pPr marL="0" indent="0">
+              <a:buNone/>
+            </a:pPr>
+            <a:r>
+              <a:rPr lang="en-US" altLang="zh-TW" dirty="0"/>
               <a:t>    </a:t>
             </a:r>
             <a:r>
-              <a:rPr lang="en-US" altLang="zh-TW" dirty="0" err="1" smtClean="0"/>
+              <a:rPr lang="en-US" altLang="zh-TW" dirty="0" err="1"/>
               <a:t>int</a:t>
             </a:r>
             <a:r>
-              <a:rPr lang="en-US" altLang="zh-TW" dirty="0" smtClean="0"/>
+              <a:rPr lang="en-US" altLang="zh-TW" dirty="0"/>
               <a:t> </a:t>
             </a:r>
             <a:r>
@@ -20056,20 +18484,16 @@
               <a:buNone/>
             </a:pPr>
             <a:r>
-              <a:rPr lang="en-US" altLang="zh-TW" dirty="0" smtClean="0"/>
+              <a:rPr lang="en-US" altLang="zh-TW" dirty="0"/>
               <a:t>        </a:t>
             </a:r>
             <a:r>
-              <a:rPr lang="en-US" altLang="zh-TW" dirty="0" err="1" smtClean="0"/>
+              <a:rPr lang="en-US" altLang="zh-TW" dirty="0" err="1"/>
               <a:t>tempsum</a:t>
             </a:r>
             <a:r>
-              <a:rPr lang="en-US" altLang="zh-TW" dirty="0" smtClean="0"/>
-              <a:t> </a:t>
-            </a:r>
-            <a:r>
-              <a:rPr lang="en-US" altLang="zh-TW" dirty="0"/>
-              <a:t>+= list[</a:t>
+              <a:rPr lang="en-US" altLang="zh-TW" dirty="0"/>
+              <a:t> += list[</a:t>
             </a:r>
             <a:r>
               <a:rPr lang="en-US" altLang="zh-TW" dirty="0" err="1"/>
@@ -20085,17 +18509,16 @@
               <a:buNone/>
             </a:pPr>
             <a:r>
-              <a:rPr lang="en-US" altLang="zh-TW" dirty="0" smtClean="0"/>
+              <a:rPr lang="en-US" altLang="zh-TW" dirty="0"/>
               <a:t>    }</a:t>
             </a:r>
-            <a:endParaRPr lang="en-US" altLang="zh-TW" dirty="0"/>
-          </a:p>
-          <a:p>
-            <a:pPr marL="0" indent="0">
-              <a:buNone/>
-            </a:pPr>
-            <a:r>
-              <a:rPr lang="en-US" altLang="zh-TW" dirty="0" smtClean="0"/>
+          </a:p>
+          <a:p>
+            <a:pPr marL="0" indent="0">
+              <a:buNone/>
+            </a:pPr>
+            <a:r>
+              <a:rPr lang="en-US" altLang="zh-TW" dirty="0"/>
               <a:t>    return </a:t>
             </a:r>
             <a:r>
@@ -20148,15 +18571,15 @@
           </a:p>
           <a:p>
             <a:r>
-              <a:rPr lang="en-US" altLang="zh-TW" dirty="0" smtClean="0"/>
+              <a:rPr lang="en-US" altLang="zh-TW" dirty="0"/>
               <a:t>n</a:t>
             </a:r>
             <a:r>
-              <a:rPr lang="zh-TW" altLang="en-US" dirty="0" smtClean="0"/>
+              <a:rPr lang="zh-TW" altLang="en-US" dirty="0"/>
               <a:t> </a:t>
             </a:r>
             <a:r>
-              <a:rPr lang="en-US" altLang="zh-TW" dirty="0" smtClean="0"/>
+              <a:rPr lang="en-US" altLang="zh-TW" dirty="0"/>
               <a:t>= 3,     count = 0</a:t>
             </a:r>
             <a:endParaRPr lang="zh-TW" altLang="en-US" dirty="0"/>
@@ -20234,7 +18657,7 @@
           <a:lstStyle/>
           <a:p>
             <a:r>
-              <a:rPr lang="en-US" altLang="zh-TW" dirty="0" err="1" smtClean="0">
+              <a:rPr lang="en-US" altLang="zh-TW" dirty="0" err="1">
                 <a:solidFill>
                   <a:srgbClr val="FF0000"/>
                 </a:solidFill>
@@ -20242,7 +18665,7 @@
               <a:t>i</a:t>
             </a:r>
             <a:r>
-              <a:rPr lang="en-US" altLang="zh-TW" dirty="0" smtClean="0">
+              <a:rPr lang="en-US" altLang="zh-TW" dirty="0">
                 <a:solidFill>
                   <a:srgbClr val="FF0000"/>
                 </a:solidFill>
@@ -20267,13 +18690,6 @@
   <p:clrMapOvr>
     <a:masterClrMapping/>
   </p:clrMapOvr>
-  <p:timing>
-    <p:tnLst>
-      <p:par>
-        <p:cTn id="1" dur="indefinite" restart="never" nodeType="tmRoot"/>
-      </p:par>
-    </p:tnLst>
-  </p:timing>
 </p:sld>
 </file>
 

--- a/Chapter 1 Basic Concepts/Chapter 1.pptx
+++ b/Chapter 1 Basic Concepts/Chapter 1.pptx
@@ -4,6 +4,9 @@
   <p:sldMasterIdLst>
     <p:sldMasterId id="2147483660" r:id="rId1"/>
   </p:sldMasterIdLst>
+  <p:notesMasterIdLst>
+    <p:notesMasterId r:id="rId48"/>
+  </p:notesMasterIdLst>
   <p:sldIdLst>
     <p:sldId id="256" r:id="rId2"/>
     <p:sldId id="257" r:id="rId3"/>
@@ -47,6 +50,10 @@
     <p:sldId id="297" r:id="rId41"/>
     <p:sldId id="298" r:id="rId42"/>
     <p:sldId id="299" r:id="rId43"/>
+    <p:sldId id="300" r:id="rId44"/>
+    <p:sldId id="301" r:id="rId45"/>
+    <p:sldId id="302" r:id="rId46"/>
+    <p:sldId id="303" r:id="rId47"/>
   </p:sldIdLst>
   <p:sldSz cx="9144000" cy="6858000" type="screen4x3"/>
   <p:notesSz cx="6858000" cy="9144000"/>
@@ -153,6 +160,1808 @@
 </p:presentation>
 </file>
 
+<file path=ppt/notesMasters/notesMaster1.xml><?xml version="1.0" encoding="utf-8"?>
+<p:notesMaster xmlns:a="http://schemas.openxmlformats.org/drawingml/2006/main" xmlns:r="http://schemas.openxmlformats.org/officeDocument/2006/relationships" xmlns:p="http://schemas.openxmlformats.org/presentationml/2006/main">
+  <p:cSld>
+    <p:bg>
+      <p:bgRef idx="1001">
+        <a:schemeClr val="bg1"/>
+      </p:bgRef>
+    </p:bg>
+    <p:spTree>
+      <p:nvGrpSpPr>
+        <p:cNvPr id="1" name=""/>
+        <p:cNvGrpSpPr/>
+        <p:nvPr/>
+      </p:nvGrpSpPr>
+      <p:grpSpPr>
+        <a:xfrm>
+          <a:off x="0" y="0"/>
+          <a:ext cx="0" cy="0"/>
+          <a:chOff x="0" y="0"/>
+          <a:chExt cx="0" cy="0"/>
+        </a:xfrm>
+      </p:grpSpPr>
+      <p:sp>
+        <p:nvSpPr>
+          <p:cNvPr id="2" name="頁首版面配置區 1"/>
+          <p:cNvSpPr>
+            <a:spLocks noGrp="1"/>
+          </p:cNvSpPr>
+          <p:nvPr>
+            <p:ph type="hdr" sz="quarter"/>
+          </p:nvPr>
+        </p:nvSpPr>
+        <p:spPr>
+          <a:xfrm>
+            <a:off x="0" y="0"/>
+            <a:ext cx="2971800" cy="458788"/>
+          </a:xfrm>
+          <a:prstGeom prst="rect">
+            <a:avLst/>
+          </a:prstGeom>
+        </p:spPr>
+        <p:txBody>
+          <a:bodyPr vert="horz" lIns="91440" tIns="45720" rIns="91440" bIns="45720" rtlCol="0"/>
+          <a:lstStyle>
+            <a:lvl1pPr algn="l">
+              <a:defRPr sz="1200"/>
+            </a:lvl1pPr>
+          </a:lstStyle>
+          <a:p>
+            <a:endParaRPr lang="zh-TW" altLang="en-US"/>
+          </a:p>
+        </p:txBody>
+      </p:sp>
+      <p:sp>
+        <p:nvSpPr>
+          <p:cNvPr id="3" name="日期版面配置區 2"/>
+          <p:cNvSpPr>
+            <a:spLocks noGrp="1"/>
+          </p:cNvSpPr>
+          <p:nvPr>
+            <p:ph type="dt" idx="1"/>
+          </p:nvPr>
+        </p:nvSpPr>
+        <p:spPr>
+          <a:xfrm>
+            <a:off x="3884613" y="0"/>
+            <a:ext cx="2971800" cy="458788"/>
+          </a:xfrm>
+          <a:prstGeom prst="rect">
+            <a:avLst/>
+          </a:prstGeom>
+        </p:spPr>
+        <p:txBody>
+          <a:bodyPr vert="horz" lIns="91440" tIns="45720" rIns="91440" bIns="45720" rtlCol="0"/>
+          <a:lstStyle>
+            <a:lvl1pPr algn="r">
+              <a:defRPr sz="1200"/>
+            </a:lvl1pPr>
+          </a:lstStyle>
+          <a:p>
+            <a:fld id="{C432BCC6-5FA7-477B-ACAC-CD2140F49415}" type="datetimeFigureOut">
+              <a:rPr lang="zh-TW" altLang="en-US" smtClean="0"/>
+              <a:t>2019/8/15</a:t>
+            </a:fld>
+            <a:endParaRPr lang="zh-TW" altLang="en-US"/>
+          </a:p>
+        </p:txBody>
+      </p:sp>
+      <p:sp>
+        <p:nvSpPr>
+          <p:cNvPr id="4" name="投影片圖像版面配置區 3"/>
+          <p:cNvSpPr>
+            <a:spLocks noGrp="1" noRot="1" noChangeAspect="1"/>
+          </p:cNvSpPr>
+          <p:nvPr>
+            <p:ph type="sldImg" idx="2"/>
+          </p:nvPr>
+        </p:nvSpPr>
+        <p:spPr>
+          <a:xfrm>
+            <a:off x="1371600" y="1143000"/>
+            <a:ext cx="4114800" cy="3086100"/>
+          </a:xfrm>
+          <a:prstGeom prst="rect">
+            <a:avLst/>
+          </a:prstGeom>
+          <a:noFill/>
+          <a:ln w="12700">
+            <a:solidFill>
+              <a:prstClr val="black"/>
+            </a:solidFill>
+          </a:ln>
+        </p:spPr>
+        <p:txBody>
+          <a:bodyPr vert="horz" lIns="91440" tIns="45720" rIns="91440" bIns="45720" rtlCol="0" anchor="ctr"/>
+          <a:lstStyle/>
+          <a:p>
+            <a:endParaRPr lang="zh-TW" altLang="en-US"/>
+          </a:p>
+        </p:txBody>
+      </p:sp>
+      <p:sp>
+        <p:nvSpPr>
+          <p:cNvPr id="5" name="備忘稿版面配置區 4"/>
+          <p:cNvSpPr>
+            <a:spLocks noGrp="1"/>
+          </p:cNvSpPr>
+          <p:nvPr>
+            <p:ph type="body" sz="quarter" idx="3"/>
+          </p:nvPr>
+        </p:nvSpPr>
+        <p:spPr>
+          <a:xfrm>
+            <a:off x="685800" y="4400550"/>
+            <a:ext cx="5486400" cy="3600450"/>
+          </a:xfrm>
+          <a:prstGeom prst="rect">
+            <a:avLst/>
+          </a:prstGeom>
+        </p:spPr>
+        <p:txBody>
+          <a:bodyPr vert="horz" lIns="91440" tIns="45720" rIns="91440" bIns="45720" rtlCol="0"/>
+          <a:lstStyle/>
+          <a:p>
+            <a:pPr lvl="0"/>
+            <a:r>
+              <a:rPr lang="zh-TW" altLang="en-US" smtClean="0"/>
+              <a:t>編輯母片文字樣式</a:t>
+            </a:r>
+          </a:p>
+          <a:p>
+            <a:pPr lvl="1"/>
+            <a:r>
+              <a:rPr lang="zh-TW" altLang="en-US" smtClean="0"/>
+              <a:t>第二層</a:t>
+            </a:r>
+          </a:p>
+          <a:p>
+            <a:pPr lvl="2"/>
+            <a:r>
+              <a:rPr lang="zh-TW" altLang="en-US" smtClean="0"/>
+              <a:t>第三層</a:t>
+            </a:r>
+          </a:p>
+          <a:p>
+            <a:pPr lvl="3"/>
+            <a:r>
+              <a:rPr lang="zh-TW" altLang="en-US" smtClean="0"/>
+              <a:t>第四層</a:t>
+            </a:r>
+          </a:p>
+          <a:p>
+            <a:pPr lvl="4"/>
+            <a:r>
+              <a:rPr lang="zh-TW" altLang="en-US" smtClean="0"/>
+              <a:t>第五層</a:t>
+            </a:r>
+            <a:endParaRPr lang="zh-TW" altLang="en-US"/>
+          </a:p>
+        </p:txBody>
+      </p:sp>
+      <p:sp>
+        <p:nvSpPr>
+          <p:cNvPr id="6" name="頁尾版面配置區 5"/>
+          <p:cNvSpPr>
+            <a:spLocks noGrp="1"/>
+          </p:cNvSpPr>
+          <p:nvPr>
+            <p:ph type="ftr" sz="quarter" idx="4"/>
+          </p:nvPr>
+        </p:nvSpPr>
+        <p:spPr>
+          <a:xfrm>
+            <a:off x="0" y="8685213"/>
+            <a:ext cx="2971800" cy="458787"/>
+          </a:xfrm>
+          <a:prstGeom prst="rect">
+            <a:avLst/>
+          </a:prstGeom>
+        </p:spPr>
+        <p:txBody>
+          <a:bodyPr vert="horz" lIns="91440" tIns="45720" rIns="91440" bIns="45720" rtlCol="0" anchor="b"/>
+          <a:lstStyle>
+            <a:lvl1pPr algn="l">
+              <a:defRPr sz="1200"/>
+            </a:lvl1pPr>
+          </a:lstStyle>
+          <a:p>
+            <a:endParaRPr lang="zh-TW" altLang="en-US"/>
+          </a:p>
+        </p:txBody>
+      </p:sp>
+      <p:sp>
+        <p:nvSpPr>
+          <p:cNvPr id="7" name="投影片編號版面配置區 6"/>
+          <p:cNvSpPr>
+            <a:spLocks noGrp="1"/>
+          </p:cNvSpPr>
+          <p:nvPr>
+            <p:ph type="sldNum" sz="quarter" idx="5"/>
+          </p:nvPr>
+        </p:nvSpPr>
+        <p:spPr>
+          <a:xfrm>
+            <a:off x="3884613" y="8685213"/>
+            <a:ext cx="2971800" cy="458787"/>
+          </a:xfrm>
+          <a:prstGeom prst="rect">
+            <a:avLst/>
+          </a:prstGeom>
+        </p:spPr>
+        <p:txBody>
+          <a:bodyPr vert="horz" lIns="91440" tIns="45720" rIns="91440" bIns="45720" rtlCol="0" anchor="b"/>
+          <a:lstStyle>
+            <a:lvl1pPr algn="r">
+              <a:defRPr sz="1200"/>
+            </a:lvl1pPr>
+          </a:lstStyle>
+          <a:p>
+            <a:fld id="{BC0403B0-97EB-41C1-8B05-068B2714AD35}" type="slidenum">
+              <a:rPr lang="zh-TW" altLang="en-US" smtClean="0"/>
+              <a:t>‹#›</a:t>
+            </a:fld>
+            <a:endParaRPr lang="zh-TW" altLang="en-US"/>
+          </a:p>
+        </p:txBody>
+      </p:sp>
+    </p:spTree>
+    <p:extLst>
+      <p:ext uri="{BB962C8B-B14F-4D97-AF65-F5344CB8AC3E}">
+        <p14:creationId xmlns:p14="http://schemas.microsoft.com/office/powerpoint/2010/main" val="2882492340"/>
+      </p:ext>
+    </p:extLst>
+  </p:cSld>
+  <p:clrMap bg1="lt1" tx1="dk1" bg2="lt2" tx2="dk2" accent1="accent1" accent2="accent2" accent3="accent3" accent4="accent4" accent5="accent5" accent6="accent6" hlink="hlink" folHlink="folHlink"/>
+  <p:notesStyle>
+    <a:lvl1pPr marL="0" algn="l" defTabSz="914400" rtl="0" eaLnBrk="1" latinLnBrk="0" hangingPunct="1">
+      <a:defRPr sz="1200" kern="1200">
+        <a:solidFill>
+          <a:schemeClr val="tx1"/>
+        </a:solidFill>
+        <a:latin typeface="+mn-lt"/>
+        <a:ea typeface="+mn-ea"/>
+        <a:cs typeface="+mn-cs"/>
+      </a:defRPr>
+    </a:lvl1pPr>
+    <a:lvl2pPr marL="457200" algn="l" defTabSz="914400" rtl="0" eaLnBrk="1" latinLnBrk="0" hangingPunct="1">
+      <a:defRPr sz="1200" kern="1200">
+        <a:solidFill>
+          <a:schemeClr val="tx1"/>
+        </a:solidFill>
+        <a:latin typeface="+mn-lt"/>
+        <a:ea typeface="+mn-ea"/>
+        <a:cs typeface="+mn-cs"/>
+      </a:defRPr>
+    </a:lvl2pPr>
+    <a:lvl3pPr marL="914400" algn="l" defTabSz="914400" rtl="0" eaLnBrk="1" latinLnBrk="0" hangingPunct="1">
+      <a:defRPr sz="1200" kern="1200">
+        <a:solidFill>
+          <a:schemeClr val="tx1"/>
+        </a:solidFill>
+        <a:latin typeface="+mn-lt"/>
+        <a:ea typeface="+mn-ea"/>
+        <a:cs typeface="+mn-cs"/>
+      </a:defRPr>
+    </a:lvl3pPr>
+    <a:lvl4pPr marL="1371600" algn="l" defTabSz="914400" rtl="0" eaLnBrk="1" latinLnBrk="0" hangingPunct="1">
+      <a:defRPr sz="1200" kern="1200">
+        <a:solidFill>
+          <a:schemeClr val="tx1"/>
+        </a:solidFill>
+        <a:latin typeface="+mn-lt"/>
+        <a:ea typeface="+mn-ea"/>
+        <a:cs typeface="+mn-cs"/>
+      </a:defRPr>
+    </a:lvl4pPr>
+    <a:lvl5pPr marL="1828800" algn="l" defTabSz="914400" rtl="0" eaLnBrk="1" latinLnBrk="0" hangingPunct="1">
+      <a:defRPr sz="1200" kern="1200">
+        <a:solidFill>
+          <a:schemeClr val="tx1"/>
+        </a:solidFill>
+        <a:latin typeface="+mn-lt"/>
+        <a:ea typeface="+mn-ea"/>
+        <a:cs typeface="+mn-cs"/>
+      </a:defRPr>
+    </a:lvl5pPr>
+    <a:lvl6pPr marL="2286000" algn="l" defTabSz="914400" rtl="0" eaLnBrk="1" latinLnBrk="0" hangingPunct="1">
+      <a:defRPr sz="1200" kern="1200">
+        <a:solidFill>
+          <a:schemeClr val="tx1"/>
+        </a:solidFill>
+        <a:latin typeface="+mn-lt"/>
+        <a:ea typeface="+mn-ea"/>
+        <a:cs typeface="+mn-cs"/>
+      </a:defRPr>
+    </a:lvl6pPr>
+    <a:lvl7pPr marL="2743200" algn="l" defTabSz="914400" rtl="0" eaLnBrk="1" latinLnBrk="0" hangingPunct="1">
+      <a:defRPr sz="1200" kern="1200">
+        <a:solidFill>
+          <a:schemeClr val="tx1"/>
+        </a:solidFill>
+        <a:latin typeface="+mn-lt"/>
+        <a:ea typeface="+mn-ea"/>
+        <a:cs typeface="+mn-cs"/>
+      </a:defRPr>
+    </a:lvl7pPr>
+    <a:lvl8pPr marL="3200400" algn="l" defTabSz="914400" rtl="0" eaLnBrk="1" latinLnBrk="0" hangingPunct="1">
+      <a:defRPr sz="1200" kern="1200">
+        <a:solidFill>
+          <a:schemeClr val="tx1"/>
+        </a:solidFill>
+        <a:latin typeface="+mn-lt"/>
+        <a:ea typeface="+mn-ea"/>
+        <a:cs typeface="+mn-cs"/>
+      </a:defRPr>
+    </a:lvl8pPr>
+    <a:lvl9pPr marL="3657600" algn="l" defTabSz="914400" rtl="0" eaLnBrk="1" latinLnBrk="0" hangingPunct="1">
+      <a:defRPr sz="1200" kern="1200">
+        <a:solidFill>
+          <a:schemeClr val="tx1"/>
+        </a:solidFill>
+        <a:latin typeface="+mn-lt"/>
+        <a:ea typeface="+mn-ea"/>
+        <a:cs typeface="+mn-cs"/>
+      </a:defRPr>
+    </a:lvl9pPr>
+  </p:notesStyle>
+</p:notesMaster>
+</file>
+
+<file path=ppt/notesSlides/notesSlide1.xml><?xml version="1.0" encoding="utf-8"?>
+<p:notes xmlns:a="http://schemas.openxmlformats.org/drawingml/2006/main" xmlns:r="http://schemas.openxmlformats.org/officeDocument/2006/relationships" xmlns:p="http://schemas.openxmlformats.org/presentationml/2006/main">
+  <p:cSld>
+    <p:spTree>
+      <p:nvGrpSpPr>
+        <p:cNvPr id="1" name=""/>
+        <p:cNvGrpSpPr/>
+        <p:nvPr/>
+      </p:nvGrpSpPr>
+      <p:grpSpPr>
+        <a:xfrm>
+          <a:off x="0" y="0"/>
+          <a:ext cx="0" cy="0"/>
+          <a:chOff x="0" y="0"/>
+          <a:chExt cx="0" cy="0"/>
+        </a:xfrm>
+      </p:grpSpPr>
+      <p:sp>
+        <p:nvSpPr>
+          <p:cNvPr id="2" name="投影片圖像版面配置區 1"/>
+          <p:cNvSpPr>
+            <a:spLocks noGrp="1" noRot="1" noChangeAspect="1"/>
+          </p:cNvSpPr>
+          <p:nvPr>
+            <p:ph type="sldImg"/>
+          </p:nvPr>
+        </p:nvSpPr>
+        <p:spPr/>
+      </p:sp>
+      <mc:AlternateContent xmlns:mc="http://schemas.openxmlformats.org/markup-compatibility/2006">
+        <mc:Choice xmlns:a14="http://schemas.microsoft.com/office/drawing/2010/main" Requires="a14">
+          <p:sp>
+            <p:nvSpPr>
+              <p:cNvPr id="3" name="備忘稿版面配置區 2"/>
+              <p:cNvSpPr>
+                <a:spLocks noGrp="1"/>
+              </p:cNvSpPr>
+              <p:nvPr>
+                <p:ph type="body" idx="1"/>
+              </p:nvPr>
+            </p:nvSpPr>
+            <p:spPr/>
+            <p:txBody>
+              <a:bodyPr/>
+              <a:lstStyle/>
+              <a:p>
+                <a:r>
+                  <a:rPr lang="zh-TW" altLang="en-US" sz="1200" b="1" i="0" kern="1200" dirty="0" smtClean="0">
+                    <a:solidFill>
+                      <a:schemeClr val="tx1"/>
+                    </a:solidFill>
+                    <a:effectLst/>
+                    <a:latin typeface="+mn-lt"/>
+                    <a:ea typeface="+mn-ea"/>
+                    <a:cs typeface="+mn-cs"/>
+                  </a:rPr>
+                  <a:t>若且唯若</a:t>
+                </a:r>
+                <a:r>
+                  <a:rPr lang="zh-TW" altLang="en-US" sz="1200" b="0" i="0" kern="1200" dirty="0" smtClean="0">
+                    <a:solidFill>
+                      <a:schemeClr val="tx1"/>
+                    </a:solidFill>
+                    <a:effectLst/>
+                    <a:latin typeface="+mn-lt"/>
+                    <a:ea typeface="+mn-ea"/>
+                    <a:cs typeface="+mn-cs"/>
+                  </a:rPr>
+                  <a:t>（英語：</a:t>
+                </a:r>
+                <a:r>
+                  <a:rPr lang="en-US" altLang="zh-TW" sz="1200" b="0" i="0" kern="1200" dirty="0" smtClean="0">
+                    <a:solidFill>
+                      <a:schemeClr val="tx1"/>
+                    </a:solidFill>
+                    <a:effectLst/>
+                    <a:latin typeface="+mn-lt"/>
+                    <a:ea typeface="+mn-ea"/>
+                    <a:cs typeface="+mn-cs"/>
+                  </a:rPr>
+                  <a:t>if and only if</a:t>
+                </a:r>
+                <a:r>
+                  <a:rPr lang="zh-TW" altLang="en-US" sz="1200" b="0" i="0" kern="1200" dirty="0" smtClean="0">
+                    <a:solidFill>
+                      <a:schemeClr val="tx1"/>
+                    </a:solidFill>
+                    <a:effectLst/>
+                    <a:latin typeface="+mn-lt"/>
+                    <a:ea typeface="+mn-ea"/>
+                    <a:cs typeface="+mn-cs"/>
+                  </a:rPr>
+                  <a:t>，</a:t>
+                </a:r>
+                <a:r>
+                  <a:rPr lang="en-US" altLang="zh-TW" sz="1200" b="0" i="0" kern="1200" dirty="0" err="1" smtClean="0">
+                    <a:solidFill>
+                      <a:schemeClr val="tx1"/>
+                    </a:solidFill>
+                    <a:effectLst/>
+                    <a:latin typeface="+mn-lt"/>
+                    <a:ea typeface="+mn-ea"/>
+                    <a:cs typeface="+mn-cs"/>
+                  </a:rPr>
+                  <a:t>iff</a:t>
+                </a:r>
+                <a:r>
+                  <a:rPr lang="zh-TW" altLang="en-US" sz="1200" b="0" i="0" kern="1200" dirty="0" smtClean="0">
+                    <a:solidFill>
+                      <a:schemeClr val="tx1"/>
+                    </a:solidFill>
+                    <a:effectLst/>
+                    <a:latin typeface="+mn-lt"/>
+                    <a:ea typeface="+mn-ea"/>
+                    <a:cs typeface="+mn-cs"/>
+                  </a:rPr>
+                  <a:t>）</a:t>
+                </a:r>
+                <a:endParaRPr lang="en-US" altLang="zh-TW" sz="1200" b="0" i="0" kern="1200" dirty="0" smtClean="0">
+                  <a:solidFill>
+                    <a:schemeClr val="tx1"/>
+                  </a:solidFill>
+                  <a:effectLst/>
+                  <a:latin typeface="+mn-lt"/>
+                  <a:ea typeface="+mn-ea"/>
+                  <a:cs typeface="+mn-cs"/>
+                </a:endParaRPr>
+              </a:p>
+              <a:p>
+                <a:r>
+                  <a:rPr lang="zh-TW" altLang="en-US" dirty="0" smtClean="0"/>
+                  <a:t>存在</a:t>
+                </a:r>
+                <a:r>
+                  <a:rPr lang="en-US" altLang="zh-TW" dirty="0" smtClean="0"/>
+                  <a:t>:</a:t>
+                </a:r>
+                <a:r>
+                  <a:rPr lang="zh-TW" altLang="en-US" dirty="0" smtClean="0"/>
+                  <a:t> </a:t>
+                </a:r>
+                <a14:m>
+                  <m:oMath xmlns:m="http://schemas.openxmlformats.org/officeDocument/2006/math">
+                    <m:r>
+                      <a:rPr lang="en-US" altLang="zh-TW" sz="1200" i="1" smtClean="0">
+                        <a:latin typeface="Cambria Math" panose="02040503050406030204" pitchFamily="18" charset="0"/>
+                      </a:rPr>
+                      <m:t>∃</m:t>
+                    </m:r>
+                  </m:oMath>
+                </a14:m>
+                <a:endParaRPr lang="en-US" altLang="zh-TW" dirty="0" smtClean="0"/>
+              </a:p>
+              <a:p>
+                <a:r>
+                  <a:rPr lang="zh-TW" altLang="en-US" dirty="0" smtClean="0"/>
+                  <a:t>對於所有</a:t>
+                </a:r>
+                <a:r>
+                  <a:rPr lang="en-US" altLang="zh-TW" dirty="0" smtClean="0"/>
+                  <a:t>:</a:t>
+                </a:r>
+                <a:r>
+                  <a:rPr lang="zh-TW" altLang="en-US" dirty="0" smtClean="0"/>
+                  <a:t> </a:t>
+                </a:r>
+                <a14:m>
+                  <m:oMath xmlns:m="http://schemas.openxmlformats.org/officeDocument/2006/math">
+                    <m:r>
+                      <a:rPr lang="en-US" altLang="zh-TW" sz="1200" b="0" i="1" dirty="0" smtClean="0">
+                        <a:latin typeface="Cambria Math" panose="02040503050406030204" pitchFamily="18" charset="0"/>
+                        <a:ea typeface="Cambria Math" panose="02040503050406030204" pitchFamily="18" charset="0"/>
+                      </a:rPr>
+                      <m:t>∀</m:t>
+                    </m:r>
+                  </m:oMath>
+                </a14:m>
+                <a:endParaRPr lang="zh-TW" altLang="en-US" dirty="0"/>
+              </a:p>
+            </p:txBody>
+          </p:sp>
+        </mc:Choice>
+        <mc:Fallback>
+          <p:sp>
+            <p:nvSpPr>
+              <p:cNvPr id="3" name="備忘稿版面配置區 2"/>
+              <p:cNvSpPr>
+                <a:spLocks noGrp="1"/>
+              </p:cNvSpPr>
+              <p:nvPr>
+                <p:ph type="body" idx="1"/>
+              </p:nvPr>
+            </p:nvSpPr>
+            <p:spPr/>
+            <p:txBody>
+              <a:bodyPr/>
+              <a:lstStyle/>
+              <a:p>
+                <a:r>
+                  <a:rPr lang="zh-TW" altLang="en-US" sz="1200" b="1" i="0" kern="1200" dirty="0" smtClean="0">
+                    <a:solidFill>
+                      <a:schemeClr val="tx1"/>
+                    </a:solidFill>
+                    <a:effectLst/>
+                    <a:latin typeface="+mn-lt"/>
+                    <a:ea typeface="+mn-ea"/>
+                    <a:cs typeface="+mn-cs"/>
+                  </a:rPr>
+                  <a:t>若且唯若</a:t>
+                </a:r>
+                <a:r>
+                  <a:rPr lang="zh-TW" altLang="en-US" sz="1200" b="0" i="0" kern="1200" dirty="0" smtClean="0">
+                    <a:solidFill>
+                      <a:schemeClr val="tx1"/>
+                    </a:solidFill>
+                    <a:effectLst/>
+                    <a:latin typeface="+mn-lt"/>
+                    <a:ea typeface="+mn-ea"/>
+                    <a:cs typeface="+mn-cs"/>
+                  </a:rPr>
+                  <a:t>（英語：</a:t>
+                </a:r>
+                <a:r>
+                  <a:rPr lang="en-US" altLang="zh-TW" sz="1200" b="0" i="0" kern="1200" dirty="0" smtClean="0">
+                    <a:solidFill>
+                      <a:schemeClr val="tx1"/>
+                    </a:solidFill>
+                    <a:effectLst/>
+                    <a:latin typeface="+mn-lt"/>
+                    <a:ea typeface="+mn-ea"/>
+                    <a:cs typeface="+mn-cs"/>
+                  </a:rPr>
+                  <a:t>if and only if</a:t>
+                </a:r>
+                <a:r>
+                  <a:rPr lang="zh-TW" altLang="en-US" sz="1200" b="0" i="0" kern="1200" dirty="0" smtClean="0">
+                    <a:solidFill>
+                      <a:schemeClr val="tx1"/>
+                    </a:solidFill>
+                    <a:effectLst/>
+                    <a:latin typeface="+mn-lt"/>
+                    <a:ea typeface="+mn-ea"/>
+                    <a:cs typeface="+mn-cs"/>
+                  </a:rPr>
+                  <a:t>，</a:t>
+                </a:r>
+                <a:r>
+                  <a:rPr lang="en-US" altLang="zh-TW" sz="1200" b="0" i="0" kern="1200" dirty="0" err="1" smtClean="0">
+                    <a:solidFill>
+                      <a:schemeClr val="tx1"/>
+                    </a:solidFill>
+                    <a:effectLst/>
+                    <a:latin typeface="+mn-lt"/>
+                    <a:ea typeface="+mn-ea"/>
+                    <a:cs typeface="+mn-cs"/>
+                  </a:rPr>
+                  <a:t>iff</a:t>
+                </a:r>
+                <a:r>
+                  <a:rPr lang="zh-TW" altLang="en-US" sz="1200" b="0" i="0" kern="1200" dirty="0" smtClean="0">
+                    <a:solidFill>
+                      <a:schemeClr val="tx1"/>
+                    </a:solidFill>
+                    <a:effectLst/>
+                    <a:latin typeface="+mn-lt"/>
+                    <a:ea typeface="+mn-ea"/>
+                    <a:cs typeface="+mn-cs"/>
+                  </a:rPr>
+                  <a:t>）</a:t>
+                </a:r>
+                <a:endParaRPr lang="en-US" altLang="zh-TW" sz="1200" b="0" i="0" kern="1200" dirty="0" smtClean="0">
+                  <a:solidFill>
+                    <a:schemeClr val="tx1"/>
+                  </a:solidFill>
+                  <a:effectLst/>
+                  <a:latin typeface="+mn-lt"/>
+                  <a:ea typeface="+mn-ea"/>
+                  <a:cs typeface="+mn-cs"/>
+                </a:endParaRPr>
+              </a:p>
+              <a:p>
+                <a:r>
+                  <a:rPr lang="zh-TW" altLang="en-US" dirty="0" smtClean="0"/>
+                  <a:t>存在</a:t>
+                </a:r>
+                <a:r>
+                  <a:rPr lang="en-US" altLang="zh-TW" dirty="0" smtClean="0"/>
+                  <a:t>:</a:t>
+                </a:r>
+                <a:r>
+                  <a:rPr lang="zh-TW" altLang="en-US" dirty="0" smtClean="0"/>
+                  <a:t> </a:t>
+                </a:r>
+                <a:r>
+                  <a:rPr lang="en-US" altLang="zh-TW" sz="1200" i="0" smtClean="0">
+                    <a:latin typeface="Cambria Math" panose="02040503050406030204" pitchFamily="18" charset="0"/>
+                  </a:rPr>
+                  <a:t>∃</a:t>
+                </a:r>
+                <a:endParaRPr lang="en-US" altLang="zh-TW" dirty="0" smtClean="0"/>
+              </a:p>
+              <a:p>
+                <a:r>
+                  <a:rPr lang="zh-TW" altLang="en-US" dirty="0" smtClean="0"/>
+                  <a:t>對於所有</a:t>
+                </a:r>
+                <a:r>
+                  <a:rPr lang="en-US" altLang="zh-TW" dirty="0" smtClean="0"/>
+                  <a:t>:</a:t>
+                </a:r>
+                <a:r>
+                  <a:rPr lang="zh-TW" altLang="en-US" dirty="0" smtClean="0"/>
+                  <a:t> </a:t>
+                </a:r>
+                <a:r>
+                  <a:rPr lang="en-US" altLang="zh-TW" sz="1200" b="0" i="0" dirty="0" smtClean="0">
+                    <a:latin typeface="Cambria Math" panose="02040503050406030204" pitchFamily="18" charset="0"/>
+                    <a:ea typeface="Cambria Math" panose="02040503050406030204" pitchFamily="18" charset="0"/>
+                  </a:rPr>
+                  <a:t>∀</a:t>
+                </a:r>
+                <a:endParaRPr lang="zh-TW" altLang="en-US" dirty="0"/>
+              </a:p>
+            </p:txBody>
+          </p:sp>
+        </mc:Fallback>
+      </mc:AlternateContent>
+      <p:sp>
+        <p:nvSpPr>
+          <p:cNvPr id="4" name="投影片編號版面配置區 3"/>
+          <p:cNvSpPr>
+            <a:spLocks noGrp="1"/>
+          </p:cNvSpPr>
+          <p:nvPr>
+            <p:ph type="sldNum" sz="quarter" idx="10"/>
+          </p:nvPr>
+        </p:nvSpPr>
+        <p:spPr/>
+        <p:txBody>
+          <a:bodyPr/>
+          <a:lstStyle/>
+          <a:p>
+            <a:fld id="{BC0403B0-97EB-41C1-8B05-068B2714AD35}" type="slidenum">
+              <a:rPr lang="zh-TW" altLang="en-US" smtClean="0"/>
+              <a:t>43</a:t>
+            </a:fld>
+            <a:endParaRPr lang="zh-TW" altLang="en-US"/>
+          </a:p>
+        </p:txBody>
+      </p:sp>
+    </p:spTree>
+    <p:extLst>
+      <p:ext uri="{BB962C8B-B14F-4D97-AF65-F5344CB8AC3E}">
+        <p14:creationId xmlns:p14="http://schemas.microsoft.com/office/powerpoint/2010/main" val="2601623045"/>
+      </p:ext>
+    </p:extLst>
+  </p:cSld>
+  <p:clrMapOvr>
+    <a:masterClrMapping/>
+  </p:clrMapOvr>
+</p:notes>
+</file>
+
+<file path=ppt/notesSlides/notesSlide2.xml><?xml version="1.0" encoding="utf-8"?>
+<p:notes xmlns:a="http://schemas.openxmlformats.org/drawingml/2006/main" xmlns:r="http://schemas.openxmlformats.org/officeDocument/2006/relationships" xmlns:p="http://schemas.openxmlformats.org/presentationml/2006/main">
+  <p:cSld>
+    <p:spTree>
+      <p:nvGrpSpPr>
+        <p:cNvPr id="1" name=""/>
+        <p:cNvGrpSpPr/>
+        <p:nvPr/>
+      </p:nvGrpSpPr>
+      <p:grpSpPr>
+        <a:xfrm>
+          <a:off x="0" y="0"/>
+          <a:ext cx="0" cy="0"/>
+          <a:chOff x="0" y="0"/>
+          <a:chExt cx="0" cy="0"/>
+        </a:xfrm>
+      </p:grpSpPr>
+      <p:sp>
+        <p:nvSpPr>
+          <p:cNvPr id="2" name="投影片圖像版面配置區 1"/>
+          <p:cNvSpPr>
+            <a:spLocks noGrp="1" noRot="1" noChangeAspect="1"/>
+          </p:cNvSpPr>
+          <p:nvPr>
+            <p:ph type="sldImg"/>
+          </p:nvPr>
+        </p:nvSpPr>
+        <p:spPr/>
+      </p:sp>
+      <mc:AlternateContent xmlns:mc="http://schemas.openxmlformats.org/markup-compatibility/2006">
+        <mc:Choice xmlns:a14="http://schemas.microsoft.com/office/drawing/2010/main" Requires="a14">
+          <p:sp>
+            <p:nvSpPr>
+              <p:cNvPr id="3" name="備忘稿版面配置區 2"/>
+              <p:cNvSpPr>
+                <a:spLocks noGrp="1"/>
+              </p:cNvSpPr>
+              <p:nvPr>
+                <p:ph type="body" idx="1"/>
+              </p:nvPr>
+            </p:nvSpPr>
+            <p:spPr/>
+            <p:txBody>
+              <a:bodyPr/>
+              <a:lstStyle/>
+              <a:p>
+                <a:r>
+                  <a:rPr lang="zh-TW" altLang="en-US" sz="1200" b="1" i="0" kern="1200" dirty="0" smtClean="0">
+                    <a:solidFill>
+                      <a:schemeClr val="tx1"/>
+                    </a:solidFill>
+                    <a:effectLst/>
+                    <a:latin typeface="+mn-lt"/>
+                    <a:ea typeface="+mn-ea"/>
+                    <a:cs typeface="+mn-cs"/>
+                  </a:rPr>
+                  <a:t>若且唯若</a:t>
+                </a:r>
+                <a:r>
+                  <a:rPr lang="zh-TW" altLang="en-US" sz="1200" b="0" i="0" kern="1200" dirty="0" smtClean="0">
+                    <a:solidFill>
+                      <a:schemeClr val="tx1"/>
+                    </a:solidFill>
+                    <a:effectLst/>
+                    <a:latin typeface="+mn-lt"/>
+                    <a:ea typeface="+mn-ea"/>
+                    <a:cs typeface="+mn-cs"/>
+                  </a:rPr>
+                  <a:t>（英語：</a:t>
+                </a:r>
+                <a:r>
+                  <a:rPr lang="en-US" altLang="zh-TW" sz="1200" b="0" i="0" kern="1200" dirty="0" smtClean="0">
+                    <a:solidFill>
+                      <a:schemeClr val="tx1"/>
+                    </a:solidFill>
+                    <a:effectLst/>
+                    <a:latin typeface="+mn-lt"/>
+                    <a:ea typeface="+mn-ea"/>
+                    <a:cs typeface="+mn-cs"/>
+                  </a:rPr>
+                  <a:t>if and only if</a:t>
+                </a:r>
+                <a:r>
+                  <a:rPr lang="zh-TW" altLang="en-US" sz="1200" b="0" i="0" kern="1200" dirty="0" smtClean="0">
+                    <a:solidFill>
+                      <a:schemeClr val="tx1"/>
+                    </a:solidFill>
+                    <a:effectLst/>
+                    <a:latin typeface="+mn-lt"/>
+                    <a:ea typeface="+mn-ea"/>
+                    <a:cs typeface="+mn-cs"/>
+                  </a:rPr>
+                  <a:t>，</a:t>
+                </a:r>
+                <a:r>
+                  <a:rPr lang="en-US" altLang="zh-TW" sz="1200" b="0" i="0" kern="1200" dirty="0" err="1" smtClean="0">
+                    <a:solidFill>
+                      <a:schemeClr val="tx1"/>
+                    </a:solidFill>
+                    <a:effectLst/>
+                    <a:latin typeface="+mn-lt"/>
+                    <a:ea typeface="+mn-ea"/>
+                    <a:cs typeface="+mn-cs"/>
+                  </a:rPr>
+                  <a:t>iff</a:t>
+                </a:r>
+                <a:r>
+                  <a:rPr lang="zh-TW" altLang="en-US" sz="1200" b="0" i="0" kern="1200" dirty="0" smtClean="0">
+                    <a:solidFill>
+                      <a:schemeClr val="tx1"/>
+                    </a:solidFill>
+                    <a:effectLst/>
+                    <a:latin typeface="+mn-lt"/>
+                    <a:ea typeface="+mn-ea"/>
+                    <a:cs typeface="+mn-cs"/>
+                  </a:rPr>
+                  <a:t>）</a:t>
+                </a:r>
+                <a:endParaRPr lang="en-US" altLang="zh-TW" sz="1200" b="0" i="0" kern="1200" dirty="0" smtClean="0">
+                  <a:solidFill>
+                    <a:schemeClr val="tx1"/>
+                  </a:solidFill>
+                  <a:effectLst/>
+                  <a:latin typeface="+mn-lt"/>
+                  <a:ea typeface="+mn-ea"/>
+                  <a:cs typeface="+mn-cs"/>
+                </a:endParaRPr>
+              </a:p>
+              <a:p>
+                <a:r>
+                  <a:rPr lang="zh-TW" altLang="en-US" dirty="0" smtClean="0"/>
+                  <a:t>存在</a:t>
+                </a:r>
+                <a:r>
+                  <a:rPr lang="en-US" altLang="zh-TW" dirty="0" smtClean="0"/>
+                  <a:t>:</a:t>
+                </a:r>
+                <a:r>
+                  <a:rPr lang="zh-TW" altLang="en-US" dirty="0" smtClean="0"/>
+                  <a:t> </a:t>
+                </a:r>
+                <a14:m>
+                  <m:oMath xmlns:m="http://schemas.openxmlformats.org/officeDocument/2006/math">
+                    <m:r>
+                      <a:rPr lang="en-US" altLang="zh-TW" sz="1200" i="1" smtClean="0">
+                        <a:latin typeface="Cambria Math" panose="02040503050406030204" pitchFamily="18" charset="0"/>
+                      </a:rPr>
+                      <m:t>∃</m:t>
+                    </m:r>
+                  </m:oMath>
+                </a14:m>
+                <a:endParaRPr lang="en-US" altLang="zh-TW" dirty="0" smtClean="0"/>
+              </a:p>
+              <a:p>
+                <a:r>
+                  <a:rPr lang="zh-TW" altLang="en-US" dirty="0" smtClean="0"/>
+                  <a:t>對於所有</a:t>
+                </a:r>
+                <a:r>
+                  <a:rPr lang="en-US" altLang="zh-TW" dirty="0" smtClean="0"/>
+                  <a:t>:</a:t>
+                </a:r>
+                <a:r>
+                  <a:rPr lang="zh-TW" altLang="en-US" dirty="0" smtClean="0"/>
+                  <a:t> </a:t>
+                </a:r>
+                <a14:m>
+                  <m:oMath xmlns:m="http://schemas.openxmlformats.org/officeDocument/2006/math">
+                    <m:r>
+                      <a:rPr lang="en-US" altLang="zh-TW" sz="1200" b="0" i="1" dirty="0" smtClean="0">
+                        <a:latin typeface="Cambria Math" panose="02040503050406030204" pitchFamily="18" charset="0"/>
+                        <a:ea typeface="Cambria Math" panose="02040503050406030204" pitchFamily="18" charset="0"/>
+                      </a:rPr>
+                      <m:t>∀</m:t>
+                    </m:r>
+                  </m:oMath>
+                </a14:m>
+                <a:endParaRPr lang="zh-TW" altLang="en-US" dirty="0"/>
+              </a:p>
+            </p:txBody>
+          </p:sp>
+        </mc:Choice>
+        <mc:Fallback>
+          <p:sp>
+            <p:nvSpPr>
+              <p:cNvPr id="3" name="備忘稿版面配置區 2"/>
+              <p:cNvSpPr>
+                <a:spLocks noGrp="1"/>
+              </p:cNvSpPr>
+              <p:nvPr>
+                <p:ph type="body" idx="1"/>
+              </p:nvPr>
+            </p:nvSpPr>
+            <p:spPr/>
+            <p:txBody>
+              <a:bodyPr/>
+              <a:lstStyle/>
+              <a:p>
+                <a:r>
+                  <a:rPr lang="zh-TW" altLang="en-US" sz="1200" b="1" i="0" kern="1200" dirty="0" smtClean="0">
+                    <a:solidFill>
+                      <a:schemeClr val="tx1"/>
+                    </a:solidFill>
+                    <a:effectLst/>
+                    <a:latin typeface="+mn-lt"/>
+                    <a:ea typeface="+mn-ea"/>
+                    <a:cs typeface="+mn-cs"/>
+                  </a:rPr>
+                  <a:t>若且唯若</a:t>
+                </a:r>
+                <a:r>
+                  <a:rPr lang="zh-TW" altLang="en-US" sz="1200" b="0" i="0" kern="1200" dirty="0" smtClean="0">
+                    <a:solidFill>
+                      <a:schemeClr val="tx1"/>
+                    </a:solidFill>
+                    <a:effectLst/>
+                    <a:latin typeface="+mn-lt"/>
+                    <a:ea typeface="+mn-ea"/>
+                    <a:cs typeface="+mn-cs"/>
+                  </a:rPr>
+                  <a:t>（英語：</a:t>
+                </a:r>
+                <a:r>
+                  <a:rPr lang="en-US" altLang="zh-TW" sz="1200" b="0" i="0" kern="1200" dirty="0" smtClean="0">
+                    <a:solidFill>
+                      <a:schemeClr val="tx1"/>
+                    </a:solidFill>
+                    <a:effectLst/>
+                    <a:latin typeface="+mn-lt"/>
+                    <a:ea typeface="+mn-ea"/>
+                    <a:cs typeface="+mn-cs"/>
+                  </a:rPr>
+                  <a:t>if and only if</a:t>
+                </a:r>
+                <a:r>
+                  <a:rPr lang="zh-TW" altLang="en-US" sz="1200" b="0" i="0" kern="1200" dirty="0" smtClean="0">
+                    <a:solidFill>
+                      <a:schemeClr val="tx1"/>
+                    </a:solidFill>
+                    <a:effectLst/>
+                    <a:latin typeface="+mn-lt"/>
+                    <a:ea typeface="+mn-ea"/>
+                    <a:cs typeface="+mn-cs"/>
+                  </a:rPr>
+                  <a:t>，</a:t>
+                </a:r>
+                <a:r>
+                  <a:rPr lang="en-US" altLang="zh-TW" sz="1200" b="0" i="0" kern="1200" dirty="0" err="1" smtClean="0">
+                    <a:solidFill>
+                      <a:schemeClr val="tx1"/>
+                    </a:solidFill>
+                    <a:effectLst/>
+                    <a:latin typeface="+mn-lt"/>
+                    <a:ea typeface="+mn-ea"/>
+                    <a:cs typeface="+mn-cs"/>
+                  </a:rPr>
+                  <a:t>iff</a:t>
+                </a:r>
+                <a:r>
+                  <a:rPr lang="zh-TW" altLang="en-US" sz="1200" b="0" i="0" kern="1200" dirty="0" smtClean="0">
+                    <a:solidFill>
+                      <a:schemeClr val="tx1"/>
+                    </a:solidFill>
+                    <a:effectLst/>
+                    <a:latin typeface="+mn-lt"/>
+                    <a:ea typeface="+mn-ea"/>
+                    <a:cs typeface="+mn-cs"/>
+                  </a:rPr>
+                  <a:t>）</a:t>
+                </a:r>
+                <a:endParaRPr lang="en-US" altLang="zh-TW" sz="1200" b="0" i="0" kern="1200" dirty="0" smtClean="0">
+                  <a:solidFill>
+                    <a:schemeClr val="tx1"/>
+                  </a:solidFill>
+                  <a:effectLst/>
+                  <a:latin typeface="+mn-lt"/>
+                  <a:ea typeface="+mn-ea"/>
+                  <a:cs typeface="+mn-cs"/>
+                </a:endParaRPr>
+              </a:p>
+              <a:p>
+                <a:r>
+                  <a:rPr lang="zh-TW" altLang="en-US" dirty="0" smtClean="0"/>
+                  <a:t>存在</a:t>
+                </a:r>
+                <a:r>
+                  <a:rPr lang="en-US" altLang="zh-TW" dirty="0" smtClean="0"/>
+                  <a:t>:</a:t>
+                </a:r>
+                <a:r>
+                  <a:rPr lang="zh-TW" altLang="en-US" dirty="0" smtClean="0"/>
+                  <a:t> </a:t>
+                </a:r>
+                <a:r>
+                  <a:rPr lang="en-US" altLang="zh-TW" sz="1200" i="0" smtClean="0">
+                    <a:latin typeface="Cambria Math" panose="02040503050406030204" pitchFamily="18" charset="0"/>
+                  </a:rPr>
+                  <a:t>∃</a:t>
+                </a:r>
+                <a:endParaRPr lang="en-US" altLang="zh-TW" dirty="0" smtClean="0"/>
+              </a:p>
+              <a:p>
+                <a:r>
+                  <a:rPr lang="zh-TW" altLang="en-US" dirty="0" smtClean="0"/>
+                  <a:t>對於所有</a:t>
+                </a:r>
+                <a:r>
+                  <a:rPr lang="en-US" altLang="zh-TW" dirty="0" smtClean="0"/>
+                  <a:t>:</a:t>
+                </a:r>
+                <a:r>
+                  <a:rPr lang="zh-TW" altLang="en-US" dirty="0" smtClean="0"/>
+                  <a:t> </a:t>
+                </a:r>
+                <a:r>
+                  <a:rPr lang="en-US" altLang="zh-TW" sz="1200" b="0" i="0" dirty="0" smtClean="0">
+                    <a:latin typeface="Cambria Math" panose="02040503050406030204" pitchFamily="18" charset="0"/>
+                    <a:ea typeface="Cambria Math" panose="02040503050406030204" pitchFamily="18" charset="0"/>
+                  </a:rPr>
+                  <a:t>∀</a:t>
+                </a:r>
+                <a:endParaRPr lang="zh-TW" altLang="en-US" dirty="0"/>
+              </a:p>
+            </p:txBody>
+          </p:sp>
+        </mc:Fallback>
+      </mc:AlternateContent>
+      <p:sp>
+        <p:nvSpPr>
+          <p:cNvPr id="4" name="投影片編號版面配置區 3"/>
+          <p:cNvSpPr>
+            <a:spLocks noGrp="1"/>
+          </p:cNvSpPr>
+          <p:nvPr>
+            <p:ph type="sldNum" sz="quarter" idx="10"/>
+          </p:nvPr>
+        </p:nvSpPr>
+        <p:spPr/>
+        <p:txBody>
+          <a:bodyPr/>
+          <a:lstStyle/>
+          <a:p>
+            <a:fld id="{BC0403B0-97EB-41C1-8B05-068B2714AD35}" type="slidenum">
+              <a:rPr lang="zh-TW" altLang="en-US" smtClean="0"/>
+              <a:t>44</a:t>
+            </a:fld>
+            <a:endParaRPr lang="zh-TW" altLang="en-US"/>
+          </a:p>
+        </p:txBody>
+      </p:sp>
+    </p:spTree>
+    <p:extLst>
+      <p:ext uri="{BB962C8B-B14F-4D97-AF65-F5344CB8AC3E}">
+        <p14:creationId xmlns:p14="http://schemas.microsoft.com/office/powerpoint/2010/main" val="3367501728"/>
+      </p:ext>
+    </p:extLst>
+  </p:cSld>
+  <p:clrMapOvr>
+    <a:masterClrMapping/>
+  </p:clrMapOvr>
+</p:notes>
+</file>
+
+<file path=ppt/notesSlides/notesSlide3.xml><?xml version="1.0" encoding="utf-8"?>
+<p:notes xmlns:a="http://schemas.openxmlformats.org/drawingml/2006/main" xmlns:r="http://schemas.openxmlformats.org/officeDocument/2006/relationships" xmlns:p="http://schemas.openxmlformats.org/presentationml/2006/main">
+  <p:cSld>
+    <p:spTree>
+      <p:nvGrpSpPr>
+        <p:cNvPr id="1" name=""/>
+        <p:cNvGrpSpPr/>
+        <p:nvPr/>
+      </p:nvGrpSpPr>
+      <p:grpSpPr>
+        <a:xfrm>
+          <a:off x="0" y="0"/>
+          <a:ext cx="0" cy="0"/>
+          <a:chOff x="0" y="0"/>
+          <a:chExt cx="0" cy="0"/>
+        </a:xfrm>
+      </p:grpSpPr>
+      <p:sp>
+        <p:nvSpPr>
+          <p:cNvPr id="2" name="投影片圖像版面配置區 1"/>
+          <p:cNvSpPr>
+            <a:spLocks noGrp="1" noRot="1" noChangeAspect="1"/>
+          </p:cNvSpPr>
+          <p:nvPr>
+            <p:ph type="sldImg"/>
+          </p:nvPr>
+        </p:nvSpPr>
+        <p:spPr/>
+      </p:sp>
+      <mc:AlternateContent xmlns:mc="http://schemas.openxmlformats.org/markup-compatibility/2006">
+        <mc:Choice xmlns:a14="http://schemas.microsoft.com/office/drawing/2010/main" Requires="a14">
+          <p:sp>
+            <p:nvSpPr>
+              <p:cNvPr id="3" name="備忘稿版面配置區 2"/>
+              <p:cNvSpPr>
+                <a:spLocks noGrp="1"/>
+              </p:cNvSpPr>
+              <p:nvPr>
+                <p:ph type="body" idx="1"/>
+              </p:nvPr>
+            </p:nvSpPr>
+            <p:spPr/>
+            <p:txBody>
+              <a:bodyPr/>
+              <a:lstStyle/>
+              <a:p>
+                <a:r>
+                  <a:rPr lang="zh-TW" altLang="en-US" sz="1200" b="1" i="0" kern="1200" dirty="0" smtClean="0">
+                    <a:solidFill>
+                      <a:schemeClr val="tx1"/>
+                    </a:solidFill>
+                    <a:effectLst/>
+                    <a:latin typeface="+mn-lt"/>
+                    <a:ea typeface="+mn-ea"/>
+                    <a:cs typeface="+mn-cs"/>
+                  </a:rPr>
+                  <a:t>若且唯若</a:t>
+                </a:r>
+                <a:r>
+                  <a:rPr lang="zh-TW" altLang="en-US" sz="1200" b="0" i="0" kern="1200" dirty="0" smtClean="0">
+                    <a:solidFill>
+                      <a:schemeClr val="tx1"/>
+                    </a:solidFill>
+                    <a:effectLst/>
+                    <a:latin typeface="+mn-lt"/>
+                    <a:ea typeface="+mn-ea"/>
+                    <a:cs typeface="+mn-cs"/>
+                  </a:rPr>
+                  <a:t>（英語：</a:t>
+                </a:r>
+                <a:r>
+                  <a:rPr lang="en-US" altLang="zh-TW" sz="1200" b="0" i="0" kern="1200" dirty="0" smtClean="0">
+                    <a:solidFill>
+                      <a:schemeClr val="tx1"/>
+                    </a:solidFill>
+                    <a:effectLst/>
+                    <a:latin typeface="+mn-lt"/>
+                    <a:ea typeface="+mn-ea"/>
+                    <a:cs typeface="+mn-cs"/>
+                  </a:rPr>
+                  <a:t>if and only if</a:t>
+                </a:r>
+                <a:r>
+                  <a:rPr lang="zh-TW" altLang="en-US" sz="1200" b="0" i="0" kern="1200" dirty="0" smtClean="0">
+                    <a:solidFill>
+                      <a:schemeClr val="tx1"/>
+                    </a:solidFill>
+                    <a:effectLst/>
+                    <a:latin typeface="+mn-lt"/>
+                    <a:ea typeface="+mn-ea"/>
+                    <a:cs typeface="+mn-cs"/>
+                  </a:rPr>
+                  <a:t>，</a:t>
+                </a:r>
+                <a:r>
+                  <a:rPr lang="en-US" altLang="zh-TW" sz="1200" b="0" i="0" kern="1200" dirty="0" err="1" smtClean="0">
+                    <a:solidFill>
+                      <a:schemeClr val="tx1"/>
+                    </a:solidFill>
+                    <a:effectLst/>
+                    <a:latin typeface="+mn-lt"/>
+                    <a:ea typeface="+mn-ea"/>
+                    <a:cs typeface="+mn-cs"/>
+                  </a:rPr>
+                  <a:t>iff</a:t>
+                </a:r>
+                <a:r>
+                  <a:rPr lang="zh-TW" altLang="en-US" sz="1200" b="0" i="0" kern="1200" dirty="0" smtClean="0">
+                    <a:solidFill>
+                      <a:schemeClr val="tx1"/>
+                    </a:solidFill>
+                    <a:effectLst/>
+                    <a:latin typeface="+mn-lt"/>
+                    <a:ea typeface="+mn-ea"/>
+                    <a:cs typeface="+mn-cs"/>
+                  </a:rPr>
+                  <a:t>）</a:t>
+                </a:r>
+                <a:endParaRPr lang="en-US" altLang="zh-TW" sz="1200" b="0" i="0" kern="1200" dirty="0" smtClean="0">
+                  <a:solidFill>
+                    <a:schemeClr val="tx1"/>
+                  </a:solidFill>
+                  <a:effectLst/>
+                  <a:latin typeface="+mn-lt"/>
+                  <a:ea typeface="+mn-ea"/>
+                  <a:cs typeface="+mn-cs"/>
+                </a:endParaRPr>
+              </a:p>
+              <a:p>
+                <a:r>
+                  <a:rPr lang="zh-TW" altLang="en-US" dirty="0" smtClean="0"/>
+                  <a:t>存在</a:t>
+                </a:r>
+                <a:r>
+                  <a:rPr lang="en-US" altLang="zh-TW" dirty="0" smtClean="0"/>
+                  <a:t>:</a:t>
+                </a:r>
+                <a:r>
+                  <a:rPr lang="zh-TW" altLang="en-US" dirty="0" smtClean="0"/>
+                  <a:t> </a:t>
+                </a:r>
+                <a14:m>
+                  <m:oMath xmlns:m="http://schemas.openxmlformats.org/officeDocument/2006/math">
+                    <m:r>
+                      <a:rPr lang="en-US" altLang="zh-TW" sz="1200" i="1" smtClean="0">
+                        <a:latin typeface="Cambria Math" panose="02040503050406030204" pitchFamily="18" charset="0"/>
+                      </a:rPr>
+                      <m:t>∃</m:t>
+                    </m:r>
+                  </m:oMath>
+                </a14:m>
+                <a:endParaRPr lang="en-US" altLang="zh-TW" dirty="0" smtClean="0"/>
+              </a:p>
+              <a:p>
+                <a:r>
+                  <a:rPr lang="zh-TW" altLang="en-US" dirty="0" smtClean="0"/>
+                  <a:t>對於所有</a:t>
+                </a:r>
+                <a:r>
+                  <a:rPr lang="en-US" altLang="zh-TW" dirty="0" smtClean="0"/>
+                  <a:t>:</a:t>
+                </a:r>
+                <a:r>
+                  <a:rPr lang="zh-TW" altLang="en-US" dirty="0" smtClean="0"/>
+                  <a:t> </a:t>
+                </a:r>
+                <a14:m>
+                  <m:oMath xmlns:m="http://schemas.openxmlformats.org/officeDocument/2006/math">
+                    <m:r>
+                      <a:rPr lang="en-US" altLang="zh-TW" sz="1200" b="0" i="1" dirty="0" smtClean="0">
+                        <a:latin typeface="Cambria Math" panose="02040503050406030204" pitchFamily="18" charset="0"/>
+                        <a:ea typeface="Cambria Math" panose="02040503050406030204" pitchFamily="18" charset="0"/>
+                      </a:rPr>
+                      <m:t>∀</m:t>
+                    </m:r>
+                  </m:oMath>
+                </a14:m>
+                <a:endParaRPr lang="zh-TW" altLang="en-US" dirty="0"/>
+              </a:p>
+            </p:txBody>
+          </p:sp>
+        </mc:Choice>
+        <mc:Fallback>
+          <p:sp>
+            <p:nvSpPr>
+              <p:cNvPr id="3" name="備忘稿版面配置區 2"/>
+              <p:cNvSpPr>
+                <a:spLocks noGrp="1"/>
+              </p:cNvSpPr>
+              <p:nvPr>
+                <p:ph type="body" idx="1"/>
+              </p:nvPr>
+            </p:nvSpPr>
+            <p:spPr/>
+            <p:txBody>
+              <a:bodyPr/>
+              <a:lstStyle/>
+              <a:p>
+                <a:r>
+                  <a:rPr lang="zh-TW" altLang="en-US" sz="1200" b="1" i="0" kern="1200" dirty="0" smtClean="0">
+                    <a:solidFill>
+                      <a:schemeClr val="tx1"/>
+                    </a:solidFill>
+                    <a:effectLst/>
+                    <a:latin typeface="+mn-lt"/>
+                    <a:ea typeface="+mn-ea"/>
+                    <a:cs typeface="+mn-cs"/>
+                  </a:rPr>
+                  <a:t>若且唯若</a:t>
+                </a:r>
+                <a:r>
+                  <a:rPr lang="zh-TW" altLang="en-US" sz="1200" b="0" i="0" kern="1200" dirty="0" smtClean="0">
+                    <a:solidFill>
+                      <a:schemeClr val="tx1"/>
+                    </a:solidFill>
+                    <a:effectLst/>
+                    <a:latin typeface="+mn-lt"/>
+                    <a:ea typeface="+mn-ea"/>
+                    <a:cs typeface="+mn-cs"/>
+                  </a:rPr>
+                  <a:t>（英語：</a:t>
+                </a:r>
+                <a:r>
+                  <a:rPr lang="en-US" altLang="zh-TW" sz="1200" b="0" i="0" kern="1200" dirty="0" smtClean="0">
+                    <a:solidFill>
+                      <a:schemeClr val="tx1"/>
+                    </a:solidFill>
+                    <a:effectLst/>
+                    <a:latin typeface="+mn-lt"/>
+                    <a:ea typeface="+mn-ea"/>
+                    <a:cs typeface="+mn-cs"/>
+                  </a:rPr>
+                  <a:t>if and only if</a:t>
+                </a:r>
+                <a:r>
+                  <a:rPr lang="zh-TW" altLang="en-US" sz="1200" b="0" i="0" kern="1200" dirty="0" smtClean="0">
+                    <a:solidFill>
+                      <a:schemeClr val="tx1"/>
+                    </a:solidFill>
+                    <a:effectLst/>
+                    <a:latin typeface="+mn-lt"/>
+                    <a:ea typeface="+mn-ea"/>
+                    <a:cs typeface="+mn-cs"/>
+                  </a:rPr>
+                  <a:t>，</a:t>
+                </a:r>
+                <a:r>
+                  <a:rPr lang="en-US" altLang="zh-TW" sz="1200" b="0" i="0" kern="1200" dirty="0" err="1" smtClean="0">
+                    <a:solidFill>
+                      <a:schemeClr val="tx1"/>
+                    </a:solidFill>
+                    <a:effectLst/>
+                    <a:latin typeface="+mn-lt"/>
+                    <a:ea typeface="+mn-ea"/>
+                    <a:cs typeface="+mn-cs"/>
+                  </a:rPr>
+                  <a:t>iff</a:t>
+                </a:r>
+                <a:r>
+                  <a:rPr lang="zh-TW" altLang="en-US" sz="1200" b="0" i="0" kern="1200" dirty="0" smtClean="0">
+                    <a:solidFill>
+                      <a:schemeClr val="tx1"/>
+                    </a:solidFill>
+                    <a:effectLst/>
+                    <a:latin typeface="+mn-lt"/>
+                    <a:ea typeface="+mn-ea"/>
+                    <a:cs typeface="+mn-cs"/>
+                  </a:rPr>
+                  <a:t>）</a:t>
+                </a:r>
+                <a:endParaRPr lang="en-US" altLang="zh-TW" sz="1200" b="0" i="0" kern="1200" dirty="0" smtClean="0">
+                  <a:solidFill>
+                    <a:schemeClr val="tx1"/>
+                  </a:solidFill>
+                  <a:effectLst/>
+                  <a:latin typeface="+mn-lt"/>
+                  <a:ea typeface="+mn-ea"/>
+                  <a:cs typeface="+mn-cs"/>
+                </a:endParaRPr>
+              </a:p>
+              <a:p>
+                <a:r>
+                  <a:rPr lang="zh-TW" altLang="en-US" dirty="0" smtClean="0"/>
+                  <a:t>存在</a:t>
+                </a:r>
+                <a:r>
+                  <a:rPr lang="en-US" altLang="zh-TW" dirty="0" smtClean="0"/>
+                  <a:t>:</a:t>
+                </a:r>
+                <a:r>
+                  <a:rPr lang="zh-TW" altLang="en-US" dirty="0" smtClean="0"/>
+                  <a:t> </a:t>
+                </a:r>
+                <a:r>
+                  <a:rPr lang="en-US" altLang="zh-TW" sz="1200" i="0" smtClean="0">
+                    <a:latin typeface="Cambria Math" panose="02040503050406030204" pitchFamily="18" charset="0"/>
+                  </a:rPr>
+                  <a:t>∃</a:t>
+                </a:r>
+                <a:endParaRPr lang="en-US" altLang="zh-TW" dirty="0" smtClean="0"/>
+              </a:p>
+              <a:p>
+                <a:r>
+                  <a:rPr lang="zh-TW" altLang="en-US" dirty="0" smtClean="0"/>
+                  <a:t>對於所有</a:t>
+                </a:r>
+                <a:r>
+                  <a:rPr lang="en-US" altLang="zh-TW" dirty="0" smtClean="0"/>
+                  <a:t>:</a:t>
+                </a:r>
+                <a:r>
+                  <a:rPr lang="zh-TW" altLang="en-US" dirty="0" smtClean="0"/>
+                  <a:t> </a:t>
+                </a:r>
+                <a:r>
+                  <a:rPr lang="en-US" altLang="zh-TW" sz="1200" b="0" i="0" dirty="0" smtClean="0">
+                    <a:latin typeface="Cambria Math" panose="02040503050406030204" pitchFamily="18" charset="0"/>
+                    <a:ea typeface="Cambria Math" panose="02040503050406030204" pitchFamily="18" charset="0"/>
+                  </a:rPr>
+                  <a:t>∀</a:t>
+                </a:r>
+                <a:endParaRPr lang="zh-TW" altLang="en-US" dirty="0"/>
+              </a:p>
+            </p:txBody>
+          </p:sp>
+        </mc:Fallback>
+      </mc:AlternateContent>
+      <p:sp>
+        <p:nvSpPr>
+          <p:cNvPr id="4" name="投影片編號版面配置區 3"/>
+          <p:cNvSpPr>
+            <a:spLocks noGrp="1"/>
+          </p:cNvSpPr>
+          <p:nvPr>
+            <p:ph type="sldNum" sz="quarter" idx="10"/>
+          </p:nvPr>
+        </p:nvSpPr>
+        <p:spPr/>
+        <p:txBody>
+          <a:bodyPr/>
+          <a:lstStyle/>
+          <a:p>
+            <a:fld id="{BC0403B0-97EB-41C1-8B05-068B2714AD35}" type="slidenum">
+              <a:rPr lang="zh-TW" altLang="en-US" smtClean="0"/>
+              <a:t>45</a:t>
+            </a:fld>
+            <a:endParaRPr lang="zh-TW" altLang="en-US"/>
+          </a:p>
+        </p:txBody>
+      </p:sp>
+    </p:spTree>
+    <p:extLst>
+      <p:ext uri="{BB962C8B-B14F-4D97-AF65-F5344CB8AC3E}">
+        <p14:creationId xmlns:p14="http://schemas.microsoft.com/office/powerpoint/2010/main" val="1433913325"/>
+      </p:ext>
+    </p:extLst>
+  </p:cSld>
+  <p:clrMapOvr>
+    <a:masterClrMapping/>
+  </p:clrMapOvr>
+</p:notes>
+</file>
+
+<file path=ppt/notesSlides/notesSlide4.xml><?xml version="1.0" encoding="utf-8"?>
+<p:notes xmlns:a="http://schemas.openxmlformats.org/drawingml/2006/main" xmlns:r="http://schemas.openxmlformats.org/officeDocument/2006/relationships" xmlns:p="http://schemas.openxmlformats.org/presentationml/2006/main">
+  <p:cSld>
+    <p:spTree>
+      <p:nvGrpSpPr>
+        <p:cNvPr id="1" name=""/>
+        <p:cNvGrpSpPr/>
+        <p:nvPr/>
+      </p:nvGrpSpPr>
+      <p:grpSpPr>
+        <a:xfrm>
+          <a:off x="0" y="0"/>
+          <a:ext cx="0" cy="0"/>
+          <a:chOff x="0" y="0"/>
+          <a:chExt cx="0" cy="0"/>
+        </a:xfrm>
+      </p:grpSpPr>
+      <p:sp>
+        <p:nvSpPr>
+          <p:cNvPr id="2" name="投影片圖像版面配置區 1"/>
+          <p:cNvSpPr>
+            <a:spLocks noGrp="1" noRot="1" noChangeAspect="1"/>
+          </p:cNvSpPr>
+          <p:nvPr>
+            <p:ph type="sldImg"/>
+          </p:nvPr>
+        </p:nvSpPr>
+        <p:spPr/>
+      </p:sp>
+      <mc:AlternateContent xmlns:mc="http://schemas.openxmlformats.org/markup-compatibility/2006">
+        <mc:Choice xmlns:a14="http://schemas.microsoft.com/office/drawing/2010/main" Requires="a14">
+          <p:sp>
+            <p:nvSpPr>
+              <p:cNvPr id="3" name="備忘稿版面配置區 2"/>
+              <p:cNvSpPr>
+                <a:spLocks noGrp="1"/>
+              </p:cNvSpPr>
+              <p:nvPr>
+                <p:ph type="body" idx="1"/>
+              </p:nvPr>
+            </p:nvSpPr>
+            <p:spPr/>
+            <p:txBody>
+              <a:bodyPr/>
+              <a:lstStyle/>
+              <a:p>
+                <a:r>
+                  <a:rPr lang="zh-TW" altLang="en-US" sz="1200" b="1" i="0" kern="1200" dirty="0" smtClean="0">
+                    <a:solidFill>
+                      <a:schemeClr val="tx1"/>
+                    </a:solidFill>
+                    <a:effectLst/>
+                    <a:latin typeface="+mn-lt"/>
+                    <a:ea typeface="+mn-ea"/>
+                    <a:cs typeface="+mn-cs"/>
+                  </a:rPr>
+                  <a:t>若且唯若</a:t>
+                </a:r>
+                <a:r>
+                  <a:rPr lang="zh-TW" altLang="en-US" sz="1200" b="0" i="0" kern="1200" dirty="0" smtClean="0">
+                    <a:solidFill>
+                      <a:schemeClr val="tx1"/>
+                    </a:solidFill>
+                    <a:effectLst/>
+                    <a:latin typeface="+mn-lt"/>
+                    <a:ea typeface="+mn-ea"/>
+                    <a:cs typeface="+mn-cs"/>
+                  </a:rPr>
+                  <a:t>（英語：</a:t>
+                </a:r>
+                <a:r>
+                  <a:rPr lang="en-US" altLang="zh-TW" sz="1200" b="0" i="0" kern="1200" dirty="0" smtClean="0">
+                    <a:solidFill>
+                      <a:schemeClr val="tx1"/>
+                    </a:solidFill>
+                    <a:effectLst/>
+                    <a:latin typeface="+mn-lt"/>
+                    <a:ea typeface="+mn-ea"/>
+                    <a:cs typeface="+mn-cs"/>
+                  </a:rPr>
+                  <a:t>if and only if</a:t>
+                </a:r>
+                <a:r>
+                  <a:rPr lang="zh-TW" altLang="en-US" sz="1200" b="0" i="0" kern="1200" dirty="0" smtClean="0">
+                    <a:solidFill>
+                      <a:schemeClr val="tx1"/>
+                    </a:solidFill>
+                    <a:effectLst/>
+                    <a:latin typeface="+mn-lt"/>
+                    <a:ea typeface="+mn-ea"/>
+                    <a:cs typeface="+mn-cs"/>
+                  </a:rPr>
+                  <a:t>，</a:t>
+                </a:r>
+                <a:r>
+                  <a:rPr lang="en-US" altLang="zh-TW" sz="1200" b="0" i="0" kern="1200" dirty="0" err="1" smtClean="0">
+                    <a:solidFill>
+                      <a:schemeClr val="tx1"/>
+                    </a:solidFill>
+                    <a:effectLst/>
+                    <a:latin typeface="+mn-lt"/>
+                    <a:ea typeface="+mn-ea"/>
+                    <a:cs typeface="+mn-cs"/>
+                  </a:rPr>
+                  <a:t>iff</a:t>
+                </a:r>
+                <a:r>
+                  <a:rPr lang="zh-TW" altLang="en-US" sz="1200" b="0" i="0" kern="1200" dirty="0" smtClean="0">
+                    <a:solidFill>
+                      <a:schemeClr val="tx1"/>
+                    </a:solidFill>
+                    <a:effectLst/>
+                    <a:latin typeface="+mn-lt"/>
+                    <a:ea typeface="+mn-ea"/>
+                    <a:cs typeface="+mn-cs"/>
+                  </a:rPr>
+                  <a:t>）</a:t>
+                </a:r>
+                <a:endParaRPr lang="en-US" altLang="zh-TW" sz="1200" b="0" i="0" kern="1200" dirty="0" smtClean="0">
+                  <a:solidFill>
+                    <a:schemeClr val="tx1"/>
+                  </a:solidFill>
+                  <a:effectLst/>
+                  <a:latin typeface="+mn-lt"/>
+                  <a:ea typeface="+mn-ea"/>
+                  <a:cs typeface="+mn-cs"/>
+                </a:endParaRPr>
+              </a:p>
+              <a:p>
+                <a:r>
+                  <a:rPr lang="zh-TW" altLang="en-US" dirty="0" smtClean="0"/>
+                  <a:t>存在</a:t>
+                </a:r>
+                <a:r>
+                  <a:rPr lang="en-US" altLang="zh-TW" dirty="0" smtClean="0"/>
+                  <a:t>:</a:t>
+                </a:r>
+                <a:r>
+                  <a:rPr lang="zh-TW" altLang="en-US" dirty="0" smtClean="0"/>
+                  <a:t> </a:t>
+                </a:r>
+                <a14:m>
+                  <m:oMath xmlns:m="http://schemas.openxmlformats.org/officeDocument/2006/math">
+                    <m:r>
+                      <a:rPr lang="en-US" altLang="zh-TW" sz="1200" i="1" smtClean="0">
+                        <a:latin typeface="Cambria Math" panose="02040503050406030204" pitchFamily="18" charset="0"/>
+                      </a:rPr>
+                      <m:t>∃</m:t>
+                    </m:r>
+                  </m:oMath>
+                </a14:m>
+                <a:endParaRPr lang="en-US" altLang="zh-TW" dirty="0" smtClean="0"/>
+              </a:p>
+              <a:p>
+                <a:r>
+                  <a:rPr lang="zh-TW" altLang="en-US" dirty="0" smtClean="0"/>
+                  <a:t>對於所有</a:t>
+                </a:r>
+                <a:r>
+                  <a:rPr lang="en-US" altLang="zh-TW" dirty="0" smtClean="0"/>
+                  <a:t>:</a:t>
+                </a:r>
+                <a:r>
+                  <a:rPr lang="zh-TW" altLang="en-US" dirty="0" smtClean="0"/>
+                  <a:t> </a:t>
+                </a:r>
+                <a14:m>
+                  <m:oMath xmlns:m="http://schemas.openxmlformats.org/officeDocument/2006/math">
+                    <m:r>
+                      <a:rPr lang="en-US" altLang="zh-TW" sz="1200" b="0" i="1" dirty="0" smtClean="0">
+                        <a:latin typeface="Cambria Math" panose="02040503050406030204" pitchFamily="18" charset="0"/>
+                        <a:ea typeface="Cambria Math" panose="02040503050406030204" pitchFamily="18" charset="0"/>
+                      </a:rPr>
+                      <m:t>∀</m:t>
+                    </m:r>
+                  </m:oMath>
+                </a14:m>
+                <a:endParaRPr lang="zh-TW" altLang="en-US" dirty="0"/>
+              </a:p>
+            </p:txBody>
+          </p:sp>
+        </mc:Choice>
+        <mc:Fallback>
+          <p:sp>
+            <p:nvSpPr>
+              <p:cNvPr id="3" name="備忘稿版面配置區 2"/>
+              <p:cNvSpPr>
+                <a:spLocks noGrp="1"/>
+              </p:cNvSpPr>
+              <p:nvPr>
+                <p:ph type="body" idx="1"/>
+              </p:nvPr>
+            </p:nvSpPr>
+            <p:spPr/>
+            <p:txBody>
+              <a:bodyPr/>
+              <a:lstStyle/>
+              <a:p>
+                <a:r>
+                  <a:rPr lang="zh-TW" altLang="en-US" sz="1200" b="1" i="0" kern="1200" dirty="0" smtClean="0">
+                    <a:solidFill>
+                      <a:schemeClr val="tx1"/>
+                    </a:solidFill>
+                    <a:effectLst/>
+                    <a:latin typeface="+mn-lt"/>
+                    <a:ea typeface="+mn-ea"/>
+                    <a:cs typeface="+mn-cs"/>
+                  </a:rPr>
+                  <a:t>若且唯若</a:t>
+                </a:r>
+                <a:r>
+                  <a:rPr lang="zh-TW" altLang="en-US" sz="1200" b="0" i="0" kern="1200" dirty="0" smtClean="0">
+                    <a:solidFill>
+                      <a:schemeClr val="tx1"/>
+                    </a:solidFill>
+                    <a:effectLst/>
+                    <a:latin typeface="+mn-lt"/>
+                    <a:ea typeface="+mn-ea"/>
+                    <a:cs typeface="+mn-cs"/>
+                  </a:rPr>
+                  <a:t>（英語：</a:t>
+                </a:r>
+                <a:r>
+                  <a:rPr lang="en-US" altLang="zh-TW" sz="1200" b="0" i="0" kern="1200" dirty="0" smtClean="0">
+                    <a:solidFill>
+                      <a:schemeClr val="tx1"/>
+                    </a:solidFill>
+                    <a:effectLst/>
+                    <a:latin typeface="+mn-lt"/>
+                    <a:ea typeface="+mn-ea"/>
+                    <a:cs typeface="+mn-cs"/>
+                  </a:rPr>
+                  <a:t>if and only if</a:t>
+                </a:r>
+                <a:r>
+                  <a:rPr lang="zh-TW" altLang="en-US" sz="1200" b="0" i="0" kern="1200" dirty="0" smtClean="0">
+                    <a:solidFill>
+                      <a:schemeClr val="tx1"/>
+                    </a:solidFill>
+                    <a:effectLst/>
+                    <a:latin typeface="+mn-lt"/>
+                    <a:ea typeface="+mn-ea"/>
+                    <a:cs typeface="+mn-cs"/>
+                  </a:rPr>
+                  <a:t>，</a:t>
+                </a:r>
+                <a:r>
+                  <a:rPr lang="en-US" altLang="zh-TW" sz="1200" b="0" i="0" kern="1200" dirty="0" err="1" smtClean="0">
+                    <a:solidFill>
+                      <a:schemeClr val="tx1"/>
+                    </a:solidFill>
+                    <a:effectLst/>
+                    <a:latin typeface="+mn-lt"/>
+                    <a:ea typeface="+mn-ea"/>
+                    <a:cs typeface="+mn-cs"/>
+                  </a:rPr>
+                  <a:t>iff</a:t>
+                </a:r>
+                <a:r>
+                  <a:rPr lang="zh-TW" altLang="en-US" sz="1200" b="0" i="0" kern="1200" dirty="0" smtClean="0">
+                    <a:solidFill>
+                      <a:schemeClr val="tx1"/>
+                    </a:solidFill>
+                    <a:effectLst/>
+                    <a:latin typeface="+mn-lt"/>
+                    <a:ea typeface="+mn-ea"/>
+                    <a:cs typeface="+mn-cs"/>
+                  </a:rPr>
+                  <a:t>）</a:t>
+                </a:r>
+                <a:endParaRPr lang="en-US" altLang="zh-TW" sz="1200" b="0" i="0" kern="1200" dirty="0" smtClean="0">
+                  <a:solidFill>
+                    <a:schemeClr val="tx1"/>
+                  </a:solidFill>
+                  <a:effectLst/>
+                  <a:latin typeface="+mn-lt"/>
+                  <a:ea typeface="+mn-ea"/>
+                  <a:cs typeface="+mn-cs"/>
+                </a:endParaRPr>
+              </a:p>
+              <a:p>
+                <a:r>
+                  <a:rPr lang="zh-TW" altLang="en-US" dirty="0" smtClean="0"/>
+                  <a:t>存在</a:t>
+                </a:r>
+                <a:r>
+                  <a:rPr lang="en-US" altLang="zh-TW" dirty="0" smtClean="0"/>
+                  <a:t>:</a:t>
+                </a:r>
+                <a:r>
+                  <a:rPr lang="zh-TW" altLang="en-US" dirty="0" smtClean="0"/>
+                  <a:t> </a:t>
+                </a:r>
+                <a:r>
+                  <a:rPr lang="en-US" altLang="zh-TW" sz="1200" i="0" smtClean="0">
+                    <a:latin typeface="Cambria Math" panose="02040503050406030204" pitchFamily="18" charset="0"/>
+                  </a:rPr>
+                  <a:t>∃</a:t>
+                </a:r>
+                <a:endParaRPr lang="en-US" altLang="zh-TW" dirty="0" smtClean="0"/>
+              </a:p>
+              <a:p>
+                <a:r>
+                  <a:rPr lang="zh-TW" altLang="en-US" dirty="0" smtClean="0"/>
+                  <a:t>對於所有</a:t>
+                </a:r>
+                <a:r>
+                  <a:rPr lang="en-US" altLang="zh-TW" dirty="0" smtClean="0"/>
+                  <a:t>:</a:t>
+                </a:r>
+                <a:r>
+                  <a:rPr lang="zh-TW" altLang="en-US" dirty="0" smtClean="0"/>
+                  <a:t> </a:t>
+                </a:r>
+                <a:r>
+                  <a:rPr lang="en-US" altLang="zh-TW" sz="1200" b="0" i="0" dirty="0" smtClean="0">
+                    <a:latin typeface="Cambria Math" panose="02040503050406030204" pitchFamily="18" charset="0"/>
+                    <a:ea typeface="Cambria Math" panose="02040503050406030204" pitchFamily="18" charset="0"/>
+                  </a:rPr>
+                  <a:t>∀</a:t>
+                </a:r>
+                <a:endParaRPr lang="zh-TW" altLang="en-US" dirty="0"/>
+              </a:p>
+            </p:txBody>
+          </p:sp>
+        </mc:Fallback>
+      </mc:AlternateContent>
+      <p:sp>
+        <p:nvSpPr>
+          <p:cNvPr id="4" name="投影片編號版面配置區 3"/>
+          <p:cNvSpPr>
+            <a:spLocks noGrp="1"/>
+          </p:cNvSpPr>
+          <p:nvPr>
+            <p:ph type="sldNum" sz="quarter" idx="10"/>
+          </p:nvPr>
+        </p:nvSpPr>
+        <p:spPr/>
+        <p:txBody>
+          <a:bodyPr/>
+          <a:lstStyle/>
+          <a:p>
+            <a:fld id="{BC0403B0-97EB-41C1-8B05-068B2714AD35}" type="slidenum">
+              <a:rPr lang="zh-TW" altLang="en-US" smtClean="0"/>
+              <a:t>46</a:t>
+            </a:fld>
+            <a:endParaRPr lang="zh-TW" altLang="en-US"/>
+          </a:p>
+        </p:txBody>
+      </p:sp>
+    </p:spTree>
+    <p:extLst>
+      <p:ext uri="{BB962C8B-B14F-4D97-AF65-F5344CB8AC3E}">
+        <p14:creationId xmlns:p14="http://schemas.microsoft.com/office/powerpoint/2010/main" val="4097355513"/>
+      </p:ext>
+    </p:extLst>
+  </p:cSld>
+  <p:clrMapOvr>
+    <a:masterClrMapping/>
+  </p:clrMapOvr>
+</p:notes>
+</file>
+
 <file path=ppt/slideLayouts/slideLayout1.xml><?xml version="1.0" encoding="utf-8"?>
 <p:sldLayout xmlns:a="http://schemas.openxmlformats.org/drawingml/2006/main" xmlns:r="http://schemas.openxmlformats.org/officeDocument/2006/relationships" xmlns:p="http://schemas.openxmlformats.org/presentationml/2006/main" type="title" preserve="1">
   <p:cSld name="標題投影片">
@@ -290,7 +2099,7 @@
           <a:p>
             <a:fld id="{D06915D0-C156-4E50-BB29-93FD4A7023AE}" type="datetimeFigureOut">
               <a:rPr lang="zh-TW" altLang="en-US" smtClean="0"/>
-              <a:t>2019/3/26</a:t>
+              <a:t>2019/8/15</a:t>
             </a:fld>
             <a:endParaRPr lang="zh-TW" altLang="en-US"/>
           </a:p>
@@ -460,7 +2269,7 @@
           <a:p>
             <a:fld id="{D06915D0-C156-4E50-BB29-93FD4A7023AE}" type="datetimeFigureOut">
               <a:rPr lang="zh-TW" altLang="en-US" smtClean="0"/>
-              <a:t>2019/3/26</a:t>
+              <a:t>2019/8/15</a:t>
             </a:fld>
             <a:endParaRPr lang="zh-TW" altLang="en-US"/>
           </a:p>
@@ -640,7 +2449,7 @@
           <a:p>
             <a:fld id="{D06915D0-C156-4E50-BB29-93FD4A7023AE}" type="datetimeFigureOut">
               <a:rPr lang="zh-TW" altLang="en-US" smtClean="0"/>
-              <a:t>2019/3/26</a:t>
+              <a:t>2019/8/15</a:t>
             </a:fld>
             <a:endParaRPr lang="zh-TW" altLang="en-US"/>
           </a:p>
@@ -853,7 +2662,7 @@
           <a:p>
             <a:fld id="{D06915D0-C156-4E50-BB29-93FD4A7023AE}" type="datetimeFigureOut">
               <a:rPr lang="zh-TW" altLang="en-US" smtClean="0"/>
-              <a:t>2019/3/26</a:t>
+              <a:t>2019/8/15</a:t>
             </a:fld>
             <a:endParaRPr lang="zh-TW" altLang="en-US"/>
           </a:p>
@@ -1097,7 +2906,7 @@
           <a:p>
             <a:fld id="{D06915D0-C156-4E50-BB29-93FD4A7023AE}" type="datetimeFigureOut">
               <a:rPr lang="zh-TW" altLang="en-US" smtClean="0"/>
-              <a:t>2019/3/26</a:t>
+              <a:t>2019/8/15</a:t>
             </a:fld>
             <a:endParaRPr lang="zh-TW" altLang="en-US"/>
           </a:p>
@@ -1329,7 +3138,7 @@
           <a:p>
             <a:fld id="{D06915D0-C156-4E50-BB29-93FD4A7023AE}" type="datetimeFigureOut">
               <a:rPr lang="zh-TW" altLang="en-US" smtClean="0"/>
-              <a:t>2019/3/26</a:t>
+              <a:t>2019/8/15</a:t>
             </a:fld>
             <a:endParaRPr lang="zh-TW" altLang="en-US"/>
           </a:p>
@@ -1696,7 +3505,7 @@
           <a:p>
             <a:fld id="{D06915D0-C156-4E50-BB29-93FD4A7023AE}" type="datetimeFigureOut">
               <a:rPr lang="zh-TW" altLang="en-US" smtClean="0"/>
-              <a:t>2019/3/26</a:t>
+              <a:t>2019/8/15</a:t>
             </a:fld>
             <a:endParaRPr lang="zh-TW" altLang="en-US"/>
           </a:p>
@@ -1814,7 +3623,7 @@
           <a:p>
             <a:fld id="{D06915D0-C156-4E50-BB29-93FD4A7023AE}" type="datetimeFigureOut">
               <a:rPr lang="zh-TW" altLang="en-US" smtClean="0"/>
-              <a:t>2019/3/26</a:t>
+              <a:t>2019/8/15</a:t>
             </a:fld>
             <a:endParaRPr lang="zh-TW" altLang="en-US"/>
           </a:p>
@@ -1909,7 +3718,7 @@
           <a:p>
             <a:fld id="{D06915D0-C156-4E50-BB29-93FD4A7023AE}" type="datetimeFigureOut">
               <a:rPr lang="zh-TW" altLang="en-US" smtClean="0"/>
-              <a:t>2019/3/26</a:t>
+              <a:t>2019/8/15</a:t>
             </a:fld>
             <a:endParaRPr lang="zh-TW" altLang="en-US"/>
           </a:p>
@@ -2186,7 +3995,7 @@
           <a:p>
             <a:fld id="{D06915D0-C156-4E50-BB29-93FD4A7023AE}" type="datetimeFigureOut">
               <a:rPr lang="zh-TW" altLang="en-US" smtClean="0"/>
-              <a:t>2019/3/26</a:t>
+              <a:t>2019/8/15</a:t>
             </a:fld>
             <a:endParaRPr lang="zh-TW" altLang="en-US"/>
           </a:p>
@@ -2443,7 +4252,7 @@
           <a:p>
             <a:fld id="{D06915D0-C156-4E50-BB29-93FD4A7023AE}" type="datetimeFigureOut">
               <a:rPr lang="zh-TW" altLang="en-US" smtClean="0"/>
-              <a:t>2019/3/26</a:t>
+              <a:t>2019/8/15</a:t>
             </a:fld>
             <a:endParaRPr lang="zh-TW" altLang="en-US"/>
           </a:p>
@@ -2656,7 +4465,7 @@
           <a:p>
             <a:fld id="{D06915D0-C156-4E50-BB29-93FD4A7023AE}" type="datetimeFigureOut">
               <a:rPr lang="zh-TW" altLang="en-US" smtClean="0"/>
-              <a:t>2019/3/26</a:t>
+              <a:t>2019/8/15</a:t>
             </a:fld>
             <a:endParaRPr lang="zh-TW" altLang="en-US"/>
           </a:p>
@@ -3115,6 +4924,13 @@
   <p:clrMapOvr>
     <a:masterClrMapping/>
   </p:clrMapOvr>
+  <p:timing>
+    <p:tnLst>
+      <p:par>
+        <p:cTn id="1" dur="indefinite" restart="never" nodeType="tmRoot"/>
+      </p:par>
+    </p:tnLst>
+  </p:timing>
 </p:sld>
 </file>
 
@@ -4708,6 +6524,13 @@
   <p:clrMapOvr>
     <a:masterClrMapping/>
   </p:clrMapOvr>
+  <p:timing>
+    <p:tnLst>
+      <p:par>
+        <p:cTn id="1" dur="indefinite" restart="never" nodeType="tmRoot"/>
+      </p:par>
+    </p:tnLst>
+  </p:timing>
 </p:sld>
 </file>
 
@@ -4978,6 +6801,13 @@
   <p:clrMapOvr>
     <a:masterClrMapping/>
   </p:clrMapOvr>
+  <p:timing>
+    <p:tnLst>
+      <p:par>
+        <p:cTn id="1" dur="indefinite" restart="never" nodeType="tmRoot"/>
+      </p:par>
+    </p:tnLst>
+  </p:timing>
 </p:sld>
 </file>
 
@@ -5267,6 +7097,13 @@
   <p:clrMapOvr>
     <a:masterClrMapping/>
   </p:clrMapOvr>
+  <p:timing>
+    <p:tnLst>
+      <p:par>
+        <p:cTn id="1" dur="indefinite" restart="never" nodeType="tmRoot"/>
+      </p:par>
+    </p:tnLst>
+  </p:timing>
 </p:sld>
 </file>
 
@@ -6488,11 +8325,6 @@
               </a:rPr>
               <a:t>Calculating time complexity</a:t>
             </a:r>
-            <a:endParaRPr lang="en-US" altLang="zh-TW" dirty="0">
-              <a:latin typeface="Times New Roman" panose="02020603050405020304" pitchFamily="18" charset="0"/>
-              <a:cs typeface="Times New Roman" panose="02020603050405020304" pitchFamily="18" charset="0"/>
-              <a:hlinkClick r:id="rId2" action="ppaction://hlinksldjump"/>
-            </a:endParaRPr>
           </a:p>
           <a:p>
             <a:pPr lvl="1"/>
@@ -6502,7 +8334,15 @@
                 <a:cs typeface="Times New Roman" panose="02020603050405020304" pitchFamily="18" charset="0"/>
                 <a:hlinkClick r:id="rId2" action="ppaction://hlinksldjump"/>
               </a:rPr>
-              <a:t>Program 1.13: Program 1.11 with count statements   26</a:t>
+              <a:t>Program 1.13: Program 1.11 with count </a:t>
+            </a:r>
+            <a:r>
+              <a:rPr lang="en-US" altLang="zh-TW" dirty="0" smtClean="0">
+                <a:latin typeface="Times New Roman" panose="02020603050405020304" pitchFamily="18" charset="0"/>
+                <a:cs typeface="Times New Roman" panose="02020603050405020304" pitchFamily="18" charset="0"/>
+                <a:hlinkClick r:id="rId2" action="ppaction://hlinksldjump"/>
+              </a:rPr>
+              <a:t>statements</a:t>
             </a:r>
             <a:endParaRPr lang="en-US" altLang="zh-TW" dirty="0">
               <a:latin typeface="Times New Roman" panose="02020603050405020304" pitchFamily="18" charset="0"/>
@@ -6517,7 +8357,15 @@
                 <a:cs typeface="Times New Roman" panose="02020603050405020304" pitchFamily="18" charset="0"/>
                 <a:hlinkClick r:id="rId3" action="ppaction://hlinksldjump"/>
               </a:rPr>
-              <a:t>Program 1.15: Program 1.12 with count statements added   27</a:t>
+              <a:t>Program 1.15: Program 1.12 with count statements </a:t>
+            </a:r>
+            <a:r>
+              <a:rPr lang="en-US" altLang="zh-TW" dirty="0" smtClean="0">
+                <a:latin typeface="Times New Roman" panose="02020603050405020304" pitchFamily="18" charset="0"/>
+                <a:cs typeface="Times New Roman" panose="02020603050405020304" pitchFamily="18" charset="0"/>
+                <a:hlinkClick r:id="rId3" action="ppaction://hlinksldjump"/>
+              </a:rPr>
+              <a:t>added</a:t>
             </a:r>
             <a:endParaRPr lang="en-US" altLang="zh-TW" dirty="0">
               <a:latin typeface="Times New Roman" panose="02020603050405020304" pitchFamily="18" charset="0"/>
@@ -6532,9 +8380,118 @@
                 <a:cs typeface="Times New Roman" panose="02020603050405020304" pitchFamily="18" charset="0"/>
                 <a:hlinkClick r:id="rId4" action="ppaction://hlinksldjump"/>
               </a:rPr>
-              <a:t>Program 1.17: Matrix addition with count statements   29</a:t>
+              <a:t>Program 1.17: Matrix addition with count </a:t>
+            </a:r>
+            <a:r>
+              <a:rPr lang="en-US" altLang="zh-TW" dirty="0" smtClean="0">
+                <a:latin typeface="Times New Roman" panose="02020603050405020304" pitchFamily="18" charset="0"/>
+                <a:cs typeface="Times New Roman" panose="02020603050405020304" pitchFamily="18" charset="0"/>
+                <a:hlinkClick r:id="rId4" action="ppaction://hlinksldjump"/>
+              </a:rPr>
+              <a:t>statements</a:t>
+            </a:r>
+            <a:endParaRPr lang="en-US" altLang="zh-TW" dirty="0" smtClean="0">
+              <a:latin typeface="Times New Roman" panose="02020603050405020304" pitchFamily="18" charset="0"/>
+              <a:cs typeface="Times New Roman" panose="02020603050405020304" pitchFamily="18" charset="0"/>
+            </a:endParaRPr>
+          </a:p>
+          <a:p>
+            <a:r>
+              <a:rPr lang="en-US" altLang="zh-TW" dirty="0">
+                <a:latin typeface="Times New Roman" panose="02020603050405020304" pitchFamily="18" charset="0"/>
+                <a:cs typeface="Times New Roman" panose="02020603050405020304" pitchFamily="18" charset="0"/>
+              </a:rPr>
+              <a:t>Asymptotic </a:t>
+            </a:r>
+            <a:r>
+              <a:rPr lang="en-US" altLang="zh-TW" dirty="0" smtClean="0">
+                <a:latin typeface="Times New Roman" panose="02020603050405020304" pitchFamily="18" charset="0"/>
+                <a:cs typeface="Times New Roman" panose="02020603050405020304" pitchFamily="18" charset="0"/>
+              </a:rPr>
+              <a:t>Notation</a:t>
+            </a:r>
+          </a:p>
+          <a:p>
+            <a:pPr lvl="1"/>
+            <a:r>
+              <a:rPr lang="en-US" altLang="zh-TW" dirty="0">
+                <a:latin typeface="Times New Roman" panose="02020603050405020304" pitchFamily="18" charset="0"/>
+                <a:cs typeface="Times New Roman" panose="02020603050405020304" pitchFamily="18" charset="0"/>
+                <a:hlinkClick r:id="rId5" action="ppaction://hlinksldjump"/>
+              </a:rPr>
+              <a:t>Big-Oh (O)</a:t>
             </a:r>
             <a:endParaRPr lang="en-US" altLang="zh-TW" dirty="0">
+              <a:latin typeface="Times New Roman" panose="02020603050405020304" pitchFamily="18" charset="0"/>
+              <a:cs typeface="Times New Roman" panose="02020603050405020304" pitchFamily="18" charset="0"/>
+            </a:endParaRPr>
+          </a:p>
+          <a:p>
+            <a:pPr lvl="1"/>
+            <a:r>
+              <a:rPr lang="en-US" altLang="zh-TW" dirty="0" smtClean="0">
+                <a:latin typeface="Times New Roman" panose="02020603050405020304" pitchFamily="18" charset="0"/>
+                <a:cs typeface="Times New Roman" panose="02020603050405020304" pitchFamily="18" charset="0"/>
+                <a:hlinkClick r:id="rId6" action="ppaction://hlinksldjump"/>
+              </a:rPr>
+              <a:t>Big-Omega </a:t>
+            </a:r>
+            <a:r>
+              <a:rPr lang="en-US" altLang="zh-TW" dirty="0">
+                <a:latin typeface="Times New Roman" panose="02020603050405020304" pitchFamily="18" charset="0"/>
+                <a:cs typeface="Times New Roman" panose="02020603050405020304" pitchFamily="18" charset="0"/>
+                <a:hlinkClick r:id="rId6" action="ppaction://hlinksldjump"/>
+              </a:rPr>
+              <a:t>(</a:t>
+            </a:r>
+            <a:r>
+              <a:rPr lang="el-GR" altLang="zh-TW" dirty="0">
+                <a:latin typeface="Times New Roman" panose="02020603050405020304" pitchFamily="18" charset="0"/>
+                <a:cs typeface="Times New Roman" panose="02020603050405020304" pitchFamily="18" charset="0"/>
+                <a:hlinkClick r:id="rId6" action="ppaction://hlinksldjump"/>
+              </a:rPr>
+              <a:t>Ω)</a:t>
+            </a:r>
+            <a:endParaRPr lang="el-GR" altLang="zh-TW" dirty="0">
+              <a:latin typeface="Times New Roman" panose="02020603050405020304" pitchFamily="18" charset="0"/>
+              <a:cs typeface="Times New Roman" panose="02020603050405020304" pitchFamily="18" charset="0"/>
+            </a:endParaRPr>
+          </a:p>
+          <a:p>
+            <a:pPr lvl="1"/>
+            <a:r>
+              <a:rPr lang="en-US" altLang="zh-TW" dirty="0" smtClean="0">
+                <a:latin typeface="Times New Roman" panose="02020603050405020304" pitchFamily="18" charset="0"/>
+                <a:cs typeface="Times New Roman" panose="02020603050405020304" pitchFamily="18" charset="0"/>
+                <a:hlinkClick r:id="rId7" action="ppaction://hlinksldjump"/>
+              </a:rPr>
+              <a:t>Big-Theta </a:t>
+            </a:r>
+            <a:r>
+              <a:rPr lang="en-US" altLang="zh-TW" dirty="0">
+                <a:latin typeface="Times New Roman" panose="02020603050405020304" pitchFamily="18" charset="0"/>
+                <a:cs typeface="Times New Roman" panose="02020603050405020304" pitchFamily="18" charset="0"/>
+                <a:hlinkClick r:id="rId7" action="ppaction://hlinksldjump"/>
+              </a:rPr>
+              <a:t>(</a:t>
+            </a:r>
+            <a:r>
+              <a:rPr lang="el-GR" altLang="zh-TW" dirty="0">
+                <a:latin typeface="Times New Roman" panose="02020603050405020304" pitchFamily="18" charset="0"/>
+                <a:cs typeface="Times New Roman" panose="02020603050405020304" pitchFamily="18" charset="0"/>
+                <a:hlinkClick r:id="rId7" action="ppaction://hlinksldjump"/>
+              </a:rPr>
+              <a:t>Θ</a:t>
+            </a:r>
+            <a:r>
+              <a:rPr lang="el-GR" altLang="zh-TW" dirty="0" smtClean="0">
+                <a:latin typeface="Times New Roman" panose="02020603050405020304" pitchFamily="18" charset="0"/>
+                <a:cs typeface="Times New Roman" panose="02020603050405020304" pitchFamily="18" charset="0"/>
+                <a:hlinkClick r:id="rId7" action="ppaction://hlinksldjump"/>
+              </a:rPr>
+              <a:t>)</a:t>
+            </a:r>
+            <a:endParaRPr lang="el-GR" altLang="zh-TW" dirty="0">
               <a:latin typeface="Times New Roman" panose="02020603050405020304" pitchFamily="18" charset="0"/>
               <a:cs typeface="Times New Roman" panose="02020603050405020304" pitchFamily="18" charset="0"/>
             </a:endParaRPr>
@@ -6551,6 +8508,13 @@
   <p:clrMapOvr>
     <a:masterClrMapping/>
   </p:clrMapOvr>
+  <p:timing>
+    <p:tnLst>
+      <p:par>
+        <p:cTn id="1" dur="indefinite" restart="never" nodeType="tmRoot"/>
+      </p:par>
+    </p:tnLst>
+  </p:timing>
 </p:sld>
 </file>
 
@@ -7855,6 +9819,13 @@
   <p:clrMapOvr>
     <a:masterClrMapping/>
   </p:clrMapOvr>
+  <p:timing>
+    <p:tnLst>
+      <p:par>
+        <p:cTn id="1" dur="indefinite" restart="never" nodeType="tmRoot"/>
+      </p:par>
+    </p:tnLst>
+  </p:timing>
 </p:sld>
 </file>
 
@@ -8385,6 +10356,13 @@
   <p:clrMapOvr>
     <a:masterClrMapping/>
   </p:clrMapOvr>
+  <p:timing>
+    <p:tnLst>
+      <p:par>
+        <p:cTn id="1" dur="indefinite" restart="never" nodeType="tmRoot"/>
+      </p:par>
+    </p:tnLst>
+  </p:timing>
 </p:sld>
 </file>
 
@@ -8810,6 +10788,13 @@
   <p:clrMapOvr>
     <a:masterClrMapping/>
   </p:clrMapOvr>
+  <p:timing>
+    <p:tnLst>
+      <p:par>
+        <p:cTn id="1" dur="indefinite" restart="never" nodeType="tmRoot"/>
+      </p:par>
+    </p:tnLst>
+  </p:timing>
 </p:sld>
 </file>
 
@@ -10975,6 +12960,13 @@
   <p:clrMapOvr>
     <a:masterClrMapping/>
   </p:clrMapOvr>
+  <p:timing>
+    <p:tnLst>
+      <p:par>
+        <p:cTn id="1" dur="indefinite" restart="never" nodeType="tmRoot"/>
+      </p:par>
+    </p:tnLst>
+  </p:timing>
 </p:sld>
 </file>
 
@@ -15504,6 +17496,13 @@
   <p:clrMapOvr>
     <a:masterClrMapping/>
   </p:clrMapOvr>
+  <p:timing>
+    <p:tnLst>
+      <p:par>
+        <p:cTn id="1" dur="indefinite" restart="never" nodeType="tmRoot"/>
+      </p:par>
+    </p:tnLst>
+  </p:timing>
 </p:sld>
 </file>
 
@@ -16905,6 +18904,6972 @@
     <p:extLst>
       <p:ext uri="{BB962C8B-B14F-4D97-AF65-F5344CB8AC3E}">
         <p14:creationId xmlns:p14="http://schemas.microsoft.com/office/powerpoint/2010/main" val="4256027813"/>
+      </p:ext>
+    </p:extLst>
+  </p:cSld>
+  <p:clrMapOvr>
+    <a:masterClrMapping/>
+  </p:clrMapOvr>
+</p:sld>
+</file>
+
+<file path=ppt/slides/slide43.xml><?xml version="1.0" encoding="utf-8"?>
+<p:sld xmlns:a="http://schemas.openxmlformats.org/drawingml/2006/main" xmlns:r="http://schemas.openxmlformats.org/officeDocument/2006/relationships" xmlns:p="http://schemas.openxmlformats.org/presentationml/2006/main">
+  <p:cSld>
+    <p:spTree>
+      <p:nvGrpSpPr>
+        <p:cNvPr id="1" name=""/>
+        <p:cNvGrpSpPr/>
+        <p:nvPr/>
+      </p:nvGrpSpPr>
+      <p:grpSpPr>
+        <a:xfrm>
+          <a:off x="0" y="0"/>
+          <a:ext cx="0" cy="0"/>
+          <a:chOff x="0" y="0"/>
+          <a:chExt cx="0" cy="0"/>
+        </a:xfrm>
+      </p:grpSpPr>
+      <p:sp>
+        <p:nvSpPr>
+          <p:cNvPr id="2" name="標題 1"/>
+          <p:cNvSpPr>
+            <a:spLocks noGrp="1"/>
+          </p:cNvSpPr>
+          <p:nvPr>
+            <p:ph type="title"/>
+          </p:nvPr>
+        </p:nvSpPr>
+        <p:spPr/>
+        <p:txBody>
+          <a:bodyPr/>
+          <a:lstStyle/>
+          <a:p>
+            <a:r>
+              <a:rPr lang="en-US" altLang="zh-TW" dirty="0"/>
+              <a:t>Asymptotic Notation</a:t>
+            </a:r>
+            <a:endParaRPr lang="zh-TW" altLang="en-US" dirty="0"/>
+          </a:p>
+        </p:txBody>
+      </p:sp>
+      <mc:AlternateContent xmlns:mc="http://schemas.openxmlformats.org/markup-compatibility/2006">
+        <mc:Choice xmlns:a14="http://schemas.microsoft.com/office/drawing/2010/main" Requires="a14">
+          <p:sp>
+            <p:nvSpPr>
+              <p:cNvPr id="3" name="內容版面配置區 2"/>
+              <p:cNvSpPr>
+                <a:spLocks noGrp="1"/>
+              </p:cNvSpPr>
+              <p:nvPr>
+                <p:ph idx="1"/>
+              </p:nvPr>
+            </p:nvSpPr>
+            <p:spPr/>
+            <p:txBody>
+              <a:bodyPr/>
+              <a:lstStyle/>
+              <a:p>
+                <a:pPr marL="0" indent="0">
+                  <a:buNone/>
+                </a:pPr>
+                <a:r>
+                  <a:rPr lang="en-US" altLang="zh-TW" dirty="0" smtClean="0">
+                    <a:latin typeface="Times New Roman" panose="02020603050405020304" pitchFamily="18" charset="0"/>
+                  </a:rPr>
+                  <a:t>Definition</a:t>
+                </a:r>
+              </a:p>
+              <a:p>
+                <a:r>
+                  <a:rPr lang="en-US" altLang="zh-TW" sz="2400" b="1" dirty="0" smtClean="0">
+                    <a:latin typeface="Times New Roman" panose="02020603050405020304" pitchFamily="18" charset="0"/>
+                  </a:rPr>
+                  <a:t>Big-Oh</a:t>
+                </a:r>
+                <a:r>
+                  <a:rPr lang="zh-TW" altLang="en-US" sz="2400" b="1" dirty="0" smtClean="0">
+                    <a:latin typeface="Times New Roman" panose="02020603050405020304" pitchFamily="18" charset="0"/>
+                  </a:rPr>
+                  <a:t> </a:t>
+                </a:r>
+                <a:r>
+                  <a:rPr lang="en-US" altLang="zh-TW" sz="2400" b="1" dirty="0">
+                    <a:latin typeface="Times New Roman" panose="02020603050405020304" pitchFamily="18" charset="0"/>
+                  </a:rPr>
+                  <a:t>(O</a:t>
+                </a:r>
+                <a:r>
+                  <a:rPr lang="en-US" altLang="zh-TW" sz="2400" b="1" dirty="0" smtClean="0">
+                    <a:latin typeface="Times New Roman" panose="02020603050405020304" pitchFamily="18" charset="0"/>
+                  </a:rPr>
+                  <a:t>)</a:t>
+                </a:r>
+                <a:endParaRPr lang="en-US" altLang="zh-TW" sz="2400" i="1" dirty="0" smtClean="0">
+                  <a:latin typeface="Cambria Math" panose="02040503050406030204" pitchFamily="18" charset="0"/>
+                </a:endParaRPr>
+              </a:p>
+              <a:p>
+                <a:pPr marL="457200" lvl="1" indent="0">
+                  <a:buNone/>
+                </a:pPr>
+                <a14:m>
+                  <m:oMathPara xmlns:m="http://schemas.openxmlformats.org/officeDocument/2006/math">
+                    <m:oMathParaPr>
+                      <m:jc m:val="centerGroup"/>
+                    </m:oMathParaPr>
+                    <m:oMath xmlns:m="http://schemas.openxmlformats.org/officeDocument/2006/math">
+                      <m:r>
+                        <a:rPr lang="en-US" altLang="zh-TW" sz="2000" i="1">
+                          <a:latin typeface="Cambria Math" panose="02040503050406030204" pitchFamily="18" charset="0"/>
+                        </a:rPr>
+                        <m:t>𝑓</m:t>
+                      </m:r>
+                      <m:d>
+                        <m:dPr>
+                          <m:ctrlPr>
+                            <a:rPr lang="en-US" altLang="zh-TW" sz="2000" i="1">
+                              <a:latin typeface="Cambria Math" panose="02040503050406030204" pitchFamily="18" charset="0"/>
+                            </a:rPr>
+                          </m:ctrlPr>
+                        </m:dPr>
+                        <m:e>
+                          <m:r>
+                            <a:rPr lang="en-US" altLang="zh-TW" sz="2000" i="1">
+                              <a:latin typeface="Cambria Math" panose="02040503050406030204" pitchFamily="18" charset="0"/>
+                            </a:rPr>
+                            <m:t>𝑛</m:t>
+                          </m:r>
+                        </m:e>
+                      </m:d>
+                      <m:r>
+                        <a:rPr lang="en-US" altLang="zh-TW" sz="2000" i="1">
+                          <a:latin typeface="Cambria Math" panose="02040503050406030204" pitchFamily="18" charset="0"/>
+                        </a:rPr>
+                        <m:t>=</m:t>
+                      </m:r>
+                      <m:r>
+                        <a:rPr lang="en-US" altLang="zh-TW" sz="2000" i="1">
+                          <a:latin typeface="Cambria Math" panose="02040503050406030204" pitchFamily="18" charset="0"/>
+                        </a:rPr>
+                        <m:t>𝑂</m:t>
+                      </m:r>
+                      <m:d>
+                        <m:dPr>
+                          <m:ctrlPr>
+                            <a:rPr lang="en-US" altLang="zh-TW" sz="2000" i="1">
+                              <a:latin typeface="Cambria Math" panose="02040503050406030204" pitchFamily="18" charset="0"/>
+                            </a:rPr>
+                          </m:ctrlPr>
+                        </m:dPr>
+                        <m:e>
+                          <m:r>
+                            <a:rPr lang="en-US" altLang="zh-TW" sz="2000" i="1">
+                              <a:latin typeface="Cambria Math" panose="02040503050406030204" pitchFamily="18" charset="0"/>
+                            </a:rPr>
+                            <m:t>𝑔</m:t>
+                          </m:r>
+                          <m:d>
+                            <m:dPr>
+                              <m:ctrlPr>
+                                <a:rPr lang="en-US" altLang="zh-TW" sz="2000" i="1">
+                                  <a:latin typeface="Cambria Math" panose="02040503050406030204" pitchFamily="18" charset="0"/>
+                                </a:rPr>
+                              </m:ctrlPr>
+                            </m:dPr>
+                            <m:e>
+                              <m:r>
+                                <a:rPr lang="en-US" altLang="zh-TW" sz="2000" i="1">
+                                  <a:latin typeface="Cambria Math" panose="02040503050406030204" pitchFamily="18" charset="0"/>
+                                </a:rPr>
+                                <m:t>𝑛</m:t>
+                              </m:r>
+                            </m:e>
+                          </m:d>
+                        </m:e>
+                      </m:d>
+                      <m:r>
+                        <m:rPr>
+                          <m:nor/>
+                        </m:rPr>
+                        <a:rPr lang="en-US" altLang="zh-TW" sz="2000" dirty="0">
+                          <a:latin typeface="Times New Roman" panose="02020603050405020304" pitchFamily="18" charset="0"/>
+                        </a:rPr>
+                        <m:t> </m:t>
+                      </m:r>
+                      <m:r>
+                        <m:rPr>
+                          <m:nor/>
+                        </m:rPr>
+                        <a:rPr lang="en-US" altLang="zh-TW" sz="2000" dirty="0">
+                          <a:latin typeface="Times New Roman" panose="02020603050405020304" pitchFamily="18" charset="0"/>
+                        </a:rPr>
+                        <m:t>iff</m:t>
+                      </m:r>
+                      <m:r>
+                        <m:rPr>
+                          <m:nor/>
+                        </m:rPr>
+                        <a:rPr lang="en-US" altLang="zh-TW" sz="2000" dirty="0">
+                          <a:latin typeface="Times New Roman" panose="02020603050405020304" pitchFamily="18" charset="0"/>
+                        </a:rPr>
+                        <m:t> </m:t>
+                      </m:r>
+                      <m:r>
+                        <m:rPr>
+                          <m:nor/>
+                        </m:rPr>
+                        <a:rPr lang="en-US" altLang="zh-TW" sz="2000" dirty="0">
+                          <a:latin typeface="Times New Roman" panose="02020603050405020304" pitchFamily="18" charset="0"/>
+                        </a:rPr>
+                        <m:t>there</m:t>
+                      </m:r>
+                      <m:r>
+                        <m:rPr>
+                          <m:nor/>
+                        </m:rPr>
+                        <a:rPr lang="en-US" altLang="zh-TW" sz="2000" dirty="0">
+                          <a:latin typeface="Times New Roman" panose="02020603050405020304" pitchFamily="18" charset="0"/>
+                        </a:rPr>
+                        <m:t> </m:t>
+                      </m:r>
+                      <m:r>
+                        <m:rPr>
+                          <m:nor/>
+                        </m:rPr>
+                        <a:rPr lang="en-US" altLang="zh-TW" sz="2000" dirty="0">
+                          <a:latin typeface="Times New Roman" panose="02020603050405020304" pitchFamily="18" charset="0"/>
+                        </a:rPr>
+                        <m:t>exist</m:t>
+                      </m:r>
+                      <m:r>
+                        <m:rPr>
+                          <m:nor/>
+                        </m:rPr>
+                        <a:rPr lang="en-US" altLang="zh-TW" sz="2000" dirty="0">
+                          <a:latin typeface="Times New Roman" panose="02020603050405020304" pitchFamily="18" charset="0"/>
+                        </a:rPr>
+                        <m:t> </m:t>
+                      </m:r>
+                      <m:r>
+                        <m:rPr>
+                          <m:nor/>
+                        </m:rPr>
+                        <a:rPr lang="en-US" altLang="zh-TW" sz="2000" dirty="0">
+                          <a:latin typeface="Times New Roman" panose="02020603050405020304" pitchFamily="18" charset="0"/>
+                        </a:rPr>
+                        <m:t>positive</m:t>
+                      </m:r>
+                      <m:r>
+                        <m:rPr>
+                          <m:nor/>
+                        </m:rPr>
+                        <a:rPr lang="en-US" altLang="zh-TW" sz="2000" dirty="0">
+                          <a:latin typeface="Times New Roman" panose="02020603050405020304" pitchFamily="18" charset="0"/>
+                        </a:rPr>
+                        <m:t> </m:t>
+                      </m:r>
+                      <m:r>
+                        <m:rPr>
+                          <m:nor/>
+                        </m:rPr>
+                        <a:rPr lang="en-US" altLang="zh-TW" sz="2000" dirty="0">
+                          <a:latin typeface="Times New Roman" panose="02020603050405020304" pitchFamily="18" charset="0"/>
+                        </a:rPr>
+                        <m:t>constants</m:t>
+                      </m:r>
+                      <m:r>
+                        <m:rPr>
+                          <m:nor/>
+                        </m:rPr>
+                        <a:rPr lang="en-US" altLang="zh-TW" sz="2000" dirty="0">
+                          <a:latin typeface="Times New Roman" panose="02020603050405020304" pitchFamily="18" charset="0"/>
+                        </a:rPr>
+                        <m:t> </m:t>
+                      </m:r>
+                      <m:r>
+                        <a:rPr lang="en-US" altLang="zh-TW" sz="2000" i="1" dirty="0">
+                          <a:latin typeface="Cambria Math" panose="02040503050406030204" pitchFamily="18" charset="0"/>
+                        </a:rPr>
+                        <m:t>𝑐</m:t>
+                      </m:r>
+                      <m:r>
+                        <m:rPr>
+                          <m:nor/>
+                        </m:rPr>
+                        <a:rPr lang="en-US" altLang="zh-TW" sz="2000" dirty="0">
+                          <a:latin typeface="Times New Roman" panose="02020603050405020304" pitchFamily="18" charset="0"/>
+                        </a:rPr>
+                        <m:t> </m:t>
+                      </m:r>
+                      <m:r>
+                        <m:rPr>
+                          <m:nor/>
+                        </m:rPr>
+                        <a:rPr lang="en-US" altLang="zh-TW" sz="2000" dirty="0">
+                          <a:latin typeface="Times New Roman" panose="02020603050405020304" pitchFamily="18" charset="0"/>
+                        </a:rPr>
+                        <m:t>and</m:t>
+                      </m:r>
+                      <m:r>
+                        <m:rPr>
+                          <m:nor/>
+                        </m:rPr>
+                        <a:rPr lang="en-US" altLang="zh-TW" sz="2000" dirty="0">
+                          <a:latin typeface="Times New Roman" panose="02020603050405020304" pitchFamily="18" charset="0"/>
+                        </a:rPr>
+                        <m:t> </m:t>
+                      </m:r>
+                      <m:sSub>
+                        <m:sSubPr>
+                          <m:ctrlPr>
+                            <a:rPr lang="en-US" altLang="zh-TW" sz="2000" i="1">
+                              <a:latin typeface="Cambria Math" panose="02040503050406030204" pitchFamily="18" charset="0"/>
+                            </a:rPr>
+                          </m:ctrlPr>
+                        </m:sSubPr>
+                        <m:e>
+                          <m:r>
+                            <a:rPr lang="en-US" altLang="zh-TW" sz="2000" i="1">
+                              <a:latin typeface="Cambria Math" panose="02040503050406030204" pitchFamily="18" charset="0"/>
+                            </a:rPr>
+                            <m:t> </m:t>
+                          </m:r>
+                          <m:r>
+                            <a:rPr lang="en-US" altLang="zh-TW" sz="2000" i="1">
+                              <a:latin typeface="Cambria Math" panose="02040503050406030204" pitchFamily="18" charset="0"/>
+                            </a:rPr>
+                            <m:t>𝑛</m:t>
+                          </m:r>
+                        </m:e>
+                        <m:sub>
+                          <m:r>
+                            <a:rPr lang="en-US" altLang="zh-TW" sz="2000" i="1">
+                              <a:latin typeface="Cambria Math" panose="02040503050406030204" pitchFamily="18" charset="0"/>
+                            </a:rPr>
+                            <m:t>0</m:t>
+                          </m:r>
+                        </m:sub>
+                      </m:sSub>
+                      <m:r>
+                        <m:rPr>
+                          <m:nor/>
+                        </m:rPr>
+                        <a:rPr lang="en-US" altLang="zh-TW" sz="2000" dirty="0">
+                          <a:latin typeface="Times New Roman" panose="02020603050405020304" pitchFamily="18" charset="0"/>
+                        </a:rPr>
+                        <m:t> </m:t>
+                      </m:r>
+                      <m:r>
+                        <m:rPr>
+                          <m:nor/>
+                        </m:rPr>
+                        <a:rPr lang="en-US" altLang="zh-TW" sz="2000" dirty="0">
+                          <a:latin typeface="Times New Roman" panose="02020603050405020304" pitchFamily="18" charset="0"/>
+                        </a:rPr>
+                        <m:t>such</m:t>
+                      </m:r>
+                      <m:r>
+                        <m:rPr>
+                          <m:nor/>
+                        </m:rPr>
+                        <a:rPr lang="en-US" altLang="zh-TW" sz="2000" dirty="0">
+                          <a:latin typeface="Times New Roman" panose="02020603050405020304" pitchFamily="18" charset="0"/>
+                        </a:rPr>
+                        <m:t> </m:t>
+                      </m:r>
+                      <m:r>
+                        <m:rPr>
+                          <m:nor/>
+                        </m:rPr>
+                        <a:rPr lang="en-US" altLang="zh-TW" sz="2000" dirty="0">
+                          <a:latin typeface="Times New Roman" panose="02020603050405020304" pitchFamily="18" charset="0"/>
+                        </a:rPr>
+                        <m:t>that</m:t>
+                      </m:r>
+                    </m:oMath>
+                  </m:oMathPara>
+                </a14:m>
+                <a:endParaRPr lang="en-US" altLang="zh-TW" sz="2000" dirty="0">
+                  <a:latin typeface="Times New Roman" panose="02020603050405020304" pitchFamily="18" charset="0"/>
+                </a:endParaRPr>
+              </a:p>
+              <a:p>
+                <a:pPr marL="457200" lvl="1" indent="0">
+                  <a:buNone/>
+                </a:pPr>
+                <a14:m>
+                  <m:oMathPara xmlns:m="http://schemas.openxmlformats.org/officeDocument/2006/math">
+                    <m:oMathParaPr>
+                      <m:jc m:val="left"/>
+                    </m:oMathParaPr>
+                    <m:oMath xmlns:m="http://schemas.openxmlformats.org/officeDocument/2006/math">
+                      <m:r>
+                        <a:rPr lang="en-US" altLang="zh-TW" sz="2000" i="1" dirty="0">
+                          <a:latin typeface="Cambria Math" panose="02040503050406030204" pitchFamily="18" charset="0"/>
+                        </a:rPr>
+                        <m:t>𝑓</m:t>
+                      </m:r>
+                      <m:d>
+                        <m:dPr>
+                          <m:ctrlPr>
+                            <a:rPr lang="en-US" altLang="zh-TW" sz="2000" i="1" dirty="0">
+                              <a:latin typeface="Cambria Math" panose="02040503050406030204" pitchFamily="18" charset="0"/>
+                            </a:rPr>
+                          </m:ctrlPr>
+                        </m:dPr>
+                        <m:e>
+                          <m:r>
+                            <a:rPr lang="en-US" altLang="zh-TW" sz="2000" i="1" dirty="0">
+                              <a:latin typeface="Cambria Math" panose="02040503050406030204" pitchFamily="18" charset="0"/>
+                            </a:rPr>
+                            <m:t>𝑛</m:t>
+                          </m:r>
+                        </m:e>
+                      </m:d>
+                      <m:r>
+                        <a:rPr lang="en-US" altLang="zh-TW" sz="2000" i="1" dirty="0">
+                          <a:latin typeface="Cambria Math" panose="02040503050406030204" pitchFamily="18" charset="0"/>
+                          <a:ea typeface="Cambria Math" panose="02040503050406030204" pitchFamily="18" charset="0"/>
+                        </a:rPr>
+                        <m:t>≤</m:t>
+                      </m:r>
+                      <m:r>
+                        <a:rPr lang="en-US" altLang="zh-TW" sz="2000" i="1" dirty="0">
+                          <a:latin typeface="Cambria Math" panose="02040503050406030204" pitchFamily="18" charset="0"/>
+                          <a:ea typeface="Cambria Math" panose="02040503050406030204" pitchFamily="18" charset="0"/>
+                        </a:rPr>
+                        <m:t>𝑐𝑔</m:t>
+                      </m:r>
+                      <m:d>
+                        <m:dPr>
+                          <m:ctrlPr>
+                            <a:rPr lang="en-US" altLang="zh-TW" sz="2000" i="1" dirty="0">
+                              <a:latin typeface="Cambria Math" panose="02040503050406030204" pitchFamily="18" charset="0"/>
+                              <a:ea typeface="Cambria Math" panose="02040503050406030204" pitchFamily="18" charset="0"/>
+                            </a:rPr>
+                          </m:ctrlPr>
+                        </m:dPr>
+                        <m:e>
+                          <m:r>
+                            <a:rPr lang="en-US" altLang="zh-TW" sz="2000" i="1" dirty="0">
+                              <a:latin typeface="Cambria Math" panose="02040503050406030204" pitchFamily="18" charset="0"/>
+                              <a:ea typeface="Cambria Math" panose="02040503050406030204" pitchFamily="18" charset="0"/>
+                            </a:rPr>
+                            <m:t>𝑛</m:t>
+                          </m:r>
+                        </m:e>
+                      </m:d>
+                      <m:r>
+                        <a:rPr lang="en-US" altLang="zh-TW" sz="2000" i="1" dirty="0">
+                          <a:latin typeface="Cambria Math" panose="02040503050406030204" pitchFamily="18" charset="0"/>
+                          <a:ea typeface="Cambria Math" panose="02040503050406030204" pitchFamily="18" charset="0"/>
+                        </a:rPr>
+                        <m:t>,</m:t>
+                      </m:r>
+                      <m:r>
+                        <m:rPr>
+                          <m:nor/>
+                        </m:rPr>
+                        <a:rPr lang="en-US" altLang="zh-TW" sz="2000" i="1" dirty="0">
+                          <a:latin typeface="Cambria Math" panose="02040503050406030204" pitchFamily="18" charset="0"/>
+                          <a:ea typeface="Cambria Math" panose="02040503050406030204" pitchFamily="18" charset="0"/>
+                        </a:rPr>
+                        <m:t> </m:t>
+                      </m:r>
+                      <m:r>
+                        <m:rPr>
+                          <m:nor/>
+                        </m:rPr>
+                        <a:rPr lang="en-US" altLang="zh-TW" sz="2000" dirty="0">
+                          <a:latin typeface="Times New Roman" panose="02020603050405020304" pitchFamily="18" charset="0"/>
+                          <a:ea typeface="Cambria Math" panose="02040503050406030204" pitchFamily="18" charset="0"/>
+                          <a:cs typeface="Times New Roman" panose="02020603050405020304" pitchFamily="18" charset="0"/>
+                        </a:rPr>
+                        <m:t>for</m:t>
+                      </m:r>
+                      <m:r>
+                        <m:rPr>
+                          <m:nor/>
+                        </m:rPr>
+                        <a:rPr lang="en-US" altLang="zh-TW" sz="2000" dirty="0">
+                          <a:latin typeface="Times New Roman" panose="02020603050405020304" pitchFamily="18" charset="0"/>
+                          <a:ea typeface="Cambria Math" panose="02040503050406030204" pitchFamily="18" charset="0"/>
+                          <a:cs typeface="Times New Roman" panose="02020603050405020304" pitchFamily="18" charset="0"/>
+                        </a:rPr>
+                        <m:t> </m:t>
+                      </m:r>
+                      <m:r>
+                        <m:rPr>
+                          <m:nor/>
+                        </m:rPr>
+                        <a:rPr lang="en-US" altLang="zh-TW" sz="2000" dirty="0">
+                          <a:latin typeface="Times New Roman" panose="02020603050405020304" pitchFamily="18" charset="0"/>
+                          <a:ea typeface="Cambria Math" panose="02040503050406030204" pitchFamily="18" charset="0"/>
+                          <a:cs typeface="Times New Roman" panose="02020603050405020304" pitchFamily="18" charset="0"/>
+                        </a:rPr>
+                        <m:t>all</m:t>
+                      </m:r>
+                      <m:r>
+                        <m:rPr>
+                          <m:nor/>
+                        </m:rPr>
+                        <a:rPr lang="en-US" altLang="zh-TW" sz="2000" dirty="0">
+                          <a:latin typeface="Times New Roman" panose="02020603050405020304" pitchFamily="18" charset="0"/>
+                          <a:ea typeface="Cambria Math" panose="02040503050406030204" pitchFamily="18" charset="0"/>
+                          <a:cs typeface="Times New Roman" panose="02020603050405020304" pitchFamily="18" charset="0"/>
+                        </a:rPr>
+                        <m:t> </m:t>
+                      </m:r>
+                      <m:r>
+                        <a:rPr lang="pt-BR" altLang="zh-TW" sz="2000" i="1" dirty="0">
+                          <a:latin typeface="Cambria Math" panose="02040503050406030204" pitchFamily="18" charset="0"/>
+                          <a:ea typeface="Cambria Math" panose="02040503050406030204" pitchFamily="18" charset="0"/>
+                        </a:rPr>
+                        <m:t>𝑛</m:t>
+                      </m:r>
+                      <m:r>
+                        <a:rPr lang="pt-BR" altLang="zh-TW" sz="2000" i="1" dirty="0">
+                          <a:latin typeface="Cambria Math" panose="02040503050406030204" pitchFamily="18" charset="0"/>
+                          <a:ea typeface="Cambria Math" panose="02040503050406030204" pitchFamily="18" charset="0"/>
+                        </a:rPr>
+                        <m:t>, </m:t>
+                      </m:r>
+                      <m:r>
+                        <a:rPr lang="pt-BR" altLang="zh-TW" sz="2000" i="1" dirty="0">
+                          <a:latin typeface="Cambria Math" panose="02040503050406030204" pitchFamily="18" charset="0"/>
+                          <a:ea typeface="Cambria Math" panose="02040503050406030204" pitchFamily="18" charset="0"/>
+                        </a:rPr>
+                        <m:t>𝑛</m:t>
+                      </m:r>
+                      <m:r>
+                        <a:rPr lang="pt-BR" altLang="zh-TW" sz="2000" i="1" dirty="0">
+                          <a:latin typeface="Cambria Math" panose="02040503050406030204" pitchFamily="18" charset="0"/>
+                          <a:ea typeface="Cambria Math" panose="02040503050406030204" pitchFamily="18" charset="0"/>
+                        </a:rPr>
+                        <m:t>≥</m:t>
+                      </m:r>
+                      <m:sSub>
+                        <m:sSubPr>
+                          <m:ctrlPr>
+                            <a:rPr lang="en-US" altLang="zh-TW" sz="2000" i="1">
+                              <a:latin typeface="Cambria Math" panose="02040503050406030204" pitchFamily="18" charset="0"/>
+                            </a:rPr>
+                          </m:ctrlPr>
+                        </m:sSubPr>
+                        <m:e>
+                          <m:r>
+                            <a:rPr lang="en-US" altLang="zh-TW" sz="2000" i="1">
+                              <a:latin typeface="Cambria Math" panose="02040503050406030204" pitchFamily="18" charset="0"/>
+                            </a:rPr>
+                            <m:t> </m:t>
+                          </m:r>
+                          <m:r>
+                            <a:rPr lang="en-US" altLang="zh-TW" sz="2000" i="1">
+                              <a:latin typeface="Cambria Math" panose="02040503050406030204" pitchFamily="18" charset="0"/>
+                            </a:rPr>
+                            <m:t>𝑛</m:t>
+                          </m:r>
+                        </m:e>
+                        <m:sub>
+                          <m:r>
+                            <a:rPr lang="en-US" altLang="zh-TW" sz="2000" i="1">
+                              <a:latin typeface="Cambria Math" panose="02040503050406030204" pitchFamily="18" charset="0"/>
+                            </a:rPr>
+                            <m:t>0</m:t>
+                          </m:r>
+                        </m:sub>
+                      </m:sSub>
+                      <m:r>
+                        <m:rPr>
+                          <m:nor/>
+                        </m:rPr>
+                        <a:rPr lang="en-US" altLang="zh-TW" sz="2000" i="1" dirty="0">
+                          <a:latin typeface="Cambria Math" panose="02040503050406030204" pitchFamily="18" charset="0"/>
+                          <a:ea typeface="Cambria Math" panose="02040503050406030204" pitchFamily="18" charset="0"/>
+                        </a:rPr>
+                        <m:t>.</m:t>
+                      </m:r>
+                    </m:oMath>
+                  </m:oMathPara>
+                </a14:m>
+                <a:endParaRPr lang="en-US" altLang="zh-TW" sz="2000" i="1" dirty="0">
+                  <a:latin typeface="Cambria Math" panose="02040503050406030204" pitchFamily="18" charset="0"/>
+                </a:endParaRPr>
+              </a:p>
+              <a:p>
+                <a:pPr>
+                  <a:lnSpc>
+                    <a:spcPct val="150000"/>
+                  </a:lnSpc>
+                </a:pPr>
+                <a:r>
+                  <a:rPr lang="en-US" altLang="zh-TW" sz="2400" b="1" dirty="0" smtClean="0">
+                    <a:latin typeface="Times New Roman" panose="02020603050405020304" pitchFamily="18" charset="0"/>
+                  </a:rPr>
+                  <a:t>Big-Omega</a:t>
+                </a:r>
+                <a:r>
+                  <a:rPr lang="zh-TW" altLang="en-US" sz="2400" b="1" dirty="0" smtClean="0">
+                    <a:latin typeface="Times New Roman" panose="02020603050405020304" pitchFamily="18" charset="0"/>
+                  </a:rPr>
+                  <a:t> </a:t>
+                </a:r>
+                <a:r>
+                  <a:rPr lang="en-US" altLang="zh-TW" sz="2400" b="1" dirty="0" smtClean="0">
+                    <a:latin typeface="Times New Roman" panose="02020603050405020304" pitchFamily="18" charset="0"/>
+                  </a:rPr>
+                  <a:t>(</a:t>
+                </a:r>
+                <a:r>
+                  <a:rPr lang="el-GR" altLang="zh-TW" sz="2400" b="1" dirty="0">
+                    <a:latin typeface="Times New Roman" panose="02020603050405020304" pitchFamily="18" charset="0"/>
+                  </a:rPr>
+                  <a:t>Ω</a:t>
+                </a:r>
+                <a:r>
+                  <a:rPr lang="en-US" altLang="zh-TW" sz="2400" b="1" dirty="0" smtClean="0">
+                    <a:latin typeface="Times New Roman" panose="02020603050405020304" pitchFamily="18" charset="0"/>
+                  </a:rPr>
+                  <a:t>)</a:t>
+                </a:r>
+                <a:endParaRPr lang="en-US" altLang="zh-TW" sz="2400" i="1" dirty="0" smtClean="0">
+                  <a:latin typeface="Cambria Math" panose="02040503050406030204" pitchFamily="18" charset="0"/>
+                </a:endParaRPr>
+              </a:p>
+              <a:p>
+                <a:pPr marL="457200" lvl="1" indent="0">
+                  <a:buNone/>
+                </a:pPr>
+                <a14:m>
+                  <m:oMathPara xmlns:m="http://schemas.openxmlformats.org/officeDocument/2006/math">
+                    <m:oMathParaPr>
+                      <m:jc m:val="centerGroup"/>
+                    </m:oMathParaPr>
+                    <m:oMath xmlns:m="http://schemas.openxmlformats.org/officeDocument/2006/math">
+                      <m:r>
+                        <a:rPr lang="en-US" altLang="zh-TW" sz="2000" i="1">
+                          <a:latin typeface="Cambria Math" panose="02040503050406030204" pitchFamily="18" charset="0"/>
+                        </a:rPr>
+                        <m:t>𝑓</m:t>
+                      </m:r>
+                      <m:d>
+                        <m:dPr>
+                          <m:ctrlPr>
+                            <a:rPr lang="en-US" altLang="zh-TW" sz="2000" i="1">
+                              <a:latin typeface="Cambria Math" panose="02040503050406030204" pitchFamily="18" charset="0"/>
+                            </a:rPr>
+                          </m:ctrlPr>
+                        </m:dPr>
+                        <m:e>
+                          <m:r>
+                            <a:rPr lang="en-US" altLang="zh-TW" sz="2000" i="1">
+                              <a:latin typeface="Cambria Math" panose="02040503050406030204" pitchFamily="18" charset="0"/>
+                            </a:rPr>
+                            <m:t>𝑛</m:t>
+                          </m:r>
+                        </m:e>
+                      </m:d>
+                      <m:r>
+                        <a:rPr lang="en-US" altLang="zh-TW" sz="2000" i="1">
+                          <a:latin typeface="Cambria Math" panose="02040503050406030204" pitchFamily="18" charset="0"/>
+                        </a:rPr>
+                        <m:t>=</m:t>
+                      </m:r>
+                      <m:r>
+                        <a:rPr lang="el-GR" altLang="zh-TW" sz="2000" i="1">
+                          <a:latin typeface="Cambria Math" panose="02040503050406030204" pitchFamily="18" charset="0"/>
+                        </a:rPr>
+                        <m:t>𝛺</m:t>
+                      </m:r>
+                      <m:d>
+                        <m:dPr>
+                          <m:ctrlPr>
+                            <a:rPr lang="en-US" altLang="zh-TW" sz="2000" i="1">
+                              <a:latin typeface="Cambria Math" panose="02040503050406030204" pitchFamily="18" charset="0"/>
+                            </a:rPr>
+                          </m:ctrlPr>
+                        </m:dPr>
+                        <m:e>
+                          <m:r>
+                            <a:rPr lang="en-US" altLang="zh-TW" sz="2000" i="1">
+                              <a:latin typeface="Cambria Math" panose="02040503050406030204" pitchFamily="18" charset="0"/>
+                            </a:rPr>
+                            <m:t>𝑔</m:t>
+                          </m:r>
+                          <m:d>
+                            <m:dPr>
+                              <m:ctrlPr>
+                                <a:rPr lang="en-US" altLang="zh-TW" sz="2000" i="1">
+                                  <a:latin typeface="Cambria Math" panose="02040503050406030204" pitchFamily="18" charset="0"/>
+                                </a:rPr>
+                              </m:ctrlPr>
+                            </m:dPr>
+                            <m:e>
+                              <m:r>
+                                <a:rPr lang="en-US" altLang="zh-TW" sz="2000" i="1">
+                                  <a:latin typeface="Cambria Math" panose="02040503050406030204" pitchFamily="18" charset="0"/>
+                                </a:rPr>
+                                <m:t>𝑛</m:t>
+                              </m:r>
+                            </m:e>
+                          </m:d>
+                        </m:e>
+                      </m:d>
+                      <m:r>
+                        <m:rPr>
+                          <m:nor/>
+                        </m:rPr>
+                        <a:rPr lang="en-US" altLang="zh-TW" sz="2000" dirty="0">
+                          <a:latin typeface="Times New Roman" panose="02020603050405020304" pitchFamily="18" charset="0"/>
+                        </a:rPr>
+                        <m:t> </m:t>
+                      </m:r>
+                      <m:r>
+                        <m:rPr>
+                          <m:nor/>
+                        </m:rPr>
+                        <a:rPr lang="en-US" altLang="zh-TW" sz="2000" dirty="0">
+                          <a:latin typeface="Times New Roman" panose="02020603050405020304" pitchFamily="18" charset="0"/>
+                        </a:rPr>
+                        <m:t>iff</m:t>
+                      </m:r>
+                      <m:r>
+                        <m:rPr>
+                          <m:nor/>
+                        </m:rPr>
+                        <a:rPr lang="en-US" altLang="zh-TW" sz="2000" dirty="0">
+                          <a:latin typeface="Times New Roman" panose="02020603050405020304" pitchFamily="18" charset="0"/>
+                        </a:rPr>
+                        <m:t> </m:t>
+                      </m:r>
+                      <m:r>
+                        <m:rPr>
+                          <m:nor/>
+                        </m:rPr>
+                        <a:rPr lang="en-US" altLang="zh-TW" sz="2000" dirty="0">
+                          <a:latin typeface="Times New Roman" panose="02020603050405020304" pitchFamily="18" charset="0"/>
+                        </a:rPr>
+                        <m:t>there</m:t>
+                      </m:r>
+                      <m:r>
+                        <m:rPr>
+                          <m:nor/>
+                        </m:rPr>
+                        <a:rPr lang="en-US" altLang="zh-TW" sz="2000" dirty="0">
+                          <a:latin typeface="Times New Roman" panose="02020603050405020304" pitchFamily="18" charset="0"/>
+                        </a:rPr>
+                        <m:t> </m:t>
+                      </m:r>
+                      <m:r>
+                        <m:rPr>
+                          <m:nor/>
+                        </m:rPr>
+                        <a:rPr lang="en-US" altLang="zh-TW" sz="2000" dirty="0">
+                          <a:latin typeface="Times New Roman" panose="02020603050405020304" pitchFamily="18" charset="0"/>
+                        </a:rPr>
+                        <m:t>exist</m:t>
+                      </m:r>
+                      <m:r>
+                        <m:rPr>
+                          <m:nor/>
+                        </m:rPr>
+                        <a:rPr lang="en-US" altLang="zh-TW" sz="2000" dirty="0">
+                          <a:latin typeface="Times New Roman" panose="02020603050405020304" pitchFamily="18" charset="0"/>
+                        </a:rPr>
+                        <m:t> </m:t>
+                      </m:r>
+                      <m:r>
+                        <m:rPr>
+                          <m:nor/>
+                        </m:rPr>
+                        <a:rPr lang="en-US" altLang="zh-TW" sz="2000" dirty="0">
+                          <a:latin typeface="Times New Roman" panose="02020603050405020304" pitchFamily="18" charset="0"/>
+                        </a:rPr>
+                        <m:t>positive</m:t>
+                      </m:r>
+                      <m:r>
+                        <m:rPr>
+                          <m:nor/>
+                        </m:rPr>
+                        <a:rPr lang="en-US" altLang="zh-TW" sz="2000" dirty="0">
+                          <a:latin typeface="Times New Roman" panose="02020603050405020304" pitchFamily="18" charset="0"/>
+                        </a:rPr>
+                        <m:t> </m:t>
+                      </m:r>
+                      <m:r>
+                        <m:rPr>
+                          <m:nor/>
+                        </m:rPr>
+                        <a:rPr lang="en-US" altLang="zh-TW" sz="2000" dirty="0">
+                          <a:latin typeface="Times New Roman" panose="02020603050405020304" pitchFamily="18" charset="0"/>
+                        </a:rPr>
+                        <m:t>constants</m:t>
+                      </m:r>
+                      <m:r>
+                        <m:rPr>
+                          <m:nor/>
+                        </m:rPr>
+                        <a:rPr lang="en-US" altLang="zh-TW" sz="2000" dirty="0">
+                          <a:latin typeface="Times New Roman" panose="02020603050405020304" pitchFamily="18" charset="0"/>
+                        </a:rPr>
+                        <m:t> </m:t>
+                      </m:r>
+                      <m:r>
+                        <a:rPr lang="en-US" altLang="zh-TW" sz="2000" i="1" dirty="0">
+                          <a:latin typeface="Cambria Math" panose="02040503050406030204" pitchFamily="18" charset="0"/>
+                        </a:rPr>
+                        <m:t>𝑐</m:t>
+                      </m:r>
+                      <m:r>
+                        <m:rPr>
+                          <m:nor/>
+                        </m:rPr>
+                        <a:rPr lang="en-US" altLang="zh-TW" sz="2000" dirty="0">
+                          <a:latin typeface="Times New Roman" panose="02020603050405020304" pitchFamily="18" charset="0"/>
+                        </a:rPr>
+                        <m:t> </m:t>
+                      </m:r>
+                      <m:r>
+                        <m:rPr>
+                          <m:nor/>
+                        </m:rPr>
+                        <a:rPr lang="en-US" altLang="zh-TW" sz="2000" dirty="0">
+                          <a:latin typeface="Times New Roman" panose="02020603050405020304" pitchFamily="18" charset="0"/>
+                        </a:rPr>
+                        <m:t>and</m:t>
+                      </m:r>
+                      <m:r>
+                        <m:rPr>
+                          <m:nor/>
+                        </m:rPr>
+                        <a:rPr lang="en-US" altLang="zh-TW" sz="2000" dirty="0">
+                          <a:latin typeface="Times New Roman" panose="02020603050405020304" pitchFamily="18" charset="0"/>
+                        </a:rPr>
+                        <m:t> </m:t>
+                      </m:r>
+                      <m:sSub>
+                        <m:sSubPr>
+                          <m:ctrlPr>
+                            <a:rPr lang="en-US" altLang="zh-TW" sz="2000" i="1">
+                              <a:latin typeface="Cambria Math" panose="02040503050406030204" pitchFamily="18" charset="0"/>
+                            </a:rPr>
+                          </m:ctrlPr>
+                        </m:sSubPr>
+                        <m:e>
+                          <m:r>
+                            <a:rPr lang="en-US" altLang="zh-TW" sz="2000" i="1">
+                              <a:latin typeface="Cambria Math" panose="02040503050406030204" pitchFamily="18" charset="0"/>
+                            </a:rPr>
+                            <m:t> </m:t>
+                          </m:r>
+                          <m:r>
+                            <a:rPr lang="en-US" altLang="zh-TW" sz="2000" i="1">
+                              <a:latin typeface="Cambria Math" panose="02040503050406030204" pitchFamily="18" charset="0"/>
+                            </a:rPr>
+                            <m:t>𝑛</m:t>
+                          </m:r>
+                        </m:e>
+                        <m:sub>
+                          <m:r>
+                            <a:rPr lang="en-US" altLang="zh-TW" sz="2000" i="1">
+                              <a:latin typeface="Cambria Math" panose="02040503050406030204" pitchFamily="18" charset="0"/>
+                            </a:rPr>
+                            <m:t>0</m:t>
+                          </m:r>
+                        </m:sub>
+                      </m:sSub>
+                      <m:r>
+                        <m:rPr>
+                          <m:nor/>
+                        </m:rPr>
+                        <a:rPr lang="en-US" altLang="zh-TW" sz="2000" dirty="0">
+                          <a:latin typeface="Times New Roman" panose="02020603050405020304" pitchFamily="18" charset="0"/>
+                        </a:rPr>
+                        <m:t> </m:t>
+                      </m:r>
+                      <m:r>
+                        <m:rPr>
+                          <m:nor/>
+                        </m:rPr>
+                        <a:rPr lang="en-US" altLang="zh-TW" sz="2000" dirty="0">
+                          <a:latin typeface="Times New Roman" panose="02020603050405020304" pitchFamily="18" charset="0"/>
+                        </a:rPr>
+                        <m:t>such</m:t>
+                      </m:r>
+                      <m:r>
+                        <m:rPr>
+                          <m:nor/>
+                        </m:rPr>
+                        <a:rPr lang="en-US" altLang="zh-TW" sz="2000" dirty="0">
+                          <a:latin typeface="Times New Roman" panose="02020603050405020304" pitchFamily="18" charset="0"/>
+                        </a:rPr>
+                        <m:t> </m:t>
+                      </m:r>
+                      <m:r>
+                        <m:rPr>
+                          <m:nor/>
+                        </m:rPr>
+                        <a:rPr lang="en-US" altLang="zh-TW" sz="2000" dirty="0">
+                          <a:latin typeface="Times New Roman" panose="02020603050405020304" pitchFamily="18" charset="0"/>
+                        </a:rPr>
+                        <m:t>that</m:t>
+                      </m:r>
+                    </m:oMath>
+                  </m:oMathPara>
+                </a14:m>
+                <a:endParaRPr lang="en-US" altLang="zh-TW" sz="2000" dirty="0">
+                  <a:latin typeface="Times New Roman" panose="02020603050405020304" pitchFamily="18" charset="0"/>
+                </a:endParaRPr>
+              </a:p>
+              <a:p>
+                <a:pPr marL="457200" lvl="1" indent="0">
+                  <a:buNone/>
+                </a:pPr>
+                <a14:m>
+                  <m:oMathPara xmlns:m="http://schemas.openxmlformats.org/officeDocument/2006/math">
+                    <m:oMathParaPr>
+                      <m:jc m:val="left"/>
+                    </m:oMathParaPr>
+                    <m:oMath xmlns:m="http://schemas.openxmlformats.org/officeDocument/2006/math">
+                      <m:r>
+                        <a:rPr lang="en-US" altLang="zh-TW" sz="2000" i="1" dirty="0">
+                          <a:latin typeface="Cambria Math" panose="02040503050406030204" pitchFamily="18" charset="0"/>
+                        </a:rPr>
+                        <m:t>𝑓</m:t>
+                      </m:r>
+                      <m:d>
+                        <m:dPr>
+                          <m:ctrlPr>
+                            <a:rPr lang="en-US" altLang="zh-TW" sz="2000" i="1" dirty="0">
+                              <a:latin typeface="Cambria Math" panose="02040503050406030204" pitchFamily="18" charset="0"/>
+                            </a:rPr>
+                          </m:ctrlPr>
+                        </m:dPr>
+                        <m:e>
+                          <m:r>
+                            <a:rPr lang="en-US" altLang="zh-TW" sz="2000" i="1" dirty="0">
+                              <a:latin typeface="Cambria Math" panose="02040503050406030204" pitchFamily="18" charset="0"/>
+                            </a:rPr>
+                            <m:t>𝑛</m:t>
+                          </m:r>
+                        </m:e>
+                      </m:d>
+                      <m:r>
+                        <a:rPr lang="en-US" altLang="zh-TW" sz="2000" i="1" dirty="0">
+                          <a:latin typeface="Cambria Math" panose="02040503050406030204" pitchFamily="18" charset="0"/>
+                          <a:ea typeface="Cambria Math" panose="02040503050406030204" pitchFamily="18" charset="0"/>
+                        </a:rPr>
+                        <m:t>≥</m:t>
+                      </m:r>
+                      <m:r>
+                        <a:rPr lang="en-US" altLang="zh-TW" sz="2000" i="1" dirty="0">
+                          <a:latin typeface="Cambria Math" panose="02040503050406030204" pitchFamily="18" charset="0"/>
+                          <a:ea typeface="Cambria Math" panose="02040503050406030204" pitchFamily="18" charset="0"/>
+                        </a:rPr>
+                        <m:t>𝑐𝑔</m:t>
+                      </m:r>
+                      <m:d>
+                        <m:dPr>
+                          <m:ctrlPr>
+                            <a:rPr lang="en-US" altLang="zh-TW" sz="2000" i="1" dirty="0">
+                              <a:latin typeface="Cambria Math" panose="02040503050406030204" pitchFamily="18" charset="0"/>
+                              <a:ea typeface="Cambria Math" panose="02040503050406030204" pitchFamily="18" charset="0"/>
+                            </a:rPr>
+                          </m:ctrlPr>
+                        </m:dPr>
+                        <m:e>
+                          <m:r>
+                            <a:rPr lang="en-US" altLang="zh-TW" sz="2000" i="1" dirty="0">
+                              <a:latin typeface="Cambria Math" panose="02040503050406030204" pitchFamily="18" charset="0"/>
+                              <a:ea typeface="Cambria Math" panose="02040503050406030204" pitchFamily="18" charset="0"/>
+                            </a:rPr>
+                            <m:t>𝑛</m:t>
+                          </m:r>
+                        </m:e>
+                      </m:d>
+                      <m:r>
+                        <a:rPr lang="en-US" altLang="zh-TW" sz="2000" i="1" dirty="0">
+                          <a:latin typeface="Cambria Math" panose="02040503050406030204" pitchFamily="18" charset="0"/>
+                          <a:ea typeface="Cambria Math" panose="02040503050406030204" pitchFamily="18" charset="0"/>
+                        </a:rPr>
+                        <m:t>,</m:t>
+                      </m:r>
+                      <m:r>
+                        <m:rPr>
+                          <m:nor/>
+                        </m:rPr>
+                        <a:rPr lang="en-US" altLang="zh-TW" sz="2000" i="1" dirty="0">
+                          <a:latin typeface="Cambria Math" panose="02040503050406030204" pitchFamily="18" charset="0"/>
+                          <a:ea typeface="Cambria Math" panose="02040503050406030204" pitchFamily="18" charset="0"/>
+                        </a:rPr>
+                        <m:t> </m:t>
+                      </m:r>
+                      <m:r>
+                        <m:rPr>
+                          <m:nor/>
+                        </m:rPr>
+                        <a:rPr lang="en-US" altLang="zh-TW" sz="2000" dirty="0">
+                          <a:latin typeface="Times New Roman" panose="02020603050405020304" pitchFamily="18" charset="0"/>
+                          <a:ea typeface="Cambria Math" panose="02040503050406030204" pitchFamily="18" charset="0"/>
+                          <a:cs typeface="Times New Roman" panose="02020603050405020304" pitchFamily="18" charset="0"/>
+                        </a:rPr>
+                        <m:t>for</m:t>
+                      </m:r>
+                      <m:r>
+                        <m:rPr>
+                          <m:nor/>
+                        </m:rPr>
+                        <a:rPr lang="en-US" altLang="zh-TW" sz="2000" dirty="0">
+                          <a:latin typeface="Times New Roman" panose="02020603050405020304" pitchFamily="18" charset="0"/>
+                          <a:ea typeface="Cambria Math" panose="02040503050406030204" pitchFamily="18" charset="0"/>
+                          <a:cs typeface="Times New Roman" panose="02020603050405020304" pitchFamily="18" charset="0"/>
+                        </a:rPr>
+                        <m:t> </m:t>
+                      </m:r>
+                      <m:r>
+                        <m:rPr>
+                          <m:nor/>
+                        </m:rPr>
+                        <a:rPr lang="en-US" altLang="zh-TW" sz="2000" dirty="0">
+                          <a:latin typeface="Times New Roman" panose="02020603050405020304" pitchFamily="18" charset="0"/>
+                          <a:ea typeface="Cambria Math" panose="02040503050406030204" pitchFamily="18" charset="0"/>
+                          <a:cs typeface="Times New Roman" panose="02020603050405020304" pitchFamily="18" charset="0"/>
+                        </a:rPr>
+                        <m:t>all</m:t>
+                      </m:r>
+                      <m:r>
+                        <m:rPr>
+                          <m:nor/>
+                        </m:rPr>
+                        <a:rPr lang="en-US" altLang="zh-TW" sz="2000" dirty="0">
+                          <a:latin typeface="Times New Roman" panose="02020603050405020304" pitchFamily="18" charset="0"/>
+                          <a:ea typeface="Cambria Math" panose="02040503050406030204" pitchFamily="18" charset="0"/>
+                          <a:cs typeface="Times New Roman" panose="02020603050405020304" pitchFamily="18" charset="0"/>
+                        </a:rPr>
+                        <m:t> </m:t>
+                      </m:r>
+                      <m:r>
+                        <a:rPr lang="pt-BR" altLang="zh-TW" sz="2000" i="1" dirty="0">
+                          <a:latin typeface="Cambria Math" panose="02040503050406030204" pitchFamily="18" charset="0"/>
+                          <a:ea typeface="Cambria Math" panose="02040503050406030204" pitchFamily="18" charset="0"/>
+                        </a:rPr>
+                        <m:t>𝑛</m:t>
+                      </m:r>
+                      <m:r>
+                        <a:rPr lang="pt-BR" altLang="zh-TW" sz="2000" i="1" dirty="0">
+                          <a:latin typeface="Cambria Math" panose="02040503050406030204" pitchFamily="18" charset="0"/>
+                          <a:ea typeface="Cambria Math" panose="02040503050406030204" pitchFamily="18" charset="0"/>
+                        </a:rPr>
+                        <m:t>, </m:t>
+                      </m:r>
+                      <m:r>
+                        <a:rPr lang="pt-BR" altLang="zh-TW" sz="2000" i="1" dirty="0">
+                          <a:latin typeface="Cambria Math" panose="02040503050406030204" pitchFamily="18" charset="0"/>
+                          <a:ea typeface="Cambria Math" panose="02040503050406030204" pitchFamily="18" charset="0"/>
+                        </a:rPr>
+                        <m:t>𝑛</m:t>
+                      </m:r>
+                      <m:r>
+                        <a:rPr lang="pt-BR" altLang="zh-TW" sz="2000" i="1" dirty="0">
+                          <a:latin typeface="Cambria Math" panose="02040503050406030204" pitchFamily="18" charset="0"/>
+                          <a:ea typeface="Cambria Math" panose="02040503050406030204" pitchFamily="18" charset="0"/>
+                        </a:rPr>
+                        <m:t>≥</m:t>
+                      </m:r>
+                      <m:sSub>
+                        <m:sSubPr>
+                          <m:ctrlPr>
+                            <a:rPr lang="en-US" altLang="zh-TW" sz="2000" i="1">
+                              <a:latin typeface="Cambria Math" panose="02040503050406030204" pitchFamily="18" charset="0"/>
+                            </a:rPr>
+                          </m:ctrlPr>
+                        </m:sSubPr>
+                        <m:e>
+                          <m:r>
+                            <a:rPr lang="en-US" altLang="zh-TW" sz="2000" i="1">
+                              <a:latin typeface="Cambria Math" panose="02040503050406030204" pitchFamily="18" charset="0"/>
+                            </a:rPr>
+                            <m:t> </m:t>
+                          </m:r>
+                          <m:r>
+                            <a:rPr lang="en-US" altLang="zh-TW" sz="2000" i="1">
+                              <a:latin typeface="Cambria Math" panose="02040503050406030204" pitchFamily="18" charset="0"/>
+                            </a:rPr>
+                            <m:t>𝑛</m:t>
+                          </m:r>
+                        </m:e>
+                        <m:sub>
+                          <m:r>
+                            <a:rPr lang="en-US" altLang="zh-TW" sz="2000" i="1">
+                              <a:latin typeface="Cambria Math" panose="02040503050406030204" pitchFamily="18" charset="0"/>
+                            </a:rPr>
+                            <m:t>0</m:t>
+                          </m:r>
+                        </m:sub>
+                      </m:sSub>
+                      <m:r>
+                        <m:rPr>
+                          <m:nor/>
+                        </m:rPr>
+                        <a:rPr lang="en-US" altLang="zh-TW" sz="2000" i="1" dirty="0">
+                          <a:latin typeface="Cambria Math" panose="02040503050406030204" pitchFamily="18" charset="0"/>
+                          <a:ea typeface="Cambria Math" panose="02040503050406030204" pitchFamily="18" charset="0"/>
+                        </a:rPr>
+                        <m:t>.</m:t>
+                      </m:r>
+                    </m:oMath>
+                  </m:oMathPara>
+                </a14:m>
+                <a:endParaRPr lang="en-US" altLang="zh-TW" sz="2000" dirty="0" smtClean="0">
+                  <a:latin typeface="Times New Roman" panose="02020603050405020304" pitchFamily="18" charset="0"/>
+                </a:endParaRPr>
+              </a:p>
+              <a:p>
+                <a:pPr>
+                  <a:lnSpc>
+                    <a:spcPct val="150000"/>
+                  </a:lnSpc>
+                </a:pPr>
+                <a:r>
+                  <a:rPr lang="en-US" altLang="zh-TW" sz="2400" b="1" dirty="0" smtClean="0">
+                    <a:latin typeface="Times New Roman" panose="02020603050405020304" pitchFamily="18" charset="0"/>
+                  </a:rPr>
+                  <a:t>Big-Theta</a:t>
+                </a:r>
+                <a:r>
+                  <a:rPr lang="zh-TW" altLang="en-US" sz="2400" b="1" dirty="0" smtClean="0">
+                    <a:latin typeface="Times New Roman" panose="02020603050405020304" pitchFamily="18" charset="0"/>
+                  </a:rPr>
+                  <a:t> </a:t>
+                </a:r>
+                <a:r>
+                  <a:rPr lang="en-US" altLang="zh-TW" sz="2400" b="1" dirty="0" smtClean="0">
+                    <a:latin typeface="Times New Roman" panose="02020603050405020304" pitchFamily="18" charset="0"/>
+                  </a:rPr>
+                  <a:t>(</a:t>
+                </a:r>
+                <a:r>
+                  <a:rPr lang="el-GR" altLang="zh-TW" sz="2400" b="1" dirty="0">
+                    <a:latin typeface="Times New Roman" panose="02020603050405020304" pitchFamily="18" charset="0"/>
+                  </a:rPr>
+                  <a:t>Θ</a:t>
+                </a:r>
+                <a:r>
+                  <a:rPr lang="en-US" altLang="zh-TW" sz="2400" b="1" dirty="0" smtClean="0">
+                    <a:latin typeface="Times New Roman" panose="02020603050405020304" pitchFamily="18" charset="0"/>
+                  </a:rPr>
+                  <a:t>)</a:t>
+                </a:r>
+                <a:endParaRPr lang="en-US" altLang="zh-TW" sz="2400" i="1" dirty="0" smtClean="0">
+                  <a:latin typeface="Cambria Math" panose="02040503050406030204" pitchFamily="18" charset="0"/>
+                </a:endParaRPr>
+              </a:p>
+              <a:p>
+                <a:pPr marL="457200" lvl="1" indent="0">
+                  <a:buNone/>
+                </a:pPr>
+                <a14:m>
+                  <m:oMathPara xmlns:m="http://schemas.openxmlformats.org/officeDocument/2006/math">
+                    <m:oMathParaPr>
+                      <m:jc m:val="centerGroup"/>
+                    </m:oMathParaPr>
+                    <m:oMath xmlns:m="http://schemas.openxmlformats.org/officeDocument/2006/math">
+                      <m:r>
+                        <a:rPr lang="en-US" altLang="zh-TW" sz="2000" i="1">
+                          <a:latin typeface="Cambria Math" panose="02040503050406030204" pitchFamily="18" charset="0"/>
+                        </a:rPr>
+                        <m:t>𝑓</m:t>
+                      </m:r>
+                      <m:d>
+                        <m:dPr>
+                          <m:ctrlPr>
+                            <a:rPr lang="en-US" altLang="zh-TW" sz="2000" i="1">
+                              <a:latin typeface="Cambria Math" panose="02040503050406030204" pitchFamily="18" charset="0"/>
+                            </a:rPr>
+                          </m:ctrlPr>
+                        </m:dPr>
+                        <m:e>
+                          <m:r>
+                            <a:rPr lang="en-US" altLang="zh-TW" sz="2000" i="1">
+                              <a:latin typeface="Cambria Math" panose="02040503050406030204" pitchFamily="18" charset="0"/>
+                            </a:rPr>
+                            <m:t>𝑛</m:t>
+                          </m:r>
+                        </m:e>
+                      </m:d>
+                      <m:r>
+                        <a:rPr lang="en-US" altLang="zh-TW" sz="2000" i="1">
+                          <a:latin typeface="Cambria Math" panose="02040503050406030204" pitchFamily="18" charset="0"/>
+                        </a:rPr>
+                        <m:t>=</m:t>
+                      </m:r>
+                      <m:r>
+                        <a:rPr lang="zh-TW" altLang="en-US" sz="2000" i="1">
+                          <a:latin typeface="Cambria Math" panose="02040503050406030204" pitchFamily="18" charset="0"/>
+                        </a:rPr>
+                        <m:t>𝛩</m:t>
+                      </m:r>
+                      <m:d>
+                        <m:dPr>
+                          <m:ctrlPr>
+                            <a:rPr lang="en-US" altLang="zh-TW" sz="2000" i="1">
+                              <a:latin typeface="Cambria Math" panose="02040503050406030204" pitchFamily="18" charset="0"/>
+                            </a:rPr>
+                          </m:ctrlPr>
+                        </m:dPr>
+                        <m:e>
+                          <m:r>
+                            <a:rPr lang="en-US" altLang="zh-TW" sz="2000" i="1">
+                              <a:latin typeface="Cambria Math" panose="02040503050406030204" pitchFamily="18" charset="0"/>
+                            </a:rPr>
+                            <m:t>𝑔</m:t>
+                          </m:r>
+                          <m:d>
+                            <m:dPr>
+                              <m:ctrlPr>
+                                <a:rPr lang="en-US" altLang="zh-TW" sz="2000" i="1">
+                                  <a:latin typeface="Cambria Math" panose="02040503050406030204" pitchFamily="18" charset="0"/>
+                                </a:rPr>
+                              </m:ctrlPr>
+                            </m:dPr>
+                            <m:e>
+                              <m:r>
+                                <a:rPr lang="en-US" altLang="zh-TW" sz="2000" i="1">
+                                  <a:latin typeface="Cambria Math" panose="02040503050406030204" pitchFamily="18" charset="0"/>
+                                </a:rPr>
+                                <m:t>𝑛</m:t>
+                              </m:r>
+                            </m:e>
+                          </m:d>
+                        </m:e>
+                      </m:d>
+                      <m:r>
+                        <m:rPr>
+                          <m:nor/>
+                        </m:rPr>
+                        <a:rPr lang="en-US" altLang="zh-TW" sz="2000" dirty="0">
+                          <a:latin typeface="Times New Roman" panose="02020603050405020304" pitchFamily="18" charset="0"/>
+                        </a:rPr>
+                        <m:t> </m:t>
+                      </m:r>
+                      <m:r>
+                        <m:rPr>
+                          <m:nor/>
+                        </m:rPr>
+                        <a:rPr lang="en-US" altLang="zh-TW" sz="2000" dirty="0">
+                          <a:latin typeface="Times New Roman" panose="02020603050405020304" pitchFamily="18" charset="0"/>
+                        </a:rPr>
+                        <m:t>iff</m:t>
+                      </m:r>
+                      <m:r>
+                        <m:rPr>
+                          <m:nor/>
+                        </m:rPr>
+                        <a:rPr lang="en-US" altLang="zh-TW" sz="2000" dirty="0">
+                          <a:latin typeface="Times New Roman" panose="02020603050405020304" pitchFamily="18" charset="0"/>
+                        </a:rPr>
+                        <m:t> </m:t>
+                      </m:r>
+                      <m:r>
+                        <m:rPr>
+                          <m:nor/>
+                        </m:rPr>
+                        <a:rPr lang="en-US" altLang="zh-TW" sz="2000" dirty="0">
+                          <a:latin typeface="Times New Roman" panose="02020603050405020304" pitchFamily="18" charset="0"/>
+                        </a:rPr>
+                        <m:t>there</m:t>
+                      </m:r>
+                      <m:r>
+                        <m:rPr>
+                          <m:nor/>
+                        </m:rPr>
+                        <a:rPr lang="en-US" altLang="zh-TW" sz="2000" dirty="0">
+                          <a:latin typeface="Times New Roman" panose="02020603050405020304" pitchFamily="18" charset="0"/>
+                        </a:rPr>
+                        <m:t> </m:t>
+                      </m:r>
+                      <m:r>
+                        <m:rPr>
+                          <m:nor/>
+                        </m:rPr>
+                        <a:rPr lang="en-US" altLang="zh-TW" sz="2000" dirty="0">
+                          <a:latin typeface="Times New Roman" panose="02020603050405020304" pitchFamily="18" charset="0"/>
+                        </a:rPr>
+                        <m:t>exist</m:t>
+                      </m:r>
+                      <m:r>
+                        <m:rPr>
+                          <m:nor/>
+                        </m:rPr>
+                        <a:rPr lang="en-US" altLang="zh-TW" sz="2000" dirty="0">
+                          <a:latin typeface="Times New Roman" panose="02020603050405020304" pitchFamily="18" charset="0"/>
+                        </a:rPr>
+                        <m:t> </m:t>
+                      </m:r>
+                      <m:r>
+                        <m:rPr>
+                          <m:nor/>
+                        </m:rPr>
+                        <a:rPr lang="en-US" altLang="zh-TW" sz="2000" dirty="0">
+                          <a:latin typeface="Times New Roman" panose="02020603050405020304" pitchFamily="18" charset="0"/>
+                        </a:rPr>
+                        <m:t>positive</m:t>
+                      </m:r>
+                      <m:r>
+                        <m:rPr>
+                          <m:nor/>
+                        </m:rPr>
+                        <a:rPr lang="en-US" altLang="zh-TW" sz="2000" dirty="0">
+                          <a:latin typeface="Times New Roman" panose="02020603050405020304" pitchFamily="18" charset="0"/>
+                        </a:rPr>
+                        <m:t> </m:t>
+                      </m:r>
+                      <m:r>
+                        <m:rPr>
+                          <m:nor/>
+                        </m:rPr>
+                        <a:rPr lang="en-US" altLang="zh-TW" sz="2000" dirty="0">
+                          <a:latin typeface="Times New Roman" panose="02020603050405020304" pitchFamily="18" charset="0"/>
+                        </a:rPr>
+                        <m:t>constants</m:t>
+                      </m:r>
+                      <m:r>
+                        <m:rPr>
+                          <m:nor/>
+                        </m:rPr>
+                        <a:rPr lang="en-US" altLang="zh-TW" sz="2000" dirty="0">
+                          <a:latin typeface="Times New Roman" panose="02020603050405020304" pitchFamily="18" charset="0"/>
+                        </a:rPr>
+                        <m:t> </m:t>
+                      </m:r>
+                      <m:sSub>
+                        <m:sSubPr>
+                          <m:ctrlPr>
+                            <a:rPr lang="en-US" altLang="zh-TW" sz="2000" i="1">
+                              <a:latin typeface="Cambria Math" panose="02040503050406030204" pitchFamily="18" charset="0"/>
+                            </a:rPr>
+                          </m:ctrlPr>
+                        </m:sSubPr>
+                        <m:e>
+                          <m:r>
+                            <a:rPr lang="en-US" altLang="zh-TW" sz="2000" i="1">
+                              <a:latin typeface="Cambria Math" panose="02040503050406030204" pitchFamily="18" charset="0"/>
+                            </a:rPr>
+                            <m:t>𝑐</m:t>
+                          </m:r>
+                        </m:e>
+                        <m:sub>
+                          <m:r>
+                            <a:rPr lang="en-US" altLang="zh-TW" sz="2000" i="1">
+                              <a:latin typeface="Cambria Math" panose="02040503050406030204" pitchFamily="18" charset="0"/>
+                            </a:rPr>
+                            <m:t>1</m:t>
+                          </m:r>
+                        </m:sub>
+                      </m:sSub>
+                      <m:r>
+                        <a:rPr lang="en-US" altLang="zh-TW" sz="2000" i="1">
+                          <a:latin typeface="Cambria Math" panose="02040503050406030204" pitchFamily="18" charset="0"/>
+                        </a:rPr>
+                        <m:t>,</m:t>
+                      </m:r>
+                      <m:sSub>
+                        <m:sSubPr>
+                          <m:ctrlPr>
+                            <a:rPr lang="en-US" altLang="zh-TW" sz="2000" i="1">
+                              <a:latin typeface="Cambria Math" panose="02040503050406030204" pitchFamily="18" charset="0"/>
+                            </a:rPr>
+                          </m:ctrlPr>
+                        </m:sSubPr>
+                        <m:e>
+                          <m:r>
+                            <a:rPr lang="en-US" altLang="zh-TW" sz="2000" i="1">
+                              <a:latin typeface="Cambria Math" panose="02040503050406030204" pitchFamily="18" charset="0"/>
+                            </a:rPr>
+                            <m:t>𝑐</m:t>
+                          </m:r>
+                        </m:e>
+                        <m:sub>
+                          <m:r>
+                            <a:rPr lang="en-US" altLang="zh-TW" sz="2000" i="1">
+                              <a:latin typeface="Cambria Math" panose="02040503050406030204" pitchFamily="18" charset="0"/>
+                            </a:rPr>
+                            <m:t>2</m:t>
+                          </m:r>
+                        </m:sub>
+                      </m:sSub>
+                      <m:r>
+                        <m:rPr>
+                          <m:nor/>
+                        </m:rPr>
+                        <a:rPr lang="en-US" altLang="zh-TW" sz="2000" dirty="0">
+                          <a:latin typeface="Times New Roman" panose="02020603050405020304" pitchFamily="18" charset="0"/>
+                        </a:rPr>
+                        <m:t> </m:t>
+                      </m:r>
+                      <m:r>
+                        <m:rPr>
+                          <m:nor/>
+                        </m:rPr>
+                        <a:rPr lang="en-US" altLang="zh-TW" sz="2000" dirty="0">
+                          <a:latin typeface="Times New Roman" panose="02020603050405020304" pitchFamily="18" charset="0"/>
+                        </a:rPr>
+                        <m:t>and</m:t>
+                      </m:r>
+                      <m:r>
+                        <m:rPr>
+                          <m:nor/>
+                        </m:rPr>
+                        <a:rPr lang="en-US" altLang="zh-TW" sz="2000" dirty="0">
+                          <a:latin typeface="Times New Roman" panose="02020603050405020304" pitchFamily="18" charset="0"/>
+                        </a:rPr>
+                        <m:t> </m:t>
+                      </m:r>
+                      <m:sSub>
+                        <m:sSubPr>
+                          <m:ctrlPr>
+                            <a:rPr lang="en-US" altLang="zh-TW" sz="2000" i="1">
+                              <a:latin typeface="Cambria Math" panose="02040503050406030204" pitchFamily="18" charset="0"/>
+                            </a:rPr>
+                          </m:ctrlPr>
+                        </m:sSubPr>
+                        <m:e>
+                          <m:r>
+                            <a:rPr lang="en-US" altLang="zh-TW" sz="2000" i="1">
+                              <a:latin typeface="Cambria Math" panose="02040503050406030204" pitchFamily="18" charset="0"/>
+                            </a:rPr>
+                            <m:t> </m:t>
+                          </m:r>
+                          <m:r>
+                            <a:rPr lang="en-US" altLang="zh-TW" sz="2000" i="1">
+                              <a:latin typeface="Cambria Math" panose="02040503050406030204" pitchFamily="18" charset="0"/>
+                            </a:rPr>
+                            <m:t>𝑛</m:t>
+                          </m:r>
+                        </m:e>
+                        <m:sub>
+                          <m:r>
+                            <a:rPr lang="en-US" altLang="zh-TW" sz="2000" i="1">
+                              <a:latin typeface="Cambria Math" panose="02040503050406030204" pitchFamily="18" charset="0"/>
+                            </a:rPr>
+                            <m:t>0</m:t>
+                          </m:r>
+                        </m:sub>
+                      </m:sSub>
+                      <m:r>
+                        <m:rPr>
+                          <m:nor/>
+                        </m:rPr>
+                        <a:rPr lang="en-US" altLang="zh-TW" sz="2000" dirty="0">
+                          <a:latin typeface="Times New Roman" panose="02020603050405020304" pitchFamily="18" charset="0"/>
+                        </a:rPr>
+                        <m:t> </m:t>
+                      </m:r>
+                      <m:r>
+                        <m:rPr>
+                          <m:nor/>
+                        </m:rPr>
+                        <a:rPr lang="en-US" altLang="zh-TW" sz="2000" dirty="0">
+                          <a:latin typeface="Times New Roman" panose="02020603050405020304" pitchFamily="18" charset="0"/>
+                        </a:rPr>
+                        <m:t>such</m:t>
+                      </m:r>
+                      <m:r>
+                        <m:rPr>
+                          <m:nor/>
+                        </m:rPr>
+                        <a:rPr lang="en-US" altLang="zh-TW" sz="2000" dirty="0">
+                          <a:latin typeface="Times New Roman" panose="02020603050405020304" pitchFamily="18" charset="0"/>
+                        </a:rPr>
+                        <m:t> </m:t>
+                      </m:r>
+                      <m:r>
+                        <m:rPr>
+                          <m:nor/>
+                        </m:rPr>
+                        <a:rPr lang="en-US" altLang="zh-TW" sz="2000" dirty="0">
+                          <a:latin typeface="Times New Roman" panose="02020603050405020304" pitchFamily="18" charset="0"/>
+                        </a:rPr>
+                        <m:t>that</m:t>
+                      </m:r>
+                    </m:oMath>
+                  </m:oMathPara>
+                </a14:m>
+                <a:endParaRPr lang="en-US" altLang="zh-TW" sz="2000" dirty="0" smtClean="0">
+                  <a:latin typeface="Times New Roman" panose="02020603050405020304" pitchFamily="18" charset="0"/>
+                </a:endParaRPr>
+              </a:p>
+              <a:p>
+                <a:pPr marL="457200" lvl="1" indent="0">
+                  <a:buNone/>
+                </a:pPr>
+                <a14:m>
+                  <m:oMathPara xmlns:m="http://schemas.openxmlformats.org/officeDocument/2006/math">
+                    <m:oMathParaPr>
+                      <m:jc m:val="left"/>
+                    </m:oMathParaPr>
+                    <m:oMath xmlns:m="http://schemas.openxmlformats.org/officeDocument/2006/math">
+                      <m:sSub>
+                        <m:sSubPr>
+                          <m:ctrlPr>
+                            <a:rPr lang="en-US" altLang="zh-TW" sz="2000" i="1">
+                              <a:latin typeface="Cambria Math" panose="02040503050406030204" pitchFamily="18" charset="0"/>
+                            </a:rPr>
+                          </m:ctrlPr>
+                        </m:sSubPr>
+                        <m:e>
+                          <m:r>
+                            <a:rPr lang="en-US" altLang="zh-TW" sz="2000" i="1">
+                              <a:latin typeface="Cambria Math" panose="02040503050406030204" pitchFamily="18" charset="0"/>
+                            </a:rPr>
+                            <m:t>𝑐</m:t>
+                          </m:r>
+                        </m:e>
+                        <m:sub>
+                          <m:r>
+                            <a:rPr lang="en-US" altLang="zh-TW" sz="2000" i="1">
+                              <a:latin typeface="Cambria Math" panose="02040503050406030204" pitchFamily="18" charset="0"/>
+                            </a:rPr>
+                            <m:t>1</m:t>
+                          </m:r>
+                        </m:sub>
+                      </m:sSub>
+                      <m:r>
+                        <a:rPr lang="en-US" altLang="zh-TW" sz="2000" i="1" dirty="0">
+                          <a:latin typeface="Cambria Math" panose="02040503050406030204" pitchFamily="18" charset="0"/>
+                          <a:ea typeface="Cambria Math" panose="02040503050406030204" pitchFamily="18" charset="0"/>
+                        </a:rPr>
+                        <m:t>𝑔</m:t>
+                      </m:r>
+                      <m:d>
+                        <m:dPr>
+                          <m:ctrlPr>
+                            <a:rPr lang="en-US" altLang="zh-TW" sz="2000" i="1" dirty="0">
+                              <a:latin typeface="Cambria Math" panose="02040503050406030204" pitchFamily="18" charset="0"/>
+                              <a:ea typeface="Cambria Math" panose="02040503050406030204" pitchFamily="18" charset="0"/>
+                            </a:rPr>
+                          </m:ctrlPr>
+                        </m:dPr>
+                        <m:e>
+                          <m:r>
+                            <a:rPr lang="en-US" altLang="zh-TW" sz="2000" i="1" dirty="0">
+                              <a:latin typeface="Cambria Math" panose="02040503050406030204" pitchFamily="18" charset="0"/>
+                              <a:ea typeface="Cambria Math" panose="02040503050406030204" pitchFamily="18" charset="0"/>
+                            </a:rPr>
+                            <m:t>𝑛</m:t>
+                          </m:r>
+                        </m:e>
+                      </m:d>
+                      <m:r>
+                        <a:rPr lang="zh-TW" altLang="en-US" sz="2000" i="1" dirty="0">
+                          <a:latin typeface="Cambria Math" panose="02040503050406030204" pitchFamily="18" charset="0"/>
+                        </a:rPr>
+                        <m:t>≤</m:t>
+                      </m:r>
+                      <m:r>
+                        <a:rPr lang="en-US" altLang="zh-TW" sz="2000" i="1" dirty="0">
+                          <a:latin typeface="Cambria Math" panose="02040503050406030204" pitchFamily="18" charset="0"/>
+                        </a:rPr>
+                        <m:t>𝑓</m:t>
+                      </m:r>
+                      <m:d>
+                        <m:dPr>
+                          <m:ctrlPr>
+                            <a:rPr lang="en-US" altLang="zh-TW" sz="2000" i="1" dirty="0">
+                              <a:latin typeface="Cambria Math" panose="02040503050406030204" pitchFamily="18" charset="0"/>
+                            </a:rPr>
+                          </m:ctrlPr>
+                        </m:dPr>
+                        <m:e>
+                          <m:r>
+                            <a:rPr lang="en-US" altLang="zh-TW" sz="2000" i="1" dirty="0">
+                              <a:latin typeface="Cambria Math" panose="02040503050406030204" pitchFamily="18" charset="0"/>
+                            </a:rPr>
+                            <m:t>𝑛</m:t>
+                          </m:r>
+                        </m:e>
+                      </m:d>
+                      <m:r>
+                        <a:rPr lang="en-US" altLang="zh-TW" sz="2000" i="1" dirty="0">
+                          <a:latin typeface="Cambria Math" panose="02040503050406030204" pitchFamily="18" charset="0"/>
+                          <a:ea typeface="Cambria Math" panose="02040503050406030204" pitchFamily="18" charset="0"/>
+                        </a:rPr>
+                        <m:t>≤</m:t>
+                      </m:r>
+                      <m:sSub>
+                        <m:sSubPr>
+                          <m:ctrlPr>
+                            <a:rPr lang="en-US" altLang="zh-TW" sz="2000" i="1">
+                              <a:latin typeface="Cambria Math" panose="02040503050406030204" pitchFamily="18" charset="0"/>
+                            </a:rPr>
+                          </m:ctrlPr>
+                        </m:sSubPr>
+                        <m:e>
+                          <m:r>
+                            <a:rPr lang="en-US" altLang="zh-TW" sz="2000" i="1">
+                              <a:latin typeface="Cambria Math" panose="02040503050406030204" pitchFamily="18" charset="0"/>
+                            </a:rPr>
+                            <m:t>𝑐</m:t>
+                          </m:r>
+                        </m:e>
+                        <m:sub>
+                          <m:r>
+                            <a:rPr lang="en-US" altLang="zh-TW" sz="2000" i="1">
+                              <a:latin typeface="Cambria Math" panose="02040503050406030204" pitchFamily="18" charset="0"/>
+                            </a:rPr>
+                            <m:t>2</m:t>
+                          </m:r>
+                        </m:sub>
+                      </m:sSub>
+                      <m:r>
+                        <a:rPr lang="en-US" altLang="zh-TW" sz="2000" i="1" dirty="0">
+                          <a:latin typeface="Cambria Math" panose="02040503050406030204" pitchFamily="18" charset="0"/>
+                          <a:ea typeface="Cambria Math" panose="02040503050406030204" pitchFamily="18" charset="0"/>
+                        </a:rPr>
+                        <m:t>𝑔</m:t>
+                      </m:r>
+                      <m:d>
+                        <m:dPr>
+                          <m:ctrlPr>
+                            <a:rPr lang="en-US" altLang="zh-TW" sz="2000" i="1" dirty="0">
+                              <a:latin typeface="Cambria Math" panose="02040503050406030204" pitchFamily="18" charset="0"/>
+                              <a:ea typeface="Cambria Math" panose="02040503050406030204" pitchFamily="18" charset="0"/>
+                            </a:rPr>
+                          </m:ctrlPr>
+                        </m:dPr>
+                        <m:e>
+                          <m:r>
+                            <a:rPr lang="en-US" altLang="zh-TW" sz="2000" i="1" dirty="0">
+                              <a:latin typeface="Cambria Math" panose="02040503050406030204" pitchFamily="18" charset="0"/>
+                              <a:ea typeface="Cambria Math" panose="02040503050406030204" pitchFamily="18" charset="0"/>
+                            </a:rPr>
+                            <m:t>𝑛</m:t>
+                          </m:r>
+                        </m:e>
+                      </m:d>
+                      <m:r>
+                        <a:rPr lang="en-US" altLang="zh-TW" sz="2000" i="1" dirty="0">
+                          <a:latin typeface="Cambria Math" panose="02040503050406030204" pitchFamily="18" charset="0"/>
+                          <a:ea typeface="Cambria Math" panose="02040503050406030204" pitchFamily="18" charset="0"/>
+                        </a:rPr>
+                        <m:t>, </m:t>
+                      </m:r>
+                      <m:r>
+                        <m:rPr>
+                          <m:nor/>
+                        </m:rPr>
+                        <a:rPr lang="en-US" altLang="zh-TW" sz="2000" dirty="0">
+                          <a:latin typeface="Times New Roman" panose="02020603050405020304" pitchFamily="18" charset="0"/>
+                          <a:ea typeface="Cambria Math" panose="02040503050406030204" pitchFamily="18" charset="0"/>
+                          <a:cs typeface="Times New Roman" panose="02020603050405020304" pitchFamily="18" charset="0"/>
+                        </a:rPr>
+                        <m:t>for</m:t>
+                      </m:r>
+                      <m:r>
+                        <m:rPr>
+                          <m:nor/>
+                        </m:rPr>
+                        <a:rPr lang="en-US" altLang="zh-TW" sz="2000" dirty="0">
+                          <a:latin typeface="Times New Roman" panose="02020603050405020304" pitchFamily="18" charset="0"/>
+                          <a:ea typeface="Cambria Math" panose="02040503050406030204" pitchFamily="18" charset="0"/>
+                          <a:cs typeface="Times New Roman" panose="02020603050405020304" pitchFamily="18" charset="0"/>
+                        </a:rPr>
+                        <m:t> </m:t>
+                      </m:r>
+                      <m:r>
+                        <m:rPr>
+                          <m:nor/>
+                        </m:rPr>
+                        <a:rPr lang="en-US" altLang="zh-TW" sz="2000" dirty="0">
+                          <a:latin typeface="Times New Roman" panose="02020603050405020304" pitchFamily="18" charset="0"/>
+                          <a:ea typeface="Cambria Math" panose="02040503050406030204" pitchFamily="18" charset="0"/>
+                          <a:cs typeface="Times New Roman" panose="02020603050405020304" pitchFamily="18" charset="0"/>
+                        </a:rPr>
+                        <m:t>all</m:t>
+                      </m:r>
+                      <m:r>
+                        <m:rPr>
+                          <m:nor/>
+                        </m:rPr>
+                        <a:rPr lang="en-US" altLang="zh-TW" sz="2000" dirty="0">
+                          <a:latin typeface="Times New Roman" panose="02020603050405020304" pitchFamily="18" charset="0"/>
+                          <a:ea typeface="Cambria Math" panose="02040503050406030204" pitchFamily="18" charset="0"/>
+                          <a:cs typeface="Times New Roman" panose="02020603050405020304" pitchFamily="18" charset="0"/>
+                        </a:rPr>
+                        <m:t> </m:t>
+                      </m:r>
+                      <m:r>
+                        <a:rPr lang="pt-BR" altLang="zh-TW" sz="2000" i="1" dirty="0">
+                          <a:latin typeface="Cambria Math" panose="02040503050406030204" pitchFamily="18" charset="0"/>
+                          <a:ea typeface="Cambria Math" panose="02040503050406030204" pitchFamily="18" charset="0"/>
+                        </a:rPr>
+                        <m:t>𝑛</m:t>
+                      </m:r>
+                      <m:r>
+                        <a:rPr lang="pt-BR" altLang="zh-TW" sz="2000" i="1" dirty="0">
+                          <a:latin typeface="Cambria Math" panose="02040503050406030204" pitchFamily="18" charset="0"/>
+                          <a:ea typeface="Cambria Math" panose="02040503050406030204" pitchFamily="18" charset="0"/>
+                        </a:rPr>
+                        <m:t>, </m:t>
+                      </m:r>
+                      <m:r>
+                        <a:rPr lang="pt-BR" altLang="zh-TW" sz="2000" i="1" dirty="0">
+                          <a:latin typeface="Cambria Math" panose="02040503050406030204" pitchFamily="18" charset="0"/>
+                          <a:ea typeface="Cambria Math" panose="02040503050406030204" pitchFamily="18" charset="0"/>
+                        </a:rPr>
+                        <m:t>𝑛</m:t>
+                      </m:r>
+                      <m:r>
+                        <a:rPr lang="pt-BR" altLang="zh-TW" sz="2000" i="1" dirty="0">
+                          <a:latin typeface="Cambria Math" panose="02040503050406030204" pitchFamily="18" charset="0"/>
+                          <a:ea typeface="Cambria Math" panose="02040503050406030204" pitchFamily="18" charset="0"/>
+                        </a:rPr>
+                        <m:t>≥</m:t>
+                      </m:r>
+                      <m:sSub>
+                        <m:sSubPr>
+                          <m:ctrlPr>
+                            <a:rPr lang="en-US" altLang="zh-TW" sz="2000" i="1">
+                              <a:latin typeface="Cambria Math" panose="02040503050406030204" pitchFamily="18" charset="0"/>
+                            </a:rPr>
+                          </m:ctrlPr>
+                        </m:sSubPr>
+                        <m:e>
+                          <m:r>
+                            <a:rPr lang="en-US" altLang="zh-TW" sz="2000" i="1">
+                              <a:latin typeface="Cambria Math" panose="02040503050406030204" pitchFamily="18" charset="0"/>
+                            </a:rPr>
+                            <m:t> </m:t>
+                          </m:r>
+                          <m:r>
+                            <a:rPr lang="en-US" altLang="zh-TW" sz="2000" i="1">
+                              <a:latin typeface="Cambria Math" panose="02040503050406030204" pitchFamily="18" charset="0"/>
+                            </a:rPr>
+                            <m:t>𝑛</m:t>
+                          </m:r>
+                        </m:e>
+                        <m:sub>
+                          <m:r>
+                            <a:rPr lang="en-US" altLang="zh-TW" sz="2000" i="1">
+                              <a:latin typeface="Cambria Math" panose="02040503050406030204" pitchFamily="18" charset="0"/>
+                            </a:rPr>
+                            <m:t>0</m:t>
+                          </m:r>
+                        </m:sub>
+                      </m:sSub>
+                      <m:r>
+                        <m:rPr>
+                          <m:nor/>
+                        </m:rPr>
+                        <a:rPr lang="en-US" altLang="zh-TW" sz="2000" i="1" dirty="0">
+                          <a:latin typeface="Cambria Math" panose="02040503050406030204" pitchFamily="18" charset="0"/>
+                          <a:ea typeface="Cambria Math" panose="02040503050406030204" pitchFamily="18" charset="0"/>
+                        </a:rPr>
+                        <m:t>.</m:t>
+                      </m:r>
+                    </m:oMath>
+                  </m:oMathPara>
+                </a14:m>
+                <a:endParaRPr lang="en-US" altLang="zh-TW" sz="2000" i="1" dirty="0">
+                  <a:latin typeface="Cambria Math" panose="02040503050406030204" pitchFamily="18" charset="0"/>
+                  <a:ea typeface="Cambria Math" panose="02040503050406030204" pitchFamily="18" charset="0"/>
+                </a:endParaRPr>
+              </a:p>
+              <a:p>
+                <a:pPr marL="457200" lvl="1" indent="0">
+                  <a:buNone/>
+                </a:pPr>
+                <a:endParaRPr lang="en-US" altLang="zh-TW" sz="2000" dirty="0" smtClean="0">
+                  <a:latin typeface="Times New Roman" panose="02020603050405020304" pitchFamily="18" charset="0"/>
+                </a:endParaRPr>
+              </a:p>
+              <a:p>
+                <a:pPr marL="457200" lvl="1" indent="0">
+                  <a:buNone/>
+                </a:pPr>
+                <a:endParaRPr lang="en-US" altLang="zh-TW" dirty="0">
+                  <a:latin typeface="Times New Roman" panose="02020603050405020304" pitchFamily="18" charset="0"/>
+                </a:endParaRPr>
+              </a:p>
+            </p:txBody>
+          </p:sp>
+        </mc:Choice>
+        <mc:Fallback>
+          <p:sp>
+            <p:nvSpPr>
+              <p:cNvPr id="3" name="內容版面配置區 2"/>
+              <p:cNvSpPr>
+                <a:spLocks noGrp="1" noRot="1" noChangeAspect="1" noMove="1" noResize="1" noEditPoints="1" noAdjustHandles="1" noChangeArrowheads="1" noChangeShapeType="1" noTextEdit="1"/>
+              </p:cNvSpPr>
+              <p:nvPr>
+                <p:ph idx="1"/>
+              </p:nvPr>
+            </p:nvSpPr>
+            <p:spPr>
+              <a:blipFill>
+                <a:blip r:embed="rId3"/>
+                <a:stretch>
+                  <a:fillRect l="-1432" t="-2058"/>
+                </a:stretch>
+              </a:blipFill>
+            </p:spPr>
+            <p:txBody>
+              <a:bodyPr/>
+              <a:lstStyle/>
+              <a:p>
+                <a:r>
+                  <a:rPr lang="zh-TW" altLang="en-US">
+                    <a:noFill/>
+                  </a:rPr>
+                  <a:t> </a:t>
+                </a:r>
+              </a:p>
+            </p:txBody>
+          </p:sp>
+        </mc:Fallback>
+      </mc:AlternateContent>
+    </p:spTree>
+    <p:extLst>
+      <p:ext uri="{BB962C8B-B14F-4D97-AF65-F5344CB8AC3E}">
+        <p14:creationId xmlns:p14="http://schemas.microsoft.com/office/powerpoint/2010/main" val="3507944771"/>
+      </p:ext>
+    </p:extLst>
+  </p:cSld>
+  <p:clrMapOvr>
+    <a:masterClrMapping/>
+  </p:clrMapOvr>
+</p:sld>
+</file>
+
+<file path=ppt/slides/slide44.xml><?xml version="1.0" encoding="utf-8"?>
+<p:sld xmlns:a="http://schemas.openxmlformats.org/drawingml/2006/main" xmlns:r="http://schemas.openxmlformats.org/officeDocument/2006/relationships" xmlns:p="http://schemas.openxmlformats.org/presentationml/2006/main">
+  <p:cSld>
+    <p:spTree>
+      <p:nvGrpSpPr>
+        <p:cNvPr id="1" name=""/>
+        <p:cNvGrpSpPr/>
+        <p:nvPr/>
+      </p:nvGrpSpPr>
+      <p:grpSpPr>
+        <a:xfrm>
+          <a:off x="0" y="0"/>
+          <a:ext cx="0" cy="0"/>
+          <a:chOff x="0" y="0"/>
+          <a:chExt cx="0" cy="0"/>
+        </a:xfrm>
+      </p:grpSpPr>
+      <p:sp>
+        <p:nvSpPr>
+          <p:cNvPr id="2" name="標題 1"/>
+          <p:cNvSpPr>
+            <a:spLocks noGrp="1"/>
+          </p:cNvSpPr>
+          <p:nvPr>
+            <p:ph type="title"/>
+          </p:nvPr>
+        </p:nvSpPr>
+        <p:spPr/>
+        <p:txBody>
+          <a:bodyPr/>
+          <a:lstStyle/>
+          <a:p>
+            <a:r>
+              <a:rPr lang="en-US" altLang="zh-TW" dirty="0"/>
+              <a:t>Asymptotic Notation (O)</a:t>
+            </a:r>
+            <a:endParaRPr lang="zh-TW" altLang="en-US" dirty="0"/>
+          </a:p>
+        </p:txBody>
+      </p:sp>
+      <mc:AlternateContent xmlns:mc="http://schemas.openxmlformats.org/markup-compatibility/2006">
+        <mc:Choice xmlns:a14="http://schemas.microsoft.com/office/drawing/2010/main" Requires="a14">
+          <p:sp>
+            <p:nvSpPr>
+              <p:cNvPr id="3" name="內容版面配置區 2"/>
+              <p:cNvSpPr>
+                <a:spLocks noGrp="1"/>
+              </p:cNvSpPr>
+              <p:nvPr>
+                <p:ph idx="1"/>
+              </p:nvPr>
+            </p:nvSpPr>
+            <p:spPr/>
+            <p:txBody>
+              <a:bodyPr/>
+              <a:lstStyle/>
+              <a:p>
+                <a:r>
+                  <a:rPr lang="en-US" altLang="zh-TW" dirty="0" smtClean="0">
+                    <a:latin typeface="Times New Roman" panose="02020603050405020304" pitchFamily="18" charset="0"/>
+                  </a:rPr>
+                  <a:t>Definition</a:t>
+                </a:r>
+              </a:p>
+              <a:p>
+                <a:pPr marL="457200" lvl="1" indent="0">
+                  <a:buNone/>
+                </a:pPr>
+                <a14:m>
+                  <m:oMath xmlns:m="http://schemas.openxmlformats.org/officeDocument/2006/math">
+                    <m:r>
+                      <a:rPr lang="en-US" altLang="zh-TW" sz="2000" i="1">
+                        <a:latin typeface="Cambria Math" panose="02040503050406030204" pitchFamily="18" charset="0"/>
+                      </a:rPr>
+                      <m:t>𝑓</m:t>
+                    </m:r>
+                    <m:d>
+                      <m:dPr>
+                        <m:ctrlPr>
+                          <a:rPr lang="en-US" altLang="zh-TW" sz="2000" i="1">
+                            <a:latin typeface="Cambria Math" panose="02040503050406030204" pitchFamily="18" charset="0"/>
+                          </a:rPr>
+                        </m:ctrlPr>
+                      </m:dPr>
+                      <m:e>
+                        <m:r>
+                          <a:rPr lang="en-US" altLang="zh-TW" sz="2000" i="1">
+                            <a:latin typeface="Cambria Math" panose="02040503050406030204" pitchFamily="18" charset="0"/>
+                          </a:rPr>
+                          <m:t>𝑛</m:t>
+                        </m:r>
+                      </m:e>
+                    </m:d>
+                    <m:r>
+                      <a:rPr lang="en-US" altLang="zh-TW" sz="2000" i="1">
+                        <a:latin typeface="Cambria Math" panose="02040503050406030204" pitchFamily="18" charset="0"/>
+                      </a:rPr>
+                      <m:t>=</m:t>
+                    </m:r>
+                    <m:r>
+                      <a:rPr lang="en-US" altLang="zh-TW" sz="2000" i="1">
+                        <a:latin typeface="Cambria Math" panose="02040503050406030204" pitchFamily="18" charset="0"/>
+                      </a:rPr>
+                      <m:t>𝑂</m:t>
+                    </m:r>
+                    <m:d>
+                      <m:dPr>
+                        <m:ctrlPr>
+                          <a:rPr lang="en-US" altLang="zh-TW" sz="2000" i="1">
+                            <a:latin typeface="Cambria Math" panose="02040503050406030204" pitchFamily="18" charset="0"/>
+                          </a:rPr>
+                        </m:ctrlPr>
+                      </m:dPr>
+                      <m:e>
+                        <m:r>
+                          <a:rPr lang="en-US" altLang="zh-TW" sz="2000" i="1">
+                            <a:latin typeface="Cambria Math" panose="02040503050406030204" pitchFamily="18" charset="0"/>
+                          </a:rPr>
+                          <m:t>𝑔</m:t>
+                        </m:r>
+                        <m:d>
+                          <m:dPr>
+                            <m:ctrlPr>
+                              <a:rPr lang="en-US" altLang="zh-TW" sz="2000" i="1">
+                                <a:latin typeface="Cambria Math" panose="02040503050406030204" pitchFamily="18" charset="0"/>
+                              </a:rPr>
+                            </m:ctrlPr>
+                          </m:dPr>
+                          <m:e>
+                            <m:r>
+                              <a:rPr lang="en-US" altLang="zh-TW" sz="2000" i="1">
+                                <a:latin typeface="Cambria Math" panose="02040503050406030204" pitchFamily="18" charset="0"/>
+                              </a:rPr>
+                              <m:t>𝑛</m:t>
+                            </m:r>
+                          </m:e>
+                        </m:d>
+                      </m:e>
+                    </m:d>
+                  </m:oMath>
+                </a14:m>
+                <a:r>
+                  <a:rPr lang="en-US" altLang="zh-TW" sz="2000" dirty="0">
+                    <a:latin typeface="Times New Roman" panose="02020603050405020304" pitchFamily="18" charset="0"/>
+                  </a:rPr>
+                  <a:t> iff</a:t>
+                </a:r>
+                <a:r>
+                  <a:rPr lang="en-US" altLang="zh-TW" sz="2000" dirty="0">
+                    <a:latin typeface="Times New Roman" panose="02020603050405020304" pitchFamily="18" charset="0"/>
+                  </a:rPr>
+                  <a:t> there exist positive constants </a:t>
+                </a:r>
+                <a14:m>
+                  <m:oMath xmlns:m="http://schemas.openxmlformats.org/officeDocument/2006/math">
+                    <m:r>
+                      <a:rPr lang="en-US" altLang="zh-TW" sz="2000" i="1" dirty="0" smtClean="0">
+                        <a:latin typeface="Cambria Math" panose="02040503050406030204" pitchFamily="18" charset="0"/>
+                      </a:rPr>
+                      <m:t>𝑐</m:t>
+                    </m:r>
+                  </m:oMath>
+                </a14:m>
+                <a:r>
+                  <a:rPr lang="en-US" altLang="zh-TW" sz="2000" dirty="0">
+                    <a:latin typeface="Times New Roman" panose="02020603050405020304" pitchFamily="18" charset="0"/>
+                  </a:rPr>
+                  <a:t> </a:t>
+                </a:r>
+                <a:r>
+                  <a:rPr lang="en-US" altLang="zh-TW" sz="2000" dirty="0" smtClean="0">
+                    <a:latin typeface="Times New Roman" panose="02020603050405020304" pitchFamily="18" charset="0"/>
+                  </a:rPr>
+                  <a:t>and </a:t>
+                </a:r>
+                <a14:m>
+                  <m:oMath xmlns:m="http://schemas.openxmlformats.org/officeDocument/2006/math">
+                    <m:sSub>
+                      <m:sSubPr>
+                        <m:ctrlPr>
+                          <a:rPr lang="en-US" altLang="zh-TW" sz="2000" i="1">
+                            <a:latin typeface="Cambria Math" panose="02040503050406030204" pitchFamily="18" charset="0"/>
+                          </a:rPr>
+                        </m:ctrlPr>
+                      </m:sSubPr>
+                      <m:e>
+                        <m:r>
+                          <a:rPr lang="en-US" altLang="zh-TW" sz="2000" i="1">
+                            <a:latin typeface="Cambria Math" panose="02040503050406030204" pitchFamily="18" charset="0"/>
+                          </a:rPr>
+                          <m:t> </m:t>
+                        </m:r>
+                        <m:r>
+                          <a:rPr lang="en-US" altLang="zh-TW" sz="2000" i="1">
+                            <a:latin typeface="Cambria Math" panose="02040503050406030204" pitchFamily="18" charset="0"/>
+                          </a:rPr>
+                          <m:t>𝑛</m:t>
+                        </m:r>
+                      </m:e>
+                      <m:sub>
+                        <m:r>
+                          <a:rPr lang="en-US" altLang="zh-TW" sz="2000" i="1">
+                            <a:latin typeface="Cambria Math" panose="02040503050406030204" pitchFamily="18" charset="0"/>
+                          </a:rPr>
+                          <m:t>0</m:t>
+                        </m:r>
+                      </m:sub>
+                    </m:sSub>
+                  </m:oMath>
+                </a14:m>
+                <a:r>
+                  <a:rPr lang="en-US" altLang="zh-TW" sz="2000" dirty="0" smtClean="0">
+                    <a:latin typeface="Times New Roman" panose="02020603050405020304" pitchFamily="18" charset="0"/>
+                  </a:rPr>
+                  <a:t> such </a:t>
+                </a:r>
+                <a:r>
+                  <a:rPr lang="en-US" altLang="zh-TW" sz="2000" dirty="0">
+                    <a:latin typeface="Times New Roman" panose="02020603050405020304" pitchFamily="18" charset="0"/>
+                  </a:rPr>
+                  <a:t>that</a:t>
+                </a:r>
+              </a:p>
+              <a:p>
+                <a:pPr marL="457200" lvl="1" indent="0">
+                  <a:buNone/>
+                </a:pPr>
+                <a14:m>
+                  <m:oMath xmlns:m="http://schemas.openxmlformats.org/officeDocument/2006/math">
+                    <m:r>
+                      <a:rPr lang="en-US" altLang="zh-TW" sz="2000" b="0" i="1" dirty="0" smtClean="0">
+                        <a:solidFill>
+                          <a:schemeClr val="tx1"/>
+                        </a:solidFill>
+                        <a:latin typeface="Cambria Math" panose="02040503050406030204" pitchFamily="18" charset="0"/>
+                      </a:rPr>
+                      <m:t>𝑓</m:t>
+                    </m:r>
+                    <m:d>
+                      <m:dPr>
+                        <m:ctrlPr>
+                          <a:rPr lang="en-US" altLang="zh-TW" sz="2000" b="0" i="1" dirty="0" smtClean="0">
+                            <a:solidFill>
+                              <a:schemeClr val="tx1"/>
+                            </a:solidFill>
+                            <a:latin typeface="Cambria Math" panose="02040503050406030204" pitchFamily="18" charset="0"/>
+                          </a:rPr>
+                        </m:ctrlPr>
+                      </m:dPr>
+                      <m:e>
+                        <m:r>
+                          <a:rPr lang="en-US" altLang="zh-TW" sz="2000" b="0" i="1" dirty="0" smtClean="0">
+                            <a:solidFill>
+                              <a:schemeClr val="tx1"/>
+                            </a:solidFill>
+                            <a:latin typeface="Cambria Math" panose="02040503050406030204" pitchFamily="18" charset="0"/>
+                          </a:rPr>
+                          <m:t>𝑛</m:t>
+                        </m:r>
+                      </m:e>
+                    </m:d>
+                    <m:r>
+                      <a:rPr lang="en-US" altLang="zh-TW" sz="2000" b="0" i="1" dirty="0" smtClean="0">
+                        <a:solidFill>
+                          <a:schemeClr val="tx1"/>
+                        </a:solidFill>
+                        <a:latin typeface="Cambria Math" panose="02040503050406030204" pitchFamily="18" charset="0"/>
+                        <a:ea typeface="Cambria Math" panose="02040503050406030204" pitchFamily="18" charset="0"/>
+                      </a:rPr>
+                      <m:t>≤</m:t>
+                    </m:r>
+                    <m:r>
+                      <a:rPr lang="en-US" altLang="zh-TW" sz="2000" i="1" dirty="0">
+                        <a:solidFill>
+                          <a:schemeClr val="tx1"/>
+                        </a:solidFill>
+                        <a:latin typeface="Cambria Math" panose="02040503050406030204" pitchFamily="18" charset="0"/>
+                        <a:ea typeface="Cambria Math" panose="02040503050406030204" pitchFamily="18" charset="0"/>
+                      </a:rPr>
+                      <m:t>𝑐𝑔</m:t>
+                    </m:r>
+                    <m:d>
+                      <m:dPr>
+                        <m:ctrlPr>
+                          <a:rPr lang="en-US" altLang="zh-TW" sz="2000" i="1" dirty="0">
+                            <a:solidFill>
+                              <a:schemeClr val="tx1"/>
+                            </a:solidFill>
+                            <a:latin typeface="Cambria Math" panose="02040503050406030204" pitchFamily="18" charset="0"/>
+                            <a:ea typeface="Cambria Math" panose="02040503050406030204" pitchFamily="18" charset="0"/>
+                          </a:rPr>
+                        </m:ctrlPr>
+                      </m:dPr>
+                      <m:e>
+                        <m:r>
+                          <a:rPr lang="en-US" altLang="zh-TW" sz="2000" i="1" dirty="0">
+                            <a:solidFill>
+                              <a:schemeClr val="tx1"/>
+                            </a:solidFill>
+                            <a:latin typeface="Cambria Math" panose="02040503050406030204" pitchFamily="18" charset="0"/>
+                            <a:ea typeface="Cambria Math" panose="02040503050406030204" pitchFamily="18" charset="0"/>
+                          </a:rPr>
+                          <m:t>𝑛</m:t>
+                        </m:r>
+                      </m:e>
+                    </m:d>
+                    <m:r>
+                      <a:rPr lang="en-US" altLang="zh-TW" sz="2000" i="1" dirty="0">
+                        <a:solidFill>
+                          <a:schemeClr val="tx1"/>
+                        </a:solidFill>
+                        <a:latin typeface="Cambria Math" panose="02040503050406030204" pitchFamily="18" charset="0"/>
+                        <a:ea typeface="Cambria Math" panose="02040503050406030204" pitchFamily="18" charset="0"/>
+                      </a:rPr>
+                      <m:t>,</m:t>
+                    </m:r>
+                  </m:oMath>
+                </a14:m>
+                <a:r>
+                  <a:rPr lang="en-US" altLang="zh-TW" sz="2000" i="1" dirty="0" smtClean="0">
+                    <a:solidFill>
+                      <a:schemeClr val="tx1"/>
+                    </a:solidFill>
+                    <a:latin typeface="Cambria Math" panose="02040503050406030204" pitchFamily="18" charset="0"/>
+                    <a:ea typeface="Cambria Math" panose="02040503050406030204" pitchFamily="18" charset="0"/>
+                  </a:rPr>
+                  <a:t> </a:t>
+                </a:r>
+                <a:r>
+                  <a:rPr lang="en-US" altLang="zh-TW" sz="2000" dirty="0" smtClean="0">
+                    <a:solidFill>
+                      <a:schemeClr val="tx1"/>
+                    </a:solidFill>
+                    <a:latin typeface="Times New Roman" panose="02020603050405020304" pitchFamily="18" charset="0"/>
+                    <a:ea typeface="Cambria Math" panose="02040503050406030204" pitchFamily="18" charset="0"/>
+                    <a:cs typeface="Times New Roman" panose="02020603050405020304" pitchFamily="18" charset="0"/>
+                  </a:rPr>
+                  <a:t>for all </a:t>
+                </a:r>
+                <a14:m>
+                  <m:oMath xmlns:m="http://schemas.openxmlformats.org/officeDocument/2006/math">
+                    <m:r>
+                      <a:rPr lang="pt-BR" altLang="zh-TW" sz="2000" i="1" dirty="0">
+                        <a:latin typeface="Cambria Math" panose="02040503050406030204" pitchFamily="18" charset="0"/>
+                        <a:ea typeface="Cambria Math" panose="02040503050406030204" pitchFamily="18" charset="0"/>
+                      </a:rPr>
+                      <m:t>𝑛</m:t>
+                    </m:r>
+                    <m:r>
+                      <a:rPr lang="pt-BR" altLang="zh-TW" sz="2000" i="1" dirty="0">
+                        <a:latin typeface="Cambria Math" panose="02040503050406030204" pitchFamily="18" charset="0"/>
+                        <a:ea typeface="Cambria Math" panose="02040503050406030204" pitchFamily="18" charset="0"/>
+                      </a:rPr>
+                      <m:t>, </m:t>
+                    </m:r>
+                    <m:r>
+                      <a:rPr lang="pt-BR" altLang="zh-TW" sz="2000" i="1" dirty="0">
+                        <a:latin typeface="Cambria Math" panose="02040503050406030204" pitchFamily="18" charset="0"/>
+                        <a:ea typeface="Cambria Math" panose="02040503050406030204" pitchFamily="18" charset="0"/>
+                      </a:rPr>
+                      <m:t>𝑛</m:t>
+                    </m:r>
+                    <m:r>
+                      <a:rPr lang="pt-BR" altLang="zh-TW" sz="2000" i="1" dirty="0">
+                        <a:latin typeface="Cambria Math" panose="02040503050406030204" pitchFamily="18" charset="0"/>
+                        <a:ea typeface="Cambria Math" panose="02040503050406030204" pitchFamily="18" charset="0"/>
+                      </a:rPr>
+                      <m:t>≥</m:t>
+                    </m:r>
+                    <m:sSub>
+                      <m:sSubPr>
+                        <m:ctrlPr>
+                          <a:rPr lang="en-US" altLang="zh-TW" sz="2000" i="1">
+                            <a:latin typeface="Cambria Math" panose="02040503050406030204" pitchFamily="18" charset="0"/>
+                          </a:rPr>
+                        </m:ctrlPr>
+                      </m:sSubPr>
+                      <m:e>
+                        <m:r>
+                          <a:rPr lang="en-US" altLang="zh-TW" sz="2000" i="1">
+                            <a:latin typeface="Cambria Math" panose="02040503050406030204" pitchFamily="18" charset="0"/>
+                          </a:rPr>
+                          <m:t> </m:t>
+                        </m:r>
+                        <m:r>
+                          <a:rPr lang="en-US" altLang="zh-TW" sz="2000" i="1">
+                            <a:latin typeface="Cambria Math" panose="02040503050406030204" pitchFamily="18" charset="0"/>
+                          </a:rPr>
+                          <m:t>𝑛</m:t>
+                        </m:r>
+                      </m:e>
+                      <m:sub>
+                        <m:r>
+                          <a:rPr lang="en-US" altLang="zh-TW" sz="2000" i="1">
+                            <a:latin typeface="Cambria Math" panose="02040503050406030204" pitchFamily="18" charset="0"/>
+                          </a:rPr>
+                          <m:t>0</m:t>
+                        </m:r>
+                      </m:sub>
+                    </m:sSub>
+                  </m:oMath>
+                </a14:m>
+                <a:r>
+                  <a:rPr lang="en-US" altLang="zh-TW" sz="2000" i="1" dirty="0" smtClean="0">
+                    <a:solidFill>
+                      <a:schemeClr val="tx1"/>
+                    </a:solidFill>
+                    <a:latin typeface="Cambria Math" panose="02040503050406030204" pitchFamily="18" charset="0"/>
+                    <a:ea typeface="Cambria Math" panose="02040503050406030204" pitchFamily="18" charset="0"/>
+                  </a:rPr>
+                  <a:t>.</a:t>
+                </a:r>
+              </a:p>
+              <a:p>
+                <a:r>
+                  <a:rPr lang="en-US" altLang="zh-TW" dirty="0" smtClean="0">
+                    <a:latin typeface="Times New Roman" panose="02020603050405020304" pitchFamily="18" charset="0"/>
+                  </a:rPr>
+                  <a:t>Examples</a:t>
+                </a:r>
+              </a:p>
+              <a:p>
+                <a:pPr lvl="1">
+                  <a:lnSpc>
+                    <a:spcPct val="150000"/>
+                  </a:lnSpc>
+                </a:pPr>
+                <a14:m>
+                  <m:oMath xmlns:m="http://schemas.openxmlformats.org/officeDocument/2006/math">
+                    <m:r>
+                      <a:rPr lang="en-US" altLang="zh-TW" b="0" i="1" smtClean="0">
+                        <a:latin typeface="Cambria Math" panose="02040503050406030204" pitchFamily="18" charset="0"/>
+                      </a:rPr>
+                      <m:t>3</m:t>
+                    </m:r>
+                    <m:r>
+                      <a:rPr lang="en-US" altLang="zh-TW" b="0" i="1" smtClean="0">
+                        <a:latin typeface="Cambria Math" panose="02040503050406030204" pitchFamily="18" charset="0"/>
+                      </a:rPr>
+                      <m:t>𝑛</m:t>
+                    </m:r>
+                    <m:r>
+                      <a:rPr lang="en-US" altLang="zh-TW" b="0" i="1" smtClean="0">
+                        <a:latin typeface="Cambria Math" panose="02040503050406030204" pitchFamily="18" charset="0"/>
+                      </a:rPr>
+                      <m:t>+2=</m:t>
+                    </m:r>
+                    <m:r>
+                      <a:rPr lang="en-US" altLang="zh-TW" b="0" i="1" smtClean="0">
+                        <a:latin typeface="Cambria Math" panose="02040503050406030204" pitchFamily="18" charset="0"/>
+                      </a:rPr>
+                      <m:t>𝑂</m:t>
+                    </m:r>
+                    <m:r>
+                      <a:rPr lang="en-US" altLang="zh-TW" b="0" i="1" smtClean="0">
+                        <a:latin typeface="Cambria Math" panose="02040503050406030204" pitchFamily="18" charset="0"/>
+                      </a:rPr>
+                      <m:t>(</m:t>
+                    </m:r>
+                    <m:r>
+                      <a:rPr lang="en-US" altLang="zh-TW" b="0" i="1" smtClean="0">
+                        <a:latin typeface="Cambria Math" panose="02040503050406030204" pitchFamily="18" charset="0"/>
+                      </a:rPr>
+                      <m:t>𝑛</m:t>
+                    </m:r>
+                    <m:r>
+                      <a:rPr lang="en-US" altLang="zh-TW" b="0" i="1" smtClean="0">
+                        <a:latin typeface="Cambria Math" panose="02040503050406030204" pitchFamily="18" charset="0"/>
+                      </a:rPr>
+                      <m:t>)</m:t>
+                    </m:r>
+                  </m:oMath>
+                </a14:m>
+                <a:endParaRPr lang="en-US" altLang="zh-TW" dirty="0" smtClean="0">
+                  <a:latin typeface="Times New Roman" panose="02020603050405020304" pitchFamily="18" charset="0"/>
+                </a:endParaRPr>
+              </a:p>
+              <a:p>
+                <a:pPr lvl="1">
+                  <a:lnSpc>
+                    <a:spcPct val="150000"/>
+                  </a:lnSpc>
+                </a:pPr>
+                <a14:m>
+                  <m:oMath xmlns:m="http://schemas.openxmlformats.org/officeDocument/2006/math">
+                    <m:r>
+                      <a:rPr lang="en-US" altLang="zh-TW" i="1">
+                        <a:latin typeface="Cambria Math" panose="02040503050406030204" pitchFamily="18" charset="0"/>
+                      </a:rPr>
+                      <m:t>3</m:t>
+                    </m:r>
+                    <m:r>
+                      <a:rPr lang="en-US" altLang="zh-TW" i="1">
+                        <a:latin typeface="Cambria Math" panose="02040503050406030204" pitchFamily="18" charset="0"/>
+                      </a:rPr>
+                      <m:t>𝑛</m:t>
+                    </m:r>
+                    <m:r>
+                      <a:rPr lang="en-US" altLang="zh-TW" i="1">
+                        <a:latin typeface="Cambria Math" panose="02040503050406030204" pitchFamily="18" charset="0"/>
+                      </a:rPr>
+                      <m:t>+3=</m:t>
+                    </m:r>
+                    <m:r>
+                      <a:rPr lang="en-US" altLang="zh-TW" i="1">
+                        <a:latin typeface="Cambria Math" panose="02040503050406030204" pitchFamily="18" charset="0"/>
+                      </a:rPr>
+                      <m:t>𝑂</m:t>
+                    </m:r>
+                    <m:r>
+                      <a:rPr lang="en-US" altLang="zh-TW" i="1">
+                        <a:latin typeface="Cambria Math" panose="02040503050406030204" pitchFamily="18" charset="0"/>
+                      </a:rPr>
+                      <m:t>(</m:t>
+                    </m:r>
+                    <m:r>
+                      <a:rPr lang="en-US" altLang="zh-TW" i="1">
+                        <a:latin typeface="Cambria Math" panose="02040503050406030204" pitchFamily="18" charset="0"/>
+                      </a:rPr>
+                      <m:t>𝑛</m:t>
+                    </m:r>
+                    <m:r>
+                      <a:rPr lang="en-US" altLang="zh-TW" i="1">
+                        <a:latin typeface="Cambria Math" panose="02040503050406030204" pitchFamily="18" charset="0"/>
+                      </a:rPr>
+                      <m:t>)</m:t>
+                    </m:r>
+                  </m:oMath>
+                </a14:m>
+                <a:endParaRPr lang="en-US" altLang="zh-TW" dirty="0" smtClean="0">
+                  <a:latin typeface="Times New Roman" panose="02020603050405020304" pitchFamily="18" charset="0"/>
+                </a:endParaRPr>
+              </a:p>
+              <a:p>
+                <a:pPr lvl="1">
+                  <a:lnSpc>
+                    <a:spcPct val="150000"/>
+                  </a:lnSpc>
+                </a:pPr>
+                <a14:m>
+                  <m:oMath xmlns:m="http://schemas.openxmlformats.org/officeDocument/2006/math">
+                    <m:r>
+                      <a:rPr lang="en-US" altLang="zh-TW" i="1" smtClean="0">
+                        <a:latin typeface="Cambria Math" panose="02040503050406030204" pitchFamily="18" charset="0"/>
+                      </a:rPr>
+                      <m:t>1</m:t>
+                    </m:r>
+                    <m:r>
+                      <a:rPr lang="en-US" altLang="zh-TW" b="0" i="1" smtClean="0">
+                        <a:latin typeface="Cambria Math" panose="02040503050406030204" pitchFamily="18" charset="0"/>
+                      </a:rPr>
+                      <m:t>00</m:t>
+                    </m:r>
+                    <m:r>
+                      <a:rPr lang="en-US" altLang="zh-TW" i="1">
+                        <a:latin typeface="Cambria Math" panose="02040503050406030204" pitchFamily="18" charset="0"/>
+                      </a:rPr>
+                      <m:t>𝑛</m:t>
+                    </m:r>
+                    <m:r>
+                      <a:rPr lang="en-US" altLang="zh-TW" i="1">
+                        <a:latin typeface="Cambria Math" panose="02040503050406030204" pitchFamily="18" charset="0"/>
+                      </a:rPr>
+                      <m:t>+6=</m:t>
+                    </m:r>
+                    <m:r>
+                      <a:rPr lang="en-US" altLang="zh-TW" i="1">
+                        <a:latin typeface="Cambria Math" panose="02040503050406030204" pitchFamily="18" charset="0"/>
+                      </a:rPr>
+                      <m:t>𝑂</m:t>
+                    </m:r>
+                    <m:r>
+                      <a:rPr lang="en-US" altLang="zh-TW" i="1">
+                        <a:latin typeface="Cambria Math" panose="02040503050406030204" pitchFamily="18" charset="0"/>
+                      </a:rPr>
+                      <m:t>(</m:t>
+                    </m:r>
+                    <m:r>
+                      <a:rPr lang="en-US" altLang="zh-TW" i="1">
+                        <a:latin typeface="Cambria Math" panose="02040503050406030204" pitchFamily="18" charset="0"/>
+                      </a:rPr>
+                      <m:t>𝑛</m:t>
+                    </m:r>
+                    <m:r>
+                      <a:rPr lang="en-US" altLang="zh-TW" i="1">
+                        <a:latin typeface="Cambria Math" panose="02040503050406030204" pitchFamily="18" charset="0"/>
+                      </a:rPr>
+                      <m:t>)</m:t>
+                    </m:r>
+                  </m:oMath>
+                </a14:m>
+                <a:endParaRPr lang="en-US" altLang="zh-TW" dirty="0">
+                  <a:latin typeface="Times New Roman" panose="02020603050405020304" pitchFamily="18" charset="0"/>
+                </a:endParaRPr>
+              </a:p>
+              <a:p>
+                <a:pPr lvl="1">
+                  <a:lnSpc>
+                    <a:spcPct val="150000"/>
+                  </a:lnSpc>
+                </a:pPr>
+                <a14:m>
+                  <m:oMath xmlns:m="http://schemas.openxmlformats.org/officeDocument/2006/math">
+                    <m:r>
+                      <a:rPr lang="en-US" altLang="zh-TW" i="1" smtClean="0">
+                        <a:latin typeface="Cambria Math" panose="02040503050406030204" pitchFamily="18" charset="0"/>
+                      </a:rPr>
+                      <m:t>1</m:t>
+                    </m:r>
+                    <m:r>
+                      <a:rPr lang="en-US" altLang="zh-TW" b="0" i="1" smtClean="0">
+                        <a:latin typeface="Cambria Math" panose="02040503050406030204" pitchFamily="18" charset="0"/>
+                      </a:rPr>
+                      <m:t>0</m:t>
+                    </m:r>
+                    <m:sSup>
+                      <m:sSupPr>
+                        <m:ctrlPr>
+                          <a:rPr lang="en-US" altLang="zh-TW" b="0" i="1" smtClean="0">
+                            <a:latin typeface="Cambria Math" panose="02040503050406030204" pitchFamily="18" charset="0"/>
+                          </a:rPr>
+                        </m:ctrlPr>
+                      </m:sSupPr>
+                      <m:e>
+                        <m:r>
+                          <a:rPr lang="en-US" altLang="zh-TW" b="0" i="1" smtClean="0">
+                            <a:latin typeface="Cambria Math" panose="02040503050406030204" pitchFamily="18" charset="0"/>
+                          </a:rPr>
+                          <m:t>𝑛</m:t>
+                        </m:r>
+                      </m:e>
+                      <m:sup>
+                        <m:r>
+                          <a:rPr lang="en-US" altLang="zh-TW" b="0" i="1" smtClean="0">
+                            <a:latin typeface="Cambria Math" panose="02040503050406030204" pitchFamily="18" charset="0"/>
+                          </a:rPr>
+                          <m:t>2</m:t>
+                        </m:r>
+                      </m:sup>
+                    </m:sSup>
+                    <m:r>
+                      <a:rPr lang="en-US" altLang="zh-TW" i="1">
+                        <a:latin typeface="Cambria Math" panose="02040503050406030204" pitchFamily="18" charset="0"/>
+                      </a:rPr>
+                      <m:t>+</m:t>
+                    </m:r>
+                    <m:r>
+                      <a:rPr lang="en-US" altLang="zh-TW" b="0" i="1" smtClean="0">
+                        <a:latin typeface="Cambria Math" panose="02040503050406030204" pitchFamily="18" charset="0"/>
+                      </a:rPr>
+                      <m:t>4</m:t>
+                    </m:r>
+                    <m:r>
+                      <a:rPr lang="en-US" altLang="zh-TW" b="0" i="1" smtClean="0">
+                        <a:latin typeface="Cambria Math" panose="02040503050406030204" pitchFamily="18" charset="0"/>
+                      </a:rPr>
+                      <m:t>𝑛</m:t>
+                    </m:r>
+                    <m:r>
+                      <a:rPr lang="en-US" altLang="zh-TW" b="0" i="1" smtClean="0">
+                        <a:latin typeface="Cambria Math" panose="02040503050406030204" pitchFamily="18" charset="0"/>
+                      </a:rPr>
+                      <m:t>+2=</m:t>
+                    </m:r>
+                    <m:r>
+                      <a:rPr lang="en-US" altLang="zh-TW" i="1">
+                        <a:latin typeface="Cambria Math" panose="02040503050406030204" pitchFamily="18" charset="0"/>
+                      </a:rPr>
+                      <m:t>𝑂</m:t>
+                    </m:r>
+                    <m:r>
+                      <a:rPr lang="en-US" altLang="zh-TW" i="1">
+                        <a:latin typeface="Cambria Math" panose="02040503050406030204" pitchFamily="18" charset="0"/>
+                      </a:rPr>
+                      <m:t>(</m:t>
+                    </m:r>
+                    <m:sSup>
+                      <m:sSupPr>
+                        <m:ctrlPr>
+                          <a:rPr lang="en-US" altLang="zh-TW" i="1">
+                            <a:latin typeface="Cambria Math" panose="02040503050406030204" pitchFamily="18" charset="0"/>
+                          </a:rPr>
+                        </m:ctrlPr>
+                      </m:sSupPr>
+                      <m:e>
+                        <m:r>
+                          <a:rPr lang="en-US" altLang="zh-TW" i="1">
+                            <a:latin typeface="Cambria Math" panose="02040503050406030204" pitchFamily="18" charset="0"/>
+                          </a:rPr>
+                          <m:t>𝑛</m:t>
+                        </m:r>
+                      </m:e>
+                      <m:sup>
+                        <m:r>
+                          <a:rPr lang="en-US" altLang="zh-TW" i="1">
+                            <a:latin typeface="Cambria Math" panose="02040503050406030204" pitchFamily="18" charset="0"/>
+                          </a:rPr>
+                          <m:t>2</m:t>
+                        </m:r>
+                      </m:sup>
+                    </m:sSup>
+                    <m:r>
+                      <a:rPr lang="en-US" altLang="zh-TW" i="1">
+                        <a:latin typeface="Cambria Math" panose="02040503050406030204" pitchFamily="18" charset="0"/>
+                      </a:rPr>
+                      <m:t>)</m:t>
+                    </m:r>
+                  </m:oMath>
+                </a14:m>
+                <a:endParaRPr lang="en-US" altLang="zh-TW" dirty="0" smtClean="0">
+                  <a:latin typeface="Times New Roman" panose="02020603050405020304" pitchFamily="18" charset="0"/>
+                </a:endParaRPr>
+              </a:p>
+              <a:p>
+                <a:pPr lvl="1">
+                  <a:lnSpc>
+                    <a:spcPct val="150000"/>
+                  </a:lnSpc>
+                </a:pPr>
+                <a14:m>
+                  <m:oMath xmlns:m="http://schemas.openxmlformats.org/officeDocument/2006/math">
+                    <m:r>
+                      <a:rPr lang="en-US" altLang="zh-TW" i="1" smtClean="0">
+                        <a:latin typeface="Cambria Math" panose="02040503050406030204" pitchFamily="18" charset="0"/>
+                      </a:rPr>
+                      <m:t>6</m:t>
+                    </m:r>
+                    <m:r>
+                      <a:rPr lang="en-US" altLang="zh-TW" b="0" i="1" smtClean="0">
+                        <a:latin typeface="Cambria Math" panose="02040503050406030204" pitchFamily="18" charset="0"/>
+                      </a:rPr>
+                      <m:t>∗</m:t>
+                    </m:r>
+                    <m:sSup>
+                      <m:sSupPr>
+                        <m:ctrlPr>
+                          <a:rPr lang="en-US" altLang="zh-TW" i="1">
+                            <a:latin typeface="Cambria Math" panose="02040503050406030204" pitchFamily="18" charset="0"/>
+                          </a:rPr>
+                        </m:ctrlPr>
+                      </m:sSupPr>
+                      <m:e>
+                        <m:r>
+                          <a:rPr lang="en-US" altLang="zh-TW" b="0" i="1" smtClean="0">
+                            <a:latin typeface="Cambria Math" panose="02040503050406030204" pitchFamily="18" charset="0"/>
+                          </a:rPr>
+                          <m:t>2</m:t>
+                        </m:r>
+                      </m:e>
+                      <m:sup>
+                        <m:r>
+                          <a:rPr lang="en-US" altLang="zh-TW" b="0" i="1" smtClean="0">
+                            <a:latin typeface="Cambria Math" panose="02040503050406030204" pitchFamily="18" charset="0"/>
+                          </a:rPr>
+                          <m:t>𝑛</m:t>
+                        </m:r>
+                      </m:sup>
+                    </m:sSup>
+                    <m:r>
+                      <a:rPr lang="en-US" altLang="zh-TW" i="1">
+                        <a:latin typeface="Cambria Math" panose="02040503050406030204" pitchFamily="18" charset="0"/>
+                      </a:rPr>
+                      <m:t>+</m:t>
+                    </m:r>
+                    <m:sSup>
+                      <m:sSupPr>
+                        <m:ctrlPr>
+                          <a:rPr lang="en-US" altLang="zh-TW" i="1">
+                            <a:latin typeface="Cambria Math" panose="02040503050406030204" pitchFamily="18" charset="0"/>
+                          </a:rPr>
+                        </m:ctrlPr>
+                      </m:sSupPr>
+                      <m:e>
+                        <m:r>
+                          <a:rPr lang="en-US" altLang="zh-TW" b="0" i="1" smtClean="0">
+                            <a:latin typeface="Cambria Math" panose="02040503050406030204" pitchFamily="18" charset="0"/>
+                          </a:rPr>
+                          <m:t>𝑛</m:t>
+                        </m:r>
+                      </m:e>
+                      <m:sup>
+                        <m:r>
+                          <a:rPr lang="en-US" altLang="zh-TW" b="0" i="1" smtClean="0">
+                            <a:latin typeface="Cambria Math" panose="02040503050406030204" pitchFamily="18" charset="0"/>
+                          </a:rPr>
+                          <m:t>2</m:t>
+                        </m:r>
+                      </m:sup>
+                    </m:sSup>
+                    <m:r>
+                      <a:rPr lang="en-US" altLang="zh-TW" i="1">
+                        <a:latin typeface="Cambria Math" panose="02040503050406030204" pitchFamily="18" charset="0"/>
+                      </a:rPr>
+                      <m:t>=</m:t>
+                    </m:r>
+                    <m:r>
+                      <a:rPr lang="en-US" altLang="zh-TW" i="1">
+                        <a:latin typeface="Cambria Math" panose="02040503050406030204" pitchFamily="18" charset="0"/>
+                      </a:rPr>
+                      <m:t>𝑂</m:t>
+                    </m:r>
+                    <m:r>
+                      <a:rPr lang="en-US" altLang="zh-TW" i="1">
+                        <a:latin typeface="Cambria Math" panose="02040503050406030204" pitchFamily="18" charset="0"/>
+                      </a:rPr>
+                      <m:t>(</m:t>
+                    </m:r>
+                    <m:sSup>
+                      <m:sSupPr>
+                        <m:ctrlPr>
+                          <a:rPr lang="en-US" altLang="zh-TW" i="1">
+                            <a:latin typeface="Cambria Math" panose="02040503050406030204" pitchFamily="18" charset="0"/>
+                          </a:rPr>
+                        </m:ctrlPr>
+                      </m:sSupPr>
+                      <m:e>
+                        <m:r>
+                          <a:rPr lang="en-US" altLang="zh-TW" i="1">
+                            <a:latin typeface="Cambria Math" panose="02040503050406030204" pitchFamily="18" charset="0"/>
+                          </a:rPr>
+                          <m:t>2</m:t>
+                        </m:r>
+                      </m:e>
+                      <m:sup>
+                        <m:r>
+                          <a:rPr lang="en-US" altLang="zh-TW" i="1">
+                            <a:latin typeface="Cambria Math" panose="02040503050406030204" pitchFamily="18" charset="0"/>
+                          </a:rPr>
+                          <m:t>𝑛</m:t>
+                        </m:r>
+                      </m:sup>
+                    </m:sSup>
+                    <m:r>
+                      <a:rPr lang="en-US" altLang="zh-TW" i="1">
+                        <a:latin typeface="Cambria Math" panose="02040503050406030204" pitchFamily="18" charset="0"/>
+                      </a:rPr>
+                      <m:t>)</m:t>
+                    </m:r>
+                  </m:oMath>
+                </a14:m>
+                <a:endParaRPr lang="en-US" altLang="zh-TW" dirty="0">
+                  <a:latin typeface="Times New Roman" panose="02020603050405020304" pitchFamily="18" charset="0"/>
+                </a:endParaRPr>
+              </a:p>
+              <a:p>
+                <a:pPr marL="457200" lvl="1" indent="0">
+                  <a:buNone/>
+                </a:pPr>
+                <a:endParaRPr lang="en-US" altLang="zh-TW" dirty="0">
+                  <a:latin typeface="Times New Roman" panose="02020603050405020304" pitchFamily="18" charset="0"/>
+                </a:endParaRPr>
+              </a:p>
+              <a:p>
+                <a:pPr lvl="1"/>
+                <a:endParaRPr lang="en-US" altLang="zh-TW" dirty="0">
+                  <a:latin typeface="Times New Roman" panose="02020603050405020304" pitchFamily="18" charset="0"/>
+                </a:endParaRPr>
+              </a:p>
+              <a:p>
+                <a:pPr lvl="1"/>
+                <a:endParaRPr lang="en-US" altLang="zh-TW" dirty="0">
+                  <a:latin typeface="Times New Roman" panose="02020603050405020304" pitchFamily="18" charset="0"/>
+                </a:endParaRPr>
+              </a:p>
+            </p:txBody>
+          </p:sp>
+        </mc:Choice>
+        <mc:Fallback>
+          <p:sp>
+            <p:nvSpPr>
+              <p:cNvPr id="3" name="內容版面配置區 2"/>
+              <p:cNvSpPr>
+                <a:spLocks noGrp="1" noRot="1" noChangeAspect="1" noMove="1" noResize="1" noEditPoints="1" noAdjustHandles="1" noChangeArrowheads="1" noChangeShapeType="1" noTextEdit="1"/>
+              </p:cNvSpPr>
+              <p:nvPr>
+                <p:ph idx="1"/>
+              </p:nvPr>
+            </p:nvSpPr>
+            <p:spPr>
+              <a:blipFill>
+                <a:blip r:embed="rId3"/>
+                <a:stretch>
+                  <a:fillRect l="-1288" t="-2058"/>
+                </a:stretch>
+              </a:blipFill>
+            </p:spPr>
+            <p:txBody>
+              <a:bodyPr/>
+              <a:lstStyle/>
+              <a:p>
+                <a:r>
+                  <a:rPr lang="zh-TW" altLang="en-US">
+                    <a:noFill/>
+                  </a:rPr>
+                  <a:t> </a:t>
+                </a:r>
+              </a:p>
+            </p:txBody>
+          </p:sp>
+        </mc:Fallback>
+      </mc:AlternateContent>
+      <mc:AlternateContent xmlns:mc="http://schemas.openxmlformats.org/markup-compatibility/2006">
+        <mc:Choice xmlns:a14="http://schemas.microsoft.com/office/drawing/2010/main" Requires="a14">
+          <p:sp>
+            <p:nvSpPr>
+              <p:cNvPr id="4" name="文字方塊 3"/>
+              <p:cNvSpPr txBox="1"/>
+              <p:nvPr/>
+            </p:nvSpPr>
+            <p:spPr>
+              <a:xfrm>
+                <a:off x="4124959" y="3511296"/>
+                <a:ext cx="4913377" cy="3118803"/>
+              </a:xfrm>
+              <a:prstGeom prst="rect">
+                <a:avLst/>
+              </a:prstGeom>
+              <a:noFill/>
+            </p:spPr>
+            <p:txBody>
+              <a:bodyPr wrap="square" rtlCol="0">
+                <a:spAutoFit/>
+              </a:bodyPr>
+              <a:lstStyle/>
+              <a:p>
+                <a:pPr lvl="1">
+                  <a:lnSpc>
+                    <a:spcPct val="150000"/>
+                  </a:lnSpc>
+                  <a:spcBef>
+                    <a:spcPts val="500"/>
+                  </a:spcBef>
+                </a:pPr>
+                <a14:m>
+                  <m:oMath xmlns:m="http://schemas.openxmlformats.org/officeDocument/2006/math">
+                    <m:r>
+                      <a:rPr lang="pt-BR" altLang="zh-TW" sz="2400" i="1" dirty="0">
+                        <a:latin typeface="Cambria Math" panose="02040503050406030204" pitchFamily="18" charset="0"/>
+                        <a:ea typeface="標楷體" panose="03000509000000000000" pitchFamily="65" charset="-120"/>
+                      </a:rPr>
+                      <m:t>3</m:t>
+                    </m:r>
+                    <m:r>
+                      <a:rPr lang="pt-BR" altLang="zh-TW" sz="2400" i="1" dirty="0">
+                        <a:latin typeface="Cambria Math" panose="02040503050406030204" pitchFamily="18" charset="0"/>
+                        <a:ea typeface="標楷體" panose="03000509000000000000" pitchFamily="65" charset="-120"/>
+                      </a:rPr>
+                      <m:t>𝑛</m:t>
+                    </m:r>
+                    <m:r>
+                      <a:rPr lang="pt-BR" altLang="zh-TW" sz="2400" i="1" dirty="0">
+                        <a:latin typeface="Cambria Math" panose="02040503050406030204" pitchFamily="18" charset="0"/>
+                        <a:ea typeface="標楷體" panose="03000509000000000000" pitchFamily="65" charset="-120"/>
+                      </a:rPr>
+                      <m:t>+2≤4</m:t>
+                    </m:r>
+                    <m:r>
+                      <a:rPr lang="pt-BR" altLang="zh-TW" sz="2400" i="1" dirty="0">
+                        <a:latin typeface="Cambria Math" panose="02040503050406030204" pitchFamily="18" charset="0"/>
+                        <a:ea typeface="標楷體" panose="03000509000000000000" pitchFamily="65" charset="-120"/>
+                      </a:rPr>
+                      <m:t>𝑛</m:t>
+                    </m:r>
+                  </m:oMath>
+                </a14:m>
+                <a:r>
+                  <a:rPr lang="zh-TW" altLang="en-US" sz="2400" i="1" dirty="0">
+                    <a:latin typeface="Cambria Math" panose="02040503050406030204" pitchFamily="18" charset="0"/>
+                    <a:ea typeface="標楷體" panose="03000509000000000000" pitchFamily="65" charset="-120"/>
+                  </a:rPr>
+                  <a:t> </a:t>
+                </a:r>
+                <a:r>
+                  <a:rPr lang="en-US" altLang="zh-TW" sz="2400" dirty="0">
+                    <a:latin typeface="Times New Roman" panose="02020603050405020304" pitchFamily="18" charset="0"/>
+                    <a:ea typeface="標楷體" panose="03000509000000000000" pitchFamily="65" charset="-120"/>
+                    <a:cs typeface="Times New Roman" panose="02020603050405020304" pitchFamily="18" charset="0"/>
+                  </a:rPr>
+                  <a:t>for</a:t>
+                </a:r>
+                <a:r>
+                  <a:rPr lang="en-US" altLang="zh-TW" sz="2400" i="1" dirty="0">
+                    <a:latin typeface="Cambria Math" panose="02040503050406030204" pitchFamily="18" charset="0"/>
+                    <a:ea typeface="標楷體" panose="03000509000000000000" pitchFamily="65" charset="-120"/>
+                  </a:rPr>
+                  <a:t> </a:t>
+                </a:r>
+                <a14:m>
+                  <m:oMath xmlns:m="http://schemas.openxmlformats.org/officeDocument/2006/math">
+                    <m:r>
+                      <a:rPr lang="pt-BR" altLang="zh-TW" sz="2400" i="1" dirty="0">
+                        <a:latin typeface="Cambria Math" panose="02040503050406030204" pitchFamily="18" charset="0"/>
+                        <a:ea typeface="標楷體" panose="03000509000000000000" pitchFamily="65" charset="-120"/>
+                      </a:rPr>
+                      <m:t>𝑛</m:t>
+                    </m:r>
+                    <m:r>
+                      <a:rPr lang="pt-BR" altLang="zh-TW" sz="2400" i="1" dirty="0">
+                        <a:latin typeface="Cambria Math" panose="02040503050406030204" pitchFamily="18" charset="0"/>
+                        <a:ea typeface="標楷體" panose="03000509000000000000" pitchFamily="65" charset="-120"/>
+                      </a:rPr>
+                      <m:t>≥2</m:t>
+                    </m:r>
+                  </m:oMath>
+                </a14:m>
+                <a:endParaRPr lang="zh-TW" altLang="en-US" sz="2400" i="1" dirty="0">
+                  <a:latin typeface="Cambria Math" panose="02040503050406030204" pitchFamily="18" charset="0"/>
+                  <a:ea typeface="標楷體" panose="03000509000000000000" pitchFamily="65" charset="-120"/>
+                </a:endParaRPr>
+              </a:p>
+              <a:p>
+                <a:pPr lvl="1">
+                  <a:lnSpc>
+                    <a:spcPct val="150000"/>
+                  </a:lnSpc>
+                  <a:spcBef>
+                    <a:spcPts val="500"/>
+                  </a:spcBef>
+                </a:pPr>
+                <a14:m>
+                  <m:oMath xmlns:m="http://schemas.openxmlformats.org/officeDocument/2006/math">
+                    <m:r>
+                      <a:rPr lang="pt-BR" altLang="zh-TW" sz="2400" i="1" dirty="0">
+                        <a:latin typeface="Cambria Math" panose="02040503050406030204" pitchFamily="18" charset="0"/>
+                        <a:ea typeface="標楷體" panose="03000509000000000000" pitchFamily="65" charset="-120"/>
+                      </a:rPr>
+                      <m:t>3</m:t>
+                    </m:r>
+                    <m:r>
+                      <a:rPr lang="pt-BR" altLang="zh-TW" sz="2400" i="1" dirty="0">
+                        <a:latin typeface="Cambria Math" panose="02040503050406030204" pitchFamily="18" charset="0"/>
+                        <a:ea typeface="標楷體" panose="03000509000000000000" pitchFamily="65" charset="-120"/>
+                      </a:rPr>
+                      <m:t>𝑛</m:t>
+                    </m:r>
+                    <m:r>
+                      <a:rPr lang="pt-BR" altLang="zh-TW" sz="2400" i="1" dirty="0">
+                        <a:latin typeface="Cambria Math" panose="02040503050406030204" pitchFamily="18" charset="0"/>
+                        <a:ea typeface="標楷體" panose="03000509000000000000" pitchFamily="65" charset="-120"/>
+                      </a:rPr>
+                      <m:t>+3≤4</m:t>
+                    </m:r>
+                    <m:r>
+                      <a:rPr lang="pt-BR" altLang="zh-TW" sz="2400" i="1" dirty="0">
+                        <a:latin typeface="Cambria Math" panose="02040503050406030204" pitchFamily="18" charset="0"/>
+                        <a:ea typeface="標楷體" panose="03000509000000000000" pitchFamily="65" charset="-120"/>
+                      </a:rPr>
+                      <m:t>𝑛</m:t>
+                    </m:r>
+                  </m:oMath>
+                </a14:m>
+                <a:r>
+                  <a:rPr lang="zh-TW" altLang="en-US" sz="2400" i="1" dirty="0">
+                    <a:latin typeface="Cambria Math" panose="02040503050406030204" pitchFamily="18" charset="0"/>
+                    <a:ea typeface="標楷體" panose="03000509000000000000" pitchFamily="65" charset="-120"/>
+                  </a:rPr>
+                  <a:t> </a:t>
+                </a:r>
+                <a:r>
+                  <a:rPr lang="en-US" altLang="zh-TW" sz="2400" dirty="0">
+                    <a:latin typeface="Times New Roman" panose="02020603050405020304" pitchFamily="18" charset="0"/>
+                    <a:ea typeface="標楷體" panose="03000509000000000000" pitchFamily="65" charset="-120"/>
+                    <a:cs typeface="Times New Roman" panose="02020603050405020304" pitchFamily="18" charset="0"/>
+                  </a:rPr>
+                  <a:t>for</a:t>
+                </a:r>
+                <a:r>
+                  <a:rPr lang="en-US" altLang="zh-TW" sz="2400" i="1" dirty="0" smtClean="0">
+                    <a:latin typeface="Cambria Math" panose="02040503050406030204" pitchFamily="18" charset="0"/>
+                    <a:ea typeface="標楷體" panose="03000509000000000000" pitchFamily="65" charset="-120"/>
+                  </a:rPr>
+                  <a:t> </a:t>
+                </a:r>
+                <a14:m>
+                  <m:oMath xmlns:m="http://schemas.openxmlformats.org/officeDocument/2006/math">
+                    <m:r>
+                      <a:rPr lang="pt-BR" altLang="zh-TW" sz="2400" i="1" dirty="0">
+                        <a:latin typeface="Cambria Math" panose="02040503050406030204" pitchFamily="18" charset="0"/>
+                        <a:ea typeface="標楷體" panose="03000509000000000000" pitchFamily="65" charset="-120"/>
+                      </a:rPr>
+                      <m:t>𝑛</m:t>
+                    </m:r>
+                    <m:r>
+                      <a:rPr lang="pt-BR" altLang="zh-TW" sz="2400" i="1" dirty="0">
+                        <a:latin typeface="Cambria Math" panose="02040503050406030204" pitchFamily="18" charset="0"/>
+                        <a:ea typeface="標楷體" panose="03000509000000000000" pitchFamily="65" charset="-120"/>
+                      </a:rPr>
+                      <m:t>≥3</m:t>
+                    </m:r>
+                  </m:oMath>
+                </a14:m>
+                <a:endParaRPr lang="zh-TW" altLang="en-US" sz="2400" i="1" dirty="0">
+                  <a:latin typeface="Cambria Math" panose="02040503050406030204" pitchFamily="18" charset="0"/>
+                  <a:ea typeface="標楷體" panose="03000509000000000000" pitchFamily="65" charset="-120"/>
+                </a:endParaRPr>
+              </a:p>
+              <a:p>
+                <a:pPr lvl="1">
+                  <a:lnSpc>
+                    <a:spcPct val="150000"/>
+                  </a:lnSpc>
+                  <a:spcBef>
+                    <a:spcPts val="500"/>
+                  </a:spcBef>
+                </a:pPr>
+                <a14:m>
+                  <m:oMath xmlns:m="http://schemas.openxmlformats.org/officeDocument/2006/math">
+                    <m:r>
+                      <a:rPr lang="en-US" altLang="zh-TW" sz="2400" i="1">
+                        <a:latin typeface="Cambria Math" panose="02040503050406030204" pitchFamily="18" charset="0"/>
+                        <a:ea typeface="標楷體" panose="03000509000000000000" pitchFamily="65" charset="-120"/>
+                      </a:rPr>
+                      <m:t>100</m:t>
+                    </m:r>
+                    <m:r>
+                      <a:rPr lang="en-US" altLang="zh-TW" sz="2400" i="1">
+                        <a:latin typeface="Cambria Math" panose="02040503050406030204" pitchFamily="18" charset="0"/>
+                        <a:ea typeface="標楷體" panose="03000509000000000000" pitchFamily="65" charset="-120"/>
+                      </a:rPr>
+                      <m:t>𝑛</m:t>
+                    </m:r>
+                    <m:r>
+                      <a:rPr lang="en-US" altLang="zh-TW" sz="2400" i="1">
+                        <a:latin typeface="Cambria Math" panose="02040503050406030204" pitchFamily="18" charset="0"/>
+                        <a:ea typeface="標楷體" panose="03000509000000000000" pitchFamily="65" charset="-120"/>
+                      </a:rPr>
+                      <m:t>+6≤101</m:t>
+                    </m:r>
+                    <m:r>
+                      <a:rPr lang="pt-BR" altLang="zh-TW" sz="2400" i="1" dirty="0">
+                        <a:latin typeface="Cambria Math" panose="02040503050406030204" pitchFamily="18" charset="0"/>
+                        <a:ea typeface="標楷體" panose="03000509000000000000" pitchFamily="65" charset="-120"/>
+                      </a:rPr>
+                      <m:t>𝑛</m:t>
+                    </m:r>
+                  </m:oMath>
+                </a14:m>
+                <a:r>
+                  <a:rPr lang="zh-TW" altLang="en-US" sz="2400" i="1" dirty="0">
+                    <a:latin typeface="Cambria Math" panose="02040503050406030204" pitchFamily="18" charset="0"/>
+                    <a:ea typeface="標楷體" panose="03000509000000000000" pitchFamily="65" charset="-120"/>
+                  </a:rPr>
+                  <a:t> </a:t>
+                </a:r>
+                <a:r>
+                  <a:rPr lang="en-US" altLang="zh-TW" sz="2400" dirty="0">
+                    <a:latin typeface="Times New Roman" panose="02020603050405020304" pitchFamily="18" charset="0"/>
+                    <a:ea typeface="標楷體" panose="03000509000000000000" pitchFamily="65" charset="-120"/>
+                    <a:cs typeface="Times New Roman" panose="02020603050405020304" pitchFamily="18" charset="0"/>
+                  </a:rPr>
+                  <a:t>for</a:t>
+                </a:r>
+                <a:r>
+                  <a:rPr lang="en-US" altLang="zh-TW" sz="2400" i="1" dirty="0" smtClean="0">
+                    <a:latin typeface="Cambria Math" panose="02040503050406030204" pitchFamily="18" charset="0"/>
+                    <a:ea typeface="標楷體" panose="03000509000000000000" pitchFamily="65" charset="-120"/>
+                  </a:rPr>
+                  <a:t> </a:t>
+                </a:r>
+                <a14:m>
+                  <m:oMath xmlns:m="http://schemas.openxmlformats.org/officeDocument/2006/math">
+                    <m:r>
+                      <a:rPr lang="pt-BR" altLang="zh-TW" sz="2400" i="1" dirty="0">
+                        <a:latin typeface="Cambria Math" panose="02040503050406030204" pitchFamily="18" charset="0"/>
+                        <a:ea typeface="標楷體" panose="03000509000000000000" pitchFamily="65" charset="-120"/>
+                      </a:rPr>
+                      <m:t>𝑛</m:t>
+                    </m:r>
+                    <m:r>
+                      <a:rPr lang="pt-BR" altLang="zh-TW" sz="2400" i="1" dirty="0">
+                        <a:latin typeface="Cambria Math" panose="02040503050406030204" pitchFamily="18" charset="0"/>
+                        <a:ea typeface="標楷體" panose="03000509000000000000" pitchFamily="65" charset="-120"/>
+                      </a:rPr>
+                      <m:t>≥6</m:t>
+                    </m:r>
+                  </m:oMath>
+                </a14:m>
+                <a:endParaRPr lang="en-US" altLang="zh-TW" sz="2400" i="1" dirty="0">
+                  <a:latin typeface="Cambria Math" panose="02040503050406030204" pitchFamily="18" charset="0"/>
+                  <a:ea typeface="標楷體" panose="03000509000000000000" pitchFamily="65" charset="-120"/>
+                </a:endParaRPr>
+              </a:p>
+              <a:p>
+                <a:pPr lvl="1">
+                  <a:lnSpc>
+                    <a:spcPct val="150000"/>
+                  </a:lnSpc>
+                  <a:spcBef>
+                    <a:spcPts val="500"/>
+                  </a:spcBef>
+                </a:pPr>
+                <a14:m>
+                  <m:oMath xmlns:m="http://schemas.openxmlformats.org/officeDocument/2006/math">
+                    <m:r>
+                      <a:rPr lang="en-US" altLang="zh-TW" sz="2400" i="1">
+                        <a:latin typeface="Cambria Math" panose="02040503050406030204" pitchFamily="18" charset="0"/>
+                        <a:ea typeface="標楷體" panose="03000509000000000000" pitchFamily="65" charset="-120"/>
+                      </a:rPr>
+                      <m:t>10</m:t>
+                    </m:r>
+                    <m:sSup>
+                      <m:sSupPr>
+                        <m:ctrlPr>
+                          <a:rPr lang="en-US" altLang="zh-TW" sz="2400" i="1">
+                            <a:latin typeface="Cambria Math" panose="02040503050406030204" pitchFamily="18" charset="0"/>
+                            <a:ea typeface="標楷體" panose="03000509000000000000" pitchFamily="65" charset="-120"/>
+                          </a:rPr>
+                        </m:ctrlPr>
+                      </m:sSupPr>
+                      <m:e>
+                        <m:r>
+                          <a:rPr lang="en-US" altLang="zh-TW" sz="2400" i="1">
+                            <a:latin typeface="Cambria Math" panose="02040503050406030204" pitchFamily="18" charset="0"/>
+                            <a:ea typeface="標楷體" panose="03000509000000000000" pitchFamily="65" charset="-120"/>
+                          </a:rPr>
+                          <m:t>𝑛</m:t>
+                        </m:r>
+                      </m:e>
+                      <m:sup>
+                        <m:r>
+                          <a:rPr lang="en-US" altLang="zh-TW" sz="2400" i="1">
+                            <a:latin typeface="Cambria Math" panose="02040503050406030204" pitchFamily="18" charset="0"/>
+                            <a:ea typeface="標楷體" panose="03000509000000000000" pitchFamily="65" charset="-120"/>
+                          </a:rPr>
+                          <m:t>2</m:t>
+                        </m:r>
+                      </m:sup>
+                    </m:sSup>
+                    <m:r>
+                      <a:rPr lang="en-US" altLang="zh-TW" sz="2400" i="1">
+                        <a:latin typeface="Cambria Math" panose="02040503050406030204" pitchFamily="18" charset="0"/>
+                        <a:ea typeface="標楷體" panose="03000509000000000000" pitchFamily="65" charset="-120"/>
+                      </a:rPr>
+                      <m:t>+4</m:t>
+                    </m:r>
+                    <m:r>
+                      <a:rPr lang="en-US" altLang="zh-TW" sz="2400" i="1">
+                        <a:latin typeface="Cambria Math" panose="02040503050406030204" pitchFamily="18" charset="0"/>
+                        <a:ea typeface="標楷體" panose="03000509000000000000" pitchFamily="65" charset="-120"/>
+                      </a:rPr>
+                      <m:t>𝑛</m:t>
+                    </m:r>
+                    <m:r>
+                      <a:rPr lang="en-US" altLang="zh-TW" sz="2400" i="1">
+                        <a:latin typeface="Cambria Math" panose="02040503050406030204" pitchFamily="18" charset="0"/>
+                        <a:ea typeface="標楷體" panose="03000509000000000000" pitchFamily="65" charset="-120"/>
+                      </a:rPr>
+                      <m:t>+2≤11</m:t>
+                    </m:r>
+                    <m:sSup>
+                      <m:sSupPr>
+                        <m:ctrlPr>
+                          <a:rPr lang="en-US" altLang="zh-TW" sz="2400" i="1">
+                            <a:latin typeface="Cambria Math" panose="02040503050406030204" pitchFamily="18" charset="0"/>
+                            <a:ea typeface="標楷體" panose="03000509000000000000" pitchFamily="65" charset="-120"/>
+                          </a:rPr>
+                        </m:ctrlPr>
+                      </m:sSupPr>
+                      <m:e>
+                        <m:r>
+                          <a:rPr lang="en-US" altLang="zh-TW" sz="2400" i="1">
+                            <a:latin typeface="Cambria Math" panose="02040503050406030204" pitchFamily="18" charset="0"/>
+                            <a:ea typeface="標楷體" panose="03000509000000000000" pitchFamily="65" charset="-120"/>
+                          </a:rPr>
+                          <m:t>𝑛</m:t>
+                        </m:r>
+                      </m:e>
+                      <m:sup>
+                        <m:r>
+                          <a:rPr lang="en-US" altLang="zh-TW" sz="2400" i="1">
+                            <a:latin typeface="Cambria Math" panose="02040503050406030204" pitchFamily="18" charset="0"/>
+                            <a:ea typeface="標楷體" panose="03000509000000000000" pitchFamily="65" charset="-120"/>
+                          </a:rPr>
+                          <m:t>2</m:t>
+                        </m:r>
+                      </m:sup>
+                    </m:sSup>
+                  </m:oMath>
+                </a14:m>
+                <a:r>
+                  <a:rPr lang="en-US" altLang="zh-TW" sz="2400" i="1" dirty="0">
+                    <a:latin typeface="Cambria Math" panose="02040503050406030204" pitchFamily="18" charset="0"/>
+                    <a:ea typeface="標楷體" panose="03000509000000000000" pitchFamily="65" charset="-120"/>
+                  </a:rPr>
+                  <a:t> </a:t>
+                </a:r>
+                <a:r>
+                  <a:rPr lang="en-US" altLang="zh-TW" sz="2400" dirty="0">
+                    <a:latin typeface="Times New Roman" panose="02020603050405020304" pitchFamily="18" charset="0"/>
+                    <a:ea typeface="標楷體" panose="03000509000000000000" pitchFamily="65" charset="-120"/>
+                    <a:cs typeface="Times New Roman" panose="02020603050405020304" pitchFamily="18" charset="0"/>
+                  </a:rPr>
+                  <a:t>for</a:t>
+                </a:r>
+                <a:r>
+                  <a:rPr lang="en-US" altLang="zh-TW" sz="2400" i="1" dirty="0" smtClean="0">
+                    <a:latin typeface="Cambria Math" panose="02040503050406030204" pitchFamily="18" charset="0"/>
+                    <a:ea typeface="標楷體" panose="03000509000000000000" pitchFamily="65" charset="-120"/>
+                  </a:rPr>
+                  <a:t> </a:t>
+                </a:r>
+                <a14:m>
+                  <m:oMath xmlns:m="http://schemas.openxmlformats.org/officeDocument/2006/math">
+                    <m:r>
+                      <a:rPr lang="pt-BR" altLang="zh-TW" sz="2400" i="1" dirty="0">
+                        <a:latin typeface="Cambria Math" panose="02040503050406030204" pitchFamily="18" charset="0"/>
+                        <a:ea typeface="標楷體" panose="03000509000000000000" pitchFamily="65" charset="-120"/>
+                      </a:rPr>
+                      <m:t>𝑛</m:t>
+                    </m:r>
+                    <m:r>
+                      <a:rPr lang="pt-BR" altLang="zh-TW" sz="2400" i="1" dirty="0">
+                        <a:latin typeface="Cambria Math" panose="02040503050406030204" pitchFamily="18" charset="0"/>
+                        <a:ea typeface="標楷體" panose="03000509000000000000" pitchFamily="65" charset="-120"/>
+                      </a:rPr>
+                      <m:t>≥5</m:t>
+                    </m:r>
+                  </m:oMath>
+                </a14:m>
+                <a:endParaRPr lang="en-US" altLang="zh-TW" sz="2400" i="1" dirty="0">
+                  <a:latin typeface="Cambria Math" panose="02040503050406030204" pitchFamily="18" charset="0"/>
+                  <a:ea typeface="標楷體" panose="03000509000000000000" pitchFamily="65" charset="-120"/>
+                </a:endParaRPr>
+              </a:p>
+              <a:p>
+                <a:pPr lvl="1">
+                  <a:lnSpc>
+                    <a:spcPct val="150000"/>
+                  </a:lnSpc>
+                  <a:spcBef>
+                    <a:spcPts val="500"/>
+                  </a:spcBef>
+                </a:pPr>
+                <a14:m>
+                  <m:oMath xmlns:m="http://schemas.openxmlformats.org/officeDocument/2006/math">
+                    <m:r>
+                      <a:rPr lang="en-US" altLang="zh-TW" sz="2400" i="1">
+                        <a:latin typeface="Cambria Math" panose="02040503050406030204" pitchFamily="18" charset="0"/>
+                        <a:ea typeface="標楷體" panose="03000509000000000000" pitchFamily="65" charset="-120"/>
+                      </a:rPr>
+                      <m:t>6∗</m:t>
+                    </m:r>
+                    <m:sSup>
+                      <m:sSupPr>
+                        <m:ctrlPr>
+                          <a:rPr lang="en-US" altLang="zh-TW" sz="2400" i="1">
+                            <a:latin typeface="Cambria Math" panose="02040503050406030204" pitchFamily="18" charset="0"/>
+                            <a:ea typeface="標楷體" panose="03000509000000000000" pitchFamily="65" charset="-120"/>
+                          </a:rPr>
+                        </m:ctrlPr>
+                      </m:sSupPr>
+                      <m:e>
+                        <m:r>
+                          <a:rPr lang="en-US" altLang="zh-TW" sz="2400" i="1">
+                            <a:latin typeface="Cambria Math" panose="02040503050406030204" pitchFamily="18" charset="0"/>
+                            <a:ea typeface="標楷體" panose="03000509000000000000" pitchFamily="65" charset="-120"/>
+                          </a:rPr>
+                          <m:t>2</m:t>
+                        </m:r>
+                      </m:e>
+                      <m:sup>
+                        <m:r>
+                          <a:rPr lang="en-US" altLang="zh-TW" sz="2400" i="1">
+                            <a:latin typeface="Cambria Math" panose="02040503050406030204" pitchFamily="18" charset="0"/>
+                            <a:ea typeface="標楷體" panose="03000509000000000000" pitchFamily="65" charset="-120"/>
+                          </a:rPr>
+                          <m:t>𝑛</m:t>
+                        </m:r>
+                      </m:sup>
+                    </m:sSup>
+                    <m:r>
+                      <a:rPr lang="en-US" altLang="zh-TW" sz="2400" i="1">
+                        <a:latin typeface="Cambria Math" panose="02040503050406030204" pitchFamily="18" charset="0"/>
+                        <a:ea typeface="標楷體" panose="03000509000000000000" pitchFamily="65" charset="-120"/>
+                      </a:rPr>
+                      <m:t>+</m:t>
+                    </m:r>
+                    <m:sSup>
+                      <m:sSupPr>
+                        <m:ctrlPr>
+                          <a:rPr lang="en-US" altLang="zh-TW" sz="2400" i="1">
+                            <a:latin typeface="Cambria Math" panose="02040503050406030204" pitchFamily="18" charset="0"/>
+                            <a:ea typeface="標楷體" panose="03000509000000000000" pitchFamily="65" charset="-120"/>
+                          </a:rPr>
+                        </m:ctrlPr>
+                      </m:sSupPr>
+                      <m:e>
+                        <m:r>
+                          <a:rPr lang="en-US" altLang="zh-TW" sz="2400" i="1">
+                            <a:latin typeface="Cambria Math" panose="02040503050406030204" pitchFamily="18" charset="0"/>
+                            <a:ea typeface="標楷體" panose="03000509000000000000" pitchFamily="65" charset="-120"/>
+                          </a:rPr>
+                          <m:t>𝑛</m:t>
+                        </m:r>
+                      </m:e>
+                      <m:sup>
+                        <m:r>
+                          <a:rPr lang="en-US" altLang="zh-TW" sz="2400" i="1">
+                            <a:latin typeface="Cambria Math" panose="02040503050406030204" pitchFamily="18" charset="0"/>
+                            <a:ea typeface="標楷體" panose="03000509000000000000" pitchFamily="65" charset="-120"/>
+                          </a:rPr>
+                          <m:t>2</m:t>
+                        </m:r>
+                      </m:sup>
+                    </m:sSup>
+                    <m:r>
+                      <a:rPr lang="en-US" altLang="zh-TW" sz="2400" i="1">
+                        <a:latin typeface="Cambria Math" panose="02040503050406030204" pitchFamily="18" charset="0"/>
+                        <a:ea typeface="標楷體" panose="03000509000000000000" pitchFamily="65" charset="-120"/>
+                      </a:rPr>
+                      <m:t>≤7∗</m:t>
+                    </m:r>
+                    <m:sSup>
+                      <m:sSupPr>
+                        <m:ctrlPr>
+                          <a:rPr lang="en-US" altLang="zh-TW" sz="2400" i="1">
+                            <a:latin typeface="Cambria Math" panose="02040503050406030204" pitchFamily="18" charset="0"/>
+                            <a:ea typeface="標楷體" panose="03000509000000000000" pitchFamily="65" charset="-120"/>
+                          </a:rPr>
+                        </m:ctrlPr>
+                      </m:sSupPr>
+                      <m:e>
+                        <m:r>
+                          <a:rPr lang="en-US" altLang="zh-TW" sz="2400" i="1">
+                            <a:latin typeface="Cambria Math" panose="02040503050406030204" pitchFamily="18" charset="0"/>
+                            <a:ea typeface="標楷體" panose="03000509000000000000" pitchFamily="65" charset="-120"/>
+                          </a:rPr>
+                          <m:t>2</m:t>
+                        </m:r>
+                      </m:e>
+                      <m:sup>
+                        <m:r>
+                          <a:rPr lang="en-US" altLang="zh-TW" sz="2400" i="1">
+                            <a:latin typeface="Cambria Math" panose="02040503050406030204" pitchFamily="18" charset="0"/>
+                            <a:ea typeface="標楷體" panose="03000509000000000000" pitchFamily="65" charset="-120"/>
+                          </a:rPr>
+                          <m:t>𝑛</m:t>
+                        </m:r>
+                      </m:sup>
+                    </m:sSup>
+                  </m:oMath>
+                </a14:m>
+                <a:r>
+                  <a:rPr lang="zh-TW" altLang="en-US" sz="2400" i="1" dirty="0">
+                    <a:latin typeface="Cambria Math" panose="02040503050406030204" pitchFamily="18" charset="0"/>
+                    <a:ea typeface="標楷體" panose="03000509000000000000" pitchFamily="65" charset="-120"/>
+                  </a:rPr>
+                  <a:t> </a:t>
+                </a:r>
+                <a:r>
+                  <a:rPr lang="en-US" altLang="zh-TW" sz="2400" dirty="0">
+                    <a:latin typeface="Times New Roman" panose="02020603050405020304" pitchFamily="18" charset="0"/>
+                    <a:ea typeface="標楷體" panose="03000509000000000000" pitchFamily="65" charset="-120"/>
+                    <a:cs typeface="Times New Roman" panose="02020603050405020304" pitchFamily="18" charset="0"/>
+                  </a:rPr>
+                  <a:t>for</a:t>
+                </a:r>
+                <a:r>
+                  <a:rPr lang="en-US" altLang="zh-TW" sz="2400" i="1" dirty="0" smtClean="0">
+                    <a:latin typeface="Cambria Math" panose="02040503050406030204" pitchFamily="18" charset="0"/>
+                    <a:ea typeface="標楷體" panose="03000509000000000000" pitchFamily="65" charset="-120"/>
+                  </a:rPr>
+                  <a:t> </a:t>
+                </a:r>
+                <a14:m>
+                  <m:oMath xmlns:m="http://schemas.openxmlformats.org/officeDocument/2006/math">
+                    <m:r>
+                      <a:rPr lang="pt-BR" altLang="zh-TW" sz="2400" i="1" dirty="0">
+                        <a:latin typeface="Cambria Math" panose="02040503050406030204" pitchFamily="18" charset="0"/>
+                        <a:ea typeface="標楷體" panose="03000509000000000000" pitchFamily="65" charset="-120"/>
+                      </a:rPr>
+                      <m:t>𝑛</m:t>
+                    </m:r>
+                    <m:r>
+                      <a:rPr lang="pt-BR" altLang="zh-TW" sz="2400" i="1" dirty="0">
+                        <a:latin typeface="Cambria Math" panose="02040503050406030204" pitchFamily="18" charset="0"/>
+                        <a:ea typeface="標楷體" panose="03000509000000000000" pitchFamily="65" charset="-120"/>
+                      </a:rPr>
+                      <m:t>≥4</m:t>
+                    </m:r>
+                  </m:oMath>
+                </a14:m>
+                <a:endParaRPr lang="zh-TW" altLang="en-US" sz="2400" i="1" dirty="0">
+                  <a:latin typeface="Cambria Math" panose="02040503050406030204" pitchFamily="18" charset="0"/>
+                  <a:ea typeface="標楷體" panose="03000509000000000000" pitchFamily="65" charset="-120"/>
+                </a:endParaRPr>
+              </a:p>
+            </p:txBody>
+          </p:sp>
+        </mc:Choice>
+        <mc:Fallback>
+          <p:sp>
+            <p:nvSpPr>
+              <p:cNvPr id="4" name="文字方塊 3"/>
+              <p:cNvSpPr txBox="1">
+                <a:spLocks noRot="1" noChangeAspect="1" noMove="1" noResize="1" noEditPoints="1" noAdjustHandles="1" noChangeArrowheads="1" noChangeShapeType="1" noTextEdit="1"/>
+              </p:cNvSpPr>
+              <p:nvPr/>
+            </p:nvSpPr>
+            <p:spPr>
+              <a:xfrm>
+                <a:off x="4124959" y="3511296"/>
+                <a:ext cx="4913377" cy="3118803"/>
+              </a:xfrm>
+              <a:prstGeom prst="rect">
+                <a:avLst/>
+              </a:prstGeom>
+              <a:blipFill>
+                <a:blip r:embed="rId4"/>
+                <a:stretch>
+                  <a:fillRect b="-1367"/>
+                </a:stretch>
+              </a:blipFill>
+            </p:spPr>
+            <p:txBody>
+              <a:bodyPr/>
+              <a:lstStyle/>
+              <a:p>
+                <a:r>
+                  <a:rPr lang="zh-TW" altLang="en-US">
+                    <a:noFill/>
+                  </a:rPr>
+                  <a:t> </a:t>
+                </a:r>
+              </a:p>
+            </p:txBody>
+          </p:sp>
+        </mc:Fallback>
+      </mc:AlternateContent>
+    </p:spTree>
+    <p:extLst>
+      <p:ext uri="{BB962C8B-B14F-4D97-AF65-F5344CB8AC3E}">
+        <p14:creationId xmlns:p14="http://schemas.microsoft.com/office/powerpoint/2010/main" val="2564458223"/>
+      </p:ext>
+    </p:extLst>
+  </p:cSld>
+  <p:clrMapOvr>
+    <a:masterClrMapping/>
+  </p:clrMapOvr>
+</p:sld>
+</file>
+
+<file path=ppt/slides/slide45.xml><?xml version="1.0" encoding="utf-8"?>
+<p:sld xmlns:a="http://schemas.openxmlformats.org/drawingml/2006/main" xmlns:r="http://schemas.openxmlformats.org/officeDocument/2006/relationships" xmlns:p="http://schemas.openxmlformats.org/presentationml/2006/main">
+  <p:cSld>
+    <p:spTree>
+      <p:nvGrpSpPr>
+        <p:cNvPr id="1" name=""/>
+        <p:cNvGrpSpPr/>
+        <p:nvPr/>
+      </p:nvGrpSpPr>
+      <p:grpSpPr>
+        <a:xfrm>
+          <a:off x="0" y="0"/>
+          <a:ext cx="0" cy="0"/>
+          <a:chOff x="0" y="0"/>
+          <a:chExt cx="0" cy="0"/>
+        </a:xfrm>
+      </p:grpSpPr>
+      <p:sp>
+        <p:nvSpPr>
+          <p:cNvPr id="2" name="標題 1"/>
+          <p:cNvSpPr>
+            <a:spLocks noGrp="1"/>
+          </p:cNvSpPr>
+          <p:nvPr>
+            <p:ph type="title"/>
+          </p:nvPr>
+        </p:nvSpPr>
+        <p:spPr/>
+        <p:txBody>
+          <a:bodyPr/>
+          <a:lstStyle/>
+          <a:p>
+            <a:r>
+              <a:rPr lang="en-US" altLang="zh-TW" dirty="0"/>
+              <a:t>Asymptotic Notation </a:t>
+            </a:r>
+            <a:r>
+              <a:rPr lang="en-US" altLang="zh-TW" dirty="0" smtClean="0"/>
+              <a:t>(</a:t>
+            </a:r>
+            <a:r>
+              <a:rPr lang="el-GR" altLang="zh-TW" dirty="0"/>
+              <a:t>Ω</a:t>
+            </a:r>
+            <a:r>
+              <a:rPr lang="en-US" altLang="zh-TW" dirty="0" smtClean="0"/>
+              <a:t>)</a:t>
+            </a:r>
+            <a:endParaRPr lang="zh-TW" altLang="en-US" dirty="0"/>
+          </a:p>
+        </p:txBody>
+      </p:sp>
+      <mc:AlternateContent xmlns:mc="http://schemas.openxmlformats.org/markup-compatibility/2006">
+        <mc:Choice xmlns:a14="http://schemas.microsoft.com/office/drawing/2010/main" Requires="a14">
+          <p:sp>
+            <p:nvSpPr>
+              <p:cNvPr id="3" name="內容版面配置區 2"/>
+              <p:cNvSpPr>
+                <a:spLocks noGrp="1"/>
+              </p:cNvSpPr>
+              <p:nvPr>
+                <p:ph idx="1"/>
+              </p:nvPr>
+            </p:nvSpPr>
+            <p:spPr/>
+            <p:txBody>
+              <a:bodyPr/>
+              <a:lstStyle/>
+              <a:p>
+                <a:r>
+                  <a:rPr lang="en-US" altLang="zh-TW" dirty="0" smtClean="0">
+                    <a:latin typeface="Times New Roman" panose="02020603050405020304" pitchFamily="18" charset="0"/>
+                  </a:rPr>
+                  <a:t>Definition</a:t>
+                </a:r>
+              </a:p>
+              <a:p>
+                <a:pPr marL="457200" lvl="1" indent="0">
+                  <a:buNone/>
+                </a:pPr>
+                <a14:m>
+                  <m:oMath xmlns:m="http://schemas.openxmlformats.org/officeDocument/2006/math">
+                    <m:r>
+                      <a:rPr lang="en-US" altLang="zh-TW" sz="2000" i="1">
+                        <a:latin typeface="Cambria Math" panose="02040503050406030204" pitchFamily="18" charset="0"/>
+                      </a:rPr>
+                      <m:t>𝑓</m:t>
+                    </m:r>
+                    <m:d>
+                      <m:dPr>
+                        <m:ctrlPr>
+                          <a:rPr lang="en-US" altLang="zh-TW" sz="2000" i="1">
+                            <a:latin typeface="Cambria Math" panose="02040503050406030204" pitchFamily="18" charset="0"/>
+                          </a:rPr>
+                        </m:ctrlPr>
+                      </m:dPr>
+                      <m:e>
+                        <m:r>
+                          <a:rPr lang="en-US" altLang="zh-TW" sz="2000" i="1">
+                            <a:latin typeface="Cambria Math" panose="02040503050406030204" pitchFamily="18" charset="0"/>
+                          </a:rPr>
+                          <m:t>𝑛</m:t>
+                        </m:r>
+                      </m:e>
+                    </m:d>
+                    <m:r>
+                      <a:rPr lang="en-US" altLang="zh-TW" sz="2000" i="1">
+                        <a:latin typeface="Cambria Math" panose="02040503050406030204" pitchFamily="18" charset="0"/>
+                      </a:rPr>
+                      <m:t>=</m:t>
+                    </m:r>
+                    <m:r>
+                      <a:rPr lang="el-GR" altLang="zh-TW" sz="2000" i="1">
+                        <a:latin typeface="Cambria Math" panose="02040503050406030204" pitchFamily="18" charset="0"/>
+                      </a:rPr>
+                      <m:t>𝛺</m:t>
+                    </m:r>
+                    <m:d>
+                      <m:dPr>
+                        <m:ctrlPr>
+                          <a:rPr lang="en-US" altLang="zh-TW" sz="2000" i="1">
+                            <a:latin typeface="Cambria Math" panose="02040503050406030204" pitchFamily="18" charset="0"/>
+                          </a:rPr>
+                        </m:ctrlPr>
+                      </m:dPr>
+                      <m:e>
+                        <m:r>
+                          <a:rPr lang="en-US" altLang="zh-TW" sz="2000" i="1">
+                            <a:latin typeface="Cambria Math" panose="02040503050406030204" pitchFamily="18" charset="0"/>
+                          </a:rPr>
+                          <m:t>𝑔</m:t>
+                        </m:r>
+                        <m:d>
+                          <m:dPr>
+                            <m:ctrlPr>
+                              <a:rPr lang="en-US" altLang="zh-TW" sz="2000" i="1">
+                                <a:latin typeface="Cambria Math" panose="02040503050406030204" pitchFamily="18" charset="0"/>
+                              </a:rPr>
+                            </m:ctrlPr>
+                          </m:dPr>
+                          <m:e>
+                            <m:r>
+                              <a:rPr lang="en-US" altLang="zh-TW" sz="2000" i="1">
+                                <a:latin typeface="Cambria Math" panose="02040503050406030204" pitchFamily="18" charset="0"/>
+                              </a:rPr>
+                              <m:t>𝑛</m:t>
+                            </m:r>
+                          </m:e>
+                        </m:d>
+                      </m:e>
+                    </m:d>
+                  </m:oMath>
+                </a14:m>
+                <a:r>
+                  <a:rPr lang="en-US" altLang="zh-TW" sz="2000" dirty="0">
+                    <a:latin typeface="Times New Roman" panose="02020603050405020304" pitchFamily="18" charset="0"/>
+                  </a:rPr>
+                  <a:t> iff</a:t>
+                </a:r>
+                <a:r>
+                  <a:rPr lang="en-US" altLang="zh-TW" sz="2000" dirty="0">
+                    <a:latin typeface="Times New Roman" panose="02020603050405020304" pitchFamily="18" charset="0"/>
+                  </a:rPr>
+                  <a:t> there exist positive constants </a:t>
+                </a:r>
+                <a14:m>
+                  <m:oMath xmlns:m="http://schemas.openxmlformats.org/officeDocument/2006/math">
+                    <m:r>
+                      <a:rPr lang="en-US" altLang="zh-TW" sz="2000" i="1" dirty="0" smtClean="0">
+                        <a:latin typeface="Cambria Math" panose="02040503050406030204" pitchFamily="18" charset="0"/>
+                      </a:rPr>
+                      <m:t>𝑐</m:t>
+                    </m:r>
+                  </m:oMath>
+                </a14:m>
+                <a:r>
+                  <a:rPr lang="en-US" altLang="zh-TW" sz="2000" dirty="0">
+                    <a:latin typeface="Times New Roman" panose="02020603050405020304" pitchFamily="18" charset="0"/>
+                  </a:rPr>
+                  <a:t> </a:t>
+                </a:r>
+                <a:r>
+                  <a:rPr lang="en-US" altLang="zh-TW" sz="2000" dirty="0" smtClean="0">
+                    <a:latin typeface="Times New Roman" panose="02020603050405020304" pitchFamily="18" charset="0"/>
+                  </a:rPr>
+                  <a:t>and </a:t>
+                </a:r>
+                <a14:m>
+                  <m:oMath xmlns:m="http://schemas.openxmlformats.org/officeDocument/2006/math">
+                    <m:sSub>
+                      <m:sSubPr>
+                        <m:ctrlPr>
+                          <a:rPr lang="en-US" altLang="zh-TW" sz="2000" i="1">
+                            <a:latin typeface="Cambria Math" panose="02040503050406030204" pitchFamily="18" charset="0"/>
+                          </a:rPr>
+                        </m:ctrlPr>
+                      </m:sSubPr>
+                      <m:e>
+                        <m:r>
+                          <a:rPr lang="en-US" altLang="zh-TW" sz="2000" i="1">
+                            <a:latin typeface="Cambria Math" panose="02040503050406030204" pitchFamily="18" charset="0"/>
+                          </a:rPr>
+                          <m:t> </m:t>
+                        </m:r>
+                        <m:r>
+                          <a:rPr lang="en-US" altLang="zh-TW" sz="2000" i="1">
+                            <a:latin typeface="Cambria Math" panose="02040503050406030204" pitchFamily="18" charset="0"/>
+                          </a:rPr>
+                          <m:t>𝑛</m:t>
+                        </m:r>
+                      </m:e>
+                      <m:sub>
+                        <m:r>
+                          <a:rPr lang="en-US" altLang="zh-TW" sz="2000" i="1">
+                            <a:latin typeface="Cambria Math" panose="02040503050406030204" pitchFamily="18" charset="0"/>
+                          </a:rPr>
+                          <m:t>0</m:t>
+                        </m:r>
+                      </m:sub>
+                    </m:sSub>
+                  </m:oMath>
+                </a14:m>
+                <a:r>
+                  <a:rPr lang="en-US" altLang="zh-TW" sz="2000" dirty="0" smtClean="0">
+                    <a:latin typeface="Times New Roman" panose="02020603050405020304" pitchFamily="18" charset="0"/>
+                  </a:rPr>
+                  <a:t> such </a:t>
+                </a:r>
+                <a:r>
+                  <a:rPr lang="en-US" altLang="zh-TW" sz="2000" dirty="0">
+                    <a:latin typeface="Times New Roman" panose="02020603050405020304" pitchFamily="18" charset="0"/>
+                  </a:rPr>
+                  <a:t>that</a:t>
+                </a:r>
+              </a:p>
+              <a:p>
+                <a:pPr marL="457200" lvl="1" indent="0">
+                  <a:buNone/>
+                </a:pPr>
+                <a14:m>
+                  <m:oMath xmlns:m="http://schemas.openxmlformats.org/officeDocument/2006/math">
+                    <m:r>
+                      <a:rPr lang="en-US" altLang="zh-TW" sz="2000" b="0" i="1" dirty="0" smtClean="0">
+                        <a:solidFill>
+                          <a:schemeClr val="tx1"/>
+                        </a:solidFill>
+                        <a:latin typeface="Cambria Math" panose="02040503050406030204" pitchFamily="18" charset="0"/>
+                      </a:rPr>
+                      <m:t>𝑓</m:t>
+                    </m:r>
+                    <m:d>
+                      <m:dPr>
+                        <m:ctrlPr>
+                          <a:rPr lang="en-US" altLang="zh-TW" sz="2000" b="0" i="1" dirty="0" smtClean="0">
+                            <a:solidFill>
+                              <a:schemeClr val="tx1"/>
+                            </a:solidFill>
+                            <a:latin typeface="Cambria Math" panose="02040503050406030204" pitchFamily="18" charset="0"/>
+                          </a:rPr>
+                        </m:ctrlPr>
+                      </m:dPr>
+                      <m:e>
+                        <m:r>
+                          <a:rPr lang="en-US" altLang="zh-TW" sz="2000" b="0" i="1" dirty="0" smtClean="0">
+                            <a:solidFill>
+                              <a:schemeClr val="tx1"/>
+                            </a:solidFill>
+                            <a:latin typeface="Cambria Math" panose="02040503050406030204" pitchFamily="18" charset="0"/>
+                          </a:rPr>
+                          <m:t>𝑛</m:t>
+                        </m:r>
+                      </m:e>
+                    </m:d>
+                    <m:r>
+                      <a:rPr lang="en-US" altLang="zh-TW" sz="2000" b="0" i="1" dirty="0" smtClean="0">
+                        <a:solidFill>
+                          <a:schemeClr val="tx1"/>
+                        </a:solidFill>
+                        <a:latin typeface="Cambria Math" panose="02040503050406030204" pitchFamily="18" charset="0"/>
+                        <a:ea typeface="Cambria Math" panose="02040503050406030204" pitchFamily="18" charset="0"/>
+                      </a:rPr>
+                      <m:t>≥</m:t>
+                    </m:r>
+                    <m:r>
+                      <a:rPr lang="en-US" altLang="zh-TW" sz="2000" i="1" dirty="0">
+                        <a:solidFill>
+                          <a:schemeClr val="tx1"/>
+                        </a:solidFill>
+                        <a:latin typeface="Cambria Math" panose="02040503050406030204" pitchFamily="18" charset="0"/>
+                        <a:ea typeface="Cambria Math" panose="02040503050406030204" pitchFamily="18" charset="0"/>
+                      </a:rPr>
+                      <m:t>𝑐𝑔</m:t>
+                    </m:r>
+                    <m:d>
+                      <m:dPr>
+                        <m:ctrlPr>
+                          <a:rPr lang="en-US" altLang="zh-TW" sz="2000" i="1" dirty="0">
+                            <a:solidFill>
+                              <a:schemeClr val="tx1"/>
+                            </a:solidFill>
+                            <a:latin typeface="Cambria Math" panose="02040503050406030204" pitchFamily="18" charset="0"/>
+                            <a:ea typeface="Cambria Math" panose="02040503050406030204" pitchFamily="18" charset="0"/>
+                          </a:rPr>
+                        </m:ctrlPr>
+                      </m:dPr>
+                      <m:e>
+                        <m:r>
+                          <a:rPr lang="en-US" altLang="zh-TW" sz="2000" i="1" dirty="0">
+                            <a:solidFill>
+                              <a:schemeClr val="tx1"/>
+                            </a:solidFill>
+                            <a:latin typeface="Cambria Math" panose="02040503050406030204" pitchFamily="18" charset="0"/>
+                            <a:ea typeface="Cambria Math" panose="02040503050406030204" pitchFamily="18" charset="0"/>
+                          </a:rPr>
+                          <m:t>𝑛</m:t>
+                        </m:r>
+                      </m:e>
+                    </m:d>
+                    <m:r>
+                      <a:rPr lang="en-US" altLang="zh-TW" sz="2000" i="1" dirty="0">
+                        <a:solidFill>
+                          <a:schemeClr val="tx1"/>
+                        </a:solidFill>
+                        <a:latin typeface="Cambria Math" panose="02040503050406030204" pitchFamily="18" charset="0"/>
+                        <a:ea typeface="Cambria Math" panose="02040503050406030204" pitchFamily="18" charset="0"/>
+                      </a:rPr>
+                      <m:t>,</m:t>
+                    </m:r>
+                  </m:oMath>
+                </a14:m>
+                <a:r>
+                  <a:rPr lang="en-US" altLang="zh-TW" sz="2000" i="1" dirty="0" smtClean="0">
+                    <a:solidFill>
+                      <a:schemeClr val="tx1"/>
+                    </a:solidFill>
+                    <a:latin typeface="Cambria Math" panose="02040503050406030204" pitchFamily="18" charset="0"/>
+                    <a:ea typeface="Cambria Math" panose="02040503050406030204" pitchFamily="18" charset="0"/>
+                  </a:rPr>
+                  <a:t> </a:t>
+                </a:r>
+                <a:r>
+                  <a:rPr lang="en-US" altLang="zh-TW" sz="2000" dirty="0" smtClean="0">
+                    <a:solidFill>
+                      <a:schemeClr val="tx1"/>
+                    </a:solidFill>
+                    <a:latin typeface="Times New Roman" panose="02020603050405020304" pitchFamily="18" charset="0"/>
+                    <a:ea typeface="Cambria Math" panose="02040503050406030204" pitchFamily="18" charset="0"/>
+                    <a:cs typeface="Times New Roman" panose="02020603050405020304" pitchFamily="18" charset="0"/>
+                  </a:rPr>
+                  <a:t>for all </a:t>
+                </a:r>
+                <a14:m>
+                  <m:oMath xmlns:m="http://schemas.openxmlformats.org/officeDocument/2006/math">
+                    <m:r>
+                      <a:rPr lang="pt-BR" altLang="zh-TW" sz="2000" i="1" dirty="0">
+                        <a:latin typeface="Cambria Math" panose="02040503050406030204" pitchFamily="18" charset="0"/>
+                        <a:ea typeface="Cambria Math" panose="02040503050406030204" pitchFamily="18" charset="0"/>
+                      </a:rPr>
+                      <m:t>𝑛</m:t>
+                    </m:r>
+                    <m:r>
+                      <a:rPr lang="pt-BR" altLang="zh-TW" sz="2000" i="1" dirty="0">
+                        <a:latin typeface="Cambria Math" panose="02040503050406030204" pitchFamily="18" charset="0"/>
+                        <a:ea typeface="Cambria Math" panose="02040503050406030204" pitchFamily="18" charset="0"/>
+                      </a:rPr>
+                      <m:t>, </m:t>
+                    </m:r>
+                    <m:r>
+                      <a:rPr lang="pt-BR" altLang="zh-TW" sz="2000" i="1" dirty="0">
+                        <a:latin typeface="Cambria Math" panose="02040503050406030204" pitchFamily="18" charset="0"/>
+                        <a:ea typeface="Cambria Math" panose="02040503050406030204" pitchFamily="18" charset="0"/>
+                      </a:rPr>
+                      <m:t>𝑛</m:t>
+                    </m:r>
+                    <m:r>
+                      <a:rPr lang="pt-BR" altLang="zh-TW" sz="2000" i="1" dirty="0">
+                        <a:latin typeface="Cambria Math" panose="02040503050406030204" pitchFamily="18" charset="0"/>
+                        <a:ea typeface="Cambria Math" panose="02040503050406030204" pitchFamily="18" charset="0"/>
+                      </a:rPr>
+                      <m:t>≥</m:t>
+                    </m:r>
+                    <m:sSub>
+                      <m:sSubPr>
+                        <m:ctrlPr>
+                          <a:rPr lang="en-US" altLang="zh-TW" sz="2000" i="1">
+                            <a:latin typeface="Cambria Math" panose="02040503050406030204" pitchFamily="18" charset="0"/>
+                          </a:rPr>
+                        </m:ctrlPr>
+                      </m:sSubPr>
+                      <m:e>
+                        <m:r>
+                          <a:rPr lang="en-US" altLang="zh-TW" sz="2000" i="1">
+                            <a:latin typeface="Cambria Math" panose="02040503050406030204" pitchFamily="18" charset="0"/>
+                          </a:rPr>
+                          <m:t> </m:t>
+                        </m:r>
+                        <m:r>
+                          <a:rPr lang="en-US" altLang="zh-TW" sz="2000" i="1">
+                            <a:latin typeface="Cambria Math" panose="02040503050406030204" pitchFamily="18" charset="0"/>
+                          </a:rPr>
+                          <m:t>𝑛</m:t>
+                        </m:r>
+                      </m:e>
+                      <m:sub>
+                        <m:r>
+                          <a:rPr lang="en-US" altLang="zh-TW" sz="2000" i="1">
+                            <a:latin typeface="Cambria Math" panose="02040503050406030204" pitchFamily="18" charset="0"/>
+                          </a:rPr>
+                          <m:t>0</m:t>
+                        </m:r>
+                      </m:sub>
+                    </m:sSub>
+                  </m:oMath>
+                </a14:m>
+                <a:r>
+                  <a:rPr lang="en-US" altLang="zh-TW" sz="2000" i="1" dirty="0" smtClean="0">
+                    <a:solidFill>
+                      <a:schemeClr val="tx1"/>
+                    </a:solidFill>
+                    <a:latin typeface="Cambria Math" panose="02040503050406030204" pitchFamily="18" charset="0"/>
+                    <a:ea typeface="Cambria Math" panose="02040503050406030204" pitchFamily="18" charset="0"/>
+                  </a:rPr>
+                  <a:t>.</a:t>
+                </a:r>
+              </a:p>
+              <a:p>
+                <a:r>
+                  <a:rPr lang="en-US" altLang="zh-TW" dirty="0" smtClean="0">
+                    <a:latin typeface="Times New Roman" panose="02020603050405020304" pitchFamily="18" charset="0"/>
+                  </a:rPr>
+                  <a:t>Examples</a:t>
+                </a:r>
+              </a:p>
+              <a:p>
+                <a:pPr lvl="1">
+                  <a:lnSpc>
+                    <a:spcPct val="150000"/>
+                  </a:lnSpc>
+                </a:pPr>
+                <a14:m>
+                  <m:oMath xmlns:m="http://schemas.openxmlformats.org/officeDocument/2006/math">
+                    <m:r>
+                      <a:rPr lang="en-US" altLang="zh-TW" i="1">
+                        <a:latin typeface="Cambria Math" panose="02040503050406030204" pitchFamily="18" charset="0"/>
+                      </a:rPr>
+                      <m:t>3</m:t>
+                    </m:r>
+                    <m:r>
+                      <a:rPr lang="en-US" altLang="zh-TW" i="1">
+                        <a:latin typeface="Cambria Math" panose="02040503050406030204" pitchFamily="18" charset="0"/>
+                      </a:rPr>
+                      <m:t>𝑛</m:t>
+                    </m:r>
+                    <m:r>
+                      <a:rPr lang="en-US" altLang="zh-TW" i="1">
+                        <a:latin typeface="Cambria Math" panose="02040503050406030204" pitchFamily="18" charset="0"/>
+                      </a:rPr>
+                      <m:t>+2=</m:t>
+                    </m:r>
+                    <m:r>
+                      <a:rPr lang="el-GR" altLang="zh-TW" i="1">
+                        <a:latin typeface="Cambria Math" panose="02040503050406030204" pitchFamily="18" charset="0"/>
+                      </a:rPr>
+                      <m:t>𝛺</m:t>
+                    </m:r>
+                    <m:r>
+                      <a:rPr lang="en-US" altLang="zh-TW" i="1">
+                        <a:latin typeface="Cambria Math" panose="02040503050406030204" pitchFamily="18" charset="0"/>
+                      </a:rPr>
+                      <m:t>(</m:t>
+                    </m:r>
+                    <m:r>
+                      <a:rPr lang="en-US" altLang="zh-TW" i="1">
+                        <a:latin typeface="Cambria Math" panose="02040503050406030204" pitchFamily="18" charset="0"/>
+                      </a:rPr>
+                      <m:t>𝑛</m:t>
+                    </m:r>
+                    <m:r>
+                      <a:rPr lang="en-US" altLang="zh-TW" i="1">
+                        <a:latin typeface="Cambria Math" panose="02040503050406030204" pitchFamily="18" charset="0"/>
+                      </a:rPr>
+                      <m:t>)</m:t>
+                    </m:r>
+                  </m:oMath>
+                </a14:m>
+                <a:endParaRPr lang="en-US" altLang="zh-TW" dirty="0">
+                  <a:latin typeface="Times New Roman" panose="02020603050405020304" pitchFamily="18" charset="0"/>
+                </a:endParaRPr>
+              </a:p>
+              <a:p>
+                <a:pPr lvl="1">
+                  <a:lnSpc>
+                    <a:spcPct val="150000"/>
+                  </a:lnSpc>
+                </a:pPr>
+                <a14:m>
+                  <m:oMath xmlns:m="http://schemas.openxmlformats.org/officeDocument/2006/math">
+                    <m:r>
+                      <a:rPr lang="en-US" altLang="zh-TW" i="1">
+                        <a:latin typeface="Cambria Math" panose="02040503050406030204" pitchFamily="18" charset="0"/>
+                      </a:rPr>
+                      <m:t>3</m:t>
+                    </m:r>
+                    <m:r>
+                      <a:rPr lang="en-US" altLang="zh-TW" i="1">
+                        <a:latin typeface="Cambria Math" panose="02040503050406030204" pitchFamily="18" charset="0"/>
+                      </a:rPr>
+                      <m:t>𝑛</m:t>
+                    </m:r>
+                    <m:r>
+                      <a:rPr lang="en-US" altLang="zh-TW" i="1">
+                        <a:latin typeface="Cambria Math" panose="02040503050406030204" pitchFamily="18" charset="0"/>
+                      </a:rPr>
+                      <m:t>+3=</m:t>
+                    </m:r>
+                    <m:r>
+                      <a:rPr lang="el-GR" altLang="zh-TW" i="1">
+                        <a:latin typeface="Cambria Math" panose="02040503050406030204" pitchFamily="18" charset="0"/>
+                      </a:rPr>
+                      <m:t>𝛺</m:t>
+                    </m:r>
+                    <m:r>
+                      <a:rPr lang="en-US" altLang="zh-TW" i="1">
+                        <a:latin typeface="Cambria Math" panose="02040503050406030204" pitchFamily="18" charset="0"/>
+                      </a:rPr>
+                      <m:t>(</m:t>
+                    </m:r>
+                    <m:r>
+                      <a:rPr lang="en-US" altLang="zh-TW" i="1">
+                        <a:latin typeface="Cambria Math" panose="02040503050406030204" pitchFamily="18" charset="0"/>
+                      </a:rPr>
+                      <m:t>𝑛</m:t>
+                    </m:r>
+                    <m:r>
+                      <a:rPr lang="en-US" altLang="zh-TW" i="1">
+                        <a:latin typeface="Cambria Math" panose="02040503050406030204" pitchFamily="18" charset="0"/>
+                      </a:rPr>
+                      <m:t>)</m:t>
+                    </m:r>
+                  </m:oMath>
+                </a14:m>
+                <a:endParaRPr lang="en-US" altLang="zh-TW" dirty="0">
+                  <a:latin typeface="Times New Roman" panose="02020603050405020304" pitchFamily="18" charset="0"/>
+                </a:endParaRPr>
+              </a:p>
+              <a:p>
+                <a:pPr lvl="1">
+                  <a:lnSpc>
+                    <a:spcPct val="150000"/>
+                  </a:lnSpc>
+                </a:pPr>
+                <a14:m>
+                  <m:oMath xmlns:m="http://schemas.openxmlformats.org/officeDocument/2006/math">
+                    <m:r>
+                      <a:rPr lang="en-US" altLang="zh-TW" i="1">
+                        <a:latin typeface="Cambria Math" panose="02040503050406030204" pitchFamily="18" charset="0"/>
+                      </a:rPr>
+                      <m:t>100</m:t>
+                    </m:r>
+                    <m:r>
+                      <a:rPr lang="en-US" altLang="zh-TW" i="1">
+                        <a:latin typeface="Cambria Math" panose="02040503050406030204" pitchFamily="18" charset="0"/>
+                      </a:rPr>
+                      <m:t>𝑛</m:t>
+                    </m:r>
+                    <m:r>
+                      <a:rPr lang="en-US" altLang="zh-TW" i="1">
+                        <a:latin typeface="Cambria Math" panose="02040503050406030204" pitchFamily="18" charset="0"/>
+                      </a:rPr>
+                      <m:t>+6=</m:t>
+                    </m:r>
+                    <m:r>
+                      <a:rPr lang="el-GR" altLang="zh-TW" i="1">
+                        <a:latin typeface="Cambria Math" panose="02040503050406030204" pitchFamily="18" charset="0"/>
+                      </a:rPr>
+                      <m:t>𝛺</m:t>
+                    </m:r>
+                    <m:r>
+                      <a:rPr lang="en-US" altLang="zh-TW" i="1">
+                        <a:latin typeface="Cambria Math" panose="02040503050406030204" pitchFamily="18" charset="0"/>
+                      </a:rPr>
+                      <m:t>(</m:t>
+                    </m:r>
+                    <m:r>
+                      <a:rPr lang="en-US" altLang="zh-TW" i="1">
+                        <a:latin typeface="Cambria Math" panose="02040503050406030204" pitchFamily="18" charset="0"/>
+                      </a:rPr>
+                      <m:t>𝑛</m:t>
+                    </m:r>
+                    <m:r>
+                      <a:rPr lang="en-US" altLang="zh-TW" i="1">
+                        <a:latin typeface="Cambria Math" panose="02040503050406030204" pitchFamily="18" charset="0"/>
+                      </a:rPr>
+                      <m:t>)</m:t>
+                    </m:r>
+                  </m:oMath>
+                </a14:m>
+                <a:endParaRPr lang="en-US" altLang="zh-TW" dirty="0">
+                  <a:latin typeface="Times New Roman" panose="02020603050405020304" pitchFamily="18" charset="0"/>
+                </a:endParaRPr>
+              </a:p>
+              <a:p>
+                <a:pPr lvl="1">
+                  <a:lnSpc>
+                    <a:spcPct val="150000"/>
+                  </a:lnSpc>
+                </a:pPr>
+                <a14:m>
+                  <m:oMath xmlns:m="http://schemas.openxmlformats.org/officeDocument/2006/math">
+                    <m:r>
+                      <a:rPr lang="en-US" altLang="zh-TW" i="1">
+                        <a:latin typeface="Cambria Math" panose="02040503050406030204" pitchFamily="18" charset="0"/>
+                      </a:rPr>
+                      <m:t>10</m:t>
+                    </m:r>
+                    <m:sSup>
+                      <m:sSupPr>
+                        <m:ctrlPr>
+                          <a:rPr lang="en-US" altLang="zh-TW" i="1">
+                            <a:latin typeface="Cambria Math" panose="02040503050406030204" pitchFamily="18" charset="0"/>
+                          </a:rPr>
+                        </m:ctrlPr>
+                      </m:sSupPr>
+                      <m:e>
+                        <m:r>
+                          <a:rPr lang="en-US" altLang="zh-TW" i="1">
+                            <a:latin typeface="Cambria Math" panose="02040503050406030204" pitchFamily="18" charset="0"/>
+                          </a:rPr>
+                          <m:t>𝑛</m:t>
+                        </m:r>
+                      </m:e>
+                      <m:sup>
+                        <m:r>
+                          <a:rPr lang="en-US" altLang="zh-TW" i="1">
+                            <a:latin typeface="Cambria Math" panose="02040503050406030204" pitchFamily="18" charset="0"/>
+                          </a:rPr>
+                          <m:t>2</m:t>
+                        </m:r>
+                      </m:sup>
+                    </m:sSup>
+                    <m:r>
+                      <a:rPr lang="en-US" altLang="zh-TW" i="1">
+                        <a:latin typeface="Cambria Math" panose="02040503050406030204" pitchFamily="18" charset="0"/>
+                      </a:rPr>
+                      <m:t>+</m:t>
+                    </m:r>
+                    <m:r>
+                      <a:rPr lang="en-US" altLang="zh-TW" i="1">
+                        <a:latin typeface="Cambria Math" panose="02040503050406030204" pitchFamily="18" charset="0"/>
+                      </a:rPr>
+                      <m:t>4</m:t>
+                    </m:r>
+                    <m:r>
+                      <a:rPr lang="en-US" altLang="zh-TW" i="1">
+                        <a:latin typeface="Cambria Math" panose="02040503050406030204" pitchFamily="18" charset="0"/>
+                      </a:rPr>
+                      <m:t>𝑛</m:t>
+                    </m:r>
+                    <m:r>
+                      <a:rPr lang="en-US" altLang="zh-TW" i="1">
+                        <a:latin typeface="Cambria Math" panose="02040503050406030204" pitchFamily="18" charset="0"/>
+                      </a:rPr>
+                      <m:t>+2=</m:t>
+                    </m:r>
+                    <m:r>
+                      <a:rPr lang="el-GR" altLang="zh-TW" i="1">
+                        <a:latin typeface="Cambria Math" panose="02040503050406030204" pitchFamily="18" charset="0"/>
+                      </a:rPr>
+                      <m:t>𝛺</m:t>
+                    </m:r>
+                    <m:r>
+                      <a:rPr lang="en-US" altLang="zh-TW" i="1">
+                        <a:latin typeface="Cambria Math" panose="02040503050406030204" pitchFamily="18" charset="0"/>
+                      </a:rPr>
+                      <m:t>(</m:t>
+                    </m:r>
+                    <m:sSup>
+                      <m:sSupPr>
+                        <m:ctrlPr>
+                          <a:rPr lang="en-US" altLang="zh-TW" i="1">
+                            <a:latin typeface="Cambria Math" panose="02040503050406030204" pitchFamily="18" charset="0"/>
+                          </a:rPr>
+                        </m:ctrlPr>
+                      </m:sSupPr>
+                      <m:e>
+                        <m:r>
+                          <a:rPr lang="en-US" altLang="zh-TW" i="1">
+                            <a:latin typeface="Cambria Math" panose="02040503050406030204" pitchFamily="18" charset="0"/>
+                          </a:rPr>
+                          <m:t>𝑛</m:t>
+                        </m:r>
+                      </m:e>
+                      <m:sup>
+                        <m:r>
+                          <a:rPr lang="en-US" altLang="zh-TW" i="1">
+                            <a:latin typeface="Cambria Math" panose="02040503050406030204" pitchFamily="18" charset="0"/>
+                          </a:rPr>
+                          <m:t>2</m:t>
+                        </m:r>
+                      </m:sup>
+                    </m:sSup>
+                    <m:r>
+                      <a:rPr lang="en-US" altLang="zh-TW" i="1">
+                        <a:latin typeface="Cambria Math" panose="02040503050406030204" pitchFamily="18" charset="0"/>
+                      </a:rPr>
+                      <m:t>)</m:t>
+                    </m:r>
+                  </m:oMath>
+                </a14:m>
+                <a:endParaRPr lang="en-US" altLang="zh-TW" dirty="0">
+                  <a:latin typeface="Times New Roman" panose="02020603050405020304" pitchFamily="18" charset="0"/>
+                </a:endParaRPr>
+              </a:p>
+              <a:p>
+                <a:pPr lvl="1">
+                  <a:lnSpc>
+                    <a:spcPct val="150000"/>
+                  </a:lnSpc>
+                </a:pPr>
+                <a14:m>
+                  <m:oMath xmlns:m="http://schemas.openxmlformats.org/officeDocument/2006/math">
+                    <m:r>
+                      <a:rPr lang="en-US" altLang="zh-TW" i="1">
+                        <a:latin typeface="Cambria Math" panose="02040503050406030204" pitchFamily="18" charset="0"/>
+                      </a:rPr>
+                      <m:t>6∗</m:t>
+                    </m:r>
+                    <m:sSup>
+                      <m:sSupPr>
+                        <m:ctrlPr>
+                          <a:rPr lang="en-US" altLang="zh-TW" i="1">
+                            <a:latin typeface="Cambria Math" panose="02040503050406030204" pitchFamily="18" charset="0"/>
+                          </a:rPr>
+                        </m:ctrlPr>
+                      </m:sSupPr>
+                      <m:e>
+                        <m:r>
+                          <a:rPr lang="en-US" altLang="zh-TW" i="1">
+                            <a:latin typeface="Cambria Math" panose="02040503050406030204" pitchFamily="18" charset="0"/>
+                          </a:rPr>
+                          <m:t>2</m:t>
+                        </m:r>
+                      </m:e>
+                      <m:sup>
+                        <m:r>
+                          <a:rPr lang="en-US" altLang="zh-TW" i="1">
+                            <a:latin typeface="Cambria Math" panose="02040503050406030204" pitchFamily="18" charset="0"/>
+                          </a:rPr>
+                          <m:t>𝑛</m:t>
+                        </m:r>
+                      </m:sup>
+                    </m:sSup>
+                    <m:r>
+                      <a:rPr lang="en-US" altLang="zh-TW" i="1">
+                        <a:latin typeface="Cambria Math" panose="02040503050406030204" pitchFamily="18" charset="0"/>
+                      </a:rPr>
+                      <m:t>+</m:t>
+                    </m:r>
+                    <m:sSup>
+                      <m:sSupPr>
+                        <m:ctrlPr>
+                          <a:rPr lang="en-US" altLang="zh-TW" i="1">
+                            <a:latin typeface="Cambria Math" panose="02040503050406030204" pitchFamily="18" charset="0"/>
+                          </a:rPr>
+                        </m:ctrlPr>
+                      </m:sSupPr>
+                      <m:e>
+                        <m:r>
+                          <a:rPr lang="en-US" altLang="zh-TW" i="1">
+                            <a:latin typeface="Cambria Math" panose="02040503050406030204" pitchFamily="18" charset="0"/>
+                          </a:rPr>
+                          <m:t>𝑛</m:t>
+                        </m:r>
+                      </m:e>
+                      <m:sup>
+                        <m:r>
+                          <a:rPr lang="en-US" altLang="zh-TW" i="1">
+                            <a:latin typeface="Cambria Math" panose="02040503050406030204" pitchFamily="18" charset="0"/>
+                          </a:rPr>
+                          <m:t>2</m:t>
+                        </m:r>
+                      </m:sup>
+                    </m:sSup>
+                    <m:r>
+                      <a:rPr lang="en-US" altLang="zh-TW" i="1">
+                        <a:latin typeface="Cambria Math" panose="02040503050406030204" pitchFamily="18" charset="0"/>
+                      </a:rPr>
+                      <m:t>=</m:t>
+                    </m:r>
+                    <m:r>
+                      <a:rPr lang="el-GR" altLang="zh-TW" i="1">
+                        <a:latin typeface="Cambria Math" panose="02040503050406030204" pitchFamily="18" charset="0"/>
+                      </a:rPr>
+                      <m:t>𝛺</m:t>
+                    </m:r>
+                    <m:r>
+                      <a:rPr lang="en-US" altLang="zh-TW" i="1">
+                        <a:latin typeface="Cambria Math" panose="02040503050406030204" pitchFamily="18" charset="0"/>
+                      </a:rPr>
+                      <m:t>(</m:t>
+                    </m:r>
+                    <m:sSup>
+                      <m:sSupPr>
+                        <m:ctrlPr>
+                          <a:rPr lang="en-US" altLang="zh-TW" i="1">
+                            <a:latin typeface="Cambria Math" panose="02040503050406030204" pitchFamily="18" charset="0"/>
+                          </a:rPr>
+                        </m:ctrlPr>
+                      </m:sSupPr>
+                      <m:e>
+                        <m:r>
+                          <a:rPr lang="en-US" altLang="zh-TW" i="1">
+                            <a:latin typeface="Cambria Math" panose="02040503050406030204" pitchFamily="18" charset="0"/>
+                          </a:rPr>
+                          <m:t>2</m:t>
+                        </m:r>
+                      </m:e>
+                      <m:sup>
+                        <m:r>
+                          <a:rPr lang="en-US" altLang="zh-TW" i="1">
+                            <a:latin typeface="Cambria Math" panose="02040503050406030204" pitchFamily="18" charset="0"/>
+                          </a:rPr>
+                          <m:t>𝑛</m:t>
+                        </m:r>
+                      </m:sup>
+                    </m:sSup>
+                    <m:r>
+                      <a:rPr lang="en-US" altLang="zh-TW" i="1">
+                        <a:latin typeface="Cambria Math" panose="02040503050406030204" pitchFamily="18" charset="0"/>
+                      </a:rPr>
+                      <m:t>)</m:t>
+                    </m:r>
+                  </m:oMath>
+                </a14:m>
+                <a:endParaRPr lang="en-US" altLang="zh-TW" dirty="0">
+                  <a:latin typeface="Times New Roman" panose="02020603050405020304" pitchFamily="18" charset="0"/>
+                </a:endParaRPr>
+              </a:p>
+            </p:txBody>
+          </p:sp>
+        </mc:Choice>
+        <mc:Fallback>
+          <p:sp>
+            <p:nvSpPr>
+              <p:cNvPr id="3" name="內容版面配置區 2"/>
+              <p:cNvSpPr>
+                <a:spLocks noGrp="1" noRot="1" noChangeAspect="1" noMove="1" noResize="1" noEditPoints="1" noAdjustHandles="1" noChangeArrowheads="1" noChangeShapeType="1" noTextEdit="1"/>
+              </p:cNvSpPr>
+              <p:nvPr>
+                <p:ph idx="1"/>
+              </p:nvPr>
+            </p:nvSpPr>
+            <p:spPr>
+              <a:blipFill>
+                <a:blip r:embed="rId3"/>
+                <a:stretch>
+                  <a:fillRect l="-1288" t="-2058"/>
+                </a:stretch>
+              </a:blipFill>
+            </p:spPr>
+            <p:txBody>
+              <a:bodyPr/>
+              <a:lstStyle/>
+              <a:p>
+                <a:r>
+                  <a:rPr lang="zh-TW" altLang="en-US">
+                    <a:noFill/>
+                  </a:rPr>
+                  <a:t> </a:t>
+                </a:r>
+              </a:p>
+            </p:txBody>
+          </p:sp>
+        </mc:Fallback>
+      </mc:AlternateContent>
+      <mc:AlternateContent xmlns:mc="http://schemas.openxmlformats.org/markup-compatibility/2006">
+        <mc:Choice xmlns:a14="http://schemas.microsoft.com/office/drawing/2010/main" Requires="a14">
+          <p:sp>
+            <p:nvSpPr>
+              <p:cNvPr id="4" name="文字方塊 3"/>
+              <p:cNvSpPr txBox="1"/>
+              <p:nvPr/>
+            </p:nvSpPr>
+            <p:spPr>
+              <a:xfrm>
+                <a:off x="4127501" y="3511296"/>
+                <a:ext cx="4931156" cy="3118803"/>
+              </a:xfrm>
+              <a:prstGeom prst="rect">
+                <a:avLst/>
+              </a:prstGeom>
+              <a:noFill/>
+            </p:spPr>
+            <p:txBody>
+              <a:bodyPr wrap="square" rtlCol="0">
+                <a:spAutoFit/>
+              </a:bodyPr>
+              <a:lstStyle/>
+              <a:p>
+                <a:pPr lvl="1">
+                  <a:lnSpc>
+                    <a:spcPct val="150000"/>
+                  </a:lnSpc>
+                  <a:spcBef>
+                    <a:spcPts val="500"/>
+                  </a:spcBef>
+                </a:pPr>
+                <a14:m>
+                  <m:oMath xmlns:m="http://schemas.openxmlformats.org/officeDocument/2006/math">
+                    <m:r>
+                      <a:rPr lang="pt-BR" altLang="zh-TW" sz="2400" i="1" dirty="0" smtClean="0">
+                        <a:latin typeface="Cambria Math" panose="02040503050406030204" pitchFamily="18" charset="0"/>
+                        <a:ea typeface="標楷體" panose="03000509000000000000" pitchFamily="65" charset="-120"/>
+                      </a:rPr>
+                      <m:t>3</m:t>
+                    </m:r>
+                    <m:r>
+                      <a:rPr lang="pt-BR" altLang="zh-TW" sz="2400" i="1" dirty="0" smtClean="0">
+                        <a:latin typeface="Cambria Math" panose="02040503050406030204" pitchFamily="18" charset="0"/>
+                        <a:ea typeface="標楷體" panose="03000509000000000000" pitchFamily="65" charset="-120"/>
+                      </a:rPr>
+                      <m:t>𝑛</m:t>
+                    </m:r>
+                    <m:r>
+                      <a:rPr lang="pt-BR" altLang="zh-TW" sz="2400" i="1" dirty="0" smtClean="0">
+                        <a:latin typeface="Cambria Math" panose="02040503050406030204" pitchFamily="18" charset="0"/>
+                        <a:ea typeface="標楷體" panose="03000509000000000000" pitchFamily="65" charset="-120"/>
+                      </a:rPr>
+                      <m:t>+2≥3</m:t>
+                    </m:r>
+                    <m:r>
+                      <a:rPr lang="pt-BR" altLang="zh-TW" sz="2400" i="1" dirty="0">
+                        <a:latin typeface="Cambria Math" panose="02040503050406030204" pitchFamily="18" charset="0"/>
+                        <a:ea typeface="標楷體" panose="03000509000000000000" pitchFamily="65" charset="-120"/>
+                      </a:rPr>
+                      <m:t>𝑛</m:t>
+                    </m:r>
+                  </m:oMath>
+                </a14:m>
+                <a:r>
+                  <a:rPr lang="zh-TW" altLang="en-US" sz="2400" i="1" dirty="0">
+                    <a:latin typeface="Cambria Math" panose="02040503050406030204" pitchFamily="18" charset="0"/>
+                    <a:ea typeface="標楷體" panose="03000509000000000000" pitchFamily="65" charset="-120"/>
+                  </a:rPr>
+                  <a:t> </a:t>
+                </a:r>
+                <a:r>
+                  <a:rPr lang="en-US" altLang="zh-TW" sz="2400" dirty="0">
+                    <a:latin typeface="Times New Roman" panose="02020603050405020304" pitchFamily="18" charset="0"/>
+                    <a:ea typeface="標楷體" panose="03000509000000000000" pitchFamily="65" charset="-120"/>
+                    <a:cs typeface="Times New Roman" panose="02020603050405020304" pitchFamily="18" charset="0"/>
+                  </a:rPr>
+                  <a:t>for</a:t>
+                </a:r>
+                <a:r>
+                  <a:rPr lang="en-US" altLang="zh-TW" sz="2400" i="1" dirty="0">
+                    <a:latin typeface="Cambria Math" panose="02040503050406030204" pitchFamily="18" charset="0"/>
+                    <a:ea typeface="標楷體" panose="03000509000000000000" pitchFamily="65" charset="-120"/>
+                  </a:rPr>
+                  <a:t> </a:t>
+                </a:r>
+                <a14:m>
+                  <m:oMath xmlns:m="http://schemas.openxmlformats.org/officeDocument/2006/math">
+                    <m:r>
+                      <a:rPr lang="pt-BR" altLang="zh-TW" sz="2400" i="1" dirty="0">
+                        <a:latin typeface="Cambria Math" panose="02040503050406030204" pitchFamily="18" charset="0"/>
+                        <a:ea typeface="標楷體" panose="03000509000000000000" pitchFamily="65" charset="-120"/>
+                      </a:rPr>
+                      <m:t>𝑛</m:t>
+                    </m:r>
+                    <m:r>
+                      <a:rPr lang="pt-BR" altLang="zh-TW" sz="2400" i="1" dirty="0">
+                        <a:latin typeface="Cambria Math" panose="02040503050406030204" pitchFamily="18" charset="0"/>
+                        <a:ea typeface="標楷體" panose="03000509000000000000" pitchFamily="65" charset="-120"/>
+                      </a:rPr>
+                      <m:t>≥1</m:t>
+                    </m:r>
+                  </m:oMath>
+                </a14:m>
+                <a:endParaRPr lang="zh-TW" altLang="en-US" sz="2400" i="1" dirty="0">
+                  <a:latin typeface="Cambria Math" panose="02040503050406030204" pitchFamily="18" charset="0"/>
+                  <a:ea typeface="標楷體" panose="03000509000000000000" pitchFamily="65" charset="-120"/>
+                </a:endParaRPr>
+              </a:p>
+              <a:p>
+                <a:pPr lvl="1">
+                  <a:lnSpc>
+                    <a:spcPct val="150000"/>
+                  </a:lnSpc>
+                  <a:spcBef>
+                    <a:spcPts val="500"/>
+                  </a:spcBef>
+                </a:pPr>
+                <a14:m>
+                  <m:oMath xmlns:m="http://schemas.openxmlformats.org/officeDocument/2006/math">
+                    <m:r>
+                      <a:rPr lang="pt-BR" altLang="zh-TW" sz="2400" i="1" dirty="0">
+                        <a:latin typeface="Cambria Math" panose="02040503050406030204" pitchFamily="18" charset="0"/>
+                        <a:ea typeface="標楷體" panose="03000509000000000000" pitchFamily="65" charset="-120"/>
+                      </a:rPr>
+                      <m:t>3</m:t>
+                    </m:r>
+                    <m:r>
+                      <a:rPr lang="pt-BR" altLang="zh-TW" sz="2400" i="1" dirty="0">
+                        <a:latin typeface="Cambria Math" panose="02040503050406030204" pitchFamily="18" charset="0"/>
+                        <a:ea typeface="標楷體" panose="03000509000000000000" pitchFamily="65" charset="-120"/>
+                      </a:rPr>
+                      <m:t>𝑛</m:t>
+                    </m:r>
+                    <m:r>
+                      <a:rPr lang="pt-BR" altLang="zh-TW" sz="2400" i="1" dirty="0">
+                        <a:latin typeface="Cambria Math" panose="02040503050406030204" pitchFamily="18" charset="0"/>
+                        <a:ea typeface="標楷體" panose="03000509000000000000" pitchFamily="65" charset="-120"/>
+                      </a:rPr>
+                      <m:t>+3≥3</m:t>
+                    </m:r>
+                    <m:r>
+                      <a:rPr lang="pt-BR" altLang="zh-TW" sz="2400" i="1" dirty="0">
+                        <a:latin typeface="Cambria Math" panose="02040503050406030204" pitchFamily="18" charset="0"/>
+                        <a:ea typeface="標楷體" panose="03000509000000000000" pitchFamily="65" charset="-120"/>
+                      </a:rPr>
+                      <m:t>𝑛</m:t>
+                    </m:r>
+                  </m:oMath>
+                </a14:m>
+                <a:r>
+                  <a:rPr lang="zh-TW" altLang="en-US" sz="2400" i="1" dirty="0">
+                    <a:latin typeface="Cambria Math" panose="02040503050406030204" pitchFamily="18" charset="0"/>
+                    <a:ea typeface="標楷體" panose="03000509000000000000" pitchFamily="65" charset="-120"/>
+                  </a:rPr>
+                  <a:t> </a:t>
+                </a:r>
+                <a:r>
+                  <a:rPr lang="en-US" altLang="zh-TW" sz="2400" dirty="0">
+                    <a:latin typeface="Times New Roman" panose="02020603050405020304" pitchFamily="18" charset="0"/>
+                    <a:ea typeface="標楷體" panose="03000509000000000000" pitchFamily="65" charset="-120"/>
+                    <a:cs typeface="Times New Roman" panose="02020603050405020304" pitchFamily="18" charset="0"/>
+                  </a:rPr>
+                  <a:t>for</a:t>
+                </a:r>
+                <a:r>
+                  <a:rPr lang="en-US" altLang="zh-TW" sz="2400" i="1" dirty="0" smtClean="0">
+                    <a:latin typeface="Cambria Math" panose="02040503050406030204" pitchFamily="18" charset="0"/>
+                    <a:ea typeface="標楷體" panose="03000509000000000000" pitchFamily="65" charset="-120"/>
+                  </a:rPr>
+                  <a:t> </a:t>
+                </a:r>
+                <a14:m>
+                  <m:oMath xmlns:m="http://schemas.openxmlformats.org/officeDocument/2006/math">
+                    <m:r>
+                      <a:rPr lang="pt-BR" altLang="zh-TW" sz="2400" i="1" dirty="0">
+                        <a:latin typeface="Cambria Math" panose="02040503050406030204" pitchFamily="18" charset="0"/>
+                        <a:ea typeface="標楷體" panose="03000509000000000000" pitchFamily="65" charset="-120"/>
+                      </a:rPr>
+                      <m:t>𝑛</m:t>
+                    </m:r>
+                    <m:r>
+                      <a:rPr lang="pt-BR" altLang="zh-TW" sz="2400" i="1" dirty="0">
+                        <a:latin typeface="Cambria Math" panose="02040503050406030204" pitchFamily="18" charset="0"/>
+                        <a:ea typeface="標楷體" panose="03000509000000000000" pitchFamily="65" charset="-120"/>
+                      </a:rPr>
+                      <m:t>≥1</m:t>
+                    </m:r>
+                  </m:oMath>
+                </a14:m>
+                <a:endParaRPr lang="zh-TW" altLang="en-US" sz="2400" i="1" dirty="0">
+                  <a:latin typeface="Cambria Math" panose="02040503050406030204" pitchFamily="18" charset="0"/>
+                  <a:ea typeface="標楷體" panose="03000509000000000000" pitchFamily="65" charset="-120"/>
+                </a:endParaRPr>
+              </a:p>
+              <a:p>
+                <a:pPr lvl="1">
+                  <a:lnSpc>
+                    <a:spcPct val="150000"/>
+                  </a:lnSpc>
+                  <a:spcBef>
+                    <a:spcPts val="500"/>
+                  </a:spcBef>
+                </a:pPr>
+                <a14:m>
+                  <m:oMath xmlns:m="http://schemas.openxmlformats.org/officeDocument/2006/math">
+                    <m:r>
+                      <a:rPr lang="en-US" altLang="zh-TW" sz="2400" i="1">
+                        <a:latin typeface="Cambria Math" panose="02040503050406030204" pitchFamily="18" charset="0"/>
+                        <a:ea typeface="標楷體" panose="03000509000000000000" pitchFamily="65" charset="-120"/>
+                      </a:rPr>
+                      <m:t>100</m:t>
+                    </m:r>
+                    <m:r>
+                      <a:rPr lang="en-US" altLang="zh-TW" sz="2400" i="1">
+                        <a:latin typeface="Cambria Math" panose="02040503050406030204" pitchFamily="18" charset="0"/>
+                        <a:ea typeface="標楷體" panose="03000509000000000000" pitchFamily="65" charset="-120"/>
+                      </a:rPr>
+                      <m:t>𝑛</m:t>
+                    </m:r>
+                    <m:r>
+                      <a:rPr lang="en-US" altLang="zh-TW" sz="2400" i="1">
+                        <a:latin typeface="Cambria Math" panose="02040503050406030204" pitchFamily="18" charset="0"/>
+                        <a:ea typeface="標楷體" panose="03000509000000000000" pitchFamily="65" charset="-120"/>
+                      </a:rPr>
+                      <m:t>+6≥100</m:t>
+                    </m:r>
+                    <m:r>
+                      <a:rPr lang="pt-BR" altLang="zh-TW" sz="2400" i="1" dirty="0">
+                        <a:latin typeface="Cambria Math" panose="02040503050406030204" pitchFamily="18" charset="0"/>
+                        <a:ea typeface="標楷體" panose="03000509000000000000" pitchFamily="65" charset="-120"/>
+                      </a:rPr>
+                      <m:t>𝑛</m:t>
+                    </m:r>
+                  </m:oMath>
+                </a14:m>
+                <a:r>
+                  <a:rPr lang="zh-TW" altLang="en-US" sz="2400" i="1" dirty="0">
+                    <a:latin typeface="Cambria Math" panose="02040503050406030204" pitchFamily="18" charset="0"/>
+                    <a:ea typeface="標楷體" panose="03000509000000000000" pitchFamily="65" charset="-120"/>
+                  </a:rPr>
+                  <a:t> </a:t>
+                </a:r>
+                <a:r>
+                  <a:rPr lang="en-US" altLang="zh-TW" sz="2400" dirty="0">
+                    <a:latin typeface="Times New Roman" panose="02020603050405020304" pitchFamily="18" charset="0"/>
+                    <a:ea typeface="標楷體" panose="03000509000000000000" pitchFamily="65" charset="-120"/>
+                    <a:cs typeface="Times New Roman" panose="02020603050405020304" pitchFamily="18" charset="0"/>
+                  </a:rPr>
+                  <a:t>for</a:t>
+                </a:r>
+                <a:r>
+                  <a:rPr lang="en-US" altLang="zh-TW" sz="2400" i="1" dirty="0" smtClean="0">
+                    <a:latin typeface="Cambria Math" panose="02040503050406030204" pitchFamily="18" charset="0"/>
+                    <a:ea typeface="標楷體" panose="03000509000000000000" pitchFamily="65" charset="-120"/>
+                  </a:rPr>
+                  <a:t> </a:t>
+                </a:r>
+                <a14:m>
+                  <m:oMath xmlns:m="http://schemas.openxmlformats.org/officeDocument/2006/math">
+                    <m:r>
+                      <a:rPr lang="pt-BR" altLang="zh-TW" sz="2400" i="1" dirty="0">
+                        <a:latin typeface="Cambria Math" panose="02040503050406030204" pitchFamily="18" charset="0"/>
+                        <a:ea typeface="標楷體" panose="03000509000000000000" pitchFamily="65" charset="-120"/>
+                      </a:rPr>
+                      <m:t>𝑛</m:t>
+                    </m:r>
+                    <m:r>
+                      <a:rPr lang="pt-BR" altLang="zh-TW" sz="2400" i="1" dirty="0">
+                        <a:latin typeface="Cambria Math" panose="02040503050406030204" pitchFamily="18" charset="0"/>
+                        <a:ea typeface="標楷體" panose="03000509000000000000" pitchFamily="65" charset="-120"/>
+                      </a:rPr>
+                      <m:t>≥1</m:t>
+                    </m:r>
+                  </m:oMath>
+                </a14:m>
+                <a:endParaRPr lang="en-US" altLang="zh-TW" sz="2400" i="1" dirty="0">
+                  <a:latin typeface="Cambria Math" panose="02040503050406030204" pitchFamily="18" charset="0"/>
+                  <a:ea typeface="標楷體" panose="03000509000000000000" pitchFamily="65" charset="-120"/>
+                </a:endParaRPr>
+              </a:p>
+              <a:p>
+                <a:pPr lvl="1">
+                  <a:lnSpc>
+                    <a:spcPct val="150000"/>
+                  </a:lnSpc>
+                  <a:spcBef>
+                    <a:spcPts val="500"/>
+                  </a:spcBef>
+                </a:pPr>
+                <a14:m>
+                  <m:oMath xmlns:m="http://schemas.openxmlformats.org/officeDocument/2006/math">
+                    <m:r>
+                      <a:rPr lang="en-US" altLang="zh-TW" sz="2400" i="1">
+                        <a:latin typeface="Cambria Math" panose="02040503050406030204" pitchFamily="18" charset="0"/>
+                        <a:ea typeface="標楷體" panose="03000509000000000000" pitchFamily="65" charset="-120"/>
+                      </a:rPr>
+                      <m:t>10</m:t>
+                    </m:r>
+                    <m:sSup>
+                      <m:sSupPr>
+                        <m:ctrlPr>
+                          <a:rPr lang="en-US" altLang="zh-TW" sz="2400" i="1">
+                            <a:latin typeface="Cambria Math" panose="02040503050406030204" pitchFamily="18" charset="0"/>
+                            <a:ea typeface="標楷體" panose="03000509000000000000" pitchFamily="65" charset="-120"/>
+                          </a:rPr>
+                        </m:ctrlPr>
+                      </m:sSupPr>
+                      <m:e>
+                        <m:r>
+                          <a:rPr lang="en-US" altLang="zh-TW" sz="2400" i="1">
+                            <a:latin typeface="Cambria Math" panose="02040503050406030204" pitchFamily="18" charset="0"/>
+                            <a:ea typeface="標楷體" panose="03000509000000000000" pitchFamily="65" charset="-120"/>
+                          </a:rPr>
+                          <m:t>𝑛</m:t>
+                        </m:r>
+                      </m:e>
+                      <m:sup>
+                        <m:r>
+                          <a:rPr lang="en-US" altLang="zh-TW" sz="2400" i="1">
+                            <a:latin typeface="Cambria Math" panose="02040503050406030204" pitchFamily="18" charset="0"/>
+                            <a:ea typeface="標楷體" panose="03000509000000000000" pitchFamily="65" charset="-120"/>
+                          </a:rPr>
+                          <m:t>2</m:t>
+                        </m:r>
+                      </m:sup>
+                    </m:sSup>
+                    <m:r>
+                      <a:rPr lang="en-US" altLang="zh-TW" sz="2400" i="1">
+                        <a:latin typeface="Cambria Math" panose="02040503050406030204" pitchFamily="18" charset="0"/>
+                        <a:ea typeface="標楷體" panose="03000509000000000000" pitchFamily="65" charset="-120"/>
+                      </a:rPr>
+                      <m:t>+4</m:t>
+                    </m:r>
+                    <m:r>
+                      <a:rPr lang="en-US" altLang="zh-TW" sz="2400" i="1">
+                        <a:latin typeface="Cambria Math" panose="02040503050406030204" pitchFamily="18" charset="0"/>
+                        <a:ea typeface="標楷體" panose="03000509000000000000" pitchFamily="65" charset="-120"/>
+                      </a:rPr>
+                      <m:t>𝑛</m:t>
+                    </m:r>
+                    <m:r>
+                      <a:rPr lang="en-US" altLang="zh-TW" sz="2400" i="1">
+                        <a:latin typeface="Cambria Math" panose="02040503050406030204" pitchFamily="18" charset="0"/>
+                        <a:ea typeface="標楷體" panose="03000509000000000000" pitchFamily="65" charset="-120"/>
+                      </a:rPr>
+                      <m:t>+2≥10</m:t>
+                    </m:r>
+                    <m:sSup>
+                      <m:sSupPr>
+                        <m:ctrlPr>
+                          <a:rPr lang="en-US" altLang="zh-TW" sz="2400" i="1">
+                            <a:latin typeface="Cambria Math" panose="02040503050406030204" pitchFamily="18" charset="0"/>
+                            <a:ea typeface="標楷體" panose="03000509000000000000" pitchFamily="65" charset="-120"/>
+                          </a:rPr>
+                        </m:ctrlPr>
+                      </m:sSupPr>
+                      <m:e>
+                        <m:r>
+                          <a:rPr lang="en-US" altLang="zh-TW" sz="2400" i="1">
+                            <a:latin typeface="Cambria Math" panose="02040503050406030204" pitchFamily="18" charset="0"/>
+                            <a:ea typeface="標楷體" panose="03000509000000000000" pitchFamily="65" charset="-120"/>
+                          </a:rPr>
+                          <m:t>𝑛</m:t>
+                        </m:r>
+                      </m:e>
+                      <m:sup>
+                        <m:r>
+                          <a:rPr lang="en-US" altLang="zh-TW" sz="2400" i="1">
+                            <a:latin typeface="Cambria Math" panose="02040503050406030204" pitchFamily="18" charset="0"/>
+                            <a:ea typeface="標楷體" panose="03000509000000000000" pitchFamily="65" charset="-120"/>
+                          </a:rPr>
+                          <m:t>2</m:t>
+                        </m:r>
+                      </m:sup>
+                    </m:sSup>
+                  </m:oMath>
+                </a14:m>
+                <a:r>
+                  <a:rPr lang="en-US" altLang="zh-TW" sz="2400" i="1" dirty="0">
+                    <a:latin typeface="Cambria Math" panose="02040503050406030204" pitchFamily="18" charset="0"/>
+                    <a:ea typeface="標楷體" panose="03000509000000000000" pitchFamily="65" charset="-120"/>
+                  </a:rPr>
+                  <a:t> </a:t>
+                </a:r>
+                <a:r>
+                  <a:rPr lang="en-US" altLang="zh-TW" sz="2400" dirty="0">
+                    <a:latin typeface="Times New Roman" panose="02020603050405020304" pitchFamily="18" charset="0"/>
+                    <a:ea typeface="標楷體" panose="03000509000000000000" pitchFamily="65" charset="-120"/>
+                    <a:cs typeface="Times New Roman" panose="02020603050405020304" pitchFamily="18" charset="0"/>
+                  </a:rPr>
+                  <a:t>for</a:t>
+                </a:r>
+                <a:r>
+                  <a:rPr lang="en-US" altLang="zh-TW" sz="2400" i="1" dirty="0" smtClean="0">
+                    <a:latin typeface="Cambria Math" panose="02040503050406030204" pitchFamily="18" charset="0"/>
+                    <a:ea typeface="標楷體" panose="03000509000000000000" pitchFamily="65" charset="-120"/>
+                  </a:rPr>
+                  <a:t> </a:t>
+                </a:r>
+                <a14:m>
+                  <m:oMath xmlns:m="http://schemas.openxmlformats.org/officeDocument/2006/math">
+                    <m:r>
+                      <a:rPr lang="pt-BR" altLang="zh-TW" sz="2400" i="1" dirty="0">
+                        <a:latin typeface="Cambria Math" panose="02040503050406030204" pitchFamily="18" charset="0"/>
+                        <a:ea typeface="標楷體" panose="03000509000000000000" pitchFamily="65" charset="-120"/>
+                      </a:rPr>
+                      <m:t>𝑛</m:t>
+                    </m:r>
+                    <m:r>
+                      <a:rPr lang="pt-BR" altLang="zh-TW" sz="2400" i="1" dirty="0">
+                        <a:latin typeface="Cambria Math" panose="02040503050406030204" pitchFamily="18" charset="0"/>
+                        <a:ea typeface="標楷體" panose="03000509000000000000" pitchFamily="65" charset="-120"/>
+                      </a:rPr>
+                      <m:t>≥1</m:t>
+                    </m:r>
+                  </m:oMath>
+                </a14:m>
+                <a:endParaRPr lang="en-US" altLang="zh-TW" sz="2400" i="1" dirty="0">
+                  <a:latin typeface="Cambria Math" panose="02040503050406030204" pitchFamily="18" charset="0"/>
+                  <a:ea typeface="標楷體" panose="03000509000000000000" pitchFamily="65" charset="-120"/>
+                </a:endParaRPr>
+              </a:p>
+              <a:p>
+                <a:pPr lvl="1">
+                  <a:lnSpc>
+                    <a:spcPct val="150000"/>
+                  </a:lnSpc>
+                  <a:spcBef>
+                    <a:spcPts val="500"/>
+                  </a:spcBef>
+                </a:pPr>
+                <a14:m>
+                  <m:oMath xmlns:m="http://schemas.openxmlformats.org/officeDocument/2006/math">
+                    <m:r>
+                      <a:rPr lang="en-US" altLang="zh-TW" sz="2400" i="1">
+                        <a:latin typeface="Cambria Math" panose="02040503050406030204" pitchFamily="18" charset="0"/>
+                        <a:ea typeface="標楷體" panose="03000509000000000000" pitchFamily="65" charset="-120"/>
+                      </a:rPr>
+                      <m:t>6∗</m:t>
+                    </m:r>
+                    <m:sSup>
+                      <m:sSupPr>
+                        <m:ctrlPr>
+                          <a:rPr lang="en-US" altLang="zh-TW" sz="2400" i="1">
+                            <a:latin typeface="Cambria Math" panose="02040503050406030204" pitchFamily="18" charset="0"/>
+                            <a:ea typeface="標楷體" panose="03000509000000000000" pitchFamily="65" charset="-120"/>
+                          </a:rPr>
+                        </m:ctrlPr>
+                      </m:sSupPr>
+                      <m:e>
+                        <m:r>
+                          <a:rPr lang="en-US" altLang="zh-TW" sz="2400" i="1">
+                            <a:latin typeface="Cambria Math" panose="02040503050406030204" pitchFamily="18" charset="0"/>
+                            <a:ea typeface="標楷體" panose="03000509000000000000" pitchFamily="65" charset="-120"/>
+                          </a:rPr>
+                          <m:t>2</m:t>
+                        </m:r>
+                      </m:e>
+                      <m:sup>
+                        <m:r>
+                          <a:rPr lang="en-US" altLang="zh-TW" sz="2400" i="1">
+                            <a:latin typeface="Cambria Math" panose="02040503050406030204" pitchFamily="18" charset="0"/>
+                            <a:ea typeface="標楷體" panose="03000509000000000000" pitchFamily="65" charset="-120"/>
+                          </a:rPr>
+                          <m:t>𝑛</m:t>
+                        </m:r>
+                      </m:sup>
+                    </m:sSup>
+                    <m:r>
+                      <a:rPr lang="en-US" altLang="zh-TW" sz="2400" i="1">
+                        <a:latin typeface="Cambria Math" panose="02040503050406030204" pitchFamily="18" charset="0"/>
+                        <a:ea typeface="標楷體" panose="03000509000000000000" pitchFamily="65" charset="-120"/>
+                      </a:rPr>
+                      <m:t>+</m:t>
+                    </m:r>
+                    <m:sSup>
+                      <m:sSupPr>
+                        <m:ctrlPr>
+                          <a:rPr lang="en-US" altLang="zh-TW" sz="2400" i="1">
+                            <a:latin typeface="Cambria Math" panose="02040503050406030204" pitchFamily="18" charset="0"/>
+                            <a:ea typeface="標楷體" panose="03000509000000000000" pitchFamily="65" charset="-120"/>
+                          </a:rPr>
+                        </m:ctrlPr>
+                      </m:sSupPr>
+                      <m:e>
+                        <m:r>
+                          <a:rPr lang="en-US" altLang="zh-TW" sz="2400" i="1">
+                            <a:latin typeface="Cambria Math" panose="02040503050406030204" pitchFamily="18" charset="0"/>
+                            <a:ea typeface="標楷體" panose="03000509000000000000" pitchFamily="65" charset="-120"/>
+                          </a:rPr>
+                          <m:t>𝑛</m:t>
+                        </m:r>
+                      </m:e>
+                      <m:sup>
+                        <m:r>
+                          <a:rPr lang="en-US" altLang="zh-TW" sz="2400" i="1">
+                            <a:latin typeface="Cambria Math" panose="02040503050406030204" pitchFamily="18" charset="0"/>
+                            <a:ea typeface="標楷體" panose="03000509000000000000" pitchFamily="65" charset="-120"/>
+                          </a:rPr>
+                          <m:t>2</m:t>
+                        </m:r>
+                      </m:sup>
+                    </m:sSup>
+                    <m:r>
+                      <a:rPr lang="pt-BR" altLang="zh-TW" sz="2400" i="1" dirty="0">
+                        <a:latin typeface="Cambria Math" panose="02040503050406030204" pitchFamily="18" charset="0"/>
+                        <a:ea typeface="Cambria Math" panose="02040503050406030204" pitchFamily="18" charset="0"/>
+                      </a:rPr>
+                      <m:t>≥</m:t>
+                    </m:r>
+                    <m:r>
+                      <a:rPr lang="en-US" altLang="zh-TW" sz="2400" b="0" i="1" dirty="0" smtClean="0">
+                        <a:latin typeface="Cambria Math" panose="02040503050406030204" pitchFamily="18" charset="0"/>
+                        <a:ea typeface="Cambria Math" panose="02040503050406030204" pitchFamily="18" charset="0"/>
+                      </a:rPr>
+                      <m:t>6∗</m:t>
+                    </m:r>
+                    <m:sSup>
+                      <m:sSupPr>
+                        <m:ctrlPr>
+                          <a:rPr lang="en-US" altLang="zh-TW" sz="2400" i="1">
+                            <a:latin typeface="Cambria Math" panose="02040503050406030204" pitchFamily="18" charset="0"/>
+                            <a:ea typeface="標楷體" panose="03000509000000000000" pitchFamily="65" charset="-120"/>
+                          </a:rPr>
+                        </m:ctrlPr>
+                      </m:sSupPr>
+                      <m:e>
+                        <m:r>
+                          <a:rPr lang="en-US" altLang="zh-TW" sz="2400" i="1">
+                            <a:latin typeface="Cambria Math" panose="02040503050406030204" pitchFamily="18" charset="0"/>
+                            <a:ea typeface="標楷體" panose="03000509000000000000" pitchFamily="65" charset="-120"/>
+                          </a:rPr>
+                          <m:t>2</m:t>
+                        </m:r>
+                      </m:e>
+                      <m:sup>
+                        <m:r>
+                          <a:rPr lang="en-US" altLang="zh-TW" sz="2400" i="1">
+                            <a:latin typeface="Cambria Math" panose="02040503050406030204" pitchFamily="18" charset="0"/>
+                            <a:ea typeface="標楷體" panose="03000509000000000000" pitchFamily="65" charset="-120"/>
+                          </a:rPr>
+                          <m:t>𝑛</m:t>
+                        </m:r>
+                      </m:sup>
+                    </m:sSup>
+                  </m:oMath>
+                </a14:m>
+                <a:r>
+                  <a:rPr lang="zh-TW" altLang="en-US" sz="2400" i="1" dirty="0">
+                    <a:latin typeface="Cambria Math" panose="02040503050406030204" pitchFamily="18" charset="0"/>
+                    <a:ea typeface="標楷體" panose="03000509000000000000" pitchFamily="65" charset="-120"/>
+                  </a:rPr>
+                  <a:t> </a:t>
+                </a:r>
+                <a:r>
+                  <a:rPr lang="en-US" altLang="zh-TW" sz="2400" dirty="0">
+                    <a:latin typeface="Times New Roman" panose="02020603050405020304" pitchFamily="18" charset="0"/>
+                    <a:ea typeface="標楷體" panose="03000509000000000000" pitchFamily="65" charset="-120"/>
+                    <a:cs typeface="Times New Roman" panose="02020603050405020304" pitchFamily="18" charset="0"/>
+                  </a:rPr>
+                  <a:t>for</a:t>
+                </a:r>
+                <a:r>
+                  <a:rPr lang="en-US" altLang="zh-TW" sz="2400" i="1" dirty="0" smtClean="0">
+                    <a:latin typeface="Cambria Math" panose="02040503050406030204" pitchFamily="18" charset="0"/>
+                    <a:ea typeface="標楷體" panose="03000509000000000000" pitchFamily="65" charset="-120"/>
+                  </a:rPr>
+                  <a:t> </a:t>
+                </a:r>
+                <a14:m>
+                  <m:oMath xmlns:m="http://schemas.openxmlformats.org/officeDocument/2006/math">
+                    <m:r>
+                      <a:rPr lang="pt-BR" altLang="zh-TW" sz="2400" i="1" dirty="0">
+                        <a:latin typeface="Cambria Math" panose="02040503050406030204" pitchFamily="18" charset="0"/>
+                        <a:ea typeface="標楷體" panose="03000509000000000000" pitchFamily="65" charset="-120"/>
+                      </a:rPr>
+                      <m:t>𝑛</m:t>
+                    </m:r>
+                    <m:r>
+                      <a:rPr lang="pt-BR" altLang="zh-TW" sz="2400" i="1" dirty="0">
+                        <a:latin typeface="Cambria Math" panose="02040503050406030204" pitchFamily="18" charset="0"/>
+                        <a:ea typeface="標楷體" panose="03000509000000000000" pitchFamily="65" charset="-120"/>
+                      </a:rPr>
+                      <m:t>≥1</m:t>
+                    </m:r>
+                  </m:oMath>
+                </a14:m>
+                <a:endParaRPr lang="zh-TW" altLang="en-US" sz="2400" i="1" dirty="0">
+                  <a:latin typeface="Cambria Math" panose="02040503050406030204" pitchFamily="18" charset="0"/>
+                  <a:ea typeface="標楷體" panose="03000509000000000000" pitchFamily="65" charset="-120"/>
+                </a:endParaRPr>
+              </a:p>
+            </p:txBody>
+          </p:sp>
+        </mc:Choice>
+        <mc:Fallback>
+          <p:sp>
+            <p:nvSpPr>
+              <p:cNvPr id="4" name="文字方塊 3"/>
+              <p:cNvSpPr txBox="1">
+                <a:spLocks noRot="1" noChangeAspect="1" noMove="1" noResize="1" noEditPoints="1" noAdjustHandles="1" noChangeArrowheads="1" noChangeShapeType="1" noTextEdit="1"/>
+              </p:cNvSpPr>
+              <p:nvPr/>
+            </p:nvSpPr>
+            <p:spPr>
+              <a:xfrm>
+                <a:off x="4127501" y="3511296"/>
+                <a:ext cx="4931156" cy="3118803"/>
+              </a:xfrm>
+              <a:prstGeom prst="rect">
+                <a:avLst/>
+              </a:prstGeom>
+              <a:blipFill>
+                <a:blip r:embed="rId4"/>
+                <a:stretch>
+                  <a:fillRect b="-1367"/>
+                </a:stretch>
+              </a:blipFill>
+            </p:spPr>
+            <p:txBody>
+              <a:bodyPr/>
+              <a:lstStyle/>
+              <a:p>
+                <a:r>
+                  <a:rPr lang="zh-TW" altLang="en-US">
+                    <a:noFill/>
+                  </a:rPr>
+                  <a:t> </a:t>
+                </a:r>
+              </a:p>
+            </p:txBody>
+          </p:sp>
+        </mc:Fallback>
+      </mc:AlternateContent>
+    </p:spTree>
+    <p:extLst>
+      <p:ext uri="{BB962C8B-B14F-4D97-AF65-F5344CB8AC3E}">
+        <p14:creationId xmlns:p14="http://schemas.microsoft.com/office/powerpoint/2010/main" val="997777173"/>
+      </p:ext>
+    </p:extLst>
+  </p:cSld>
+  <p:clrMapOvr>
+    <a:masterClrMapping/>
+  </p:clrMapOvr>
+</p:sld>
+</file>
+
+<file path=ppt/slides/slide46.xml><?xml version="1.0" encoding="utf-8"?>
+<p:sld xmlns:a="http://schemas.openxmlformats.org/drawingml/2006/main" xmlns:r="http://schemas.openxmlformats.org/officeDocument/2006/relationships" xmlns:p="http://schemas.openxmlformats.org/presentationml/2006/main">
+  <p:cSld>
+    <p:spTree>
+      <p:nvGrpSpPr>
+        <p:cNvPr id="1" name=""/>
+        <p:cNvGrpSpPr/>
+        <p:nvPr/>
+      </p:nvGrpSpPr>
+      <p:grpSpPr>
+        <a:xfrm>
+          <a:off x="0" y="0"/>
+          <a:ext cx="0" cy="0"/>
+          <a:chOff x="0" y="0"/>
+          <a:chExt cx="0" cy="0"/>
+        </a:xfrm>
+      </p:grpSpPr>
+      <mc:AlternateContent xmlns:mc="http://schemas.openxmlformats.org/markup-compatibility/2006">
+        <mc:Choice xmlns:a14="http://schemas.microsoft.com/office/drawing/2010/main" Requires="a14">
+          <p:sp>
+            <p:nvSpPr>
+              <p:cNvPr id="2" name="標題 1"/>
+              <p:cNvSpPr>
+                <a:spLocks noGrp="1"/>
+              </p:cNvSpPr>
+              <p:nvPr>
+                <p:ph type="title"/>
+              </p:nvPr>
+            </p:nvSpPr>
+            <p:spPr/>
+            <p:txBody>
+              <a:bodyPr/>
+              <a:lstStyle/>
+              <a:p>
+                <a:r>
+                  <a:rPr lang="en-US" altLang="zh-TW" dirty="0"/>
+                  <a:t>Asymptotic Notation (</a:t>
+                </a:r>
+                <a14:m>
+                  <m:oMath xmlns:m="http://schemas.openxmlformats.org/officeDocument/2006/math">
+                    <m:r>
+                      <m:rPr>
+                        <m:sty m:val="p"/>
+                      </m:rPr>
+                      <a:rPr lang="zh-TW" altLang="en-US" i="0">
+                        <a:latin typeface="Cambria Math" panose="02040503050406030204" pitchFamily="18" charset="0"/>
+                      </a:rPr>
+                      <m:t>Θ</m:t>
+                    </m:r>
+                  </m:oMath>
+                </a14:m>
+                <a:r>
+                  <a:rPr lang="en-US" altLang="zh-TW" dirty="0"/>
+                  <a:t>)</a:t>
+                </a:r>
+                <a:endParaRPr lang="zh-TW" altLang="en-US" dirty="0"/>
+              </a:p>
+            </p:txBody>
+          </p:sp>
+        </mc:Choice>
+        <mc:Fallback>
+          <p:sp>
+            <p:nvSpPr>
+              <p:cNvPr id="2" name="標題 1"/>
+              <p:cNvSpPr>
+                <a:spLocks noGrp="1" noRot="1" noChangeAspect="1" noMove="1" noResize="1" noEditPoints="1" noAdjustHandles="1" noChangeArrowheads="1" noChangeShapeType="1" noTextEdit="1"/>
+              </p:cNvSpPr>
+              <p:nvPr>
+                <p:ph type="title"/>
+              </p:nvPr>
+            </p:nvSpPr>
+            <p:spPr>
+              <a:blipFill>
+                <a:blip r:embed="rId3"/>
+                <a:stretch>
+                  <a:fillRect l="-3091"/>
+                </a:stretch>
+              </a:blipFill>
+            </p:spPr>
+            <p:txBody>
+              <a:bodyPr/>
+              <a:lstStyle/>
+              <a:p>
+                <a:r>
+                  <a:rPr lang="zh-TW" altLang="en-US">
+                    <a:noFill/>
+                  </a:rPr>
+                  <a:t> </a:t>
+                </a:r>
+              </a:p>
+            </p:txBody>
+          </p:sp>
+        </mc:Fallback>
+      </mc:AlternateContent>
+      <mc:AlternateContent xmlns:mc="http://schemas.openxmlformats.org/markup-compatibility/2006">
+        <mc:Choice xmlns:a14="http://schemas.microsoft.com/office/drawing/2010/main" Requires="a14">
+          <p:sp>
+            <p:nvSpPr>
+              <p:cNvPr id="3" name="內容版面配置區 2"/>
+              <p:cNvSpPr>
+                <a:spLocks noGrp="1"/>
+              </p:cNvSpPr>
+              <p:nvPr>
+                <p:ph idx="1"/>
+              </p:nvPr>
+            </p:nvSpPr>
+            <p:spPr/>
+            <p:txBody>
+              <a:bodyPr>
+                <a:normAutofit/>
+              </a:bodyPr>
+              <a:lstStyle/>
+              <a:p>
+                <a:r>
+                  <a:rPr lang="en-US" altLang="zh-TW" dirty="0" smtClean="0">
+                    <a:latin typeface="Times New Roman" panose="02020603050405020304" pitchFamily="18" charset="0"/>
+                  </a:rPr>
+                  <a:t>Definition</a:t>
+                </a:r>
+              </a:p>
+              <a:p>
+                <a:pPr marL="457200" lvl="1" indent="0">
+                  <a:buNone/>
+                </a:pPr>
+                <a14:m>
+                  <m:oMath xmlns:m="http://schemas.openxmlformats.org/officeDocument/2006/math">
+                    <m:r>
+                      <a:rPr lang="en-US" altLang="zh-TW" sz="2000" i="1">
+                        <a:latin typeface="Cambria Math" panose="02040503050406030204" pitchFamily="18" charset="0"/>
+                      </a:rPr>
+                      <m:t>𝑓</m:t>
+                    </m:r>
+                    <m:d>
+                      <m:dPr>
+                        <m:ctrlPr>
+                          <a:rPr lang="en-US" altLang="zh-TW" sz="2000" i="1">
+                            <a:latin typeface="Cambria Math" panose="02040503050406030204" pitchFamily="18" charset="0"/>
+                          </a:rPr>
+                        </m:ctrlPr>
+                      </m:dPr>
+                      <m:e>
+                        <m:r>
+                          <a:rPr lang="en-US" altLang="zh-TW" sz="2000" i="1">
+                            <a:latin typeface="Cambria Math" panose="02040503050406030204" pitchFamily="18" charset="0"/>
+                          </a:rPr>
+                          <m:t>𝑛</m:t>
+                        </m:r>
+                      </m:e>
+                    </m:d>
+                    <m:r>
+                      <a:rPr lang="en-US" altLang="zh-TW" sz="2000" i="1">
+                        <a:latin typeface="Cambria Math" panose="02040503050406030204" pitchFamily="18" charset="0"/>
+                      </a:rPr>
+                      <m:t>=</m:t>
+                    </m:r>
+                    <m:r>
+                      <a:rPr lang="zh-TW" altLang="en-US" sz="2000" i="1">
+                        <a:latin typeface="Cambria Math" panose="02040503050406030204" pitchFamily="18" charset="0"/>
+                      </a:rPr>
+                      <m:t>𝛩</m:t>
+                    </m:r>
+                    <m:d>
+                      <m:dPr>
+                        <m:ctrlPr>
+                          <a:rPr lang="en-US" altLang="zh-TW" sz="2000" i="1">
+                            <a:latin typeface="Cambria Math" panose="02040503050406030204" pitchFamily="18" charset="0"/>
+                          </a:rPr>
+                        </m:ctrlPr>
+                      </m:dPr>
+                      <m:e>
+                        <m:r>
+                          <a:rPr lang="en-US" altLang="zh-TW" sz="2000" i="1">
+                            <a:latin typeface="Cambria Math" panose="02040503050406030204" pitchFamily="18" charset="0"/>
+                          </a:rPr>
+                          <m:t>𝑔</m:t>
+                        </m:r>
+                        <m:d>
+                          <m:dPr>
+                            <m:ctrlPr>
+                              <a:rPr lang="en-US" altLang="zh-TW" sz="2000" i="1">
+                                <a:latin typeface="Cambria Math" panose="02040503050406030204" pitchFamily="18" charset="0"/>
+                              </a:rPr>
+                            </m:ctrlPr>
+                          </m:dPr>
+                          <m:e>
+                            <m:r>
+                              <a:rPr lang="en-US" altLang="zh-TW" sz="2000" i="1">
+                                <a:latin typeface="Cambria Math" panose="02040503050406030204" pitchFamily="18" charset="0"/>
+                              </a:rPr>
+                              <m:t>𝑛</m:t>
+                            </m:r>
+                          </m:e>
+                        </m:d>
+                      </m:e>
+                    </m:d>
+                  </m:oMath>
+                </a14:m>
+                <a:r>
+                  <a:rPr lang="en-US" altLang="zh-TW" sz="2000" dirty="0">
+                    <a:latin typeface="Times New Roman" panose="02020603050405020304" pitchFamily="18" charset="0"/>
+                  </a:rPr>
+                  <a:t> iff</a:t>
+                </a:r>
+                <a:r>
+                  <a:rPr lang="en-US" altLang="zh-TW" sz="2000" dirty="0">
+                    <a:latin typeface="Times New Roman" panose="02020603050405020304" pitchFamily="18" charset="0"/>
+                  </a:rPr>
+                  <a:t> there exist positive </a:t>
+                </a:r>
+                <a:r>
+                  <a:rPr lang="en-US" altLang="zh-TW" sz="2000" dirty="0" smtClean="0">
+                    <a:latin typeface="Times New Roman" panose="02020603050405020304" pitchFamily="18" charset="0"/>
+                  </a:rPr>
+                  <a:t>constants </a:t>
+                </a:r>
+                <a14:m>
+                  <m:oMath xmlns:m="http://schemas.openxmlformats.org/officeDocument/2006/math">
+                    <m:sSub>
+                      <m:sSubPr>
+                        <m:ctrlPr>
+                          <a:rPr lang="en-US" altLang="zh-TW" sz="2000" i="1">
+                            <a:latin typeface="Cambria Math" panose="02040503050406030204" pitchFamily="18" charset="0"/>
+                          </a:rPr>
+                        </m:ctrlPr>
+                      </m:sSubPr>
+                      <m:e>
+                        <m:r>
+                          <a:rPr lang="en-US" altLang="zh-TW" sz="2000" i="1">
+                            <a:latin typeface="Cambria Math" panose="02040503050406030204" pitchFamily="18" charset="0"/>
+                          </a:rPr>
+                          <m:t>𝑐</m:t>
+                        </m:r>
+                      </m:e>
+                      <m:sub>
+                        <m:r>
+                          <a:rPr lang="en-US" altLang="zh-TW" sz="2000" i="1">
+                            <a:latin typeface="Cambria Math" panose="02040503050406030204" pitchFamily="18" charset="0"/>
+                          </a:rPr>
+                          <m:t>1</m:t>
+                        </m:r>
+                      </m:sub>
+                    </m:sSub>
+                    <m:r>
+                      <a:rPr lang="en-US" altLang="zh-TW" sz="2000" i="1">
+                        <a:latin typeface="Cambria Math" panose="02040503050406030204" pitchFamily="18" charset="0"/>
+                      </a:rPr>
+                      <m:t>,</m:t>
+                    </m:r>
+                    <m:sSub>
+                      <m:sSubPr>
+                        <m:ctrlPr>
+                          <a:rPr lang="en-US" altLang="zh-TW" sz="2000" i="1">
+                            <a:latin typeface="Cambria Math" panose="02040503050406030204" pitchFamily="18" charset="0"/>
+                          </a:rPr>
+                        </m:ctrlPr>
+                      </m:sSubPr>
+                      <m:e>
+                        <m:r>
+                          <a:rPr lang="en-US" altLang="zh-TW" sz="2000" i="1">
+                            <a:latin typeface="Cambria Math" panose="02040503050406030204" pitchFamily="18" charset="0"/>
+                          </a:rPr>
+                          <m:t>𝑐</m:t>
+                        </m:r>
+                      </m:e>
+                      <m:sub>
+                        <m:r>
+                          <a:rPr lang="en-US" altLang="zh-TW" sz="2000" i="1">
+                            <a:latin typeface="Cambria Math" panose="02040503050406030204" pitchFamily="18" charset="0"/>
+                          </a:rPr>
+                          <m:t>2</m:t>
+                        </m:r>
+                      </m:sub>
+                    </m:sSub>
+                  </m:oMath>
+                </a14:m>
+                <a:r>
+                  <a:rPr lang="en-US" altLang="zh-TW" sz="2000" dirty="0" smtClean="0">
+                    <a:latin typeface="Times New Roman" panose="02020603050405020304" pitchFamily="18" charset="0"/>
+                  </a:rPr>
+                  <a:t> and </a:t>
+                </a:r>
+                <a14:m>
+                  <m:oMath xmlns:m="http://schemas.openxmlformats.org/officeDocument/2006/math">
+                    <m:sSub>
+                      <m:sSubPr>
+                        <m:ctrlPr>
+                          <a:rPr lang="en-US" altLang="zh-TW" sz="2000" i="1">
+                            <a:latin typeface="Cambria Math" panose="02040503050406030204" pitchFamily="18" charset="0"/>
+                          </a:rPr>
+                        </m:ctrlPr>
+                      </m:sSubPr>
+                      <m:e>
+                        <m:r>
+                          <a:rPr lang="en-US" altLang="zh-TW" sz="2000" i="1">
+                            <a:latin typeface="Cambria Math" panose="02040503050406030204" pitchFamily="18" charset="0"/>
+                          </a:rPr>
+                          <m:t> </m:t>
+                        </m:r>
+                        <m:r>
+                          <a:rPr lang="en-US" altLang="zh-TW" sz="2000" i="1">
+                            <a:latin typeface="Cambria Math" panose="02040503050406030204" pitchFamily="18" charset="0"/>
+                          </a:rPr>
+                          <m:t>𝑛</m:t>
+                        </m:r>
+                      </m:e>
+                      <m:sub>
+                        <m:r>
+                          <a:rPr lang="en-US" altLang="zh-TW" sz="2000" i="1">
+                            <a:latin typeface="Cambria Math" panose="02040503050406030204" pitchFamily="18" charset="0"/>
+                          </a:rPr>
+                          <m:t>0</m:t>
+                        </m:r>
+                      </m:sub>
+                    </m:sSub>
+                  </m:oMath>
+                </a14:m>
+                <a:r>
+                  <a:rPr lang="en-US" altLang="zh-TW" sz="2000" dirty="0" smtClean="0">
+                    <a:latin typeface="Times New Roman" panose="02020603050405020304" pitchFamily="18" charset="0"/>
+                  </a:rPr>
+                  <a:t> such </a:t>
+                </a:r>
+                <a:r>
+                  <a:rPr lang="en-US" altLang="zh-TW" sz="2000" dirty="0">
+                    <a:latin typeface="Times New Roman" panose="02020603050405020304" pitchFamily="18" charset="0"/>
+                  </a:rPr>
+                  <a:t>that</a:t>
+                </a:r>
+              </a:p>
+              <a:p>
+                <a:pPr marL="457200" lvl="1" indent="0">
+                  <a:buNone/>
+                </a:pPr>
+                <a14:m>
+                  <m:oMath xmlns:m="http://schemas.openxmlformats.org/officeDocument/2006/math">
+                    <m:sSub>
+                      <m:sSubPr>
+                        <m:ctrlPr>
+                          <a:rPr lang="en-US" altLang="zh-TW" sz="2000" i="1">
+                            <a:latin typeface="Cambria Math" panose="02040503050406030204" pitchFamily="18" charset="0"/>
+                          </a:rPr>
+                        </m:ctrlPr>
+                      </m:sSubPr>
+                      <m:e>
+                        <m:r>
+                          <a:rPr lang="en-US" altLang="zh-TW" sz="2000" i="1">
+                            <a:latin typeface="Cambria Math" panose="02040503050406030204" pitchFamily="18" charset="0"/>
+                          </a:rPr>
+                          <m:t>𝑐</m:t>
+                        </m:r>
+                      </m:e>
+                      <m:sub>
+                        <m:r>
+                          <a:rPr lang="en-US" altLang="zh-TW" sz="2000" i="1">
+                            <a:latin typeface="Cambria Math" panose="02040503050406030204" pitchFamily="18" charset="0"/>
+                          </a:rPr>
+                          <m:t>1</m:t>
+                        </m:r>
+                      </m:sub>
+                    </m:sSub>
+                    <m:r>
+                      <a:rPr lang="en-US" altLang="zh-TW" sz="2000" i="1" dirty="0">
+                        <a:latin typeface="Cambria Math" panose="02040503050406030204" pitchFamily="18" charset="0"/>
+                        <a:ea typeface="Cambria Math" panose="02040503050406030204" pitchFamily="18" charset="0"/>
+                      </a:rPr>
+                      <m:t>𝑔</m:t>
+                    </m:r>
+                    <m:d>
+                      <m:dPr>
+                        <m:ctrlPr>
+                          <a:rPr lang="en-US" altLang="zh-TW" sz="2000" i="1" dirty="0">
+                            <a:latin typeface="Cambria Math" panose="02040503050406030204" pitchFamily="18" charset="0"/>
+                            <a:ea typeface="Cambria Math" panose="02040503050406030204" pitchFamily="18" charset="0"/>
+                          </a:rPr>
+                        </m:ctrlPr>
+                      </m:dPr>
+                      <m:e>
+                        <m:r>
+                          <a:rPr lang="en-US" altLang="zh-TW" sz="2000" i="1" dirty="0">
+                            <a:latin typeface="Cambria Math" panose="02040503050406030204" pitchFamily="18" charset="0"/>
+                            <a:ea typeface="Cambria Math" panose="02040503050406030204" pitchFamily="18" charset="0"/>
+                          </a:rPr>
+                          <m:t>𝑛</m:t>
+                        </m:r>
+                      </m:e>
+                    </m:d>
+                    <m:r>
+                      <a:rPr lang="zh-TW" altLang="en-US" sz="2000" i="1" dirty="0">
+                        <a:latin typeface="Cambria Math" panose="02040503050406030204" pitchFamily="18" charset="0"/>
+                      </a:rPr>
+                      <m:t>≤</m:t>
+                    </m:r>
+                    <m:r>
+                      <a:rPr lang="en-US" altLang="zh-TW" sz="2000" i="1" dirty="0">
+                        <a:latin typeface="Cambria Math" panose="02040503050406030204" pitchFamily="18" charset="0"/>
+                      </a:rPr>
+                      <m:t>𝑓</m:t>
+                    </m:r>
+                    <m:d>
+                      <m:dPr>
+                        <m:ctrlPr>
+                          <a:rPr lang="en-US" altLang="zh-TW" sz="2000" i="1" dirty="0">
+                            <a:latin typeface="Cambria Math" panose="02040503050406030204" pitchFamily="18" charset="0"/>
+                          </a:rPr>
+                        </m:ctrlPr>
+                      </m:dPr>
+                      <m:e>
+                        <m:r>
+                          <a:rPr lang="en-US" altLang="zh-TW" sz="2000" i="1" dirty="0">
+                            <a:latin typeface="Cambria Math" panose="02040503050406030204" pitchFamily="18" charset="0"/>
+                          </a:rPr>
+                          <m:t>𝑛</m:t>
+                        </m:r>
+                      </m:e>
+                    </m:d>
+                    <m:r>
+                      <a:rPr lang="en-US" altLang="zh-TW" sz="2000" i="1" dirty="0">
+                        <a:latin typeface="Cambria Math" panose="02040503050406030204" pitchFamily="18" charset="0"/>
+                        <a:ea typeface="Cambria Math" panose="02040503050406030204" pitchFamily="18" charset="0"/>
+                      </a:rPr>
+                      <m:t>≤</m:t>
+                    </m:r>
+                    <m:sSub>
+                      <m:sSubPr>
+                        <m:ctrlPr>
+                          <a:rPr lang="en-US" altLang="zh-TW" sz="2000" i="1">
+                            <a:latin typeface="Cambria Math" panose="02040503050406030204" pitchFamily="18" charset="0"/>
+                          </a:rPr>
+                        </m:ctrlPr>
+                      </m:sSubPr>
+                      <m:e>
+                        <m:r>
+                          <a:rPr lang="en-US" altLang="zh-TW" sz="2000" i="1">
+                            <a:latin typeface="Cambria Math" panose="02040503050406030204" pitchFamily="18" charset="0"/>
+                          </a:rPr>
+                          <m:t>𝑐</m:t>
+                        </m:r>
+                      </m:e>
+                      <m:sub>
+                        <m:r>
+                          <a:rPr lang="en-US" altLang="zh-TW" sz="2000" i="1">
+                            <a:latin typeface="Cambria Math" panose="02040503050406030204" pitchFamily="18" charset="0"/>
+                          </a:rPr>
+                          <m:t>2</m:t>
+                        </m:r>
+                      </m:sub>
+                    </m:sSub>
+                    <m:r>
+                      <a:rPr lang="en-US" altLang="zh-TW" sz="2000" i="1" dirty="0">
+                        <a:latin typeface="Cambria Math" panose="02040503050406030204" pitchFamily="18" charset="0"/>
+                        <a:ea typeface="Cambria Math" panose="02040503050406030204" pitchFamily="18" charset="0"/>
+                      </a:rPr>
+                      <m:t>𝑔</m:t>
+                    </m:r>
+                    <m:d>
+                      <m:dPr>
+                        <m:ctrlPr>
+                          <a:rPr lang="en-US" altLang="zh-TW" sz="2000" i="1" dirty="0">
+                            <a:latin typeface="Cambria Math" panose="02040503050406030204" pitchFamily="18" charset="0"/>
+                            <a:ea typeface="Cambria Math" panose="02040503050406030204" pitchFamily="18" charset="0"/>
+                          </a:rPr>
+                        </m:ctrlPr>
+                      </m:dPr>
+                      <m:e>
+                        <m:r>
+                          <a:rPr lang="en-US" altLang="zh-TW" sz="2000" i="1" dirty="0">
+                            <a:latin typeface="Cambria Math" panose="02040503050406030204" pitchFamily="18" charset="0"/>
+                            <a:ea typeface="Cambria Math" panose="02040503050406030204" pitchFamily="18" charset="0"/>
+                          </a:rPr>
+                          <m:t>𝑛</m:t>
+                        </m:r>
+                      </m:e>
+                    </m:d>
+                    <m:r>
+                      <a:rPr lang="en-US" altLang="zh-TW" sz="2000" i="1" dirty="0">
+                        <a:latin typeface="Cambria Math" panose="02040503050406030204" pitchFamily="18" charset="0"/>
+                        <a:ea typeface="Cambria Math" panose="02040503050406030204" pitchFamily="18" charset="0"/>
+                      </a:rPr>
+                      <m:t>, </m:t>
+                    </m:r>
+                  </m:oMath>
+                </a14:m>
+                <a:r>
+                  <a:rPr lang="en-US" altLang="zh-TW" sz="2000" dirty="0" smtClean="0">
+                    <a:solidFill>
+                      <a:schemeClr val="tx1"/>
+                    </a:solidFill>
+                    <a:latin typeface="Times New Roman" panose="02020603050405020304" pitchFamily="18" charset="0"/>
+                    <a:ea typeface="Cambria Math" panose="02040503050406030204" pitchFamily="18" charset="0"/>
+                    <a:cs typeface="Times New Roman" panose="02020603050405020304" pitchFamily="18" charset="0"/>
+                  </a:rPr>
+                  <a:t>for all </a:t>
+                </a:r>
+                <a14:m>
+                  <m:oMath xmlns:m="http://schemas.openxmlformats.org/officeDocument/2006/math">
+                    <m:r>
+                      <a:rPr lang="pt-BR" altLang="zh-TW" sz="2000" i="1" dirty="0">
+                        <a:latin typeface="Cambria Math" panose="02040503050406030204" pitchFamily="18" charset="0"/>
+                        <a:ea typeface="Cambria Math" panose="02040503050406030204" pitchFamily="18" charset="0"/>
+                      </a:rPr>
+                      <m:t>𝑛</m:t>
+                    </m:r>
+                    <m:r>
+                      <a:rPr lang="pt-BR" altLang="zh-TW" sz="2000" i="1" dirty="0">
+                        <a:latin typeface="Cambria Math" panose="02040503050406030204" pitchFamily="18" charset="0"/>
+                        <a:ea typeface="Cambria Math" panose="02040503050406030204" pitchFamily="18" charset="0"/>
+                      </a:rPr>
+                      <m:t>, </m:t>
+                    </m:r>
+                    <m:r>
+                      <a:rPr lang="pt-BR" altLang="zh-TW" sz="2000" i="1" dirty="0">
+                        <a:latin typeface="Cambria Math" panose="02040503050406030204" pitchFamily="18" charset="0"/>
+                        <a:ea typeface="Cambria Math" panose="02040503050406030204" pitchFamily="18" charset="0"/>
+                      </a:rPr>
+                      <m:t>𝑛</m:t>
+                    </m:r>
+                    <m:r>
+                      <a:rPr lang="pt-BR" altLang="zh-TW" sz="2000" i="1" dirty="0">
+                        <a:latin typeface="Cambria Math" panose="02040503050406030204" pitchFamily="18" charset="0"/>
+                        <a:ea typeface="Cambria Math" panose="02040503050406030204" pitchFamily="18" charset="0"/>
+                      </a:rPr>
+                      <m:t>≥</m:t>
+                    </m:r>
+                    <m:sSub>
+                      <m:sSubPr>
+                        <m:ctrlPr>
+                          <a:rPr lang="en-US" altLang="zh-TW" sz="2000" i="1">
+                            <a:latin typeface="Cambria Math" panose="02040503050406030204" pitchFamily="18" charset="0"/>
+                          </a:rPr>
+                        </m:ctrlPr>
+                      </m:sSubPr>
+                      <m:e>
+                        <m:r>
+                          <a:rPr lang="en-US" altLang="zh-TW" sz="2000" i="1">
+                            <a:latin typeface="Cambria Math" panose="02040503050406030204" pitchFamily="18" charset="0"/>
+                          </a:rPr>
+                          <m:t> </m:t>
+                        </m:r>
+                        <m:r>
+                          <a:rPr lang="en-US" altLang="zh-TW" sz="2000" i="1">
+                            <a:latin typeface="Cambria Math" panose="02040503050406030204" pitchFamily="18" charset="0"/>
+                          </a:rPr>
+                          <m:t>𝑛</m:t>
+                        </m:r>
+                      </m:e>
+                      <m:sub>
+                        <m:r>
+                          <a:rPr lang="en-US" altLang="zh-TW" sz="2000" i="1">
+                            <a:latin typeface="Cambria Math" panose="02040503050406030204" pitchFamily="18" charset="0"/>
+                          </a:rPr>
+                          <m:t>0</m:t>
+                        </m:r>
+                      </m:sub>
+                    </m:sSub>
+                  </m:oMath>
+                </a14:m>
+                <a:r>
+                  <a:rPr lang="en-US" altLang="zh-TW" sz="2000" i="1" dirty="0" smtClean="0">
+                    <a:solidFill>
+                      <a:schemeClr val="tx1"/>
+                    </a:solidFill>
+                    <a:latin typeface="Cambria Math" panose="02040503050406030204" pitchFamily="18" charset="0"/>
+                    <a:ea typeface="Cambria Math" panose="02040503050406030204" pitchFamily="18" charset="0"/>
+                  </a:rPr>
+                  <a:t>.</a:t>
+                </a:r>
+              </a:p>
+              <a:p>
+                <a:r>
+                  <a:rPr lang="en-US" altLang="zh-TW" dirty="0" smtClean="0">
+                    <a:latin typeface="Times New Roman" panose="02020603050405020304" pitchFamily="18" charset="0"/>
+                  </a:rPr>
+                  <a:t>Examples</a:t>
+                </a:r>
+              </a:p>
+              <a:p>
+                <a:pPr lvl="1">
+                  <a:lnSpc>
+                    <a:spcPct val="100000"/>
+                  </a:lnSpc>
+                </a:pPr>
+                <a14:m>
+                  <m:oMath xmlns:m="http://schemas.openxmlformats.org/officeDocument/2006/math">
+                    <m:r>
+                      <a:rPr lang="en-US" altLang="zh-TW" i="1">
+                        <a:latin typeface="Cambria Math" panose="02040503050406030204" pitchFamily="18" charset="0"/>
+                      </a:rPr>
+                      <m:t>3</m:t>
+                    </m:r>
+                    <m:r>
+                      <a:rPr lang="en-US" altLang="zh-TW" i="1">
+                        <a:latin typeface="Cambria Math" panose="02040503050406030204" pitchFamily="18" charset="0"/>
+                      </a:rPr>
+                      <m:t>𝑛</m:t>
+                    </m:r>
+                    <m:r>
+                      <a:rPr lang="en-US" altLang="zh-TW" i="1">
+                        <a:latin typeface="Cambria Math" panose="02040503050406030204" pitchFamily="18" charset="0"/>
+                      </a:rPr>
+                      <m:t>+2=</m:t>
+                    </m:r>
+                    <m:r>
+                      <a:rPr lang="zh-TW" altLang="en-US" i="1">
+                        <a:latin typeface="Cambria Math" panose="02040503050406030204" pitchFamily="18" charset="0"/>
+                      </a:rPr>
+                      <m:t>𝛩</m:t>
+                    </m:r>
+                    <m:r>
+                      <a:rPr lang="en-US" altLang="zh-TW" i="1">
+                        <a:latin typeface="Cambria Math" panose="02040503050406030204" pitchFamily="18" charset="0"/>
+                      </a:rPr>
+                      <m:t>(</m:t>
+                    </m:r>
+                    <m:r>
+                      <a:rPr lang="en-US" altLang="zh-TW" i="1">
+                        <a:latin typeface="Cambria Math" panose="02040503050406030204" pitchFamily="18" charset="0"/>
+                      </a:rPr>
+                      <m:t>𝑛</m:t>
+                    </m:r>
+                    <m:r>
+                      <a:rPr lang="en-US" altLang="zh-TW" i="1">
+                        <a:latin typeface="Cambria Math" panose="02040503050406030204" pitchFamily="18" charset="0"/>
+                      </a:rPr>
+                      <m:t>)</m:t>
+                    </m:r>
+                  </m:oMath>
+                </a14:m>
+                <a:endParaRPr lang="en-US" altLang="zh-TW" dirty="0" smtClean="0">
+                  <a:latin typeface="Times New Roman" panose="02020603050405020304" pitchFamily="18" charset="0"/>
+                </a:endParaRPr>
+              </a:p>
+              <a:p>
+                <a:pPr marL="457200" lvl="1" indent="0">
+                  <a:lnSpc>
+                    <a:spcPct val="100000"/>
+                  </a:lnSpc>
+                  <a:buNone/>
+                </a:pPr>
+                <a:r>
+                  <a:rPr lang="pt-BR" altLang="zh-TW" sz="1800" dirty="0" smtClean="0"/>
+                  <a:t>	</a:t>
+                </a:r>
+                <a14:m>
+                  <m:oMath xmlns:m="http://schemas.openxmlformats.org/officeDocument/2006/math">
+                    <m:r>
+                      <a:rPr lang="pt-BR" altLang="zh-TW" sz="1800" i="1" dirty="0">
+                        <a:latin typeface="Cambria Math" panose="02040503050406030204" pitchFamily="18" charset="0"/>
+                      </a:rPr>
+                      <m:t>3</m:t>
+                    </m:r>
+                    <m:r>
+                      <a:rPr lang="pt-BR" altLang="zh-TW" sz="1800" i="1" dirty="0">
+                        <a:latin typeface="Cambria Math" panose="02040503050406030204" pitchFamily="18" charset="0"/>
+                      </a:rPr>
+                      <m:t>𝑛</m:t>
+                    </m:r>
+                    <m:r>
+                      <a:rPr lang="pt-BR" altLang="zh-TW" sz="1800" i="1" dirty="0">
+                        <a:latin typeface="Cambria Math" panose="02040503050406030204" pitchFamily="18" charset="0"/>
+                      </a:rPr>
+                      <m:t>+2≥3</m:t>
+                    </m:r>
+                    <m:r>
+                      <a:rPr lang="pt-BR" altLang="zh-TW" sz="1800" i="1" dirty="0">
+                        <a:latin typeface="Cambria Math" panose="02040503050406030204" pitchFamily="18" charset="0"/>
+                      </a:rPr>
+                      <m:t>𝑛</m:t>
+                    </m:r>
+                  </m:oMath>
+                </a14:m>
+                <a:r>
+                  <a:rPr lang="zh-TW" altLang="en-US" sz="1800" i="1" dirty="0">
+                    <a:latin typeface="Cambria Math" panose="02040503050406030204" pitchFamily="18" charset="0"/>
+                  </a:rPr>
+                  <a:t> </a:t>
+                </a:r>
+                <a:r>
+                  <a:rPr lang="en-US" altLang="zh-TW" sz="1800" dirty="0">
+                    <a:latin typeface="Times New Roman" panose="02020603050405020304" pitchFamily="18" charset="0"/>
+                    <a:cs typeface="Times New Roman" panose="02020603050405020304" pitchFamily="18" charset="0"/>
+                  </a:rPr>
+                  <a:t>for all</a:t>
+                </a:r>
+                <a:r>
+                  <a:rPr lang="en-US" altLang="zh-TW" sz="1800" i="1" dirty="0">
+                    <a:latin typeface="Cambria Math" panose="02040503050406030204" pitchFamily="18" charset="0"/>
+                  </a:rPr>
+                  <a:t> </a:t>
+                </a:r>
+                <a14:m>
+                  <m:oMath xmlns:m="http://schemas.openxmlformats.org/officeDocument/2006/math">
+                    <m:r>
+                      <a:rPr lang="pt-BR" altLang="zh-TW" sz="1800" i="1" dirty="0">
+                        <a:latin typeface="Cambria Math" panose="02040503050406030204" pitchFamily="18" charset="0"/>
+                      </a:rPr>
+                      <m:t>𝑛</m:t>
+                    </m:r>
+                    <m:r>
+                      <a:rPr lang="pt-BR" altLang="zh-TW" sz="1800" i="1" dirty="0">
+                        <a:latin typeface="Cambria Math" panose="02040503050406030204" pitchFamily="18" charset="0"/>
+                      </a:rPr>
+                      <m:t>≥2</m:t>
+                    </m:r>
+                  </m:oMath>
+                </a14:m>
+                <a:r>
+                  <a:rPr lang="zh-TW" altLang="en-US" sz="1800" i="1" dirty="0">
+                    <a:latin typeface="Cambria Math" panose="02040503050406030204" pitchFamily="18" charset="0"/>
+                  </a:rPr>
+                  <a:t> </a:t>
+                </a:r>
+                <a:r>
+                  <a:rPr lang="en-US" altLang="zh-TW" sz="1800" dirty="0">
+                    <a:latin typeface="Cambria Math" panose="02040503050406030204" pitchFamily="18" charset="0"/>
+                  </a:rPr>
+                  <a:t>and </a:t>
+                </a:r>
+                <a14:m>
+                  <m:oMath xmlns:m="http://schemas.openxmlformats.org/officeDocument/2006/math">
+                    <m:r>
+                      <a:rPr lang="pt-BR" altLang="zh-TW" sz="1800" i="1" dirty="0">
+                        <a:latin typeface="Cambria Math" panose="02040503050406030204" pitchFamily="18" charset="0"/>
+                      </a:rPr>
+                      <m:t>3</m:t>
+                    </m:r>
+                    <m:r>
+                      <a:rPr lang="pt-BR" altLang="zh-TW" sz="1800" i="1" dirty="0">
+                        <a:latin typeface="Cambria Math" panose="02040503050406030204" pitchFamily="18" charset="0"/>
+                      </a:rPr>
+                      <m:t>𝑛</m:t>
+                    </m:r>
+                    <m:r>
+                      <a:rPr lang="pt-BR" altLang="zh-TW" sz="1800" i="1" dirty="0">
+                        <a:latin typeface="Cambria Math" panose="02040503050406030204" pitchFamily="18" charset="0"/>
+                      </a:rPr>
+                      <m:t>+2≤4</m:t>
+                    </m:r>
+                    <m:r>
+                      <a:rPr lang="pt-BR" altLang="zh-TW" sz="1800" i="1" dirty="0">
+                        <a:latin typeface="Cambria Math" panose="02040503050406030204" pitchFamily="18" charset="0"/>
+                      </a:rPr>
+                      <m:t>𝑛</m:t>
+                    </m:r>
+                  </m:oMath>
+                </a14:m>
+                <a:r>
+                  <a:rPr lang="zh-TW" altLang="en-US" sz="1800" i="1" dirty="0">
+                    <a:latin typeface="Cambria Math" panose="02040503050406030204" pitchFamily="18" charset="0"/>
+                  </a:rPr>
+                  <a:t> </a:t>
+                </a:r>
+                <a:r>
+                  <a:rPr lang="en-US" altLang="zh-TW" sz="1800" dirty="0">
+                    <a:latin typeface="Times New Roman" panose="02020603050405020304" pitchFamily="18" charset="0"/>
+                    <a:cs typeface="Times New Roman" panose="02020603050405020304" pitchFamily="18" charset="0"/>
+                  </a:rPr>
+                  <a:t>for all</a:t>
+                </a:r>
+                <a:r>
+                  <a:rPr lang="en-US" altLang="zh-TW" sz="1800" i="1" dirty="0">
+                    <a:latin typeface="Cambria Math" panose="02040503050406030204" pitchFamily="18" charset="0"/>
+                  </a:rPr>
+                  <a:t> </a:t>
+                </a:r>
+                <a14:m>
+                  <m:oMath xmlns:m="http://schemas.openxmlformats.org/officeDocument/2006/math">
+                    <m:r>
+                      <a:rPr lang="pt-BR" altLang="zh-TW" sz="1800" i="1" dirty="0">
+                        <a:latin typeface="Cambria Math" panose="02040503050406030204" pitchFamily="18" charset="0"/>
+                      </a:rPr>
+                      <m:t>𝑛</m:t>
+                    </m:r>
+                    <m:r>
+                      <a:rPr lang="pt-BR" altLang="zh-TW" sz="1800" i="1" dirty="0">
+                        <a:latin typeface="Cambria Math" panose="02040503050406030204" pitchFamily="18" charset="0"/>
+                      </a:rPr>
+                      <m:t>≥2</m:t>
+                    </m:r>
+                  </m:oMath>
+                </a14:m>
+                <a:r>
+                  <a:rPr lang="en-US" altLang="zh-TW" sz="1800" dirty="0">
+                    <a:latin typeface="Cambria Math" panose="02040503050406030204" pitchFamily="18" charset="0"/>
+                  </a:rPr>
+                  <a:t>, </a:t>
+                </a:r>
+                <a:endParaRPr lang="en-US" altLang="zh-TW" sz="1800" dirty="0" smtClean="0">
+                  <a:latin typeface="Cambria Math" panose="02040503050406030204" pitchFamily="18" charset="0"/>
+                </a:endParaRPr>
+              </a:p>
+              <a:p>
+                <a:pPr marL="457200" lvl="1" indent="0">
+                  <a:lnSpc>
+                    <a:spcPct val="100000"/>
+                  </a:lnSpc>
+                  <a:buNone/>
+                </a:pPr>
+                <a:r>
+                  <a:rPr lang="en-US" altLang="zh-TW" sz="1800" dirty="0" smtClean="0">
+                    <a:latin typeface="Cambria Math" panose="02040503050406030204" pitchFamily="18" charset="0"/>
+                  </a:rPr>
+                  <a:t>	so </a:t>
+                </a:r>
+                <a:r>
+                  <a:rPr lang="zh-TW" altLang="en-US" sz="1800" i="1" dirty="0" smtClean="0">
+                    <a:latin typeface="Cambria Math" panose="02040503050406030204" pitchFamily="18" charset="0"/>
+                  </a:rPr>
+                  <a:t> </a:t>
+                </a:r>
+                <a14:m>
+                  <m:oMath xmlns:m="http://schemas.openxmlformats.org/officeDocument/2006/math">
+                    <m:sSub>
+                      <m:sSubPr>
+                        <m:ctrlPr>
+                          <a:rPr lang="en-US" altLang="zh-TW" sz="1800" i="1">
+                            <a:latin typeface="Cambria Math" panose="02040503050406030204" pitchFamily="18" charset="0"/>
+                          </a:rPr>
+                        </m:ctrlPr>
+                      </m:sSubPr>
+                      <m:e>
+                        <m:r>
+                          <a:rPr lang="en-US" altLang="zh-TW" sz="1800" i="1">
+                            <a:latin typeface="Cambria Math" panose="02040503050406030204" pitchFamily="18" charset="0"/>
+                          </a:rPr>
+                          <m:t>𝑐</m:t>
+                        </m:r>
+                      </m:e>
+                      <m:sub>
+                        <m:r>
+                          <a:rPr lang="en-US" altLang="zh-TW" sz="1800" i="1">
+                            <a:latin typeface="Cambria Math" panose="02040503050406030204" pitchFamily="18" charset="0"/>
+                          </a:rPr>
+                          <m:t>1</m:t>
+                        </m:r>
+                      </m:sub>
+                    </m:sSub>
+                    <m:r>
+                      <a:rPr lang="en-US" altLang="zh-TW" sz="1800" i="1">
+                        <a:latin typeface="Cambria Math" panose="02040503050406030204" pitchFamily="18" charset="0"/>
+                      </a:rPr>
+                      <m:t>=3</m:t>
+                    </m:r>
+                    <m:r>
+                      <a:rPr lang="en-US" altLang="zh-TW" sz="1800" i="1">
+                        <a:latin typeface="Cambria Math" panose="02040503050406030204" pitchFamily="18" charset="0"/>
+                      </a:rPr>
+                      <m:t>,</m:t>
+                    </m:r>
+                    <m:sSub>
+                      <m:sSubPr>
+                        <m:ctrlPr>
+                          <a:rPr lang="en-US" altLang="zh-TW" sz="1800" i="1">
+                            <a:latin typeface="Cambria Math" panose="02040503050406030204" pitchFamily="18" charset="0"/>
+                          </a:rPr>
+                        </m:ctrlPr>
+                      </m:sSubPr>
+                      <m:e>
+                        <m:r>
+                          <a:rPr lang="en-US" altLang="zh-TW" sz="1800" i="1">
+                            <a:latin typeface="Cambria Math" panose="02040503050406030204" pitchFamily="18" charset="0"/>
+                          </a:rPr>
+                          <m:t>𝑐</m:t>
+                        </m:r>
+                      </m:e>
+                      <m:sub>
+                        <m:r>
+                          <a:rPr lang="en-US" altLang="zh-TW" sz="1800" i="1">
+                            <a:latin typeface="Cambria Math" panose="02040503050406030204" pitchFamily="18" charset="0"/>
+                          </a:rPr>
+                          <m:t>2</m:t>
+                        </m:r>
+                      </m:sub>
+                    </m:sSub>
+                    <m:r>
+                      <a:rPr lang="en-US" altLang="zh-TW" sz="1800" i="1">
+                        <a:latin typeface="Cambria Math" panose="02040503050406030204" pitchFamily="18" charset="0"/>
+                      </a:rPr>
+                      <m:t>=4</m:t>
+                    </m:r>
+                  </m:oMath>
+                </a14:m>
+                <a:r>
+                  <a:rPr lang="en-US" altLang="zh-TW" sz="1800" dirty="0">
+                    <a:latin typeface="Times New Roman" panose="02020603050405020304" pitchFamily="18" charset="0"/>
+                  </a:rPr>
+                  <a:t> and </a:t>
+                </a:r>
+                <a14:m>
+                  <m:oMath xmlns:m="http://schemas.openxmlformats.org/officeDocument/2006/math">
+                    <m:sSub>
+                      <m:sSubPr>
+                        <m:ctrlPr>
+                          <a:rPr lang="en-US" altLang="zh-TW" sz="1800" i="1">
+                            <a:latin typeface="Cambria Math" panose="02040503050406030204" pitchFamily="18" charset="0"/>
+                          </a:rPr>
+                        </m:ctrlPr>
+                      </m:sSubPr>
+                      <m:e>
+                        <m:r>
+                          <a:rPr lang="en-US" altLang="zh-TW" sz="1800" i="1">
+                            <a:latin typeface="Cambria Math" panose="02040503050406030204" pitchFamily="18" charset="0"/>
+                          </a:rPr>
+                          <m:t> </m:t>
+                        </m:r>
+                        <m:r>
+                          <a:rPr lang="en-US" altLang="zh-TW" sz="1800" i="1">
+                            <a:latin typeface="Cambria Math" panose="02040503050406030204" pitchFamily="18" charset="0"/>
+                          </a:rPr>
+                          <m:t>𝑛</m:t>
+                        </m:r>
+                      </m:e>
+                      <m:sub>
+                        <m:r>
+                          <a:rPr lang="en-US" altLang="zh-TW" sz="1800" i="1">
+                            <a:latin typeface="Cambria Math" panose="02040503050406030204" pitchFamily="18" charset="0"/>
+                          </a:rPr>
+                          <m:t>0</m:t>
+                        </m:r>
+                      </m:sub>
+                    </m:sSub>
+                    <m:r>
+                      <a:rPr lang="en-US" altLang="zh-TW" sz="1800" i="1">
+                        <a:latin typeface="Cambria Math" panose="02040503050406030204" pitchFamily="18" charset="0"/>
+                      </a:rPr>
+                      <m:t>=2</m:t>
+                    </m:r>
+                  </m:oMath>
+                </a14:m>
+                <a:endParaRPr lang="en-US" altLang="zh-TW" dirty="0">
+                  <a:latin typeface="Times New Roman" panose="02020603050405020304" pitchFamily="18" charset="0"/>
+                </a:endParaRPr>
+              </a:p>
+              <a:p>
+                <a:pPr lvl="1">
+                  <a:lnSpc>
+                    <a:spcPct val="100000"/>
+                  </a:lnSpc>
+                </a:pPr>
+                <a14:m>
+                  <m:oMath xmlns:m="http://schemas.openxmlformats.org/officeDocument/2006/math">
+                    <m:r>
+                      <a:rPr lang="en-US" altLang="zh-TW" i="1">
+                        <a:latin typeface="Cambria Math" panose="02040503050406030204" pitchFamily="18" charset="0"/>
+                      </a:rPr>
+                      <m:t>10</m:t>
+                    </m:r>
+                    <m:sSup>
+                      <m:sSupPr>
+                        <m:ctrlPr>
+                          <a:rPr lang="en-US" altLang="zh-TW" i="1">
+                            <a:latin typeface="Cambria Math" panose="02040503050406030204" pitchFamily="18" charset="0"/>
+                          </a:rPr>
+                        </m:ctrlPr>
+                      </m:sSupPr>
+                      <m:e>
+                        <m:r>
+                          <a:rPr lang="en-US" altLang="zh-TW" i="1">
+                            <a:latin typeface="Cambria Math" panose="02040503050406030204" pitchFamily="18" charset="0"/>
+                          </a:rPr>
+                          <m:t>𝑛</m:t>
+                        </m:r>
+                      </m:e>
+                      <m:sup>
+                        <m:r>
+                          <a:rPr lang="en-US" altLang="zh-TW" i="1">
+                            <a:latin typeface="Cambria Math" panose="02040503050406030204" pitchFamily="18" charset="0"/>
+                          </a:rPr>
+                          <m:t>2</m:t>
+                        </m:r>
+                      </m:sup>
+                    </m:sSup>
+                    <m:r>
+                      <a:rPr lang="en-US" altLang="zh-TW" i="1">
+                        <a:latin typeface="Cambria Math" panose="02040503050406030204" pitchFamily="18" charset="0"/>
+                      </a:rPr>
+                      <m:t>+4</m:t>
+                    </m:r>
+                    <m:r>
+                      <a:rPr lang="en-US" altLang="zh-TW" i="1">
+                        <a:latin typeface="Cambria Math" panose="02040503050406030204" pitchFamily="18" charset="0"/>
+                      </a:rPr>
+                      <m:t>𝑛</m:t>
+                    </m:r>
+                    <m:r>
+                      <a:rPr lang="en-US" altLang="zh-TW" i="1">
+                        <a:latin typeface="Cambria Math" panose="02040503050406030204" pitchFamily="18" charset="0"/>
+                      </a:rPr>
+                      <m:t>+2=</m:t>
+                    </m:r>
+                    <m:r>
+                      <a:rPr lang="zh-TW" altLang="en-US" i="1">
+                        <a:latin typeface="Cambria Math" panose="02040503050406030204" pitchFamily="18" charset="0"/>
+                      </a:rPr>
+                      <m:t>𝛩</m:t>
+                    </m:r>
+                    <m:r>
+                      <a:rPr lang="en-US" altLang="zh-TW" i="1">
+                        <a:latin typeface="Cambria Math" panose="02040503050406030204" pitchFamily="18" charset="0"/>
+                      </a:rPr>
+                      <m:t>(</m:t>
+                    </m:r>
+                    <m:sSup>
+                      <m:sSupPr>
+                        <m:ctrlPr>
+                          <a:rPr lang="en-US" altLang="zh-TW" i="1">
+                            <a:latin typeface="Cambria Math" panose="02040503050406030204" pitchFamily="18" charset="0"/>
+                          </a:rPr>
+                        </m:ctrlPr>
+                      </m:sSupPr>
+                      <m:e>
+                        <m:r>
+                          <a:rPr lang="en-US" altLang="zh-TW" i="1">
+                            <a:latin typeface="Cambria Math" panose="02040503050406030204" pitchFamily="18" charset="0"/>
+                          </a:rPr>
+                          <m:t>𝑛</m:t>
+                        </m:r>
+                      </m:e>
+                      <m:sup>
+                        <m:r>
+                          <a:rPr lang="en-US" altLang="zh-TW" i="1">
+                            <a:latin typeface="Cambria Math" panose="02040503050406030204" pitchFamily="18" charset="0"/>
+                          </a:rPr>
+                          <m:t>2</m:t>
+                        </m:r>
+                      </m:sup>
+                    </m:sSup>
+                    <m:r>
+                      <a:rPr lang="en-US" altLang="zh-TW" i="1">
+                        <a:latin typeface="Cambria Math" panose="02040503050406030204" pitchFamily="18" charset="0"/>
+                      </a:rPr>
+                      <m:t>)</m:t>
+                    </m:r>
+                  </m:oMath>
+                </a14:m>
+                <a:endParaRPr lang="en-US" altLang="zh-TW" dirty="0" smtClean="0">
+                  <a:latin typeface="Times New Roman" panose="02020603050405020304" pitchFamily="18" charset="0"/>
+                </a:endParaRPr>
+              </a:p>
+              <a:p>
+                <a:pPr marL="457200" lvl="1" indent="0">
+                  <a:lnSpc>
+                    <a:spcPct val="100000"/>
+                  </a:lnSpc>
+                  <a:buNone/>
+                </a:pPr>
+                <a:r>
+                  <a:rPr lang="en-US" altLang="zh-TW" sz="1800" dirty="0" smtClean="0"/>
+                  <a:t>	</a:t>
+                </a:r>
+                <a14:m>
+                  <m:oMath xmlns:m="http://schemas.openxmlformats.org/officeDocument/2006/math">
+                    <m:r>
+                      <a:rPr lang="en-US" altLang="zh-TW" sz="1800" i="1">
+                        <a:latin typeface="Cambria Math" panose="02040503050406030204" pitchFamily="18" charset="0"/>
+                      </a:rPr>
+                      <m:t>10</m:t>
+                    </m:r>
+                    <m:sSup>
+                      <m:sSupPr>
+                        <m:ctrlPr>
+                          <a:rPr lang="en-US" altLang="zh-TW" sz="1800" i="1">
+                            <a:latin typeface="Cambria Math" panose="02040503050406030204" pitchFamily="18" charset="0"/>
+                          </a:rPr>
+                        </m:ctrlPr>
+                      </m:sSupPr>
+                      <m:e>
+                        <m:r>
+                          <a:rPr lang="en-US" altLang="zh-TW" sz="1800" i="1">
+                            <a:latin typeface="Cambria Math" panose="02040503050406030204" pitchFamily="18" charset="0"/>
+                          </a:rPr>
+                          <m:t>𝑛</m:t>
+                        </m:r>
+                      </m:e>
+                      <m:sup>
+                        <m:r>
+                          <a:rPr lang="en-US" altLang="zh-TW" sz="1800" i="1">
+                            <a:latin typeface="Cambria Math" panose="02040503050406030204" pitchFamily="18" charset="0"/>
+                          </a:rPr>
+                          <m:t>2</m:t>
+                        </m:r>
+                      </m:sup>
+                    </m:sSup>
+                    <m:r>
+                      <a:rPr lang="en-US" altLang="zh-TW" sz="1800" i="1">
+                        <a:latin typeface="Cambria Math" panose="02040503050406030204" pitchFamily="18" charset="0"/>
+                      </a:rPr>
+                      <m:t>+4</m:t>
+                    </m:r>
+                    <m:r>
+                      <a:rPr lang="en-US" altLang="zh-TW" sz="1800" i="1">
+                        <a:latin typeface="Cambria Math" panose="02040503050406030204" pitchFamily="18" charset="0"/>
+                      </a:rPr>
+                      <m:t>𝑛</m:t>
+                    </m:r>
+                    <m:r>
+                      <a:rPr lang="en-US" altLang="zh-TW" sz="1800" i="1">
+                        <a:latin typeface="Cambria Math" panose="02040503050406030204" pitchFamily="18" charset="0"/>
+                      </a:rPr>
+                      <m:t>+2≥10</m:t>
+                    </m:r>
+                    <m:sSup>
+                      <m:sSupPr>
+                        <m:ctrlPr>
+                          <a:rPr lang="en-US" altLang="zh-TW" sz="1800" i="1">
+                            <a:latin typeface="Cambria Math" panose="02040503050406030204" pitchFamily="18" charset="0"/>
+                          </a:rPr>
+                        </m:ctrlPr>
+                      </m:sSupPr>
+                      <m:e>
+                        <m:r>
+                          <a:rPr lang="en-US" altLang="zh-TW" sz="1800" i="1">
+                            <a:latin typeface="Cambria Math" panose="02040503050406030204" pitchFamily="18" charset="0"/>
+                          </a:rPr>
+                          <m:t>𝑛</m:t>
+                        </m:r>
+                      </m:e>
+                      <m:sup>
+                        <m:r>
+                          <a:rPr lang="en-US" altLang="zh-TW" sz="1800" i="1">
+                            <a:latin typeface="Cambria Math" panose="02040503050406030204" pitchFamily="18" charset="0"/>
+                          </a:rPr>
+                          <m:t>2</m:t>
+                        </m:r>
+                      </m:sup>
+                    </m:sSup>
+                  </m:oMath>
+                </a14:m>
+                <a:r>
+                  <a:rPr lang="en-US" altLang="zh-TW" sz="1800" i="1" dirty="0">
+                    <a:latin typeface="Cambria Math" panose="02040503050406030204" pitchFamily="18" charset="0"/>
+                  </a:rPr>
+                  <a:t> </a:t>
+                </a:r>
+                <a:r>
+                  <a:rPr lang="en-US" altLang="zh-TW" sz="1800" dirty="0">
+                    <a:latin typeface="Times New Roman" panose="02020603050405020304" pitchFamily="18" charset="0"/>
+                    <a:cs typeface="Times New Roman" panose="02020603050405020304" pitchFamily="18" charset="0"/>
+                  </a:rPr>
+                  <a:t>for all</a:t>
+                </a:r>
+                <a:r>
+                  <a:rPr lang="en-US" altLang="zh-TW" sz="1800" i="1" dirty="0">
+                    <a:latin typeface="Cambria Math" panose="02040503050406030204" pitchFamily="18" charset="0"/>
+                  </a:rPr>
+                  <a:t> </a:t>
+                </a:r>
+                <a14:m>
+                  <m:oMath xmlns:m="http://schemas.openxmlformats.org/officeDocument/2006/math">
+                    <m:r>
+                      <a:rPr lang="pt-BR" altLang="zh-TW" sz="1800" i="1" dirty="0">
+                        <a:latin typeface="Cambria Math" panose="02040503050406030204" pitchFamily="18" charset="0"/>
+                      </a:rPr>
+                      <m:t>𝑛</m:t>
+                    </m:r>
+                    <m:r>
+                      <a:rPr lang="pt-BR" altLang="zh-TW" sz="1800" i="1" dirty="0">
+                        <a:latin typeface="Cambria Math" panose="02040503050406030204" pitchFamily="18" charset="0"/>
+                      </a:rPr>
+                      <m:t>≥5</m:t>
+                    </m:r>
+                  </m:oMath>
+                </a14:m>
+                <a:r>
+                  <a:rPr lang="en-US" altLang="zh-TW" sz="1800" dirty="0">
+                    <a:latin typeface="Cambria Math" panose="02040503050406030204" pitchFamily="18" charset="0"/>
+                  </a:rPr>
+                  <a:t> and </a:t>
+                </a:r>
+                <a14:m>
+                  <m:oMath xmlns:m="http://schemas.openxmlformats.org/officeDocument/2006/math">
+                    <m:r>
+                      <a:rPr lang="en-US" altLang="zh-TW" sz="1800" i="1">
+                        <a:latin typeface="Cambria Math" panose="02040503050406030204" pitchFamily="18" charset="0"/>
+                      </a:rPr>
+                      <m:t>10</m:t>
+                    </m:r>
+                    <m:sSup>
+                      <m:sSupPr>
+                        <m:ctrlPr>
+                          <a:rPr lang="en-US" altLang="zh-TW" sz="1800" i="1">
+                            <a:latin typeface="Cambria Math" panose="02040503050406030204" pitchFamily="18" charset="0"/>
+                          </a:rPr>
+                        </m:ctrlPr>
+                      </m:sSupPr>
+                      <m:e>
+                        <m:r>
+                          <a:rPr lang="en-US" altLang="zh-TW" sz="1800" i="1">
+                            <a:latin typeface="Cambria Math" panose="02040503050406030204" pitchFamily="18" charset="0"/>
+                          </a:rPr>
+                          <m:t>𝑛</m:t>
+                        </m:r>
+                      </m:e>
+                      <m:sup>
+                        <m:r>
+                          <a:rPr lang="en-US" altLang="zh-TW" sz="1800" i="1">
+                            <a:latin typeface="Cambria Math" panose="02040503050406030204" pitchFamily="18" charset="0"/>
+                          </a:rPr>
+                          <m:t>2</m:t>
+                        </m:r>
+                      </m:sup>
+                    </m:sSup>
+                    <m:r>
+                      <a:rPr lang="en-US" altLang="zh-TW" sz="1800" i="1">
+                        <a:latin typeface="Cambria Math" panose="02040503050406030204" pitchFamily="18" charset="0"/>
+                      </a:rPr>
+                      <m:t>+4</m:t>
+                    </m:r>
+                    <m:r>
+                      <a:rPr lang="en-US" altLang="zh-TW" sz="1800" i="1">
+                        <a:latin typeface="Cambria Math" panose="02040503050406030204" pitchFamily="18" charset="0"/>
+                      </a:rPr>
+                      <m:t>𝑛</m:t>
+                    </m:r>
+                    <m:r>
+                      <a:rPr lang="en-US" altLang="zh-TW" sz="1800" i="1">
+                        <a:latin typeface="Cambria Math" panose="02040503050406030204" pitchFamily="18" charset="0"/>
+                      </a:rPr>
+                      <m:t>+2≤11</m:t>
+                    </m:r>
+                    <m:sSup>
+                      <m:sSupPr>
+                        <m:ctrlPr>
+                          <a:rPr lang="en-US" altLang="zh-TW" sz="1800" i="1">
+                            <a:latin typeface="Cambria Math" panose="02040503050406030204" pitchFamily="18" charset="0"/>
+                          </a:rPr>
+                        </m:ctrlPr>
+                      </m:sSupPr>
+                      <m:e>
+                        <m:r>
+                          <a:rPr lang="en-US" altLang="zh-TW" sz="1800" i="1">
+                            <a:latin typeface="Cambria Math" panose="02040503050406030204" pitchFamily="18" charset="0"/>
+                          </a:rPr>
+                          <m:t>𝑛</m:t>
+                        </m:r>
+                      </m:e>
+                      <m:sup>
+                        <m:r>
+                          <a:rPr lang="en-US" altLang="zh-TW" sz="1800" i="1">
+                            <a:latin typeface="Cambria Math" panose="02040503050406030204" pitchFamily="18" charset="0"/>
+                          </a:rPr>
+                          <m:t>2</m:t>
+                        </m:r>
+                      </m:sup>
+                    </m:sSup>
+                  </m:oMath>
+                </a14:m>
+                <a:r>
+                  <a:rPr lang="en-US" altLang="zh-TW" sz="1800" i="1" dirty="0">
+                    <a:latin typeface="Cambria Math" panose="02040503050406030204" pitchFamily="18" charset="0"/>
+                  </a:rPr>
+                  <a:t> </a:t>
+                </a:r>
+                <a:r>
+                  <a:rPr lang="en-US" altLang="zh-TW" sz="1800" dirty="0">
+                    <a:latin typeface="Times New Roman" panose="02020603050405020304" pitchFamily="18" charset="0"/>
+                    <a:cs typeface="Times New Roman" panose="02020603050405020304" pitchFamily="18" charset="0"/>
+                  </a:rPr>
+                  <a:t>for all</a:t>
+                </a:r>
+                <a:r>
+                  <a:rPr lang="en-US" altLang="zh-TW" sz="1800" i="1" dirty="0">
+                    <a:latin typeface="Cambria Math" panose="02040503050406030204" pitchFamily="18" charset="0"/>
+                  </a:rPr>
+                  <a:t> </a:t>
+                </a:r>
+                <a14:m>
+                  <m:oMath xmlns:m="http://schemas.openxmlformats.org/officeDocument/2006/math">
+                    <m:r>
+                      <a:rPr lang="pt-BR" altLang="zh-TW" sz="1800" i="1" dirty="0">
+                        <a:latin typeface="Cambria Math" panose="02040503050406030204" pitchFamily="18" charset="0"/>
+                      </a:rPr>
+                      <m:t>𝑛</m:t>
+                    </m:r>
+                    <m:r>
+                      <a:rPr lang="pt-BR" altLang="zh-TW" sz="1800" i="1" dirty="0">
+                        <a:latin typeface="Cambria Math" panose="02040503050406030204" pitchFamily="18" charset="0"/>
+                      </a:rPr>
+                      <m:t>≥5</m:t>
+                    </m:r>
+                  </m:oMath>
+                </a14:m>
+                <a:r>
+                  <a:rPr lang="en-US" altLang="zh-TW" sz="1800" dirty="0">
+                    <a:latin typeface="Cambria Math" panose="02040503050406030204" pitchFamily="18" charset="0"/>
+                  </a:rPr>
+                  <a:t> , </a:t>
+                </a:r>
+                <a:endParaRPr lang="en-US" altLang="zh-TW" sz="1800" dirty="0" smtClean="0">
+                  <a:latin typeface="Cambria Math" panose="02040503050406030204" pitchFamily="18" charset="0"/>
+                </a:endParaRPr>
+              </a:p>
+              <a:p>
+                <a:pPr marL="457200" lvl="1" indent="0">
+                  <a:lnSpc>
+                    <a:spcPct val="100000"/>
+                  </a:lnSpc>
+                  <a:buNone/>
+                </a:pPr>
+                <a:r>
+                  <a:rPr lang="en-US" altLang="zh-TW" sz="1800" dirty="0" smtClean="0">
+                    <a:latin typeface="Cambria Math" panose="02040503050406030204" pitchFamily="18" charset="0"/>
+                  </a:rPr>
+                  <a:t>	so </a:t>
+                </a:r>
+                <a:r>
+                  <a:rPr lang="zh-TW" altLang="en-US" sz="1800" i="1" dirty="0" smtClean="0">
+                    <a:latin typeface="Cambria Math" panose="02040503050406030204" pitchFamily="18" charset="0"/>
+                  </a:rPr>
+                  <a:t> </a:t>
+                </a:r>
+                <a14:m>
+                  <m:oMath xmlns:m="http://schemas.openxmlformats.org/officeDocument/2006/math">
+                    <m:sSub>
+                      <m:sSubPr>
+                        <m:ctrlPr>
+                          <a:rPr lang="en-US" altLang="zh-TW" sz="1800" i="1">
+                            <a:latin typeface="Cambria Math" panose="02040503050406030204" pitchFamily="18" charset="0"/>
+                          </a:rPr>
+                        </m:ctrlPr>
+                      </m:sSubPr>
+                      <m:e>
+                        <m:r>
+                          <a:rPr lang="en-US" altLang="zh-TW" sz="1800" i="1">
+                            <a:latin typeface="Cambria Math" panose="02040503050406030204" pitchFamily="18" charset="0"/>
+                          </a:rPr>
+                          <m:t>𝑐</m:t>
+                        </m:r>
+                      </m:e>
+                      <m:sub>
+                        <m:r>
+                          <a:rPr lang="en-US" altLang="zh-TW" sz="1800" i="1">
+                            <a:latin typeface="Cambria Math" panose="02040503050406030204" pitchFamily="18" charset="0"/>
+                          </a:rPr>
+                          <m:t>1</m:t>
+                        </m:r>
+                      </m:sub>
+                    </m:sSub>
+                    <m:r>
+                      <a:rPr lang="en-US" altLang="zh-TW" sz="1800" i="1">
+                        <a:latin typeface="Cambria Math" panose="02040503050406030204" pitchFamily="18" charset="0"/>
+                      </a:rPr>
+                      <m:t>=10,</m:t>
+                    </m:r>
+                    <m:sSub>
+                      <m:sSubPr>
+                        <m:ctrlPr>
+                          <a:rPr lang="en-US" altLang="zh-TW" sz="1800" i="1">
+                            <a:latin typeface="Cambria Math" panose="02040503050406030204" pitchFamily="18" charset="0"/>
+                          </a:rPr>
+                        </m:ctrlPr>
+                      </m:sSubPr>
+                      <m:e>
+                        <m:r>
+                          <a:rPr lang="en-US" altLang="zh-TW" sz="1800" i="1">
+                            <a:latin typeface="Cambria Math" panose="02040503050406030204" pitchFamily="18" charset="0"/>
+                          </a:rPr>
+                          <m:t>𝑐</m:t>
+                        </m:r>
+                      </m:e>
+                      <m:sub>
+                        <m:r>
+                          <a:rPr lang="en-US" altLang="zh-TW" sz="1800" i="1">
+                            <a:latin typeface="Cambria Math" panose="02040503050406030204" pitchFamily="18" charset="0"/>
+                          </a:rPr>
+                          <m:t>2</m:t>
+                        </m:r>
+                      </m:sub>
+                    </m:sSub>
+                    <m:r>
+                      <a:rPr lang="en-US" altLang="zh-TW" sz="1800" i="1">
+                        <a:latin typeface="Cambria Math" panose="02040503050406030204" pitchFamily="18" charset="0"/>
+                      </a:rPr>
+                      <m:t>=11</m:t>
+                    </m:r>
+                  </m:oMath>
+                </a14:m>
+                <a:r>
+                  <a:rPr lang="en-US" altLang="zh-TW" sz="1800" dirty="0">
+                    <a:latin typeface="Times New Roman" panose="02020603050405020304" pitchFamily="18" charset="0"/>
+                  </a:rPr>
+                  <a:t> and </a:t>
+                </a:r>
+                <a14:m>
+                  <m:oMath xmlns:m="http://schemas.openxmlformats.org/officeDocument/2006/math">
+                    <m:sSub>
+                      <m:sSubPr>
+                        <m:ctrlPr>
+                          <a:rPr lang="en-US" altLang="zh-TW" sz="1800" i="1">
+                            <a:latin typeface="Cambria Math" panose="02040503050406030204" pitchFamily="18" charset="0"/>
+                          </a:rPr>
+                        </m:ctrlPr>
+                      </m:sSubPr>
+                      <m:e>
+                        <m:r>
+                          <a:rPr lang="en-US" altLang="zh-TW" sz="1800" i="1">
+                            <a:latin typeface="Cambria Math" panose="02040503050406030204" pitchFamily="18" charset="0"/>
+                          </a:rPr>
+                          <m:t> </m:t>
+                        </m:r>
+                        <m:r>
+                          <a:rPr lang="en-US" altLang="zh-TW" sz="1800" i="1">
+                            <a:latin typeface="Cambria Math" panose="02040503050406030204" pitchFamily="18" charset="0"/>
+                          </a:rPr>
+                          <m:t>𝑛</m:t>
+                        </m:r>
+                      </m:e>
+                      <m:sub>
+                        <m:r>
+                          <a:rPr lang="en-US" altLang="zh-TW" sz="1800" i="1">
+                            <a:latin typeface="Cambria Math" panose="02040503050406030204" pitchFamily="18" charset="0"/>
+                          </a:rPr>
+                          <m:t>0</m:t>
+                        </m:r>
+                      </m:sub>
+                    </m:sSub>
+                    <m:r>
+                      <a:rPr lang="en-US" altLang="zh-TW" sz="1800" i="1">
+                        <a:latin typeface="Cambria Math" panose="02040503050406030204" pitchFamily="18" charset="0"/>
+                      </a:rPr>
+                      <m:t>=</m:t>
+                    </m:r>
+                    <m:r>
+                      <a:rPr lang="en-US" altLang="zh-TW" sz="1800" i="1">
+                        <a:latin typeface="Cambria Math" panose="02040503050406030204" pitchFamily="18" charset="0"/>
+                      </a:rPr>
+                      <m:t>5</m:t>
+                    </m:r>
+                  </m:oMath>
+                </a14:m>
+                <a:endParaRPr lang="en-US" altLang="zh-TW" sz="1800" dirty="0">
+                  <a:latin typeface="Times New Roman" panose="02020603050405020304" pitchFamily="18" charset="0"/>
+                </a:endParaRPr>
+              </a:p>
+              <a:p>
+                <a:pPr lvl="1">
+                  <a:lnSpc>
+                    <a:spcPct val="100000"/>
+                  </a:lnSpc>
+                </a:pPr>
+                <a14:m>
+                  <m:oMath xmlns:m="http://schemas.openxmlformats.org/officeDocument/2006/math">
+                    <m:r>
+                      <a:rPr lang="en-US" altLang="zh-TW" i="1">
+                        <a:latin typeface="Cambria Math" panose="02040503050406030204" pitchFamily="18" charset="0"/>
+                      </a:rPr>
+                      <m:t>6∗</m:t>
+                    </m:r>
+                    <m:sSup>
+                      <m:sSupPr>
+                        <m:ctrlPr>
+                          <a:rPr lang="en-US" altLang="zh-TW" i="1">
+                            <a:latin typeface="Cambria Math" panose="02040503050406030204" pitchFamily="18" charset="0"/>
+                          </a:rPr>
+                        </m:ctrlPr>
+                      </m:sSupPr>
+                      <m:e>
+                        <m:r>
+                          <a:rPr lang="en-US" altLang="zh-TW" i="1">
+                            <a:latin typeface="Cambria Math" panose="02040503050406030204" pitchFamily="18" charset="0"/>
+                          </a:rPr>
+                          <m:t>2</m:t>
+                        </m:r>
+                      </m:e>
+                      <m:sup>
+                        <m:r>
+                          <a:rPr lang="en-US" altLang="zh-TW" i="1">
+                            <a:latin typeface="Cambria Math" panose="02040503050406030204" pitchFamily="18" charset="0"/>
+                          </a:rPr>
+                          <m:t>𝑛</m:t>
+                        </m:r>
+                      </m:sup>
+                    </m:sSup>
+                    <m:r>
+                      <a:rPr lang="en-US" altLang="zh-TW" i="1">
+                        <a:latin typeface="Cambria Math" panose="02040503050406030204" pitchFamily="18" charset="0"/>
+                      </a:rPr>
+                      <m:t>+</m:t>
+                    </m:r>
+                    <m:sSup>
+                      <m:sSupPr>
+                        <m:ctrlPr>
+                          <a:rPr lang="en-US" altLang="zh-TW" i="1">
+                            <a:latin typeface="Cambria Math" panose="02040503050406030204" pitchFamily="18" charset="0"/>
+                          </a:rPr>
+                        </m:ctrlPr>
+                      </m:sSupPr>
+                      <m:e>
+                        <m:r>
+                          <a:rPr lang="en-US" altLang="zh-TW" i="1">
+                            <a:latin typeface="Cambria Math" panose="02040503050406030204" pitchFamily="18" charset="0"/>
+                          </a:rPr>
+                          <m:t>𝑛</m:t>
+                        </m:r>
+                      </m:e>
+                      <m:sup>
+                        <m:r>
+                          <a:rPr lang="en-US" altLang="zh-TW" i="1">
+                            <a:latin typeface="Cambria Math" panose="02040503050406030204" pitchFamily="18" charset="0"/>
+                          </a:rPr>
+                          <m:t>2</m:t>
+                        </m:r>
+                      </m:sup>
+                    </m:sSup>
+                    <m:r>
+                      <a:rPr lang="en-US" altLang="zh-TW" i="1">
+                        <a:latin typeface="Cambria Math" panose="02040503050406030204" pitchFamily="18" charset="0"/>
+                      </a:rPr>
+                      <m:t>=</m:t>
+                    </m:r>
+                    <m:r>
+                      <a:rPr lang="zh-TW" altLang="en-US" i="1">
+                        <a:latin typeface="Cambria Math" panose="02040503050406030204" pitchFamily="18" charset="0"/>
+                      </a:rPr>
+                      <m:t>𝛩</m:t>
+                    </m:r>
+                    <m:d>
+                      <m:dPr>
+                        <m:ctrlPr>
+                          <a:rPr lang="en-US" altLang="zh-TW" i="1">
+                            <a:latin typeface="Cambria Math" panose="02040503050406030204" pitchFamily="18" charset="0"/>
+                          </a:rPr>
+                        </m:ctrlPr>
+                      </m:dPr>
+                      <m:e>
+                        <m:sSup>
+                          <m:sSupPr>
+                            <m:ctrlPr>
+                              <a:rPr lang="en-US" altLang="zh-TW" i="1">
+                                <a:latin typeface="Cambria Math" panose="02040503050406030204" pitchFamily="18" charset="0"/>
+                              </a:rPr>
+                            </m:ctrlPr>
+                          </m:sSupPr>
+                          <m:e>
+                            <m:r>
+                              <a:rPr lang="en-US" altLang="zh-TW" i="1">
+                                <a:latin typeface="Cambria Math" panose="02040503050406030204" pitchFamily="18" charset="0"/>
+                              </a:rPr>
+                              <m:t>2</m:t>
+                            </m:r>
+                          </m:e>
+                          <m:sup>
+                            <m:r>
+                              <a:rPr lang="en-US" altLang="zh-TW" i="1">
+                                <a:latin typeface="Cambria Math" panose="02040503050406030204" pitchFamily="18" charset="0"/>
+                              </a:rPr>
+                              <m:t>𝑛</m:t>
+                            </m:r>
+                          </m:sup>
+                        </m:sSup>
+                      </m:e>
+                    </m:d>
+                  </m:oMath>
+                </a14:m>
+                <a:endParaRPr lang="en-US" altLang="zh-TW" dirty="0" smtClean="0">
+                  <a:latin typeface="Times New Roman" panose="02020603050405020304" pitchFamily="18" charset="0"/>
+                </a:endParaRPr>
+              </a:p>
+              <a:p>
+                <a:pPr marL="457200" lvl="1" indent="0">
+                  <a:lnSpc>
+                    <a:spcPct val="100000"/>
+                  </a:lnSpc>
+                  <a:buNone/>
+                </a:pPr>
+                <a:r>
+                  <a:rPr lang="en-US" altLang="zh-TW" sz="1800" dirty="0" smtClean="0"/>
+                  <a:t>	</a:t>
+                </a:r>
+                <a14:m>
+                  <m:oMath xmlns:m="http://schemas.openxmlformats.org/officeDocument/2006/math">
+                    <m:r>
+                      <a:rPr lang="en-US" altLang="zh-TW" sz="1800" i="1">
+                        <a:latin typeface="Cambria Math" panose="02040503050406030204" pitchFamily="18" charset="0"/>
+                      </a:rPr>
+                      <m:t>6∗</m:t>
+                    </m:r>
+                    <m:sSup>
+                      <m:sSupPr>
+                        <m:ctrlPr>
+                          <a:rPr lang="en-US" altLang="zh-TW" sz="1800" i="1">
+                            <a:latin typeface="Cambria Math" panose="02040503050406030204" pitchFamily="18" charset="0"/>
+                          </a:rPr>
+                        </m:ctrlPr>
+                      </m:sSupPr>
+                      <m:e>
+                        <m:r>
+                          <a:rPr lang="en-US" altLang="zh-TW" sz="1800" i="1">
+                            <a:latin typeface="Cambria Math" panose="02040503050406030204" pitchFamily="18" charset="0"/>
+                          </a:rPr>
+                          <m:t>2</m:t>
+                        </m:r>
+                      </m:e>
+                      <m:sup>
+                        <m:r>
+                          <a:rPr lang="en-US" altLang="zh-TW" sz="1800" i="1">
+                            <a:latin typeface="Cambria Math" panose="02040503050406030204" pitchFamily="18" charset="0"/>
+                          </a:rPr>
+                          <m:t>𝑛</m:t>
+                        </m:r>
+                      </m:sup>
+                    </m:sSup>
+                    <m:r>
+                      <a:rPr lang="en-US" altLang="zh-TW" sz="1800" i="1">
+                        <a:latin typeface="Cambria Math" panose="02040503050406030204" pitchFamily="18" charset="0"/>
+                      </a:rPr>
+                      <m:t>+</m:t>
+                    </m:r>
+                    <m:sSup>
+                      <m:sSupPr>
+                        <m:ctrlPr>
+                          <a:rPr lang="en-US" altLang="zh-TW" sz="1800" i="1">
+                            <a:latin typeface="Cambria Math" panose="02040503050406030204" pitchFamily="18" charset="0"/>
+                          </a:rPr>
+                        </m:ctrlPr>
+                      </m:sSupPr>
+                      <m:e>
+                        <m:r>
+                          <a:rPr lang="en-US" altLang="zh-TW" sz="1800" i="1">
+                            <a:latin typeface="Cambria Math" panose="02040503050406030204" pitchFamily="18" charset="0"/>
+                          </a:rPr>
+                          <m:t>𝑛</m:t>
+                        </m:r>
+                      </m:e>
+                      <m:sup>
+                        <m:r>
+                          <a:rPr lang="en-US" altLang="zh-TW" sz="1800" i="1">
+                            <a:latin typeface="Cambria Math" panose="02040503050406030204" pitchFamily="18" charset="0"/>
+                          </a:rPr>
+                          <m:t>2</m:t>
+                        </m:r>
+                      </m:sup>
+                    </m:sSup>
+                    <m:r>
+                      <a:rPr lang="pt-BR" altLang="zh-TW" sz="1800" i="1" dirty="0">
+                        <a:latin typeface="Cambria Math" panose="02040503050406030204" pitchFamily="18" charset="0"/>
+                        <a:ea typeface="Cambria Math" panose="02040503050406030204" pitchFamily="18" charset="0"/>
+                      </a:rPr>
+                      <m:t>≥</m:t>
+                    </m:r>
+                    <m:r>
+                      <a:rPr lang="en-US" altLang="zh-TW" sz="1800" i="1" dirty="0">
+                        <a:latin typeface="Cambria Math" panose="02040503050406030204" pitchFamily="18" charset="0"/>
+                        <a:ea typeface="Cambria Math" panose="02040503050406030204" pitchFamily="18" charset="0"/>
+                      </a:rPr>
+                      <m:t>6∗</m:t>
+                    </m:r>
+                    <m:sSup>
+                      <m:sSupPr>
+                        <m:ctrlPr>
+                          <a:rPr lang="en-US" altLang="zh-TW" sz="1800" i="1">
+                            <a:latin typeface="Cambria Math" panose="02040503050406030204" pitchFamily="18" charset="0"/>
+                          </a:rPr>
+                        </m:ctrlPr>
+                      </m:sSupPr>
+                      <m:e>
+                        <m:r>
+                          <a:rPr lang="en-US" altLang="zh-TW" sz="1800" i="1">
+                            <a:latin typeface="Cambria Math" panose="02040503050406030204" pitchFamily="18" charset="0"/>
+                          </a:rPr>
+                          <m:t>2</m:t>
+                        </m:r>
+                      </m:e>
+                      <m:sup>
+                        <m:r>
+                          <a:rPr lang="en-US" altLang="zh-TW" sz="1800" i="1">
+                            <a:latin typeface="Cambria Math" panose="02040503050406030204" pitchFamily="18" charset="0"/>
+                          </a:rPr>
+                          <m:t>𝑛</m:t>
+                        </m:r>
+                      </m:sup>
+                    </m:sSup>
+                  </m:oMath>
+                </a14:m>
+                <a:r>
+                  <a:rPr lang="zh-TW" altLang="en-US" sz="1800" i="1" dirty="0">
+                    <a:latin typeface="Cambria Math" panose="02040503050406030204" pitchFamily="18" charset="0"/>
+                  </a:rPr>
+                  <a:t> </a:t>
+                </a:r>
+                <a:r>
+                  <a:rPr lang="en-US" altLang="zh-TW" sz="1800" dirty="0">
+                    <a:latin typeface="Times New Roman" panose="02020603050405020304" pitchFamily="18" charset="0"/>
+                    <a:cs typeface="Times New Roman" panose="02020603050405020304" pitchFamily="18" charset="0"/>
+                  </a:rPr>
+                  <a:t>for all</a:t>
+                </a:r>
+                <a:r>
+                  <a:rPr lang="en-US" altLang="zh-TW" sz="1800" i="1" dirty="0">
+                    <a:latin typeface="Cambria Math" panose="02040503050406030204" pitchFamily="18" charset="0"/>
+                  </a:rPr>
+                  <a:t> </a:t>
+                </a:r>
+                <a14:m>
+                  <m:oMath xmlns:m="http://schemas.openxmlformats.org/officeDocument/2006/math">
+                    <m:r>
+                      <a:rPr lang="pt-BR" altLang="zh-TW" sz="1800" i="1" dirty="0">
+                        <a:latin typeface="Cambria Math" panose="02040503050406030204" pitchFamily="18" charset="0"/>
+                      </a:rPr>
+                      <m:t>𝑛</m:t>
+                    </m:r>
+                    <m:r>
+                      <a:rPr lang="pt-BR" altLang="zh-TW" sz="1800" i="1" dirty="0">
+                        <a:latin typeface="Cambria Math" panose="02040503050406030204" pitchFamily="18" charset="0"/>
+                      </a:rPr>
+                      <m:t>≥4</m:t>
+                    </m:r>
+                  </m:oMath>
+                </a14:m>
+                <a:r>
+                  <a:rPr lang="zh-TW" altLang="en-US" sz="1800" dirty="0">
+                    <a:latin typeface="Cambria Math" panose="02040503050406030204" pitchFamily="18" charset="0"/>
+                  </a:rPr>
+                  <a:t> </a:t>
+                </a:r>
+                <a:r>
+                  <a:rPr lang="en-US" altLang="zh-TW" sz="1800" dirty="0">
+                    <a:latin typeface="Cambria Math" panose="02040503050406030204" pitchFamily="18" charset="0"/>
+                  </a:rPr>
+                  <a:t>and </a:t>
+                </a:r>
+                <a14:m>
+                  <m:oMath xmlns:m="http://schemas.openxmlformats.org/officeDocument/2006/math">
+                    <m:r>
+                      <a:rPr lang="en-US" altLang="zh-TW" sz="1800" i="1">
+                        <a:latin typeface="Cambria Math" panose="02040503050406030204" pitchFamily="18" charset="0"/>
+                      </a:rPr>
+                      <m:t>6∗</m:t>
+                    </m:r>
+                    <m:sSup>
+                      <m:sSupPr>
+                        <m:ctrlPr>
+                          <a:rPr lang="en-US" altLang="zh-TW" sz="1800" i="1">
+                            <a:latin typeface="Cambria Math" panose="02040503050406030204" pitchFamily="18" charset="0"/>
+                          </a:rPr>
+                        </m:ctrlPr>
+                      </m:sSupPr>
+                      <m:e>
+                        <m:r>
+                          <a:rPr lang="en-US" altLang="zh-TW" sz="1800" i="1">
+                            <a:latin typeface="Cambria Math" panose="02040503050406030204" pitchFamily="18" charset="0"/>
+                          </a:rPr>
+                          <m:t>2</m:t>
+                        </m:r>
+                      </m:e>
+                      <m:sup>
+                        <m:r>
+                          <a:rPr lang="en-US" altLang="zh-TW" sz="1800" i="1">
+                            <a:latin typeface="Cambria Math" panose="02040503050406030204" pitchFamily="18" charset="0"/>
+                          </a:rPr>
+                          <m:t>𝑛</m:t>
+                        </m:r>
+                      </m:sup>
+                    </m:sSup>
+                    <m:r>
+                      <a:rPr lang="en-US" altLang="zh-TW" sz="1800" i="1">
+                        <a:latin typeface="Cambria Math" panose="02040503050406030204" pitchFamily="18" charset="0"/>
+                      </a:rPr>
+                      <m:t>+</m:t>
+                    </m:r>
+                    <m:sSup>
+                      <m:sSupPr>
+                        <m:ctrlPr>
+                          <a:rPr lang="en-US" altLang="zh-TW" sz="1800" i="1">
+                            <a:latin typeface="Cambria Math" panose="02040503050406030204" pitchFamily="18" charset="0"/>
+                          </a:rPr>
+                        </m:ctrlPr>
+                      </m:sSupPr>
+                      <m:e>
+                        <m:r>
+                          <a:rPr lang="en-US" altLang="zh-TW" sz="1800" i="1">
+                            <a:latin typeface="Cambria Math" panose="02040503050406030204" pitchFamily="18" charset="0"/>
+                          </a:rPr>
+                          <m:t>𝑛</m:t>
+                        </m:r>
+                      </m:e>
+                      <m:sup>
+                        <m:r>
+                          <a:rPr lang="en-US" altLang="zh-TW" sz="1800" i="1">
+                            <a:latin typeface="Cambria Math" panose="02040503050406030204" pitchFamily="18" charset="0"/>
+                          </a:rPr>
+                          <m:t>2</m:t>
+                        </m:r>
+                      </m:sup>
+                    </m:sSup>
+                    <m:r>
+                      <a:rPr lang="en-US" altLang="zh-TW" sz="1800" i="1">
+                        <a:latin typeface="Cambria Math" panose="02040503050406030204" pitchFamily="18" charset="0"/>
+                      </a:rPr>
+                      <m:t>≤7∗</m:t>
+                    </m:r>
+                    <m:sSup>
+                      <m:sSupPr>
+                        <m:ctrlPr>
+                          <a:rPr lang="en-US" altLang="zh-TW" sz="1800" i="1">
+                            <a:latin typeface="Cambria Math" panose="02040503050406030204" pitchFamily="18" charset="0"/>
+                          </a:rPr>
+                        </m:ctrlPr>
+                      </m:sSupPr>
+                      <m:e>
+                        <m:r>
+                          <a:rPr lang="en-US" altLang="zh-TW" sz="1800" i="1">
+                            <a:latin typeface="Cambria Math" panose="02040503050406030204" pitchFamily="18" charset="0"/>
+                          </a:rPr>
+                          <m:t>2</m:t>
+                        </m:r>
+                      </m:e>
+                      <m:sup>
+                        <m:r>
+                          <a:rPr lang="en-US" altLang="zh-TW" sz="1800" i="1">
+                            <a:latin typeface="Cambria Math" panose="02040503050406030204" pitchFamily="18" charset="0"/>
+                          </a:rPr>
+                          <m:t>𝑛</m:t>
+                        </m:r>
+                      </m:sup>
+                    </m:sSup>
+                  </m:oMath>
+                </a14:m>
+                <a:r>
+                  <a:rPr lang="zh-TW" altLang="en-US" sz="1800" i="1" dirty="0">
+                    <a:latin typeface="Cambria Math" panose="02040503050406030204" pitchFamily="18" charset="0"/>
+                  </a:rPr>
+                  <a:t> </a:t>
+                </a:r>
+                <a:r>
+                  <a:rPr lang="en-US" altLang="zh-TW" sz="1800" dirty="0">
+                    <a:latin typeface="Times New Roman" panose="02020603050405020304" pitchFamily="18" charset="0"/>
+                    <a:cs typeface="Times New Roman" panose="02020603050405020304" pitchFamily="18" charset="0"/>
+                  </a:rPr>
+                  <a:t>for all</a:t>
+                </a:r>
+                <a:r>
+                  <a:rPr lang="en-US" altLang="zh-TW" sz="1800" i="1" dirty="0">
+                    <a:latin typeface="Cambria Math" panose="02040503050406030204" pitchFamily="18" charset="0"/>
+                  </a:rPr>
+                  <a:t> </a:t>
+                </a:r>
+                <a14:m>
+                  <m:oMath xmlns:m="http://schemas.openxmlformats.org/officeDocument/2006/math">
+                    <m:r>
+                      <a:rPr lang="pt-BR" altLang="zh-TW" sz="1800" i="1" dirty="0">
+                        <a:latin typeface="Cambria Math" panose="02040503050406030204" pitchFamily="18" charset="0"/>
+                      </a:rPr>
+                      <m:t>𝑛</m:t>
+                    </m:r>
+                    <m:r>
+                      <a:rPr lang="pt-BR" altLang="zh-TW" sz="1800" i="1" dirty="0">
+                        <a:latin typeface="Cambria Math" panose="02040503050406030204" pitchFamily="18" charset="0"/>
+                      </a:rPr>
+                      <m:t>≥4</m:t>
+                    </m:r>
+                  </m:oMath>
+                </a14:m>
+                <a:r>
+                  <a:rPr lang="en-US" altLang="zh-TW" sz="1800" dirty="0">
+                    <a:latin typeface="Cambria Math" panose="02040503050406030204" pitchFamily="18" charset="0"/>
+                  </a:rPr>
+                  <a:t>, </a:t>
+                </a:r>
+                <a:endParaRPr lang="en-US" altLang="zh-TW" sz="1800" dirty="0" smtClean="0">
+                  <a:latin typeface="Cambria Math" panose="02040503050406030204" pitchFamily="18" charset="0"/>
+                </a:endParaRPr>
+              </a:p>
+              <a:p>
+                <a:pPr marL="457200" lvl="1" indent="0">
+                  <a:lnSpc>
+                    <a:spcPct val="100000"/>
+                  </a:lnSpc>
+                  <a:buNone/>
+                </a:pPr>
+                <a:r>
+                  <a:rPr lang="en-US" altLang="zh-TW" sz="1800" dirty="0" smtClean="0">
+                    <a:latin typeface="Cambria Math" panose="02040503050406030204" pitchFamily="18" charset="0"/>
+                  </a:rPr>
+                  <a:t>	so </a:t>
+                </a:r>
+                <a:r>
+                  <a:rPr lang="zh-TW" altLang="en-US" sz="1800" i="1" dirty="0" smtClean="0">
+                    <a:latin typeface="Cambria Math" panose="02040503050406030204" pitchFamily="18" charset="0"/>
+                  </a:rPr>
+                  <a:t> </a:t>
+                </a:r>
+                <a14:m>
+                  <m:oMath xmlns:m="http://schemas.openxmlformats.org/officeDocument/2006/math">
+                    <m:sSub>
+                      <m:sSubPr>
+                        <m:ctrlPr>
+                          <a:rPr lang="en-US" altLang="zh-TW" sz="1800" i="1">
+                            <a:latin typeface="Cambria Math" panose="02040503050406030204" pitchFamily="18" charset="0"/>
+                          </a:rPr>
+                        </m:ctrlPr>
+                      </m:sSubPr>
+                      <m:e>
+                        <m:r>
+                          <a:rPr lang="en-US" altLang="zh-TW" sz="1800" i="1">
+                            <a:latin typeface="Cambria Math" panose="02040503050406030204" pitchFamily="18" charset="0"/>
+                          </a:rPr>
+                          <m:t>𝑐</m:t>
+                        </m:r>
+                      </m:e>
+                      <m:sub>
+                        <m:r>
+                          <a:rPr lang="en-US" altLang="zh-TW" sz="1800" i="1">
+                            <a:latin typeface="Cambria Math" panose="02040503050406030204" pitchFamily="18" charset="0"/>
+                          </a:rPr>
+                          <m:t>1</m:t>
+                        </m:r>
+                      </m:sub>
+                    </m:sSub>
+                    <m:r>
+                      <a:rPr lang="en-US" altLang="zh-TW" sz="1800" i="1">
+                        <a:latin typeface="Cambria Math" panose="02040503050406030204" pitchFamily="18" charset="0"/>
+                      </a:rPr>
+                      <m:t>=</m:t>
+                    </m:r>
+                    <m:r>
+                      <a:rPr lang="en-US" altLang="zh-TW" sz="1800" i="1">
+                        <a:latin typeface="Cambria Math" panose="02040503050406030204" pitchFamily="18" charset="0"/>
+                      </a:rPr>
+                      <m:t>6</m:t>
+                    </m:r>
+                    <m:r>
+                      <a:rPr lang="en-US" altLang="zh-TW" sz="1800" i="1">
+                        <a:latin typeface="Cambria Math" panose="02040503050406030204" pitchFamily="18" charset="0"/>
+                      </a:rPr>
+                      <m:t>,</m:t>
+                    </m:r>
+                    <m:sSub>
+                      <m:sSubPr>
+                        <m:ctrlPr>
+                          <a:rPr lang="en-US" altLang="zh-TW" sz="1800" i="1">
+                            <a:latin typeface="Cambria Math" panose="02040503050406030204" pitchFamily="18" charset="0"/>
+                          </a:rPr>
+                        </m:ctrlPr>
+                      </m:sSubPr>
+                      <m:e>
+                        <m:r>
+                          <a:rPr lang="en-US" altLang="zh-TW" sz="1800" i="1">
+                            <a:latin typeface="Cambria Math" panose="02040503050406030204" pitchFamily="18" charset="0"/>
+                          </a:rPr>
+                          <m:t>𝑐</m:t>
+                        </m:r>
+                      </m:e>
+                      <m:sub>
+                        <m:r>
+                          <a:rPr lang="en-US" altLang="zh-TW" sz="1800" i="1">
+                            <a:latin typeface="Cambria Math" panose="02040503050406030204" pitchFamily="18" charset="0"/>
+                          </a:rPr>
+                          <m:t>2</m:t>
+                        </m:r>
+                      </m:sub>
+                    </m:sSub>
+                    <m:r>
+                      <a:rPr lang="en-US" altLang="zh-TW" sz="1800" i="1">
+                        <a:latin typeface="Cambria Math" panose="02040503050406030204" pitchFamily="18" charset="0"/>
+                      </a:rPr>
+                      <m:t>=</m:t>
+                    </m:r>
+                    <m:r>
+                      <a:rPr lang="en-US" altLang="zh-TW" sz="1800" i="1">
+                        <a:latin typeface="Cambria Math" panose="02040503050406030204" pitchFamily="18" charset="0"/>
+                      </a:rPr>
+                      <m:t>7</m:t>
+                    </m:r>
+                  </m:oMath>
+                </a14:m>
+                <a:r>
+                  <a:rPr lang="en-US" altLang="zh-TW" sz="1800" dirty="0">
+                    <a:latin typeface="Times New Roman" panose="02020603050405020304" pitchFamily="18" charset="0"/>
+                  </a:rPr>
+                  <a:t> and </a:t>
+                </a:r>
+                <a14:m>
+                  <m:oMath xmlns:m="http://schemas.openxmlformats.org/officeDocument/2006/math">
+                    <m:sSub>
+                      <m:sSubPr>
+                        <m:ctrlPr>
+                          <a:rPr lang="en-US" altLang="zh-TW" sz="1800" i="1">
+                            <a:latin typeface="Cambria Math" panose="02040503050406030204" pitchFamily="18" charset="0"/>
+                          </a:rPr>
+                        </m:ctrlPr>
+                      </m:sSubPr>
+                      <m:e>
+                        <m:r>
+                          <a:rPr lang="en-US" altLang="zh-TW" sz="1800" i="1">
+                            <a:latin typeface="Cambria Math" panose="02040503050406030204" pitchFamily="18" charset="0"/>
+                          </a:rPr>
+                          <m:t> </m:t>
+                        </m:r>
+                        <m:r>
+                          <a:rPr lang="en-US" altLang="zh-TW" sz="1800" i="1">
+                            <a:latin typeface="Cambria Math" panose="02040503050406030204" pitchFamily="18" charset="0"/>
+                          </a:rPr>
+                          <m:t>𝑛</m:t>
+                        </m:r>
+                      </m:e>
+                      <m:sub>
+                        <m:r>
+                          <a:rPr lang="en-US" altLang="zh-TW" sz="1800" i="1">
+                            <a:latin typeface="Cambria Math" panose="02040503050406030204" pitchFamily="18" charset="0"/>
+                          </a:rPr>
+                          <m:t>0</m:t>
+                        </m:r>
+                      </m:sub>
+                    </m:sSub>
+                    <m:r>
+                      <a:rPr lang="en-US" altLang="zh-TW" sz="1800" i="1">
+                        <a:latin typeface="Cambria Math" panose="02040503050406030204" pitchFamily="18" charset="0"/>
+                      </a:rPr>
+                      <m:t>=</m:t>
+                    </m:r>
+                    <m:r>
+                      <a:rPr lang="en-US" altLang="zh-TW" sz="1800" i="1">
+                        <a:latin typeface="Cambria Math" panose="02040503050406030204" pitchFamily="18" charset="0"/>
+                      </a:rPr>
+                      <m:t>4</m:t>
+                    </m:r>
+                  </m:oMath>
+                </a14:m>
+                <a:endParaRPr lang="zh-TW" altLang="en-US" sz="1800" i="1" dirty="0">
+                  <a:latin typeface="Cambria Math" panose="02040503050406030204" pitchFamily="18" charset="0"/>
+                </a:endParaRPr>
+              </a:p>
+            </p:txBody>
+          </p:sp>
+        </mc:Choice>
+        <mc:Fallback>
+          <p:sp>
+            <p:nvSpPr>
+              <p:cNvPr id="3" name="內容版面配置區 2"/>
+              <p:cNvSpPr>
+                <a:spLocks noGrp="1" noRot="1" noChangeAspect="1" noMove="1" noResize="1" noEditPoints="1" noAdjustHandles="1" noChangeArrowheads="1" noChangeShapeType="1" noTextEdit="1"/>
+              </p:cNvSpPr>
+              <p:nvPr>
+                <p:ph idx="1"/>
+              </p:nvPr>
+            </p:nvSpPr>
+            <p:spPr>
+              <a:blipFill>
+                <a:blip r:embed="rId4"/>
+                <a:stretch>
+                  <a:fillRect l="-1288" t="-2058" r="-1288" b="-1453"/>
+                </a:stretch>
+              </a:blipFill>
+            </p:spPr>
+            <p:txBody>
+              <a:bodyPr/>
+              <a:lstStyle/>
+              <a:p>
+                <a:r>
+                  <a:rPr lang="zh-TW" altLang="en-US">
+                    <a:noFill/>
+                  </a:rPr>
+                  <a:t> </a:t>
+                </a:r>
+              </a:p>
+            </p:txBody>
+          </p:sp>
+        </mc:Fallback>
+      </mc:AlternateContent>
+    </p:spTree>
+    <p:extLst>
+      <p:ext uri="{BB962C8B-B14F-4D97-AF65-F5344CB8AC3E}">
+        <p14:creationId xmlns:p14="http://schemas.microsoft.com/office/powerpoint/2010/main" val="1129993500"/>
       </p:ext>
     </p:extLst>
   </p:cSld>
@@ -18952,4 +27917,265 @@
     </a:ext>
   </a:extLst>
 </a:theme>
+</file>
+
+<file path=ppt/theme/theme2.xml><?xml version="1.0" encoding="utf-8"?>
+<a:theme xmlns:a="http://schemas.openxmlformats.org/drawingml/2006/main" name="Office 佈景主題">
+  <a:themeElements>
+    <a:clrScheme name="Office">
+      <a:dk1>
+        <a:sysClr val="windowText" lastClr="000000"/>
+      </a:dk1>
+      <a:lt1>
+        <a:sysClr val="window" lastClr="FFFFFF"/>
+      </a:lt1>
+      <a:dk2>
+        <a:srgbClr val="44546A"/>
+      </a:dk2>
+      <a:lt2>
+        <a:srgbClr val="E7E6E6"/>
+      </a:lt2>
+      <a:accent1>
+        <a:srgbClr val="5B9BD5"/>
+      </a:accent1>
+      <a:accent2>
+        <a:srgbClr val="ED7D31"/>
+      </a:accent2>
+      <a:accent3>
+        <a:srgbClr val="A5A5A5"/>
+      </a:accent3>
+      <a:accent4>
+        <a:srgbClr val="FFC000"/>
+      </a:accent4>
+      <a:accent5>
+        <a:srgbClr val="4472C4"/>
+      </a:accent5>
+      <a:accent6>
+        <a:srgbClr val="70AD47"/>
+      </a:accent6>
+      <a:hlink>
+        <a:srgbClr val="0563C1"/>
+      </a:hlink>
+      <a:folHlink>
+        <a:srgbClr val="954F72"/>
+      </a:folHlink>
+    </a:clrScheme>
+    <a:fontScheme name="Office">
+      <a:majorFont>
+        <a:latin typeface="Calibri Light" panose="020F0302020204030204"/>
+        <a:ea typeface=""/>
+        <a:cs typeface=""/>
+        <a:font script="Jpan" typeface="游ゴシック Light"/>
+        <a:font script="Hang" typeface="맑은 고딕"/>
+        <a:font script="Hans" typeface="等线 Light"/>
+        <a:font script="Hant" typeface="新細明體"/>
+        <a:font script="Arab" typeface="Times New Roman"/>
+        <a:font script="Hebr" typeface="Times New Roman"/>
+        <a:font script="Thai" typeface="Angsana New"/>
+        <a:font script="Ethi" typeface="Nyala"/>
+        <a:font script="Beng" typeface="Vrinda"/>
+        <a:font script="Gujr" typeface="Shruti"/>
+        <a:font script="Khmr" typeface="MoolBoran"/>
+        <a:font script="Knda" typeface="Tunga"/>
+        <a:font script="Guru" typeface="Raavi"/>
+        <a:font script="Cans" typeface="Euphemia"/>
+        <a:font script="Cher" typeface="Plantagenet Cherokee"/>
+        <a:font script="Yiii" typeface="Microsoft Yi Baiti"/>
+        <a:font script="Tibt" typeface="Microsoft Himalaya"/>
+        <a:font script="Thaa" typeface="MV Boli"/>
+        <a:font script="Deva" typeface="Mangal"/>
+        <a:font script="Telu" typeface="Gautami"/>
+        <a:font script="Taml" typeface="Latha"/>
+        <a:font script="Syrc" typeface="Estrangelo Edessa"/>
+        <a:font script="Orya" typeface="Kalinga"/>
+        <a:font script="Mlym" typeface="Kartika"/>
+        <a:font script="Laoo" typeface="DokChampa"/>
+        <a:font script="Sinh" typeface="Iskoola Pota"/>
+        <a:font script="Mong" typeface="Mongolian Baiti"/>
+        <a:font script="Viet" typeface="Times New Roman"/>
+        <a:font script="Uigh" typeface="Microsoft Uighur"/>
+        <a:font script="Geor" typeface="Sylfaen"/>
+      </a:majorFont>
+      <a:minorFont>
+        <a:latin typeface="Calibri" panose="020F0502020204030204"/>
+        <a:ea typeface=""/>
+        <a:cs typeface=""/>
+        <a:font script="Jpan" typeface="游ゴシック"/>
+        <a:font script="Hang" typeface="맑은 고딕"/>
+        <a:font script="Hans" typeface="等线"/>
+        <a:font script="Hant" typeface="新細明體"/>
+        <a:font script="Arab" typeface="Arial"/>
+        <a:font script="Hebr" typeface="Arial"/>
+        <a:font script="Thai" typeface="Cordia New"/>
+        <a:font script="Ethi" typeface="Nyala"/>
+        <a:font script="Beng" typeface="Vrinda"/>
+        <a:font script="Gujr" typeface="Shruti"/>
+        <a:font script="Khmr" typeface="DaunPenh"/>
+        <a:font script="Knda" typeface="Tunga"/>
+        <a:font script="Guru" typeface="Raavi"/>
+        <a:font script="Cans" typeface="Euphemia"/>
+        <a:font script="Cher" typeface="Plantagenet Cherokee"/>
+        <a:font script="Yiii" typeface="Microsoft Yi Baiti"/>
+        <a:font script="Tibt" typeface="Microsoft Himalaya"/>
+        <a:font script="Thaa" typeface="MV Boli"/>
+        <a:font script="Deva" typeface="Mangal"/>
+        <a:font script="Telu" typeface="Gautami"/>
+        <a:font script="Taml" typeface="Latha"/>
+        <a:font script="Syrc" typeface="Estrangelo Edessa"/>
+        <a:font script="Orya" typeface="Kalinga"/>
+        <a:font script="Mlym" typeface="Kartika"/>
+        <a:font script="Laoo" typeface="DokChampa"/>
+        <a:font script="Sinh" typeface="Iskoola Pota"/>
+        <a:font script="Mong" typeface="Mongolian Baiti"/>
+        <a:font script="Viet" typeface="Arial"/>
+        <a:font script="Uigh" typeface="Microsoft Uighur"/>
+        <a:font script="Geor" typeface="Sylfaen"/>
+      </a:minorFont>
+    </a:fontScheme>
+    <a:fmtScheme name="Office">
+      <a:fillStyleLst>
+        <a:solidFill>
+          <a:schemeClr val="phClr"/>
+        </a:solidFill>
+        <a:gradFill rotWithShape="1">
+          <a:gsLst>
+            <a:gs pos="0">
+              <a:schemeClr val="phClr">
+                <a:lumMod val="110000"/>
+                <a:satMod val="105000"/>
+                <a:tint val="67000"/>
+              </a:schemeClr>
+            </a:gs>
+            <a:gs pos="50000">
+              <a:schemeClr val="phClr">
+                <a:lumMod val="105000"/>
+                <a:satMod val="103000"/>
+                <a:tint val="73000"/>
+              </a:schemeClr>
+            </a:gs>
+            <a:gs pos="100000">
+              <a:schemeClr val="phClr">
+                <a:lumMod val="105000"/>
+                <a:satMod val="109000"/>
+                <a:tint val="81000"/>
+              </a:schemeClr>
+            </a:gs>
+          </a:gsLst>
+          <a:lin ang="5400000" scaled="0"/>
+        </a:gradFill>
+        <a:gradFill rotWithShape="1">
+          <a:gsLst>
+            <a:gs pos="0">
+              <a:schemeClr val="phClr">
+                <a:satMod val="103000"/>
+                <a:lumMod val="102000"/>
+                <a:tint val="94000"/>
+              </a:schemeClr>
+            </a:gs>
+            <a:gs pos="50000">
+              <a:schemeClr val="phClr">
+                <a:satMod val="110000"/>
+                <a:lumMod val="100000"/>
+                <a:shade val="100000"/>
+              </a:schemeClr>
+            </a:gs>
+            <a:gs pos="100000">
+              <a:schemeClr val="phClr">
+                <a:lumMod val="99000"/>
+                <a:satMod val="120000"/>
+                <a:shade val="78000"/>
+              </a:schemeClr>
+            </a:gs>
+          </a:gsLst>
+          <a:lin ang="5400000" scaled="0"/>
+        </a:gradFill>
+      </a:fillStyleLst>
+      <a:lnStyleLst>
+        <a:ln w="6350" cap="flat" cmpd="sng" algn="ctr">
+          <a:solidFill>
+            <a:schemeClr val="phClr"/>
+          </a:solidFill>
+          <a:prstDash val="solid"/>
+          <a:miter lim="800000"/>
+        </a:ln>
+        <a:ln w="12700" cap="flat" cmpd="sng" algn="ctr">
+          <a:solidFill>
+            <a:schemeClr val="phClr"/>
+          </a:solidFill>
+          <a:prstDash val="solid"/>
+          <a:miter lim="800000"/>
+        </a:ln>
+        <a:ln w="19050" cap="flat" cmpd="sng" algn="ctr">
+          <a:solidFill>
+            <a:schemeClr val="phClr"/>
+          </a:solidFill>
+          <a:prstDash val="solid"/>
+          <a:miter lim="800000"/>
+        </a:ln>
+      </a:lnStyleLst>
+      <a:effectStyleLst>
+        <a:effectStyle>
+          <a:effectLst/>
+        </a:effectStyle>
+        <a:effectStyle>
+          <a:effectLst/>
+        </a:effectStyle>
+        <a:effectStyle>
+          <a:effectLst>
+            <a:outerShdw blurRad="57150" dist="19050" dir="5400000" algn="ctr" rotWithShape="0">
+              <a:srgbClr val="000000">
+                <a:alpha val="63000"/>
+              </a:srgbClr>
+            </a:outerShdw>
+          </a:effectLst>
+        </a:effectStyle>
+      </a:effectStyleLst>
+      <a:bgFillStyleLst>
+        <a:solidFill>
+          <a:schemeClr val="phClr"/>
+        </a:solidFill>
+        <a:solidFill>
+          <a:schemeClr val="phClr">
+            <a:tint val="95000"/>
+            <a:satMod val="170000"/>
+          </a:schemeClr>
+        </a:solidFill>
+        <a:gradFill rotWithShape="1">
+          <a:gsLst>
+            <a:gs pos="0">
+              <a:schemeClr val="phClr">
+                <a:tint val="93000"/>
+                <a:satMod val="150000"/>
+                <a:shade val="98000"/>
+                <a:lumMod val="102000"/>
+              </a:schemeClr>
+            </a:gs>
+            <a:gs pos="50000">
+              <a:schemeClr val="phClr">
+                <a:tint val="98000"/>
+                <a:satMod val="130000"/>
+                <a:shade val="90000"/>
+                <a:lumMod val="103000"/>
+              </a:schemeClr>
+            </a:gs>
+            <a:gs pos="100000">
+              <a:schemeClr val="phClr">
+                <a:shade val="63000"/>
+                <a:satMod val="120000"/>
+              </a:schemeClr>
+            </a:gs>
+          </a:gsLst>
+          <a:lin ang="5400000" scaled="0"/>
+        </a:gradFill>
+      </a:bgFillStyleLst>
+    </a:fmtScheme>
+  </a:themeElements>
+  <a:objectDefaults/>
+  <a:extraClrSchemeLst/>
+  <a:extLst>
+    <a:ext uri="{05A4C25C-085E-4340-85A3-A5531E510DB2}">
+      <thm15:themeFamily xmlns:thm15="http://schemas.microsoft.com/office/thememl/2012/main" name="Office Theme" id="{62F939B6-93AF-4DB8-9C6B-D6C7DFDC589F}" vid="{4A3C46E8-61CC-4603-A589-7422A47A8E4A}"/>
+    </a:ext>
+  </a:extLst>
+</a:theme>
 </file>